--- a/Apresentacao.Knockout.JS/Knockout.JS.2014.04.pptx
+++ b/Apresentacao.Knockout.JS/Knockout.JS.2014.04.pptx
@@ -5,20 +5,24 @@
     <p:sldMasterId id="2147483660" r:id="rId2"/>
   </p:sldMasterIdLst>
   <p:notesMasterIdLst>
-    <p:notesMasterId r:id="rId12"/>
+    <p:notesMasterId r:id="rId16"/>
   </p:notesMasterIdLst>
   <p:sldIdLst>
     <p:sldId id="256" r:id="rId3"/>
-    <p:sldId id="264" r:id="rId4"/>
-    <p:sldId id="263" r:id="rId5"/>
-    <p:sldId id="257" r:id="rId6"/>
-    <p:sldId id="258" r:id="rId7"/>
-    <p:sldId id="259" r:id="rId8"/>
-    <p:sldId id="260" r:id="rId9"/>
-    <p:sldId id="261" r:id="rId10"/>
-    <p:sldId id="262" r:id="rId11"/>
+    <p:sldId id="265" r:id="rId4"/>
+    <p:sldId id="270" r:id="rId5"/>
+    <p:sldId id="269" r:id="rId6"/>
+    <p:sldId id="266" r:id="rId7"/>
+    <p:sldId id="267" r:id="rId8"/>
+    <p:sldId id="268" r:id="rId9"/>
+    <p:sldId id="271" r:id="rId10"/>
+    <p:sldId id="275" r:id="rId11"/>
+    <p:sldId id="276" r:id="rId12"/>
+    <p:sldId id="272" r:id="rId13"/>
+    <p:sldId id="273" r:id="rId14"/>
+    <p:sldId id="274" r:id="rId15"/>
   </p:sldIdLst>
-  <p:sldSz cx="9144000" cy="6858000" type="screen4x3"/>
+  <p:sldSz cx="12192000" cy="6858000"/>
   <p:notesSz cx="6858000" cy="9144000"/>
   <p:defaultTextStyle>
     <a:defPPr>
@@ -118,12 +122,12 @@
   <p:extLst>
     <p:ext uri="{EFAFB233-063F-42B5-8137-9DF3F51BA10A}">
       <p15:sldGuideLst xmlns:p15="http://schemas.microsoft.com/office/powerpoint/2012/main">
-        <p15:guide id="1" orient="horz" pos="2160">
+        <p15:guide id="1" orient="horz" pos="2160" userDrawn="1">
           <p15:clr>
             <a:srgbClr val="A4A3A4"/>
           </p15:clr>
         </p15:guide>
-        <p15:guide id="2" pos="2880">
+        <p15:guide id="2" pos="3795" userDrawn="1">
           <p15:clr>
             <a:srgbClr val="A4A3A4"/>
           </p15:clr>
@@ -132,6 +136,2950 @@
     </p:ext>
   </p:extLst>
 </p:presentation>
+</file>
+
+<file path=ppt/diagrams/colors1.xml><?xml version="1.0" encoding="utf-8"?>
+<dgm:colorsDef xmlns:dgm="http://schemas.openxmlformats.org/drawingml/2006/diagram" xmlns:a="http://schemas.openxmlformats.org/drawingml/2006/main" uniqueId="urn:microsoft.com/office/officeart/2005/8/colors/accent1_2">
+  <dgm:title val=""/>
+  <dgm:desc val=""/>
+  <dgm:catLst>
+    <dgm:cat type="accent1" pri="11200"/>
+  </dgm:catLst>
+  <dgm:styleLbl name="node0">
+    <dgm:fillClrLst meth="repeat">
+      <a:schemeClr val="accent1"/>
+    </dgm:fillClrLst>
+    <dgm:linClrLst meth="repeat">
+      <a:schemeClr val="lt1"/>
+    </dgm:linClrLst>
+    <dgm:effectClrLst/>
+    <dgm:txLinClrLst/>
+    <dgm:txFillClrLst/>
+    <dgm:txEffectClrLst/>
+  </dgm:styleLbl>
+  <dgm:styleLbl name="alignNode1">
+    <dgm:fillClrLst meth="repeat">
+      <a:schemeClr val="accent1"/>
+    </dgm:fillClrLst>
+    <dgm:linClrLst meth="repeat">
+      <a:schemeClr val="accent1"/>
+    </dgm:linClrLst>
+    <dgm:effectClrLst/>
+    <dgm:txLinClrLst/>
+    <dgm:txFillClrLst/>
+    <dgm:txEffectClrLst/>
+  </dgm:styleLbl>
+  <dgm:styleLbl name="node1">
+    <dgm:fillClrLst meth="repeat">
+      <a:schemeClr val="accent1"/>
+    </dgm:fillClrLst>
+    <dgm:linClrLst meth="repeat">
+      <a:schemeClr val="lt1"/>
+    </dgm:linClrLst>
+    <dgm:effectClrLst/>
+    <dgm:txLinClrLst/>
+    <dgm:txFillClrLst/>
+    <dgm:txEffectClrLst/>
+  </dgm:styleLbl>
+  <dgm:styleLbl name="lnNode1">
+    <dgm:fillClrLst meth="repeat">
+      <a:schemeClr val="accent1"/>
+    </dgm:fillClrLst>
+    <dgm:linClrLst meth="repeat">
+      <a:schemeClr val="lt1"/>
+    </dgm:linClrLst>
+    <dgm:effectClrLst/>
+    <dgm:txLinClrLst/>
+    <dgm:txFillClrLst/>
+    <dgm:txEffectClrLst/>
+  </dgm:styleLbl>
+  <dgm:styleLbl name="vennNode1">
+    <dgm:fillClrLst meth="repeat">
+      <a:schemeClr val="accent1">
+        <a:alpha val="50000"/>
+      </a:schemeClr>
+    </dgm:fillClrLst>
+    <dgm:linClrLst meth="repeat">
+      <a:schemeClr val="lt1"/>
+    </dgm:linClrLst>
+    <dgm:effectClrLst/>
+    <dgm:txLinClrLst/>
+    <dgm:txFillClrLst/>
+    <dgm:txEffectClrLst/>
+  </dgm:styleLbl>
+  <dgm:styleLbl name="node2">
+    <dgm:fillClrLst meth="repeat">
+      <a:schemeClr val="accent1"/>
+    </dgm:fillClrLst>
+    <dgm:linClrLst meth="repeat">
+      <a:schemeClr val="lt1"/>
+    </dgm:linClrLst>
+    <dgm:effectClrLst/>
+    <dgm:txLinClrLst/>
+    <dgm:txFillClrLst/>
+    <dgm:txEffectClrLst/>
+  </dgm:styleLbl>
+  <dgm:styleLbl name="node3">
+    <dgm:fillClrLst meth="repeat">
+      <a:schemeClr val="accent1"/>
+    </dgm:fillClrLst>
+    <dgm:linClrLst meth="repeat">
+      <a:schemeClr val="lt1"/>
+    </dgm:linClrLst>
+    <dgm:effectClrLst/>
+    <dgm:txLinClrLst/>
+    <dgm:txFillClrLst/>
+    <dgm:txEffectClrLst/>
+  </dgm:styleLbl>
+  <dgm:styleLbl name="node4">
+    <dgm:fillClrLst meth="repeat">
+      <a:schemeClr val="accent1"/>
+    </dgm:fillClrLst>
+    <dgm:linClrLst meth="repeat">
+      <a:schemeClr val="lt1"/>
+    </dgm:linClrLst>
+    <dgm:effectClrLst/>
+    <dgm:txLinClrLst/>
+    <dgm:txFillClrLst/>
+    <dgm:txEffectClrLst/>
+  </dgm:styleLbl>
+  <dgm:styleLbl name="fgImgPlace1">
+    <dgm:fillClrLst meth="repeat">
+      <a:schemeClr val="accent1">
+        <a:tint val="50000"/>
+      </a:schemeClr>
+    </dgm:fillClrLst>
+    <dgm:linClrLst meth="repeat">
+      <a:schemeClr val="lt1"/>
+    </dgm:linClrLst>
+    <dgm:effectClrLst/>
+    <dgm:txLinClrLst/>
+    <dgm:txFillClrLst meth="repeat">
+      <a:schemeClr val="lt1"/>
+    </dgm:txFillClrLst>
+    <dgm:txEffectClrLst/>
+  </dgm:styleLbl>
+  <dgm:styleLbl name="alignImgPlace1">
+    <dgm:fillClrLst meth="repeat">
+      <a:schemeClr val="accent1">
+        <a:tint val="50000"/>
+      </a:schemeClr>
+    </dgm:fillClrLst>
+    <dgm:linClrLst meth="repeat">
+      <a:schemeClr val="lt1"/>
+    </dgm:linClrLst>
+    <dgm:effectClrLst/>
+    <dgm:txLinClrLst/>
+    <dgm:txFillClrLst meth="repeat">
+      <a:schemeClr val="lt1"/>
+    </dgm:txFillClrLst>
+    <dgm:txEffectClrLst/>
+  </dgm:styleLbl>
+  <dgm:styleLbl name="bgImgPlace1">
+    <dgm:fillClrLst meth="repeat">
+      <a:schemeClr val="accent1">
+        <a:tint val="50000"/>
+      </a:schemeClr>
+    </dgm:fillClrLst>
+    <dgm:linClrLst meth="repeat">
+      <a:schemeClr val="lt1"/>
+    </dgm:linClrLst>
+    <dgm:effectClrLst/>
+    <dgm:txLinClrLst/>
+    <dgm:txFillClrLst meth="repeat">
+      <a:schemeClr val="lt1"/>
+    </dgm:txFillClrLst>
+    <dgm:txEffectClrLst/>
+  </dgm:styleLbl>
+  <dgm:styleLbl name="sibTrans2D1">
+    <dgm:fillClrLst meth="repeat">
+      <a:schemeClr val="accent1">
+        <a:tint val="60000"/>
+      </a:schemeClr>
+    </dgm:fillClrLst>
+    <dgm:linClrLst meth="repeat">
+      <a:schemeClr val="accent1">
+        <a:tint val="60000"/>
+      </a:schemeClr>
+    </dgm:linClrLst>
+    <dgm:effectClrLst/>
+    <dgm:txLinClrLst/>
+    <dgm:txFillClrLst/>
+    <dgm:txEffectClrLst/>
+  </dgm:styleLbl>
+  <dgm:styleLbl name="fgSibTrans2D1">
+    <dgm:fillClrLst meth="repeat">
+      <a:schemeClr val="accent1">
+        <a:tint val="60000"/>
+      </a:schemeClr>
+    </dgm:fillClrLst>
+    <dgm:linClrLst meth="repeat">
+      <a:schemeClr val="accent1">
+        <a:tint val="60000"/>
+      </a:schemeClr>
+    </dgm:linClrLst>
+    <dgm:effectClrLst/>
+    <dgm:txLinClrLst/>
+    <dgm:txFillClrLst/>
+    <dgm:txEffectClrLst/>
+  </dgm:styleLbl>
+  <dgm:styleLbl name="bgSibTrans2D1">
+    <dgm:fillClrLst meth="repeat">
+      <a:schemeClr val="accent1">
+        <a:tint val="60000"/>
+      </a:schemeClr>
+    </dgm:fillClrLst>
+    <dgm:linClrLst meth="repeat">
+      <a:schemeClr val="accent1">
+        <a:tint val="60000"/>
+      </a:schemeClr>
+    </dgm:linClrLst>
+    <dgm:effectClrLst/>
+    <dgm:txLinClrLst/>
+    <dgm:txFillClrLst/>
+    <dgm:txEffectClrLst/>
+  </dgm:styleLbl>
+  <dgm:styleLbl name="sibTrans1D1">
+    <dgm:fillClrLst meth="repeat">
+      <a:schemeClr val="accent1"/>
+    </dgm:fillClrLst>
+    <dgm:linClrLst meth="repeat">
+      <a:schemeClr val="accent1"/>
+    </dgm:linClrLst>
+    <dgm:effectClrLst/>
+    <dgm:txLinClrLst/>
+    <dgm:txFillClrLst meth="repeat">
+      <a:schemeClr val="tx1"/>
+    </dgm:txFillClrLst>
+    <dgm:txEffectClrLst/>
+  </dgm:styleLbl>
+  <dgm:styleLbl name="callout">
+    <dgm:fillClrLst meth="repeat">
+      <a:schemeClr val="accent1"/>
+    </dgm:fillClrLst>
+    <dgm:linClrLst meth="repeat">
+      <a:schemeClr val="accent1">
+        <a:tint val="50000"/>
+      </a:schemeClr>
+    </dgm:linClrLst>
+    <dgm:effectClrLst/>
+    <dgm:txLinClrLst/>
+    <dgm:txFillClrLst meth="repeat">
+      <a:schemeClr val="tx1"/>
+    </dgm:txFillClrLst>
+    <dgm:txEffectClrLst/>
+  </dgm:styleLbl>
+  <dgm:styleLbl name="asst0">
+    <dgm:fillClrLst meth="repeat">
+      <a:schemeClr val="accent1"/>
+    </dgm:fillClrLst>
+    <dgm:linClrLst meth="repeat">
+      <a:schemeClr val="lt1"/>
+    </dgm:linClrLst>
+    <dgm:effectClrLst/>
+    <dgm:txLinClrLst/>
+    <dgm:txFillClrLst/>
+    <dgm:txEffectClrLst/>
+  </dgm:styleLbl>
+  <dgm:styleLbl name="asst1">
+    <dgm:fillClrLst meth="repeat">
+      <a:schemeClr val="accent1"/>
+    </dgm:fillClrLst>
+    <dgm:linClrLst meth="repeat">
+      <a:schemeClr val="lt1"/>
+    </dgm:linClrLst>
+    <dgm:effectClrLst/>
+    <dgm:txLinClrLst/>
+    <dgm:txFillClrLst/>
+    <dgm:txEffectClrLst/>
+  </dgm:styleLbl>
+  <dgm:styleLbl name="asst2">
+    <dgm:fillClrLst meth="repeat">
+      <a:schemeClr val="accent1"/>
+    </dgm:fillClrLst>
+    <dgm:linClrLst meth="repeat">
+      <a:schemeClr val="lt1"/>
+    </dgm:linClrLst>
+    <dgm:effectClrLst/>
+    <dgm:txLinClrLst/>
+    <dgm:txFillClrLst/>
+    <dgm:txEffectClrLst/>
+  </dgm:styleLbl>
+  <dgm:styleLbl name="asst3">
+    <dgm:fillClrLst meth="repeat">
+      <a:schemeClr val="accent1"/>
+    </dgm:fillClrLst>
+    <dgm:linClrLst meth="repeat">
+      <a:schemeClr val="lt1"/>
+    </dgm:linClrLst>
+    <dgm:effectClrLst/>
+    <dgm:txLinClrLst/>
+    <dgm:txFillClrLst/>
+    <dgm:txEffectClrLst/>
+  </dgm:styleLbl>
+  <dgm:styleLbl name="asst4">
+    <dgm:fillClrLst meth="repeat">
+      <a:schemeClr val="accent1"/>
+    </dgm:fillClrLst>
+    <dgm:linClrLst meth="repeat">
+      <a:schemeClr val="lt1"/>
+    </dgm:linClrLst>
+    <dgm:effectClrLst/>
+    <dgm:txLinClrLst/>
+    <dgm:txFillClrLst/>
+    <dgm:txEffectClrLst/>
+  </dgm:styleLbl>
+  <dgm:styleLbl name="parChTrans2D1">
+    <dgm:fillClrLst meth="repeat">
+      <a:schemeClr val="accent1">
+        <a:tint val="60000"/>
+      </a:schemeClr>
+    </dgm:fillClrLst>
+    <dgm:linClrLst meth="repeat">
+      <a:schemeClr val="accent1">
+        <a:tint val="60000"/>
+      </a:schemeClr>
+    </dgm:linClrLst>
+    <dgm:effectClrLst/>
+    <dgm:txLinClrLst/>
+    <dgm:txFillClrLst meth="repeat">
+      <a:schemeClr val="lt1"/>
+    </dgm:txFillClrLst>
+    <dgm:txEffectClrLst/>
+  </dgm:styleLbl>
+  <dgm:styleLbl name="parChTrans2D2">
+    <dgm:fillClrLst meth="repeat">
+      <a:schemeClr val="accent1"/>
+    </dgm:fillClrLst>
+    <dgm:linClrLst meth="repeat">
+      <a:schemeClr val="accent1"/>
+    </dgm:linClrLst>
+    <dgm:effectClrLst/>
+    <dgm:txLinClrLst/>
+    <dgm:txFillClrLst meth="repeat">
+      <a:schemeClr val="lt1"/>
+    </dgm:txFillClrLst>
+    <dgm:txEffectClrLst/>
+  </dgm:styleLbl>
+  <dgm:styleLbl name="parChTrans2D3">
+    <dgm:fillClrLst meth="repeat">
+      <a:schemeClr val="accent1"/>
+    </dgm:fillClrLst>
+    <dgm:linClrLst meth="repeat">
+      <a:schemeClr val="accent1"/>
+    </dgm:linClrLst>
+    <dgm:effectClrLst/>
+    <dgm:txLinClrLst/>
+    <dgm:txFillClrLst meth="repeat">
+      <a:schemeClr val="lt1"/>
+    </dgm:txFillClrLst>
+    <dgm:txEffectClrLst/>
+  </dgm:styleLbl>
+  <dgm:styleLbl name="parChTrans2D4">
+    <dgm:fillClrLst meth="repeat">
+      <a:schemeClr val="accent1"/>
+    </dgm:fillClrLst>
+    <dgm:linClrLst meth="repeat">
+      <a:schemeClr val="accent1"/>
+    </dgm:linClrLst>
+    <dgm:effectClrLst/>
+    <dgm:txLinClrLst/>
+    <dgm:txFillClrLst meth="repeat">
+      <a:schemeClr val="lt1"/>
+    </dgm:txFillClrLst>
+    <dgm:txEffectClrLst/>
+  </dgm:styleLbl>
+  <dgm:styleLbl name="parChTrans1D1">
+    <dgm:fillClrLst meth="repeat">
+      <a:schemeClr val="accent1"/>
+    </dgm:fillClrLst>
+    <dgm:linClrLst meth="repeat">
+      <a:schemeClr val="accent1">
+        <a:shade val="60000"/>
+      </a:schemeClr>
+    </dgm:linClrLst>
+    <dgm:effectClrLst/>
+    <dgm:txLinClrLst/>
+    <dgm:txFillClrLst meth="repeat">
+      <a:schemeClr val="tx1"/>
+    </dgm:txFillClrLst>
+    <dgm:txEffectClrLst/>
+  </dgm:styleLbl>
+  <dgm:styleLbl name="parChTrans1D2">
+    <dgm:fillClrLst meth="repeat">
+      <a:schemeClr val="accent1"/>
+    </dgm:fillClrLst>
+    <dgm:linClrLst meth="repeat">
+      <a:schemeClr val="accent1">
+        <a:shade val="60000"/>
+      </a:schemeClr>
+    </dgm:linClrLst>
+    <dgm:effectClrLst/>
+    <dgm:txLinClrLst/>
+    <dgm:txFillClrLst meth="repeat">
+      <a:schemeClr val="tx1"/>
+    </dgm:txFillClrLst>
+    <dgm:txEffectClrLst/>
+  </dgm:styleLbl>
+  <dgm:styleLbl name="parChTrans1D3">
+    <dgm:fillClrLst meth="repeat">
+      <a:schemeClr val="accent1"/>
+    </dgm:fillClrLst>
+    <dgm:linClrLst meth="repeat">
+      <a:schemeClr val="accent1">
+        <a:shade val="80000"/>
+      </a:schemeClr>
+    </dgm:linClrLst>
+    <dgm:effectClrLst/>
+    <dgm:txLinClrLst/>
+    <dgm:txFillClrLst meth="repeat">
+      <a:schemeClr val="tx1"/>
+    </dgm:txFillClrLst>
+    <dgm:txEffectClrLst/>
+  </dgm:styleLbl>
+  <dgm:styleLbl name="parChTrans1D4">
+    <dgm:fillClrLst meth="repeat">
+      <a:schemeClr val="accent1"/>
+    </dgm:fillClrLst>
+    <dgm:linClrLst meth="repeat">
+      <a:schemeClr val="accent1">
+        <a:shade val="80000"/>
+      </a:schemeClr>
+    </dgm:linClrLst>
+    <dgm:effectClrLst/>
+    <dgm:txLinClrLst/>
+    <dgm:txFillClrLst meth="repeat">
+      <a:schemeClr val="tx1"/>
+    </dgm:txFillClrLst>
+    <dgm:txEffectClrLst/>
+  </dgm:styleLbl>
+  <dgm:styleLbl name="fgAcc1">
+    <dgm:fillClrLst meth="repeat">
+      <a:schemeClr val="lt1">
+        <a:alpha val="90000"/>
+      </a:schemeClr>
+    </dgm:fillClrLst>
+    <dgm:linClrLst meth="repeat">
+      <a:schemeClr val="accent1"/>
+    </dgm:linClrLst>
+    <dgm:effectClrLst/>
+    <dgm:txLinClrLst/>
+    <dgm:txFillClrLst meth="repeat">
+      <a:schemeClr val="dk1"/>
+    </dgm:txFillClrLst>
+    <dgm:txEffectClrLst/>
+  </dgm:styleLbl>
+  <dgm:styleLbl name="conFgAcc1">
+    <dgm:fillClrLst meth="repeat">
+      <a:schemeClr val="lt1">
+        <a:alpha val="90000"/>
+      </a:schemeClr>
+    </dgm:fillClrLst>
+    <dgm:linClrLst meth="repeat">
+      <a:schemeClr val="accent1"/>
+    </dgm:linClrLst>
+    <dgm:effectClrLst/>
+    <dgm:txLinClrLst/>
+    <dgm:txFillClrLst meth="repeat">
+      <a:schemeClr val="dk1"/>
+    </dgm:txFillClrLst>
+    <dgm:txEffectClrLst/>
+  </dgm:styleLbl>
+  <dgm:styleLbl name="alignAcc1">
+    <dgm:fillClrLst meth="repeat">
+      <a:schemeClr val="lt1">
+        <a:alpha val="90000"/>
+      </a:schemeClr>
+    </dgm:fillClrLst>
+    <dgm:linClrLst meth="repeat">
+      <a:schemeClr val="accent1"/>
+    </dgm:linClrLst>
+    <dgm:effectClrLst/>
+    <dgm:txLinClrLst/>
+    <dgm:txFillClrLst meth="repeat">
+      <a:schemeClr val="dk1"/>
+    </dgm:txFillClrLst>
+    <dgm:txEffectClrLst/>
+  </dgm:styleLbl>
+  <dgm:styleLbl name="trAlignAcc1">
+    <dgm:fillClrLst meth="repeat">
+      <a:schemeClr val="lt1">
+        <a:alpha val="40000"/>
+      </a:schemeClr>
+    </dgm:fillClrLst>
+    <dgm:linClrLst meth="repeat">
+      <a:schemeClr val="accent1"/>
+    </dgm:linClrLst>
+    <dgm:effectClrLst/>
+    <dgm:txLinClrLst/>
+    <dgm:txFillClrLst meth="repeat">
+      <a:schemeClr val="dk1"/>
+    </dgm:txFillClrLst>
+    <dgm:txEffectClrLst/>
+  </dgm:styleLbl>
+  <dgm:styleLbl name="bgAcc1">
+    <dgm:fillClrLst meth="repeat">
+      <a:schemeClr val="lt1">
+        <a:alpha val="90000"/>
+      </a:schemeClr>
+    </dgm:fillClrLst>
+    <dgm:linClrLst meth="repeat">
+      <a:schemeClr val="accent1"/>
+    </dgm:linClrLst>
+    <dgm:effectClrLst/>
+    <dgm:txLinClrLst/>
+    <dgm:txFillClrLst meth="repeat">
+      <a:schemeClr val="dk1"/>
+    </dgm:txFillClrLst>
+    <dgm:txEffectClrLst/>
+  </dgm:styleLbl>
+  <dgm:styleLbl name="solidFgAcc1">
+    <dgm:fillClrLst meth="repeat">
+      <a:schemeClr val="lt1"/>
+    </dgm:fillClrLst>
+    <dgm:linClrLst meth="repeat">
+      <a:schemeClr val="accent1"/>
+    </dgm:linClrLst>
+    <dgm:effectClrLst/>
+    <dgm:txLinClrLst/>
+    <dgm:txFillClrLst meth="repeat">
+      <a:schemeClr val="dk1"/>
+    </dgm:txFillClrLst>
+    <dgm:txEffectClrLst/>
+  </dgm:styleLbl>
+  <dgm:styleLbl name="solidAlignAcc1">
+    <dgm:fillClrLst meth="repeat">
+      <a:schemeClr val="lt1"/>
+    </dgm:fillClrLst>
+    <dgm:linClrLst meth="repeat">
+      <a:schemeClr val="accent1"/>
+    </dgm:linClrLst>
+    <dgm:effectClrLst/>
+    <dgm:txLinClrLst/>
+    <dgm:txFillClrLst meth="repeat">
+      <a:schemeClr val="dk1"/>
+    </dgm:txFillClrLst>
+    <dgm:txEffectClrLst/>
+  </dgm:styleLbl>
+  <dgm:styleLbl name="solidBgAcc1">
+    <dgm:fillClrLst meth="repeat">
+      <a:schemeClr val="lt1"/>
+    </dgm:fillClrLst>
+    <dgm:linClrLst meth="repeat">
+      <a:schemeClr val="accent1"/>
+    </dgm:linClrLst>
+    <dgm:effectClrLst/>
+    <dgm:txLinClrLst/>
+    <dgm:txFillClrLst meth="repeat">
+      <a:schemeClr val="dk1"/>
+    </dgm:txFillClrLst>
+    <dgm:txEffectClrLst/>
+  </dgm:styleLbl>
+  <dgm:styleLbl name="fgAccFollowNode1">
+    <dgm:fillClrLst meth="repeat">
+      <a:schemeClr val="accent1">
+        <a:alpha val="90000"/>
+        <a:tint val="40000"/>
+      </a:schemeClr>
+    </dgm:fillClrLst>
+    <dgm:linClrLst meth="repeat">
+      <a:schemeClr val="accent1">
+        <a:alpha val="90000"/>
+        <a:tint val="40000"/>
+      </a:schemeClr>
+    </dgm:linClrLst>
+    <dgm:effectClrLst/>
+    <dgm:txLinClrLst/>
+    <dgm:txFillClrLst meth="repeat">
+      <a:schemeClr val="dk1"/>
+    </dgm:txFillClrLst>
+    <dgm:txEffectClrLst/>
+  </dgm:styleLbl>
+  <dgm:styleLbl name="alignAccFollowNode1">
+    <dgm:fillClrLst meth="repeat">
+      <a:schemeClr val="accent1">
+        <a:alpha val="90000"/>
+        <a:tint val="40000"/>
+      </a:schemeClr>
+    </dgm:fillClrLst>
+    <dgm:linClrLst meth="repeat">
+      <a:schemeClr val="accent1">
+        <a:alpha val="90000"/>
+        <a:tint val="40000"/>
+      </a:schemeClr>
+    </dgm:linClrLst>
+    <dgm:effectClrLst/>
+    <dgm:txLinClrLst/>
+    <dgm:txFillClrLst meth="repeat">
+      <a:schemeClr val="dk1"/>
+    </dgm:txFillClrLst>
+    <dgm:txEffectClrLst/>
+  </dgm:styleLbl>
+  <dgm:styleLbl name="bgAccFollowNode1">
+    <dgm:fillClrLst meth="repeat">
+      <a:schemeClr val="accent1">
+        <a:alpha val="90000"/>
+        <a:tint val="40000"/>
+      </a:schemeClr>
+    </dgm:fillClrLst>
+    <dgm:linClrLst meth="repeat">
+      <a:schemeClr val="accent1">
+        <a:alpha val="90000"/>
+        <a:tint val="40000"/>
+      </a:schemeClr>
+    </dgm:linClrLst>
+    <dgm:effectClrLst/>
+    <dgm:txLinClrLst/>
+    <dgm:txFillClrLst meth="repeat">
+      <a:schemeClr val="dk1"/>
+    </dgm:txFillClrLst>
+    <dgm:txEffectClrLst/>
+  </dgm:styleLbl>
+  <dgm:styleLbl name="fgAcc0">
+    <dgm:fillClrLst meth="repeat">
+      <a:schemeClr val="lt1">
+        <a:alpha val="90000"/>
+      </a:schemeClr>
+    </dgm:fillClrLst>
+    <dgm:linClrLst meth="repeat">
+      <a:schemeClr val="accent1"/>
+    </dgm:linClrLst>
+    <dgm:effectClrLst/>
+    <dgm:txLinClrLst/>
+    <dgm:txFillClrLst meth="repeat">
+      <a:schemeClr val="dk1"/>
+    </dgm:txFillClrLst>
+    <dgm:txEffectClrLst/>
+  </dgm:styleLbl>
+  <dgm:styleLbl name="fgAcc2">
+    <dgm:fillClrLst meth="repeat">
+      <a:schemeClr val="lt1">
+        <a:alpha val="90000"/>
+      </a:schemeClr>
+    </dgm:fillClrLst>
+    <dgm:linClrLst meth="repeat">
+      <a:schemeClr val="accent1"/>
+    </dgm:linClrLst>
+    <dgm:effectClrLst/>
+    <dgm:txLinClrLst/>
+    <dgm:txFillClrLst meth="repeat">
+      <a:schemeClr val="dk1"/>
+    </dgm:txFillClrLst>
+    <dgm:txEffectClrLst/>
+  </dgm:styleLbl>
+  <dgm:styleLbl name="fgAcc3">
+    <dgm:fillClrLst meth="repeat">
+      <a:schemeClr val="lt1">
+        <a:alpha val="90000"/>
+      </a:schemeClr>
+    </dgm:fillClrLst>
+    <dgm:linClrLst meth="repeat">
+      <a:schemeClr val="accent1"/>
+    </dgm:linClrLst>
+    <dgm:effectClrLst/>
+    <dgm:txLinClrLst/>
+    <dgm:txFillClrLst meth="repeat">
+      <a:schemeClr val="dk1"/>
+    </dgm:txFillClrLst>
+    <dgm:txEffectClrLst/>
+  </dgm:styleLbl>
+  <dgm:styleLbl name="fgAcc4">
+    <dgm:fillClrLst meth="repeat">
+      <a:schemeClr val="lt1">
+        <a:alpha val="90000"/>
+      </a:schemeClr>
+    </dgm:fillClrLst>
+    <dgm:linClrLst meth="repeat">
+      <a:schemeClr val="accent1"/>
+    </dgm:linClrLst>
+    <dgm:effectClrLst/>
+    <dgm:txLinClrLst/>
+    <dgm:txFillClrLst meth="repeat">
+      <a:schemeClr val="dk1"/>
+    </dgm:txFillClrLst>
+    <dgm:txEffectClrLst/>
+  </dgm:styleLbl>
+  <dgm:styleLbl name="bgShp">
+    <dgm:fillClrLst meth="repeat">
+      <a:schemeClr val="accent1">
+        <a:tint val="40000"/>
+      </a:schemeClr>
+    </dgm:fillClrLst>
+    <dgm:linClrLst meth="repeat">
+      <a:schemeClr val="accent1"/>
+    </dgm:linClrLst>
+    <dgm:effectClrLst/>
+    <dgm:txLinClrLst/>
+    <dgm:txFillClrLst meth="repeat">
+      <a:schemeClr val="dk1"/>
+    </dgm:txFillClrLst>
+    <dgm:txEffectClrLst/>
+  </dgm:styleLbl>
+  <dgm:styleLbl name="dkBgShp">
+    <dgm:fillClrLst meth="repeat">
+      <a:schemeClr val="accent1">
+        <a:shade val="80000"/>
+      </a:schemeClr>
+    </dgm:fillClrLst>
+    <dgm:linClrLst meth="repeat">
+      <a:schemeClr val="accent1"/>
+    </dgm:linClrLst>
+    <dgm:effectClrLst/>
+    <dgm:txLinClrLst/>
+    <dgm:txFillClrLst meth="repeat">
+      <a:schemeClr val="lt1"/>
+    </dgm:txFillClrLst>
+    <dgm:txEffectClrLst/>
+  </dgm:styleLbl>
+  <dgm:styleLbl name="trBgShp">
+    <dgm:fillClrLst meth="repeat">
+      <a:schemeClr val="accent1">
+        <a:tint val="50000"/>
+        <a:alpha val="40000"/>
+      </a:schemeClr>
+    </dgm:fillClrLst>
+    <dgm:linClrLst meth="repeat">
+      <a:schemeClr val="accent1"/>
+    </dgm:linClrLst>
+    <dgm:effectClrLst/>
+    <dgm:txLinClrLst/>
+    <dgm:txFillClrLst meth="repeat">
+      <a:schemeClr val="lt1"/>
+    </dgm:txFillClrLst>
+    <dgm:txEffectClrLst/>
+  </dgm:styleLbl>
+  <dgm:styleLbl name="fgShp">
+    <dgm:fillClrLst meth="repeat">
+      <a:schemeClr val="accent1">
+        <a:tint val="60000"/>
+      </a:schemeClr>
+    </dgm:fillClrLst>
+    <dgm:linClrLst meth="repeat">
+      <a:schemeClr val="lt1"/>
+    </dgm:linClrLst>
+    <dgm:effectClrLst/>
+    <dgm:txLinClrLst/>
+    <dgm:txFillClrLst meth="repeat">
+      <a:schemeClr val="dk1"/>
+    </dgm:txFillClrLst>
+    <dgm:txEffectClrLst/>
+  </dgm:styleLbl>
+  <dgm:styleLbl name="revTx">
+    <dgm:fillClrLst meth="repeat">
+      <a:schemeClr val="lt1">
+        <a:alpha val="0"/>
+      </a:schemeClr>
+    </dgm:fillClrLst>
+    <dgm:linClrLst meth="repeat">
+      <a:schemeClr val="dk1">
+        <a:alpha val="0"/>
+      </a:schemeClr>
+    </dgm:linClrLst>
+    <dgm:effectClrLst/>
+    <dgm:txLinClrLst/>
+    <dgm:txFillClrLst meth="repeat">
+      <a:schemeClr val="tx1"/>
+    </dgm:txFillClrLst>
+    <dgm:txEffectClrLst/>
+  </dgm:styleLbl>
+</dgm:colorsDef>
+</file>
+
+<file path=ppt/diagrams/data1.xml><?xml version="1.0" encoding="utf-8"?>
+<dgm:dataModel xmlns:dgm="http://schemas.openxmlformats.org/drawingml/2006/diagram" xmlns:a="http://schemas.openxmlformats.org/drawingml/2006/main">
+  <dgm:ptLst>
+    <dgm:pt modelId="{E98EF3EB-370F-4F73-B039-DD23639F725D}" type="doc">
+      <dgm:prSet loTypeId="urn:microsoft.com/office/officeart/2005/8/layout/gear1" loCatId="cycle" qsTypeId="urn:microsoft.com/office/officeart/2005/8/quickstyle/simple1" qsCatId="simple" csTypeId="urn:microsoft.com/office/officeart/2005/8/colors/accent1_2" csCatId="accent1" phldr="1"/>
+      <dgm:spPr/>
+    </dgm:pt>
+    <dgm:pt modelId="{D0CEC604-ED43-474D-99D4-71542BEC5B2F}">
+      <dgm:prSet phldrT="[Text]" custT="1">
+        <dgm:style>
+          <a:lnRef idx="2">
+            <a:schemeClr val="accent6">
+              <a:shade val="50000"/>
+            </a:schemeClr>
+          </a:lnRef>
+          <a:fillRef idx="1">
+            <a:schemeClr val="accent6"/>
+          </a:fillRef>
+          <a:effectRef idx="0">
+            <a:schemeClr val="accent6"/>
+          </a:effectRef>
+          <a:fontRef idx="minor">
+            <a:schemeClr val="lt1"/>
+          </a:fontRef>
+        </dgm:style>
+      </dgm:prSet>
+      <dgm:spPr/>
+      <dgm:t>
+        <a:bodyPr/>
+        <a:lstStyle/>
+        <a:p>
+          <a:r>
+            <a:rPr lang="en-US" sz="1800" b="1" dirty="0" smtClean="0">
+              <a:solidFill>
+                <a:schemeClr val="tx1"/>
+              </a:solidFill>
+            </a:rPr>
+            <a:t>View</a:t>
+          </a:r>
+          <a:endParaRPr lang="en-US" sz="1800" b="1" dirty="0">
+            <a:solidFill>
+              <a:schemeClr val="tx1"/>
+            </a:solidFill>
+          </a:endParaRPr>
+        </a:p>
+      </dgm:t>
+    </dgm:pt>
+    <dgm:pt modelId="{0E0C4228-AA65-488C-A1D5-4E18DE91B600}" type="parTrans" cxnId="{7D097E0A-4E70-4C8E-B469-399958219C9B}">
+      <dgm:prSet/>
+      <dgm:spPr/>
+      <dgm:t>
+        <a:bodyPr/>
+        <a:lstStyle/>
+        <a:p>
+          <a:endParaRPr lang="en-US"/>
+        </a:p>
+      </dgm:t>
+    </dgm:pt>
+    <dgm:pt modelId="{AAC551DE-57EA-4698-AB1E-A02FAA8CE798}" type="sibTrans" cxnId="{7D097E0A-4E70-4C8E-B469-399958219C9B}">
+      <dgm:prSet/>
+      <dgm:spPr/>
+      <dgm:t>
+        <a:bodyPr/>
+        <a:lstStyle/>
+        <a:p>
+          <a:endParaRPr lang="en-US"/>
+        </a:p>
+      </dgm:t>
+    </dgm:pt>
+    <dgm:pt modelId="{78F74B6B-E805-47C7-99E5-512AC6353B4F}">
+      <dgm:prSet phldrT="[Text]">
+        <dgm:style>
+          <a:lnRef idx="2">
+            <a:schemeClr val="accent2">
+              <a:shade val="50000"/>
+            </a:schemeClr>
+          </a:lnRef>
+          <a:fillRef idx="1">
+            <a:schemeClr val="accent2"/>
+          </a:fillRef>
+          <a:effectRef idx="0">
+            <a:schemeClr val="accent2"/>
+          </a:effectRef>
+          <a:fontRef idx="minor">
+            <a:schemeClr val="lt1"/>
+          </a:fontRef>
+        </dgm:style>
+      </dgm:prSet>
+      <dgm:spPr/>
+      <dgm:t>
+        <a:bodyPr/>
+        <a:lstStyle/>
+        <a:p>
+          <a:r>
+            <a:rPr lang="en-US" b="1" dirty="0" smtClean="0">
+              <a:solidFill>
+                <a:schemeClr val="tx1"/>
+              </a:solidFill>
+            </a:rPr>
+            <a:t>ViewModel</a:t>
+          </a:r>
+          <a:endParaRPr lang="en-US" b="1" dirty="0">
+            <a:solidFill>
+              <a:schemeClr val="tx1"/>
+            </a:solidFill>
+          </a:endParaRPr>
+        </a:p>
+      </dgm:t>
+    </dgm:pt>
+    <dgm:pt modelId="{EE54410C-4FF9-4DF9-8EC5-D1B0DE94194D}" type="parTrans" cxnId="{D2182733-C3D4-49E8-A584-E0DCD6DF929E}">
+      <dgm:prSet/>
+      <dgm:spPr/>
+      <dgm:t>
+        <a:bodyPr/>
+        <a:lstStyle/>
+        <a:p>
+          <a:endParaRPr lang="en-US"/>
+        </a:p>
+      </dgm:t>
+    </dgm:pt>
+    <dgm:pt modelId="{B8ADC54E-AA1C-4320-B8F4-9D12B1BC3C45}" type="sibTrans" cxnId="{D2182733-C3D4-49E8-A584-E0DCD6DF929E}">
+      <dgm:prSet/>
+      <dgm:spPr/>
+      <dgm:t>
+        <a:bodyPr/>
+        <a:lstStyle/>
+        <a:p>
+          <a:endParaRPr lang="en-US"/>
+        </a:p>
+      </dgm:t>
+    </dgm:pt>
+    <dgm:pt modelId="{46EFBD30-D94F-4C94-B63C-27D3374F9D85}">
+      <dgm:prSet phldrT="[Text]">
+        <dgm:style>
+          <a:lnRef idx="2">
+            <a:schemeClr val="accent1">
+              <a:shade val="50000"/>
+            </a:schemeClr>
+          </a:lnRef>
+          <a:fillRef idx="1">
+            <a:schemeClr val="accent1"/>
+          </a:fillRef>
+          <a:effectRef idx="0">
+            <a:schemeClr val="accent1"/>
+          </a:effectRef>
+          <a:fontRef idx="minor">
+            <a:schemeClr val="lt1"/>
+          </a:fontRef>
+        </dgm:style>
+      </dgm:prSet>
+      <dgm:spPr/>
+      <dgm:t>
+        <a:bodyPr/>
+        <a:lstStyle/>
+        <a:p>
+          <a:r>
+            <a:rPr lang="en-US" dirty="0" smtClean="0"/>
+            <a:t>Model</a:t>
+          </a:r>
+          <a:endParaRPr lang="en-US" dirty="0"/>
+        </a:p>
+      </dgm:t>
+    </dgm:pt>
+    <dgm:pt modelId="{9F0338C7-8F44-4AB0-8F77-C6D25830C3F5}" type="parTrans" cxnId="{2BFCB41D-6E97-4BBC-9989-E4C973BCDA2E}">
+      <dgm:prSet/>
+      <dgm:spPr/>
+      <dgm:t>
+        <a:bodyPr/>
+        <a:lstStyle/>
+        <a:p>
+          <a:endParaRPr lang="en-US"/>
+        </a:p>
+      </dgm:t>
+    </dgm:pt>
+    <dgm:pt modelId="{3B81D09A-37D6-4544-93EE-3B6041F996B8}" type="sibTrans" cxnId="{2BFCB41D-6E97-4BBC-9989-E4C973BCDA2E}">
+      <dgm:prSet/>
+      <dgm:spPr/>
+      <dgm:t>
+        <a:bodyPr/>
+        <a:lstStyle/>
+        <a:p>
+          <a:endParaRPr lang="en-US"/>
+        </a:p>
+      </dgm:t>
+    </dgm:pt>
+    <dgm:pt modelId="{FA8456A3-82A4-45A2-AE91-0D333F78A8A4}" type="pres">
+      <dgm:prSet presAssocID="{E98EF3EB-370F-4F73-B039-DD23639F725D}" presName="composite" presStyleCnt="0">
+        <dgm:presLayoutVars>
+          <dgm:chMax val="3"/>
+          <dgm:animLvl val="lvl"/>
+          <dgm:resizeHandles val="exact"/>
+        </dgm:presLayoutVars>
+      </dgm:prSet>
+      <dgm:spPr/>
+    </dgm:pt>
+    <dgm:pt modelId="{8315CB45-4534-4B2A-BF17-9517A86EF9A2}" type="pres">
+      <dgm:prSet presAssocID="{D0CEC604-ED43-474D-99D4-71542BEC5B2F}" presName="gear1" presStyleLbl="node1" presStyleIdx="0" presStyleCnt="3">
+        <dgm:presLayoutVars>
+          <dgm:chMax val="1"/>
+          <dgm:bulletEnabled val="1"/>
+        </dgm:presLayoutVars>
+      </dgm:prSet>
+      <dgm:spPr/>
+    </dgm:pt>
+    <dgm:pt modelId="{449D8A26-DD9B-43F4-ACD7-265D4FAC865C}" type="pres">
+      <dgm:prSet presAssocID="{D0CEC604-ED43-474D-99D4-71542BEC5B2F}" presName="gear1srcNode" presStyleLbl="node1" presStyleIdx="0" presStyleCnt="3"/>
+      <dgm:spPr/>
+    </dgm:pt>
+    <dgm:pt modelId="{00056532-B207-4142-9E96-04AFD52A6609}" type="pres">
+      <dgm:prSet presAssocID="{D0CEC604-ED43-474D-99D4-71542BEC5B2F}" presName="gear1dstNode" presStyleLbl="node1" presStyleIdx="0" presStyleCnt="3"/>
+      <dgm:spPr/>
+    </dgm:pt>
+    <dgm:pt modelId="{5798B468-E6FA-4068-AA7E-FC89BB3966B0}" type="pres">
+      <dgm:prSet presAssocID="{78F74B6B-E805-47C7-99E5-512AC6353B4F}" presName="gear2" presStyleLbl="node1" presStyleIdx="1" presStyleCnt="3">
+        <dgm:presLayoutVars>
+          <dgm:chMax val="1"/>
+          <dgm:bulletEnabled val="1"/>
+        </dgm:presLayoutVars>
+      </dgm:prSet>
+      <dgm:spPr/>
+    </dgm:pt>
+    <dgm:pt modelId="{5EA41FA6-9BDB-4562-B013-1B33F553BBB3}" type="pres">
+      <dgm:prSet presAssocID="{78F74B6B-E805-47C7-99E5-512AC6353B4F}" presName="gear2srcNode" presStyleLbl="node1" presStyleIdx="1" presStyleCnt="3"/>
+      <dgm:spPr/>
+    </dgm:pt>
+    <dgm:pt modelId="{AA4F4B5E-A6CB-4311-AE5A-EA4C4773236D}" type="pres">
+      <dgm:prSet presAssocID="{78F74B6B-E805-47C7-99E5-512AC6353B4F}" presName="gear2dstNode" presStyleLbl="node1" presStyleIdx="1" presStyleCnt="3"/>
+      <dgm:spPr/>
+    </dgm:pt>
+    <dgm:pt modelId="{3BBAA959-F28E-49AD-8D82-54D4D1D1E848}" type="pres">
+      <dgm:prSet presAssocID="{46EFBD30-D94F-4C94-B63C-27D3374F9D85}" presName="gear3" presStyleLbl="node1" presStyleIdx="2" presStyleCnt="3"/>
+      <dgm:spPr/>
+    </dgm:pt>
+    <dgm:pt modelId="{B0B2F440-0E64-47EE-B392-42628D4E0DE5}" type="pres">
+      <dgm:prSet presAssocID="{46EFBD30-D94F-4C94-B63C-27D3374F9D85}" presName="gear3tx" presStyleLbl="node1" presStyleIdx="2" presStyleCnt="3">
+        <dgm:presLayoutVars>
+          <dgm:chMax val="1"/>
+          <dgm:bulletEnabled val="1"/>
+        </dgm:presLayoutVars>
+      </dgm:prSet>
+      <dgm:spPr/>
+    </dgm:pt>
+    <dgm:pt modelId="{9C4B5AEC-46BB-4E9F-8E29-5F1E038F4D8A}" type="pres">
+      <dgm:prSet presAssocID="{46EFBD30-D94F-4C94-B63C-27D3374F9D85}" presName="gear3srcNode" presStyleLbl="node1" presStyleIdx="2" presStyleCnt="3"/>
+      <dgm:spPr/>
+    </dgm:pt>
+    <dgm:pt modelId="{E7475F39-89C2-498E-80B7-370A75BADF55}" type="pres">
+      <dgm:prSet presAssocID="{46EFBD30-D94F-4C94-B63C-27D3374F9D85}" presName="gear3dstNode" presStyleLbl="node1" presStyleIdx="2" presStyleCnt="3"/>
+      <dgm:spPr/>
+    </dgm:pt>
+    <dgm:pt modelId="{2B491BCD-C743-4980-9ABE-F6C69CA046B0}" type="pres">
+      <dgm:prSet presAssocID="{AAC551DE-57EA-4698-AB1E-A02FAA8CE798}" presName="connector1" presStyleLbl="sibTrans2D1" presStyleIdx="0" presStyleCnt="3"/>
+      <dgm:spPr/>
+    </dgm:pt>
+    <dgm:pt modelId="{E8D2EE17-E5D3-4CDB-BDB4-C06E8D51BF56}" type="pres">
+      <dgm:prSet presAssocID="{B8ADC54E-AA1C-4320-B8F4-9D12B1BC3C45}" presName="connector2" presStyleLbl="sibTrans2D1" presStyleIdx="1" presStyleCnt="3"/>
+      <dgm:spPr/>
+    </dgm:pt>
+    <dgm:pt modelId="{B6A7FEDF-D443-468C-AFC2-6DBC5F54F0D8}" type="pres">
+      <dgm:prSet presAssocID="{3B81D09A-37D6-4544-93EE-3B6041F996B8}" presName="connector3" presStyleLbl="sibTrans2D1" presStyleIdx="2" presStyleCnt="3"/>
+      <dgm:spPr/>
+    </dgm:pt>
+  </dgm:ptLst>
+  <dgm:cxnLst>
+    <dgm:cxn modelId="{3DE50639-6B0D-4DF2-A8B6-97BF3C51AF47}" type="presOf" srcId="{E98EF3EB-370F-4F73-B039-DD23639F725D}" destId="{FA8456A3-82A4-45A2-AE91-0D333F78A8A4}" srcOrd="0" destOrd="0" presId="urn:microsoft.com/office/officeart/2005/8/layout/gear1"/>
+    <dgm:cxn modelId="{ABEA7CEE-9398-4E86-9702-C57B3BCBC20F}" type="presOf" srcId="{78F74B6B-E805-47C7-99E5-512AC6353B4F}" destId="{5EA41FA6-9BDB-4562-B013-1B33F553BBB3}" srcOrd="1" destOrd="0" presId="urn:microsoft.com/office/officeart/2005/8/layout/gear1"/>
+    <dgm:cxn modelId="{5ACF5A66-6CAE-420F-B3D6-25B481DC12FE}" type="presOf" srcId="{46EFBD30-D94F-4C94-B63C-27D3374F9D85}" destId="{9C4B5AEC-46BB-4E9F-8E29-5F1E038F4D8A}" srcOrd="2" destOrd="0" presId="urn:microsoft.com/office/officeart/2005/8/layout/gear1"/>
+    <dgm:cxn modelId="{7D097E0A-4E70-4C8E-B469-399958219C9B}" srcId="{E98EF3EB-370F-4F73-B039-DD23639F725D}" destId="{D0CEC604-ED43-474D-99D4-71542BEC5B2F}" srcOrd="0" destOrd="0" parTransId="{0E0C4228-AA65-488C-A1D5-4E18DE91B600}" sibTransId="{AAC551DE-57EA-4698-AB1E-A02FAA8CE798}"/>
+    <dgm:cxn modelId="{4BF48C8E-3817-476E-A508-2064FA6D0C96}" type="presOf" srcId="{B8ADC54E-AA1C-4320-B8F4-9D12B1BC3C45}" destId="{E8D2EE17-E5D3-4CDB-BDB4-C06E8D51BF56}" srcOrd="0" destOrd="0" presId="urn:microsoft.com/office/officeart/2005/8/layout/gear1"/>
+    <dgm:cxn modelId="{42A989D9-5760-4926-91C0-635F78384F76}" type="presOf" srcId="{46EFBD30-D94F-4C94-B63C-27D3374F9D85}" destId="{B0B2F440-0E64-47EE-B392-42628D4E0DE5}" srcOrd="1" destOrd="0" presId="urn:microsoft.com/office/officeart/2005/8/layout/gear1"/>
+    <dgm:cxn modelId="{0BCD1E80-4B9F-4C78-94BB-EAA544E8EE9E}" type="presOf" srcId="{78F74B6B-E805-47C7-99E5-512AC6353B4F}" destId="{5798B468-E6FA-4068-AA7E-FC89BB3966B0}" srcOrd="0" destOrd="0" presId="urn:microsoft.com/office/officeart/2005/8/layout/gear1"/>
+    <dgm:cxn modelId="{0CCB590D-5300-4019-9932-2889C2C0E524}" type="presOf" srcId="{3B81D09A-37D6-4544-93EE-3B6041F996B8}" destId="{B6A7FEDF-D443-468C-AFC2-6DBC5F54F0D8}" srcOrd="0" destOrd="0" presId="urn:microsoft.com/office/officeart/2005/8/layout/gear1"/>
+    <dgm:cxn modelId="{83B35222-2A37-4CCF-813B-2F6C86B1E4B9}" type="presOf" srcId="{46EFBD30-D94F-4C94-B63C-27D3374F9D85}" destId="{E7475F39-89C2-498E-80B7-370A75BADF55}" srcOrd="3" destOrd="0" presId="urn:microsoft.com/office/officeart/2005/8/layout/gear1"/>
+    <dgm:cxn modelId="{D2182733-C3D4-49E8-A584-E0DCD6DF929E}" srcId="{E98EF3EB-370F-4F73-B039-DD23639F725D}" destId="{78F74B6B-E805-47C7-99E5-512AC6353B4F}" srcOrd="1" destOrd="0" parTransId="{EE54410C-4FF9-4DF9-8EC5-D1B0DE94194D}" sibTransId="{B8ADC54E-AA1C-4320-B8F4-9D12B1BC3C45}"/>
+    <dgm:cxn modelId="{85EF3102-B20A-4F3C-8673-2A72F503DC19}" type="presOf" srcId="{46EFBD30-D94F-4C94-B63C-27D3374F9D85}" destId="{3BBAA959-F28E-49AD-8D82-54D4D1D1E848}" srcOrd="0" destOrd="0" presId="urn:microsoft.com/office/officeart/2005/8/layout/gear1"/>
+    <dgm:cxn modelId="{8939C61E-FFEC-4922-94B9-EFB58ACA0A50}" type="presOf" srcId="{D0CEC604-ED43-474D-99D4-71542BEC5B2F}" destId="{8315CB45-4534-4B2A-BF17-9517A86EF9A2}" srcOrd="0" destOrd="0" presId="urn:microsoft.com/office/officeart/2005/8/layout/gear1"/>
+    <dgm:cxn modelId="{2BFCB41D-6E97-4BBC-9989-E4C973BCDA2E}" srcId="{E98EF3EB-370F-4F73-B039-DD23639F725D}" destId="{46EFBD30-D94F-4C94-B63C-27D3374F9D85}" srcOrd="2" destOrd="0" parTransId="{9F0338C7-8F44-4AB0-8F77-C6D25830C3F5}" sibTransId="{3B81D09A-37D6-4544-93EE-3B6041F996B8}"/>
+    <dgm:cxn modelId="{2734A58D-0D7E-428B-A5E2-3E9512D715C0}" type="presOf" srcId="{AAC551DE-57EA-4698-AB1E-A02FAA8CE798}" destId="{2B491BCD-C743-4980-9ABE-F6C69CA046B0}" srcOrd="0" destOrd="0" presId="urn:microsoft.com/office/officeart/2005/8/layout/gear1"/>
+    <dgm:cxn modelId="{2821C06F-495F-4EAD-9116-9FE5F9B9231F}" type="presOf" srcId="{D0CEC604-ED43-474D-99D4-71542BEC5B2F}" destId="{449D8A26-DD9B-43F4-ACD7-265D4FAC865C}" srcOrd="1" destOrd="0" presId="urn:microsoft.com/office/officeart/2005/8/layout/gear1"/>
+    <dgm:cxn modelId="{B586B302-077A-463E-84F9-BB5DC28B911B}" type="presOf" srcId="{D0CEC604-ED43-474D-99D4-71542BEC5B2F}" destId="{00056532-B207-4142-9E96-04AFD52A6609}" srcOrd="2" destOrd="0" presId="urn:microsoft.com/office/officeart/2005/8/layout/gear1"/>
+    <dgm:cxn modelId="{2BC8FD8F-E7BA-48AB-987A-F2F20D31E984}" type="presOf" srcId="{78F74B6B-E805-47C7-99E5-512AC6353B4F}" destId="{AA4F4B5E-A6CB-4311-AE5A-EA4C4773236D}" srcOrd="2" destOrd="0" presId="urn:microsoft.com/office/officeart/2005/8/layout/gear1"/>
+    <dgm:cxn modelId="{735B0765-9DC5-422D-B467-6DB977EED814}" type="presParOf" srcId="{FA8456A3-82A4-45A2-AE91-0D333F78A8A4}" destId="{8315CB45-4534-4B2A-BF17-9517A86EF9A2}" srcOrd="0" destOrd="0" presId="urn:microsoft.com/office/officeart/2005/8/layout/gear1"/>
+    <dgm:cxn modelId="{32AB8B33-A5B6-41FB-BB06-35DD53BBFED7}" type="presParOf" srcId="{FA8456A3-82A4-45A2-AE91-0D333F78A8A4}" destId="{449D8A26-DD9B-43F4-ACD7-265D4FAC865C}" srcOrd="1" destOrd="0" presId="urn:microsoft.com/office/officeart/2005/8/layout/gear1"/>
+    <dgm:cxn modelId="{87306DCF-FBA7-4F57-B4CE-F4C623FBE686}" type="presParOf" srcId="{FA8456A3-82A4-45A2-AE91-0D333F78A8A4}" destId="{00056532-B207-4142-9E96-04AFD52A6609}" srcOrd="2" destOrd="0" presId="urn:microsoft.com/office/officeart/2005/8/layout/gear1"/>
+    <dgm:cxn modelId="{90753F2C-3569-40D3-B952-6EDDB0F1BDA0}" type="presParOf" srcId="{FA8456A3-82A4-45A2-AE91-0D333F78A8A4}" destId="{5798B468-E6FA-4068-AA7E-FC89BB3966B0}" srcOrd="3" destOrd="0" presId="urn:microsoft.com/office/officeart/2005/8/layout/gear1"/>
+    <dgm:cxn modelId="{354F6FAA-EF1E-4110-9674-5A75306D0771}" type="presParOf" srcId="{FA8456A3-82A4-45A2-AE91-0D333F78A8A4}" destId="{5EA41FA6-9BDB-4562-B013-1B33F553BBB3}" srcOrd="4" destOrd="0" presId="urn:microsoft.com/office/officeart/2005/8/layout/gear1"/>
+    <dgm:cxn modelId="{D384940C-EAB3-4A61-88CE-FE6A6C0F0347}" type="presParOf" srcId="{FA8456A3-82A4-45A2-AE91-0D333F78A8A4}" destId="{AA4F4B5E-A6CB-4311-AE5A-EA4C4773236D}" srcOrd="5" destOrd="0" presId="urn:microsoft.com/office/officeart/2005/8/layout/gear1"/>
+    <dgm:cxn modelId="{5E67637A-8A4C-407E-A286-7936A7F5D377}" type="presParOf" srcId="{FA8456A3-82A4-45A2-AE91-0D333F78A8A4}" destId="{3BBAA959-F28E-49AD-8D82-54D4D1D1E848}" srcOrd="6" destOrd="0" presId="urn:microsoft.com/office/officeart/2005/8/layout/gear1"/>
+    <dgm:cxn modelId="{EFD3DEBB-8508-4F28-B8F1-BD12E5B6B8AC}" type="presParOf" srcId="{FA8456A3-82A4-45A2-AE91-0D333F78A8A4}" destId="{B0B2F440-0E64-47EE-B392-42628D4E0DE5}" srcOrd="7" destOrd="0" presId="urn:microsoft.com/office/officeart/2005/8/layout/gear1"/>
+    <dgm:cxn modelId="{E0DCD0CB-148F-45EB-A015-E76E05E875B6}" type="presParOf" srcId="{FA8456A3-82A4-45A2-AE91-0D333F78A8A4}" destId="{9C4B5AEC-46BB-4E9F-8E29-5F1E038F4D8A}" srcOrd="8" destOrd="0" presId="urn:microsoft.com/office/officeart/2005/8/layout/gear1"/>
+    <dgm:cxn modelId="{04F47B5C-3678-4E0F-842F-126FD88FE5E9}" type="presParOf" srcId="{FA8456A3-82A4-45A2-AE91-0D333F78A8A4}" destId="{E7475F39-89C2-498E-80B7-370A75BADF55}" srcOrd="9" destOrd="0" presId="urn:microsoft.com/office/officeart/2005/8/layout/gear1"/>
+    <dgm:cxn modelId="{A420A987-E453-435E-A2C0-170B807B1B58}" type="presParOf" srcId="{FA8456A3-82A4-45A2-AE91-0D333F78A8A4}" destId="{2B491BCD-C743-4980-9ABE-F6C69CA046B0}" srcOrd="10" destOrd="0" presId="urn:microsoft.com/office/officeart/2005/8/layout/gear1"/>
+    <dgm:cxn modelId="{77B8907D-70A2-416B-B351-03335CE2CC32}" type="presParOf" srcId="{FA8456A3-82A4-45A2-AE91-0D333F78A8A4}" destId="{E8D2EE17-E5D3-4CDB-BDB4-C06E8D51BF56}" srcOrd="11" destOrd="0" presId="urn:microsoft.com/office/officeart/2005/8/layout/gear1"/>
+    <dgm:cxn modelId="{3A89B336-AA35-4D27-A50B-463B5453CF93}" type="presParOf" srcId="{FA8456A3-82A4-45A2-AE91-0D333F78A8A4}" destId="{B6A7FEDF-D443-468C-AFC2-6DBC5F54F0D8}" srcOrd="12" destOrd="0" presId="urn:microsoft.com/office/officeart/2005/8/layout/gear1"/>
+  </dgm:cxnLst>
+  <dgm:bg/>
+  <dgm:whole/>
+  <dgm:extLst>
+    <a:ext uri="http://schemas.microsoft.com/office/drawing/2008/diagram">
+      <dsp:dataModelExt xmlns:dsp="http://schemas.microsoft.com/office/drawing/2008/diagram" relId="rId6" minVer="http://schemas.openxmlformats.org/drawingml/2006/diagram"/>
+    </a:ext>
+  </dgm:extLst>
+</dgm:dataModel>
+</file>
+
+<file path=ppt/diagrams/drawing1.xml><?xml version="1.0" encoding="utf-8"?>
+<dsp:drawing xmlns:dgm="http://schemas.openxmlformats.org/drawingml/2006/diagram" xmlns:dsp="http://schemas.microsoft.com/office/drawing/2008/diagram" xmlns:a="http://schemas.openxmlformats.org/drawingml/2006/main">
+  <dsp:spTree>
+    <dsp:nvGrpSpPr>
+      <dsp:cNvPr id="0" name=""/>
+      <dsp:cNvGrpSpPr/>
+    </dsp:nvGrpSpPr>
+    <dsp:grpSpPr/>
+    <dsp:sp modelId="{8315CB45-4534-4B2A-BF17-9517A86EF9A2}">
+      <dsp:nvSpPr>
+        <dsp:cNvPr id="0" name=""/>
+        <dsp:cNvSpPr/>
+      </dsp:nvSpPr>
+      <dsp:spPr>
+        <a:xfrm>
+          <a:off x="1694228" y="1166715"/>
+          <a:ext cx="1425985" cy="1425985"/>
+        </a:xfrm>
+        <a:prstGeom prst="gear9">
+          <a:avLst/>
+        </a:prstGeom>
+        <a:solidFill>
+          <a:schemeClr val="accent6"/>
+        </a:solidFill>
+        <a:ln w="38100" cap="flat" cmpd="sng" algn="ctr">
+          <a:solidFill>
+            <a:schemeClr val="accent6">
+              <a:shade val="50000"/>
+            </a:schemeClr>
+          </a:solidFill>
+          <a:prstDash val="solid"/>
+        </a:ln>
+        <a:effectLst/>
+      </dsp:spPr>
+      <dsp:style>
+        <a:lnRef idx="2">
+          <a:schemeClr val="accent6">
+            <a:shade val="50000"/>
+          </a:schemeClr>
+        </a:lnRef>
+        <a:fillRef idx="1">
+          <a:schemeClr val="accent6"/>
+        </a:fillRef>
+        <a:effectRef idx="0">
+          <a:schemeClr val="accent6"/>
+        </a:effectRef>
+        <a:fontRef idx="minor">
+          <a:schemeClr val="lt1"/>
+        </a:fontRef>
+      </dsp:style>
+      <dsp:txBody>
+        <a:bodyPr spcFirstLastPara="0" vert="horz" wrap="square" lIns="22860" tIns="22860" rIns="22860" bIns="22860" numCol="1" spcCol="1270" anchor="ctr" anchorCtr="0">
+          <a:noAutofit/>
+        </a:bodyPr>
+        <a:lstStyle/>
+        <a:p>
+          <a:pPr lvl="0" algn="ctr" defTabSz="800100">
+            <a:lnSpc>
+              <a:spcPct val="90000"/>
+            </a:lnSpc>
+            <a:spcBef>
+              <a:spcPct val="0"/>
+            </a:spcBef>
+            <a:spcAft>
+              <a:spcPct val="35000"/>
+            </a:spcAft>
+          </a:pPr>
+          <a:r>
+            <a:rPr lang="en-US" sz="1800" b="1" kern="1200" dirty="0" smtClean="0">
+              <a:solidFill>
+                <a:schemeClr val="tx1"/>
+              </a:solidFill>
+            </a:rPr>
+            <a:t>View</a:t>
+          </a:r>
+          <a:endParaRPr lang="en-US" sz="1800" b="1" kern="1200" dirty="0">
+            <a:solidFill>
+              <a:schemeClr val="tx1"/>
+            </a:solidFill>
+          </a:endParaRPr>
+        </a:p>
+      </dsp:txBody>
+      <dsp:txXfrm>
+        <a:off x="1980914" y="1500745"/>
+        <a:ext cx="852613" cy="732986"/>
+      </dsp:txXfrm>
+    </dsp:sp>
+    <dsp:sp modelId="{5798B468-E6FA-4068-AA7E-FC89BB3966B0}">
+      <dsp:nvSpPr>
+        <dsp:cNvPr id="0" name=""/>
+        <dsp:cNvSpPr/>
+      </dsp:nvSpPr>
+      <dsp:spPr>
+        <a:xfrm>
+          <a:off x="864564" y="829664"/>
+          <a:ext cx="1037080" cy="1037080"/>
+        </a:xfrm>
+        <a:prstGeom prst="gear6">
+          <a:avLst/>
+        </a:prstGeom>
+        <a:solidFill>
+          <a:schemeClr val="accent2"/>
+        </a:solidFill>
+        <a:ln w="38100" cap="flat" cmpd="sng" algn="ctr">
+          <a:solidFill>
+            <a:schemeClr val="accent2">
+              <a:shade val="50000"/>
+            </a:schemeClr>
+          </a:solidFill>
+          <a:prstDash val="solid"/>
+        </a:ln>
+        <a:effectLst/>
+      </dsp:spPr>
+      <dsp:style>
+        <a:lnRef idx="2">
+          <a:schemeClr val="accent2">
+            <a:shade val="50000"/>
+          </a:schemeClr>
+        </a:lnRef>
+        <a:fillRef idx="1">
+          <a:schemeClr val="accent2"/>
+        </a:fillRef>
+        <a:effectRef idx="0">
+          <a:schemeClr val="accent2"/>
+        </a:effectRef>
+        <a:fontRef idx="minor">
+          <a:schemeClr val="lt1"/>
+        </a:fontRef>
+      </dsp:style>
+      <dsp:txBody>
+        <a:bodyPr spcFirstLastPara="0" vert="horz" wrap="square" lIns="8890" tIns="8890" rIns="8890" bIns="8890" numCol="1" spcCol="1270" anchor="ctr" anchorCtr="0">
+          <a:noAutofit/>
+        </a:bodyPr>
+        <a:lstStyle/>
+        <a:p>
+          <a:pPr lvl="0" algn="ctr" defTabSz="311150">
+            <a:lnSpc>
+              <a:spcPct val="90000"/>
+            </a:lnSpc>
+            <a:spcBef>
+              <a:spcPct val="0"/>
+            </a:spcBef>
+            <a:spcAft>
+              <a:spcPct val="35000"/>
+            </a:spcAft>
+          </a:pPr>
+          <a:r>
+            <a:rPr lang="en-US" sz="700" b="1" kern="1200" dirty="0" smtClean="0">
+              <a:solidFill>
+                <a:schemeClr val="tx1"/>
+              </a:solidFill>
+            </a:rPr>
+            <a:t>ViewModel</a:t>
+          </a:r>
+          <a:endParaRPr lang="en-US" sz="700" b="1" kern="1200" dirty="0">
+            <a:solidFill>
+              <a:schemeClr val="tx1"/>
+            </a:solidFill>
+          </a:endParaRPr>
+        </a:p>
+      </dsp:txBody>
+      <dsp:txXfrm>
+        <a:off x="1125652" y="1092330"/>
+        <a:ext cx="514904" cy="511748"/>
+      </dsp:txXfrm>
+    </dsp:sp>
+    <dsp:sp modelId="{3BBAA959-F28E-49AD-8D82-54D4D1D1E848}">
+      <dsp:nvSpPr>
+        <dsp:cNvPr id="0" name=""/>
+        <dsp:cNvSpPr/>
+      </dsp:nvSpPr>
+      <dsp:spPr>
+        <a:xfrm rot="20700000">
+          <a:off x="1445435" y="114184"/>
+          <a:ext cx="1016127" cy="1016127"/>
+        </a:xfrm>
+        <a:prstGeom prst="gear6">
+          <a:avLst/>
+        </a:prstGeom>
+        <a:solidFill>
+          <a:schemeClr val="accent1"/>
+        </a:solidFill>
+        <a:ln w="38100" cap="flat" cmpd="sng" algn="ctr">
+          <a:solidFill>
+            <a:schemeClr val="accent1">
+              <a:shade val="50000"/>
+            </a:schemeClr>
+          </a:solidFill>
+          <a:prstDash val="solid"/>
+        </a:ln>
+        <a:effectLst/>
+      </dsp:spPr>
+      <dsp:style>
+        <a:lnRef idx="2">
+          <a:schemeClr val="accent1">
+            <a:shade val="50000"/>
+          </a:schemeClr>
+        </a:lnRef>
+        <a:fillRef idx="1">
+          <a:schemeClr val="accent1"/>
+        </a:fillRef>
+        <a:effectRef idx="0">
+          <a:schemeClr val="accent1"/>
+        </a:effectRef>
+        <a:fontRef idx="minor">
+          <a:schemeClr val="lt1"/>
+        </a:fontRef>
+      </dsp:style>
+      <dsp:txBody>
+        <a:bodyPr spcFirstLastPara="0" vert="horz" wrap="square" lIns="8890" tIns="8890" rIns="8890" bIns="8890" numCol="1" spcCol="1270" anchor="ctr" anchorCtr="0">
+          <a:noAutofit/>
+        </a:bodyPr>
+        <a:lstStyle/>
+        <a:p>
+          <a:pPr lvl="0" algn="ctr" defTabSz="311150">
+            <a:lnSpc>
+              <a:spcPct val="90000"/>
+            </a:lnSpc>
+            <a:spcBef>
+              <a:spcPct val="0"/>
+            </a:spcBef>
+            <a:spcAft>
+              <a:spcPct val="35000"/>
+            </a:spcAft>
+          </a:pPr>
+          <a:r>
+            <a:rPr lang="en-US" sz="700" kern="1200" dirty="0" smtClean="0"/>
+            <a:t>Model</a:t>
+          </a:r>
+          <a:endParaRPr lang="en-US" sz="700" kern="1200" dirty="0"/>
+        </a:p>
+      </dsp:txBody>
+      <dsp:txXfrm rot="-20700000">
+        <a:off x="1668301" y="337051"/>
+        <a:ext cx="570394" cy="570394"/>
+      </dsp:txXfrm>
+    </dsp:sp>
+    <dsp:sp modelId="{2B491BCD-C743-4980-9ABE-F6C69CA046B0}">
+      <dsp:nvSpPr>
+        <dsp:cNvPr id="0" name=""/>
+        <dsp:cNvSpPr/>
+      </dsp:nvSpPr>
+      <dsp:spPr>
+        <a:xfrm>
+          <a:off x="1567912" y="960847"/>
+          <a:ext cx="1825261" cy="1825261"/>
+        </a:xfrm>
+        <a:prstGeom prst="circularArrow">
+          <a:avLst>
+            <a:gd name="adj1" fmla="val 4687"/>
+            <a:gd name="adj2" fmla="val 299029"/>
+            <a:gd name="adj3" fmla="val 2459587"/>
+            <a:gd name="adj4" fmla="val 15989037"/>
+            <a:gd name="adj5" fmla="val 5469"/>
+          </a:avLst>
+        </a:prstGeom>
+        <a:solidFill>
+          <a:schemeClr val="accent1">
+            <a:tint val="60000"/>
+            <a:hueOff val="0"/>
+            <a:satOff val="0"/>
+            <a:lumOff val="0"/>
+            <a:alphaOff val="0"/>
+          </a:schemeClr>
+        </a:solidFill>
+        <a:ln>
+          <a:noFill/>
+        </a:ln>
+        <a:effectLst/>
+      </dsp:spPr>
+      <dsp:style>
+        <a:lnRef idx="0">
+          <a:scrgbClr r="0" g="0" b="0"/>
+        </a:lnRef>
+        <a:fillRef idx="1">
+          <a:scrgbClr r="0" g="0" b="0"/>
+        </a:fillRef>
+        <a:effectRef idx="0">
+          <a:scrgbClr r="0" g="0" b="0"/>
+        </a:effectRef>
+        <a:fontRef idx="minor">
+          <a:schemeClr val="lt1"/>
+        </a:fontRef>
+      </dsp:style>
+    </dsp:sp>
+    <dsp:sp modelId="{E8D2EE17-E5D3-4CDB-BDB4-C06E8D51BF56}">
+      <dsp:nvSpPr>
+        <dsp:cNvPr id="0" name=""/>
+        <dsp:cNvSpPr/>
+      </dsp:nvSpPr>
+      <dsp:spPr>
+        <a:xfrm>
+          <a:off x="680899" y="607070"/>
+          <a:ext cx="1326166" cy="1326166"/>
+        </a:xfrm>
+        <a:prstGeom prst="leftCircularArrow">
+          <a:avLst>
+            <a:gd name="adj1" fmla="val 6452"/>
+            <a:gd name="adj2" fmla="val 429999"/>
+            <a:gd name="adj3" fmla="val 10489124"/>
+            <a:gd name="adj4" fmla="val 14837806"/>
+            <a:gd name="adj5" fmla="val 7527"/>
+          </a:avLst>
+        </a:prstGeom>
+        <a:solidFill>
+          <a:schemeClr val="accent1">
+            <a:tint val="60000"/>
+            <a:hueOff val="0"/>
+            <a:satOff val="0"/>
+            <a:lumOff val="0"/>
+            <a:alphaOff val="0"/>
+          </a:schemeClr>
+        </a:solidFill>
+        <a:ln>
+          <a:noFill/>
+        </a:ln>
+        <a:effectLst/>
+      </dsp:spPr>
+      <dsp:style>
+        <a:lnRef idx="0">
+          <a:scrgbClr r="0" g="0" b="0"/>
+        </a:lnRef>
+        <a:fillRef idx="1">
+          <a:scrgbClr r="0" g="0" b="0"/>
+        </a:fillRef>
+        <a:effectRef idx="0">
+          <a:scrgbClr r="0" g="0" b="0"/>
+        </a:effectRef>
+        <a:fontRef idx="minor">
+          <a:schemeClr val="lt1"/>
+        </a:fontRef>
+      </dsp:style>
+    </dsp:sp>
+    <dsp:sp modelId="{B6A7FEDF-D443-468C-AFC2-6DBC5F54F0D8}">
+      <dsp:nvSpPr>
+        <dsp:cNvPr id="0" name=""/>
+        <dsp:cNvSpPr/>
+      </dsp:nvSpPr>
+      <dsp:spPr>
+        <a:xfrm>
+          <a:off x="1210394" y="-101512"/>
+          <a:ext cx="1429874" cy="1429874"/>
+        </a:xfrm>
+        <a:prstGeom prst="circularArrow">
+          <a:avLst>
+            <a:gd name="adj1" fmla="val 5984"/>
+            <a:gd name="adj2" fmla="val 394124"/>
+            <a:gd name="adj3" fmla="val 13313824"/>
+            <a:gd name="adj4" fmla="val 10508221"/>
+            <a:gd name="adj5" fmla="val 6981"/>
+          </a:avLst>
+        </a:prstGeom>
+        <a:solidFill>
+          <a:schemeClr val="accent1">
+            <a:tint val="60000"/>
+            <a:hueOff val="0"/>
+            <a:satOff val="0"/>
+            <a:lumOff val="0"/>
+            <a:alphaOff val="0"/>
+          </a:schemeClr>
+        </a:solidFill>
+        <a:ln>
+          <a:noFill/>
+        </a:ln>
+        <a:effectLst/>
+      </dsp:spPr>
+      <dsp:style>
+        <a:lnRef idx="0">
+          <a:scrgbClr r="0" g="0" b="0"/>
+        </a:lnRef>
+        <a:fillRef idx="1">
+          <a:scrgbClr r="0" g="0" b="0"/>
+        </a:fillRef>
+        <a:effectRef idx="0">
+          <a:scrgbClr r="0" g="0" b="0"/>
+        </a:effectRef>
+        <a:fontRef idx="minor">
+          <a:schemeClr val="lt1"/>
+        </a:fontRef>
+      </dsp:style>
+    </dsp:sp>
+  </dsp:spTree>
+</dsp:drawing>
+</file>
+
+<file path=ppt/diagrams/layout1.xml><?xml version="1.0" encoding="utf-8"?>
+<dgm:layoutDef xmlns:dgm="http://schemas.openxmlformats.org/drawingml/2006/diagram" xmlns:a="http://schemas.openxmlformats.org/drawingml/2006/main" uniqueId="urn:microsoft.com/office/officeart/2005/8/layout/gear1">
+  <dgm:title val=""/>
+  <dgm:desc val=""/>
+  <dgm:catLst>
+    <dgm:cat type="relationship" pri="3000"/>
+    <dgm:cat type="process" pri="28000"/>
+    <dgm:cat type="cycle" pri="14000"/>
+  </dgm:catLst>
+  <dgm:sampData useDef="1">
+    <dgm:dataModel>
+      <dgm:ptLst/>
+      <dgm:bg/>
+      <dgm:whole/>
+    </dgm:dataModel>
+  </dgm:sampData>
+  <dgm:styleData>
+    <dgm:dataModel>
+      <dgm:ptLst>
+        <dgm:pt modelId="0" type="doc"/>
+        <dgm:pt modelId="1"/>
+        <dgm:pt modelId="2"/>
+      </dgm:ptLst>
+      <dgm:cxnLst>
+        <dgm:cxn modelId="3" srcId="0" destId="1" srcOrd="0" destOrd="0"/>
+        <dgm:cxn modelId="4" srcId="0" destId="2" srcOrd="1" destOrd="0"/>
+      </dgm:cxnLst>
+      <dgm:bg/>
+      <dgm:whole/>
+    </dgm:dataModel>
+  </dgm:styleData>
+  <dgm:clrData useDef="1">
+    <dgm:dataModel>
+      <dgm:ptLst/>
+      <dgm:bg/>
+      <dgm:whole/>
+    </dgm:dataModel>
+  </dgm:clrData>
+  <dgm:layoutNode name="composite">
+    <dgm:varLst>
+      <dgm:chMax val="3"/>
+      <dgm:animLvl val="lvl"/>
+      <dgm:resizeHandles val="exact"/>
+    </dgm:varLst>
+    <dgm:alg type="composite">
+      <dgm:param type="ar" val="1"/>
+    </dgm:alg>
+    <dgm:shape xmlns:r="http://schemas.openxmlformats.org/officeDocument/2006/relationships" r:blip="">
+      <dgm:adjLst/>
+    </dgm:shape>
+    <dgm:presOf/>
+    <dgm:choose name="Name0">
+      <dgm:if name="Name1" axis="ch" ptType="node" func="cnt" op="lte" val="1">
+        <dgm:constrLst>
+          <dgm:constr type="primFontSz" for="ch" ptType="node" op="equ" val="65"/>
+          <dgm:constr type="w" for="ch" forName="gear1" refType="w" fact="0.55"/>
+          <dgm:constr type="h" for="ch" forName="gear1" refType="w" fact="0.55"/>
+          <dgm:constr type="l" for="ch" forName="gear1" refType="w" fact="0.05"/>
+          <dgm:constr type="t" for="ch" forName="gear1" refType="w" fact="0.05"/>
+          <dgm:constr type="w" for="ch" forName="gear1srcNode" val="1"/>
+          <dgm:constr type="h" for="ch" forName="gear1srcNode" val="1"/>
+          <dgm:constr type="l" for="ch" forName="gear1srcNode" refType="w" fact="0.32"/>
+          <dgm:constr type="t" for="ch" forName="gear1srcNode"/>
+          <dgm:constr type="w" for="ch" forName="gear1dstNode" val="1"/>
+          <dgm:constr type="h" for="ch" forName="gear1dstNode" val="1"/>
+          <dgm:constr type="r" for="ch" forName="gear1dstNode" refType="w" fact="0.58"/>
+          <dgm:constr type="t" for="ch" forName="gear1dstNode" refType="h" fact="0.55"/>
+          <dgm:constr type="diam" for="des" forName="connector1" refType="w" refFor="ch" refForName="gear1" op="equ" fact="1.1"/>
+          <dgm:constr type="h" for="des" forName="connector1" refType="w" refFor="ch" refForName="gear1" op="equ" fact="0.1"/>
+          <dgm:constr type="w" for="ch" forName="gear1ch" refType="w" fact="0.35"/>
+          <dgm:constr type="h" for="ch" forName="gear1ch" refType="w" refFor="ch" refForName="gear1ch" fact="0.6"/>
+          <dgm:constr type="l" for="ch" forName="gear1ch"/>
+          <dgm:constr type="b" for="ch" forName="gear1ch" refType="h" fact="0.6"/>
+        </dgm:constrLst>
+      </dgm:if>
+      <dgm:if name="Name2" axis="ch" ptType="node" func="cnt" op="equ" val="2">
+        <dgm:constrLst>
+          <dgm:constr type="primFontSz" for="ch" ptType="node" op="equ" val="65"/>
+          <dgm:constr type="w" for="ch" forName="gear1" refType="w" fact="0.55"/>
+          <dgm:constr type="h" for="ch" forName="gear1" refType="w" fact="0.55"/>
+          <dgm:constr type="l" for="ch" forName="gear1" refType="w" fact="0.45"/>
+          <dgm:constr type="t" for="ch" forName="gear1" refType="w" fact="0.25"/>
+          <dgm:constr type="w" for="ch" forName="gear1srcNode" val="1"/>
+          <dgm:constr type="h" for="ch" forName="gear1srcNode" val="1"/>
+          <dgm:constr type="l" for="ch" forName="gear1srcNode" refType="w" fact="0.72"/>
+          <dgm:constr type="t" for="ch" forName="gear1srcNode" refType="w" fact="0.2"/>
+          <dgm:constr type="w" for="ch" forName="gear1dstNode" val="1"/>
+          <dgm:constr type="h" for="ch" forName="gear1dstNode" val="1"/>
+          <dgm:constr type="r" for="ch" forName="gear1dstNode" refType="w" fact="0.98"/>
+          <dgm:constr type="t" for="ch" forName="gear1dstNode" refType="h" fact="0.75"/>
+          <dgm:constr type="diam" for="des" forName="connector1" refType="w" refFor="ch" refForName="gear1" op="equ" fact="1.1"/>
+          <dgm:constr type="h" for="des" forName="connector1" refType="w" refFor="ch" refForName="gear1" op="equ" fact="0.1"/>
+          <dgm:constr type="w" for="ch" forName="gear1ch" refType="w" fact="0.35"/>
+          <dgm:constr type="h" for="ch" forName="gear1ch" refType="w" refFor="ch" refForName="gear1ch" fact="0.6"/>
+          <dgm:constr type="l" for="ch" forName="gear1ch" refType="w" fact="0.38"/>
+          <dgm:constr type="b" for="ch" forName="gear1ch" refType="w" fact="0.8"/>
+          <dgm:constr type="w" for="ch" forName="gear2" refType="w" fact="0.4"/>
+          <dgm:constr type="h" for="ch" forName="gear2" refType="w" fact="0.4"/>
+          <dgm:constr type="l" for="ch" forName="gear2" refType="w" fact="0.13"/>
+          <dgm:constr type="t" for="ch" forName="gear2" refType="w" fact="0.12"/>
+          <dgm:constr type="w" for="ch" forName="gear2srcNode" val="1"/>
+          <dgm:constr type="h" for="ch" forName="gear2srcNode" val="1"/>
+          <dgm:constr type="l" for="ch" forName="gear2srcNode" refType="w" fact="0.23"/>
+          <dgm:constr type="t" for="ch" forName="gear2srcNode" refType="w" fact="0.08"/>
+          <dgm:constr type="w" for="ch" forName="gear2dstNode" val="1"/>
+          <dgm:constr type="h" for="ch" forName="gear2dstNode" val="1"/>
+          <dgm:constr type="l" for="ch" forName="gear2dstNode" refType="w" fact="0.1"/>
+          <dgm:constr type="t" for="ch" forName="gear2dstNode" refType="h" fact="0.33"/>
+          <dgm:constr type="diam" for="des" forName="connector2" refType="w" refFor="ch" refForName="gear2" op="equ" fact="-1.1"/>
+          <dgm:constr type="h" for="des" forName="connector2" refType="w" refFor="ch" refForName="gear1" op="equ" fact="0.1"/>
+          <dgm:constr type="w" for="ch" forName="gear2ch" refType="w" fact="0.35"/>
+          <dgm:constr type="h" for="ch" forName="gear2ch" refType="w" refFor="ch" refForName="gear2ch" fact="0.6"/>
+          <dgm:constr type="l" for="ch" forName="gear2ch" refType="w" fact="0.34"/>
+          <dgm:constr type="t" for="ch" forName="gear2ch" refType="w" fact="0.04"/>
+        </dgm:constrLst>
+      </dgm:if>
+      <dgm:else name="Name3">
+        <dgm:constrLst>
+          <dgm:constr type="primFontSz" for="ch" ptType="node" op="equ" val="65"/>
+          <dgm:constr type="w" for="ch" forName="gear1" refType="w" fact="0.55"/>
+          <dgm:constr type="h" for="ch" forName="gear1" refType="w" fact="0.55"/>
+          <dgm:constr type="l" for="ch" forName="gear1" refType="w" fact="0.45"/>
+          <dgm:constr type="t" for="ch" forName="gear1" refType="w" fact="0.45"/>
+          <dgm:constr type="w" for="ch" forName="gear1srcNode" val="1"/>
+          <dgm:constr type="h" for="ch" forName="gear1srcNode" val="1"/>
+          <dgm:constr type="l" for="ch" forName="gear1srcNode" refType="w" fact="0.72"/>
+          <dgm:constr type="t" for="ch" forName="gear1srcNode" refType="w" fact="0.4"/>
+          <dgm:constr type="w" for="ch" forName="gear1dstNode" val="1"/>
+          <dgm:constr type="h" for="ch" forName="gear1dstNode" val="1"/>
+          <dgm:constr type="r" for="ch" forName="gear1dstNode" refType="w" fact="0.98"/>
+          <dgm:constr type="t" for="ch" forName="gear1dstNode" refType="h" fact="0.95"/>
+          <dgm:constr type="diam" for="des" forName="connector1" refType="w" refFor="ch" refForName="gear1" op="equ" fact="1.15"/>
+          <dgm:constr type="h" for="des" forName="connector1" refType="w" refFor="ch" refForName="gear1" op="equ" fact="0.1"/>
+          <dgm:constr type="w" for="ch" forName="gear1ch" refType="w" fact="0.35"/>
+          <dgm:constr type="h" for="ch" forName="gear1ch" refType="w" refFor="ch" refForName="gear1ch" fact="0.6"/>
+          <dgm:constr type="l" for="ch" forName="gear1ch" refType="w" fact="0.38"/>
+          <dgm:constr type="b" for="ch" forName="gear1ch" refType="h"/>
+          <dgm:constr type="w" for="ch" forName="gear2" refType="w" fact="0.4"/>
+          <dgm:constr type="h" for="ch" forName="gear2" refType="w" fact="0.4"/>
+          <dgm:constr type="l" for="ch" forName="gear2" refType="w" fact="0.13"/>
+          <dgm:constr type="t" for="ch" forName="gear2" refType="w" fact="0.32"/>
+          <dgm:constr type="w" for="ch" forName="gear2srcNode" val="1"/>
+          <dgm:constr type="h" for="ch" forName="gear2srcNode" val="1"/>
+          <dgm:constr type="l" for="ch" forName="gear2srcNode" refType="w" fact="0.23"/>
+          <dgm:constr type="t" for="ch" forName="gear2srcNode" refType="w" fact="0.28"/>
+          <dgm:constr type="w" for="ch" forName="gear2dstNode" val="1"/>
+          <dgm:constr type="h" for="ch" forName="gear2dstNode" val="1"/>
+          <dgm:constr type="l" for="ch" forName="gear2dstNode" refType="w" fact="0.1"/>
+          <dgm:constr type="t" for="ch" forName="gear2dstNode" refType="h" fact="0.53"/>
+          <dgm:constr type="diam" for="des" forName="connector2" refType="w" refFor="ch" refForName="gear2" op="equ" fact="-1.1"/>
+          <dgm:constr type="h" for="des" forName="connector2" refType="w" refFor="ch" refForName="gear1" op="equ" fact="0.1"/>
+          <dgm:constr type="w" for="ch" forName="gear2ch" refType="w" fact="0.35"/>
+          <dgm:constr type="h" for="ch" forName="gear2ch" refType="w" refFor="ch" refForName="gear2ch" fact="0.6"/>
+          <dgm:constr type="l" for="ch" forName="gear2ch"/>
+          <dgm:constr type="t" for="ch" forName="gear2ch" refType="w" fact="0.58"/>
+          <dgm:constr type="w" for="ch" forName="gear3" refType="w" fact="0.48"/>
+          <dgm:constr type="h" for="ch" forName="gear3" refType="w" fact="0.48"/>
+          <dgm:constr type="l" for="ch" forName="gear3" refType="w" fact="0.31"/>
+          <dgm:constr type="t" for="ch" forName="gear3"/>
+          <dgm:constr type="w" for="ch" forName="gear3tx" refType="w" fact="0.22"/>
+          <dgm:constr type="h" for="ch" forName="gear3tx" refType="w" fact="0.22"/>
+          <dgm:constr type="ctrX" for="ch" forName="gear3tx" refType="ctrX" refFor="ch" refForName="gear3"/>
+          <dgm:constr type="ctrY" for="ch" forName="gear3tx" refType="ctrY" refFor="ch" refForName="gear3"/>
+          <dgm:constr type="w" for="ch" forName="gear3srcNode" val="1"/>
+          <dgm:constr type="h" for="ch" forName="gear3srcNode" val="1"/>
+          <dgm:constr type="l" for="ch" forName="gear3srcNode" refType="w" fact="0.3"/>
+          <dgm:constr type="t" for="ch" forName="gear3srcNode" refType="w" fact="0.25"/>
+          <dgm:constr type="w" for="ch" forName="gear3dstNode" val="1"/>
+          <dgm:constr type="h" for="ch" forName="gear3dstNode" val="1"/>
+          <dgm:constr type="l" for="ch" forName="gear3dstNode" refType="w" fact="0.38"/>
+          <dgm:constr type="t" for="ch" forName="gear3dstNode" refType="h" fact="0.05"/>
+          <dgm:constr type="diam" for="des" forName="connector3" refType="w" refFor="ch" refForName="gear3" op="equ"/>
+          <dgm:constr type="h" for="des" forName="connector3" refType="w" refFor="ch" refForName="gear1" op="equ" fact="0.1"/>
+          <dgm:constr type="w" for="ch" forName="gear3ch" refType="w" fact="0.35"/>
+          <dgm:constr type="h" for="ch" forName="gear3ch" refType="w" refFor="ch" refForName="gear3ch" fact="0.6"/>
+          <dgm:constr type="l" for="ch" forName="gear3ch" refType="w" fact="0.65"/>
+          <dgm:constr type="t" for="ch" forName="gear3ch" refType="h" fact="0.13"/>
+        </dgm:constrLst>
+      </dgm:else>
+    </dgm:choose>
+    <dgm:ruleLst/>
+    <dgm:forEach name="Name4" axis="ch" ptType="node" cnt="1">
+      <dgm:layoutNode name="gear1" styleLbl="node1">
+        <dgm:varLst>
+          <dgm:chMax val="1"/>
+          <dgm:bulletEnabled val="1"/>
+        </dgm:varLst>
+        <dgm:alg type="tx">
+          <dgm:param type="txAnchorVertCh" val="mid"/>
+        </dgm:alg>
+        <dgm:shape xmlns:r="http://schemas.openxmlformats.org/officeDocument/2006/relationships" type="gear9" r:blip="">
+          <dgm:adjLst/>
+        </dgm:shape>
+        <dgm:presOf axis="self"/>
+        <dgm:constrLst>
+          <dgm:constr type="tMarg" refType="primFontSz" fact="0.1"/>
+          <dgm:constr type="bMarg" refType="primFontSz" fact="0.1"/>
+          <dgm:constr type="lMarg" refType="primFontSz" fact="0.1"/>
+          <dgm:constr type="rMarg" refType="primFontSz" fact="0.1"/>
+        </dgm:constrLst>
+        <dgm:ruleLst>
+          <dgm:rule type="primFontSz" val="5" fact="NaN" max="NaN"/>
+        </dgm:ruleLst>
+      </dgm:layoutNode>
+      <dgm:layoutNode name="gear1srcNode">
+        <dgm:alg type="sp"/>
+        <dgm:shape xmlns:r="http://schemas.openxmlformats.org/officeDocument/2006/relationships" type="rect" r:blip="" hideGeom="1">
+          <dgm:adjLst/>
+        </dgm:shape>
+        <dgm:presOf axis="self"/>
+        <dgm:constrLst/>
+        <dgm:ruleLst/>
+      </dgm:layoutNode>
+      <dgm:layoutNode name="gear1dstNode">
+        <dgm:alg type="sp"/>
+        <dgm:shape xmlns:r="http://schemas.openxmlformats.org/officeDocument/2006/relationships" type="rect" r:blip="" hideGeom="1">
+          <dgm:adjLst/>
+        </dgm:shape>
+        <dgm:presOf axis="self"/>
+        <dgm:constrLst/>
+        <dgm:ruleLst/>
+      </dgm:layoutNode>
+      <dgm:choose name="Name5">
+        <dgm:if name="Name6" axis="ch" ptType="node" func="cnt" op="gte" val="1">
+          <dgm:layoutNode name="gear1ch" styleLbl="fgAcc1">
+            <dgm:varLst>
+              <dgm:chMax val="0"/>
+              <dgm:bulletEnabled val="1"/>
+            </dgm:varLst>
+            <dgm:alg type="tx">
+              <dgm:param type="stBulletLvl" val="1"/>
+            </dgm:alg>
+            <dgm:shape xmlns:r="http://schemas.openxmlformats.org/officeDocument/2006/relationships" type="roundRect" r:blip="">
+              <dgm:adjLst>
+                <dgm:adj idx="1" val="0.1"/>
+              </dgm:adjLst>
+            </dgm:shape>
+            <dgm:presOf axis="des" ptType="node"/>
+            <dgm:constrLst>
+              <dgm:constr type="tMarg" refType="primFontSz" fact="0.3"/>
+              <dgm:constr type="bMarg" refType="primFontSz" fact="0.3"/>
+              <dgm:constr type="lMarg" refType="primFontSz" fact="0.3"/>
+              <dgm:constr type="rMarg" refType="primFontSz" fact="0.3"/>
+            </dgm:constrLst>
+            <dgm:ruleLst>
+              <dgm:rule type="primFontSz" val="5" fact="NaN" max="NaN"/>
+            </dgm:ruleLst>
+          </dgm:layoutNode>
+        </dgm:if>
+        <dgm:else name="Name7"/>
+      </dgm:choose>
+    </dgm:forEach>
+    <dgm:forEach name="Name8" axis="ch" ptType="node" st="2" cnt="1">
+      <dgm:layoutNode name="gear2" styleLbl="node1">
+        <dgm:varLst>
+          <dgm:chMax val="1"/>
+          <dgm:bulletEnabled val="1"/>
+        </dgm:varLst>
+        <dgm:alg type="tx">
+          <dgm:param type="txAnchorVertCh" val="mid"/>
+        </dgm:alg>
+        <dgm:shape xmlns:r="http://schemas.openxmlformats.org/officeDocument/2006/relationships" type="gear6" r:blip="">
+          <dgm:adjLst/>
+        </dgm:shape>
+        <dgm:presOf axis="self"/>
+        <dgm:constrLst>
+          <dgm:constr type="tMarg" refType="primFontSz" fact="0.1"/>
+          <dgm:constr type="bMarg" refType="primFontSz" fact="0.1"/>
+          <dgm:constr type="lMarg" refType="primFontSz" fact="0.1"/>
+          <dgm:constr type="rMarg" refType="primFontSz" fact="0.1"/>
+        </dgm:constrLst>
+        <dgm:ruleLst>
+          <dgm:rule type="primFontSz" val="5" fact="NaN" max="NaN"/>
+        </dgm:ruleLst>
+      </dgm:layoutNode>
+      <dgm:layoutNode name="gear2srcNode">
+        <dgm:alg type="sp"/>
+        <dgm:shape xmlns:r="http://schemas.openxmlformats.org/officeDocument/2006/relationships" type="rect" r:blip="" hideGeom="1">
+          <dgm:adjLst/>
+        </dgm:shape>
+        <dgm:presOf axis="self"/>
+        <dgm:constrLst/>
+        <dgm:ruleLst/>
+      </dgm:layoutNode>
+      <dgm:layoutNode name="gear2dstNode">
+        <dgm:alg type="sp"/>
+        <dgm:shape xmlns:r="http://schemas.openxmlformats.org/officeDocument/2006/relationships" type="rect" r:blip="" hideGeom="1">
+          <dgm:adjLst/>
+        </dgm:shape>
+        <dgm:presOf axis="self"/>
+        <dgm:constrLst/>
+        <dgm:ruleLst/>
+      </dgm:layoutNode>
+      <dgm:choose name="Name9">
+        <dgm:if name="Name10" axis="ch" ptType="node" func="cnt" op="gte" val="1">
+          <dgm:layoutNode name="gear2ch" styleLbl="fgAcc1">
+            <dgm:varLst>
+              <dgm:chMax val="0"/>
+              <dgm:bulletEnabled val="1"/>
+            </dgm:varLst>
+            <dgm:alg type="tx">
+              <dgm:param type="stBulletLvl" val="1"/>
+            </dgm:alg>
+            <dgm:shape xmlns:r="http://schemas.openxmlformats.org/officeDocument/2006/relationships" type="roundRect" r:blip="">
+              <dgm:adjLst>
+                <dgm:adj idx="1" val="0.1"/>
+              </dgm:adjLst>
+            </dgm:shape>
+            <dgm:presOf axis="des" ptType="node"/>
+            <dgm:constrLst>
+              <dgm:constr type="tMarg" refType="primFontSz" fact="0.3"/>
+              <dgm:constr type="bMarg" refType="primFontSz" fact="0.3"/>
+              <dgm:constr type="lMarg" refType="primFontSz" fact="0.3"/>
+              <dgm:constr type="rMarg" refType="primFontSz" fact="0.3"/>
+            </dgm:constrLst>
+            <dgm:ruleLst>
+              <dgm:rule type="primFontSz" val="5" fact="NaN" max="NaN"/>
+            </dgm:ruleLst>
+          </dgm:layoutNode>
+        </dgm:if>
+        <dgm:else name="Name11"/>
+      </dgm:choose>
+    </dgm:forEach>
+    <dgm:forEach name="Name12" axis="ch" ptType="node" st="3" cnt="1">
+      <dgm:layoutNode name="gear3" styleLbl="node1">
+        <dgm:alg type="sp"/>
+        <dgm:shape xmlns:r="http://schemas.openxmlformats.org/officeDocument/2006/relationships" rot="-15" type="gear6" r:blip="">
+          <dgm:adjLst/>
+        </dgm:shape>
+        <dgm:presOf axis="self"/>
+        <dgm:constrLst/>
+        <dgm:ruleLst/>
+      </dgm:layoutNode>
+      <dgm:layoutNode name="gear3tx" styleLbl="node1">
+        <dgm:varLst>
+          <dgm:chMax val="1"/>
+          <dgm:bulletEnabled val="1"/>
+        </dgm:varLst>
+        <dgm:alg type="tx">
+          <dgm:param type="txAnchorVertCh" val="mid"/>
+        </dgm:alg>
+        <dgm:shape xmlns:r="http://schemas.openxmlformats.org/officeDocument/2006/relationships" type="rect" r:blip="" hideGeom="1">
+          <dgm:adjLst/>
+        </dgm:shape>
+        <dgm:presOf axis="self"/>
+        <dgm:constrLst>
+          <dgm:constr type="tMarg" refType="primFontSz" fact="0.1"/>
+          <dgm:constr type="bMarg" refType="primFontSz" fact="0.1"/>
+          <dgm:constr type="lMarg" refType="primFontSz" fact="0.1"/>
+          <dgm:constr type="rMarg" refType="primFontSz" fact="0.1"/>
+        </dgm:constrLst>
+        <dgm:ruleLst>
+          <dgm:rule type="primFontSz" val="5" fact="NaN" max="NaN"/>
+        </dgm:ruleLst>
+      </dgm:layoutNode>
+      <dgm:layoutNode name="gear3srcNode">
+        <dgm:alg type="sp"/>
+        <dgm:shape xmlns:r="http://schemas.openxmlformats.org/officeDocument/2006/relationships" type="rect" r:blip="" hideGeom="1">
+          <dgm:adjLst/>
+        </dgm:shape>
+        <dgm:presOf axis="self"/>
+        <dgm:constrLst/>
+        <dgm:ruleLst/>
+      </dgm:layoutNode>
+      <dgm:layoutNode name="gear3dstNode">
+        <dgm:alg type="sp"/>
+        <dgm:shape xmlns:r="http://schemas.openxmlformats.org/officeDocument/2006/relationships" type="rect" r:blip="" hideGeom="1">
+          <dgm:adjLst/>
+        </dgm:shape>
+        <dgm:presOf axis="self"/>
+        <dgm:constrLst/>
+        <dgm:ruleLst/>
+      </dgm:layoutNode>
+      <dgm:choose name="Name13">
+        <dgm:if name="Name14" axis="ch" ptType="node" func="cnt" op="gte" val="1">
+          <dgm:layoutNode name="gear3ch" styleLbl="fgAcc1">
+            <dgm:varLst>
+              <dgm:chMax val="0"/>
+              <dgm:bulletEnabled val="1"/>
+            </dgm:varLst>
+            <dgm:alg type="tx">
+              <dgm:param type="stBulletLvl" val="1"/>
+            </dgm:alg>
+            <dgm:shape xmlns:r="http://schemas.openxmlformats.org/officeDocument/2006/relationships" type="roundRect" r:blip="">
+              <dgm:adjLst>
+                <dgm:adj idx="1" val="0.1"/>
+              </dgm:adjLst>
+            </dgm:shape>
+            <dgm:presOf axis="des" ptType="node"/>
+            <dgm:constrLst>
+              <dgm:constr type="tMarg" refType="primFontSz" fact="0.3"/>
+              <dgm:constr type="bMarg" refType="primFontSz" fact="0.3"/>
+              <dgm:constr type="lMarg" refType="primFontSz" fact="0.3"/>
+              <dgm:constr type="rMarg" refType="primFontSz" fact="0.3"/>
+            </dgm:constrLst>
+            <dgm:ruleLst>
+              <dgm:rule type="primFontSz" val="5" fact="NaN" max="NaN"/>
+            </dgm:ruleLst>
+          </dgm:layoutNode>
+        </dgm:if>
+        <dgm:else name="Name15"/>
+      </dgm:choose>
+    </dgm:forEach>
+    <dgm:forEach name="Name16" axis="ch" ptType="sibTrans" hideLastTrans="0" cnt="1">
+      <dgm:layoutNode name="connector1" styleLbl="sibTrans2D1">
+        <dgm:alg type="conn">
+          <dgm:param type="connRout" val="curve"/>
+          <dgm:param type="srcNode" val="gear1srcNode"/>
+          <dgm:param type="dstNode" val="gear1dstNode"/>
+          <dgm:param type="begPts" val="midR"/>
+          <dgm:param type="endPts" val="tCtr"/>
+        </dgm:alg>
+        <dgm:shape xmlns:r="http://schemas.openxmlformats.org/officeDocument/2006/relationships" type="conn" r:blip="">
+          <dgm:adjLst/>
+        </dgm:shape>
+        <dgm:presOf axis="self"/>
+        <dgm:constrLst>
+          <dgm:constr type="w" val="10"/>
+          <dgm:constr type="h" val="10"/>
+          <dgm:constr type="begPad"/>
+          <dgm:constr type="endPad"/>
+        </dgm:constrLst>
+        <dgm:ruleLst/>
+      </dgm:layoutNode>
+    </dgm:forEach>
+    <dgm:forEach name="Name17" axis="ch" ptType="sibTrans" hideLastTrans="0" st="2" cnt="1">
+      <dgm:layoutNode name="connector2" styleLbl="sibTrans2D1">
+        <dgm:alg type="conn">
+          <dgm:param type="connRout" val="curve"/>
+          <dgm:param type="srcNode" val="gear2srcNode"/>
+          <dgm:param type="dstNode" val="gear2dstNode"/>
+          <dgm:param type="begPts" val="midL"/>
+          <dgm:param type="endPts" val="midL"/>
+        </dgm:alg>
+        <dgm:shape xmlns:r="http://schemas.openxmlformats.org/officeDocument/2006/relationships" type="conn" r:blip="">
+          <dgm:adjLst/>
+        </dgm:shape>
+        <dgm:presOf axis="self"/>
+        <dgm:constrLst>
+          <dgm:constr type="w" val="10"/>
+          <dgm:constr type="h" val="10"/>
+          <dgm:constr type="begPad"/>
+          <dgm:constr type="endPad"/>
+        </dgm:constrLst>
+        <dgm:ruleLst/>
+      </dgm:layoutNode>
+    </dgm:forEach>
+    <dgm:forEach name="Name18" axis="ch" ptType="sibTrans" hideLastTrans="0" st="3" cnt="1">
+      <dgm:layoutNode name="connector3" styleLbl="sibTrans2D1">
+        <dgm:alg type="conn">
+          <dgm:param type="connRout" val="curve"/>
+          <dgm:param type="srcNode" val="gear3srcNode"/>
+          <dgm:param type="dstNode" val="gear3dstNode"/>
+          <dgm:param type="begPts" val="midL"/>
+          <dgm:param type="endPts" val="midL"/>
+        </dgm:alg>
+        <dgm:shape xmlns:r="http://schemas.openxmlformats.org/officeDocument/2006/relationships" type="conn" r:blip="">
+          <dgm:adjLst/>
+        </dgm:shape>
+        <dgm:presOf axis="self"/>
+        <dgm:constrLst>
+          <dgm:constr type="w" val="10"/>
+          <dgm:constr type="h" val="10"/>
+          <dgm:constr type="begPad"/>
+          <dgm:constr type="endPad"/>
+        </dgm:constrLst>
+        <dgm:ruleLst/>
+      </dgm:layoutNode>
+    </dgm:forEach>
+  </dgm:layoutNode>
+</dgm:layoutDef>
+</file>
+
+<file path=ppt/diagrams/quickStyle1.xml><?xml version="1.0" encoding="utf-8"?>
+<dgm:styleDef xmlns:dgm="http://schemas.openxmlformats.org/drawingml/2006/diagram" xmlns:a="http://schemas.openxmlformats.org/drawingml/2006/main" uniqueId="urn:microsoft.com/office/officeart/2005/8/quickstyle/simple1">
+  <dgm:title val=""/>
+  <dgm:desc val=""/>
+  <dgm:catLst>
+    <dgm:cat type="simple" pri="10100"/>
+  </dgm:catLst>
+  <dgm:scene3d>
+    <a:camera prst="orthographicFront"/>
+    <a:lightRig rig="threePt" dir="t"/>
+  </dgm:scene3d>
+  <dgm:styleLbl name="node0">
+    <dgm:scene3d>
+      <a:camera prst="orthographicFront"/>
+      <a:lightRig rig="threePt" dir="t"/>
+    </dgm:scene3d>
+    <dgm:sp3d/>
+    <dgm:txPr/>
+    <dgm:style>
+      <a:lnRef idx="2">
+        <a:scrgbClr r="0" g="0" b="0"/>
+      </a:lnRef>
+      <a:fillRef idx="1">
+        <a:scrgbClr r="0" g="0" b="0"/>
+      </a:fillRef>
+      <a:effectRef idx="0">
+        <a:scrgbClr r="0" g="0" b="0"/>
+      </a:effectRef>
+      <a:fontRef idx="minor">
+        <a:schemeClr val="lt1"/>
+      </a:fontRef>
+    </dgm:style>
+  </dgm:styleLbl>
+  <dgm:styleLbl name="lnNode1">
+    <dgm:scene3d>
+      <a:camera prst="orthographicFront"/>
+      <a:lightRig rig="threePt" dir="t"/>
+    </dgm:scene3d>
+    <dgm:sp3d/>
+    <dgm:txPr/>
+    <dgm:style>
+      <a:lnRef idx="2">
+        <a:scrgbClr r="0" g="0" b="0"/>
+      </a:lnRef>
+      <a:fillRef idx="1">
+        <a:scrgbClr r="0" g="0" b="0"/>
+      </a:fillRef>
+      <a:effectRef idx="0">
+        <a:scrgbClr r="0" g="0" b="0"/>
+      </a:effectRef>
+      <a:fontRef idx="minor">
+        <a:schemeClr val="lt1"/>
+      </a:fontRef>
+    </dgm:style>
+  </dgm:styleLbl>
+  <dgm:styleLbl name="vennNode1">
+    <dgm:scene3d>
+      <a:camera prst="orthographicFront"/>
+      <a:lightRig rig="threePt" dir="t"/>
+    </dgm:scene3d>
+    <dgm:sp3d/>
+    <dgm:txPr/>
+    <dgm:style>
+      <a:lnRef idx="2">
+        <a:scrgbClr r="0" g="0" b="0"/>
+      </a:lnRef>
+      <a:fillRef idx="1">
+        <a:scrgbClr r="0" g="0" b="0"/>
+      </a:fillRef>
+      <a:effectRef idx="0">
+        <a:scrgbClr r="0" g="0" b="0"/>
+      </a:effectRef>
+      <a:fontRef idx="minor">
+        <a:schemeClr val="tx1"/>
+      </a:fontRef>
+    </dgm:style>
+  </dgm:styleLbl>
+  <dgm:styleLbl name="alignNode1">
+    <dgm:scene3d>
+      <a:camera prst="orthographicFront"/>
+      <a:lightRig rig="threePt" dir="t"/>
+    </dgm:scene3d>
+    <dgm:sp3d/>
+    <dgm:txPr/>
+    <dgm:style>
+      <a:lnRef idx="2">
+        <a:scrgbClr r="0" g="0" b="0"/>
+      </a:lnRef>
+      <a:fillRef idx="1">
+        <a:scrgbClr r="0" g="0" b="0"/>
+      </a:fillRef>
+      <a:effectRef idx="0">
+        <a:scrgbClr r="0" g="0" b="0"/>
+      </a:effectRef>
+      <a:fontRef idx="minor">
+        <a:schemeClr val="lt1"/>
+      </a:fontRef>
+    </dgm:style>
+  </dgm:styleLbl>
+  <dgm:styleLbl name="node1">
+    <dgm:scene3d>
+      <a:camera prst="orthographicFront"/>
+      <a:lightRig rig="threePt" dir="t"/>
+    </dgm:scene3d>
+    <dgm:sp3d/>
+    <dgm:txPr/>
+    <dgm:style>
+      <a:lnRef idx="2">
+        <a:scrgbClr r="0" g="0" b="0"/>
+      </a:lnRef>
+      <a:fillRef idx="1">
+        <a:scrgbClr r="0" g="0" b="0"/>
+      </a:fillRef>
+      <a:effectRef idx="0">
+        <a:scrgbClr r="0" g="0" b="0"/>
+      </a:effectRef>
+      <a:fontRef idx="minor">
+        <a:schemeClr val="lt1"/>
+      </a:fontRef>
+    </dgm:style>
+  </dgm:styleLbl>
+  <dgm:styleLbl name="node2">
+    <dgm:scene3d>
+      <a:camera prst="orthographicFront"/>
+      <a:lightRig rig="threePt" dir="t"/>
+    </dgm:scene3d>
+    <dgm:sp3d/>
+    <dgm:txPr/>
+    <dgm:style>
+      <a:lnRef idx="2">
+        <a:scrgbClr r="0" g="0" b="0"/>
+      </a:lnRef>
+      <a:fillRef idx="1">
+        <a:scrgbClr r="0" g="0" b="0"/>
+      </a:fillRef>
+      <a:effectRef idx="0">
+        <a:scrgbClr r="0" g="0" b="0"/>
+      </a:effectRef>
+      <a:fontRef idx="minor">
+        <a:schemeClr val="lt1"/>
+      </a:fontRef>
+    </dgm:style>
+  </dgm:styleLbl>
+  <dgm:styleLbl name="node3">
+    <dgm:scene3d>
+      <a:camera prst="orthographicFront"/>
+      <a:lightRig rig="threePt" dir="t"/>
+    </dgm:scene3d>
+    <dgm:sp3d/>
+    <dgm:txPr/>
+    <dgm:style>
+      <a:lnRef idx="2">
+        <a:scrgbClr r="0" g="0" b="0"/>
+      </a:lnRef>
+      <a:fillRef idx="1">
+        <a:scrgbClr r="0" g="0" b="0"/>
+      </a:fillRef>
+      <a:effectRef idx="0">
+        <a:scrgbClr r="0" g="0" b="0"/>
+      </a:effectRef>
+      <a:fontRef idx="minor">
+        <a:schemeClr val="lt1"/>
+      </a:fontRef>
+    </dgm:style>
+  </dgm:styleLbl>
+  <dgm:styleLbl name="node4">
+    <dgm:scene3d>
+      <a:camera prst="orthographicFront"/>
+      <a:lightRig rig="threePt" dir="t"/>
+    </dgm:scene3d>
+    <dgm:sp3d/>
+    <dgm:txPr/>
+    <dgm:style>
+      <a:lnRef idx="2">
+        <a:scrgbClr r="0" g="0" b="0"/>
+      </a:lnRef>
+      <a:fillRef idx="1">
+        <a:scrgbClr r="0" g="0" b="0"/>
+      </a:fillRef>
+      <a:effectRef idx="0">
+        <a:scrgbClr r="0" g="0" b="0"/>
+      </a:effectRef>
+      <a:fontRef idx="minor">
+        <a:schemeClr val="lt1"/>
+      </a:fontRef>
+    </dgm:style>
+  </dgm:styleLbl>
+  <dgm:styleLbl name="fgImgPlace1">
+    <dgm:scene3d>
+      <a:camera prst="orthographicFront"/>
+      <a:lightRig rig="threePt" dir="t"/>
+    </dgm:scene3d>
+    <dgm:sp3d/>
+    <dgm:txPr/>
+    <dgm:style>
+      <a:lnRef idx="2">
+        <a:scrgbClr r="0" g="0" b="0"/>
+      </a:lnRef>
+      <a:fillRef idx="1">
+        <a:scrgbClr r="0" g="0" b="0"/>
+      </a:fillRef>
+      <a:effectRef idx="0">
+        <a:scrgbClr r="0" g="0" b="0"/>
+      </a:effectRef>
+      <a:fontRef idx="minor"/>
+    </dgm:style>
+  </dgm:styleLbl>
+  <dgm:styleLbl name="alignImgPlace1">
+    <dgm:scene3d>
+      <a:camera prst="orthographicFront"/>
+      <a:lightRig rig="threePt" dir="t"/>
+    </dgm:scene3d>
+    <dgm:sp3d/>
+    <dgm:txPr/>
+    <dgm:style>
+      <a:lnRef idx="2">
+        <a:scrgbClr r="0" g="0" b="0"/>
+      </a:lnRef>
+      <a:fillRef idx="1">
+        <a:scrgbClr r="0" g="0" b="0"/>
+      </a:fillRef>
+      <a:effectRef idx="0">
+        <a:scrgbClr r="0" g="0" b="0"/>
+      </a:effectRef>
+      <a:fontRef idx="minor"/>
+    </dgm:style>
+  </dgm:styleLbl>
+  <dgm:styleLbl name="bgImgPlace1">
+    <dgm:scene3d>
+      <a:camera prst="orthographicFront"/>
+      <a:lightRig rig="threePt" dir="t"/>
+    </dgm:scene3d>
+    <dgm:sp3d/>
+    <dgm:txPr/>
+    <dgm:style>
+      <a:lnRef idx="2">
+        <a:scrgbClr r="0" g="0" b="0"/>
+      </a:lnRef>
+      <a:fillRef idx="1">
+        <a:scrgbClr r="0" g="0" b="0"/>
+      </a:fillRef>
+      <a:effectRef idx="0">
+        <a:scrgbClr r="0" g="0" b="0"/>
+      </a:effectRef>
+      <a:fontRef idx="minor"/>
+    </dgm:style>
+  </dgm:styleLbl>
+  <dgm:styleLbl name="sibTrans2D1">
+    <dgm:scene3d>
+      <a:camera prst="orthographicFront"/>
+      <a:lightRig rig="threePt" dir="t"/>
+    </dgm:scene3d>
+    <dgm:sp3d/>
+    <dgm:txPr/>
+    <dgm:style>
+      <a:lnRef idx="0">
+        <a:scrgbClr r="0" g="0" b="0"/>
+      </a:lnRef>
+      <a:fillRef idx="1">
+        <a:scrgbClr r="0" g="0" b="0"/>
+      </a:fillRef>
+      <a:effectRef idx="0">
+        <a:scrgbClr r="0" g="0" b="0"/>
+      </a:effectRef>
+      <a:fontRef idx="minor">
+        <a:schemeClr val="lt1"/>
+      </a:fontRef>
+    </dgm:style>
+  </dgm:styleLbl>
+  <dgm:styleLbl name="fgSibTrans2D1">
+    <dgm:scene3d>
+      <a:camera prst="orthographicFront"/>
+      <a:lightRig rig="threePt" dir="t"/>
+    </dgm:scene3d>
+    <dgm:sp3d/>
+    <dgm:txPr/>
+    <dgm:style>
+      <a:lnRef idx="0">
+        <a:scrgbClr r="0" g="0" b="0"/>
+      </a:lnRef>
+      <a:fillRef idx="1">
+        <a:scrgbClr r="0" g="0" b="0"/>
+      </a:fillRef>
+      <a:effectRef idx="0">
+        <a:scrgbClr r="0" g="0" b="0"/>
+      </a:effectRef>
+      <a:fontRef idx="minor">
+        <a:schemeClr val="lt1"/>
+      </a:fontRef>
+    </dgm:style>
+  </dgm:styleLbl>
+  <dgm:styleLbl name="bgSibTrans2D1">
+    <dgm:scene3d>
+      <a:camera prst="orthographicFront"/>
+      <a:lightRig rig="threePt" dir="t"/>
+    </dgm:scene3d>
+    <dgm:sp3d/>
+    <dgm:txPr/>
+    <dgm:style>
+      <a:lnRef idx="0">
+        <a:scrgbClr r="0" g="0" b="0"/>
+      </a:lnRef>
+      <a:fillRef idx="1">
+        <a:scrgbClr r="0" g="0" b="0"/>
+      </a:fillRef>
+      <a:effectRef idx="0">
+        <a:scrgbClr r="0" g="0" b="0"/>
+      </a:effectRef>
+      <a:fontRef idx="minor">
+        <a:schemeClr val="lt1"/>
+      </a:fontRef>
+    </dgm:style>
+  </dgm:styleLbl>
+  <dgm:styleLbl name="sibTrans1D1">
+    <dgm:scene3d>
+      <a:camera prst="orthographicFront"/>
+      <a:lightRig rig="threePt" dir="t"/>
+    </dgm:scene3d>
+    <dgm:sp3d/>
+    <dgm:txPr/>
+    <dgm:style>
+      <a:lnRef idx="1">
+        <a:scrgbClr r="0" g="0" b="0"/>
+      </a:lnRef>
+      <a:fillRef idx="0">
+        <a:scrgbClr r="0" g="0" b="0"/>
+      </a:fillRef>
+      <a:effectRef idx="0">
+        <a:scrgbClr r="0" g="0" b="0"/>
+      </a:effectRef>
+      <a:fontRef idx="minor"/>
+    </dgm:style>
+  </dgm:styleLbl>
+  <dgm:styleLbl name="callout">
+    <dgm:scene3d>
+      <a:camera prst="orthographicFront"/>
+      <a:lightRig rig="threePt" dir="t"/>
+    </dgm:scene3d>
+    <dgm:sp3d/>
+    <dgm:txPr/>
+    <dgm:style>
+      <a:lnRef idx="2">
+        <a:scrgbClr r="0" g="0" b="0"/>
+      </a:lnRef>
+      <a:fillRef idx="1">
+        <a:scrgbClr r="0" g="0" b="0"/>
+      </a:fillRef>
+      <a:effectRef idx="0">
+        <a:scrgbClr r="0" g="0" b="0"/>
+      </a:effectRef>
+      <a:fontRef idx="minor"/>
+    </dgm:style>
+  </dgm:styleLbl>
+  <dgm:styleLbl name="asst0">
+    <dgm:scene3d>
+      <a:camera prst="orthographicFront"/>
+      <a:lightRig rig="threePt" dir="t"/>
+    </dgm:scene3d>
+    <dgm:sp3d/>
+    <dgm:txPr/>
+    <dgm:style>
+      <a:lnRef idx="2">
+        <a:scrgbClr r="0" g="0" b="0"/>
+      </a:lnRef>
+      <a:fillRef idx="1">
+        <a:scrgbClr r="0" g="0" b="0"/>
+      </a:fillRef>
+      <a:effectRef idx="0">
+        <a:scrgbClr r="0" g="0" b="0"/>
+      </a:effectRef>
+      <a:fontRef idx="minor">
+        <a:schemeClr val="lt1"/>
+      </a:fontRef>
+    </dgm:style>
+  </dgm:styleLbl>
+  <dgm:styleLbl name="asst1">
+    <dgm:scene3d>
+      <a:camera prst="orthographicFront"/>
+      <a:lightRig rig="threePt" dir="t"/>
+    </dgm:scene3d>
+    <dgm:sp3d/>
+    <dgm:txPr/>
+    <dgm:style>
+      <a:lnRef idx="2">
+        <a:scrgbClr r="0" g="0" b="0"/>
+      </a:lnRef>
+      <a:fillRef idx="1">
+        <a:scrgbClr r="0" g="0" b="0"/>
+      </a:fillRef>
+      <a:effectRef idx="0">
+        <a:scrgbClr r="0" g="0" b="0"/>
+      </a:effectRef>
+      <a:fontRef idx="minor">
+        <a:schemeClr val="lt1"/>
+      </a:fontRef>
+    </dgm:style>
+  </dgm:styleLbl>
+  <dgm:styleLbl name="asst2">
+    <dgm:scene3d>
+      <a:camera prst="orthographicFront"/>
+      <a:lightRig rig="threePt" dir="t"/>
+    </dgm:scene3d>
+    <dgm:sp3d/>
+    <dgm:txPr/>
+    <dgm:style>
+      <a:lnRef idx="2">
+        <a:scrgbClr r="0" g="0" b="0"/>
+      </a:lnRef>
+      <a:fillRef idx="1">
+        <a:scrgbClr r="0" g="0" b="0"/>
+      </a:fillRef>
+      <a:effectRef idx="0">
+        <a:scrgbClr r="0" g="0" b="0"/>
+      </a:effectRef>
+      <a:fontRef idx="minor">
+        <a:schemeClr val="lt1"/>
+      </a:fontRef>
+    </dgm:style>
+  </dgm:styleLbl>
+  <dgm:styleLbl name="asst3">
+    <dgm:scene3d>
+      <a:camera prst="orthographicFront"/>
+      <a:lightRig rig="threePt" dir="t"/>
+    </dgm:scene3d>
+    <dgm:sp3d/>
+    <dgm:txPr/>
+    <dgm:style>
+      <a:lnRef idx="2">
+        <a:scrgbClr r="0" g="0" b="0"/>
+      </a:lnRef>
+      <a:fillRef idx="1">
+        <a:scrgbClr r="0" g="0" b="0"/>
+      </a:fillRef>
+      <a:effectRef idx="0">
+        <a:scrgbClr r="0" g="0" b="0"/>
+      </a:effectRef>
+      <a:fontRef idx="minor">
+        <a:schemeClr val="lt1"/>
+      </a:fontRef>
+    </dgm:style>
+  </dgm:styleLbl>
+  <dgm:styleLbl name="asst4">
+    <dgm:scene3d>
+      <a:camera prst="orthographicFront"/>
+      <a:lightRig rig="threePt" dir="t"/>
+    </dgm:scene3d>
+    <dgm:sp3d/>
+    <dgm:txPr/>
+    <dgm:style>
+      <a:lnRef idx="2">
+        <a:scrgbClr r="0" g="0" b="0"/>
+      </a:lnRef>
+      <a:fillRef idx="1">
+        <a:scrgbClr r="0" g="0" b="0"/>
+      </a:fillRef>
+      <a:effectRef idx="0">
+        <a:scrgbClr r="0" g="0" b="0"/>
+      </a:effectRef>
+      <a:fontRef idx="minor">
+        <a:schemeClr val="lt1"/>
+      </a:fontRef>
+    </dgm:style>
+  </dgm:styleLbl>
+  <dgm:styleLbl name="parChTrans2D1">
+    <dgm:scene3d>
+      <a:camera prst="orthographicFront"/>
+      <a:lightRig rig="threePt" dir="t"/>
+    </dgm:scene3d>
+    <dgm:sp3d/>
+    <dgm:txPr/>
+    <dgm:style>
+      <a:lnRef idx="2">
+        <a:scrgbClr r="0" g="0" b="0"/>
+      </a:lnRef>
+      <a:fillRef idx="1">
+        <a:scrgbClr r="0" g="0" b="0"/>
+      </a:fillRef>
+      <a:effectRef idx="0">
+        <a:scrgbClr r="0" g="0" b="0"/>
+      </a:effectRef>
+      <a:fontRef idx="minor">
+        <a:schemeClr val="lt1"/>
+      </a:fontRef>
+    </dgm:style>
+  </dgm:styleLbl>
+  <dgm:styleLbl name="parChTrans2D2">
+    <dgm:scene3d>
+      <a:camera prst="orthographicFront"/>
+      <a:lightRig rig="threePt" dir="t"/>
+    </dgm:scene3d>
+    <dgm:sp3d/>
+    <dgm:txPr/>
+    <dgm:style>
+      <a:lnRef idx="2">
+        <a:scrgbClr r="0" g="0" b="0"/>
+      </a:lnRef>
+      <a:fillRef idx="1">
+        <a:scrgbClr r="0" g="0" b="0"/>
+      </a:fillRef>
+      <a:effectRef idx="0">
+        <a:scrgbClr r="0" g="0" b="0"/>
+      </a:effectRef>
+      <a:fontRef idx="minor">
+        <a:schemeClr val="lt1"/>
+      </a:fontRef>
+    </dgm:style>
+  </dgm:styleLbl>
+  <dgm:styleLbl name="parChTrans2D3">
+    <dgm:scene3d>
+      <a:camera prst="orthographicFront"/>
+      <a:lightRig rig="threePt" dir="t"/>
+    </dgm:scene3d>
+    <dgm:sp3d/>
+    <dgm:txPr/>
+    <dgm:style>
+      <a:lnRef idx="2">
+        <a:scrgbClr r="0" g="0" b="0"/>
+      </a:lnRef>
+      <a:fillRef idx="1">
+        <a:scrgbClr r="0" g="0" b="0"/>
+      </a:fillRef>
+      <a:effectRef idx="0">
+        <a:scrgbClr r="0" g="0" b="0"/>
+      </a:effectRef>
+      <a:fontRef idx="minor">
+        <a:schemeClr val="lt1"/>
+      </a:fontRef>
+    </dgm:style>
+  </dgm:styleLbl>
+  <dgm:styleLbl name="parChTrans2D4">
+    <dgm:scene3d>
+      <a:camera prst="orthographicFront"/>
+      <a:lightRig rig="threePt" dir="t"/>
+    </dgm:scene3d>
+    <dgm:sp3d/>
+    <dgm:txPr/>
+    <dgm:style>
+      <a:lnRef idx="2">
+        <a:scrgbClr r="0" g="0" b="0"/>
+      </a:lnRef>
+      <a:fillRef idx="1">
+        <a:scrgbClr r="0" g="0" b="0"/>
+      </a:fillRef>
+      <a:effectRef idx="0">
+        <a:scrgbClr r="0" g="0" b="0"/>
+      </a:effectRef>
+      <a:fontRef idx="minor">
+        <a:schemeClr val="lt1"/>
+      </a:fontRef>
+    </dgm:style>
+  </dgm:styleLbl>
+  <dgm:styleLbl name="parChTrans1D1">
+    <dgm:scene3d>
+      <a:camera prst="orthographicFront"/>
+      <a:lightRig rig="threePt" dir="t"/>
+    </dgm:scene3d>
+    <dgm:sp3d/>
+    <dgm:txPr/>
+    <dgm:style>
+      <a:lnRef idx="2">
+        <a:scrgbClr r="0" g="0" b="0"/>
+      </a:lnRef>
+      <a:fillRef idx="0">
+        <a:scrgbClr r="0" g="0" b="0"/>
+      </a:fillRef>
+      <a:effectRef idx="0">
+        <a:scrgbClr r="0" g="0" b="0"/>
+      </a:effectRef>
+      <a:fontRef idx="minor"/>
+    </dgm:style>
+  </dgm:styleLbl>
+  <dgm:styleLbl name="parChTrans1D2">
+    <dgm:scene3d>
+      <a:camera prst="orthographicFront"/>
+      <a:lightRig rig="threePt" dir="t"/>
+    </dgm:scene3d>
+    <dgm:sp3d/>
+    <dgm:txPr/>
+    <dgm:style>
+      <a:lnRef idx="2">
+        <a:scrgbClr r="0" g="0" b="0"/>
+      </a:lnRef>
+      <a:fillRef idx="0">
+        <a:scrgbClr r="0" g="0" b="0"/>
+      </a:fillRef>
+      <a:effectRef idx="0">
+        <a:scrgbClr r="0" g="0" b="0"/>
+      </a:effectRef>
+      <a:fontRef idx="minor"/>
+    </dgm:style>
+  </dgm:styleLbl>
+  <dgm:styleLbl name="parChTrans1D3">
+    <dgm:scene3d>
+      <a:camera prst="orthographicFront"/>
+      <a:lightRig rig="threePt" dir="t"/>
+    </dgm:scene3d>
+    <dgm:sp3d/>
+    <dgm:txPr/>
+    <dgm:style>
+      <a:lnRef idx="2">
+        <a:scrgbClr r="0" g="0" b="0"/>
+      </a:lnRef>
+      <a:fillRef idx="0">
+        <a:scrgbClr r="0" g="0" b="0"/>
+      </a:fillRef>
+      <a:effectRef idx="0">
+        <a:scrgbClr r="0" g="0" b="0"/>
+      </a:effectRef>
+      <a:fontRef idx="minor"/>
+    </dgm:style>
+  </dgm:styleLbl>
+  <dgm:styleLbl name="parChTrans1D4">
+    <dgm:scene3d>
+      <a:camera prst="orthographicFront"/>
+      <a:lightRig rig="threePt" dir="t"/>
+    </dgm:scene3d>
+    <dgm:sp3d/>
+    <dgm:txPr/>
+    <dgm:style>
+      <a:lnRef idx="2">
+        <a:scrgbClr r="0" g="0" b="0"/>
+      </a:lnRef>
+      <a:fillRef idx="0">
+        <a:scrgbClr r="0" g="0" b="0"/>
+      </a:fillRef>
+      <a:effectRef idx="0">
+        <a:scrgbClr r="0" g="0" b="0"/>
+      </a:effectRef>
+      <a:fontRef idx="minor"/>
+    </dgm:style>
+  </dgm:styleLbl>
+  <dgm:styleLbl name="fgAcc1">
+    <dgm:scene3d>
+      <a:camera prst="orthographicFront"/>
+      <a:lightRig rig="threePt" dir="t"/>
+    </dgm:scene3d>
+    <dgm:sp3d/>
+    <dgm:txPr/>
+    <dgm:style>
+      <a:lnRef idx="2">
+        <a:scrgbClr r="0" g="0" b="0"/>
+      </a:lnRef>
+      <a:fillRef idx="1">
+        <a:scrgbClr r="0" g="0" b="0"/>
+      </a:fillRef>
+      <a:effectRef idx="0">
+        <a:scrgbClr r="0" g="0" b="0"/>
+      </a:effectRef>
+      <a:fontRef idx="minor"/>
+    </dgm:style>
+  </dgm:styleLbl>
+  <dgm:styleLbl name="conFgAcc1">
+    <dgm:scene3d>
+      <a:camera prst="orthographicFront"/>
+      <a:lightRig rig="threePt" dir="t"/>
+    </dgm:scene3d>
+    <dgm:sp3d/>
+    <dgm:txPr/>
+    <dgm:style>
+      <a:lnRef idx="2">
+        <a:scrgbClr r="0" g="0" b="0"/>
+      </a:lnRef>
+      <a:fillRef idx="1">
+        <a:scrgbClr r="0" g="0" b="0"/>
+      </a:fillRef>
+      <a:effectRef idx="0">
+        <a:scrgbClr r="0" g="0" b="0"/>
+      </a:effectRef>
+      <a:fontRef idx="minor"/>
+    </dgm:style>
+  </dgm:styleLbl>
+  <dgm:styleLbl name="alignAcc1">
+    <dgm:scene3d>
+      <a:camera prst="orthographicFront"/>
+      <a:lightRig rig="threePt" dir="t"/>
+    </dgm:scene3d>
+    <dgm:sp3d/>
+    <dgm:txPr/>
+    <dgm:style>
+      <a:lnRef idx="2">
+        <a:scrgbClr r="0" g="0" b="0"/>
+      </a:lnRef>
+      <a:fillRef idx="1">
+        <a:scrgbClr r="0" g="0" b="0"/>
+      </a:fillRef>
+      <a:effectRef idx="0">
+        <a:scrgbClr r="0" g="0" b="0"/>
+      </a:effectRef>
+      <a:fontRef idx="minor"/>
+    </dgm:style>
+  </dgm:styleLbl>
+  <dgm:styleLbl name="trAlignAcc1">
+    <dgm:scene3d>
+      <a:camera prst="orthographicFront"/>
+      <a:lightRig rig="threePt" dir="t"/>
+    </dgm:scene3d>
+    <dgm:sp3d/>
+    <dgm:txPr/>
+    <dgm:style>
+      <a:lnRef idx="1">
+        <a:scrgbClr r="0" g="0" b="0"/>
+      </a:lnRef>
+      <a:fillRef idx="1">
+        <a:scrgbClr r="0" g="0" b="0"/>
+      </a:fillRef>
+      <a:effectRef idx="0">
+        <a:scrgbClr r="0" g="0" b="0"/>
+      </a:effectRef>
+      <a:fontRef idx="minor"/>
+    </dgm:style>
+  </dgm:styleLbl>
+  <dgm:styleLbl name="bgAcc1">
+    <dgm:scene3d>
+      <a:camera prst="orthographicFront"/>
+      <a:lightRig rig="threePt" dir="t"/>
+    </dgm:scene3d>
+    <dgm:sp3d/>
+    <dgm:txPr/>
+    <dgm:style>
+      <a:lnRef idx="2">
+        <a:scrgbClr r="0" g="0" b="0"/>
+      </a:lnRef>
+      <a:fillRef idx="1">
+        <a:scrgbClr r="0" g="0" b="0"/>
+      </a:fillRef>
+      <a:effectRef idx="0">
+        <a:scrgbClr r="0" g="0" b="0"/>
+      </a:effectRef>
+      <a:fontRef idx="minor"/>
+    </dgm:style>
+  </dgm:styleLbl>
+  <dgm:styleLbl name="solidFgAcc1">
+    <dgm:scene3d>
+      <a:camera prst="orthographicFront"/>
+      <a:lightRig rig="threePt" dir="t"/>
+    </dgm:scene3d>
+    <dgm:sp3d/>
+    <dgm:txPr/>
+    <dgm:style>
+      <a:lnRef idx="2">
+        <a:scrgbClr r="0" g="0" b="0"/>
+      </a:lnRef>
+      <a:fillRef idx="1">
+        <a:scrgbClr r="0" g="0" b="0"/>
+      </a:fillRef>
+      <a:effectRef idx="0">
+        <a:scrgbClr r="0" g="0" b="0"/>
+      </a:effectRef>
+      <a:fontRef idx="minor"/>
+    </dgm:style>
+  </dgm:styleLbl>
+  <dgm:styleLbl name="solidAlignAcc1">
+    <dgm:scene3d>
+      <a:camera prst="orthographicFront"/>
+      <a:lightRig rig="threePt" dir="t"/>
+    </dgm:scene3d>
+    <dgm:sp3d/>
+    <dgm:txPr/>
+    <dgm:style>
+      <a:lnRef idx="2">
+        <a:scrgbClr r="0" g="0" b="0"/>
+      </a:lnRef>
+      <a:fillRef idx="1">
+        <a:scrgbClr r="0" g="0" b="0"/>
+      </a:fillRef>
+      <a:effectRef idx="0">
+        <a:scrgbClr r="0" g="0" b="0"/>
+      </a:effectRef>
+      <a:fontRef idx="minor"/>
+    </dgm:style>
+  </dgm:styleLbl>
+  <dgm:styleLbl name="solidBgAcc1">
+    <dgm:scene3d>
+      <a:camera prst="orthographicFront"/>
+      <a:lightRig rig="threePt" dir="t"/>
+    </dgm:scene3d>
+    <dgm:sp3d/>
+    <dgm:txPr/>
+    <dgm:style>
+      <a:lnRef idx="2">
+        <a:scrgbClr r="0" g="0" b="0"/>
+      </a:lnRef>
+      <a:fillRef idx="1">
+        <a:scrgbClr r="0" g="0" b="0"/>
+      </a:fillRef>
+      <a:effectRef idx="0">
+        <a:scrgbClr r="0" g="0" b="0"/>
+      </a:effectRef>
+      <a:fontRef idx="minor"/>
+    </dgm:style>
+  </dgm:styleLbl>
+  <dgm:styleLbl name="fgAccFollowNode1">
+    <dgm:scene3d>
+      <a:camera prst="orthographicFront"/>
+      <a:lightRig rig="threePt" dir="t"/>
+    </dgm:scene3d>
+    <dgm:sp3d/>
+    <dgm:txPr/>
+    <dgm:style>
+      <a:lnRef idx="2">
+        <a:scrgbClr r="0" g="0" b="0"/>
+      </a:lnRef>
+      <a:fillRef idx="1">
+        <a:scrgbClr r="0" g="0" b="0"/>
+      </a:fillRef>
+      <a:effectRef idx="0">
+        <a:scrgbClr r="0" g="0" b="0"/>
+      </a:effectRef>
+      <a:fontRef idx="minor"/>
+    </dgm:style>
+  </dgm:styleLbl>
+  <dgm:styleLbl name="alignAccFollowNode1">
+    <dgm:scene3d>
+      <a:camera prst="orthographicFront"/>
+      <a:lightRig rig="threePt" dir="t"/>
+    </dgm:scene3d>
+    <dgm:sp3d/>
+    <dgm:txPr/>
+    <dgm:style>
+      <a:lnRef idx="2">
+        <a:scrgbClr r="0" g="0" b="0"/>
+      </a:lnRef>
+      <a:fillRef idx="1">
+        <a:scrgbClr r="0" g="0" b="0"/>
+      </a:fillRef>
+      <a:effectRef idx="0">
+        <a:scrgbClr r="0" g="0" b="0"/>
+      </a:effectRef>
+      <a:fontRef idx="minor"/>
+    </dgm:style>
+  </dgm:styleLbl>
+  <dgm:styleLbl name="bgAccFollowNode1">
+    <dgm:scene3d>
+      <a:camera prst="orthographicFront"/>
+      <a:lightRig rig="threePt" dir="t"/>
+    </dgm:scene3d>
+    <dgm:sp3d/>
+    <dgm:txPr/>
+    <dgm:style>
+      <a:lnRef idx="2">
+        <a:scrgbClr r="0" g="0" b="0"/>
+      </a:lnRef>
+      <a:fillRef idx="1">
+        <a:scrgbClr r="0" g="0" b="0"/>
+      </a:fillRef>
+      <a:effectRef idx="0">
+        <a:scrgbClr r="0" g="0" b="0"/>
+      </a:effectRef>
+      <a:fontRef idx="minor"/>
+    </dgm:style>
+  </dgm:styleLbl>
+  <dgm:styleLbl name="fgAcc0">
+    <dgm:scene3d>
+      <a:camera prst="orthographicFront"/>
+      <a:lightRig rig="threePt" dir="t"/>
+    </dgm:scene3d>
+    <dgm:sp3d/>
+    <dgm:txPr/>
+    <dgm:style>
+      <a:lnRef idx="2">
+        <a:scrgbClr r="0" g="0" b="0"/>
+      </a:lnRef>
+      <a:fillRef idx="1">
+        <a:scrgbClr r="0" g="0" b="0"/>
+      </a:fillRef>
+      <a:effectRef idx="0">
+        <a:scrgbClr r="0" g="0" b="0"/>
+      </a:effectRef>
+      <a:fontRef idx="minor"/>
+    </dgm:style>
+  </dgm:styleLbl>
+  <dgm:styleLbl name="fgAcc2">
+    <dgm:scene3d>
+      <a:camera prst="orthographicFront"/>
+      <a:lightRig rig="threePt" dir="t"/>
+    </dgm:scene3d>
+    <dgm:sp3d/>
+    <dgm:txPr/>
+    <dgm:style>
+      <a:lnRef idx="2">
+        <a:scrgbClr r="0" g="0" b="0"/>
+      </a:lnRef>
+      <a:fillRef idx="1">
+        <a:scrgbClr r="0" g="0" b="0"/>
+      </a:fillRef>
+      <a:effectRef idx="0">
+        <a:scrgbClr r="0" g="0" b="0"/>
+      </a:effectRef>
+      <a:fontRef idx="minor"/>
+    </dgm:style>
+  </dgm:styleLbl>
+  <dgm:styleLbl name="fgAcc3">
+    <dgm:scene3d>
+      <a:camera prst="orthographicFront"/>
+      <a:lightRig rig="threePt" dir="t"/>
+    </dgm:scene3d>
+    <dgm:sp3d/>
+    <dgm:txPr/>
+    <dgm:style>
+      <a:lnRef idx="2">
+        <a:scrgbClr r="0" g="0" b="0"/>
+      </a:lnRef>
+      <a:fillRef idx="1">
+        <a:scrgbClr r="0" g="0" b="0"/>
+      </a:fillRef>
+      <a:effectRef idx="0">
+        <a:scrgbClr r="0" g="0" b="0"/>
+      </a:effectRef>
+      <a:fontRef idx="minor"/>
+    </dgm:style>
+  </dgm:styleLbl>
+  <dgm:styleLbl name="fgAcc4">
+    <dgm:scene3d>
+      <a:camera prst="orthographicFront"/>
+      <a:lightRig rig="threePt" dir="t"/>
+    </dgm:scene3d>
+    <dgm:sp3d/>
+    <dgm:txPr/>
+    <dgm:style>
+      <a:lnRef idx="2">
+        <a:scrgbClr r="0" g="0" b="0"/>
+      </a:lnRef>
+      <a:fillRef idx="1">
+        <a:scrgbClr r="0" g="0" b="0"/>
+      </a:fillRef>
+      <a:effectRef idx="0">
+        <a:scrgbClr r="0" g="0" b="0"/>
+      </a:effectRef>
+      <a:fontRef idx="minor"/>
+    </dgm:style>
+  </dgm:styleLbl>
+  <dgm:styleLbl name="bgShp">
+    <dgm:scene3d>
+      <a:camera prst="orthographicFront"/>
+      <a:lightRig rig="threePt" dir="t"/>
+    </dgm:scene3d>
+    <dgm:sp3d/>
+    <dgm:txPr/>
+    <dgm:style>
+      <a:lnRef idx="0">
+        <a:scrgbClr r="0" g="0" b="0"/>
+      </a:lnRef>
+      <a:fillRef idx="1">
+        <a:scrgbClr r="0" g="0" b="0"/>
+      </a:fillRef>
+      <a:effectRef idx="0">
+        <a:scrgbClr r="0" g="0" b="0"/>
+      </a:effectRef>
+      <a:fontRef idx="minor"/>
+    </dgm:style>
+  </dgm:styleLbl>
+  <dgm:styleLbl name="dkBgShp">
+    <dgm:scene3d>
+      <a:camera prst="orthographicFront"/>
+      <a:lightRig rig="threePt" dir="t"/>
+    </dgm:scene3d>
+    <dgm:sp3d/>
+    <dgm:txPr/>
+    <dgm:style>
+      <a:lnRef idx="0">
+        <a:scrgbClr r="0" g="0" b="0"/>
+      </a:lnRef>
+      <a:fillRef idx="1">
+        <a:scrgbClr r="0" g="0" b="0"/>
+      </a:fillRef>
+      <a:effectRef idx="0">
+        <a:scrgbClr r="0" g="0" b="0"/>
+      </a:effectRef>
+      <a:fontRef idx="minor"/>
+    </dgm:style>
+  </dgm:styleLbl>
+  <dgm:styleLbl name="trBgShp">
+    <dgm:scene3d>
+      <a:camera prst="orthographicFront"/>
+      <a:lightRig rig="threePt" dir="t"/>
+    </dgm:scene3d>
+    <dgm:sp3d/>
+    <dgm:txPr/>
+    <dgm:style>
+      <a:lnRef idx="0">
+        <a:scrgbClr r="0" g="0" b="0"/>
+      </a:lnRef>
+      <a:fillRef idx="1">
+        <a:scrgbClr r="0" g="0" b="0"/>
+      </a:fillRef>
+      <a:effectRef idx="0">
+        <a:scrgbClr r="0" g="0" b="0"/>
+      </a:effectRef>
+      <a:fontRef idx="minor"/>
+    </dgm:style>
+  </dgm:styleLbl>
+  <dgm:styleLbl name="fgShp">
+    <dgm:scene3d>
+      <a:camera prst="orthographicFront"/>
+      <a:lightRig rig="threePt" dir="t"/>
+    </dgm:scene3d>
+    <dgm:sp3d/>
+    <dgm:txPr/>
+    <dgm:style>
+      <a:lnRef idx="2">
+        <a:scrgbClr r="0" g="0" b="0"/>
+      </a:lnRef>
+      <a:fillRef idx="1">
+        <a:scrgbClr r="0" g="0" b="0"/>
+      </a:fillRef>
+      <a:effectRef idx="0">
+        <a:scrgbClr r="0" g="0" b="0"/>
+      </a:effectRef>
+      <a:fontRef idx="minor"/>
+    </dgm:style>
+  </dgm:styleLbl>
+  <dgm:styleLbl name="revTx">
+    <dgm:scene3d>
+      <a:camera prst="orthographicFront"/>
+      <a:lightRig rig="threePt" dir="t"/>
+    </dgm:scene3d>
+    <dgm:sp3d/>
+    <dgm:txPr/>
+    <dgm:style>
+      <a:lnRef idx="0">
+        <a:scrgbClr r="0" g="0" b="0"/>
+      </a:lnRef>
+      <a:fillRef idx="0">
+        <a:scrgbClr r="0" g="0" b="0"/>
+      </a:fillRef>
+      <a:effectRef idx="0">
+        <a:scrgbClr r="0" g="0" b="0"/>
+      </a:effectRef>
+      <a:fontRef idx="minor"/>
+    </dgm:style>
+  </dgm:styleLbl>
+</dgm:styleDef>
 </file>
 
 <file path=ppt/notesMasters/notesMaster1.xml><?xml version="1.0" encoding="utf-8"?>
@@ -217,7 +3165,7 @@
             <a:fld id="{E28287AA-0D99-42CE-A71B-10FA9908BBF8}" type="datetimeFigureOut">
               <a:rPr lang="en-US" smtClean="0"/>
               <a:pPr/>
-              <a:t>4/2/2014</a:t>
+              <a:t>03-Apr-14</a:t>
             </a:fld>
             <a:endParaRPr lang="en-US"/>
           </a:p>
@@ -235,8 +3183,8 @@
         </p:nvSpPr>
         <p:spPr>
           <a:xfrm>
-            <a:off x="1143000" y="685800"/>
-            <a:ext cx="4572000" cy="3429000"/>
+            <a:off x="381000" y="685800"/>
+            <a:ext cx="6096000" cy="3429000"/>
           </a:xfrm>
           <a:prstGeom prst="rect">
             <a:avLst/>
@@ -379,7 +3327,7 @@
             <a:fld id="{D7C167DB-EFF0-400D-96A1-6799F871DE5B}" type="slidenum">
               <a:rPr lang="en-US" smtClean="0"/>
               <a:pPr/>
-              <a:t>‹nº›</a:t>
+              <a:t>‹#›</a:t>
             </a:fld>
             <a:endParaRPr lang="en-US"/>
           </a:p>
@@ -515,7 +3463,12 @@
             <p:ph type="sldImg"/>
           </p:nvPr>
         </p:nvSpPr>
-        <p:spPr/>
+        <p:spPr>
+          <a:xfrm>
+            <a:off x="381000" y="685800"/>
+            <a:ext cx="6096000" cy="3429000"/>
+          </a:xfrm>
+        </p:spPr>
       </p:sp>
       <p:sp>
         <p:nvSpPr>
@@ -566,528 +3519,6 @@
     <p:extLst>
       <p:ext uri="{BB962C8B-B14F-4D97-AF65-F5344CB8AC3E}">
         <p14:creationId xmlns:p14="http://schemas.microsoft.com/office/powerpoint/2010/main" val="552611996"/>
-      </p:ext>
-    </p:extLst>
-  </p:cSld>
-  <p:clrMapOvr>
-    <a:masterClrMapping/>
-  </p:clrMapOvr>
-</p:notes>
-</file>
-
-<file path=ppt/notesSlides/notesSlide2.xml><?xml version="1.0" encoding="utf-8"?>
-<p:notes xmlns:a="http://schemas.openxmlformats.org/drawingml/2006/main" xmlns:r="http://schemas.openxmlformats.org/officeDocument/2006/relationships" xmlns:p="http://schemas.openxmlformats.org/presentationml/2006/main">
-  <p:cSld>
-    <p:spTree>
-      <p:nvGrpSpPr>
-        <p:cNvPr id="1" name=""/>
-        <p:cNvGrpSpPr/>
-        <p:nvPr/>
-      </p:nvGrpSpPr>
-      <p:grpSpPr>
-        <a:xfrm>
-          <a:off x="0" y="0"/>
-          <a:ext cx="0" cy="0"/>
-          <a:chOff x="0" y="0"/>
-          <a:chExt cx="0" cy="0"/>
-        </a:xfrm>
-      </p:grpSpPr>
-      <p:sp>
-        <p:nvSpPr>
-          <p:cNvPr id="2" name="Slide Image Placeholder 1"/>
-          <p:cNvSpPr>
-            <a:spLocks noGrp="1" noRot="1" noChangeAspect="1"/>
-          </p:cNvSpPr>
-          <p:nvPr>
-            <p:ph type="sldImg"/>
-          </p:nvPr>
-        </p:nvSpPr>
-        <p:spPr/>
-      </p:sp>
-      <p:sp>
-        <p:nvSpPr>
-          <p:cNvPr id="3" name="Notes Placeholder 2"/>
-          <p:cNvSpPr>
-            <a:spLocks noGrp="1"/>
-          </p:cNvSpPr>
-          <p:nvPr>
-            <p:ph type="body" idx="1"/>
-          </p:nvPr>
-        </p:nvSpPr>
-        <p:spPr/>
-        <p:txBody>
-          <a:bodyPr>
-            <a:normAutofit/>
-          </a:bodyPr>
-          <a:lstStyle/>
-          <a:p>
-            <a:endParaRPr lang="en-US"/>
-          </a:p>
-        </p:txBody>
-      </p:sp>
-      <p:sp>
-        <p:nvSpPr>
-          <p:cNvPr id="4" name="Slide Number Placeholder 3"/>
-          <p:cNvSpPr>
-            <a:spLocks noGrp="1"/>
-          </p:cNvSpPr>
-          <p:nvPr>
-            <p:ph type="sldNum" sz="quarter" idx="10"/>
-          </p:nvPr>
-        </p:nvSpPr>
-        <p:spPr/>
-        <p:txBody>
-          <a:bodyPr/>
-          <a:lstStyle/>
-          <a:p>
-            <a:fld id="{D7C167DB-EFF0-400D-96A1-6799F871DE5B}" type="slidenum">
-              <a:rPr lang="en-US" smtClean="0"/>
-              <a:pPr/>
-              <a:t>4</a:t>
-            </a:fld>
-            <a:endParaRPr lang="en-US"/>
-          </a:p>
-        </p:txBody>
-      </p:sp>
-    </p:spTree>
-    <p:extLst>
-      <p:ext uri="{BB962C8B-B14F-4D97-AF65-F5344CB8AC3E}">
-        <p14:creationId xmlns:p14="http://schemas.microsoft.com/office/powerpoint/2010/main" val="3642809945"/>
-      </p:ext>
-    </p:extLst>
-  </p:cSld>
-  <p:clrMapOvr>
-    <a:masterClrMapping/>
-  </p:clrMapOvr>
-</p:notes>
-</file>
-
-<file path=ppt/notesSlides/notesSlide3.xml><?xml version="1.0" encoding="utf-8"?>
-<p:notes xmlns:a="http://schemas.openxmlformats.org/drawingml/2006/main" xmlns:r="http://schemas.openxmlformats.org/officeDocument/2006/relationships" xmlns:p="http://schemas.openxmlformats.org/presentationml/2006/main">
-  <p:cSld>
-    <p:spTree>
-      <p:nvGrpSpPr>
-        <p:cNvPr id="1" name=""/>
-        <p:cNvGrpSpPr/>
-        <p:nvPr/>
-      </p:nvGrpSpPr>
-      <p:grpSpPr>
-        <a:xfrm>
-          <a:off x="0" y="0"/>
-          <a:ext cx="0" cy="0"/>
-          <a:chOff x="0" y="0"/>
-          <a:chExt cx="0" cy="0"/>
-        </a:xfrm>
-      </p:grpSpPr>
-      <p:sp>
-        <p:nvSpPr>
-          <p:cNvPr id="2" name="Slide Image Placeholder 1"/>
-          <p:cNvSpPr>
-            <a:spLocks noGrp="1" noRot="1" noChangeAspect="1"/>
-          </p:cNvSpPr>
-          <p:nvPr>
-            <p:ph type="sldImg"/>
-          </p:nvPr>
-        </p:nvSpPr>
-        <p:spPr/>
-      </p:sp>
-      <p:sp>
-        <p:nvSpPr>
-          <p:cNvPr id="3" name="Notes Placeholder 2"/>
-          <p:cNvSpPr>
-            <a:spLocks noGrp="1"/>
-          </p:cNvSpPr>
-          <p:nvPr>
-            <p:ph type="body" idx="1"/>
-          </p:nvPr>
-        </p:nvSpPr>
-        <p:spPr/>
-        <p:txBody>
-          <a:bodyPr>
-            <a:normAutofit/>
-          </a:bodyPr>
-          <a:lstStyle/>
-          <a:p>
-            <a:endParaRPr lang="en-US"/>
-          </a:p>
-        </p:txBody>
-      </p:sp>
-      <p:sp>
-        <p:nvSpPr>
-          <p:cNvPr id="4" name="Slide Number Placeholder 3"/>
-          <p:cNvSpPr>
-            <a:spLocks noGrp="1"/>
-          </p:cNvSpPr>
-          <p:nvPr>
-            <p:ph type="sldNum" sz="quarter" idx="10"/>
-          </p:nvPr>
-        </p:nvSpPr>
-        <p:spPr/>
-        <p:txBody>
-          <a:bodyPr/>
-          <a:lstStyle/>
-          <a:p>
-            <a:fld id="{D7C167DB-EFF0-400D-96A1-6799F871DE5B}" type="slidenum">
-              <a:rPr lang="en-US" smtClean="0"/>
-              <a:pPr/>
-              <a:t>5</a:t>
-            </a:fld>
-            <a:endParaRPr lang="en-US"/>
-          </a:p>
-        </p:txBody>
-      </p:sp>
-    </p:spTree>
-    <p:extLst>
-      <p:ext uri="{BB962C8B-B14F-4D97-AF65-F5344CB8AC3E}">
-        <p14:creationId xmlns:p14="http://schemas.microsoft.com/office/powerpoint/2010/main" val="3049016862"/>
-      </p:ext>
-    </p:extLst>
-  </p:cSld>
-  <p:clrMapOvr>
-    <a:masterClrMapping/>
-  </p:clrMapOvr>
-</p:notes>
-</file>
-
-<file path=ppt/notesSlides/notesSlide4.xml><?xml version="1.0" encoding="utf-8"?>
-<p:notes xmlns:a="http://schemas.openxmlformats.org/drawingml/2006/main" xmlns:r="http://schemas.openxmlformats.org/officeDocument/2006/relationships" xmlns:p="http://schemas.openxmlformats.org/presentationml/2006/main">
-  <p:cSld>
-    <p:spTree>
-      <p:nvGrpSpPr>
-        <p:cNvPr id="1" name=""/>
-        <p:cNvGrpSpPr/>
-        <p:nvPr/>
-      </p:nvGrpSpPr>
-      <p:grpSpPr>
-        <a:xfrm>
-          <a:off x="0" y="0"/>
-          <a:ext cx="0" cy="0"/>
-          <a:chOff x="0" y="0"/>
-          <a:chExt cx="0" cy="0"/>
-        </a:xfrm>
-      </p:grpSpPr>
-      <p:sp>
-        <p:nvSpPr>
-          <p:cNvPr id="2" name="Slide Image Placeholder 1"/>
-          <p:cNvSpPr>
-            <a:spLocks noGrp="1" noRot="1" noChangeAspect="1"/>
-          </p:cNvSpPr>
-          <p:nvPr>
-            <p:ph type="sldImg"/>
-          </p:nvPr>
-        </p:nvSpPr>
-        <p:spPr/>
-      </p:sp>
-      <p:sp>
-        <p:nvSpPr>
-          <p:cNvPr id="3" name="Notes Placeholder 2"/>
-          <p:cNvSpPr>
-            <a:spLocks noGrp="1"/>
-          </p:cNvSpPr>
-          <p:nvPr>
-            <p:ph type="body" idx="1"/>
-          </p:nvPr>
-        </p:nvSpPr>
-        <p:spPr/>
-        <p:txBody>
-          <a:bodyPr>
-            <a:normAutofit/>
-          </a:bodyPr>
-          <a:lstStyle/>
-          <a:p>
-            <a:endParaRPr lang="en-US"/>
-          </a:p>
-        </p:txBody>
-      </p:sp>
-      <p:sp>
-        <p:nvSpPr>
-          <p:cNvPr id="4" name="Slide Number Placeholder 3"/>
-          <p:cNvSpPr>
-            <a:spLocks noGrp="1"/>
-          </p:cNvSpPr>
-          <p:nvPr>
-            <p:ph type="sldNum" sz="quarter" idx="10"/>
-          </p:nvPr>
-        </p:nvSpPr>
-        <p:spPr/>
-        <p:txBody>
-          <a:bodyPr/>
-          <a:lstStyle/>
-          <a:p>
-            <a:fld id="{D7C167DB-EFF0-400D-96A1-6799F871DE5B}" type="slidenum">
-              <a:rPr lang="en-US" smtClean="0"/>
-              <a:pPr/>
-              <a:t>6</a:t>
-            </a:fld>
-            <a:endParaRPr lang="en-US"/>
-          </a:p>
-        </p:txBody>
-      </p:sp>
-    </p:spTree>
-    <p:extLst>
-      <p:ext uri="{BB962C8B-B14F-4D97-AF65-F5344CB8AC3E}">
-        <p14:creationId xmlns:p14="http://schemas.microsoft.com/office/powerpoint/2010/main" val="405238099"/>
-      </p:ext>
-    </p:extLst>
-  </p:cSld>
-  <p:clrMapOvr>
-    <a:masterClrMapping/>
-  </p:clrMapOvr>
-</p:notes>
-</file>
-
-<file path=ppt/notesSlides/notesSlide5.xml><?xml version="1.0" encoding="utf-8"?>
-<p:notes xmlns:a="http://schemas.openxmlformats.org/drawingml/2006/main" xmlns:r="http://schemas.openxmlformats.org/officeDocument/2006/relationships" xmlns:p="http://schemas.openxmlformats.org/presentationml/2006/main">
-  <p:cSld>
-    <p:spTree>
-      <p:nvGrpSpPr>
-        <p:cNvPr id="1" name=""/>
-        <p:cNvGrpSpPr/>
-        <p:nvPr/>
-      </p:nvGrpSpPr>
-      <p:grpSpPr>
-        <a:xfrm>
-          <a:off x="0" y="0"/>
-          <a:ext cx="0" cy="0"/>
-          <a:chOff x="0" y="0"/>
-          <a:chExt cx="0" cy="0"/>
-        </a:xfrm>
-      </p:grpSpPr>
-      <p:sp>
-        <p:nvSpPr>
-          <p:cNvPr id="2" name="Slide Image Placeholder 1"/>
-          <p:cNvSpPr>
-            <a:spLocks noGrp="1" noRot="1" noChangeAspect="1"/>
-          </p:cNvSpPr>
-          <p:nvPr>
-            <p:ph type="sldImg"/>
-          </p:nvPr>
-        </p:nvSpPr>
-        <p:spPr/>
-      </p:sp>
-      <p:sp>
-        <p:nvSpPr>
-          <p:cNvPr id="3" name="Notes Placeholder 2"/>
-          <p:cNvSpPr>
-            <a:spLocks noGrp="1"/>
-          </p:cNvSpPr>
-          <p:nvPr>
-            <p:ph type="body" idx="1"/>
-          </p:nvPr>
-        </p:nvSpPr>
-        <p:spPr/>
-        <p:txBody>
-          <a:bodyPr>
-            <a:normAutofit/>
-          </a:bodyPr>
-          <a:lstStyle/>
-          <a:p>
-            <a:endParaRPr lang="en-US"/>
-          </a:p>
-        </p:txBody>
-      </p:sp>
-      <p:sp>
-        <p:nvSpPr>
-          <p:cNvPr id="4" name="Slide Number Placeholder 3"/>
-          <p:cNvSpPr>
-            <a:spLocks noGrp="1"/>
-          </p:cNvSpPr>
-          <p:nvPr>
-            <p:ph type="sldNum" sz="quarter" idx="10"/>
-          </p:nvPr>
-        </p:nvSpPr>
-        <p:spPr/>
-        <p:txBody>
-          <a:bodyPr/>
-          <a:lstStyle/>
-          <a:p>
-            <a:fld id="{D7C167DB-EFF0-400D-96A1-6799F871DE5B}" type="slidenum">
-              <a:rPr lang="en-US" smtClean="0"/>
-              <a:pPr/>
-              <a:t>7</a:t>
-            </a:fld>
-            <a:endParaRPr lang="en-US"/>
-          </a:p>
-        </p:txBody>
-      </p:sp>
-    </p:spTree>
-    <p:extLst>
-      <p:ext uri="{BB962C8B-B14F-4D97-AF65-F5344CB8AC3E}">
-        <p14:creationId xmlns:p14="http://schemas.microsoft.com/office/powerpoint/2010/main" val="4201470241"/>
-      </p:ext>
-    </p:extLst>
-  </p:cSld>
-  <p:clrMapOvr>
-    <a:masterClrMapping/>
-  </p:clrMapOvr>
-</p:notes>
-</file>
-
-<file path=ppt/notesSlides/notesSlide6.xml><?xml version="1.0" encoding="utf-8"?>
-<p:notes xmlns:a="http://schemas.openxmlformats.org/drawingml/2006/main" xmlns:r="http://schemas.openxmlformats.org/officeDocument/2006/relationships" xmlns:p="http://schemas.openxmlformats.org/presentationml/2006/main">
-  <p:cSld>
-    <p:spTree>
-      <p:nvGrpSpPr>
-        <p:cNvPr id="1" name=""/>
-        <p:cNvGrpSpPr/>
-        <p:nvPr/>
-      </p:nvGrpSpPr>
-      <p:grpSpPr>
-        <a:xfrm>
-          <a:off x="0" y="0"/>
-          <a:ext cx="0" cy="0"/>
-          <a:chOff x="0" y="0"/>
-          <a:chExt cx="0" cy="0"/>
-        </a:xfrm>
-      </p:grpSpPr>
-      <p:sp>
-        <p:nvSpPr>
-          <p:cNvPr id="2" name="Slide Image Placeholder 1"/>
-          <p:cNvSpPr>
-            <a:spLocks noGrp="1" noRot="1" noChangeAspect="1"/>
-          </p:cNvSpPr>
-          <p:nvPr>
-            <p:ph type="sldImg"/>
-          </p:nvPr>
-        </p:nvSpPr>
-        <p:spPr/>
-      </p:sp>
-      <p:sp>
-        <p:nvSpPr>
-          <p:cNvPr id="3" name="Notes Placeholder 2"/>
-          <p:cNvSpPr>
-            <a:spLocks noGrp="1"/>
-          </p:cNvSpPr>
-          <p:nvPr>
-            <p:ph type="body" idx="1"/>
-          </p:nvPr>
-        </p:nvSpPr>
-        <p:spPr/>
-        <p:txBody>
-          <a:bodyPr>
-            <a:normAutofit/>
-          </a:bodyPr>
-          <a:lstStyle/>
-          <a:p>
-            <a:endParaRPr lang="en-US"/>
-          </a:p>
-        </p:txBody>
-      </p:sp>
-      <p:sp>
-        <p:nvSpPr>
-          <p:cNvPr id="4" name="Slide Number Placeholder 3"/>
-          <p:cNvSpPr>
-            <a:spLocks noGrp="1"/>
-          </p:cNvSpPr>
-          <p:nvPr>
-            <p:ph type="sldNum" sz="quarter" idx="10"/>
-          </p:nvPr>
-        </p:nvSpPr>
-        <p:spPr/>
-        <p:txBody>
-          <a:bodyPr/>
-          <a:lstStyle/>
-          <a:p>
-            <a:fld id="{D7C167DB-EFF0-400D-96A1-6799F871DE5B}" type="slidenum">
-              <a:rPr lang="en-US" smtClean="0"/>
-              <a:pPr/>
-              <a:t>8</a:t>
-            </a:fld>
-            <a:endParaRPr lang="en-US"/>
-          </a:p>
-        </p:txBody>
-      </p:sp>
-    </p:spTree>
-    <p:extLst>
-      <p:ext uri="{BB962C8B-B14F-4D97-AF65-F5344CB8AC3E}">
-        <p14:creationId xmlns:p14="http://schemas.microsoft.com/office/powerpoint/2010/main" val="2345104886"/>
-      </p:ext>
-    </p:extLst>
-  </p:cSld>
-  <p:clrMapOvr>
-    <a:masterClrMapping/>
-  </p:clrMapOvr>
-</p:notes>
-</file>
-
-<file path=ppt/notesSlides/notesSlide7.xml><?xml version="1.0" encoding="utf-8"?>
-<p:notes xmlns:a="http://schemas.openxmlformats.org/drawingml/2006/main" xmlns:r="http://schemas.openxmlformats.org/officeDocument/2006/relationships" xmlns:p="http://schemas.openxmlformats.org/presentationml/2006/main">
-  <p:cSld>
-    <p:spTree>
-      <p:nvGrpSpPr>
-        <p:cNvPr id="1" name=""/>
-        <p:cNvGrpSpPr/>
-        <p:nvPr/>
-      </p:nvGrpSpPr>
-      <p:grpSpPr>
-        <a:xfrm>
-          <a:off x="0" y="0"/>
-          <a:ext cx="0" cy="0"/>
-          <a:chOff x="0" y="0"/>
-          <a:chExt cx="0" cy="0"/>
-        </a:xfrm>
-      </p:grpSpPr>
-      <p:sp>
-        <p:nvSpPr>
-          <p:cNvPr id="2" name="Slide Image Placeholder 1"/>
-          <p:cNvSpPr>
-            <a:spLocks noGrp="1" noRot="1" noChangeAspect="1"/>
-          </p:cNvSpPr>
-          <p:nvPr>
-            <p:ph type="sldImg"/>
-          </p:nvPr>
-        </p:nvSpPr>
-        <p:spPr/>
-      </p:sp>
-      <p:sp>
-        <p:nvSpPr>
-          <p:cNvPr id="3" name="Notes Placeholder 2"/>
-          <p:cNvSpPr>
-            <a:spLocks noGrp="1"/>
-          </p:cNvSpPr>
-          <p:nvPr>
-            <p:ph type="body" idx="1"/>
-          </p:nvPr>
-        </p:nvSpPr>
-        <p:spPr/>
-        <p:txBody>
-          <a:bodyPr>
-            <a:normAutofit/>
-          </a:bodyPr>
-          <a:lstStyle/>
-          <a:p>
-            <a:endParaRPr lang="en-US"/>
-          </a:p>
-        </p:txBody>
-      </p:sp>
-      <p:sp>
-        <p:nvSpPr>
-          <p:cNvPr id="4" name="Slide Number Placeholder 3"/>
-          <p:cNvSpPr>
-            <a:spLocks noGrp="1"/>
-          </p:cNvSpPr>
-          <p:nvPr>
-            <p:ph type="sldNum" sz="quarter" idx="10"/>
-          </p:nvPr>
-        </p:nvSpPr>
-        <p:spPr/>
-        <p:txBody>
-          <a:bodyPr/>
-          <a:lstStyle/>
-          <a:p>
-            <a:fld id="{D7C167DB-EFF0-400D-96A1-6799F871DE5B}" type="slidenum">
-              <a:rPr lang="en-US" smtClean="0"/>
-              <a:pPr/>
-              <a:t>9</a:t>
-            </a:fld>
-            <a:endParaRPr lang="en-US"/>
-          </a:p>
-        </p:txBody>
-      </p:sp>
-    </p:spTree>
-    <p:extLst>
-      <p:ext uri="{BB962C8B-B14F-4D97-AF65-F5344CB8AC3E}">
-        <p14:creationId xmlns:p14="http://schemas.microsoft.com/office/powerpoint/2010/main" val="1198368875"/>
       </p:ext>
     </p:extLst>
   </p:cSld>
@@ -1126,8 +3557,8 @@
         </p:nvSpPr>
         <p:spPr>
           <a:xfrm>
-            <a:off x="457200" y="3699804"/>
-            <a:ext cx="8305800" cy="1143000"/>
+            <a:off x="609600" y="3699804"/>
+            <a:ext cx="11074400" cy="1143000"/>
           </a:xfrm>
         </p:spPr>
         <p:txBody>
@@ -1189,8 +3620,8 @@
         </p:nvSpPr>
         <p:spPr>
           <a:xfrm>
-            <a:off x="457200" y="1433732"/>
-            <a:ext cx="8305800" cy="1981200"/>
+            <a:off x="609600" y="1433732"/>
+            <a:ext cx="11074400" cy="1981200"/>
           </a:xfrm>
           <a:ln w="6350" cap="rnd">
             <a:noFill/>
@@ -1243,8 +3674,8 @@
         </p:nvCxnSpPr>
         <p:spPr>
           <a:xfrm>
-            <a:off x="1463626" y="3550126"/>
-            <a:ext cx="2971800" cy="1588"/>
+            <a:off x="1951501" y="3550126"/>
+            <a:ext cx="3962400" cy="1588"/>
           </a:xfrm>
           <a:prstGeom prst="line">
             <a:avLst/>
@@ -1288,8 +3719,8 @@
         </p:nvCxnSpPr>
         <p:spPr>
           <a:xfrm>
-            <a:off x="4708574" y="3550126"/>
-            <a:ext cx="2971800" cy="1588"/>
+            <a:off x="6278099" y="3550126"/>
+            <a:ext cx="3962400" cy="1588"/>
           </a:xfrm>
           <a:prstGeom prst="line">
             <a:avLst/>
@@ -1333,8 +3764,8 @@
         </p:nvSpPr>
         <p:spPr>
           <a:xfrm>
-            <a:off x="4540348" y="3526302"/>
-            <a:ext cx="45720" cy="45720"/>
+            <a:off x="6053797" y="3526302"/>
+            <a:ext cx="60960" cy="45720"/>
           </a:xfrm>
           <a:prstGeom prst="ellipse">
             <a:avLst/>
@@ -1366,7 +3797,7 @@
           <a:lstStyle/>
           <a:p>
             <a:pPr algn="ctr"/>
-            <a:endParaRPr lang="en-US"/>
+            <a:endParaRPr lang="en-US" sz="1800"/>
           </a:p>
         </p:txBody>
       </p:sp>
@@ -1388,7 +3819,7 @@
             <a:fld id="{DCFA480D-CB17-4C49-BB2A-C7514E1C7CEA}" type="datetimeFigureOut">
               <a:rPr lang="en-US" smtClean="0"/>
               <a:pPr/>
-              <a:t>4/2/2014</a:t>
+              <a:t>03-Apr-14</a:t>
             </a:fld>
             <a:endParaRPr lang="en-US"/>
           </a:p>
@@ -1413,7 +3844,7 @@
             <a:fld id="{CEAB1635-7AB6-4A02-8F63-2344453D2D84}" type="slidenum">
               <a:rPr lang="en-US" smtClean="0"/>
               <a:pPr algn="ctr"/>
-              <a:t>‹nº›</a:t>
+              <a:t>‹#›</a:t>
             </a:fld>
             <a:endParaRPr lang="en-US" dirty="0"/>
           </a:p>
@@ -1556,7 +3987,7 @@
             <a:fld id="{DCFA480D-CB17-4C49-BB2A-C7514E1C7CEA}" type="datetimeFigureOut">
               <a:rPr lang="en-US" smtClean="0"/>
               <a:pPr/>
-              <a:t>4/2/2014</a:t>
+              <a:t>03-Apr-14</a:t>
             </a:fld>
             <a:endParaRPr lang="en-US"/>
           </a:p>
@@ -1599,7 +4030,7 @@
             <a:fld id="{CEAB1635-7AB6-4A02-8F63-2344453D2D84}" type="slidenum">
               <a:rPr lang="en-US" smtClean="0"/>
               <a:pPr/>
-              <a:t>‹nº›</a:t>
+              <a:t>‹#›</a:t>
             </a:fld>
             <a:endParaRPr lang="en-US"/>
           </a:p>
@@ -1642,8 +4073,8 @@
         </p:nvSpPr>
         <p:spPr>
           <a:xfrm>
-            <a:off x="6629400" y="274638"/>
-            <a:ext cx="2057400" cy="5851525"/>
+            <a:off x="8839200" y="274639"/>
+            <a:ext cx="2743200" cy="5851525"/>
           </a:xfrm>
         </p:spPr>
         <p:txBody>
@@ -1670,8 +4101,8 @@
         </p:nvSpPr>
         <p:spPr>
           <a:xfrm>
-            <a:off x="457200" y="274638"/>
-            <a:ext cx="6019800" cy="5851525"/>
+            <a:off x="609600" y="274639"/>
+            <a:ext cx="8026400" cy="5851525"/>
           </a:xfrm>
         </p:spPr>
         <p:txBody>
@@ -1733,7 +4164,7 @@
             <a:fld id="{DCFA480D-CB17-4C49-BB2A-C7514E1C7CEA}" type="datetimeFigureOut">
               <a:rPr lang="en-US" smtClean="0"/>
               <a:pPr/>
-              <a:t>4/2/2014</a:t>
+              <a:t>03-Apr-14</a:t>
             </a:fld>
             <a:endParaRPr lang="en-US"/>
           </a:p>
@@ -1776,7 +4207,7 @@
             <a:fld id="{CEAB1635-7AB6-4A02-8F63-2344453D2D84}" type="slidenum">
               <a:rPr lang="en-US" smtClean="0"/>
               <a:pPr/>
-              <a:t>‹nº›</a:t>
+              <a:t>‹#›</a:t>
             </a:fld>
             <a:endParaRPr lang="en-US"/>
           </a:p>
@@ -1819,8 +4250,8 @@
         </p:nvSpPr>
         <p:spPr>
           <a:xfrm>
-            <a:off x="457200" y="1524000"/>
-            <a:ext cx="8229600" cy="4572000"/>
+            <a:off x="609600" y="1524000"/>
+            <a:ext cx="10972800" cy="4572000"/>
           </a:xfrm>
         </p:spPr>
         <p:txBody>
@@ -1882,7 +4313,7 @@
             <a:fld id="{DCFA480D-CB17-4C49-BB2A-C7514E1C7CEA}" type="datetimeFigureOut">
               <a:rPr lang="en-US" smtClean="0"/>
               <a:pPr/>
-              <a:t>4/2/2014</a:t>
+              <a:t>03-Apr-14</a:t>
             </a:fld>
             <a:endParaRPr lang="en-US"/>
           </a:p>
@@ -1911,7 +4342,7 @@
             <a:fld id="{CEAB1635-7AB6-4A02-8F63-2344453D2D84}" type="slidenum">
               <a:rPr lang="en-US" smtClean="0"/>
               <a:pPr algn="ctr"/>
-              <a:t>‹nº›</a:t>
+              <a:t>‹#›</a:t>
             </a:fld>
             <a:endParaRPr lang="en-US" dirty="0"/>
           </a:p>
@@ -2007,7 +4438,7 @@
             <a:fld id="{DCFA480D-CB17-4C49-BB2A-C7514E1C7CEA}" type="datetimeFigureOut">
               <a:rPr lang="en-US" smtClean="0"/>
               <a:pPr/>
-              <a:t>4/2/2014</a:t>
+              <a:t>03-Apr-14</a:t>
             </a:fld>
             <a:endParaRPr lang="en-US" dirty="0"/>
           </a:p>
@@ -2050,7 +4481,7 @@
             <a:fld id="{CEAB1635-7AB6-4A02-8F63-2344453D2D84}" type="slidenum">
               <a:rPr lang="en-US" smtClean="0"/>
               <a:pPr/>
-              <a:t>‹nº›</a:t>
+              <a:t>‹#›</a:t>
             </a:fld>
             <a:endParaRPr lang="en-US" dirty="0"/>
           </a:p>
@@ -2068,8 +4499,8 @@
         </p:nvSpPr>
         <p:spPr>
           <a:xfrm>
-            <a:off x="685800" y="3505200"/>
-            <a:ext cx="7924800" cy="1371600"/>
+            <a:off x="914400" y="3505200"/>
+            <a:ext cx="10566400" cy="1371600"/>
           </a:xfrm>
         </p:spPr>
         <p:txBody>
@@ -2127,8 +4558,8 @@
         </p:nvSpPr>
         <p:spPr>
           <a:xfrm>
-            <a:off x="685800" y="4958864"/>
-            <a:ext cx="7924800" cy="984736"/>
+            <a:off x="914400" y="4958864"/>
+            <a:ext cx="10566400" cy="984736"/>
           </a:xfrm>
         </p:spPr>
         <p:txBody>
@@ -2200,8 +4631,8 @@
         </p:nvCxnSpPr>
         <p:spPr>
           <a:xfrm>
-            <a:off x="685800" y="4916992"/>
-            <a:ext cx="7924800" cy="4301"/>
+            <a:off x="914400" y="4916993"/>
+            <a:ext cx="10566400" cy="4301"/>
           </a:xfrm>
           <a:prstGeom prst="line">
             <a:avLst/>
@@ -2279,7 +4710,7 @@
             <a:fld id="{DCFA480D-CB17-4C49-BB2A-C7514E1C7CEA}" type="datetimeFigureOut">
               <a:rPr lang="en-US" smtClean="0"/>
               <a:pPr/>
-              <a:t>4/2/2014</a:t>
+              <a:t>03-Apr-14</a:t>
             </a:fld>
             <a:endParaRPr lang="en-US" dirty="0"/>
           </a:p>
@@ -2322,7 +4753,7 @@
             <a:fld id="{CEAB1635-7AB6-4A02-8F63-2344453D2D84}" type="slidenum">
               <a:rPr lang="en-US" smtClean="0"/>
               <a:pPr/>
-              <a:t>‹nº›</a:t>
+              <a:t>‹#›</a:t>
             </a:fld>
             <a:endParaRPr lang="en-US" dirty="0"/>
           </a:p>
@@ -2363,8 +4794,8 @@
         </p:nvSpPr>
         <p:spPr>
           <a:xfrm>
-            <a:off x="457200" y="1524000"/>
-            <a:ext cx="4059936" cy="4572000"/>
+            <a:off x="609600" y="1524000"/>
+            <a:ext cx="5413248" cy="4572000"/>
           </a:xfrm>
         </p:spPr>
         <p:txBody>
@@ -2420,8 +4851,8 @@
         </p:nvSpPr>
         <p:spPr>
           <a:xfrm>
-            <a:off x="4648200" y="1524000"/>
-            <a:ext cx="4059936" cy="4572000"/>
+            <a:off x="6197600" y="1524000"/>
+            <a:ext cx="5413248" cy="4572000"/>
           </a:xfrm>
         </p:spPr>
         <p:txBody>
@@ -2508,7 +4939,7 @@
             <a:fld id="{CEAB1635-7AB6-4A02-8F63-2344453D2D84}" type="slidenum">
               <a:rPr lang="en-US" smtClean="0"/>
               <a:pPr/>
-              <a:t>‹nº›</a:t>
+              <a:t>‹#›</a:t>
             </a:fld>
             <a:endParaRPr lang="en-US" dirty="0"/>
           </a:p>
@@ -2551,7 +4982,7 @@
             <a:fld id="{DCFA480D-CB17-4C49-BB2A-C7514E1C7CEA}" type="datetimeFigureOut">
               <a:rPr lang="en-US" smtClean="0"/>
               <a:pPr/>
-              <a:t>4/2/2014</a:t>
+              <a:t>03-Apr-14</a:t>
             </a:fld>
             <a:endParaRPr lang="en-US" dirty="0"/>
           </a:p>
@@ -2569,8 +5000,8 @@
         </p:nvSpPr>
         <p:spPr>
           <a:xfrm>
-            <a:off x="457200" y="1399593"/>
-            <a:ext cx="4040188" cy="762000"/>
+            <a:off x="609600" y="1399593"/>
+            <a:ext cx="5386917" cy="762000"/>
           </a:xfrm>
           <a:noFill/>
           <a:ln w="25400" cap="rnd" cmpd="sng" algn="ctr">
@@ -2650,8 +5081,8 @@
         </p:nvSpPr>
         <p:spPr>
           <a:xfrm>
-            <a:off x="457200" y="2201896"/>
-            <a:ext cx="4038600" cy="3913632"/>
+            <a:off x="609600" y="2201896"/>
+            <a:ext cx="5384800" cy="3913632"/>
           </a:xfrm>
         </p:spPr>
         <p:txBody>
@@ -2707,8 +5138,8 @@
         </p:nvSpPr>
         <p:spPr>
           <a:xfrm>
-            <a:off x="4649788" y="2201896"/>
-            <a:ext cx="4038600" cy="3913632"/>
+            <a:off x="6199717" y="2201896"/>
+            <a:ext cx="5384800" cy="3913632"/>
           </a:xfrm>
         </p:spPr>
         <p:txBody>
@@ -2764,8 +5195,8 @@
         </p:nvSpPr>
         <p:spPr>
           <a:xfrm>
-            <a:off x="457200" y="155448"/>
-            <a:ext cx="8229600" cy="1143000"/>
+            <a:off x="609600" y="155448"/>
+            <a:ext cx="10972800" cy="1143000"/>
           </a:xfrm>
         </p:spPr>
         <p:txBody>
@@ -2796,8 +5227,8 @@
         </p:nvSpPr>
         <p:spPr>
           <a:xfrm>
-            <a:off x="4648200" y="1399593"/>
-            <a:ext cx="4040188" cy="762000"/>
+            <a:off x="6197600" y="1399593"/>
+            <a:ext cx="5386917" cy="762000"/>
           </a:xfrm>
           <a:noFill/>
           <a:ln w="25400" cap="rnd" cmpd="sng" algn="ctr">
@@ -2872,8 +5303,8 @@
         </p:nvCxnSpPr>
         <p:spPr>
           <a:xfrm>
-            <a:off x="562945" y="2180219"/>
-            <a:ext cx="3749040" cy="1588"/>
+            <a:off x="750593" y="2180219"/>
+            <a:ext cx="4998720" cy="1588"/>
           </a:xfrm>
           <a:prstGeom prst="line">
             <a:avLst/>
@@ -2918,8 +5349,8 @@
         </p:nvCxnSpPr>
         <p:spPr>
           <a:xfrm>
-            <a:off x="4754880" y="2180219"/>
-            <a:ext cx="3749040" cy="1588"/>
+            <a:off x="6339840" y="2180219"/>
+            <a:ext cx="4998720" cy="1588"/>
           </a:xfrm>
           <a:prstGeom prst="line">
             <a:avLst/>
@@ -2999,7 +5430,7 @@
             <a:fld id="{DCFA480D-CB17-4C49-BB2A-C7514E1C7CEA}" type="datetimeFigureOut">
               <a:rPr lang="en-US" smtClean="0"/>
               <a:pPr/>
-              <a:t>4/2/2014</a:t>
+              <a:t>03-Apr-14</a:t>
             </a:fld>
             <a:endParaRPr lang="en-US" dirty="0"/>
           </a:p>
@@ -3042,7 +5473,7 @@
             <a:fld id="{CEAB1635-7AB6-4A02-8F63-2344453D2D84}" type="slidenum">
               <a:rPr lang="en-US" smtClean="0"/>
               <a:pPr/>
-              <a:t>‹nº›</a:t>
+              <a:t>‹#›</a:t>
             </a:fld>
             <a:endParaRPr lang="en-US" dirty="0"/>
           </a:p>
@@ -3114,7 +5545,7 @@
             <a:fld id="{DCFA480D-CB17-4C49-BB2A-C7514E1C7CEA}" type="datetimeFigureOut">
               <a:rPr lang="en-US" smtClean="0"/>
               <a:pPr/>
-              <a:t>4/2/2014</a:t>
+              <a:t>03-Apr-14</a:t>
             </a:fld>
             <a:endParaRPr lang="en-US" dirty="0"/>
           </a:p>
@@ -3157,7 +5588,7 @@
             <a:fld id="{CEAB1635-7AB6-4A02-8F63-2344453D2D84}" type="slidenum">
               <a:rPr lang="en-US" smtClean="0"/>
               <a:pPr/>
-              <a:t>‹nº›</a:t>
+              <a:t>‹#›</a:t>
             </a:fld>
             <a:endParaRPr lang="en-US" dirty="0"/>
           </a:p>
@@ -3200,8 +5631,8 @@
         </p:nvSpPr>
         <p:spPr>
           <a:xfrm>
-            <a:off x="457200" y="457200"/>
-            <a:ext cx="6248400" cy="5715000"/>
+            <a:off x="609600" y="457200"/>
+            <a:ext cx="8331200" cy="5715000"/>
           </a:xfrm>
         </p:spPr>
         <p:txBody>
@@ -3257,8 +5688,8 @@
         </p:nvSpPr>
         <p:spPr>
           <a:xfrm>
-            <a:off x="6781800" y="1600200"/>
-            <a:ext cx="1984248" cy="3733800"/>
+            <a:off x="9042400" y="1600200"/>
+            <a:ext cx="2645664" cy="3733800"/>
           </a:xfrm>
         </p:spPr>
         <p:txBody>
@@ -3316,8 +5747,8 @@
         </p:nvSpPr>
         <p:spPr>
           <a:xfrm>
-            <a:off x="6781800" y="457200"/>
-            <a:ext cx="1981200" cy="1066800"/>
+            <a:off x="9042400" y="457200"/>
+            <a:ext cx="2641600" cy="1066800"/>
           </a:xfrm>
         </p:spPr>
         <p:txBody>
@@ -3366,7 +5797,7 @@
             <a:fld id="{DCFA480D-CB17-4C49-BB2A-C7514E1C7CEA}" type="datetimeFigureOut">
               <a:rPr lang="en-US" smtClean="0"/>
               <a:pPr/>
-              <a:t>4/2/2014</a:t>
+              <a:t>03-Apr-14</a:t>
             </a:fld>
             <a:endParaRPr lang="en-US"/>
           </a:p>
@@ -3391,7 +5822,7 @@
             <a:fld id="{CEAB1635-7AB6-4A02-8F63-2344453D2D84}" type="slidenum">
               <a:rPr lang="en-US" smtClean="0"/>
               <a:pPr algn="ctr"/>
-              <a:t>‹nº›</a:t>
+              <a:t>‹#›</a:t>
             </a:fld>
             <a:endParaRPr lang="en-US" dirty="0"/>
           </a:p>
@@ -3453,8 +5884,8 @@
         </p:nvSpPr>
         <p:spPr>
           <a:xfrm>
-            <a:off x="6629400" y="457200"/>
-            <a:ext cx="2057400" cy="1066800"/>
+            <a:off x="8839200" y="457200"/>
+            <a:ext cx="2743200" cy="1066800"/>
           </a:xfrm>
         </p:spPr>
         <p:txBody>
@@ -3497,8 +5928,8 @@
         </p:nvSpPr>
         <p:spPr>
           <a:xfrm>
-            <a:off x="457200" y="457200"/>
-            <a:ext cx="6019800" cy="5562600"/>
+            <a:off x="609600" y="457200"/>
+            <a:ext cx="8026400" cy="5562600"/>
           </a:xfrm>
           <a:solidFill>
             <a:schemeClr val="tx2">
@@ -3547,8 +5978,8 @@
         </p:nvSpPr>
         <p:spPr>
           <a:xfrm>
-            <a:off x="6629400" y="1600200"/>
-            <a:ext cx="2057400" cy="4419600"/>
+            <a:off x="8839200" y="1600200"/>
+            <a:ext cx="2743200" cy="4419600"/>
           </a:xfrm>
         </p:spPr>
         <p:txBody>
@@ -3609,7 +6040,7 @@
             <a:fld id="{DCFA480D-CB17-4C49-BB2A-C7514E1C7CEA}" type="datetimeFigureOut">
               <a:rPr lang="en-US" smtClean="0"/>
               <a:pPr/>
-              <a:t>4/2/2014</a:t>
+              <a:t>03-Apr-14</a:t>
             </a:fld>
             <a:endParaRPr lang="en-US"/>
           </a:p>
@@ -3634,7 +6065,7 @@
             <a:fld id="{CEAB1635-7AB6-4A02-8F63-2344453D2D84}" type="slidenum">
               <a:rPr lang="en-US" smtClean="0"/>
               <a:pPr algn="ctr"/>
-              <a:t>‹nº›</a:t>
+              <a:t>‹#›</a:t>
             </a:fld>
             <a:endParaRPr lang="en-US" dirty="0"/>
           </a:p>
@@ -3701,8 +6132,8 @@
         </p:nvSpPr>
         <p:spPr>
           <a:xfrm>
-            <a:off x="457200" y="1447800"/>
-            <a:ext cx="8229600" cy="4678363"/>
+            <a:off x="609600" y="1447800"/>
+            <a:ext cx="10972800" cy="4678363"/>
           </a:xfrm>
           <a:prstGeom prst="rect">
             <a:avLst/>
@@ -3763,8 +6194,8 @@
         </p:nvSpPr>
         <p:spPr>
           <a:xfrm>
-            <a:off x="5791200" y="6203667"/>
-            <a:ext cx="2590800" cy="384048"/>
+            <a:off x="7721600" y="6203667"/>
+            <a:ext cx="3454400" cy="384048"/>
           </a:xfrm>
           <a:prstGeom prst="rect">
             <a:avLst/>
@@ -3785,7 +6216,7 @@
             <a:fld id="{DCFA480D-CB17-4C49-BB2A-C7514E1C7CEA}" type="datetimeFigureOut">
               <a:rPr lang="en-US" smtClean="0"/>
               <a:pPr/>
-              <a:t>4/2/2014</a:t>
+              <a:t>03-Apr-14</a:t>
             </a:fld>
             <a:endParaRPr lang="en-US" sz="1200" dirty="0">
               <a:solidFill>
@@ -3807,8 +6238,8 @@
         </p:nvSpPr>
         <p:spPr>
           <a:xfrm>
-            <a:off x="2133600" y="6203667"/>
-            <a:ext cx="3581400" cy="384048"/>
+            <a:off x="2844800" y="6203667"/>
+            <a:ext cx="4775200" cy="384048"/>
           </a:xfrm>
           <a:prstGeom prst="rect">
             <a:avLst/>
@@ -3847,8 +6278,8 @@
         </p:nvSpPr>
         <p:spPr>
           <a:xfrm>
-            <a:off x="8410575" y="6181531"/>
-            <a:ext cx="609600" cy="457200"/>
+            <a:off x="11214100" y="6181531"/>
+            <a:ext cx="812800" cy="457200"/>
           </a:xfrm>
           <a:prstGeom prst="rect">
             <a:avLst/>
@@ -3873,7 +6304,7 @@
             <a:fld id="{CEAB1635-7AB6-4A02-8F63-2344453D2D84}" type="slidenum">
               <a:rPr lang="en-US" smtClean="0"/>
               <a:pPr algn="ctr"/>
-              <a:t>‹nº›</a:t>
+              <a:t>‹#›</a:t>
             </a:fld>
             <a:endParaRPr lang="en-US" sz="1600" baseline="0" dirty="0">
               <a:solidFill>
@@ -3895,8 +6326,8 @@
         </p:nvSpPr>
         <p:spPr>
           <a:xfrm>
-            <a:off x="457200" y="152400"/>
-            <a:ext cx="8229600" cy="1219200"/>
+            <a:off x="609600" y="152400"/>
+            <a:ext cx="10972800" cy="1219200"/>
           </a:xfrm>
           <a:prstGeom prst="rect">
             <a:avLst/>
@@ -4287,10 +6718,10 @@
           <a:lstStyle/>
           <a:p>
             <a:r>
-              <a:rPr lang="en-US" dirty="0" smtClean="0"/>
-              <a:t>Nome da organização</a:t>
-            </a:r>
-            <a:endParaRPr lang="en-US" dirty="0"/>
+              <a:rPr lang="en-US" sz="2000" dirty="0"/>
+              <a:t>Um Framework JavaScript baseado no pattern MVVM</a:t>
+            </a:r>
+            <a:endParaRPr lang="en-US" sz="2000" dirty="0"/>
           </a:p>
         </p:txBody>
       </p:sp>
@@ -4310,18 +6741,981 @@
           <a:lstStyle/>
           <a:p>
             <a:r>
-              <a:rPr lang="en-US" dirty="0" smtClean="0">
+              <a:rPr lang="en-US" sz="5400" dirty="0">
                 <a:latin typeface="Cooper Black" panose="0208090404030B020404" pitchFamily="18" charset="0"/>
               </a:rPr>
               <a:t>Knockout.JS</a:t>
             </a:r>
-            <a:endParaRPr lang="en-US" dirty="0">
+            <a:endParaRPr lang="en-US" sz="5400" dirty="0">
               <a:latin typeface="Cooper Black" panose="0208090404030B020404" pitchFamily="18" charset="0"/>
             </a:endParaRPr>
           </a:p>
         </p:txBody>
       </p:sp>
+      <p:sp>
+        <p:nvSpPr>
+          <p:cNvPr id="4" name="TextBox 3"/>
+          <p:cNvSpPr txBox="1"/>
+          <p:nvPr/>
+        </p:nvSpPr>
+        <p:spPr>
+          <a:xfrm>
+            <a:off x="2855640" y="5949280"/>
+            <a:ext cx="1728192" cy="369332"/>
+          </a:xfrm>
+          <a:prstGeom prst="rect">
+            <a:avLst/>
+          </a:prstGeom>
+          <a:noFill/>
+        </p:spPr>
+        <p:txBody>
+          <a:bodyPr wrap="square" rtlCol="0">
+            <a:spAutoFit/>
+          </a:bodyPr>
+          <a:lstStyle/>
+          <a:p>
+            <a:r>
+              <a:rPr lang="en-US" dirty="0"/>
+              <a:t>@rodrigoLessa</a:t>
+            </a:r>
+          </a:p>
+        </p:txBody>
+      </p:sp>
+      <p:sp>
+        <p:nvSpPr>
+          <p:cNvPr id="9" name="Oval Callout 8"/>
+          <p:cNvSpPr/>
+          <p:nvPr/>
+        </p:nvSpPr>
+        <p:spPr>
+          <a:xfrm>
+            <a:off x="3647728" y="1641618"/>
+            <a:ext cx="2592288" cy="864096"/>
+          </a:xfrm>
+          <a:prstGeom prst="wedgeEllipseCallout">
+            <a:avLst/>
+          </a:prstGeom>
+        </p:spPr>
+        <p:style>
+          <a:lnRef idx="2">
+            <a:schemeClr val="accent1">
+              <a:shade val="50000"/>
+            </a:schemeClr>
+          </a:lnRef>
+          <a:fillRef idx="1">
+            <a:schemeClr val="accent1"/>
+          </a:fillRef>
+          <a:effectRef idx="0">
+            <a:schemeClr val="accent1"/>
+          </a:effectRef>
+          <a:fontRef idx="minor">
+            <a:schemeClr val="lt1"/>
+          </a:fontRef>
+        </p:style>
+        <p:txBody>
+          <a:bodyPr rot="0" spcFirstLastPara="0" vertOverflow="overflow" horzOverflow="overflow" vert="horz" wrap="square" lIns="91440" tIns="45720" rIns="91440" bIns="45720" numCol="1" spcCol="0" rtlCol="0" fromWordArt="0" anchor="ctr" anchorCtr="0" forceAA="0" compatLnSpc="1">
+            <a:prstTxWarp prst="textNoShape">
+              <a:avLst/>
+            </a:prstTxWarp>
+            <a:noAutofit/>
+          </a:bodyPr>
+          <a:lstStyle/>
+          <a:p>
+            <a:pPr algn="ctr"/>
+            <a:r>
+              <a:rPr lang="en-US" sz="2400" dirty="0">
+                <a:solidFill>
+                  <a:schemeClr val="accent1">
+                    <a:lumMod val="50000"/>
+                  </a:schemeClr>
+                </a:solidFill>
+              </a:rPr>
+              <a:t>Entendendo</a:t>
+            </a:r>
+          </a:p>
+        </p:txBody>
+      </p:sp>
     </p:spTree>
+  </p:cSld>
+  <p:clrMapOvr>
+    <a:masterClrMapping/>
+  </p:clrMapOvr>
+  <p:timing>
+    <p:tnLst>
+      <p:par>
+        <p:cTn id="1" dur="indefinite" restart="never" nodeType="tmRoot"/>
+      </p:par>
+    </p:tnLst>
+  </p:timing>
+</p:sld>
+</file>
+
+<file path=ppt/slides/slide10.xml><?xml version="1.0" encoding="utf-8"?>
+<p:sld xmlns:a="http://schemas.openxmlformats.org/drawingml/2006/main" xmlns:r="http://schemas.openxmlformats.org/officeDocument/2006/relationships" xmlns:p="http://schemas.openxmlformats.org/presentationml/2006/main">
+  <p:cSld>
+    <p:spTree>
+      <p:nvGrpSpPr>
+        <p:cNvPr id="1" name=""/>
+        <p:cNvGrpSpPr/>
+        <p:nvPr/>
+      </p:nvGrpSpPr>
+      <p:grpSpPr>
+        <a:xfrm>
+          <a:off x="0" y="0"/>
+          <a:ext cx="0" cy="0"/>
+          <a:chOff x="0" y="0"/>
+          <a:chExt cx="0" cy="0"/>
+        </a:xfrm>
+      </p:grpSpPr>
+      <p:sp>
+        <p:nvSpPr>
+          <p:cNvPr id="2" name="Title 1"/>
+          <p:cNvSpPr>
+            <a:spLocks noGrp="1"/>
+          </p:cNvSpPr>
+          <p:nvPr>
+            <p:ph type="title"/>
+          </p:nvPr>
+        </p:nvSpPr>
+        <p:spPr/>
+        <p:txBody>
+          <a:bodyPr/>
+          <a:lstStyle/>
+          <a:p>
+            <a:r>
+              <a:rPr lang="en-US" dirty="0" smtClean="0"/>
+              <a:t>Realizando alterações no modelo</a:t>
+            </a:r>
+            <a:endParaRPr lang="en-US" dirty="0"/>
+          </a:p>
+        </p:txBody>
+      </p:sp>
+    </p:spTree>
+    <p:extLst>
+      <p:ext uri="{BB962C8B-B14F-4D97-AF65-F5344CB8AC3E}">
+        <p14:creationId xmlns:p14="http://schemas.microsoft.com/office/powerpoint/2010/main" val="107289134"/>
+      </p:ext>
+    </p:extLst>
+  </p:cSld>
+  <p:clrMapOvr>
+    <a:masterClrMapping/>
+  </p:clrMapOvr>
+  <p:timing>
+    <p:tnLst>
+      <p:par>
+        <p:cTn id="1" dur="indefinite" restart="never" nodeType="tmRoot"/>
+      </p:par>
+    </p:tnLst>
+  </p:timing>
+</p:sld>
+</file>
+
+<file path=ppt/slides/slide11.xml><?xml version="1.0" encoding="utf-8"?>
+<p:sld xmlns:a="http://schemas.openxmlformats.org/drawingml/2006/main" xmlns:r="http://schemas.openxmlformats.org/officeDocument/2006/relationships" xmlns:p="http://schemas.openxmlformats.org/presentationml/2006/main">
+  <p:cSld>
+    <p:spTree>
+      <p:nvGrpSpPr>
+        <p:cNvPr id="1" name=""/>
+        <p:cNvGrpSpPr/>
+        <p:nvPr/>
+      </p:nvGrpSpPr>
+      <p:grpSpPr>
+        <a:xfrm>
+          <a:off x="0" y="0"/>
+          <a:ext cx="0" cy="0"/>
+          <a:chOff x="0" y="0"/>
+          <a:chExt cx="0" cy="0"/>
+        </a:xfrm>
+      </p:grpSpPr>
+      <p:sp>
+        <p:nvSpPr>
+          <p:cNvPr id="2" name="Text Placeholder 1"/>
+          <p:cNvSpPr>
+            <a:spLocks noGrp="1"/>
+          </p:cNvSpPr>
+          <p:nvPr>
+            <p:ph type="body" idx="1"/>
+          </p:nvPr>
+        </p:nvSpPr>
+        <p:spPr/>
+        <p:txBody>
+          <a:bodyPr/>
+          <a:lstStyle/>
+          <a:p>
+            <a:r>
+              <a:rPr lang="en-US" dirty="0" smtClean="0"/>
+              <a:t>View (HTML + ASP)</a:t>
+            </a:r>
+            <a:endParaRPr lang="en-US" dirty="0"/>
+          </a:p>
+        </p:txBody>
+      </p:sp>
+      <p:sp>
+        <p:nvSpPr>
+          <p:cNvPr id="3" name="Content Placeholder 2"/>
+          <p:cNvSpPr>
+            <a:spLocks noGrp="1"/>
+          </p:cNvSpPr>
+          <p:nvPr>
+            <p:ph sz="half" idx="2"/>
+          </p:nvPr>
+        </p:nvSpPr>
+        <p:spPr/>
+        <p:txBody>
+          <a:bodyPr>
+            <a:normAutofit fontScale="85000" lnSpcReduction="20000"/>
+          </a:bodyPr>
+          <a:lstStyle/>
+          <a:p>
+            <a:pPr marL="0" indent="0">
+              <a:buNone/>
+            </a:pPr>
+            <a:r>
+              <a:rPr lang="en-US" sz="2800" dirty="0"/>
+              <a:t>&lt;table</a:t>
+            </a:r>
+            <a:r>
+              <a:rPr lang="en-US" sz="2800" dirty="0" smtClean="0"/>
+              <a:t>&gt;</a:t>
+            </a:r>
+          </a:p>
+          <a:p>
+            <a:pPr marL="0" indent="0">
+              <a:buNone/>
+            </a:pPr>
+            <a:r>
+              <a:rPr lang="en-US" sz="2800" dirty="0">
+                <a:solidFill>
+                  <a:srgbClr val="FFC000"/>
+                </a:solidFill>
+              </a:rPr>
+              <a:t>&lt;% Do </a:t>
+            </a:r>
+            <a:r>
+              <a:rPr lang="en-US" sz="2800" dirty="0" smtClean="0">
+                <a:solidFill>
+                  <a:srgbClr val="FFC000"/>
+                </a:solidFill>
+              </a:rPr>
+              <a:t>While not rs.EOF %&gt;</a:t>
+            </a:r>
+            <a:endParaRPr lang="en-US" sz="2800" dirty="0">
+              <a:solidFill>
+                <a:srgbClr val="FFC000"/>
+              </a:solidFill>
+            </a:endParaRPr>
+          </a:p>
+          <a:p>
+            <a:pPr marL="0" indent="0">
+              <a:buNone/>
+            </a:pPr>
+            <a:r>
+              <a:rPr lang="en-US" sz="2800" dirty="0" smtClean="0"/>
+              <a:t>&lt;</a:t>
+            </a:r>
+            <a:r>
+              <a:rPr lang="en-US" sz="2800" dirty="0"/>
+              <a:t>tr&gt;</a:t>
+            </a:r>
+          </a:p>
+          <a:p>
+            <a:pPr marL="0" indent="0">
+              <a:buNone/>
+            </a:pPr>
+            <a:r>
+              <a:rPr lang="en-US" sz="2800" dirty="0"/>
+              <a:t>	&lt;</a:t>
+            </a:r>
+            <a:r>
+              <a:rPr lang="en-US" sz="2800" dirty="0" smtClean="0"/>
+              <a:t>td&gt;</a:t>
+            </a:r>
+            <a:r>
+              <a:rPr lang="en-US" sz="2800" dirty="0" smtClean="0">
+                <a:solidFill>
+                  <a:srgbClr val="FFC000"/>
+                </a:solidFill>
+              </a:rPr>
+              <a:t>&lt;%=rs(“Id”)%&gt;</a:t>
+            </a:r>
+            <a:r>
+              <a:rPr lang="en-US" sz="2800" dirty="0" smtClean="0"/>
+              <a:t>&lt;/</a:t>
+            </a:r>
+            <a:r>
+              <a:rPr lang="en-US" sz="2800" dirty="0"/>
+              <a:t>td&gt;</a:t>
+            </a:r>
+          </a:p>
+          <a:p>
+            <a:pPr marL="0" indent="0">
+              <a:buNone/>
+            </a:pPr>
+            <a:r>
+              <a:rPr lang="en-US" sz="2800" dirty="0"/>
+              <a:t>	&lt;</a:t>
+            </a:r>
+            <a:r>
+              <a:rPr lang="en-US" sz="2800" dirty="0" smtClean="0"/>
+              <a:t>td&gt;</a:t>
+            </a:r>
+            <a:r>
+              <a:rPr lang="en-US" sz="2800" dirty="0" smtClean="0">
+                <a:solidFill>
+                  <a:srgbClr val="FFC000"/>
+                </a:solidFill>
+              </a:rPr>
+              <a:t>&lt;%=</a:t>
+            </a:r>
+            <a:r>
+              <a:rPr lang="en-US" sz="2800" dirty="0">
+                <a:solidFill>
+                  <a:srgbClr val="FFC000"/>
+                </a:solidFill>
+              </a:rPr>
+              <a:t>rs</a:t>
+            </a:r>
+            <a:r>
+              <a:rPr lang="en-US" sz="2800" dirty="0" smtClean="0">
+                <a:solidFill>
+                  <a:srgbClr val="FFC000"/>
+                </a:solidFill>
+              </a:rPr>
+              <a:t>(“Descricao”)%&gt;</a:t>
+            </a:r>
+          </a:p>
+          <a:p>
+            <a:pPr marL="0" indent="0">
+              <a:buNone/>
+            </a:pPr>
+            <a:r>
+              <a:rPr lang="en-US" sz="2800" dirty="0">
+                <a:solidFill>
+                  <a:srgbClr val="FFC000"/>
+                </a:solidFill>
+              </a:rPr>
+              <a:t>	</a:t>
+            </a:r>
+            <a:r>
+              <a:rPr lang="en-US" sz="2800" dirty="0" smtClean="0"/>
+              <a:t>&lt;/</a:t>
+            </a:r>
+            <a:r>
+              <a:rPr lang="en-US" sz="2800" dirty="0"/>
+              <a:t>td&gt;</a:t>
+            </a:r>
+          </a:p>
+          <a:p>
+            <a:pPr marL="0" indent="0">
+              <a:buNone/>
+            </a:pPr>
+            <a:r>
+              <a:rPr lang="en-US" sz="2800" dirty="0" smtClean="0"/>
+              <a:t>&lt;/</a:t>
+            </a:r>
+            <a:r>
+              <a:rPr lang="en-US" sz="2800" dirty="0"/>
+              <a:t>tr</a:t>
+            </a:r>
+            <a:r>
+              <a:rPr lang="en-US" sz="2800" dirty="0" smtClean="0"/>
+              <a:t>&gt;</a:t>
+            </a:r>
+          </a:p>
+          <a:p>
+            <a:pPr marL="0" indent="0">
+              <a:buNone/>
+            </a:pPr>
+            <a:r>
+              <a:rPr lang="en-US" sz="2800" dirty="0" smtClean="0">
+                <a:solidFill>
+                  <a:srgbClr val="FFC000"/>
+                </a:solidFill>
+              </a:rPr>
+              <a:t>&lt;% rs.MoveNext %&gt;</a:t>
+            </a:r>
+          </a:p>
+          <a:p>
+            <a:pPr marL="0" indent="0">
+              <a:buNone/>
+            </a:pPr>
+            <a:r>
+              <a:rPr lang="en-US" sz="2800" dirty="0" smtClean="0">
+                <a:solidFill>
+                  <a:srgbClr val="FFC000"/>
+                </a:solidFill>
+              </a:rPr>
+              <a:t>&lt;% Loop %&gt;</a:t>
+            </a:r>
+            <a:endParaRPr lang="en-US" sz="2800" dirty="0">
+              <a:solidFill>
+                <a:srgbClr val="FFC000"/>
+              </a:solidFill>
+            </a:endParaRPr>
+          </a:p>
+          <a:p>
+            <a:pPr marL="0" indent="0">
+              <a:buNone/>
+            </a:pPr>
+            <a:r>
+              <a:rPr lang="en-US" sz="2800" dirty="0"/>
+              <a:t>&lt;/table&gt;</a:t>
+            </a:r>
+            <a:endParaRPr lang="en-US" sz="2800" dirty="0"/>
+          </a:p>
+        </p:txBody>
+      </p:sp>
+      <p:sp>
+        <p:nvSpPr>
+          <p:cNvPr id="4" name="Content Placeholder 3"/>
+          <p:cNvSpPr>
+            <a:spLocks noGrp="1"/>
+          </p:cNvSpPr>
+          <p:nvPr>
+            <p:ph sz="quarter" idx="4"/>
+          </p:nvPr>
+        </p:nvSpPr>
+        <p:spPr/>
+        <p:txBody>
+          <a:bodyPr>
+            <a:normAutofit fontScale="92500"/>
+          </a:bodyPr>
+          <a:lstStyle/>
+          <a:p>
+            <a:pPr marL="0" indent="0">
+              <a:buNone/>
+            </a:pPr>
+            <a:r>
+              <a:rPr lang="en-US" sz="2400" dirty="0" smtClean="0"/>
+              <a:t>&lt;table</a:t>
+            </a:r>
+            <a:r>
+              <a:rPr lang="en-US" sz="2400" dirty="0"/>
+              <a:t>&gt;</a:t>
+            </a:r>
+          </a:p>
+          <a:p>
+            <a:pPr marL="0" indent="0">
+              <a:buNone/>
+            </a:pPr>
+            <a:r>
+              <a:rPr lang="en-US" sz="2400" dirty="0" smtClean="0"/>
+              <a:t>&lt;</a:t>
+            </a:r>
+            <a:r>
+              <a:rPr lang="en-US" sz="2400" dirty="0"/>
+              <a:t>tbody </a:t>
+            </a:r>
+            <a:r>
+              <a:rPr lang="en-US" sz="2400" dirty="0">
+                <a:solidFill>
+                  <a:srgbClr val="92D050"/>
+                </a:solidFill>
+              </a:rPr>
+              <a:t>data-bind=</a:t>
+            </a:r>
+            <a:r>
+              <a:rPr lang="en-US" sz="2400" dirty="0">
+                <a:solidFill>
+                  <a:srgbClr val="FFC000"/>
+                </a:solidFill>
+              </a:rPr>
+              <a:t>"foreach: tarefas"</a:t>
+            </a:r>
+            <a:r>
+              <a:rPr lang="en-US" sz="2400" dirty="0"/>
+              <a:t>&gt;</a:t>
+            </a:r>
+          </a:p>
+          <a:p>
+            <a:pPr marL="0" indent="0">
+              <a:buNone/>
+            </a:pPr>
+            <a:r>
+              <a:rPr lang="en-US" sz="2400" dirty="0" smtClean="0"/>
+              <a:t>&lt;</a:t>
+            </a:r>
+            <a:r>
+              <a:rPr lang="en-US" sz="2400" dirty="0"/>
+              <a:t>tr&gt;</a:t>
+            </a:r>
+          </a:p>
+          <a:p>
+            <a:pPr marL="0" indent="0">
+              <a:buNone/>
+            </a:pPr>
+            <a:r>
+              <a:rPr lang="en-US" sz="2400" dirty="0"/>
+              <a:t>	</a:t>
+            </a:r>
+            <a:r>
+              <a:rPr lang="en-US" sz="2400" dirty="0" smtClean="0"/>
+              <a:t>&lt;</a:t>
+            </a:r>
+            <a:r>
+              <a:rPr lang="en-US" sz="2400" dirty="0"/>
+              <a:t>td </a:t>
+            </a:r>
+            <a:r>
+              <a:rPr lang="en-US" sz="2400" dirty="0">
+                <a:solidFill>
+                  <a:srgbClr val="92D050"/>
+                </a:solidFill>
+              </a:rPr>
+              <a:t>data-bind=</a:t>
+            </a:r>
+            <a:r>
+              <a:rPr lang="en-US" sz="2400" dirty="0">
+                <a:solidFill>
+                  <a:srgbClr val="FFC000"/>
+                </a:solidFill>
+              </a:rPr>
+              <a:t>"text: Id"</a:t>
+            </a:r>
+            <a:r>
+              <a:rPr lang="en-US" sz="2400" dirty="0"/>
+              <a:t>&gt;&lt;/td&gt;</a:t>
+            </a:r>
+          </a:p>
+          <a:p>
+            <a:pPr marL="0" indent="0">
+              <a:buNone/>
+            </a:pPr>
+            <a:r>
+              <a:rPr lang="en-US" sz="2400" dirty="0"/>
+              <a:t>	</a:t>
+            </a:r>
+            <a:r>
+              <a:rPr lang="en-US" sz="2400" dirty="0" smtClean="0"/>
+              <a:t>&lt;</a:t>
+            </a:r>
+            <a:r>
+              <a:rPr lang="en-US" sz="2400" dirty="0"/>
+              <a:t>td </a:t>
+            </a:r>
+            <a:r>
+              <a:rPr lang="en-US" sz="2400" dirty="0">
+                <a:solidFill>
+                  <a:srgbClr val="92D050"/>
+                </a:solidFill>
+              </a:rPr>
+              <a:t>data-bind=</a:t>
+            </a:r>
+            <a:r>
+              <a:rPr lang="en-US" sz="2400" dirty="0">
+                <a:solidFill>
+                  <a:srgbClr val="FFC000"/>
+                </a:solidFill>
+              </a:rPr>
+              <a:t>"text: </a:t>
+            </a:r>
+            <a:r>
+              <a:rPr lang="en-US" sz="2400" dirty="0" smtClean="0">
+                <a:solidFill>
+                  <a:srgbClr val="FFC000"/>
+                </a:solidFill>
+              </a:rPr>
+              <a:t>Descricao"</a:t>
+            </a:r>
+            <a:r>
+              <a:rPr lang="en-US" sz="2400" dirty="0" smtClean="0"/>
+              <a:t>&gt;</a:t>
+            </a:r>
+          </a:p>
+          <a:p>
+            <a:pPr marL="0" indent="0">
+              <a:buNone/>
+            </a:pPr>
+            <a:r>
+              <a:rPr lang="en-US" sz="2400" dirty="0"/>
+              <a:t>	</a:t>
+            </a:r>
+            <a:r>
+              <a:rPr lang="en-US" sz="2400" dirty="0" smtClean="0"/>
+              <a:t>&lt;/</a:t>
+            </a:r>
+            <a:r>
+              <a:rPr lang="en-US" sz="2400" dirty="0"/>
+              <a:t>td&gt;</a:t>
+            </a:r>
+          </a:p>
+          <a:p>
+            <a:pPr marL="0" indent="0">
+              <a:buNone/>
+            </a:pPr>
+            <a:r>
+              <a:rPr lang="en-US" sz="2400" dirty="0" smtClean="0"/>
+              <a:t>&lt;/</a:t>
+            </a:r>
+            <a:r>
+              <a:rPr lang="en-US" sz="2400" dirty="0"/>
+              <a:t>tr&gt;</a:t>
+            </a:r>
+          </a:p>
+          <a:p>
+            <a:pPr marL="0" indent="0">
+              <a:buNone/>
+            </a:pPr>
+            <a:r>
+              <a:rPr lang="en-US" sz="2400" dirty="0" smtClean="0"/>
+              <a:t>&lt;/</a:t>
+            </a:r>
+            <a:r>
+              <a:rPr lang="en-US" sz="2400" dirty="0"/>
+              <a:t>tbody</a:t>
+            </a:r>
+            <a:r>
+              <a:rPr lang="en-US" sz="2400" dirty="0" smtClean="0"/>
+              <a:t>&gt;</a:t>
+            </a:r>
+          </a:p>
+          <a:p>
+            <a:pPr marL="0" indent="0">
+              <a:buNone/>
+            </a:pPr>
+            <a:r>
+              <a:rPr lang="en-US" sz="2400" dirty="0"/>
+              <a:t>&lt;/table&gt;</a:t>
+            </a:r>
+          </a:p>
+        </p:txBody>
+      </p:sp>
+      <p:sp>
+        <p:nvSpPr>
+          <p:cNvPr id="5" name="Title 4"/>
+          <p:cNvSpPr>
+            <a:spLocks noGrp="1"/>
+          </p:cNvSpPr>
+          <p:nvPr>
+            <p:ph type="title"/>
+          </p:nvPr>
+        </p:nvSpPr>
+        <p:spPr/>
+        <p:txBody>
+          <a:bodyPr/>
+          <a:lstStyle/>
+          <a:p>
+            <a:r>
+              <a:rPr lang="en-US" dirty="0" smtClean="0"/>
+              <a:t>Comparação do ASP com o KOjs</a:t>
+            </a:r>
+            <a:endParaRPr lang="en-US" dirty="0"/>
+          </a:p>
+        </p:txBody>
+      </p:sp>
+      <p:sp>
+        <p:nvSpPr>
+          <p:cNvPr id="6" name="Text Placeholder 5"/>
+          <p:cNvSpPr>
+            <a:spLocks noGrp="1"/>
+          </p:cNvSpPr>
+          <p:nvPr>
+            <p:ph type="body" idx="3"/>
+          </p:nvPr>
+        </p:nvSpPr>
+        <p:spPr/>
+        <p:txBody>
+          <a:bodyPr/>
+          <a:lstStyle/>
+          <a:p>
+            <a:r>
+              <a:rPr lang="en-US" dirty="0" smtClean="0"/>
+              <a:t>View (HTML)</a:t>
+            </a:r>
+            <a:endParaRPr lang="en-US" dirty="0"/>
+          </a:p>
+        </p:txBody>
+      </p:sp>
+      <p:grpSp>
+        <p:nvGrpSpPr>
+          <p:cNvPr id="10" name="Group 9"/>
+          <p:cNvGrpSpPr/>
+          <p:nvPr/>
+        </p:nvGrpSpPr>
+        <p:grpSpPr>
+          <a:xfrm>
+            <a:off x="2833948" y="5683480"/>
+            <a:ext cx="936104" cy="864096"/>
+            <a:chOff x="3287688" y="5445224"/>
+            <a:chExt cx="936104" cy="864096"/>
+          </a:xfrm>
+        </p:grpSpPr>
+        <p:sp>
+          <p:nvSpPr>
+            <p:cNvPr id="8" name="Oval 7"/>
+            <p:cNvSpPr/>
+            <p:nvPr/>
+          </p:nvSpPr>
+          <p:spPr>
+            <a:xfrm>
+              <a:off x="3287688" y="5445224"/>
+              <a:ext cx="936104" cy="864096"/>
+            </a:xfrm>
+            <a:prstGeom prst="ellipse">
+              <a:avLst/>
+            </a:prstGeom>
+            <a:solidFill>
+              <a:srgbClr val="EA3E3E"/>
+            </a:solidFill>
+            <a:ln>
+              <a:solidFill>
+                <a:schemeClr val="bg2">
+                  <a:lumMod val="75000"/>
+                </a:schemeClr>
+              </a:solidFill>
+            </a:ln>
+          </p:spPr>
+          <p:style>
+            <a:lnRef idx="2">
+              <a:schemeClr val="accent1">
+                <a:shade val="50000"/>
+              </a:schemeClr>
+            </a:lnRef>
+            <a:fillRef idx="1">
+              <a:schemeClr val="accent1"/>
+            </a:fillRef>
+            <a:effectRef idx="0">
+              <a:schemeClr val="accent1"/>
+            </a:effectRef>
+            <a:fontRef idx="minor">
+              <a:schemeClr val="lt1"/>
+            </a:fontRef>
+          </p:style>
+          <p:txBody>
+            <a:bodyPr rtlCol="0" anchor="ctr"/>
+            <a:lstStyle/>
+            <a:p>
+              <a:pPr algn="ctr"/>
+              <a:endParaRPr lang="en-US"/>
+            </a:p>
+          </p:txBody>
+        </p:sp>
+        <p:sp>
+          <p:nvSpPr>
+            <p:cNvPr id="9" name="Multiply 8"/>
+            <p:cNvSpPr/>
+            <p:nvPr/>
+          </p:nvSpPr>
+          <p:spPr>
+            <a:xfrm>
+              <a:off x="3359696" y="5506116"/>
+              <a:ext cx="792088" cy="742312"/>
+            </a:xfrm>
+            <a:prstGeom prst="mathMultiply">
+              <a:avLst/>
+            </a:prstGeom>
+            <a:ln>
+              <a:solidFill>
+                <a:schemeClr val="bg2">
+                  <a:lumMod val="75000"/>
+                </a:schemeClr>
+              </a:solidFill>
+            </a:ln>
+          </p:spPr>
+          <p:style>
+            <a:lnRef idx="2">
+              <a:schemeClr val="accent1"/>
+            </a:lnRef>
+            <a:fillRef idx="1">
+              <a:schemeClr val="lt1"/>
+            </a:fillRef>
+            <a:effectRef idx="0">
+              <a:schemeClr val="accent1"/>
+            </a:effectRef>
+            <a:fontRef idx="minor">
+              <a:schemeClr val="dk1"/>
+            </a:fontRef>
+          </p:style>
+          <p:txBody>
+            <a:bodyPr rtlCol="0" anchor="ctr"/>
+            <a:lstStyle/>
+            <a:p>
+              <a:pPr algn="ctr"/>
+              <a:endParaRPr lang="en-US"/>
+            </a:p>
+          </p:txBody>
+        </p:sp>
+      </p:grpSp>
+    </p:spTree>
+    <p:extLst>
+      <p:ext uri="{BB962C8B-B14F-4D97-AF65-F5344CB8AC3E}">
+        <p14:creationId xmlns:p14="http://schemas.microsoft.com/office/powerpoint/2010/main" val="3868765409"/>
+      </p:ext>
+    </p:extLst>
+  </p:cSld>
+  <p:clrMapOvr>
+    <a:masterClrMapping/>
+  </p:clrMapOvr>
+  <p:timing>
+    <p:tnLst>
+      <p:par>
+        <p:cTn id="1" dur="indefinite" restart="never" nodeType="tmRoot"/>
+      </p:par>
+    </p:tnLst>
+  </p:timing>
+</p:sld>
+</file>
+
+<file path=ppt/slides/slide12.xml><?xml version="1.0" encoding="utf-8"?>
+<p:sld xmlns:a="http://schemas.openxmlformats.org/drawingml/2006/main" xmlns:r="http://schemas.openxmlformats.org/officeDocument/2006/relationships" xmlns:p="http://schemas.openxmlformats.org/presentationml/2006/main">
+  <p:cSld>
+    <p:spTree>
+      <p:nvGrpSpPr>
+        <p:cNvPr id="1" name=""/>
+        <p:cNvGrpSpPr/>
+        <p:nvPr/>
+      </p:nvGrpSpPr>
+      <p:grpSpPr>
+        <a:xfrm>
+          <a:off x="0" y="0"/>
+          <a:ext cx="0" cy="0"/>
+          <a:chOff x="0" y="0"/>
+          <a:chExt cx="0" cy="0"/>
+        </a:xfrm>
+      </p:grpSpPr>
+      <p:sp>
+        <p:nvSpPr>
+          <p:cNvPr id="2" name="Content Placeholder 1"/>
+          <p:cNvSpPr>
+            <a:spLocks noGrp="1"/>
+          </p:cNvSpPr>
+          <p:nvPr>
+            <p:ph idx="1"/>
+          </p:nvPr>
+        </p:nvSpPr>
+        <p:spPr/>
+        <p:txBody>
+          <a:bodyPr/>
+          <a:lstStyle/>
+          <a:p>
+            <a:endParaRPr lang="en-US"/>
+          </a:p>
+        </p:txBody>
+      </p:sp>
+      <p:sp>
+        <p:nvSpPr>
+          <p:cNvPr id="3" name="Title 2"/>
+          <p:cNvSpPr>
+            <a:spLocks noGrp="1"/>
+          </p:cNvSpPr>
+          <p:nvPr>
+            <p:ph type="title"/>
+          </p:nvPr>
+        </p:nvSpPr>
+        <p:spPr/>
+        <p:txBody>
+          <a:bodyPr>
+            <a:normAutofit/>
+          </a:bodyPr>
+          <a:lstStyle/>
+          <a:p>
+            <a:r>
+              <a:rPr lang="en-US" dirty="0" smtClean="0"/>
+              <a:t>Exibindo </a:t>
+            </a:r>
+            <a:r>
+              <a:rPr lang="en-US" dirty="0"/>
+              <a:t>os </a:t>
+            </a:r>
+            <a:r>
+              <a:rPr lang="en-US" dirty="0" smtClean="0"/>
+              <a:t>dados - </a:t>
+            </a:r>
+            <a:r>
+              <a:rPr lang="en-US" sz="2700" dirty="0" smtClean="0"/>
+              <a:t>DOM </a:t>
+            </a:r>
+            <a:r>
+              <a:rPr lang="en-US" sz="2700" dirty="0"/>
+              <a:t>(Document Object Model)</a:t>
+            </a:r>
+          </a:p>
+        </p:txBody>
+      </p:sp>
+    </p:spTree>
+    <p:extLst>
+      <p:ext uri="{BB962C8B-B14F-4D97-AF65-F5344CB8AC3E}">
+        <p14:creationId xmlns:p14="http://schemas.microsoft.com/office/powerpoint/2010/main" val="116242836"/>
+      </p:ext>
+    </p:extLst>
+  </p:cSld>
+  <p:clrMapOvr>
+    <a:masterClrMapping/>
+  </p:clrMapOvr>
+  <p:timing>
+    <p:tnLst>
+      <p:par>
+        <p:cTn id="1" dur="indefinite" restart="never" nodeType="tmRoot"/>
+      </p:par>
+    </p:tnLst>
+  </p:timing>
+</p:sld>
+</file>
+
+<file path=ppt/slides/slide13.xml><?xml version="1.0" encoding="utf-8"?>
+<p:sld xmlns:a="http://schemas.openxmlformats.org/drawingml/2006/main" xmlns:r="http://schemas.openxmlformats.org/officeDocument/2006/relationships" xmlns:p="http://schemas.openxmlformats.org/presentationml/2006/main">
+  <p:cSld>
+    <p:spTree>
+      <p:nvGrpSpPr>
+        <p:cNvPr id="1" name=""/>
+        <p:cNvGrpSpPr/>
+        <p:nvPr/>
+      </p:nvGrpSpPr>
+      <p:grpSpPr>
+        <a:xfrm>
+          <a:off x="0" y="0"/>
+          <a:ext cx="0" cy="0"/>
+          <a:chOff x="0" y="0"/>
+          <a:chExt cx="0" cy="0"/>
+        </a:xfrm>
+      </p:grpSpPr>
+      <p:sp>
+        <p:nvSpPr>
+          <p:cNvPr id="2" name="Content Placeholder 1"/>
+          <p:cNvSpPr>
+            <a:spLocks noGrp="1"/>
+          </p:cNvSpPr>
+          <p:nvPr>
+            <p:ph idx="1"/>
+          </p:nvPr>
+        </p:nvSpPr>
+        <p:spPr/>
+        <p:txBody>
+          <a:bodyPr/>
+          <a:lstStyle/>
+          <a:p>
+            <a:endParaRPr lang="en-US"/>
+          </a:p>
+        </p:txBody>
+      </p:sp>
+      <p:sp>
+        <p:nvSpPr>
+          <p:cNvPr id="3" name="Title 2"/>
+          <p:cNvSpPr>
+            <a:spLocks noGrp="1"/>
+          </p:cNvSpPr>
+          <p:nvPr>
+            <p:ph type="title"/>
+          </p:nvPr>
+        </p:nvSpPr>
+        <p:spPr/>
+        <p:txBody>
+          <a:bodyPr/>
+          <a:lstStyle/>
+          <a:p>
+            <a:r>
+              <a:rPr lang="en-US" dirty="0"/>
+              <a:t>Links</a:t>
+            </a:r>
+          </a:p>
+        </p:txBody>
+      </p:sp>
+    </p:spTree>
+    <p:extLst>
+      <p:ext uri="{BB962C8B-B14F-4D97-AF65-F5344CB8AC3E}">
+        <p14:creationId xmlns:p14="http://schemas.microsoft.com/office/powerpoint/2010/main" val="2909778231"/>
+      </p:ext>
+    </p:extLst>
   </p:cSld>
   <p:clrMapOvr>
     <a:masterClrMapping/>
@@ -4355,7 +7749,69 @@
       </p:grpSpPr>
       <p:sp>
         <p:nvSpPr>
-          <p:cNvPr id="2" name="Título 1"/>
+          <p:cNvPr id="2" name="Content Placeholder 1"/>
+          <p:cNvSpPr>
+            <a:spLocks noGrp="1"/>
+          </p:cNvSpPr>
+          <p:nvPr>
+            <p:ph idx="1"/>
+          </p:nvPr>
+        </p:nvSpPr>
+        <p:spPr/>
+        <p:txBody>
+          <a:bodyPr/>
+          <a:lstStyle/>
+          <a:p>
+            <a:pPr>
+              <a:lnSpc>
+                <a:spcPct val="150000"/>
+              </a:lnSpc>
+            </a:pPr>
+            <a:r>
+              <a:rPr lang="en-US" dirty="0"/>
+              <a:t>Knockout.js é uma biblioteca client-side em </a:t>
+            </a:r>
+            <a:r>
+              <a:rPr lang="en-US" dirty="0" smtClean="0"/>
+              <a:t>JavaScript</a:t>
+            </a:r>
+          </a:p>
+          <a:p>
+            <a:pPr>
+              <a:lnSpc>
+                <a:spcPct val="150000"/>
+              </a:lnSpc>
+            </a:pPr>
+            <a:r>
+              <a:rPr lang="en-US" dirty="0" smtClean="0"/>
+              <a:t>Fornece </a:t>
+            </a:r>
+            <a:r>
+              <a:rPr lang="en-US" dirty="0"/>
+              <a:t>ferramentas para tornar mais fácil criar uma interface rica, organizada </a:t>
+            </a:r>
+            <a:r>
+              <a:rPr lang="en-US" dirty="0" smtClean="0"/>
+              <a:t>e com layout responsivo</a:t>
+            </a:r>
+          </a:p>
+          <a:p>
+            <a:pPr>
+              <a:lnSpc>
+                <a:spcPct val="150000"/>
+              </a:lnSpc>
+            </a:pPr>
+            <a:r>
+              <a:rPr lang="en-US" dirty="0" smtClean="0"/>
+              <a:t>Permite uma visão clara de separação de responsabilidades</a:t>
+            </a:r>
+            <a:endParaRPr lang="en-US" dirty="0"/>
+          </a:p>
+        </p:txBody>
+      </p:sp>
+      <p:sp>
+        <p:nvSpPr>
+          <p:cNvPr id="3" name="Title 2"/>
           <p:cNvSpPr>
             <a:spLocks noGrp="1"/>
           </p:cNvSpPr>
@@ -4363,29 +7819,434 @@
             <p:ph type="title"/>
           </p:nvPr>
         </p:nvSpPr>
+        <p:spPr/>
+        <p:txBody>
+          <a:bodyPr/>
+          <a:lstStyle/>
+          <a:p>
+            <a:r>
+              <a:rPr lang="en-US" dirty="0"/>
+              <a:t>1. Introdução</a:t>
+            </a:r>
+          </a:p>
+        </p:txBody>
+      </p:sp>
+      <p:sp>
+        <p:nvSpPr>
+          <p:cNvPr id="6" name="Folded Corner 5"/>
+          <p:cNvSpPr/>
+          <p:nvPr/>
+        </p:nvSpPr>
+        <p:spPr>
+          <a:xfrm rot="20466277">
+            <a:off x="7689454" y="4669512"/>
+            <a:ext cx="1534731" cy="1111076"/>
+          </a:xfrm>
+          <a:prstGeom prst="foldedCorner">
+            <a:avLst/>
+          </a:prstGeom>
+        </p:spPr>
+        <p:style>
+          <a:lnRef idx="2">
+            <a:schemeClr val="accent1">
+              <a:shade val="50000"/>
+            </a:schemeClr>
+          </a:lnRef>
+          <a:fillRef idx="1">
+            <a:schemeClr val="accent1"/>
+          </a:fillRef>
+          <a:effectRef idx="0">
+            <a:schemeClr val="accent1"/>
+          </a:effectRef>
+          <a:fontRef idx="minor">
+            <a:schemeClr val="lt1"/>
+          </a:fontRef>
+        </p:style>
+        <p:txBody>
+          <a:bodyPr rot="0" spcFirstLastPara="0" vertOverflow="overflow" horzOverflow="overflow" vert="horz" wrap="square" lIns="91440" tIns="45720" rIns="91440" bIns="45720" numCol="1" spcCol="0" rtlCol="0" fromWordArt="0" anchor="ctr" anchorCtr="0" forceAA="0" compatLnSpc="1">
+            <a:prstTxWarp prst="textNoShape">
+              <a:avLst/>
+            </a:prstTxWarp>
+            <a:noAutofit/>
+          </a:bodyPr>
+          <a:lstStyle/>
+          <a:p>
+            <a:pPr algn="ctr"/>
+            <a:r>
+              <a:rPr lang="en-US" dirty="0">
+                <a:solidFill>
+                  <a:schemeClr val="bg1"/>
+                </a:solidFill>
+                <a:latin typeface="Courier New" panose="02070309020205020404" pitchFamily="49" charset="0"/>
+                <a:cs typeface="Courier New" panose="02070309020205020404" pitchFamily="49" charset="0"/>
+              </a:rPr>
+              <a:t>&lt;HTML&gt;</a:t>
+            </a:r>
+          </a:p>
+          <a:p>
+            <a:pPr algn="ctr"/>
+            <a:r>
+              <a:rPr lang="en-US" dirty="0">
+                <a:solidFill>
+                  <a:schemeClr val="bg1"/>
+                </a:solidFill>
+                <a:latin typeface="Courier New" panose="02070309020205020404" pitchFamily="49" charset="0"/>
+                <a:cs typeface="Courier New" panose="02070309020205020404" pitchFamily="49" charset="0"/>
+              </a:rPr>
+              <a:t>View</a:t>
+            </a:r>
+          </a:p>
+        </p:txBody>
+      </p:sp>
+      <p:sp>
+        <p:nvSpPr>
+          <p:cNvPr id="7" name="Horizontal Scroll 6"/>
+          <p:cNvSpPr/>
+          <p:nvPr/>
+        </p:nvSpPr>
+        <p:spPr>
+          <a:xfrm rot="21193672">
+            <a:off x="9549937" y="4320536"/>
+            <a:ext cx="1747822" cy="1033272"/>
+          </a:xfrm>
+          <a:prstGeom prst="horizontalScroll">
+            <a:avLst/>
+          </a:prstGeom>
+        </p:spPr>
+        <p:style>
+          <a:lnRef idx="2">
+            <a:schemeClr val="accent1">
+              <a:shade val="50000"/>
+            </a:schemeClr>
+          </a:lnRef>
+          <a:fillRef idx="1">
+            <a:schemeClr val="accent1"/>
+          </a:fillRef>
+          <a:effectRef idx="0">
+            <a:schemeClr val="accent1"/>
+          </a:effectRef>
+          <a:fontRef idx="minor">
+            <a:schemeClr val="lt1"/>
+          </a:fontRef>
+        </p:style>
+        <p:txBody>
+          <a:bodyPr rot="0" spcFirstLastPara="0" vertOverflow="overflow" horzOverflow="overflow" vert="horz" wrap="square" lIns="91440" tIns="45720" rIns="91440" bIns="45720" numCol="1" spcCol="0" rtlCol="0" fromWordArt="0" anchor="ctr" anchorCtr="0" forceAA="0" compatLnSpc="1">
+            <a:prstTxWarp prst="textNoShape">
+              <a:avLst/>
+            </a:prstTxWarp>
+            <a:noAutofit/>
+          </a:bodyPr>
+          <a:lstStyle/>
+          <a:p>
+            <a:pPr algn="ctr"/>
+            <a:r>
+              <a:rPr lang="en-US" dirty="0">
+                <a:solidFill>
+                  <a:schemeClr val="bg1"/>
+                </a:solidFill>
+                <a:latin typeface="Courier New" panose="02070309020205020404" pitchFamily="49" charset="0"/>
+                <a:cs typeface="Courier New" panose="02070309020205020404" pitchFamily="49" charset="0"/>
+              </a:rPr>
+              <a:t>&lt;SCRIPT&gt;</a:t>
+            </a:r>
+          </a:p>
+          <a:p>
+            <a:pPr algn="ctr"/>
+            <a:r>
+              <a:rPr lang="en-US" dirty="0">
+                <a:solidFill>
+                  <a:schemeClr val="bg1"/>
+                </a:solidFill>
+                <a:latin typeface="Courier New" panose="02070309020205020404" pitchFamily="49" charset="0"/>
+                <a:cs typeface="Courier New" panose="02070309020205020404" pitchFamily="49" charset="0"/>
+              </a:rPr>
+              <a:t>ViewModel</a:t>
+            </a:r>
+          </a:p>
+        </p:txBody>
+      </p:sp>
+      <p:sp>
+        <p:nvSpPr>
+          <p:cNvPr id="8" name="Curved Down Arrow 7"/>
+          <p:cNvSpPr/>
+          <p:nvPr/>
+        </p:nvSpPr>
+        <p:spPr>
+          <a:xfrm rot="9784594">
+            <a:off x="8916565" y="5570772"/>
+            <a:ext cx="1392917" cy="434752"/>
+          </a:xfrm>
+          <a:prstGeom prst="curvedDownArrow">
+            <a:avLst/>
+          </a:prstGeom>
+        </p:spPr>
+        <p:style>
+          <a:lnRef idx="2">
+            <a:schemeClr val="accent3">
+              <a:shade val="50000"/>
+            </a:schemeClr>
+          </a:lnRef>
+          <a:fillRef idx="1">
+            <a:schemeClr val="accent3"/>
+          </a:fillRef>
+          <a:effectRef idx="0">
+            <a:schemeClr val="accent3"/>
+          </a:effectRef>
+          <a:fontRef idx="minor">
+            <a:schemeClr val="lt1"/>
+          </a:fontRef>
+        </p:style>
+        <p:txBody>
+          <a:bodyPr rot="0" spcFirstLastPara="0" vertOverflow="overflow" horzOverflow="overflow" vert="horz" wrap="square" lIns="91440" tIns="45720" rIns="91440" bIns="45720" numCol="1" spcCol="0" rtlCol="0" fromWordArt="0" anchor="ctr" anchorCtr="0" forceAA="0" compatLnSpc="1">
+            <a:prstTxWarp prst="textNoShape">
+              <a:avLst/>
+            </a:prstTxWarp>
+            <a:noAutofit/>
+          </a:bodyPr>
+          <a:lstStyle/>
+          <a:p>
+            <a:pPr algn="ctr"/>
+            <a:endParaRPr lang="en-US">
+              <a:solidFill>
+                <a:schemeClr val="tx1"/>
+              </a:solidFill>
+            </a:endParaRPr>
+          </a:p>
+        </p:txBody>
+      </p:sp>
+      <p:sp>
+        <p:nvSpPr>
+          <p:cNvPr id="9" name="TextBox 8"/>
+          <p:cNvSpPr txBox="1"/>
+          <p:nvPr/>
+        </p:nvSpPr>
+        <p:spPr>
+          <a:xfrm rot="20245910">
+            <a:off x="9382851" y="5883325"/>
+            <a:ext cx="1287532" cy="369332"/>
+          </a:xfrm>
+          <a:prstGeom prst="rect">
+            <a:avLst/>
+          </a:prstGeom>
+          <a:noFill/>
+        </p:spPr>
+        <p:txBody>
+          <a:bodyPr wrap="none" rtlCol="0">
+            <a:spAutoFit/>
+          </a:bodyPr>
+          <a:lstStyle/>
+          <a:p>
+            <a:r>
+              <a:rPr lang="en-US" dirty="0">
+                <a:solidFill>
+                  <a:schemeClr val="bg1"/>
+                </a:solidFill>
+                <a:latin typeface="Courier New" panose="02070309020205020404" pitchFamily="49" charset="0"/>
+                <a:cs typeface="Courier New" panose="02070309020205020404" pitchFamily="49" charset="0"/>
+              </a:rPr>
+              <a:t>Bindings</a:t>
+            </a:r>
+          </a:p>
+        </p:txBody>
+      </p:sp>
+      <p:sp>
+        <p:nvSpPr>
+          <p:cNvPr id="11" name="TextBox 10"/>
+          <p:cNvSpPr txBox="1"/>
+          <p:nvPr/>
+        </p:nvSpPr>
         <p:spPr>
           <a:xfrm>
-            <a:off x="557335" y="584581"/>
-            <a:ext cx="3978802" cy="1921518"/>
+            <a:off x="191344" y="6447138"/>
+            <a:ext cx="1295846" cy="286737"/>
+          </a:xfrm>
+          <a:prstGeom prst="rect">
+            <a:avLst/>
+          </a:prstGeom>
+          <a:noFill/>
+        </p:spPr>
+        <p:txBody>
+          <a:bodyPr wrap="square" rtlCol="0">
+            <a:spAutoFit/>
+          </a:bodyPr>
+          <a:lstStyle/>
+          <a:p>
+            <a:r>
+              <a:rPr lang="en-US" sz="1200" dirty="0"/>
+              <a:t>@rodrigoLessa</a:t>
+            </a:r>
+          </a:p>
+        </p:txBody>
+      </p:sp>
+    </p:spTree>
+    <p:extLst>
+      <p:ext uri="{BB962C8B-B14F-4D97-AF65-F5344CB8AC3E}">
+        <p14:creationId xmlns:p14="http://schemas.microsoft.com/office/powerpoint/2010/main" val="1721099561"/>
+      </p:ext>
+    </p:extLst>
+  </p:cSld>
+  <p:clrMapOvr>
+    <a:masterClrMapping/>
+  </p:clrMapOvr>
+  <p:timing>
+    <p:tnLst>
+      <p:par>
+        <p:cTn id="1" dur="indefinite" restart="never" nodeType="tmRoot"/>
+      </p:par>
+    </p:tnLst>
+  </p:timing>
+</p:sld>
+</file>
+
+<file path=ppt/slides/slide3.xml><?xml version="1.0" encoding="utf-8"?>
+<p:sld xmlns:a="http://schemas.openxmlformats.org/drawingml/2006/main" xmlns:r="http://schemas.openxmlformats.org/officeDocument/2006/relationships" xmlns:p="http://schemas.openxmlformats.org/presentationml/2006/main">
+  <p:cSld>
+    <p:spTree>
+      <p:nvGrpSpPr>
+        <p:cNvPr id="1" name=""/>
+        <p:cNvGrpSpPr/>
+        <p:nvPr/>
+      </p:nvGrpSpPr>
+      <p:grpSpPr>
+        <a:xfrm>
+          <a:off x="0" y="0"/>
+          <a:ext cx="0" cy="0"/>
+          <a:chOff x="0" y="0"/>
+          <a:chExt cx="0" cy="0"/>
+        </a:xfrm>
+      </p:grpSpPr>
+      <p:sp>
+        <p:nvSpPr>
+          <p:cNvPr id="31" name="Rounded Rectangle 30"/>
+          <p:cNvSpPr/>
+          <p:nvPr/>
+        </p:nvSpPr>
+        <p:spPr>
+          <a:xfrm rot="21176933">
+            <a:off x="1899783" y="5598034"/>
+            <a:ext cx="4723468" cy="917561"/>
+          </a:xfrm>
+          <a:prstGeom prst="roundRect">
+            <a:avLst/>
+          </a:prstGeom>
+        </p:spPr>
+        <p:style>
+          <a:lnRef idx="1">
+            <a:schemeClr val="accent1"/>
+          </a:lnRef>
+          <a:fillRef idx="2">
+            <a:schemeClr val="accent1"/>
+          </a:fillRef>
+          <a:effectRef idx="1">
+            <a:schemeClr val="accent1"/>
+          </a:effectRef>
+          <a:fontRef idx="minor">
+            <a:schemeClr val="dk1"/>
+          </a:fontRef>
+        </p:style>
+        <p:txBody>
+          <a:bodyPr rtlCol="0" anchor="ctr"/>
+          <a:lstStyle/>
+          <a:p>
+            <a:pPr algn="ctr"/>
+            <a:endParaRPr lang="en-US"/>
+          </a:p>
+        </p:txBody>
+      </p:sp>
+      <p:sp>
+        <p:nvSpPr>
+          <p:cNvPr id="2" name="Content Placeholder 1"/>
+          <p:cNvSpPr>
+            <a:spLocks noGrp="1"/>
+          </p:cNvSpPr>
+          <p:nvPr>
+            <p:ph idx="1"/>
+          </p:nvPr>
+        </p:nvSpPr>
+        <p:spPr>
+          <a:xfrm>
+            <a:off x="609600" y="1524000"/>
+            <a:ext cx="6057405" cy="4572000"/>
           </a:xfrm>
         </p:spPr>
         <p:txBody>
           <a:bodyPr/>
           <a:lstStyle/>
           <a:p>
-            <a:endParaRPr lang="pt-BR" dirty="0"/>
-          </a:p>
-        </p:txBody>
-      </p:sp>
-      <p:sp>
-        <p:nvSpPr>
-          <p:cNvPr id="3" name="Seta circular 2"/>
+            <a:pPr>
+              <a:lnSpc>
+                <a:spcPct val="150000"/>
+              </a:lnSpc>
+            </a:pPr>
+            <a:r>
+              <a:rPr lang="en-US" dirty="0"/>
+              <a:t>Knockout.js adota o Design Pattern Model-View-ViewModel (MVVM</a:t>
+            </a:r>
+            <a:r>
+              <a:rPr lang="en-US" dirty="0" smtClean="0"/>
+              <a:t>)</a:t>
+            </a:r>
+          </a:p>
+          <a:p>
+            <a:pPr>
+              <a:lnSpc>
+                <a:spcPct val="150000"/>
+              </a:lnSpc>
+            </a:pPr>
+            <a:r>
+              <a:rPr lang="en-US" dirty="0"/>
+              <a:t>Utilizando Eventos do </a:t>
+            </a:r>
+            <a:r>
+              <a:rPr lang="en-US" dirty="0" smtClean="0"/>
+              <a:t>DOM (click, submit, hover), </a:t>
+            </a:r>
+            <a:r>
+              <a:rPr lang="en-US" dirty="0"/>
+              <a:t>Notificações e </a:t>
+            </a:r>
+            <a:r>
+              <a:rPr lang="en-US" dirty="0" smtClean="0"/>
+              <a:t>o formato JSON </a:t>
+            </a:r>
+            <a:r>
+              <a:rPr lang="en-US" dirty="0"/>
+              <a:t>para comunicação entre as camadas</a:t>
+            </a:r>
+          </a:p>
+        </p:txBody>
+      </p:sp>
+      <p:sp>
+        <p:nvSpPr>
+          <p:cNvPr id="3" name="Title 2"/>
+          <p:cNvSpPr>
+            <a:spLocks noGrp="1"/>
+          </p:cNvSpPr>
+          <p:nvPr>
+            <p:ph type="title"/>
+          </p:nvPr>
+        </p:nvSpPr>
+        <p:spPr/>
+        <p:txBody>
+          <a:bodyPr/>
+          <a:lstStyle/>
+          <a:p>
+            <a:r>
+              <a:rPr lang="en-US" dirty="0"/>
+              <a:t>2. Conceitual</a:t>
+            </a:r>
+          </a:p>
+        </p:txBody>
+      </p:sp>
+      <p:sp>
+        <p:nvSpPr>
+          <p:cNvPr id="4" name="Seta circular 2"/>
           <p:cNvSpPr/>
           <p:nvPr/>
         </p:nvSpPr>
         <p:spPr>
           <a:xfrm>
-            <a:off x="4342577" y="404664"/>
+            <a:off x="7018705" y="404664"/>
             <a:ext cx="2803597" cy="2804024"/>
           </a:xfrm>
           <a:prstGeom prst="circularArrow">
@@ -4430,13 +8291,13 @@
       </p:sp>
       <p:grpSp>
         <p:nvGrpSpPr>
-          <p:cNvPr id="4" name="Grupo 3"/>
+          <p:cNvPr id="5" name="Grupo 3"/>
           <p:cNvGrpSpPr/>
           <p:nvPr/>
         </p:nvGrpSpPr>
         <p:grpSpPr>
           <a:xfrm>
-            <a:off x="7040448" y="1240512"/>
+            <a:off x="9716576" y="1240512"/>
             <a:ext cx="1894665" cy="1121842"/>
             <a:chOff x="4219947" y="835848"/>
             <a:chExt cx="1894665" cy="1121842"/>
@@ -4444,7 +8305,7 @@
         </p:grpSpPr>
         <p:sp>
           <p:nvSpPr>
-            <p:cNvPr id="22" name="Retângulo 21"/>
+            <p:cNvPr id="6" name="Retângulo 21"/>
             <p:cNvSpPr/>
             <p:nvPr/>
           </p:nvSpPr>
@@ -4497,7 +8358,7 @@
         </p:sp>
         <p:sp>
           <p:nvSpPr>
-            <p:cNvPr id="23" name="Retângulo 22"/>
+            <p:cNvPr id="7" name="Retângulo 22"/>
             <p:cNvSpPr/>
             <p:nvPr/>
           </p:nvSpPr>
@@ -4535,7 +8396,7 @@
             </a:bodyPr>
             <a:lstStyle/>
             <a:p>
-              <a:pPr marL="114300" lvl="1" indent="-114300" algn="ctr" defTabSz="914400">
+              <a:pPr marL="114300" lvl="1" indent="-114300">
                 <a:lnSpc>
                   <a:spcPct val="90000"/>
                 </a:lnSpc>
@@ -4548,37 +8409,17 @@
                 <a:buChar char="••"/>
               </a:pPr>
               <a:r>
-                <a:rPr lang="pt-BR" sz="1500" b="0" i="0" kern="1200" noProof="0" dirty="0" err="1" smtClean="0">
+                <a:rPr lang="pt-BR" sz="1500" dirty="0">
                   <a:latin typeface="Corbel"/>
-                  <a:ea typeface="+mn-ea"/>
-                  <a:cs typeface="+mn-cs"/>
                 </a:rPr>
-                <a:t>Declarative</a:t>
+                <a:t>Aparência</a:t>
               </a:r>
-              <a:r>
-                <a:rPr lang="pt-BR" sz="1500" b="0" i="0" kern="1200" noProof="0" dirty="0" smtClean="0">
-                  <a:latin typeface="Corbel"/>
-                  <a:ea typeface="+mn-ea"/>
-                  <a:cs typeface="+mn-cs"/>
-                </a:rPr>
-                <a:t> </a:t>
-              </a:r>
-              <a:r>
-                <a:rPr lang="pt-BR" sz="1500" b="0" i="0" kern="1200" noProof="0" dirty="0" err="1" smtClean="0">
-                  <a:latin typeface="Corbel"/>
-                  <a:ea typeface="+mn-ea"/>
-                  <a:cs typeface="+mn-cs"/>
-                </a:rPr>
-                <a:t>Bindings</a:t>
-              </a:r>
-              <a:endParaRPr lang="pt-BR" sz="1500" b="0" i="0" kern="1200" noProof="0" dirty="0">
+              <a:endParaRPr lang="pt-BR" sz="1500" dirty="0">
                 <a:latin typeface="Corbel"/>
-                <a:ea typeface="+mn-ea"/>
-                <a:cs typeface="+mn-cs"/>
               </a:endParaRPr>
             </a:p>
             <a:p>
-              <a:pPr marL="114300" lvl="1" indent="-114300" algn="ctr" defTabSz="914400">
+              <a:pPr marL="114300" lvl="1" indent="-114300">
                 <a:lnSpc>
                   <a:spcPct val="90000"/>
                 </a:lnSpc>
@@ -4591,21 +8432,14 @@
                 <a:buChar char="••"/>
               </a:pPr>
               <a:r>
-                <a:rPr lang="pt-BR" sz="1500" b="0" i="0" kern="1200" noProof="0" dirty="0" smtClean="0">
+                <a:rPr lang="pt-BR" sz="1500" dirty="0">
                   <a:latin typeface="Corbel"/>
-                  <a:ea typeface="+mn-ea"/>
-                  <a:cs typeface="+mn-cs"/>
                 </a:rPr>
-                <a:t>Descrição da tarefa</a:t>
+                <a:t>Declarative Bindings</a:t>
               </a:r>
-              <a:endParaRPr lang="pt-BR" sz="1500" b="0" i="0" kern="1200" noProof="0" dirty="0">
-                <a:latin typeface="Corbel"/>
-                <a:ea typeface="+mn-ea"/>
-                <a:cs typeface="+mn-cs"/>
-              </a:endParaRPr>
             </a:p>
             <a:p>
-              <a:pPr marL="114300" lvl="1" indent="-114300" algn="ctr" defTabSz="914400">
+              <a:pPr marL="114300" lvl="1" indent="-114300">
                 <a:lnSpc>
                   <a:spcPct val="90000"/>
                 </a:lnSpc>
@@ -4618,17 +8452,33 @@
                 <a:buChar char="••"/>
               </a:pPr>
               <a:r>
-                <a:rPr lang="pt-BR" sz="1500" b="0" i="0" kern="1200" noProof="0" dirty="0" smtClean="0">
+                <a:rPr lang="pt-BR" sz="1500" dirty="0">
                   <a:latin typeface="Corbel"/>
-                  <a:ea typeface="+mn-ea"/>
-                  <a:cs typeface="+mn-cs"/>
                 </a:rPr>
-                <a:t>Descrição da tarefa</a:t>
+                <a:t>Poder do HTML e CSS</a:t>
               </a:r>
-              <a:endParaRPr lang="pt-BR" sz="1500" b="0" i="0" kern="1200" noProof="0" dirty="0">
+            </a:p>
+            <a:p>
+              <a:pPr marL="114300" lvl="1" indent="-114300">
+                <a:lnSpc>
+                  <a:spcPct val="90000"/>
+                </a:lnSpc>
+                <a:spcBef>
+                  <a:spcPct val="0"/>
+                </a:spcBef>
+                <a:spcAft>
+                  <a:spcPct val="15000"/>
+                </a:spcAft>
+                <a:buChar char="••"/>
+              </a:pPr>
+              <a:r>
+                <a:rPr lang="pt-BR" sz="1500" dirty="0">
+                  <a:latin typeface="Corbel"/>
+                </a:rPr>
+                <a:t>Custom Data Attributes</a:t>
+              </a:r>
+              <a:endParaRPr lang="pt-BR" sz="1500" dirty="0">
                 <a:latin typeface="Corbel"/>
-                <a:ea typeface="+mn-ea"/>
-                <a:cs typeface="+mn-cs"/>
               </a:endParaRPr>
             </a:p>
           </p:txBody>
@@ -4636,13 +8486,13 @@
       </p:grpSp>
       <p:grpSp>
         <p:nvGrpSpPr>
-          <p:cNvPr id="5" name="Grupo 4"/>
+          <p:cNvPr id="8" name="Grupo 4"/>
           <p:cNvGrpSpPr/>
           <p:nvPr/>
         </p:nvGrpSpPr>
         <p:grpSpPr>
           <a:xfrm>
-            <a:off x="4962264" y="1417001"/>
+            <a:off x="7638392" y="1417001"/>
             <a:ext cx="1557905" cy="778766"/>
             <a:chOff x="2141763" y="1012337"/>
             <a:chExt cx="1557905" cy="778766"/>
@@ -4650,7 +8500,7 @@
         </p:grpSpPr>
         <p:sp>
           <p:nvSpPr>
-            <p:cNvPr id="20" name="Retângulo 19"/>
+            <p:cNvPr id="9" name="Retângulo 19"/>
             <p:cNvSpPr/>
             <p:nvPr/>
           </p:nvSpPr>
@@ -4703,7 +8553,7 @@
         </p:sp>
         <p:sp>
           <p:nvSpPr>
-            <p:cNvPr id="21" name="Retângulo 20"/>
+            <p:cNvPr id="10" name="Retângulo 20"/>
             <p:cNvSpPr/>
             <p:nvPr/>
           </p:nvSpPr>
@@ -4741,7 +8591,7 @@
             </a:bodyPr>
             <a:lstStyle/>
             <a:p>
-              <a:pPr lvl="0" algn="ctr" defTabSz="914400">
+              <a:pPr algn="ctr">
                 <a:lnSpc>
                   <a:spcPct val="90000"/>
                 </a:lnSpc>
@@ -4751,20 +8601,15 @@
                 <a:spcAft>
                   <a:spcPct val="35000"/>
                 </a:spcAft>
-                <a:buNone/>
               </a:pPr>
               <a:r>
-                <a:rPr lang="pt-BR" sz="2500" b="0" i="0" kern="1200" noProof="0" dirty="0" err="1" smtClean="0">
+                <a:rPr lang="pt-BR" sz="2500" dirty="0" err="1">
                   <a:latin typeface="Corbel"/>
-                  <a:ea typeface="+mn-ea"/>
-                  <a:cs typeface="+mn-cs"/>
                 </a:rPr>
                 <a:t>View</a:t>
               </a:r>
-              <a:endParaRPr lang="pt-BR" sz="2500" b="0" i="0" kern="1200" noProof="0" dirty="0">
+              <a:endParaRPr lang="pt-BR" sz="2500" dirty="0">
                 <a:latin typeface="Corbel"/>
-                <a:ea typeface="+mn-ea"/>
-                <a:cs typeface="+mn-cs"/>
               </a:endParaRPr>
             </a:p>
           </p:txBody>
@@ -4772,13 +8617,13 @@
       </p:grpSp>
       <p:sp>
         <p:nvSpPr>
-          <p:cNvPr id="6" name="Forma 5"/>
+          <p:cNvPr id="11" name="Forma 5"/>
           <p:cNvSpPr/>
           <p:nvPr/>
         </p:nvSpPr>
         <p:spPr>
           <a:xfrm>
-            <a:off x="3563888" y="2015783"/>
+            <a:off x="6240016" y="2015783"/>
             <a:ext cx="2803597" cy="2804024"/>
           </a:xfrm>
           <a:prstGeom prst="leftCircularArrow">
@@ -4823,13 +8668,13 @@
       </p:sp>
       <p:grpSp>
         <p:nvGrpSpPr>
-          <p:cNvPr id="7" name="Grupo 6"/>
+          <p:cNvPr id="12" name="Grupo 6"/>
           <p:cNvGrpSpPr/>
           <p:nvPr/>
         </p:nvGrpSpPr>
         <p:grpSpPr>
           <a:xfrm>
-            <a:off x="6367485" y="2860951"/>
+            <a:off x="9336608" y="2860660"/>
             <a:ext cx="1682158" cy="1121842"/>
             <a:chOff x="3546984" y="2456287"/>
             <a:chExt cx="1682158" cy="1121842"/>
@@ -4837,7 +8682,7 @@
         </p:grpSpPr>
         <p:sp>
           <p:nvSpPr>
-            <p:cNvPr id="18" name="Retângulo 17"/>
+            <p:cNvPr id="13" name="Retângulo 17"/>
             <p:cNvSpPr/>
             <p:nvPr/>
           </p:nvSpPr>
@@ -4890,7 +8735,7 @@
         </p:sp>
         <p:sp>
           <p:nvSpPr>
-            <p:cNvPr id="19" name="Retângulo 18"/>
+            <p:cNvPr id="14" name="Retângulo 18"/>
             <p:cNvSpPr/>
             <p:nvPr/>
           </p:nvSpPr>
@@ -4928,7 +8773,7 @@
             </a:bodyPr>
             <a:lstStyle/>
             <a:p>
-              <a:pPr marL="114300" lvl="1" indent="-114300" algn="ctr" defTabSz="914400">
+              <a:pPr marL="114300" lvl="1" indent="-114300">
                 <a:lnSpc>
                   <a:spcPct val="90000"/>
                 </a:lnSpc>
@@ -4941,21 +8786,17 @@
                 <a:buChar char="••"/>
               </a:pPr>
               <a:r>
-                <a:rPr lang="pt-BR" sz="1500" b="0" i="0" kern="1200" noProof="0" dirty="0" smtClean="0">
+                <a:rPr lang="pt-BR" sz="1500" dirty="0">
                   <a:latin typeface="Corbel"/>
-                  <a:ea typeface="+mn-ea"/>
-                  <a:cs typeface="+mn-cs"/>
                 </a:rPr>
-                <a:t>Descrição da tarefa</a:t>
+                <a:t>Lógica de apresentação</a:t>
               </a:r>
-              <a:endParaRPr lang="pt-BR" sz="1500" b="0" i="0" kern="1200" noProof="0" dirty="0">
+              <a:endParaRPr lang="pt-BR" sz="1500" dirty="0">
                 <a:latin typeface="Corbel"/>
-                <a:ea typeface="+mn-ea"/>
-                <a:cs typeface="+mn-cs"/>
               </a:endParaRPr>
             </a:p>
             <a:p>
-              <a:pPr marL="114300" lvl="1" indent="-114300" algn="ctr" defTabSz="914400">
+              <a:pPr marL="114300" lvl="1" indent="-114300">
                 <a:lnSpc>
                   <a:spcPct val="90000"/>
                 </a:lnSpc>
@@ -4968,21 +8809,17 @@
                 <a:buChar char="••"/>
               </a:pPr>
               <a:r>
-                <a:rPr lang="pt-BR" sz="1500" b="0" i="0" kern="1200" noProof="0" dirty="0" smtClean="0">
+                <a:rPr lang="pt-BR" sz="1500" dirty="0">
                   <a:latin typeface="Corbel"/>
-                  <a:ea typeface="+mn-ea"/>
-                  <a:cs typeface="+mn-cs"/>
                 </a:rPr>
-                <a:t>Descrição da tarefa</a:t>
+                <a:t>Testável</a:t>
               </a:r>
-              <a:endParaRPr lang="pt-BR" sz="1500" b="0" i="0" kern="1200" noProof="0" dirty="0">
+              <a:endParaRPr lang="pt-BR" sz="1500" dirty="0">
                 <a:latin typeface="Corbel"/>
-                <a:ea typeface="+mn-ea"/>
-                <a:cs typeface="+mn-cs"/>
               </a:endParaRPr>
             </a:p>
             <a:p>
-              <a:pPr marL="114300" lvl="1" indent="-114300" algn="ctr" defTabSz="914400">
+              <a:pPr marL="114300" lvl="1" indent="-114300">
                 <a:lnSpc>
                   <a:spcPct val="90000"/>
                 </a:lnSpc>
@@ -4995,17 +8832,13 @@
                 <a:buChar char="••"/>
               </a:pPr>
               <a:r>
-                <a:rPr lang="pt-BR" sz="1500" b="0" i="0" kern="1200" noProof="0" dirty="0" smtClean="0">
+                <a:rPr lang="pt-BR" sz="1500" dirty="0">
                   <a:latin typeface="Corbel"/>
-                  <a:ea typeface="+mn-ea"/>
-                  <a:cs typeface="+mn-cs"/>
                 </a:rPr>
-                <a:t>Descrição da tarefa</a:t>
+                <a:t>Flexibilidade do JavaScript</a:t>
               </a:r>
-              <a:endParaRPr lang="pt-BR" sz="1500" b="0" i="0" kern="1200" noProof="0" dirty="0">
+              <a:endParaRPr lang="pt-BR" sz="1500" dirty="0">
                 <a:latin typeface="Corbel"/>
-                <a:ea typeface="+mn-ea"/>
-                <a:cs typeface="+mn-cs"/>
               </a:endParaRPr>
             </a:p>
           </p:txBody>
@@ -5013,13 +8846,13 @@
       </p:grpSp>
       <p:grpSp>
         <p:nvGrpSpPr>
-          <p:cNvPr id="8" name="Grupo 7"/>
+          <p:cNvPr id="15" name="Grupo 7"/>
           <p:cNvGrpSpPr/>
           <p:nvPr/>
         </p:nvGrpSpPr>
         <p:grpSpPr>
           <a:xfrm>
-            <a:off x="4186734" y="3037441"/>
+            <a:off x="6862862" y="3037441"/>
             <a:ext cx="1557905" cy="778766"/>
             <a:chOff x="1366233" y="2632777"/>
             <a:chExt cx="1557905" cy="778766"/>
@@ -5118,7 +8951,7 @@
             </a:bodyPr>
             <a:lstStyle/>
             <a:p>
-              <a:pPr lvl="0" algn="ctr" defTabSz="914400">
+              <a:pPr algn="ctr">
                 <a:lnSpc>
                   <a:spcPct val="90000"/>
                 </a:lnSpc>
@@ -5128,20 +8961,15 @@
                 <a:spcAft>
                   <a:spcPct val="35000"/>
                 </a:spcAft>
-                <a:buNone/>
               </a:pPr>
               <a:r>
-                <a:rPr lang="pt-BR" sz="2500" b="0" i="0" kern="1200" noProof="0" dirty="0" err="1" smtClean="0">
+                <a:rPr lang="pt-BR" sz="2500" dirty="0" err="1">
                   <a:latin typeface="Corbel"/>
-                  <a:ea typeface="+mn-ea"/>
-                  <a:cs typeface="+mn-cs"/>
                 </a:rPr>
                 <a:t>ViewModel</a:t>
               </a:r>
-              <a:endParaRPr lang="pt-BR" sz="2500" b="0" i="0" kern="1200" noProof="0" dirty="0">
+              <a:endParaRPr lang="pt-BR" sz="2500" dirty="0">
                 <a:latin typeface="Corbel"/>
-                <a:ea typeface="+mn-ea"/>
-                <a:cs typeface="+mn-cs"/>
               </a:endParaRPr>
             </a:p>
           </p:txBody>
@@ -5149,13 +8977,13 @@
       </p:grpSp>
       <p:sp>
         <p:nvSpPr>
-          <p:cNvPr id="9" name="Semicírculos 8"/>
+          <p:cNvPr id="18" name="Semicírculos 8"/>
           <p:cNvSpPr/>
           <p:nvPr/>
         </p:nvSpPr>
         <p:spPr>
           <a:xfrm>
-            <a:off x="4542120" y="3819702"/>
+            <a:off x="7218247" y="3819703"/>
             <a:ext cx="2408724" cy="2409689"/>
           </a:xfrm>
           <a:prstGeom prst="blockArc">
@@ -5198,13 +9026,13 @@
       </p:sp>
       <p:grpSp>
         <p:nvGrpSpPr>
-          <p:cNvPr id="10" name="Grupo 9"/>
+          <p:cNvPr id="19" name="Grupo 9"/>
           <p:cNvGrpSpPr/>
           <p:nvPr/>
         </p:nvGrpSpPr>
         <p:grpSpPr>
           <a:xfrm>
-            <a:off x="7146701" y="4480808"/>
+            <a:off x="9822828" y="4480808"/>
             <a:ext cx="1682158" cy="1121842"/>
             <a:chOff x="4326200" y="4076144"/>
             <a:chExt cx="1682158" cy="1121842"/>
@@ -5212,7 +9040,7 @@
         </p:grpSpPr>
         <p:sp>
           <p:nvSpPr>
-            <p:cNvPr id="14" name="Retângulo 13"/>
+            <p:cNvPr id="20" name="Retângulo 13"/>
             <p:cNvSpPr/>
             <p:nvPr/>
           </p:nvSpPr>
@@ -5265,7 +9093,7 @@
         </p:sp>
         <p:sp>
           <p:nvSpPr>
-            <p:cNvPr id="15" name="Retângulo 14"/>
+            <p:cNvPr id="21" name="Retângulo 14"/>
             <p:cNvSpPr/>
             <p:nvPr/>
           </p:nvSpPr>
@@ -5303,7 +9131,7 @@
             </a:bodyPr>
             <a:lstStyle/>
             <a:p>
-              <a:pPr marL="114300" lvl="1" indent="-114300" algn="ctr" defTabSz="914400">
+              <a:pPr marL="114300" lvl="1" indent="-114300">
                 <a:lnSpc>
                   <a:spcPct val="90000"/>
                 </a:lnSpc>
@@ -5316,21 +9144,17 @@
                 <a:buChar char="••"/>
               </a:pPr>
               <a:r>
-                <a:rPr lang="pt-BR" sz="1500" b="0" i="0" kern="1200" noProof="0" dirty="0" smtClean="0">
+                <a:rPr lang="pt-BR" sz="1500" dirty="0">
                   <a:latin typeface="Corbel"/>
-                  <a:ea typeface="+mn-ea"/>
-                  <a:cs typeface="+mn-cs"/>
                 </a:rPr>
-                <a:t>Descrição da tarefa</a:t>
+                <a:t>Lógica de negócio</a:t>
               </a:r>
-              <a:endParaRPr lang="pt-BR" sz="1500" b="0" i="0" kern="1200" noProof="0" dirty="0">
+              <a:endParaRPr lang="pt-BR" sz="1500" dirty="0">
                 <a:latin typeface="Corbel"/>
-                <a:ea typeface="+mn-ea"/>
-                <a:cs typeface="+mn-cs"/>
               </a:endParaRPr>
             </a:p>
             <a:p>
-              <a:pPr marL="114300" lvl="1" indent="-114300" algn="ctr" defTabSz="914400">
+              <a:pPr marL="114300" lvl="1" indent="-114300">
                 <a:lnSpc>
                   <a:spcPct val="90000"/>
                 </a:lnSpc>
@@ -5343,44 +9167,13 @@
                 <a:buChar char="••"/>
               </a:pPr>
               <a:r>
-                <a:rPr lang="pt-BR" sz="1500" b="0" i="0" kern="1200" noProof="0" dirty="0" smtClean="0">
+                <a:rPr lang="pt-BR" sz="1500" dirty="0">
                   <a:latin typeface="Corbel"/>
-                  <a:ea typeface="+mn-ea"/>
-                  <a:cs typeface="+mn-cs"/>
                 </a:rPr>
-                <a:t>Descrição da tarefa</a:t>
+                <a:t>Independe de plataforma ou tecnologia</a:t>
               </a:r>
-              <a:endParaRPr lang="pt-BR" sz="1500" b="0" i="0" kern="1200" noProof="0" dirty="0">
+              <a:endParaRPr lang="pt-BR" sz="1500" dirty="0">
                 <a:latin typeface="Corbel"/>
-                <a:ea typeface="+mn-ea"/>
-                <a:cs typeface="+mn-cs"/>
-              </a:endParaRPr>
-            </a:p>
-            <a:p>
-              <a:pPr marL="114300" lvl="1" indent="-114300" algn="ctr" defTabSz="914400">
-                <a:lnSpc>
-                  <a:spcPct val="90000"/>
-                </a:lnSpc>
-                <a:spcBef>
-                  <a:spcPct val="0"/>
-                </a:spcBef>
-                <a:spcAft>
-                  <a:spcPct val="15000"/>
-                </a:spcAft>
-                <a:buChar char="••"/>
-              </a:pPr>
-              <a:r>
-                <a:rPr lang="pt-BR" sz="1500" b="0" i="0" kern="1200" noProof="0" dirty="0" smtClean="0">
-                  <a:latin typeface="Corbel"/>
-                  <a:ea typeface="+mn-ea"/>
-                  <a:cs typeface="+mn-cs"/>
-                </a:rPr>
-                <a:t>Descrição da tarefa</a:t>
-              </a:r>
-              <a:endParaRPr lang="pt-BR" sz="1500" b="0" i="0" kern="1200" noProof="0" dirty="0">
-                <a:latin typeface="Corbel"/>
-                <a:ea typeface="+mn-ea"/>
-                <a:cs typeface="+mn-cs"/>
               </a:endParaRPr>
             </a:p>
           </p:txBody>
@@ -5388,13 +9181,13 @@
       </p:grpSp>
       <p:grpSp>
         <p:nvGrpSpPr>
-          <p:cNvPr id="11" name="Grupo 10"/>
+          <p:cNvPr id="22" name="Grupo 10"/>
           <p:cNvGrpSpPr/>
           <p:nvPr/>
         </p:nvGrpSpPr>
         <p:grpSpPr>
           <a:xfrm>
-            <a:off x="4965950" y="4660210"/>
+            <a:off x="7642078" y="4660210"/>
             <a:ext cx="1557905" cy="778766"/>
             <a:chOff x="2145449" y="4255546"/>
             <a:chExt cx="1557905" cy="778766"/>
@@ -5402,7 +9195,7 @@
         </p:grpSpPr>
         <p:sp>
           <p:nvSpPr>
-            <p:cNvPr id="12" name="Retângulo 11"/>
+            <p:cNvPr id="23" name="Retângulo 11"/>
             <p:cNvSpPr/>
             <p:nvPr/>
           </p:nvSpPr>
@@ -5455,7 +9248,7 @@
         </p:sp>
         <p:sp>
           <p:nvSpPr>
-            <p:cNvPr id="13" name="Retângulo 12"/>
+            <p:cNvPr id="24" name="Retângulo 12"/>
             <p:cNvSpPr/>
             <p:nvPr/>
           </p:nvSpPr>
@@ -5493,7 +9286,7 @@
             </a:bodyPr>
             <a:lstStyle/>
             <a:p>
-              <a:pPr lvl="0" algn="ctr" defTabSz="914400">
+              <a:pPr algn="ctr">
                 <a:lnSpc>
                   <a:spcPct val="90000"/>
                 </a:lnSpc>
@@ -5503,123 +9296,114 @@
                 <a:spcAft>
                   <a:spcPct val="35000"/>
                 </a:spcAft>
-                <a:buNone/>
               </a:pPr>
               <a:r>
-                <a:rPr lang="pt-BR" sz="2500" b="0" i="0" kern="1200" noProof="0" dirty="0" err="1" smtClean="0">
+                <a:rPr lang="pt-BR" sz="2500" dirty="0" err="1">
                   <a:latin typeface="Corbel"/>
-                  <a:ea typeface="+mn-ea"/>
-                  <a:cs typeface="+mn-cs"/>
                 </a:rPr>
                 <a:t>Model</a:t>
               </a:r>
-              <a:endParaRPr lang="pt-BR" sz="2500" b="0" i="0" kern="1200" noProof="0" dirty="0">
+              <a:endParaRPr lang="pt-BR" sz="2500" dirty="0">
                 <a:latin typeface="Corbel"/>
-                <a:ea typeface="+mn-ea"/>
-                <a:cs typeface="+mn-cs"/>
               </a:endParaRPr>
             </a:p>
           </p:txBody>
         </p:sp>
       </p:grpSp>
+      <p:sp>
+        <p:nvSpPr>
+          <p:cNvPr id="25" name="TextBox 24"/>
+          <p:cNvSpPr txBox="1"/>
+          <p:nvPr/>
+        </p:nvSpPr>
+        <p:spPr>
+          <a:xfrm>
+            <a:off x="7848173" y="6404834"/>
+            <a:ext cx="4152483" cy="338554"/>
+          </a:xfrm>
+          <a:prstGeom prst="rect">
+            <a:avLst/>
+          </a:prstGeom>
+          <a:noFill/>
+        </p:spPr>
+        <p:txBody>
+          <a:bodyPr wrap="none" rtlCol="0">
+            <a:spAutoFit/>
+          </a:bodyPr>
+          <a:lstStyle/>
+          <a:p>
+            <a:r>
+              <a:rPr lang="en-US" sz="1600" dirty="0">
+                <a:latin typeface="Corbel" panose="020B0503020204020204" pitchFamily="34" charset="0"/>
+              </a:rPr>
+              <a:t>Especialização do MVP (Model View Presenter)</a:t>
+            </a:r>
+          </a:p>
+        </p:txBody>
+      </p:sp>
+      <p:pic>
+        <p:nvPicPr>
+          <p:cNvPr id="29" name="Picture 28"/>
+          <p:cNvPicPr>
+            <a:picLocks noChangeAspect="1"/>
+          </p:cNvPicPr>
+          <p:nvPr/>
+        </p:nvPicPr>
+        <p:blipFill>
+          <a:blip r:embed="rId2">
+            <a:extLst>
+              <a:ext uri="{28A0092B-C50C-407E-A947-70E740481C1C}">
+                <a14:useLocalDpi xmlns:a14="http://schemas.microsoft.com/office/drawing/2010/main" val="0"/>
+              </a:ext>
+            </a:extLst>
+          </a:blip>
+          <a:stretch>
+            <a:fillRect/>
+          </a:stretch>
+        </p:blipFill>
+        <p:spPr>
+          <a:xfrm rot="21176933">
+            <a:off x="2073935" y="5752094"/>
+            <a:ext cx="4362352" cy="824324"/>
+          </a:xfrm>
+          <a:prstGeom prst="rect">
+            <a:avLst/>
+          </a:prstGeom>
+        </p:spPr>
+      </p:pic>
+      <p:sp>
+        <p:nvSpPr>
+          <p:cNvPr id="32" name="TextBox 31"/>
+          <p:cNvSpPr txBox="1"/>
+          <p:nvPr/>
+        </p:nvSpPr>
+        <p:spPr>
+          <a:xfrm rot="21273993">
+            <a:off x="1877820" y="5362779"/>
+            <a:ext cx="2838919" cy="369332"/>
+          </a:xfrm>
+          <a:prstGeom prst="rect">
+            <a:avLst/>
+          </a:prstGeom>
+          <a:noFill/>
+        </p:spPr>
+        <p:txBody>
+          <a:bodyPr wrap="none" rtlCol="0">
+            <a:spAutoFit/>
+          </a:bodyPr>
+          <a:lstStyle/>
+          <a:p>
+            <a:r>
+              <a:rPr lang="en-US" dirty="0"/>
+              <a:t>JavaScript Object Notation</a:t>
+            </a:r>
+          </a:p>
+        </p:txBody>
+      </p:sp>
     </p:spTree>
     <p:extLst>
       <p:ext uri="{BB962C8B-B14F-4D97-AF65-F5344CB8AC3E}">
-        <p14:creationId xmlns:p14="http://schemas.microsoft.com/office/powerpoint/2010/main" val="225297059"/>
-      </p:ext>
-    </p:extLst>
-  </p:cSld>
-  <p:clrMapOvr>
-    <a:masterClrMapping/>
-  </p:clrMapOvr>
-  <p:timing>
-    <p:tnLst>
-      <p:par>
-        <p:cTn id="1" dur="indefinite" restart="never" nodeType="tmRoot"/>
-      </p:par>
-    </p:tnLst>
-  </p:timing>
-</p:sld>
-</file>
-
-<file path=ppt/slides/slide3.xml><?xml version="1.0" encoding="utf-8"?>
-<p:sld xmlns:a="http://schemas.openxmlformats.org/drawingml/2006/main" xmlns:r="http://schemas.openxmlformats.org/officeDocument/2006/relationships" xmlns:p="http://schemas.openxmlformats.org/presentationml/2006/main">
-  <p:cSld>
-    <p:spTree>
-      <p:nvGrpSpPr>
-        <p:cNvPr id="1" name=""/>
-        <p:cNvGrpSpPr/>
-        <p:nvPr/>
-      </p:nvGrpSpPr>
-      <p:grpSpPr>
-        <a:xfrm>
-          <a:off x="0" y="0"/>
-          <a:ext cx="0" cy="0"/>
-          <a:chOff x="0" y="0"/>
-          <a:chExt cx="0" cy="0"/>
-        </a:xfrm>
-      </p:grpSpPr>
-      <p:sp>
-        <p:nvSpPr>
-          <p:cNvPr id="2" name="Título 1"/>
-          <p:cNvSpPr>
-            <a:spLocks noGrp="1"/>
-          </p:cNvSpPr>
-          <p:nvPr>
-            <p:ph type="title"/>
-          </p:nvPr>
-        </p:nvSpPr>
-        <p:spPr/>
-        <p:txBody>
-          <a:bodyPr/>
-          <a:lstStyle/>
-          <a:p>
-            <a:endParaRPr lang="pt-BR"/>
-          </a:p>
-        </p:txBody>
-      </p:sp>
-      <p:sp>
-        <p:nvSpPr>
-          <p:cNvPr id="3" name="Espaço Reservado para Conteúdo 2"/>
-          <p:cNvSpPr>
-            <a:spLocks noGrp="1"/>
-          </p:cNvSpPr>
-          <p:nvPr>
-            <p:ph sz="half" idx="1"/>
-          </p:nvPr>
-        </p:nvSpPr>
-        <p:spPr/>
-        <p:txBody>
-          <a:bodyPr/>
-          <a:lstStyle/>
-          <a:p>
-            <a:endParaRPr lang="pt-BR" dirty="0"/>
-          </a:p>
-        </p:txBody>
-      </p:sp>
-      <p:sp>
-        <p:nvSpPr>
-          <p:cNvPr id="4" name="Espaço Reservado para Conteúdo 3"/>
-          <p:cNvSpPr>
-            <a:spLocks noGrp="1"/>
-          </p:cNvSpPr>
-          <p:nvPr>
-            <p:ph sz="half" idx="2"/>
-          </p:nvPr>
-        </p:nvSpPr>
-        <p:spPr/>
-        <p:txBody>
-          <a:bodyPr/>
-          <a:lstStyle/>
-          <a:p>
-            <a:endParaRPr lang="pt-BR"/>
-          </a:p>
-        </p:txBody>
-      </p:sp>
-    </p:spTree>
-    <p:extLst>
-      <p:ext uri="{BB962C8B-B14F-4D97-AF65-F5344CB8AC3E}">
-        <p14:creationId xmlns:p14="http://schemas.microsoft.com/office/powerpoint/2010/main" val="4286208832"/>
+        <p14:creationId xmlns:p14="http://schemas.microsoft.com/office/powerpoint/2010/main" val="1500287992"/>
       </p:ext>
     </p:extLst>
   </p:cSld>
@@ -5655,7 +9439,7 @@
       </p:grpSpPr>
       <p:sp>
         <p:nvSpPr>
-          <p:cNvPr id="3" name="Content Placeholder 2"/>
+          <p:cNvPr id="2" name="Content Placeholder 1"/>
           <p:cNvSpPr>
             <a:spLocks noGrp="1"/>
           </p:cNvSpPr>
@@ -5663,29 +9447,66 @@
             <p:ph idx="1"/>
           </p:nvPr>
         </p:nvSpPr>
-        <p:spPr/>
+        <p:spPr>
+          <a:xfrm>
+            <a:off x="609600" y="1524000"/>
+            <a:ext cx="9662864" cy="4572000"/>
+          </a:xfrm>
+        </p:spPr>
         <p:txBody>
           <a:bodyPr/>
           <a:lstStyle/>
           <a:p>
-            <a:r>
-              <a:rPr lang="pt-BR" dirty="0" smtClean="0"/>
-              <a:t>Declare o objetivo da discussão</a:t>
-            </a:r>
-            <a:endParaRPr lang="en-US" dirty="0" smtClean="0"/>
-          </a:p>
-          <a:p>
-            <a:r>
-              <a:rPr lang="pt-BR" dirty="0" smtClean="0"/>
-              <a:t>Identifique-se</a:t>
-            </a:r>
-            <a:endParaRPr lang="pt-BR" dirty="0"/>
-          </a:p>
-        </p:txBody>
-      </p:sp>
-      <p:sp>
-        <p:nvSpPr>
-          <p:cNvPr id="2" name="Title 1"/>
+            <a:pPr>
+              <a:lnSpc>
+                <a:spcPct val="150000"/>
+              </a:lnSpc>
+            </a:pPr>
+            <a:r>
+              <a:rPr lang="en-US" dirty="0"/>
+              <a:t>O MVVM permite a você ter uma visão da clara separação da Interface com o usuário (View), sua lógica </a:t>
+            </a:r>
+            <a:r>
+              <a:rPr lang="en-US" dirty="0" smtClean="0"/>
+              <a:t>de apresentação </a:t>
+            </a:r>
+            <a:r>
+              <a:rPr lang="en-US" dirty="0"/>
+              <a:t>(ViewModel) e os seus Dados (</a:t>
+            </a:r>
+            <a:r>
+              <a:rPr lang="en-US" dirty="0" smtClean="0"/>
+              <a:t>Model)</a:t>
+            </a:r>
+          </a:p>
+          <a:p>
+            <a:pPr>
+              <a:lnSpc>
+                <a:spcPct val="150000"/>
+              </a:lnSpc>
+            </a:pPr>
+            <a:r>
+              <a:rPr lang="en-US" dirty="0" smtClean="0"/>
+              <a:t>Trabalhando </a:t>
+            </a:r>
+            <a:r>
+              <a:rPr lang="en-US" dirty="0"/>
+              <a:t>dessa forma, temos separação de </a:t>
+            </a:r>
+            <a:r>
+              <a:rPr lang="en-US" dirty="0" smtClean="0"/>
+              <a:t>responsabilidades, desacoplamento </a:t>
+            </a:r>
+            <a:r>
+              <a:rPr lang="en-US" dirty="0"/>
+              <a:t>e conseguimos evoluir e manter melhor as nossas aplicações</a:t>
+            </a:r>
+          </a:p>
+        </p:txBody>
+      </p:sp>
+      <p:sp>
+        <p:nvSpPr>
+          <p:cNvPr id="3" name="Title 2"/>
           <p:cNvSpPr>
             <a:spLocks noGrp="1"/>
           </p:cNvSpPr>
@@ -5695,18 +9516,46 @@
         </p:nvSpPr>
         <p:spPr/>
         <p:txBody>
-          <a:bodyPr/>
+          <a:bodyPr>
+            <a:normAutofit/>
+          </a:bodyPr>
           <a:lstStyle/>
           <a:p>
             <a:r>
-              <a:rPr smtClean="0"/>
-              <a:t>Introdução</a:t>
-            </a:r>
-            <a:endParaRPr lang="en-US" dirty="0"/>
-          </a:p>
-        </p:txBody>
-      </p:sp>
+              <a:rPr lang="en-US" dirty="0"/>
+              <a:t>2.1 Responsabilidades e características</a:t>
+            </a:r>
+          </a:p>
+        </p:txBody>
+      </p:sp>
+      <p:graphicFrame>
+        <p:nvGraphicFramePr>
+          <p:cNvPr id="4" name="Diagram 3"/>
+          <p:cNvGraphicFramePr/>
+          <p:nvPr>
+            <p:extLst>
+              <p:ext uri="{D42A27DB-BD31-4B8C-83A1-F6EECF244321}">
+                <p14:modId xmlns:p14="http://schemas.microsoft.com/office/powerpoint/2010/main" val="4036163478"/>
+              </p:ext>
+            </p:extLst>
+          </p:nvPr>
+        </p:nvGraphicFramePr>
+        <p:xfrm>
+          <a:off x="8184232" y="4004651"/>
+          <a:ext cx="3647728" cy="2592701"/>
+        </p:xfrm>
+        <a:graphic>
+          <a:graphicData uri="http://schemas.openxmlformats.org/drawingml/2006/diagram">
+            <dgm:relIds xmlns:dgm="http://schemas.openxmlformats.org/drawingml/2006/diagram" xmlns:r="http://schemas.openxmlformats.org/officeDocument/2006/relationships" r:dm="rId2" r:lo="rId3" r:qs="rId4" r:cs="rId5"/>
+          </a:graphicData>
+        </a:graphic>
+      </p:graphicFrame>
     </p:spTree>
+    <p:extLst>
+      <p:ext uri="{BB962C8B-B14F-4D97-AF65-F5344CB8AC3E}">
+        <p14:creationId xmlns:p14="http://schemas.microsoft.com/office/powerpoint/2010/main" val="296253169"/>
+      </p:ext>
+    </p:extLst>
   </p:cSld>
   <p:clrMapOvr>
     <a:masterClrMapping/>
@@ -5740,7 +9589,7 @@
       </p:grpSpPr>
       <p:sp>
         <p:nvSpPr>
-          <p:cNvPr id="3" name="Content Placeholder 2"/>
+          <p:cNvPr id="2" name="Content Placeholder 1"/>
           <p:cNvSpPr>
             <a:spLocks noGrp="1"/>
           </p:cNvSpPr>
@@ -5753,17 +9602,40 @@
           <a:bodyPr/>
           <a:lstStyle/>
           <a:p>
-            <a:r>
-              <a:rPr lang="pt-BR" dirty="0" smtClean="0"/>
-              <a:t>Declare o objetivo do Dia da Terra</a:t>
-            </a:r>
-            <a:endParaRPr lang="en-US" dirty="0"/>
-          </a:p>
-        </p:txBody>
-      </p:sp>
-      <p:sp>
-        <p:nvSpPr>
-          <p:cNvPr id="2" name="Title 1"/>
+            <a:pPr>
+              <a:lnSpc>
+                <a:spcPct val="150000"/>
+              </a:lnSpc>
+            </a:pPr>
+            <a:r>
+              <a:rPr lang="en-US" dirty="0" smtClean="0"/>
+              <a:t>A </a:t>
+            </a:r>
+            <a:r>
+              <a:rPr lang="en-US" dirty="0"/>
+              <a:t>responsabilidade da View é definir a aparência ou a estrutura que o usuário vê na tela</a:t>
+            </a:r>
+          </a:p>
+          <a:p>
+            <a:pPr>
+              <a:lnSpc>
+                <a:spcPct val="150000"/>
+              </a:lnSpc>
+            </a:pPr>
+            <a:r>
+              <a:rPr lang="en-US" dirty="0" smtClean="0"/>
+              <a:t>A </a:t>
+            </a:r>
+            <a:r>
+              <a:rPr lang="en-US" dirty="0"/>
+              <a:t>View, através do databinding, interage com a ViewModel notificando a ocorrência de eventos e o disparo de comandos . A ViewModel, por sua vez, responde a essa notificação realizando alguma ação no modelo</a:t>
+            </a:r>
+          </a:p>
+        </p:txBody>
+      </p:sp>
+      <p:sp>
+        <p:nvSpPr>
+          <p:cNvPr id="3" name="Title 2"/>
           <p:cNvSpPr>
             <a:spLocks noGrp="1"/>
           </p:cNvSpPr>
@@ -5777,14 +9649,458 @@
           <a:lstStyle/>
           <a:p>
             <a:r>
-              <a:rPr lang="pt-BR" dirty="0" smtClean="0"/>
-              <a:t>O que é o Dia da Terra?</a:t>
+              <a:rPr lang="en-US" dirty="0" smtClean="0"/>
+              <a:t>2.2 View</a:t>
             </a:r>
             <a:endParaRPr lang="en-US" dirty="0"/>
           </a:p>
         </p:txBody>
       </p:sp>
+      <p:sp>
+        <p:nvSpPr>
+          <p:cNvPr id="4" name="Rounded Rectangle 3"/>
+          <p:cNvSpPr/>
+          <p:nvPr/>
+        </p:nvSpPr>
+        <p:spPr>
+          <a:xfrm>
+            <a:off x="2063552" y="5080808"/>
+            <a:ext cx="1800200" cy="1372528"/>
+          </a:xfrm>
+          <a:prstGeom prst="roundRect">
+            <a:avLst/>
+          </a:prstGeom>
+        </p:spPr>
+        <p:style>
+          <a:lnRef idx="2">
+            <a:schemeClr val="accent6">
+              <a:shade val="50000"/>
+            </a:schemeClr>
+          </a:lnRef>
+          <a:fillRef idx="1">
+            <a:schemeClr val="accent6"/>
+          </a:fillRef>
+          <a:effectRef idx="0">
+            <a:schemeClr val="accent6"/>
+          </a:effectRef>
+          <a:fontRef idx="minor">
+            <a:schemeClr val="lt1"/>
+          </a:fontRef>
+        </p:style>
+        <p:txBody>
+          <a:bodyPr rot="0" spcFirstLastPara="0" vertOverflow="overflow" horzOverflow="overflow" vert="horz" wrap="square" lIns="91440" tIns="45720" rIns="91440" bIns="45720" numCol="1" spcCol="0" rtlCol="0" fromWordArt="0" anchor="ctr" anchorCtr="0" forceAA="0" compatLnSpc="1">
+            <a:prstTxWarp prst="textNoShape">
+              <a:avLst/>
+            </a:prstTxWarp>
+            <a:noAutofit/>
+          </a:bodyPr>
+          <a:lstStyle/>
+          <a:p>
+            <a:pPr algn="ctr"/>
+            <a:r>
+              <a:rPr lang="en-US" b="1" dirty="0">
+                <a:solidFill>
+                  <a:schemeClr val="tx1"/>
+                </a:solidFill>
+              </a:rPr>
+              <a:t>View</a:t>
+            </a:r>
+          </a:p>
+        </p:txBody>
+      </p:sp>
+      <p:sp>
+        <p:nvSpPr>
+          <p:cNvPr id="5" name="Rounded Rectangle 4"/>
+          <p:cNvSpPr/>
+          <p:nvPr/>
+        </p:nvSpPr>
+        <p:spPr>
+          <a:xfrm>
+            <a:off x="5375920" y="5102513"/>
+            <a:ext cx="1800200" cy="1349152"/>
+          </a:xfrm>
+          <a:prstGeom prst="roundRect">
+            <a:avLst/>
+          </a:prstGeom>
+        </p:spPr>
+        <p:style>
+          <a:lnRef idx="1">
+            <a:schemeClr val="accent1"/>
+          </a:lnRef>
+          <a:fillRef idx="2">
+            <a:schemeClr val="accent1"/>
+          </a:fillRef>
+          <a:effectRef idx="1">
+            <a:schemeClr val="accent1"/>
+          </a:effectRef>
+          <a:fontRef idx="minor">
+            <a:schemeClr val="dk1"/>
+          </a:fontRef>
+        </p:style>
+        <p:txBody>
+          <a:bodyPr rot="0" spcFirstLastPara="0" vertOverflow="overflow" horzOverflow="overflow" vert="horz" wrap="square" lIns="91440" tIns="45720" rIns="91440" bIns="45720" numCol="1" spcCol="0" rtlCol="0" fromWordArt="0" anchor="ctr" anchorCtr="0" forceAA="0" compatLnSpc="1">
+            <a:prstTxWarp prst="textNoShape">
+              <a:avLst/>
+            </a:prstTxWarp>
+            <a:noAutofit/>
+          </a:bodyPr>
+          <a:lstStyle/>
+          <a:p>
+            <a:pPr algn="ctr"/>
+            <a:r>
+              <a:rPr lang="en-US" b="1" dirty="0">
+                <a:solidFill>
+                  <a:schemeClr val="accent1">
+                    <a:lumMod val="20000"/>
+                    <a:lumOff val="80000"/>
+                  </a:schemeClr>
+                </a:solidFill>
+              </a:rPr>
+              <a:t>ViewModel</a:t>
+            </a:r>
+          </a:p>
+        </p:txBody>
+      </p:sp>
+      <p:sp>
+        <p:nvSpPr>
+          <p:cNvPr id="6" name="Rounded Rectangle 5"/>
+          <p:cNvSpPr/>
+          <p:nvPr/>
+        </p:nvSpPr>
+        <p:spPr>
+          <a:xfrm>
+            <a:off x="8544272" y="5104184"/>
+            <a:ext cx="1800200" cy="1349152"/>
+          </a:xfrm>
+          <a:prstGeom prst="roundRect">
+            <a:avLst/>
+          </a:prstGeom>
+        </p:spPr>
+        <p:style>
+          <a:lnRef idx="1">
+            <a:schemeClr val="accent1"/>
+          </a:lnRef>
+          <a:fillRef idx="2">
+            <a:schemeClr val="accent1"/>
+          </a:fillRef>
+          <a:effectRef idx="1">
+            <a:schemeClr val="accent1"/>
+          </a:effectRef>
+          <a:fontRef idx="minor">
+            <a:schemeClr val="dk1"/>
+          </a:fontRef>
+        </p:style>
+        <p:txBody>
+          <a:bodyPr rot="0" spcFirstLastPara="0" vertOverflow="overflow" horzOverflow="overflow" vert="horz" wrap="square" lIns="91440" tIns="45720" rIns="91440" bIns="45720" numCol="1" spcCol="0" rtlCol="0" fromWordArt="0" anchor="ctr" anchorCtr="0" forceAA="0" compatLnSpc="1">
+            <a:prstTxWarp prst="textNoShape">
+              <a:avLst/>
+            </a:prstTxWarp>
+            <a:noAutofit/>
+          </a:bodyPr>
+          <a:lstStyle/>
+          <a:p>
+            <a:pPr algn="ctr"/>
+            <a:r>
+              <a:rPr lang="en-US" b="1" dirty="0">
+                <a:solidFill>
+                  <a:schemeClr val="accent1">
+                    <a:lumMod val="20000"/>
+                    <a:lumOff val="80000"/>
+                  </a:schemeClr>
+                </a:solidFill>
+              </a:rPr>
+              <a:t>Model</a:t>
+            </a:r>
+          </a:p>
+        </p:txBody>
+      </p:sp>
+      <p:cxnSp>
+        <p:nvCxnSpPr>
+          <p:cNvPr id="8" name="Straight Arrow Connector 7"/>
+          <p:cNvCxnSpPr/>
+          <p:nvPr/>
+        </p:nvCxnSpPr>
+        <p:spPr>
+          <a:xfrm>
+            <a:off x="3935760" y="6235641"/>
+            <a:ext cx="1368152" cy="0"/>
+          </a:xfrm>
+          <a:prstGeom prst="straightConnector1">
+            <a:avLst/>
+          </a:prstGeom>
+          <a:ln w="38100">
+            <a:solidFill>
+              <a:schemeClr val="tx1"/>
+            </a:solidFill>
+            <a:headEnd type="triangle"/>
+            <a:tailEnd type="triangle"/>
+          </a:ln>
+        </p:spPr>
+        <p:style>
+          <a:lnRef idx="1">
+            <a:schemeClr val="accent1"/>
+          </a:lnRef>
+          <a:fillRef idx="0">
+            <a:schemeClr val="accent1"/>
+          </a:fillRef>
+          <a:effectRef idx="0">
+            <a:schemeClr val="accent1"/>
+          </a:effectRef>
+          <a:fontRef idx="minor">
+            <a:schemeClr val="tx1"/>
+          </a:fontRef>
+        </p:style>
+      </p:cxnSp>
+      <p:cxnSp>
+        <p:nvCxnSpPr>
+          <p:cNvPr id="10" name="Straight Arrow Connector 9"/>
+          <p:cNvCxnSpPr/>
+          <p:nvPr/>
+        </p:nvCxnSpPr>
+        <p:spPr>
+          <a:xfrm>
+            <a:off x="3935760" y="5731585"/>
+            <a:ext cx="1368152" cy="0"/>
+          </a:xfrm>
+          <a:prstGeom prst="straightConnector1">
+            <a:avLst/>
+          </a:prstGeom>
+          <a:ln w="38100">
+            <a:solidFill>
+              <a:schemeClr val="tx1"/>
+            </a:solidFill>
+            <a:headEnd type="triangle"/>
+            <a:tailEnd type="triangle"/>
+          </a:ln>
+        </p:spPr>
+        <p:style>
+          <a:lnRef idx="1">
+            <a:schemeClr val="accent1"/>
+          </a:lnRef>
+          <a:fillRef idx="0">
+            <a:schemeClr val="accent1"/>
+          </a:fillRef>
+          <a:effectRef idx="0">
+            <a:schemeClr val="accent1"/>
+          </a:effectRef>
+          <a:fontRef idx="minor">
+            <a:schemeClr val="tx1"/>
+          </a:fontRef>
+        </p:style>
+      </p:cxnSp>
+      <p:sp>
+        <p:nvSpPr>
+          <p:cNvPr id="19" name="TextBox 18"/>
+          <p:cNvSpPr txBox="1"/>
+          <p:nvPr/>
+        </p:nvSpPr>
+        <p:spPr>
+          <a:xfrm>
+            <a:off x="3899785" y="4779378"/>
+            <a:ext cx="1416734" cy="369332"/>
+          </a:xfrm>
+          <a:prstGeom prst="rect">
+            <a:avLst/>
+          </a:prstGeom>
+          <a:noFill/>
+        </p:spPr>
+        <p:txBody>
+          <a:bodyPr wrap="none" rtlCol="0">
+            <a:spAutoFit/>
+          </a:bodyPr>
+          <a:lstStyle/>
+          <a:p>
+            <a:r>
+              <a:rPr lang="en-US" dirty="0">
+                <a:solidFill>
+                  <a:schemeClr val="accent1">
+                    <a:lumMod val="50000"/>
+                  </a:schemeClr>
+                </a:solidFill>
+              </a:rPr>
+              <a:t>Notificações</a:t>
+            </a:r>
+          </a:p>
+        </p:txBody>
+      </p:sp>
+      <p:sp>
+        <p:nvSpPr>
+          <p:cNvPr id="20" name="TextBox 19"/>
+          <p:cNvSpPr txBox="1"/>
+          <p:nvPr/>
+        </p:nvSpPr>
+        <p:spPr>
+          <a:xfrm>
+            <a:off x="3993511" y="5864683"/>
+            <a:ext cx="1252651" cy="369332"/>
+          </a:xfrm>
+          <a:prstGeom prst="rect">
+            <a:avLst/>
+          </a:prstGeom>
+          <a:noFill/>
+        </p:spPr>
+        <p:txBody>
+          <a:bodyPr wrap="none" rtlCol="0">
+            <a:spAutoFit/>
+          </a:bodyPr>
+          <a:lstStyle/>
+          <a:p>
+            <a:r>
+              <a:rPr lang="en-US" dirty="0"/>
+              <a:t>Comandos</a:t>
+            </a:r>
+          </a:p>
+        </p:txBody>
+      </p:sp>
+      <p:sp>
+        <p:nvSpPr>
+          <p:cNvPr id="21" name="TextBox 20"/>
+          <p:cNvSpPr txBox="1"/>
+          <p:nvPr/>
+        </p:nvSpPr>
+        <p:spPr>
+          <a:xfrm>
+            <a:off x="3883429" y="5348747"/>
+            <a:ext cx="1497076" cy="369332"/>
+          </a:xfrm>
+          <a:prstGeom prst="rect">
+            <a:avLst/>
+          </a:prstGeom>
+          <a:noFill/>
+        </p:spPr>
+        <p:txBody>
+          <a:bodyPr wrap="none" rtlCol="0">
+            <a:spAutoFit/>
+          </a:bodyPr>
+          <a:lstStyle/>
+          <a:p>
+            <a:r>
+              <a:rPr lang="en-US" dirty="0"/>
+              <a:t>Data Binding</a:t>
+            </a:r>
+          </a:p>
+        </p:txBody>
+      </p:sp>
+      <p:cxnSp>
+        <p:nvCxnSpPr>
+          <p:cNvPr id="27" name="Elbow Connector 26"/>
+          <p:cNvCxnSpPr/>
+          <p:nvPr/>
+        </p:nvCxnSpPr>
+        <p:spPr>
+          <a:xfrm rot="10800000">
+            <a:off x="3941180" y="5174521"/>
+            <a:ext cx="1362732" cy="125016"/>
+          </a:xfrm>
+          <a:prstGeom prst="bentConnector3">
+            <a:avLst/>
+          </a:prstGeom>
+          <a:ln w="38100">
+            <a:solidFill>
+              <a:schemeClr val="accent1">
+                <a:lumMod val="50000"/>
+              </a:schemeClr>
+            </a:solidFill>
+            <a:tailEnd type="triangle"/>
+          </a:ln>
+        </p:spPr>
+        <p:style>
+          <a:lnRef idx="1">
+            <a:schemeClr val="accent1"/>
+          </a:lnRef>
+          <a:fillRef idx="0">
+            <a:schemeClr val="accent1"/>
+          </a:fillRef>
+          <a:effectRef idx="0">
+            <a:schemeClr val="accent1"/>
+          </a:effectRef>
+          <a:fontRef idx="minor">
+            <a:schemeClr val="tx1"/>
+          </a:fontRef>
+        </p:style>
+      </p:cxnSp>
+      <p:cxnSp>
+        <p:nvCxnSpPr>
+          <p:cNvPr id="29" name="Straight Arrow Connector 28"/>
+          <p:cNvCxnSpPr/>
+          <p:nvPr/>
+        </p:nvCxnSpPr>
+        <p:spPr>
+          <a:xfrm>
+            <a:off x="7248128" y="5533413"/>
+            <a:ext cx="1152128" cy="0"/>
+          </a:xfrm>
+          <a:prstGeom prst="straightConnector1">
+            <a:avLst/>
+          </a:prstGeom>
+          <a:ln w="38100">
+            <a:solidFill>
+              <a:schemeClr val="accent1">
+                <a:lumMod val="50000"/>
+              </a:schemeClr>
+            </a:solidFill>
+            <a:tailEnd type="triangle"/>
+          </a:ln>
+        </p:spPr>
+        <p:style>
+          <a:lnRef idx="1">
+            <a:schemeClr val="accent1"/>
+          </a:lnRef>
+          <a:fillRef idx="0">
+            <a:schemeClr val="accent1"/>
+          </a:fillRef>
+          <a:effectRef idx="0">
+            <a:schemeClr val="accent1"/>
+          </a:effectRef>
+          <a:fontRef idx="minor">
+            <a:schemeClr val="tx1"/>
+          </a:fontRef>
+        </p:style>
+      </p:cxnSp>
+      <p:cxnSp>
+        <p:nvCxnSpPr>
+          <p:cNvPr id="31" name="Straight Arrow Connector 30"/>
+          <p:cNvCxnSpPr/>
+          <p:nvPr/>
+        </p:nvCxnSpPr>
+        <p:spPr>
+          <a:xfrm flipH="1">
+            <a:off x="7248128" y="6049349"/>
+            <a:ext cx="1224136" cy="0"/>
+          </a:xfrm>
+          <a:prstGeom prst="straightConnector1">
+            <a:avLst/>
+          </a:prstGeom>
+          <a:ln w="38100">
+            <a:solidFill>
+              <a:schemeClr val="accent1">
+                <a:lumMod val="50000"/>
+              </a:schemeClr>
+            </a:solidFill>
+            <a:tailEnd type="triangle"/>
+          </a:ln>
+        </p:spPr>
+        <p:style>
+          <a:lnRef idx="1">
+            <a:schemeClr val="accent1"/>
+          </a:lnRef>
+          <a:fillRef idx="0">
+            <a:schemeClr val="accent1"/>
+          </a:fillRef>
+          <a:effectRef idx="0">
+            <a:schemeClr val="accent1"/>
+          </a:effectRef>
+          <a:fontRef idx="minor">
+            <a:schemeClr val="tx1"/>
+          </a:fontRef>
+        </p:style>
+      </p:cxnSp>
     </p:spTree>
+    <p:extLst>
+      <p:ext uri="{BB962C8B-B14F-4D97-AF65-F5344CB8AC3E}">
+        <p14:creationId xmlns:p14="http://schemas.microsoft.com/office/powerpoint/2010/main" val="1162496606"/>
+      </p:ext>
+    </p:extLst>
   </p:cSld>
   <p:clrMapOvr>
     <a:masterClrMapping/>
@@ -5818,7 +10134,7 @@
       </p:grpSpPr>
       <p:sp>
         <p:nvSpPr>
-          <p:cNvPr id="3" name="Content Placeholder 2"/>
+          <p:cNvPr id="2" name="Content Placeholder 1"/>
           <p:cNvSpPr>
             <a:spLocks noGrp="1"/>
           </p:cNvSpPr>
@@ -5831,21 +10147,76 @@
           <a:bodyPr/>
           <a:lstStyle/>
           <a:p>
-            <a:r>
-              <a:rPr lang="pt-BR" dirty="0" smtClean="0"/>
-              <a:t>Quando e por que o Dia da Terra começou?</a:t>
-            </a:r>
+            <a:pPr>
+              <a:lnSpc>
+                <a:spcPct val="150000"/>
+              </a:lnSpc>
+            </a:pPr>
             <a:r>
               <a:rPr lang="en-US" dirty="0" smtClean="0"/>
-              <a:t> </a:t>
-            </a:r>
-            <a:endParaRPr lang="en-US" dirty="0"/>
-          </a:p>
-        </p:txBody>
-      </p:sp>
-      <p:sp>
-        <p:nvSpPr>
-          <p:cNvPr id="2" name="Title 1"/>
+              <a:t>Expõe </a:t>
+            </a:r>
+            <a:r>
+              <a:rPr lang="en-US" dirty="0"/>
+              <a:t>para a View uma lógica de </a:t>
+            </a:r>
+            <a:r>
+              <a:rPr lang="en-US" dirty="0" smtClean="0"/>
+              <a:t>apresentação, sem ter dependência ou saber como a View é implementada</a:t>
+            </a:r>
+          </a:p>
+          <a:p>
+            <a:pPr>
+              <a:lnSpc>
+                <a:spcPct val="150000"/>
+              </a:lnSpc>
+            </a:pPr>
+            <a:r>
+              <a:rPr lang="en-US" dirty="0" smtClean="0"/>
+              <a:t>Ela implementa </a:t>
+            </a:r>
+            <a:r>
+              <a:rPr lang="en-US" dirty="0"/>
+              <a:t>propriedades e comandos para que a View possa preencher seus controles, e a notifica caso haja </a:t>
+            </a:r>
+            <a:r>
+              <a:rPr lang="en-US" dirty="0" smtClean="0"/>
+              <a:t>alteração </a:t>
+            </a:r>
+            <a:r>
+              <a:rPr lang="en-US" dirty="0"/>
+              <a:t>de estado, através de </a:t>
+            </a:r>
+            <a:r>
+              <a:rPr lang="en-US" dirty="0" smtClean="0"/>
+              <a:t>eventos</a:t>
+            </a:r>
+            <a:r>
+              <a:rPr lang="en-US" dirty="0"/>
+              <a:t>. </a:t>
+            </a:r>
+            <a:r>
+              <a:rPr lang="en-US" dirty="0" smtClean="0"/>
+              <a:t>Ela coordenar </a:t>
+            </a:r>
+            <a:r>
+              <a:rPr lang="en-US" dirty="0"/>
+              <a:t>as </a:t>
+            </a:r>
+            <a:r>
+              <a:rPr lang="en-US" dirty="0" smtClean="0"/>
+              <a:t>iterações </a:t>
+            </a:r>
+            <a:r>
+              <a:rPr lang="en-US" dirty="0"/>
+              <a:t>da View com o Model</a:t>
+            </a:r>
+          </a:p>
+        </p:txBody>
+      </p:sp>
+      <p:sp>
+        <p:nvSpPr>
+          <p:cNvPr id="3" name="Title 2"/>
           <p:cNvSpPr>
             <a:spLocks noGrp="1"/>
           </p:cNvSpPr>
@@ -5859,14 +10230,453 @@
           <a:lstStyle/>
           <a:p>
             <a:r>
-              <a:rPr lang="pt-BR" dirty="0" smtClean="0"/>
-              <a:t>História do Dia da Terra</a:t>
-            </a:r>
-            <a:endParaRPr lang="en-US" dirty="0"/>
-          </a:p>
-        </p:txBody>
-      </p:sp>
+              <a:rPr lang="en-US" dirty="0" smtClean="0"/>
+              <a:t>2.3 ViewModel </a:t>
+            </a:r>
+            <a:r>
+              <a:rPr lang="en-US" sz="2400" dirty="0" smtClean="0"/>
+              <a:t>(classe não visual)</a:t>
+            </a:r>
+            <a:endParaRPr lang="en-US" sz="2400" dirty="0"/>
+          </a:p>
+        </p:txBody>
+      </p:sp>
+      <p:sp>
+        <p:nvSpPr>
+          <p:cNvPr id="4" name="Rounded Rectangle 3"/>
+          <p:cNvSpPr/>
+          <p:nvPr/>
+        </p:nvSpPr>
+        <p:spPr>
+          <a:xfrm>
+            <a:off x="2063552" y="5080808"/>
+            <a:ext cx="1800200" cy="1372528"/>
+          </a:xfrm>
+          <a:prstGeom prst="roundRect">
+            <a:avLst/>
+          </a:prstGeom>
+        </p:spPr>
+        <p:style>
+          <a:lnRef idx="2">
+            <a:schemeClr val="accent6">
+              <a:shade val="50000"/>
+            </a:schemeClr>
+          </a:lnRef>
+          <a:fillRef idx="1">
+            <a:schemeClr val="accent6"/>
+          </a:fillRef>
+          <a:effectRef idx="0">
+            <a:schemeClr val="accent6"/>
+          </a:effectRef>
+          <a:fontRef idx="minor">
+            <a:schemeClr val="lt1"/>
+          </a:fontRef>
+        </p:style>
+        <p:txBody>
+          <a:bodyPr rot="0" spcFirstLastPara="0" vertOverflow="overflow" horzOverflow="overflow" vert="horz" wrap="square" lIns="91440" tIns="45720" rIns="91440" bIns="45720" numCol="1" spcCol="0" rtlCol="0" fromWordArt="0" anchor="ctr" anchorCtr="0" forceAA="0" compatLnSpc="1">
+            <a:prstTxWarp prst="textNoShape">
+              <a:avLst/>
+            </a:prstTxWarp>
+            <a:noAutofit/>
+          </a:bodyPr>
+          <a:lstStyle/>
+          <a:p>
+            <a:pPr algn="ctr"/>
+            <a:r>
+              <a:rPr lang="en-US" b="1" dirty="0">
+                <a:solidFill>
+                  <a:schemeClr val="tx1"/>
+                </a:solidFill>
+              </a:rPr>
+              <a:t>View</a:t>
+            </a:r>
+          </a:p>
+        </p:txBody>
+      </p:sp>
+      <p:sp>
+        <p:nvSpPr>
+          <p:cNvPr id="5" name="Rounded Rectangle 4"/>
+          <p:cNvSpPr/>
+          <p:nvPr/>
+        </p:nvSpPr>
+        <p:spPr>
+          <a:xfrm>
+            <a:off x="5375920" y="5102513"/>
+            <a:ext cx="1800200" cy="1349152"/>
+          </a:xfrm>
+          <a:prstGeom prst="roundRect">
+            <a:avLst/>
+          </a:prstGeom>
+        </p:spPr>
+        <p:style>
+          <a:lnRef idx="2">
+            <a:schemeClr val="accent2">
+              <a:shade val="50000"/>
+            </a:schemeClr>
+          </a:lnRef>
+          <a:fillRef idx="1">
+            <a:schemeClr val="accent2"/>
+          </a:fillRef>
+          <a:effectRef idx="0">
+            <a:schemeClr val="accent2"/>
+          </a:effectRef>
+          <a:fontRef idx="minor">
+            <a:schemeClr val="lt1"/>
+          </a:fontRef>
+        </p:style>
+        <p:txBody>
+          <a:bodyPr rot="0" spcFirstLastPara="0" vertOverflow="overflow" horzOverflow="overflow" vert="horz" wrap="square" lIns="91440" tIns="45720" rIns="91440" bIns="45720" numCol="1" spcCol="0" rtlCol="0" fromWordArt="0" anchor="ctr" anchorCtr="0" forceAA="0" compatLnSpc="1">
+            <a:prstTxWarp prst="textNoShape">
+              <a:avLst/>
+            </a:prstTxWarp>
+            <a:noAutofit/>
+          </a:bodyPr>
+          <a:lstStyle/>
+          <a:p>
+            <a:pPr algn="ctr"/>
+            <a:r>
+              <a:rPr lang="en-US" b="1" dirty="0">
+                <a:solidFill>
+                  <a:schemeClr val="tx1"/>
+                </a:solidFill>
+              </a:rPr>
+              <a:t>ViewModel</a:t>
+            </a:r>
+          </a:p>
+        </p:txBody>
+      </p:sp>
+      <p:cxnSp>
+        <p:nvCxnSpPr>
+          <p:cNvPr id="7" name="Straight Arrow Connector 6"/>
+          <p:cNvCxnSpPr/>
+          <p:nvPr/>
+        </p:nvCxnSpPr>
+        <p:spPr>
+          <a:xfrm>
+            <a:off x="3935760" y="6235641"/>
+            <a:ext cx="1368152" cy="0"/>
+          </a:xfrm>
+          <a:prstGeom prst="straightConnector1">
+            <a:avLst/>
+          </a:prstGeom>
+          <a:ln w="38100">
+            <a:solidFill>
+              <a:schemeClr val="tx1"/>
+            </a:solidFill>
+            <a:headEnd type="triangle"/>
+            <a:tailEnd type="triangle"/>
+          </a:ln>
+        </p:spPr>
+        <p:style>
+          <a:lnRef idx="1">
+            <a:schemeClr val="accent1"/>
+          </a:lnRef>
+          <a:fillRef idx="0">
+            <a:schemeClr val="accent1"/>
+          </a:fillRef>
+          <a:effectRef idx="0">
+            <a:schemeClr val="accent1"/>
+          </a:effectRef>
+          <a:fontRef idx="minor">
+            <a:schemeClr val="tx1"/>
+          </a:fontRef>
+        </p:style>
+      </p:cxnSp>
+      <p:cxnSp>
+        <p:nvCxnSpPr>
+          <p:cNvPr id="8" name="Straight Arrow Connector 7"/>
+          <p:cNvCxnSpPr/>
+          <p:nvPr/>
+        </p:nvCxnSpPr>
+        <p:spPr>
+          <a:xfrm>
+            <a:off x="3935760" y="5731585"/>
+            <a:ext cx="1368152" cy="0"/>
+          </a:xfrm>
+          <a:prstGeom prst="straightConnector1">
+            <a:avLst/>
+          </a:prstGeom>
+          <a:ln w="38100">
+            <a:solidFill>
+              <a:schemeClr val="tx1"/>
+            </a:solidFill>
+            <a:headEnd type="triangle"/>
+            <a:tailEnd type="triangle"/>
+          </a:ln>
+        </p:spPr>
+        <p:style>
+          <a:lnRef idx="1">
+            <a:schemeClr val="accent1"/>
+          </a:lnRef>
+          <a:fillRef idx="0">
+            <a:schemeClr val="accent1"/>
+          </a:fillRef>
+          <a:effectRef idx="0">
+            <a:schemeClr val="accent1"/>
+          </a:effectRef>
+          <a:fontRef idx="minor">
+            <a:schemeClr val="tx1"/>
+          </a:fontRef>
+        </p:style>
+      </p:cxnSp>
+      <p:sp>
+        <p:nvSpPr>
+          <p:cNvPr id="9" name="TextBox 8"/>
+          <p:cNvSpPr txBox="1"/>
+          <p:nvPr/>
+        </p:nvSpPr>
+        <p:spPr>
+          <a:xfrm>
+            <a:off x="3899785" y="4779378"/>
+            <a:ext cx="1416734" cy="369332"/>
+          </a:xfrm>
+          <a:prstGeom prst="rect">
+            <a:avLst/>
+          </a:prstGeom>
+          <a:noFill/>
+        </p:spPr>
+        <p:txBody>
+          <a:bodyPr wrap="none" rtlCol="0">
+            <a:spAutoFit/>
+          </a:bodyPr>
+          <a:lstStyle/>
+          <a:p>
+            <a:r>
+              <a:rPr lang="en-US" dirty="0"/>
+              <a:t>Notificações</a:t>
+            </a:r>
+          </a:p>
+        </p:txBody>
+      </p:sp>
+      <p:sp>
+        <p:nvSpPr>
+          <p:cNvPr id="10" name="TextBox 9"/>
+          <p:cNvSpPr txBox="1"/>
+          <p:nvPr/>
+        </p:nvSpPr>
+        <p:spPr>
+          <a:xfrm>
+            <a:off x="3993511" y="5864683"/>
+            <a:ext cx="1252651" cy="369332"/>
+          </a:xfrm>
+          <a:prstGeom prst="rect">
+            <a:avLst/>
+          </a:prstGeom>
+          <a:noFill/>
+        </p:spPr>
+        <p:txBody>
+          <a:bodyPr wrap="none" rtlCol="0">
+            <a:spAutoFit/>
+          </a:bodyPr>
+          <a:lstStyle/>
+          <a:p>
+            <a:r>
+              <a:rPr lang="en-US" dirty="0"/>
+              <a:t>Comandos</a:t>
+            </a:r>
+          </a:p>
+        </p:txBody>
+      </p:sp>
+      <p:sp>
+        <p:nvSpPr>
+          <p:cNvPr id="11" name="TextBox 10"/>
+          <p:cNvSpPr txBox="1"/>
+          <p:nvPr/>
+        </p:nvSpPr>
+        <p:spPr>
+          <a:xfrm>
+            <a:off x="3883429" y="5348747"/>
+            <a:ext cx="1497076" cy="369332"/>
+          </a:xfrm>
+          <a:prstGeom prst="rect">
+            <a:avLst/>
+          </a:prstGeom>
+          <a:noFill/>
+        </p:spPr>
+        <p:txBody>
+          <a:bodyPr wrap="none" rtlCol="0">
+            <a:spAutoFit/>
+          </a:bodyPr>
+          <a:lstStyle/>
+          <a:p>
+            <a:r>
+              <a:rPr lang="en-US" dirty="0"/>
+              <a:t>Data Binding</a:t>
+            </a:r>
+          </a:p>
+        </p:txBody>
+      </p:sp>
+      <p:cxnSp>
+        <p:nvCxnSpPr>
+          <p:cNvPr id="12" name="Elbow Connector 11"/>
+          <p:cNvCxnSpPr/>
+          <p:nvPr/>
+        </p:nvCxnSpPr>
+        <p:spPr>
+          <a:xfrm rot="10800000">
+            <a:off x="3941180" y="5174521"/>
+            <a:ext cx="1362732" cy="125016"/>
+          </a:xfrm>
+          <a:prstGeom prst="bentConnector3">
+            <a:avLst/>
+          </a:prstGeom>
+          <a:ln w="38100">
+            <a:solidFill>
+              <a:schemeClr val="tx1"/>
+            </a:solidFill>
+            <a:tailEnd type="triangle"/>
+          </a:ln>
+        </p:spPr>
+        <p:style>
+          <a:lnRef idx="1">
+            <a:schemeClr val="accent1"/>
+          </a:lnRef>
+          <a:fillRef idx="0">
+            <a:schemeClr val="accent1"/>
+          </a:fillRef>
+          <a:effectRef idx="0">
+            <a:schemeClr val="accent1"/>
+          </a:effectRef>
+          <a:fontRef idx="minor">
+            <a:schemeClr val="tx1"/>
+          </a:fontRef>
+        </p:style>
+      </p:cxnSp>
+      <p:sp>
+        <p:nvSpPr>
+          <p:cNvPr id="15" name="Rounded Rectangle 14"/>
+          <p:cNvSpPr/>
+          <p:nvPr/>
+        </p:nvSpPr>
+        <p:spPr>
+          <a:xfrm>
+            <a:off x="8544272" y="5104184"/>
+            <a:ext cx="1800200" cy="1349152"/>
+          </a:xfrm>
+          <a:prstGeom prst="roundRect">
+            <a:avLst/>
+          </a:prstGeom>
+        </p:spPr>
+        <p:style>
+          <a:lnRef idx="1">
+            <a:schemeClr val="accent1"/>
+          </a:lnRef>
+          <a:fillRef idx="2">
+            <a:schemeClr val="accent1"/>
+          </a:fillRef>
+          <a:effectRef idx="1">
+            <a:schemeClr val="accent1"/>
+          </a:effectRef>
+          <a:fontRef idx="minor">
+            <a:schemeClr val="dk1"/>
+          </a:fontRef>
+        </p:style>
+        <p:txBody>
+          <a:bodyPr rot="0" spcFirstLastPara="0" vertOverflow="overflow" horzOverflow="overflow" vert="horz" wrap="square" lIns="91440" tIns="45720" rIns="91440" bIns="45720" numCol="1" spcCol="0" rtlCol="0" fromWordArt="0" anchor="ctr" anchorCtr="0" forceAA="0" compatLnSpc="1">
+            <a:prstTxWarp prst="textNoShape">
+              <a:avLst/>
+            </a:prstTxWarp>
+            <a:noAutofit/>
+          </a:bodyPr>
+          <a:lstStyle/>
+          <a:p>
+            <a:pPr algn="ctr"/>
+            <a:r>
+              <a:rPr lang="en-US" b="1" dirty="0">
+                <a:solidFill>
+                  <a:schemeClr val="accent1">
+                    <a:lumMod val="20000"/>
+                    <a:lumOff val="80000"/>
+                  </a:schemeClr>
+                </a:solidFill>
+              </a:rPr>
+              <a:t>Model</a:t>
+            </a:r>
+          </a:p>
+        </p:txBody>
+      </p:sp>
+      <p:cxnSp>
+        <p:nvCxnSpPr>
+          <p:cNvPr id="16" name="Straight Arrow Connector 15"/>
+          <p:cNvCxnSpPr/>
+          <p:nvPr/>
+        </p:nvCxnSpPr>
+        <p:spPr>
+          <a:xfrm>
+            <a:off x="7248128" y="5533413"/>
+            <a:ext cx="1152128" cy="0"/>
+          </a:xfrm>
+          <a:prstGeom prst="straightConnector1">
+            <a:avLst/>
+          </a:prstGeom>
+          <a:ln w="38100">
+            <a:solidFill>
+              <a:schemeClr val="accent1">
+                <a:lumMod val="50000"/>
+              </a:schemeClr>
+            </a:solidFill>
+            <a:tailEnd type="triangle"/>
+          </a:ln>
+        </p:spPr>
+        <p:style>
+          <a:lnRef idx="1">
+            <a:schemeClr val="accent1"/>
+          </a:lnRef>
+          <a:fillRef idx="0">
+            <a:schemeClr val="accent1"/>
+          </a:fillRef>
+          <a:effectRef idx="0">
+            <a:schemeClr val="accent1"/>
+          </a:effectRef>
+          <a:fontRef idx="minor">
+            <a:schemeClr val="tx1"/>
+          </a:fontRef>
+        </p:style>
+      </p:cxnSp>
+      <p:cxnSp>
+        <p:nvCxnSpPr>
+          <p:cNvPr id="17" name="Straight Arrow Connector 16"/>
+          <p:cNvCxnSpPr/>
+          <p:nvPr/>
+        </p:nvCxnSpPr>
+        <p:spPr>
+          <a:xfrm flipH="1">
+            <a:off x="7248128" y="6049349"/>
+            <a:ext cx="1224136" cy="0"/>
+          </a:xfrm>
+          <a:prstGeom prst="straightConnector1">
+            <a:avLst/>
+          </a:prstGeom>
+          <a:ln w="38100">
+            <a:solidFill>
+              <a:schemeClr val="accent1">
+                <a:lumMod val="50000"/>
+              </a:schemeClr>
+            </a:solidFill>
+            <a:tailEnd type="triangle"/>
+          </a:ln>
+        </p:spPr>
+        <p:style>
+          <a:lnRef idx="1">
+            <a:schemeClr val="accent1"/>
+          </a:lnRef>
+          <a:fillRef idx="0">
+            <a:schemeClr val="accent1"/>
+          </a:fillRef>
+          <a:effectRef idx="0">
+            <a:schemeClr val="accent1"/>
+          </a:effectRef>
+          <a:fontRef idx="minor">
+            <a:schemeClr val="tx1"/>
+          </a:fontRef>
+        </p:style>
+      </p:cxnSp>
     </p:spTree>
+    <p:extLst>
+      <p:ext uri="{BB962C8B-B14F-4D97-AF65-F5344CB8AC3E}">
+        <p14:creationId xmlns:p14="http://schemas.microsoft.com/office/powerpoint/2010/main" val="3799565273"/>
+      </p:ext>
+    </p:extLst>
   </p:cSld>
   <p:clrMapOvr>
     <a:masterClrMapping/>
@@ -5900,7 +10710,7 @@
       </p:grpSpPr>
       <p:sp>
         <p:nvSpPr>
-          <p:cNvPr id="3" name="Content Placeholder 2"/>
+          <p:cNvPr id="2" name="Content Placeholder 1"/>
           <p:cNvSpPr>
             <a:spLocks noGrp="1"/>
           </p:cNvSpPr>
@@ -5913,16 +10723,83 @@
           <a:bodyPr/>
           <a:lstStyle/>
           <a:p>
-            <a:r>
-              <a:rPr lang="pt-BR" dirty="0" smtClean="0"/>
-              <a:t>Liste as atividades aqui</a:t>
-            </a:r>
-          </a:p>
-        </p:txBody>
-      </p:sp>
-      <p:sp>
-        <p:nvSpPr>
-          <p:cNvPr id="2" name="Title 1"/>
+            <a:pPr>
+              <a:lnSpc>
+                <a:spcPct val="150000"/>
+              </a:lnSpc>
+            </a:pPr>
+            <a:r>
+              <a:rPr lang="en-US" dirty="0" smtClean="0"/>
+              <a:t>No </a:t>
+            </a:r>
+            <a:r>
+              <a:rPr lang="en-US" dirty="0"/>
+              <a:t>MVVM, o Model encapsula a lógica de negócios e os dados. </a:t>
+            </a:r>
+            <a:r>
+              <a:rPr lang="en-US" dirty="0" smtClean="0"/>
+              <a:t>Nada </a:t>
+            </a:r>
+            <a:r>
+              <a:rPr lang="en-US" dirty="0"/>
+              <a:t>mais é do que o modelo de domínio </a:t>
+            </a:r>
+            <a:r>
+              <a:rPr lang="en-US" dirty="0" smtClean="0"/>
+              <a:t>de </a:t>
+            </a:r>
+            <a:r>
+              <a:rPr lang="en-US" dirty="0"/>
+              <a:t>uma </a:t>
+            </a:r>
+            <a:r>
+              <a:rPr lang="en-US" dirty="0" smtClean="0"/>
+              <a:t>aplicação</a:t>
+            </a:r>
+          </a:p>
+          <a:p>
+            <a:pPr>
+              <a:lnSpc>
+                <a:spcPct val="150000"/>
+              </a:lnSpc>
+            </a:pPr>
+            <a:r>
+              <a:rPr lang="en-US" dirty="0"/>
+              <a:t>Ele também </a:t>
+            </a:r>
+            <a:r>
+              <a:rPr lang="en-US" dirty="0" smtClean="0"/>
+              <a:t>contém </a:t>
+            </a:r>
+            <a:r>
+              <a:rPr lang="en-US" dirty="0"/>
+              <a:t>os papéis e a validação dos dados de acordo com o negócio, cuja aplicação em questão visa a </a:t>
+            </a:r>
+            <a:r>
+              <a:rPr lang="en-US" dirty="0" smtClean="0"/>
+              <a:t>atender</a:t>
+            </a:r>
+          </a:p>
+          <a:p>
+            <a:pPr>
+              <a:lnSpc>
+                <a:spcPct val="150000"/>
+              </a:lnSpc>
+            </a:pPr>
+            <a:r>
+              <a:rPr lang="en-US" dirty="0" smtClean="0"/>
+              <a:t>Não </a:t>
+            </a:r>
+            <a:r>
+              <a:rPr lang="en-US" dirty="0"/>
+              <a:t>referencia diretamente a View ou ViewModel</a:t>
+            </a:r>
+          </a:p>
+        </p:txBody>
+      </p:sp>
+      <p:sp>
+        <p:nvSpPr>
+          <p:cNvPr id="3" name="Title 2"/>
           <p:cNvSpPr>
             <a:spLocks noGrp="1"/>
           </p:cNvSpPr>
@@ -5936,18 +10813,459 @@
           <a:lstStyle/>
           <a:p>
             <a:r>
-              <a:rPr lang="pt-BR" dirty="0" smtClean="0"/>
-              <a:t>Atividades do Dia da Terra</a:t>
-            </a:r>
-            <a:endParaRPr lang="en-US" dirty="0"/>
-          </a:p>
-        </p:txBody>
-      </p:sp>
+              <a:rPr lang="en-US" dirty="0" smtClean="0"/>
+              <a:t>2.4 Model </a:t>
+            </a:r>
+            <a:r>
+              <a:rPr lang="en-US" sz="2400" dirty="0" smtClean="0"/>
+              <a:t>(classes de negócio)</a:t>
+            </a:r>
+            <a:endParaRPr lang="en-US" sz="2400" dirty="0"/>
+          </a:p>
+        </p:txBody>
+      </p:sp>
+      <p:sp>
+        <p:nvSpPr>
+          <p:cNvPr id="4" name="Rounded Rectangle 3"/>
+          <p:cNvSpPr/>
+          <p:nvPr/>
+        </p:nvSpPr>
+        <p:spPr>
+          <a:xfrm>
+            <a:off x="2063552" y="5080808"/>
+            <a:ext cx="1800200" cy="1372528"/>
+          </a:xfrm>
+          <a:prstGeom prst="roundRect">
+            <a:avLst/>
+          </a:prstGeom>
+        </p:spPr>
+        <p:style>
+          <a:lnRef idx="2">
+            <a:schemeClr val="accent6">
+              <a:shade val="50000"/>
+            </a:schemeClr>
+          </a:lnRef>
+          <a:fillRef idx="1">
+            <a:schemeClr val="accent6"/>
+          </a:fillRef>
+          <a:effectRef idx="0">
+            <a:schemeClr val="accent6"/>
+          </a:effectRef>
+          <a:fontRef idx="minor">
+            <a:schemeClr val="lt1"/>
+          </a:fontRef>
+        </p:style>
+        <p:txBody>
+          <a:bodyPr rot="0" spcFirstLastPara="0" vertOverflow="overflow" horzOverflow="overflow" vert="horz" wrap="square" lIns="91440" tIns="45720" rIns="91440" bIns="45720" numCol="1" spcCol="0" rtlCol="0" fromWordArt="0" anchor="ctr" anchorCtr="0" forceAA="0" compatLnSpc="1">
+            <a:prstTxWarp prst="textNoShape">
+              <a:avLst/>
+            </a:prstTxWarp>
+            <a:noAutofit/>
+          </a:bodyPr>
+          <a:lstStyle/>
+          <a:p>
+            <a:pPr algn="ctr"/>
+            <a:r>
+              <a:rPr lang="en-US" b="1" dirty="0">
+                <a:solidFill>
+                  <a:schemeClr val="tx1"/>
+                </a:solidFill>
+              </a:rPr>
+              <a:t>View</a:t>
+            </a:r>
+          </a:p>
+        </p:txBody>
+      </p:sp>
+      <p:sp>
+        <p:nvSpPr>
+          <p:cNvPr id="5" name="Rounded Rectangle 4"/>
+          <p:cNvSpPr/>
+          <p:nvPr/>
+        </p:nvSpPr>
+        <p:spPr>
+          <a:xfrm>
+            <a:off x="5375920" y="5102513"/>
+            <a:ext cx="1800200" cy="1349152"/>
+          </a:xfrm>
+          <a:prstGeom prst="roundRect">
+            <a:avLst/>
+          </a:prstGeom>
+        </p:spPr>
+        <p:style>
+          <a:lnRef idx="2">
+            <a:schemeClr val="accent2">
+              <a:shade val="50000"/>
+            </a:schemeClr>
+          </a:lnRef>
+          <a:fillRef idx="1">
+            <a:schemeClr val="accent2"/>
+          </a:fillRef>
+          <a:effectRef idx="0">
+            <a:schemeClr val="accent2"/>
+          </a:effectRef>
+          <a:fontRef idx="minor">
+            <a:schemeClr val="lt1"/>
+          </a:fontRef>
+        </p:style>
+        <p:txBody>
+          <a:bodyPr rot="0" spcFirstLastPara="0" vertOverflow="overflow" horzOverflow="overflow" vert="horz" wrap="square" lIns="91440" tIns="45720" rIns="91440" bIns="45720" numCol="1" spcCol="0" rtlCol="0" fromWordArt="0" anchor="ctr" anchorCtr="0" forceAA="0" compatLnSpc="1">
+            <a:prstTxWarp prst="textNoShape">
+              <a:avLst/>
+            </a:prstTxWarp>
+            <a:noAutofit/>
+          </a:bodyPr>
+          <a:lstStyle/>
+          <a:p>
+            <a:pPr algn="ctr"/>
+            <a:r>
+              <a:rPr lang="en-US" b="1" dirty="0">
+                <a:solidFill>
+                  <a:schemeClr val="tx1"/>
+                </a:solidFill>
+              </a:rPr>
+              <a:t>ViewModel</a:t>
+            </a:r>
+          </a:p>
+        </p:txBody>
+      </p:sp>
+      <p:sp>
+        <p:nvSpPr>
+          <p:cNvPr id="6" name="Rounded Rectangle 5"/>
+          <p:cNvSpPr/>
+          <p:nvPr/>
+        </p:nvSpPr>
+        <p:spPr>
+          <a:xfrm>
+            <a:off x="8544272" y="5104184"/>
+            <a:ext cx="1800200" cy="1349152"/>
+          </a:xfrm>
+          <a:prstGeom prst="roundRect">
+            <a:avLst/>
+          </a:prstGeom>
+        </p:spPr>
+        <p:style>
+          <a:lnRef idx="2">
+            <a:schemeClr val="accent1">
+              <a:shade val="50000"/>
+            </a:schemeClr>
+          </a:lnRef>
+          <a:fillRef idx="1">
+            <a:schemeClr val="accent1"/>
+          </a:fillRef>
+          <a:effectRef idx="0">
+            <a:schemeClr val="accent1"/>
+          </a:effectRef>
+          <a:fontRef idx="minor">
+            <a:schemeClr val="lt1"/>
+          </a:fontRef>
+        </p:style>
+        <p:txBody>
+          <a:bodyPr rot="0" spcFirstLastPara="0" vertOverflow="overflow" horzOverflow="overflow" vert="horz" wrap="square" lIns="91440" tIns="45720" rIns="91440" bIns="45720" numCol="1" spcCol="0" rtlCol="0" fromWordArt="0" anchor="ctr" anchorCtr="0" forceAA="0" compatLnSpc="1">
+            <a:prstTxWarp prst="textNoShape">
+              <a:avLst/>
+            </a:prstTxWarp>
+            <a:noAutofit/>
+          </a:bodyPr>
+          <a:lstStyle/>
+          <a:p>
+            <a:pPr algn="ctr"/>
+            <a:r>
+              <a:rPr lang="en-US" b="1" dirty="0">
+                <a:solidFill>
+                  <a:schemeClr val="tx1"/>
+                </a:solidFill>
+              </a:rPr>
+              <a:t>Model</a:t>
+            </a:r>
+          </a:p>
+        </p:txBody>
+      </p:sp>
+      <p:cxnSp>
+        <p:nvCxnSpPr>
+          <p:cNvPr id="7" name="Straight Arrow Connector 6"/>
+          <p:cNvCxnSpPr/>
+          <p:nvPr/>
+        </p:nvCxnSpPr>
+        <p:spPr>
+          <a:xfrm>
+            <a:off x="3935760" y="6235641"/>
+            <a:ext cx="1368152" cy="0"/>
+          </a:xfrm>
+          <a:prstGeom prst="straightConnector1">
+            <a:avLst/>
+          </a:prstGeom>
+          <a:ln w="38100">
+            <a:solidFill>
+              <a:schemeClr val="tx1"/>
+            </a:solidFill>
+            <a:headEnd type="triangle"/>
+            <a:tailEnd type="triangle"/>
+          </a:ln>
+        </p:spPr>
+        <p:style>
+          <a:lnRef idx="1">
+            <a:schemeClr val="accent1"/>
+          </a:lnRef>
+          <a:fillRef idx="0">
+            <a:schemeClr val="accent1"/>
+          </a:fillRef>
+          <a:effectRef idx="0">
+            <a:schemeClr val="accent1"/>
+          </a:effectRef>
+          <a:fontRef idx="minor">
+            <a:schemeClr val="tx1"/>
+          </a:fontRef>
+        </p:style>
+      </p:cxnSp>
+      <p:cxnSp>
+        <p:nvCxnSpPr>
+          <p:cNvPr id="8" name="Straight Arrow Connector 7"/>
+          <p:cNvCxnSpPr/>
+          <p:nvPr/>
+        </p:nvCxnSpPr>
+        <p:spPr>
+          <a:xfrm>
+            <a:off x="3935760" y="5731585"/>
+            <a:ext cx="1368152" cy="0"/>
+          </a:xfrm>
+          <a:prstGeom prst="straightConnector1">
+            <a:avLst/>
+          </a:prstGeom>
+          <a:ln w="38100">
+            <a:solidFill>
+              <a:schemeClr val="tx1"/>
+            </a:solidFill>
+            <a:headEnd type="triangle"/>
+            <a:tailEnd type="triangle"/>
+          </a:ln>
+        </p:spPr>
+        <p:style>
+          <a:lnRef idx="1">
+            <a:schemeClr val="accent1"/>
+          </a:lnRef>
+          <a:fillRef idx="0">
+            <a:schemeClr val="accent1"/>
+          </a:fillRef>
+          <a:effectRef idx="0">
+            <a:schemeClr val="accent1"/>
+          </a:effectRef>
+          <a:fontRef idx="minor">
+            <a:schemeClr val="tx1"/>
+          </a:fontRef>
+        </p:style>
+      </p:cxnSp>
+      <p:sp>
+        <p:nvSpPr>
+          <p:cNvPr id="9" name="TextBox 8"/>
+          <p:cNvSpPr txBox="1"/>
+          <p:nvPr/>
+        </p:nvSpPr>
+        <p:spPr>
+          <a:xfrm>
+            <a:off x="3899785" y="4779378"/>
+            <a:ext cx="1416734" cy="369332"/>
+          </a:xfrm>
+          <a:prstGeom prst="rect">
+            <a:avLst/>
+          </a:prstGeom>
+          <a:noFill/>
+        </p:spPr>
+        <p:txBody>
+          <a:bodyPr wrap="none" rtlCol="0">
+            <a:spAutoFit/>
+          </a:bodyPr>
+          <a:lstStyle/>
+          <a:p>
+            <a:r>
+              <a:rPr lang="en-US" dirty="0"/>
+              <a:t>Notificações</a:t>
+            </a:r>
+          </a:p>
+        </p:txBody>
+      </p:sp>
+      <p:sp>
+        <p:nvSpPr>
+          <p:cNvPr id="10" name="TextBox 9"/>
+          <p:cNvSpPr txBox="1"/>
+          <p:nvPr/>
+        </p:nvSpPr>
+        <p:spPr>
+          <a:xfrm>
+            <a:off x="3993511" y="5864683"/>
+            <a:ext cx="1252651" cy="369332"/>
+          </a:xfrm>
+          <a:prstGeom prst="rect">
+            <a:avLst/>
+          </a:prstGeom>
+          <a:noFill/>
+        </p:spPr>
+        <p:txBody>
+          <a:bodyPr wrap="none" rtlCol="0">
+            <a:spAutoFit/>
+          </a:bodyPr>
+          <a:lstStyle/>
+          <a:p>
+            <a:r>
+              <a:rPr lang="en-US" dirty="0"/>
+              <a:t>Comandos</a:t>
+            </a:r>
+          </a:p>
+        </p:txBody>
+      </p:sp>
+      <p:sp>
+        <p:nvSpPr>
+          <p:cNvPr id="11" name="TextBox 10"/>
+          <p:cNvSpPr txBox="1"/>
+          <p:nvPr/>
+        </p:nvSpPr>
+        <p:spPr>
+          <a:xfrm>
+            <a:off x="3883429" y="5348747"/>
+            <a:ext cx="1497076" cy="369332"/>
+          </a:xfrm>
+          <a:prstGeom prst="rect">
+            <a:avLst/>
+          </a:prstGeom>
+          <a:noFill/>
+        </p:spPr>
+        <p:txBody>
+          <a:bodyPr wrap="none" rtlCol="0">
+            <a:spAutoFit/>
+          </a:bodyPr>
+          <a:lstStyle/>
+          <a:p>
+            <a:r>
+              <a:rPr lang="en-US" dirty="0"/>
+              <a:t>Data Binding</a:t>
+            </a:r>
+          </a:p>
+        </p:txBody>
+      </p:sp>
+      <p:cxnSp>
+        <p:nvCxnSpPr>
+          <p:cNvPr id="12" name="Elbow Connector 11"/>
+          <p:cNvCxnSpPr/>
+          <p:nvPr/>
+        </p:nvCxnSpPr>
+        <p:spPr>
+          <a:xfrm rot="10800000">
+            <a:off x="3941180" y="5174521"/>
+            <a:ext cx="1362732" cy="125016"/>
+          </a:xfrm>
+          <a:prstGeom prst="bentConnector3">
+            <a:avLst/>
+          </a:prstGeom>
+          <a:ln w="38100">
+            <a:solidFill>
+              <a:schemeClr val="tx1"/>
+            </a:solidFill>
+            <a:tailEnd type="triangle"/>
+          </a:ln>
+        </p:spPr>
+        <p:style>
+          <a:lnRef idx="1">
+            <a:schemeClr val="accent1"/>
+          </a:lnRef>
+          <a:fillRef idx="0">
+            <a:schemeClr val="accent1"/>
+          </a:fillRef>
+          <a:effectRef idx="0">
+            <a:schemeClr val="accent1"/>
+          </a:effectRef>
+          <a:fontRef idx="minor">
+            <a:schemeClr val="tx1"/>
+          </a:fontRef>
+        </p:style>
+      </p:cxnSp>
+      <p:cxnSp>
+        <p:nvCxnSpPr>
+          <p:cNvPr id="13" name="Straight Arrow Connector 12"/>
+          <p:cNvCxnSpPr/>
+          <p:nvPr/>
+        </p:nvCxnSpPr>
+        <p:spPr>
+          <a:xfrm>
+            <a:off x="7248128" y="5533413"/>
+            <a:ext cx="1152128" cy="0"/>
+          </a:xfrm>
+          <a:prstGeom prst="straightConnector1">
+            <a:avLst/>
+          </a:prstGeom>
+          <a:ln w="38100">
+            <a:solidFill>
+              <a:schemeClr val="tx1"/>
+            </a:solidFill>
+            <a:tailEnd type="triangle"/>
+          </a:ln>
+        </p:spPr>
+        <p:style>
+          <a:lnRef idx="1">
+            <a:schemeClr val="accent1"/>
+          </a:lnRef>
+          <a:fillRef idx="0">
+            <a:schemeClr val="accent1"/>
+          </a:fillRef>
+          <a:effectRef idx="0">
+            <a:schemeClr val="accent1"/>
+          </a:effectRef>
+          <a:fontRef idx="minor">
+            <a:schemeClr val="tx1"/>
+          </a:fontRef>
+        </p:style>
+      </p:cxnSp>
+      <p:cxnSp>
+        <p:nvCxnSpPr>
+          <p:cNvPr id="14" name="Straight Arrow Connector 13"/>
+          <p:cNvCxnSpPr/>
+          <p:nvPr/>
+        </p:nvCxnSpPr>
+        <p:spPr>
+          <a:xfrm flipH="1">
+            <a:off x="7248128" y="6049349"/>
+            <a:ext cx="1224136" cy="0"/>
+          </a:xfrm>
+          <a:prstGeom prst="straightConnector1">
+            <a:avLst/>
+          </a:prstGeom>
+          <a:ln w="38100">
+            <a:solidFill>
+              <a:schemeClr val="tx1"/>
+            </a:solidFill>
+            <a:tailEnd type="triangle"/>
+          </a:ln>
+        </p:spPr>
+        <p:style>
+          <a:lnRef idx="1">
+            <a:schemeClr val="accent1"/>
+          </a:lnRef>
+          <a:fillRef idx="0">
+            <a:schemeClr val="accent1"/>
+          </a:fillRef>
+          <a:effectRef idx="0">
+            <a:schemeClr val="accent1"/>
+          </a:effectRef>
+          <a:fontRef idx="minor">
+            <a:schemeClr val="tx1"/>
+          </a:fontRef>
+        </p:style>
+      </p:cxnSp>
     </p:spTree>
+    <p:extLst>
+      <p:ext uri="{BB962C8B-B14F-4D97-AF65-F5344CB8AC3E}">
+        <p14:creationId xmlns:p14="http://schemas.microsoft.com/office/powerpoint/2010/main" val="2545955652"/>
+      </p:ext>
+    </p:extLst>
   </p:cSld>
   <p:clrMapOvr>
     <a:masterClrMapping/>
   </p:clrMapOvr>
+  <p:timing>
+    <p:tnLst>
+      <p:par>
+        <p:cTn id="1" dur="indefinite" restart="never" nodeType="tmRoot"/>
+      </p:par>
+    </p:tnLst>
+  </p:timing>
 </p:sld>
 </file>
 
@@ -5970,7 +11288,7 @@
       </p:grpSpPr>
       <p:sp>
         <p:nvSpPr>
-          <p:cNvPr id="3" name="Content Placeholder 2"/>
+          <p:cNvPr id="2" name="Content Placeholder 1"/>
           <p:cNvSpPr>
             <a:spLocks noGrp="1"/>
           </p:cNvSpPr>
@@ -5983,17 +11301,13 @@
           <a:bodyPr/>
           <a:lstStyle/>
           <a:p>
-            <a:r>
-              <a:rPr lang="pt-BR" dirty="0" smtClean="0"/>
-              <a:t>Liste as idéias aqui</a:t>
-            </a:r>
-            <a:endParaRPr lang="pt-BR" dirty="0"/>
-          </a:p>
-        </p:txBody>
-      </p:sp>
-      <p:sp>
-        <p:nvSpPr>
-          <p:cNvPr id="2" name="Title 1"/>
+            <a:endParaRPr lang="en-US"/>
+          </a:p>
+        </p:txBody>
+      </p:sp>
+      <p:sp>
+        <p:nvSpPr>
+          <p:cNvPr id="3" name="Title 2"/>
           <p:cNvSpPr>
             <a:spLocks noGrp="1"/>
           </p:cNvSpPr>
@@ -6003,24 +11317,348 @@
         </p:nvSpPr>
         <p:spPr/>
         <p:txBody>
-          <a:bodyPr>
-            <a:normAutofit/>
-          </a:bodyPr>
+          <a:bodyPr/>
           <a:lstStyle/>
           <a:p>
             <a:r>
-              <a:rPr lang="pt-BR" dirty="0" smtClean="0"/>
-              <a:t>Divulgando o Dia da Terra</a:t>
-            </a:r>
-            <a:endParaRPr lang="en-US" dirty="0"/>
-          </a:p>
-        </p:txBody>
-      </p:sp>
+              <a:rPr lang="en-US" dirty="0" smtClean="0"/>
+              <a:t>Apresentando </a:t>
+            </a:r>
+            <a:r>
+              <a:rPr lang="en-US" dirty="0"/>
+              <a:t>o primeiro exemplo</a:t>
+            </a:r>
+          </a:p>
+        </p:txBody>
+      </p:sp>
+      <p:grpSp>
+        <p:nvGrpSpPr>
+          <p:cNvPr id="14" name="Group 13"/>
+          <p:cNvGrpSpPr/>
+          <p:nvPr/>
+        </p:nvGrpSpPr>
+        <p:grpSpPr>
+          <a:xfrm rot="21045721">
+            <a:off x="7254337" y="3916895"/>
+            <a:ext cx="4464496" cy="2232248"/>
+            <a:chOff x="6960096" y="3753036"/>
+            <a:chExt cx="4464496" cy="2232248"/>
+          </a:xfrm>
+        </p:grpSpPr>
+        <p:sp>
+          <p:nvSpPr>
+            <p:cNvPr id="13" name="Snip Diagonal Corner Rectangle 12"/>
+            <p:cNvSpPr/>
+            <p:nvPr/>
+          </p:nvSpPr>
+          <p:spPr>
+            <a:xfrm>
+              <a:off x="6960096" y="3753036"/>
+              <a:ext cx="4464496" cy="2232248"/>
+            </a:xfrm>
+            <a:prstGeom prst="snip2DiagRect">
+              <a:avLst/>
+            </a:prstGeom>
+          </p:spPr>
+          <p:style>
+            <a:lnRef idx="3">
+              <a:schemeClr val="lt1"/>
+            </a:lnRef>
+            <a:fillRef idx="1">
+              <a:schemeClr val="accent2"/>
+            </a:fillRef>
+            <a:effectRef idx="1">
+              <a:schemeClr val="accent2"/>
+            </a:effectRef>
+            <a:fontRef idx="minor">
+              <a:schemeClr val="lt1"/>
+            </a:fontRef>
+          </p:style>
+          <p:txBody>
+            <a:bodyPr rtlCol="0" anchor="ctr"/>
+            <a:lstStyle/>
+            <a:p>
+              <a:pPr algn="ctr"/>
+              <a:endParaRPr lang="en-US"/>
+            </a:p>
+          </p:txBody>
+        </p:sp>
+        <p:grpSp>
+          <p:nvGrpSpPr>
+            <p:cNvPr id="12" name="Group 11"/>
+            <p:cNvGrpSpPr/>
+            <p:nvPr/>
+          </p:nvGrpSpPr>
+          <p:grpSpPr>
+            <a:xfrm>
+              <a:off x="7104112" y="3933056"/>
+              <a:ext cx="4176464" cy="1872208"/>
+              <a:chOff x="7104112" y="3933056"/>
+              <a:chExt cx="4176464" cy="1872208"/>
+            </a:xfrm>
+          </p:grpSpPr>
+          <p:sp>
+            <p:nvSpPr>
+              <p:cNvPr id="4" name="Folded Corner 3"/>
+              <p:cNvSpPr/>
+              <p:nvPr/>
+            </p:nvSpPr>
+            <p:spPr>
+              <a:xfrm>
+                <a:off x="7104112" y="3933056"/>
+                <a:ext cx="4176464" cy="1872208"/>
+              </a:xfrm>
+              <a:prstGeom prst="foldedCorner">
+                <a:avLst/>
+              </a:prstGeom>
+            </p:spPr>
+            <p:style>
+              <a:lnRef idx="2">
+                <a:schemeClr val="accent2"/>
+              </a:lnRef>
+              <a:fillRef idx="1">
+                <a:schemeClr val="lt1"/>
+              </a:fillRef>
+              <a:effectRef idx="0">
+                <a:schemeClr val="accent2"/>
+              </a:effectRef>
+              <a:fontRef idx="minor">
+                <a:schemeClr val="dk1"/>
+              </a:fontRef>
+            </p:style>
+            <p:txBody>
+              <a:bodyPr rtlCol="0" anchor="ctr"/>
+              <a:lstStyle/>
+              <a:p>
+                <a:pPr algn="r"/>
+                <a:endParaRPr lang="en-US" dirty="0">
+                  <a:latin typeface="Arial Black" panose="020B0A04020102020204" pitchFamily="34" charset="0"/>
+                </a:endParaRPr>
+              </a:p>
+            </p:txBody>
+          </p:sp>
+          <p:cxnSp>
+            <p:nvCxnSpPr>
+              <p:cNvPr id="6" name="Straight Connector 5"/>
+              <p:cNvCxnSpPr/>
+              <p:nvPr/>
+            </p:nvCxnSpPr>
+            <p:spPr>
+              <a:xfrm flipV="1">
+                <a:off x="7824192" y="4005064"/>
+                <a:ext cx="0" cy="1728192"/>
+              </a:xfrm>
+              <a:prstGeom prst="line">
+                <a:avLst/>
+              </a:prstGeom>
+              <a:ln>
+                <a:solidFill>
+                  <a:schemeClr val="accent2">
+                    <a:lumMod val="75000"/>
+                  </a:schemeClr>
+                </a:solidFill>
+              </a:ln>
+            </p:spPr>
+            <p:style>
+              <a:lnRef idx="1">
+                <a:schemeClr val="accent1"/>
+              </a:lnRef>
+              <a:fillRef idx="0">
+                <a:schemeClr val="accent1"/>
+              </a:fillRef>
+              <a:effectRef idx="0">
+                <a:schemeClr val="accent1"/>
+              </a:effectRef>
+              <a:fontRef idx="minor">
+                <a:schemeClr val="tx1"/>
+              </a:fontRef>
+            </p:style>
+          </p:cxnSp>
+          <p:cxnSp>
+            <p:nvCxnSpPr>
+              <p:cNvPr id="8" name="Straight Connector 7"/>
+              <p:cNvCxnSpPr/>
+              <p:nvPr/>
+            </p:nvCxnSpPr>
+            <p:spPr>
+              <a:xfrm>
+                <a:off x="7104112" y="5013176"/>
+                <a:ext cx="4176464" cy="0"/>
+              </a:xfrm>
+              <a:prstGeom prst="line">
+                <a:avLst/>
+              </a:prstGeom>
+              <a:ln>
+                <a:solidFill>
+                  <a:schemeClr val="accent6">
+                    <a:lumMod val="60000"/>
+                    <a:lumOff val="40000"/>
+                  </a:schemeClr>
+                </a:solidFill>
+              </a:ln>
+            </p:spPr>
+            <p:style>
+              <a:lnRef idx="1">
+                <a:schemeClr val="accent1"/>
+              </a:lnRef>
+              <a:fillRef idx="0">
+                <a:schemeClr val="accent1"/>
+              </a:fillRef>
+              <a:effectRef idx="0">
+                <a:schemeClr val="accent1"/>
+              </a:effectRef>
+              <a:fontRef idx="minor">
+                <a:schemeClr val="tx1"/>
+              </a:fontRef>
+            </p:style>
+          </p:cxnSp>
+          <p:sp>
+            <p:nvSpPr>
+              <p:cNvPr id="9" name="Rectangle 8"/>
+              <p:cNvSpPr/>
+              <p:nvPr/>
+            </p:nvSpPr>
+            <p:spPr>
+              <a:xfrm>
+                <a:off x="7320136" y="5229200"/>
+                <a:ext cx="288032" cy="288032"/>
+              </a:xfrm>
+              <a:prstGeom prst="rect">
+                <a:avLst/>
+              </a:prstGeom>
+              <a:solidFill>
+                <a:schemeClr val="tx1">
+                  <a:lumMod val="95000"/>
+                </a:schemeClr>
+              </a:solidFill>
+              <a:ln w="12700"/>
+            </p:spPr>
+            <p:style>
+              <a:lnRef idx="2">
+                <a:schemeClr val="dk1"/>
+              </a:lnRef>
+              <a:fillRef idx="1">
+                <a:schemeClr val="lt1"/>
+              </a:fillRef>
+              <a:effectRef idx="0">
+                <a:schemeClr val="dk1"/>
+              </a:effectRef>
+              <a:fontRef idx="minor">
+                <a:schemeClr val="dk1"/>
+              </a:fontRef>
+            </p:style>
+            <p:txBody>
+              <a:bodyPr rtlCol="0" anchor="ctr"/>
+              <a:lstStyle/>
+              <a:p>
+                <a:pPr algn="ctr"/>
+                <a:endParaRPr lang="en-US"/>
+              </a:p>
+            </p:txBody>
+          </p:sp>
+          <p:sp>
+            <p:nvSpPr>
+              <p:cNvPr id="10" name="TextBox 9"/>
+              <p:cNvSpPr txBox="1"/>
+              <p:nvPr/>
+            </p:nvSpPr>
+            <p:spPr>
+              <a:xfrm>
+                <a:off x="8041017" y="5157192"/>
+                <a:ext cx="2087431" cy="461665"/>
+              </a:xfrm>
+              <a:prstGeom prst="rect">
+                <a:avLst/>
+              </a:prstGeom>
+              <a:noFill/>
+            </p:spPr>
+            <p:txBody>
+              <a:bodyPr wrap="none" rtlCol="0">
+                <a:spAutoFit/>
+              </a:bodyPr>
+              <a:lstStyle/>
+              <a:p>
+                <a:r>
+                  <a:rPr lang="en-US" sz="2400" dirty="0" smtClean="0">
+                    <a:solidFill>
+                      <a:schemeClr val="bg1"/>
+                    </a:solidFill>
+                    <a:latin typeface="Corbel" panose="020B0503020204020204" pitchFamily="34" charset="0"/>
+                  </a:rPr>
+                  <a:t>Comprar pão...</a:t>
+                </a:r>
+                <a:endParaRPr lang="en-US" sz="2400" dirty="0">
+                  <a:solidFill>
+                    <a:schemeClr val="bg1"/>
+                  </a:solidFill>
+                  <a:latin typeface="Corbel" panose="020B0503020204020204" pitchFamily="34" charset="0"/>
+                </a:endParaRPr>
+              </a:p>
+            </p:txBody>
+          </p:sp>
+          <p:sp>
+            <p:nvSpPr>
+              <p:cNvPr id="11" name="TextBox 10"/>
+              <p:cNvSpPr txBox="1"/>
+              <p:nvPr/>
+            </p:nvSpPr>
+            <p:spPr>
+              <a:xfrm>
+                <a:off x="8040216" y="4390509"/>
+                <a:ext cx="3240360" cy="461665"/>
+              </a:xfrm>
+              <a:prstGeom prst="rect">
+                <a:avLst/>
+              </a:prstGeom>
+              <a:noFill/>
+            </p:spPr>
+            <p:txBody>
+              <a:bodyPr wrap="square" rtlCol="0">
+                <a:spAutoFit/>
+              </a:bodyPr>
+              <a:lstStyle/>
+              <a:p>
+                <a:r>
+                  <a:rPr lang="en-US" sz="2400" dirty="0" smtClean="0">
+                    <a:solidFill>
+                      <a:schemeClr val="accent1">
+                        <a:lumMod val="50000"/>
+                      </a:schemeClr>
+                    </a:solidFill>
+                    <a:latin typeface="Arial Black" panose="020B0A04020102020204" pitchFamily="34" charset="0"/>
+                  </a:rPr>
+                  <a:t>Lista de Tarefas</a:t>
+                </a:r>
+                <a:endParaRPr lang="en-US" sz="2400" dirty="0">
+                  <a:solidFill>
+                    <a:schemeClr val="accent1">
+                      <a:lumMod val="50000"/>
+                    </a:schemeClr>
+                  </a:solidFill>
+                  <a:latin typeface="Arial Black" panose="020B0A04020102020204" pitchFamily="34" charset="0"/>
+                </a:endParaRPr>
+              </a:p>
+            </p:txBody>
+          </p:sp>
+        </p:grpSp>
+      </p:grpSp>
     </p:spTree>
+    <p:extLst>
+      <p:ext uri="{BB962C8B-B14F-4D97-AF65-F5344CB8AC3E}">
+        <p14:creationId xmlns:p14="http://schemas.microsoft.com/office/powerpoint/2010/main" val="3705422472"/>
+      </p:ext>
+    </p:extLst>
   </p:cSld>
   <p:clrMapOvr>
     <a:masterClrMapping/>
   </p:clrMapOvr>
+  <p:timing>
+    <p:tnLst>
+      <p:par>
+        <p:cTn id="1" dur="indefinite" restart="never" nodeType="tmRoot"/>
+      </p:par>
+    </p:tnLst>
+  </p:timing>
 </p:sld>
 </file>
 
@@ -6043,29 +11681,6 @@
       </p:grpSpPr>
       <p:sp>
         <p:nvSpPr>
-          <p:cNvPr id="3" name="Content Placeholder 2"/>
-          <p:cNvSpPr>
-            <a:spLocks noGrp="1"/>
-          </p:cNvSpPr>
-          <p:nvPr>
-            <p:ph idx="1"/>
-          </p:nvPr>
-        </p:nvSpPr>
-        <p:spPr/>
-        <p:txBody>
-          <a:bodyPr/>
-          <a:lstStyle/>
-          <a:p>
-            <a:r>
-              <a:rPr lang="pt-BR" dirty="0" smtClean="0"/>
-              <a:t>Liste os recursos aqui</a:t>
-            </a:r>
-            <a:endParaRPr lang="pt-BR" dirty="0"/>
-          </a:p>
-        </p:txBody>
-      </p:sp>
-      <p:sp>
-        <p:nvSpPr>
           <p:cNvPr id="2" name="Title 1"/>
           <p:cNvSpPr>
             <a:spLocks noGrp="1"/>
@@ -6080,18 +11695,30 @@
           <a:lstStyle/>
           <a:p>
             <a:r>
-              <a:rPr lang="pt-BR" dirty="0" smtClean="0"/>
-              <a:t>Recursos do Dia da Terra</a:t>
+              <a:rPr lang="en-US" dirty="0" smtClean="0"/>
+              <a:t>Obtendo dados do modelo</a:t>
             </a:r>
             <a:endParaRPr lang="en-US" dirty="0"/>
           </a:p>
         </p:txBody>
       </p:sp>
     </p:spTree>
+    <p:extLst>
+      <p:ext uri="{BB962C8B-B14F-4D97-AF65-F5344CB8AC3E}">
+        <p14:creationId xmlns:p14="http://schemas.microsoft.com/office/powerpoint/2010/main" val="691426985"/>
+      </p:ext>
+    </p:extLst>
   </p:cSld>
   <p:clrMapOvr>
     <a:masterClrMapping/>
   </p:clrMapOvr>
+  <p:timing>
+    <p:tnLst>
+      <p:par>
+        <p:cTn id="1" dur="indefinite" restart="never" nodeType="tmRoot"/>
+      </p:par>
+    </p:tnLst>
+  </p:timing>
 </p:sld>
 </file>
 

--- a/Apresentacao.Knockout.JS/Knockout.JS.2014.04.pptx
+++ b/Apresentacao.Knockout.JS/Knockout.JS.2014.04.pptx
@@ -5,7 +5,7 @@
     <p:sldMasterId id="2147483660" r:id="rId2"/>
   </p:sldMasterIdLst>
   <p:notesMasterIdLst>
-    <p:notesMasterId r:id="rId16"/>
+    <p:notesMasterId r:id="rId17"/>
   </p:notesMasterIdLst>
   <p:sldIdLst>
     <p:sldId id="256" r:id="rId3"/>
@@ -15,12 +15,13 @@
     <p:sldId id="266" r:id="rId7"/>
     <p:sldId id="267" r:id="rId8"/>
     <p:sldId id="268" r:id="rId9"/>
-    <p:sldId id="271" r:id="rId10"/>
-    <p:sldId id="275" r:id="rId11"/>
-    <p:sldId id="276" r:id="rId12"/>
-    <p:sldId id="272" r:id="rId13"/>
-    <p:sldId id="273" r:id="rId14"/>
-    <p:sldId id="274" r:id="rId15"/>
+    <p:sldId id="277" r:id="rId10"/>
+    <p:sldId id="271" r:id="rId11"/>
+    <p:sldId id="275" r:id="rId12"/>
+    <p:sldId id="276" r:id="rId13"/>
+    <p:sldId id="272" r:id="rId14"/>
+    <p:sldId id="273" r:id="rId15"/>
+    <p:sldId id="274" r:id="rId16"/>
   </p:sldIdLst>
   <p:sldSz cx="12192000" cy="6858000"/>
   <p:notesSz cx="6858000" cy="9144000"/>
@@ -1088,14 +1089,35 @@
         </dgm:presLayoutVars>
       </dgm:prSet>
       <dgm:spPr/>
+      <dgm:t>
+        <a:bodyPr/>
+        <a:lstStyle/>
+        <a:p>
+          <a:endParaRPr lang="en-US"/>
+        </a:p>
+      </dgm:t>
     </dgm:pt>
     <dgm:pt modelId="{449D8A26-DD9B-43F4-ACD7-265D4FAC865C}" type="pres">
       <dgm:prSet presAssocID="{D0CEC604-ED43-474D-99D4-71542BEC5B2F}" presName="gear1srcNode" presStyleLbl="node1" presStyleIdx="0" presStyleCnt="3"/>
       <dgm:spPr/>
+      <dgm:t>
+        <a:bodyPr/>
+        <a:lstStyle/>
+        <a:p>
+          <a:endParaRPr lang="en-US"/>
+        </a:p>
+      </dgm:t>
     </dgm:pt>
     <dgm:pt modelId="{00056532-B207-4142-9E96-04AFD52A6609}" type="pres">
       <dgm:prSet presAssocID="{D0CEC604-ED43-474D-99D4-71542BEC5B2F}" presName="gear1dstNode" presStyleLbl="node1" presStyleIdx="0" presStyleCnt="3"/>
       <dgm:spPr/>
+      <dgm:t>
+        <a:bodyPr/>
+        <a:lstStyle/>
+        <a:p>
+          <a:endParaRPr lang="en-US"/>
+        </a:p>
+      </dgm:t>
     </dgm:pt>
     <dgm:pt modelId="{5798B468-E6FA-4068-AA7E-FC89BB3966B0}" type="pres">
       <dgm:prSet presAssocID="{78F74B6B-E805-47C7-99E5-512AC6353B4F}" presName="gear2" presStyleLbl="node1" presStyleIdx="1" presStyleCnt="3">
@@ -1105,18 +1127,46 @@
         </dgm:presLayoutVars>
       </dgm:prSet>
       <dgm:spPr/>
+      <dgm:t>
+        <a:bodyPr/>
+        <a:lstStyle/>
+        <a:p>
+          <a:endParaRPr lang="en-US"/>
+        </a:p>
+      </dgm:t>
     </dgm:pt>
     <dgm:pt modelId="{5EA41FA6-9BDB-4562-B013-1B33F553BBB3}" type="pres">
       <dgm:prSet presAssocID="{78F74B6B-E805-47C7-99E5-512AC6353B4F}" presName="gear2srcNode" presStyleLbl="node1" presStyleIdx="1" presStyleCnt="3"/>
       <dgm:spPr/>
+      <dgm:t>
+        <a:bodyPr/>
+        <a:lstStyle/>
+        <a:p>
+          <a:endParaRPr lang="en-US"/>
+        </a:p>
+      </dgm:t>
     </dgm:pt>
     <dgm:pt modelId="{AA4F4B5E-A6CB-4311-AE5A-EA4C4773236D}" type="pres">
       <dgm:prSet presAssocID="{78F74B6B-E805-47C7-99E5-512AC6353B4F}" presName="gear2dstNode" presStyleLbl="node1" presStyleIdx="1" presStyleCnt="3"/>
       <dgm:spPr/>
+      <dgm:t>
+        <a:bodyPr/>
+        <a:lstStyle/>
+        <a:p>
+          <a:endParaRPr lang="en-US"/>
+        </a:p>
+      </dgm:t>
     </dgm:pt>
     <dgm:pt modelId="{3BBAA959-F28E-49AD-8D82-54D4D1D1E848}" type="pres">
       <dgm:prSet presAssocID="{46EFBD30-D94F-4C94-B63C-27D3374F9D85}" presName="gear3" presStyleLbl="node1" presStyleIdx="2" presStyleCnt="3"/>
       <dgm:spPr/>
+      <dgm:t>
+        <a:bodyPr/>
+        <a:lstStyle/>
+        <a:p>
+          <a:endParaRPr lang="en-US"/>
+        </a:p>
+      </dgm:t>
     </dgm:pt>
     <dgm:pt modelId="{B0B2F440-0E64-47EE-B392-42628D4E0DE5}" type="pres">
       <dgm:prSet presAssocID="{46EFBD30-D94F-4C94-B63C-27D3374F9D85}" presName="gear3tx" presStyleLbl="node1" presStyleIdx="2" presStyleCnt="3">
@@ -1126,37 +1176,79 @@
         </dgm:presLayoutVars>
       </dgm:prSet>
       <dgm:spPr/>
+      <dgm:t>
+        <a:bodyPr/>
+        <a:lstStyle/>
+        <a:p>
+          <a:endParaRPr lang="en-US"/>
+        </a:p>
+      </dgm:t>
     </dgm:pt>
     <dgm:pt modelId="{9C4B5AEC-46BB-4E9F-8E29-5F1E038F4D8A}" type="pres">
       <dgm:prSet presAssocID="{46EFBD30-D94F-4C94-B63C-27D3374F9D85}" presName="gear3srcNode" presStyleLbl="node1" presStyleIdx="2" presStyleCnt="3"/>
       <dgm:spPr/>
+      <dgm:t>
+        <a:bodyPr/>
+        <a:lstStyle/>
+        <a:p>
+          <a:endParaRPr lang="en-US"/>
+        </a:p>
+      </dgm:t>
     </dgm:pt>
     <dgm:pt modelId="{E7475F39-89C2-498E-80B7-370A75BADF55}" type="pres">
       <dgm:prSet presAssocID="{46EFBD30-D94F-4C94-B63C-27D3374F9D85}" presName="gear3dstNode" presStyleLbl="node1" presStyleIdx="2" presStyleCnt="3"/>
       <dgm:spPr/>
+      <dgm:t>
+        <a:bodyPr/>
+        <a:lstStyle/>
+        <a:p>
+          <a:endParaRPr lang="en-US"/>
+        </a:p>
+      </dgm:t>
     </dgm:pt>
     <dgm:pt modelId="{2B491BCD-C743-4980-9ABE-F6C69CA046B0}" type="pres">
       <dgm:prSet presAssocID="{AAC551DE-57EA-4698-AB1E-A02FAA8CE798}" presName="connector1" presStyleLbl="sibTrans2D1" presStyleIdx="0" presStyleCnt="3"/>
       <dgm:spPr/>
+      <dgm:t>
+        <a:bodyPr/>
+        <a:lstStyle/>
+        <a:p>
+          <a:endParaRPr lang="en-US"/>
+        </a:p>
+      </dgm:t>
     </dgm:pt>
     <dgm:pt modelId="{E8D2EE17-E5D3-4CDB-BDB4-C06E8D51BF56}" type="pres">
       <dgm:prSet presAssocID="{B8ADC54E-AA1C-4320-B8F4-9D12B1BC3C45}" presName="connector2" presStyleLbl="sibTrans2D1" presStyleIdx="1" presStyleCnt="3"/>
       <dgm:spPr/>
+      <dgm:t>
+        <a:bodyPr/>
+        <a:lstStyle/>
+        <a:p>
+          <a:endParaRPr lang="en-US"/>
+        </a:p>
+      </dgm:t>
     </dgm:pt>
     <dgm:pt modelId="{B6A7FEDF-D443-468C-AFC2-6DBC5F54F0D8}" type="pres">
       <dgm:prSet presAssocID="{3B81D09A-37D6-4544-93EE-3B6041F996B8}" presName="connector3" presStyleLbl="sibTrans2D1" presStyleIdx="2" presStyleCnt="3"/>
       <dgm:spPr/>
+      <dgm:t>
+        <a:bodyPr/>
+        <a:lstStyle/>
+        <a:p>
+          <a:endParaRPr lang="en-US"/>
+        </a:p>
+      </dgm:t>
     </dgm:pt>
   </dgm:ptLst>
   <dgm:cxnLst>
+    <dgm:cxn modelId="{ABEA7CEE-9398-4E86-9702-C57B3BCBC20F}" type="presOf" srcId="{78F74B6B-E805-47C7-99E5-512AC6353B4F}" destId="{5EA41FA6-9BDB-4562-B013-1B33F553BBB3}" srcOrd="1" destOrd="0" presId="urn:microsoft.com/office/officeart/2005/8/layout/gear1"/>
     <dgm:cxn modelId="{3DE50639-6B0D-4DF2-A8B6-97BF3C51AF47}" type="presOf" srcId="{E98EF3EB-370F-4F73-B039-DD23639F725D}" destId="{FA8456A3-82A4-45A2-AE91-0D333F78A8A4}" srcOrd="0" destOrd="0" presId="urn:microsoft.com/office/officeart/2005/8/layout/gear1"/>
-    <dgm:cxn modelId="{ABEA7CEE-9398-4E86-9702-C57B3BCBC20F}" type="presOf" srcId="{78F74B6B-E805-47C7-99E5-512AC6353B4F}" destId="{5EA41FA6-9BDB-4562-B013-1B33F553BBB3}" srcOrd="1" destOrd="0" presId="urn:microsoft.com/office/officeart/2005/8/layout/gear1"/>
     <dgm:cxn modelId="{5ACF5A66-6CAE-420F-B3D6-25B481DC12FE}" type="presOf" srcId="{46EFBD30-D94F-4C94-B63C-27D3374F9D85}" destId="{9C4B5AEC-46BB-4E9F-8E29-5F1E038F4D8A}" srcOrd="2" destOrd="0" presId="urn:microsoft.com/office/officeart/2005/8/layout/gear1"/>
     <dgm:cxn modelId="{7D097E0A-4E70-4C8E-B469-399958219C9B}" srcId="{E98EF3EB-370F-4F73-B039-DD23639F725D}" destId="{D0CEC604-ED43-474D-99D4-71542BEC5B2F}" srcOrd="0" destOrd="0" parTransId="{0E0C4228-AA65-488C-A1D5-4E18DE91B600}" sibTransId="{AAC551DE-57EA-4698-AB1E-A02FAA8CE798}"/>
     <dgm:cxn modelId="{4BF48C8E-3817-476E-A508-2064FA6D0C96}" type="presOf" srcId="{B8ADC54E-AA1C-4320-B8F4-9D12B1BC3C45}" destId="{E8D2EE17-E5D3-4CDB-BDB4-C06E8D51BF56}" srcOrd="0" destOrd="0" presId="urn:microsoft.com/office/officeart/2005/8/layout/gear1"/>
     <dgm:cxn modelId="{42A989D9-5760-4926-91C0-635F78384F76}" type="presOf" srcId="{46EFBD30-D94F-4C94-B63C-27D3374F9D85}" destId="{B0B2F440-0E64-47EE-B392-42628D4E0DE5}" srcOrd="1" destOrd="0" presId="urn:microsoft.com/office/officeart/2005/8/layout/gear1"/>
+    <dgm:cxn modelId="{0CCB590D-5300-4019-9932-2889C2C0E524}" type="presOf" srcId="{3B81D09A-37D6-4544-93EE-3B6041F996B8}" destId="{B6A7FEDF-D443-468C-AFC2-6DBC5F54F0D8}" srcOrd="0" destOrd="0" presId="urn:microsoft.com/office/officeart/2005/8/layout/gear1"/>
     <dgm:cxn modelId="{0BCD1E80-4B9F-4C78-94BB-EAA544E8EE9E}" type="presOf" srcId="{78F74B6B-E805-47C7-99E5-512AC6353B4F}" destId="{5798B468-E6FA-4068-AA7E-FC89BB3966B0}" srcOrd="0" destOrd="0" presId="urn:microsoft.com/office/officeart/2005/8/layout/gear1"/>
-    <dgm:cxn modelId="{0CCB590D-5300-4019-9932-2889C2C0E524}" type="presOf" srcId="{3B81D09A-37D6-4544-93EE-3B6041F996B8}" destId="{B6A7FEDF-D443-468C-AFC2-6DBC5F54F0D8}" srcOrd="0" destOrd="0" presId="urn:microsoft.com/office/officeart/2005/8/layout/gear1"/>
     <dgm:cxn modelId="{83B35222-2A37-4CCF-813B-2F6C86B1E4B9}" type="presOf" srcId="{46EFBD30-D94F-4C94-B63C-27D3374F9D85}" destId="{E7475F39-89C2-498E-80B7-370A75BADF55}" srcOrd="3" destOrd="0" presId="urn:microsoft.com/office/officeart/2005/8/layout/gear1"/>
     <dgm:cxn modelId="{D2182733-C3D4-49E8-A584-E0DCD6DF929E}" srcId="{E98EF3EB-370F-4F73-B039-DD23639F725D}" destId="{78F74B6B-E805-47C7-99E5-512AC6353B4F}" srcOrd="1" destOrd="0" parTransId="{EE54410C-4FF9-4DF9-8EC5-D1B0DE94194D}" sibTransId="{B8ADC54E-AA1C-4320-B8F4-9D12B1BC3C45}"/>
     <dgm:cxn modelId="{85EF3102-B20A-4F3C-8673-2A72F503DC19}" type="presOf" srcId="{46EFBD30-D94F-4C94-B63C-27D3374F9D85}" destId="{3BBAA959-F28E-49AD-8D82-54D4D1D1E848}" srcOrd="0" destOrd="0" presId="urn:microsoft.com/office/officeart/2005/8/layout/gear1"/>
@@ -3165,7 +3257,7 @@
             <a:fld id="{E28287AA-0D99-42CE-A71B-10FA9908BBF8}" type="datetimeFigureOut">
               <a:rPr lang="en-US" smtClean="0"/>
               <a:pPr/>
-              <a:t>03-Apr-14</a:t>
+              <a:t>06-Apr-14</a:t>
             </a:fld>
             <a:endParaRPr lang="en-US"/>
           </a:p>
@@ -3819,7 +3911,7 @@
             <a:fld id="{DCFA480D-CB17-4C49-BB2A-C7514E1C7CEA}" type="datetimeFigureOut">
               <a:rPr lang="en-US" smtClean="0"/>
               <a:pPr/>
-              <a:t>03-Apr-14</a:t>
+              <a:t>06-Apr-14</a:t>
             </a:fld>
             <a:endParaRPr lang="en-US"/>
           </a:p>
@@ -3987,7 +4079,7 @@
             <a:fld id="{DCFA480D-CB17-4C49-BB2A-C7514E1C7CEA}" type="datetimeFigureOut">
               <a:rPr lang="en-US" smtClean="0"/>
               <a:pPr/>
-              <a:t>03-Apr-14</a:t>
+              <a:t>06-Apr-14</a:t>
             </a:fld>
             <a:endParaRPr lang="en-US"/>
           </a:p>
@@ -4164,7 +4256,7 @@
             <a:fld id="{DCFA480D-CB17-4C49-BB2A-C7514E1C7CEA}" type="datetimeFigureOut">
               <a:rPr lang="en-US" smtClean="0"/>
               <a:pPr/>
-              <a:t>03-Apr-14</a:t>
+              <a:t>06-Apr-14</a:t>
             </a:fld>
             <a:endParaRPr lang="en-US"/>
           </a:p>
@@ -4313,7 +4405,7 @@
             <a:fld id="{DCFA480D-CB17-4C49-BB2A-C7514E1C7CEA}" type="datetimeFigureOut">
               <a:rPr lang="en-US" smtClean="0"/>
               <a:pPr/>
-              <a:t>03-Apr-14</a:t>
+              <a:t>06-Apr-14</a:t>
             </a:fld>
             <a:endParaRPr lang="en-US"/>
           </a:p>
@@ -4438,7 +4530,7 @@
             <a:fld id="{DCFA480D-CB17-4C49-BB2A-C7514E1C7CEA}" type="datetimeFigureOut">
               <a:rPr lang="en-US" smtClean="0"/>
               <a:pPr/>
-              <a:t>03-Apr-14</a:t>
+              <a:t>06-Apr-14</a:t>
             </a:fld>
             <a:endParaRPr lang="en-US" dirty="0"/>
           </a:p>
@@ -4710,7 +4802,7 @@
             <a:fld id="{DCFA480D-CB17-4C49-BB2A-C7514E1C7CEA}" type="datetimeFigureOut">
               <a:rPr lang="en-US" smtClean="0"/>
               <a:pPr/>
-              <a:t>03-Apr-14</a:t>
+              <a:t>06-Apr-14</a:t>
             </a:fld>
             <a:endParaRPr lang="en-US" dirty="0"/>
           </a:p>
@@ -4982,7 +5074,7 @@
             <a:fld id="{DCFA480D-CB17-4C49-BB2A-C7514E1C7CEA}" type="datetimeFigureOut">
               <a:rPr lang="en-US" smtClean="0"/>
               <a:pPr/>
-              <a:t>03-Apr-14</a:t>
+              <a:t>06-Apr-14</a:t>
             </a:fld>
             <a:endParaRPr lang="en-US" dirty="0"/>
           </a:p>
@@ -5430,7 +5522,7 @@
             <a:fld id="{DCFA480D-CB17-4C49-BB2A-C7514E1C7CEA}" type="datetimeFigureOut">
               <a:rPr lang="en-US" smtClean="0"/>
               <a:pPr/>
-              <a:t>03-Apr-14</a:t>
+              <a:t>06-Apr-14</a:t>
             </a:fld>
             <a:endParaRPr lang="en-US" dirty="0"/>
           </a:p>
@@ -5545,7 +5637,7 @@
             <a:fld id="{DCFA480D-CB17-4C49-BB2A-C7514E1C7CEA}" type="datetimeFigureOut">
               <a:rPr lang="en-US" smtClean="0"/>
               <a:pPr/>
-              <a:t>03-Apr-14</a:t>
+              <a:t>06-Apr-14</a:t>
             </a:fld>
             <a:endParaRPr lang="en-US" dirty="0"/>
           </a:p>
@@ -5797,7 +5889,7 @@
             <a:fld id="{DCFA480D-CB17-4C49-BB2A-C7514E1C7CEA}" type="datetimeFigureOut">
               <a:rPr lang="en-US" smtClean="0"/>
               <a:pPr/>
-              <a:t>03-Apr-14</a:t>
+              <a:t>06-Apr-14</a:t>
             </a:fld>
             <a:endParaRPr lang="en-US"/>
           </a:p>
@@ -6040,7 +6132,7 @@
             <a:fld id="{DCFA480D-CB17-4C49-BB2A-C7514E1C7CEA}" type="datetimeFigureOut">
               <a:rPr lang="en-US" smtClean="0"/>
               <a:pPr/>
-              <a:t>03-Apr-14</a:t>
+              <a:t>06-Apr-14</a:t>
             </a:fld>
             <a:endParaRPr lang="en-US"/>
           </a:p>
@@ -6216,7 +6308,7 @@
             <a:fld id="{DCFA480D-CB17-4C49-BB2A-C7514E1C7CEA}" type="datetimeFigureOut">
               <a:rPr lang="en-US" smtClean="0"/>
               <a:pPr/>
-              <a:t>03-Apr-14</a:t>
+              <a:t>06-Apr-14</a:t>
             </a:fld>
             <a:endParaRPr lang="en-US" sz="1200" dirty="0">
               <a:solidFill>
@@ -6721,7 +6813,6 @@
               <a:rPr lang="en-US" sz="2000" dirty="0"/>
               <a:t>Um Framework JavaScript baseado no pattern MVVM</a:t>
             </a:r>
-            <a:endParaRPr lang="en-US" sz="2000" dirty="0"/>
           </a:p>
         </p:txBody>
       </p:sp>
@@ -6746,9 +6837,6 @@
               </a:rPr>
               <a:t>Knockout.JS</a:t>
             </a:r>
-            <a:endParaRPr lang="en-US" sz="5400" dirty="0">
-              <a:latin typeface="Cooper Black" panose="0208090404030B020404" pitchFamily="18" charset="0"/>
-            </a:endParaRPr>
           </a:p>
         </p:txBody>
       </p:sp>
@@ -6843,9 +6931,88 @@
   <p:timing>
     <p:tnLst>
       <p:par>
-        <p:cTn id="1" dur="indefinite" restart="never" nodeType="tmRoot"/>
+        <p:cTn id="1" dur="indefinite" restart="never" nodeType="tmRoot">
+          <p:childTnLst>
+            <p:seq concurrent="1" nextAc="seek">
+              <p:cTn id="2" dur="indefinite" nodeType="mainSeq">
+                <p:childTnLst>
+                  <p:par>
+                    <p:cTn id="3" fill="hold">
+                      <p:stCondLst>
+                        <p:cond delay="indefinite"/>
+                      </p:stCondLst>
+                      <p:childTnLst>
+                        <p:par>
+                          <p:cTn id="4" fill="hold">
+                            <p:stCondLst>
+                              <p:cond delay="0"/>
+                            </p:stCondLst>
+                            <p:childTnLst>
+                              <p:par>
+                                <p:cTn id="5" presetID="14" presetClass="entr" presetSubtype="10" fill="hold" grpId="0" nodeType="clickEffect">
+                                  <p:stCondLst>
+                                    <p:cond delay="0"/>
+                                  </p:stCondLst>
+                                  <p:childTnLst>
+                                    <p:set>
+                                      <p:cBhvr>
+                                        <p:cTn id="6" dur="1" fill="hold">
+                                          <p:stCondLst>
+                                            <p:cond delay="0"/>
+                                          </p:stCondLst>
+                                        </p:cTn>
+                                        <p:tgtEl>
+                                          <p:spTgt spid="9"/>
+                                        </p:tgtEl>
+                                        <p:attrNameLst>
+                                          <p:attrName>style.visibility</p:attrName>
+                                        </p:attrNameLst>
+                                      </p:cBhvr>
+                                      <p:to>
+                                        <p:strVal val="visible"/>
+                                      </p:to>
+                                    </p:set>
+                                    <p:animEffect transition="in" filter="randombar(horizontal)">
+                                      <p:cBhvr>
+                                        <p:cTn id="7" dur="500"/>
+                                        <p:tgtEl>
+                                          <p:spTgt spid="9"/>
+                                        </p:tgtEl>
+                                      </p:cBhvr>
+                                    </p:animEffect>
+                                  </p:childTnLst>
+                                </p:cTn>
+                              </p:par>
+                            </p:childTnLst>
+                          </p:cTn>
+                        </p:par>
+                      </p:childTnLst>
+                    </p:cTn>
+                  </p:par>
+                </p:childTnLst>
+              </p:cTn>
+              <p:prevCondLst>
+                <p:cond evt="onPrev" delay="0">
+                  <p:tgtEl>
+                    <p:sldTgt/>
+                  </p:tgtEl>
+                </p:cond>
+              </p:prevCondLst>
+              <p:nextCondLst>
+                <p:cond evt="onNext" delay="0">
+                  <p:tgtEl>
+                    <p:sldTgt/>
+                  </p:tgtEl>
+                </p:cond>
+              </p:nextCondLst>
+            </p:seq>
+          </p:childTnLst>
+        </p:cTn>
       </p:par>
     </p:tnLst>
+    <p:bldLst>
+      <p:bldP spid="9" grpId="0" animBg="1"/>
+    </p:bldLst>
   </p:timing>
 </p:sld>
 </file>
@@ -6884,16 +7051,158 @@
           <a:p>
             <a:r>
               <a:rPr lang="en-US" dirty="0" smtClean="0"/>
-              <a:t>Realizando alterações no modelo</a:t>
+              <a:t>Obtendo dados do modelo</a:t>
             </a:r>
             <a:endParaRPr lang="en-US" dirty="0"/>
+          </a:p>
+        </p:txBody>
+      </p:sp>
+      <p:sp>
+        <p:nvSpPr>
+          <p:cNvPr id="3" name="Rectangle 2"/>
+          <p:cNvSpPr/>
+          <p:nvPr/>
+        </p:nvSpPr>
+        <p:spPr>
+          <a:xfrm rot="21432377">
+            <a:off x="622485" y="1971565"/>
+            <a:ext cx="10801200" cy="792088"/>
+          </a:xfrm>
+          <a:prstGeom prst="rect">
+            <a:avLst/>
+          </a:prstGeom>
+          <a:solidFill>
+            <a:schemeClr val="tx2">
+              <a:lumMod val="10000"/>
+            </a:schemeClr>
+          </a:solidFill>
+          <a:ln>
+            <a:noFill/>
+          </a:ln>
+        </p:spPr>
+        <p:style>
+          <a:lnRef idx="2">
+            <a:schemeClr val="accent1">
+              <a:shade val="50000"/>
+            </a:schemeClr>
+          </a:lnRef>
+          <a:fillRef idx="1">
+            <a:schemeClr val="accent1"/>
+          </a:fillRef>
+          <a:effectRef idx="0">
+            <a:schemeClr val="accent1"/>
+          </a:effectRef>
+          <a:fontRef idx="minor">
+            <a:schemeClr val="lt1"/>
+          </a:fontRef>
+        </p:style>
+        <p:txBody>
+          <a:bodyPr rtlCol="0" anchor="ctr"/>
+          <a:lstStyle/>
+          <a:p>
+            <a:pPr algn="ctr"/>
+            <a:r>
+              <a:rPr lang="en-US" sz="2000" dirty="0">
+                <a:solidFill>
+                  <a:srgbClr val="FF8585"/>
+                </a:solidFill>
+                <a:latin typeface="Consolas" panose="020B0609020204030204" pitchFamily="49" charset="0"/>
+                <a:cs typeface="Consolas" panose="020B0609020204030204" pitchFamily="49" charset="0"/>
+              </a:rPr>
+              <a:t>$</a:t>
+            </a:r>
+            <a:r>
+              <a:rPr lang="en-US" sz="2000" dirty="0">
+                <a:latin typeface="Consolas" panose="020B0609020204030204" pitchFamily="49" charset="0"/>
+                <a:cs typeface="Consolas" panose="020B0609020204030204" pitchFamily="49" charset="0"/>
+              </a:rPr>
+              <a:t>.getJSON(</a:t>
+            </a:r>
+            <a:r>
+              <a:rPr lang="en-US" sz="2000" dirty="0">
+                <a:solidFill>
+                  <a:schemeClr val="tx2">
+                    <a:lumMod val="90000"/>
+                  </a:schemeClr>
+                </a:solidFill>
+                <a:latin typeface="Consolas" panose="020B0609020204030204" pitchFamily="49" charset="0"/>
+                <a:cs typeface="Consolas" panose="020B0609020204030204" pitchFamily="49" charset="0"/>
+              </a:rPr>
+              <a:t>"/KadastroServiceHost.svc/Listartarefas/"</a:t>
+            </a:r>
+            <a:r>
+              <a:rPr lang="en-US" sz="2000" dirty="0">
+                <a:latin typeface="Consolas" panose="020B0609020204030204" pitchFamily="49" charset="0"/>
+                <a:cs typeface="Consolas" panose="020B0609020204030204" pitchFamily="49" charset="0"/>
+              </a:rPr>
+              <a:t>, </a:t>
+            </a:r>
+            <a:r>
+              <a:rPr lang="en-US" sz="2000" i="1" dirty="0">
+                <a:solidFill>
+                  <a:srgbClr val="00B0F0"/>
+                </a:solidFill>
+                <a:latin typeface="Consolas" panose="020B0609020204030204" pitchFamily="49" charset="0"/>
+                <a:cs typeface="Consolas" panose="020B0609020204030204" pitchFamily="49" charset="0"/>
+              </a:rPr>
+              <a:t>function</a:t>
+            </a:r>
+            <a:r>
+              <a:rPr lang="en-US" sz="2000" dirty="0">
+                <a:latin typeface="Consolas" panose="020B0609020204030204" pitchFamily="49" charset="0"/>
+                <a:cs typeface="Consolas" panose="020B0609020204030204" pitchFamily="49" charset="0"/>
+              </a:rPr>
+              <a:t>(allData) {</a:t>
+            </a:r>
+          </a:p>
+        </p:txBody>
+      </p:sp>
+      <p:sp>
+        <p:nvSpPr>
+          <p:cNvPr id="4" name="TextBox 3"/>
+          <p:cNvSpPr txBox="1"/>
+          <p:nvPr/>
+        </p:nvSpPr>
+        <p:spPr>
+          <a:xfrm>
+            <a:off x="911424" y="1669430"/>
+            <a:ext cx="5437514" cy="461665"/>
+          </a:xfrm>
+          <a:prstGeom prst="rect">
+            <a:avLst/>
+          </a:prstGeom>
+          <a:noFill/>
+        </p:spPr>
+        <p:txBody>
+          <a:bodyPr wrap="none" rtlCol="0">
+            <a:spAutoFit/>
+          </a:bodyPr>
+          <a:lstStyle/>
+          <a:p>
+            <a:r>
+              <a:rPr lang="en-US" sz="2400" dirty="0" smtClean="0">
+                <a:latin typeface="Corbel" panose="020B0503020204020204" pitchFamily="34" charset="0"/>
+              </a:rPr>
+              <a:t>Obtem dados do WebService com </a:t>
+            </a:r>
+            <a:r>
+              <a:rPr lang="en-US" sz="2400" dirty="0" smtClean="0">
+                <a:latin typeface="Corbel" panose="020B0503020204020204" pitchFamily="34" charset="0"/>
+                <a:cs typeface="Consolas" panose="020B0609020204030204" pitchFamily="49" charset="0"/>
+              </a:rPr>
+              <a:t>JQuery</a:t>
+            </a:r>
+            <a:endParaRPr lang="en-US" sz="2400" dirty="0">
+              <a:latin typeface="Corbel" panose="020B0503020204020204" pitchFamily="34" charset="0"/>
+              <a:cs typeface="Consolas" panose="020B0609020204030204" pitchFamily="49" charset="0"/>
+            </a:endParaRPr>
           </a:p>
         </p:txBody>
       </p:sp>
     </p:spTree>
     <p:extLst>
       <p:ext uri="{BB962C8B-B14F-4D97-AF65-F5344CB8AC3E}">
-        <p14:creationId xmlns:p14="http://schemas.microsoft.com/office/powerpoint/2010/main" val="107289134"/>
+        <p14:creationId xmlns:p14="http://schemas.microsoft.com/office/powerpoint/2010/main" val="691426985"/>
       </p:ext>
     </p:extLst>
   </p:cSld>
@@ -6929,6 +7238,66 @@
       </p:grpSpPr>
       <p:sp>
         <p:nvSpPr>
+          <p:cNvPr id="2" name="Title 1"/>
+          <p:cNvSpPr>
+            <a:spLocks noGrp="1"/>
+          </p:cNvSpPr>
+          <p:nvPr>
+            <p:ph type="title"/>
+          </p:nvPr>
+        </p:nvSpPr>
+        <p:spPr/>
+        <p:txBody>
+          <a:bodyPr/>
+          <a:lstStyle/>
+          <a:p>
+            <a:r>
+              <a:rPr lang="en-US" dirty="0" smtClean="0"/>
+              <a:t>Realizando alterações no modelo</a:t>
+            </a:r>
+            <a:endParaRPr lang="en-US" dirty="0"/>
+          </a:p>
+        </p:txBody>
+      </p:sp>
+    </p:spTree>
+    <p:extLst>
+      <p:ext uri="{BB962C8B-B14F-4D97-AF65-F5344CB8AC3E}">
+        <p14:creationId xmlns:p14="http://schemas.microsoft.com/office/powerpoint/2010/main" val="107289134"/>
+      </p:ext>
+    </p:extLst>
+  </p:cSld>
+  <p:clrMapOvr>
+    <a:masterClrMapping/>
+  </p:clrMapOvr>
+  <p:timing>
+    <p:tnLst>
+      <p:par>
+        <p:cTn id="1" dur="indefinite" restart="never" nodeType="tmRoot"/>
+      </p:par>
+    </p:tnLst>
+  </p:timing>
+</p:sld>
+</file>
+
+<file path=ppt/slides/slide12.xml><?xml version="1.0" encoding="utf-8"?>
+<p:sld xmlns:a="http://schemas.openxmlformats.org/drawingml/2006/main" xmlns:r="http://schemas.openxmlformats.org/officeDocument/2006/relationships" xmlns:p="http://schemas.openxmlformats.org/presentationml/2006/main">
+  <p:cSld>
+    <p:spTree>
+      <p:nvGrpSpPr>
+        <p:cNvPr id="1" name=""/>
+        <p:cNvGrpSpPr/>
+        <p:nvPr/>
+      </p:nvGrpSpPr>
+      <p:grpSpPr>
+        <a:xfrm>
+          <a:off x="0" y="0"/>
+          <a:ext cx="0" cy="0"/>
+          <a:chOff x="0" y="0"/>
+          <a:chExt cx="0" cy="0"/>
+        </a:xfrm>
+      </p:grpSpPr>
+      <p:sp>
+        <p:nvSpPr>
           <p:cNvPr id="2" name="Text Placeholder 1"/>
           <p:cNvSpPr>
             <a:spLocks noGrp="1"/>
@@ -7161,7 +7530,6 @@
               <a:rPr lang="en-US" sz="2800" dirty="0"/>
               <a:t>&lt;/table&gt;</a:t>
             </a:r>
-            <a:endParaRPr lang="en-US" sz="2800" dirty="0"/>
           </a:p>
         </p:txBody>
       </p:sp>
@@ -7556,102 +7924,6 @@
 </p:sld>
 </file>
 
-<file path=ppt/slides/slide12.xml><?xml version="1.0" encoding="utf-8"?>
-<p:sld xmlns:a="http://schemas.openxmlformats.org/drawingml/2006/main" xmlns:r="http://schemas.openxmlformats.org/officeDocument/2006/relationships" xmlns:p="http://schemas.openxmlformats.org/presentationml/2006/main">
-  <p:cSld>
-    <p:spTree>
-      <p:nvGrpSpPr>
-        <p:cNvPr id="1" name=""/>
-        <p:cNvGrpSpPr/>
-        <p:nvPr/>
-      </p:nvGrpSpPr>
-      <p:grpSpPr>
-        <a:xfrm>
-          <a:off x="0" y="0"/>
-          <a:ext cx="0" cy="0"/>
-          <a:chOff x="0" y="0"/>
-          <a:chExt cx="0" cy="0"/>
-        </a:xfrm>
-      </p:grpSpPr>
-      <p:sp>
-        <p:nvSpPr>
-          <p:cNvPr id="2" name="Content Placeholder 1"/>
-          <p:cNvSpPr>
-            <a:spLocks noGrp="1"/>
-          </p:cNvSpPr>
-          <p:nvPr>
-            <p:ph idx="1"/>
-          </p:nvPr>
-        </p:nvSpPr>
-        <p:spPr/>
-        <p:txBody>
-          <a:bodyPr/>
-          <a:lstStyle/>
-          <a:p>
-            <a:endParaRPr lang="en-US"/>
-          </a:p>
-        </p:txBody>
-      </p:sp>
-      <p:sp>
-        <p:nvSpPr>
-          <p:cNvPr id="3" name="Title 2"/>
-          <p:cNvSpPr>
-            <a:spLocks noGrp="1"/>
-          </p:cNvSpPr>
-          <p:nvPr>
-            <p:ph type="title"/>
-          </p:nvPr>
-        </p:nvSpPr>
-        <p:spPr/>
-        <p:txBody>
-          <a:bodyPr>
-            <a:normAutofit/>
-          </a:bodyPr>
-          <a:lstStyle/>
-          <a:p>
-            <a:r>
-              <a:rPr lang="en-US" dirty="0" smtClean="0"/>
-              <a:t>Exibindo </a:t>
-            </a:r>
-            <a:r>
-              <a:rPr lang="en-US" dirty="0"/>
-              <a:t>os </a:t>
-            </a:r>
-            <a:r>
-              <a:rPr lang="en-US" dirty="0" smtClean="0"/>
-              <a:t>dados - </a:t>
-            </a:r>
-            <a:r>
-              <a:rPr lang="en-US" sz="2700" dirty="0" smtClean="0"/>
-              <a:t>DOM </a:t>
-            </a:r>
-            <a:r>
-              <a:rPr lang="en-US" sz="2700" dirty="0"/>
-              <a:t>(Document Object Model)</a:t>
-            </a:r>
-          </a:p>
-        </p:txBody>
-      </p:sp>
-    </p:spTree>
-    <p:extLst>
-      <p:ext uri="{BB962C8B-B14F-4D97-AF65-F5344CB8AC3E}">
-        <p14:creationId xmlns:p14="http://schemas.microsoft.com/office/powerpoint/2010/main" val="116242836"/>
-      </p:ext>
-    </p:extLst>
-  </p:cSld>
-  <p:clrMapOvr>
-    <a:masterClrMapping/>
-  </p:clrMapOvr>
-  <p:timing>
-    <p:tnLst>
-      <p:par>
-        <p:cTn id="1" dur="indefinite" restart="never" nodeType="tmRoot"/>
-      </p:par>
-    </p:tnLst>
-  </p:timing>
-</p:sld>
-</file>
-
 <file path=ppt/slides/slide13.xml><?xml version="1.0" encoding="utf-8"?>
 <p:sld xmlns:a="http://schemas.openxmlformats.org/drawingml/2006/main" xmlns:r="http://schemas.openxmlformats.org/officeDocument/2006/relationships" xmlns:p="http://schemas.openxmlformats.org/presentationml/2006/main">
   <p:cSld>
@@ -7685,6 +7957,158 @@
           <a:lstStyle/>
           <a:p>
             <a:endParaRPr lang="en-US"/>
+          </a:p>
+        </p:txBody>
+      </p:sp>
+      <p:sp>
+        <p:nvSpPr>
+          <p:cNvPr id="3" name="Title 2"/>
+          <p:cNvSpPr>
+            <a:spLocks noGrp="1"/>
+          </p:cNvSpPr>
+          <p:nvPr>
+            <p:ph type="title"/>
+          </p:nvPr>
+        </p:nvSpPr>
+        <p:spPr/>
+        <p:txBody>
+          <a:bodyPr>
+            <a:normAutofit/>
+          </a:bodyPr>
+          <a:lstStyle/>
+          <a:p>
+            <a:r>
+              <a:rPr lang="en-US" dirty="0" smtClean="0"/>
+              <a:t>Exibindo </a:t>
+            </a:r>
+            <a:r>
+              <a:rPr lang="en-US" dirty="0"/>
+              <a:t>os </a:t>
+            </a:r>
+            <a:r>
+              <a:rPr lang="en-US" dirty="0" smtClean="0"/>
+              <a:t>dados - </a:t>
+            </a:r>
+            <a:r>
+              <a:rPr lang="en-US" sz="2700" dirty="0" smtClean="0"/>
+              <a:t>DOM </a:t>
+            </a:r>
+            <a:r>
+              <a:rPr lang="en-US" sz="2700" dirty="0"/>
+              <a:t>(Document Object Model)</a:t>
+            </a:r>
+          </a:p>
+        </p:txBody>
+      </p:sp>
+    </p:spTree>
+    <p:extLst>
+      <p:ext uri="{BB962C8B-B14F-4D97-AF65-F5344CB8AC3E}">
+        <p14:creationId xmlns:p14="http://schemas.microsoft.com/office/powerpoint/2010/main" val="116242836"/>
+      </p:ext>
+    </p:extLst>
+  </p:cSld>
+  <p:clrMapOvr>
+    <a:masterClrMapping/>
+  </p:clrMapOvr>
+  <p:timing>
+    <p:tnLst>
+      <p:par>
+        <p:cTn id="1" dur="indefinite" restart="never" nodeType="tmRoot"/>
+      </p:par>
+    </p:tnLst>
+  </p:timing>
+</p:sld>
+</file>
+
+<file path=ppt/slides/slide14.xml><?xml version="1.0" encoding="utf-8"?>
+<p:sld xmlns:a="http://schemas.openxmlformats.org/drawingml/2006/main" xmlns:r="http://schemas.openxmlformats.org/officeDocument/2006/relationships" xmlns:p="http://schemas.openxmlformats.org/presentationml/2006/main">
+  <p:cSld>
+    <p:spTree>
+      <p:nvGrpSpPr>
+        <p:cNvPr id="1" name=""/>
+        <p:cNvGrpSpPr/>
+        <p:nvPr/>
+      </p:nvGrpSpPr>
+      <p:grpSpPr>
+        <a:xfrm>
+          <a:off x="0" y="0"/>
+          <a:ext cx="0" cy="0"/>
+          <a:chOff x="0" y="0"/>
+          <a:chExt cx="0" cy="0"/>
+        </a:xfrm>
+      </p:grpSpPr>
+      <p:sp>
+        <p:nvSpPr>
+          <p:cNvPr id="2" name="Content Placeholder 1"/>
+          <p:cNvSpPr>
+            <a:spLocks noGrp="1"/>
+          </p:cNvSpPr>
+          <p:nvPr>
+            <p:ph idx="1"/>
+          </p:nvPr>
+        </p:nvSpPr>
+        <p:spPr/>
+        <p:txBody>
+          <a:bodyPr/>
+          <a:lstStyle/>
+          <a:p>
+            <a:r>
+              <a:rPr lang="en-US" dirty="0">
+                <a:hlinkClick r:id="rId2"/>
+              </a:rPr>
+              <a:t>http://knockoutjs.com</a:t>
+            </a:r>
+            <a:r>
+              <a:rPr lang="en-US" dirty="0" smtClean="0">
+                <a:hlinkClick r:id="rId2"/>
+              </a:rPr>
+              <a:t>/</a:t>
+            </a:r>
+            <a:endParaRPr lang="en-US" dirty="0" smtClean="0"/>
+          </a:p>
+          <a:p>
+            <a:r>
+              <a:rPr lang="en-US" dirty="0">
+                <a:hlinkClick r:id="rId3"/>
+              </a:rPr>
+              <a:t>https://</a:t>
+            </a:r>
+            <a:r>
+              <a:rPr lang="en-US" dirty="0" smtClean="0">
+                <a:hlinkClick r:id="rId3"/>
+              </a:rPr>
+              <a:t>github.com/SteveSanderson/knockout/downloads</a:t>
+            </a:r>
+            <a:endParaRPr lang="en-US" dirty="0" smtClean="0"/>
+          </a:p>
+          <a:p>
+            <a:r>
+              <a:rPr lang="en-US" dirty="0"/>
+              <a:t>http://jacobswanner.com/knockout-screencast/</a:t>
+            </a:r>
+            <a:endParaRPr lang="en-US" dirty="0" smtClean="0"/>
+          </a:p>
+          <a:p>
+            <a:r>
+              <a:rPr lang="en-US" dirty="0">
+                <a:hlinkClick r:id="rId4"/>
+              </a:rPr>
+              <a:t>http://</a:t>
+            </a:r>
+            <a:r>
+              <a:rPr lang="en-US" dirty="0" smtClean="0">
+                <a:hlinkClick r:id="rId4"/>
+              </a:rPr>
+              <a:t>www.w3schools.com/js/js_htmldom.asp</a:t>
+            </a:r>
+            <a:endParaRPr lang="en-US" dirty="0" smtClean="0"/>
+          </a:p>
+          <a:p>
+            <a:r>
+              <a:rPr lang="en-US" dirty="0"/>
+              <a:t>https://github.com/rodrigolessa/Sample.Kadastro.asp</a:t>
+            </a:r>
+            <a:endParaRPr lang="en-US" dirty="0"/>
           </a:p>
         </p:txBody>
       </p:sp>
@@ -8238,108 +8662,60 @@
           </a:p>
         </p:txBody>
       </p:sp>
-      <p:sp>
-        <p:nvSpPr>
-          <p:cNvPr id="4" name="Seta circular 2"/>
-          <p:cNvSpPr/>
-          <p:nvPr/>
-        </p:nvSpPr>
-        <p:spPr>
-          <a:xfrm>
-            <a:off x="7018705" y="404664"/>
-            <a:ext cx="2803597" cy="2804024"/>
-          </a:xfrm>
-          <a:prstGeom prst="circularArrow">
-            <a:avLst>
-              <a:gd name="adj1" fmla="val 10980"/>
-              <a:gd name="adj2" fmla="val 1142322"/>
-              <a:gd name="adj3" fmla="val 4500000"/>
-              <a:gd name="adj4" fmla="val 10800000"/>
-              <a:gd name="adj5" fmla="val 12500"/>
-            </a:avLst>
-          </a:prstGeom>
-        </p:spPr>
-        <p:style>
-          <a:lnRef idx="0">
-            <a:schemeClr val="lt1">
-              <a:hueOff val="0"/>
-              <a:satOff val="0"/>
-              <a:lumOff val="0"/>
-              <a:alphaOff val="0"/>
-            </a:schemeClr>
-          </a:lnRef>
-          <a:fillRef idx="3">
-            <a:schemeClr val="accent2">
-              <a:hueOff val="0"/>
-              <a:satOff val="0"/>
-              <a:lumOff val="0"/>
-              <a:alphaOff val="0"/>
-            </a:schemeClr>
-          </a:fillRef>
-          <a:effectRef idx="2">
-            <a:schemeClr val="accent2">
-              <a:hueOff val="0"/>
-              <a:satOff val="0"/>
-              <a:lumOff val="0"/>
-              <a:alphaOff val="0"/>
-            </a:schemeClr>
-          </a:effectRef>
-          <a:fontRef idx="minor">
-            <a:schemeClr val="lt1"/>
-          </a:fontRef>
-        </p:style>
-      </p:sp>
       <p:grpSp>
         <p:nvGrpSpPr>
-          <p:cNvPr id="5" name="Grupo 3"/>
+          <p:cNvPr id="26" name="Group 25"/>
           <p:cNvGrpSpPr/>
           <p:nvPr/>
         </p:nvGrpSpPr>
         <p:grpSpPr>
           <a:xfrm>
-            <a:off x="9716576" y="1240512"/>
-            <a:ext cx="1894665" cy="1121842"/>
-            <a:chOff x="4219947" y="835848"/>
-            <a:chExt cx="1894665" cy="1121842"/>
+            <a:off x="7018705" y="404664"/>
+            <a:ext cx="4592536" cy="2804024"/>
+            <a:chOff x="7018705" y="404664"/>
+            <a:chExt cx="4592536" cy="2804024"/>
           </a:xfrm>
         </p:grpSpPr>
         <p:sp>
           <p:nvSpPr>
-            <p:cNvPr id="6" name="Retângulo 21"/>
+            <p:cNvPr id="4" name="Seta circular 2"/>
             <p:cNvSpPr/>
             <p:nvPr/>
           </p:nvSpPr>
           <p:spPr>
             <a:xfrm>
-              <a:off x="4219947" y="835848"/>
-              <a:ext cx="1894665" cy="1121842"/>
+              <a:off x="7018705" y="404664"/>
+              <a:ext cx="2803597" cy="2804024"/>
             </a:xfrm>
-            <a:prstGeom prst="rect">
-              <a:avLst/>
+            <a:prstGeom prst="circularArrow">
+              <a:avLst>
+                <a:gd name="adj1" fmla="val 10980"/>
+                <a:gd name="adj2" fmla="val 1142322"/>
+                <a:gd name="adj3" fmla="val 4500000"/>
+                <a:gd name="adj4" fmla="val 10800000"/>
+                <a:gd name="adj5" fmla="val 12500"/>
+              </a:avLst>
             </a:prstGeom>
           </p:spPr>
           <p:style>
             <a:lnRef idx="0">
-              <a:schemeClr val="dk1">
-                <a:alpha val="0"/>
+              <a:schemeClr val="lt1">
                 <a:hueOff val="0"/>
                 <a:satOff val="0"/>
                 <a:lumOff val="0"/>
                 <a:alphaOff val="0"/>
               </a:schemeClr>
             </a:lnRef>
-            <a:fillRef idx="0">
-              <a:schemeClr val="lt1">
-                <a:alpha val="0"/>
+            <a:fillRef idx="3">
+              <a:schemeClr val="accent2">
                 <a:hueOff val="0"/>
                 <a:satOff val="0"/>
                 <a:lumOff val="0"/>
                 <a:alphaOff val="0"/>
               </a:schemeClr>
             </a:fillRef>
-            <a:effectRef idx="0">
-              <a:schemeClr val="lt1">
-                <a:alpha val="0"/>
+            <a:effectRef idx="2">
+              <a:schemeClr val="accent2">
                 <a:hueOff val="0"/>
                 <a:satOff val="0"/>
                 <a:lumOff val="0"/>
@@ -8347,194 +8723,385 @@
               </a:schemeClr>
             </a:effectRef>
             <a:fontRef idx="minor">
-              <a:schemeClr val="tx1">
-                <a:hueOff val="0"/>
-                <a:satOff val="0"/>
-                <a:lumOff val="0"/>
-                <a:alphaOff val="0"/>
-              </a:schemeClr>
+              <a:schemeClr val="lt1"/>
             </a:fontRef>
           </p:style>
         </p:sp>
+        <p:grpSp>
+          <p:nvGrpSpPr>
+            <p:cNvPr id="5" name="Grupo 3"/>
+            <p:cNvGrpSpPr/>
+            <p:nvPr/>
+          </p:nvGrpSpPr>
+          <p:grpSpPr>
+            <a:xfrm>
+              <a:off x="9716576" y="1240512"/>
+              <a:ext cx="1894665" cy="1121842"/>
+              <a:chOff x="4219947" y="835848"/>
+              <a:chExt cx="1894665" cy="1121842"/>
+            </a:xfrm>
+          </p:grpSpPr>
+          <p:sp>
+            <p:nvSpPr>
+              <p:cNvPr id="6" name="Retângulo 21"/>
+              <p:cNvSpPr/>
+              <p:nvPr/>
+            </p:nvSpPr>
+            <p:spPr>
+              <a:xfrm>
+                <a:off x="4219947" y="835848"/>
+                <a:ext cx="1894665" cy="1121842"/>
+              </a:xfrm>
+              <a:prstGeom prst="rect">
+                <a:avLst/>
+              </a:prstGeom>
+            </p:spPr>
+            <p:style>
+              <a:lnRef idx="0">
+                <a:schemeClr val="dk1">
+                  <a:alpha val="0"/>
+                  <a:hueOff val="0"/>
+                  <a:satOff val="0"/>
+                  <a:lumOff val="0"/>
+                  <a:alphaOff val="0"/>
+                </a:schemeClr>
+              </a:lnRef>
+              <a:fillRef idx="0">
+                <a:schemeClr val="lt1">
+                  <a:alpha val="0"/>
+                  <a:hueOff val="0"/>
+                  <a:satOff val="0"/>
+                  <a:lumOff val="0"/>
+                  <a:alphaOff val="0"/>
+                </a:schemeClr>
+              </a:fillRef>
+              <a:effectRef idx="0">
+                <a:schemeClr val="lt1">
+                  <a:alpha val="0"/>
+                  <a:hueOff val="0"/>
+                  <a:satOff val="0"/>
+                  <a:lumOff val="0"/>
+                  <a:alphaOff val="0"/>
+                </a:schemeClr>
+              </a:effectRef>
+              <a:fontRef idx="minor">
+                <a:schemeClr val="tx1">
+                  <a:hueOff val="0"/>
+                  <a:satOff val="0"/>
+                  <a:lumOff val="0"/>
+                  <a:alphaOff val="0"/>
+                </a:schemeClr>
+              </a:fontRef>
+            </p:style>
+          </p:sp>
+          <p:sp>
+            <p:nvSpPr>
+              <p:cNvPr id="7" name="Retângulo 22"/>
+              <p:cNvSpPr/>
+              <p:nvPr/>
+            </p:nvSpPr>
+            <p:spPr>
+              <a:xfrm>
+                <a:off x="4219947" y="835848"/>
+                <a:ext cx="1894665" cy="1121842"/>
+              </a:xfrm>
+              <a:prstGeom prst="rect">
+                <a:avLst/>
+              </a:prstGeom>
+            </p:spPr>
+            <p:style>
+              <a:lnRef idx="0">
+                <a:scrgbClr r="0" g="0" b="0"/>
+              </a:lnRef>
+              <a:fillRef idx="0">
+                <a:scrgbClr r="0" g="0" b="0"/>
+              </a:fillRef>
+              <a:effectRef idx="0">
+                <a:scrgbClr r="0" g="0" b="0"/>
+              </a:effectRef>
+              <a:fontRef idx="minor">
+                <a:schemeClr val="tx1">
+                  <a:hueOff val="0"/>
+                  <a:satOff val="0"/>
+                  <a:lumOff val="0"/>
+                  <a:alphaOff val="0"/>
+                </a:schemeClr>
+              </a:fontRef>
+            </p:style>
+            <p:txBody>
+              <a:bodyPr spcFirstLastPara="0" vert="horz" wrap="square" lIns="12065" tIns="12065" rIns="12065" bIns="12065" numCol="1" spcCol="1270" anchor="ctr" anchorCtr="0">
+                <a:noAutofit/>
+              </a:bodyPr>
+              <a:lstStyle/>
+              <a:p>
+                <a:pPr marL="114300" lvl="1" indent="-114300">
+                  <a:lnSpc>
+                    <a:spcPct val="90000"/>
+                  </a:lnSpc>
+                  <a:spcBef>
+                    <a:spcPct val="0"/>
+                  </a:spcBef>
+                  <a:spcAft>
+                    <a:spcPct val="15000"/>
+                  </a:spcAft>
+                  <a:buChar char="••"/>
+                </a:pPr>
+                <a:r>
+                  <a:rPr lang="pt-BR" sz="1500" dirty="0">
+                    <a:latin typeface="Corbel"/>
+                  </a:rPr>
+                  <a:t>Aparência</a:t>
+                </a:r>
+              </a:p>
+              <a:p>
+                <a:pPr marL="114300" lvl="1" indent="-114300">
+                  <a:lnSpc>
+                    <a:spcPct val="90000"/>
+                  </a:lnSpc>
+                  <a:spcBef>
+                    <a:spcPct val="0"/>
+                  </a:spcBef>
+                  <a:spcAft>
+                    <a:spcPct val="15000"/>
+                  </a:spcAft>
+                  <a:buChar char="••"/>
+                </a:pPr>
+                <a:r>
+                  <a:rPr lang="pt-BR" sz="1500" dirty="0">
+                    <a:latin typeface="Corbel"/>
+                  </a:rPr>
+                  <a:t>Declarative Bindings</a:t>
+                </a:r>
+              </a:p>
+              <a:p>
+                <a:pPr marL="114300" lvl="1" indent="-114300">
+                  <a:lnSpc>
+                    <a:spcPct val="90000"/>
+                  </a:lnSpc>
+                  <a:spcBef>
+                    <a:spcPct val="0"/>
+                  </a:spcBef>
+                  <a:spcAft>
+                    <a:spcPct val="15000"/>
+                  </a:spcAft>
+                  <a:buChar char="••"/>
+                </a:pPr>
+                <a:r>
+                  <a:rPr lang="pt-BR" sz="1500" dirty="0">
+                    <a:latin typeface="Corbel"/>
+                  </a:rPr>
+                  <a:t>Poder do HTML e CSS</a:t>
+                </a:r>
+              </a:p>
+              <a:p>
+                <a:pPr marL="114300" lvl="1" indent="-114300">
+                  <a:lnSpc>
+                    <a:spcPct val="90000"/>
+                  </a:lnSpc>
+                  <a:spcBef>
+                    <a:spcPct val="0"/>
+                  </a:spcBef>
+                  <a:spcAft>
+                    <a:spcPct val="15000"/>
+                  </a:spcAft>
+                  <a:buChar char="••"/>
+                </a:pPr>
+                <a:r>
+                  <a:rPr lang="pt-BR" sz="1500" dirty="0">
+                    <a:latin typeface="Corbel"/>
+                  </a:rPr>
+                  <a:t>Custom Data Attributes</a:t>
+                </a:r>
+              </a:p>
+            </p:txBody>
+          </p:sp>
+        </p:grpSp>
+        <p:grpSp>
+          <p:nvGrpSpPr>
+            <p:cNvPr id="8" name="Grupo 4"/>
+            <p:cNvGrpSpPr/>
+            <p:nvPr/>
+          </p:nvGrpSpPr>
+          <p:grpSpPr>
+            <a:xfrm>
+              <a:off x="7638392" y="1417001"/>
+              <a:ext cx="1557905" cy="778766"/>
+              <a:chOff x="2141763" y="1012337"/>
+              <a:chExt cx="1557905" cy="778766"/>
+            </a:xfrm>
+          </p:grpSpPr>
+          <p:sp>
+            <p:nvSpPr>
+              <p:cNvPr id="9" name="Retângulo 19"/>
+              <p:cNvSpPr/>
+              <p:nvPr/>
+            </p:nvSpPr>
+            <p:spPr>
+              <a:xfrm>
+                <a:off x="2141763" y="1012337"/>
+                <a:ext cx="1557905" cy="778766"/>
+              </a:xfrm>
+              <a:prstGeom prst="rect">
+                <a:avLst/>
+              </a:prstGeom>
+            </p:spPr>
+            <p:style>
+              <a:lnRef idx="0">
+                <a:schemeClr val="dk1">
+                  <a:alpha val="0"/>
+                  <a:hueOff val="0"/>
+                  <a:satOff val="0"/>
+                  <a:lumOff val="0"/>
+                  <a:alphaOff val="0"/>
+                </a:schemeClr>
+              </a:lnRef>
+              <a:fillRef idx="0">
+                <a:schemeClr val="lt1">
+                  <a:alpha val="0"/>
+                  <a:hueOff val="0"/>
+                  <a:satOff val="0"/>
+                  <a:lumOff val="0"/>
+                  <a:alphaOff val="0"/>
+                </a:schemeClr>
+              </a:fillRef>
+              <a:effectRef idx="0">
+                <a:schemeClr val="lt1">
+                  <a:alpha val="0"/>
+                  <a:hueOff val="0"/>
+                  <a:satOff val="0"/>
+                  <a:lumOff val="0"/>
+                  <a:alphaOff val="0"/>
+                </a:schemeClr>
+              </a:effectRef>
+              <a:fontRef idx="minor">
+                <a:schemeClr val="tx1">
+                  <a:hueOff val="0"/>
+                  <a:satOff val="0"/>
+                  <a:lumOff val="0"/>
+                  <a:alphaOff val="0"/>
+                </a:schemeClr>
+              </a:fontRef>
+            </p:style>
+          </p:sp>
+          <p:sp>
+            <p:nvSpPr>
+              <p:cNvPr id="10" name="Retângulo 20"/>
+              <p:cNvSpPr/>
+              <p:nvPr/>
+            </p:nvSpPr>
+            <p:spPr>
+              <a:xfrm>
+                <a:off x="2141763" y="1012337"/>
+                <a:ext cx="1557905" cy="778766"/>
+              </a:xfrm>
+              <a:prstGeom prst="rect">
+                <a:avLst/>
+              </a:prstGeom>
+            </p:spPr>
+            <p:style>
+              <a:lnRef idx="0">
+                <a:scrgbClr r="0" g="0" b="0"/>
+              </a:lnRef>
+              <a:fillRef idx="0">
+                <a:scrgbClr r="0" g="0" b="0"/>
+              </a:fillRef>
+              <a:effectRef idx="0">
+                <a:scrgbClr r="0" g="0" b="0"/>
+              </a:effectRef>
+              <a:fontRef idx="minor">
+                <a:schemeClr val="tx1">
+                  <a:hueOff val="0"/>
+                  <a:satOff val="0"/>
+                  <a:lumOff val="0"/>
+                  <a:alphaOff val="0"/>
+                </a:schemeClr>
+              </a:fontRef>
+            </p:style>
+            <p:txBody>
+              <a:bodyPr spcFirstLastPara="0" vert="horz" wrap="square" lIns="15875" tIns="15875" rIns="15875" bIns="15875" numCol="1" spcCol="1270" anchor="ctr" anchorCtr="0">
+                <a:noAutofit/>
+              </a:bodyPr>
+              <a:lstStyle/>
+              <a:p>
+                <a:pPr algn="ctr">
+                  <a:lnSpc>
+                    <a:spcPct val="90000"/>
+                  </a:lnSpc>
+                  <a:spcBef>
+                    <a:spcPct val="0"/>
+                  </a:spcBef>
+                  <a:spcAft>
+                    <a:spcPct val="35000"/>
+                  </a:spcAft>
+                </a:pPr>
+                <a:r>
+                  <a:rPr lang="pt-BR" sz="2500" dirty="0" err="1">
+                    <a:latin typeface="Corbel"/>
+                  </a:rPr>
+                  <a:t>View</a:t>
+                </a:r>
+                <a:endParaRPr lang="pt-BR" sz="2500" dirty="0">
+                  <a:latin typeface="Corbel"/>
+                </a:endParaRPr>
+              </a:p>
+            </p:txBody>
+          </p:sp>
+        </p:grpSp>
+      </p:grpSp>
+      <p:grpSp>
+        <p:nvGrpSpPr>
+          <p:cNvPr id="28" name="Group 27"/>
+          <p:cNvGrpSpPr/>
+          <p:nvPr/>
+        </p:nvGrpSpPr>
+        <p:grpSpPr>
+          <a:xfrm>
+            <a:off x="6240016" y="2015783"/>
+            <a:ext cx="4778750" cy="2804024"/>
+            <a:chOff x="6240016" y="2015783"/>
+            <a:chExt cx="4778750" cy="2804024"/>
+          </a:xfrm>
+        </p:grpSpPr>
         <p:sp>
           <p:nvSpPr>
-            <p:cNvPr id="7" name="Retângulo 22"/>
+            <p:cNvPr id="11" name="Forma 5"/>
             <p:cNvSpPr/>
             <p:nvPr/>
           </p:nvSpPr>
           <p:spPr>
             <a:xfrm>
-              <a:off x="4219947" y="835848"/>
-              <a:ext cx="1894665" cy="1121842"/>
+              <a:off x="6240016" y="2015783"/>
+              <a:ext cx="2803597" cy="2804024"/>
             </a:xfrm>
-            <a:prstGeom prst="rect">
-              <a:avLst/>
+            <a:prstGeom prst="leftCircularArrow">
+              <a:avLst>
+                <a:gd name="adj1" fmla="val 10980"/>
+                <a:gd name="adj2" fmla="val 1142322"/>
+                <a:gd name="adj3" fmla="val 6300000"/>
+                <a:gd name="adj4" fmla="val 18900000"/>
+                <a:gd name="adj5" fmla="val 12500"/>
+              </a:avLst>
             </a:prstGeom>
           </p:spPr>
           <p:style>
             <a:lnRef idx="0">
-              <a:scrgbClr r="0" g="0" b="0"/>
-            </a:lnRef>
-            <a:fillRef idx="0">
-              <a:scrgbClr r="0" g="0" b="0"/>
-            </a:fillRef>
-            <a:effectRef idx="0">
-              <a:scrgbClr r="0" g="0" b="0"/>
-            </a:effectRef>
-            <a:fontRef idx="minor">
-              <a:schemeClr val="tx1">
-                <a:hueOff val="0"/>
-                <a:satOff val="0"/>
-                <a:lumOff val="0"/>
-                <a:alphaOff val="0"/>
-              </a:schemeClr>
-            </a:fontRef>
-          </p:style>
-          <p:txBody>
-            <a:bodyPr spcFirstLastPara="0" vert="horz" wrap="square" lIns="12065" tIns="12065" rIns="12065" bIns="12065" numCol="1" spcCol="1270" anchor="ctr" anchorCtr="0">
-              <a:noAutofit/>
-            </a:bodyPr>
-            <a:lstStyle/>
-            <a:p>
-              <a:pPr marL="114300" lvl="1" indent="-114300">
-                <a:lnSpc>
-                  <a:spcPct val="90000"/>
-                </a:lnSpc>
-                <a:spcBef>
-                  <a:spcPct val="0"/>
-                </a:spcBef>
-                <a:spcAft>
-                  <a:spcPct val="15000"/>
-                </a:spcAft>
-                <a:buChar char="••"/>
-              </a:pPr>
-              <a:r>
-                <a:rPr lang="pt-BR" sz="1500" dirty="0">
-                  <a:latin typeface="Corbel"/>
-                </a:rPr>
-                <a:t>Aparência</a:t>
-              </a:r>
-              <a:endParaRPr lang="pt-BR" sz="1500" dirty="0">
-                <a:latin typeface="Corbel"/>
-              </a:endParaRPr>
-            </a:p>
-            <a:p>
-              <a:pPr marL="114300" lvl="1" indent="-114300">
-                <a:lnSpc>
-                  <a:spcPct val="90000"/>
-                </a:lnSpc>
-                <a:spcBef>
-                  <a:spcPct val="0"/>
-                </a:spcBef>
-                <a:spcAft>
-                  <a:spcPct val="15000"/>
-                </a:spcAft>
-                <a:buChar char="••"/>
-              </a:pPr>
-              <a:r>
-                <a:rPr lang="pt-BR" sz="1500" dirty="0">
-                  <a:latin typeface="Corbel"/>
-                </a:rPr>
-                <a:t>Declarative Bindings</a:t>
-              </a:r>
-            </a:p>
-            <a:p>
-              <a:pPr marL="114300" lvl="1" indent="-114300">
-                <a:lnSpc>
-                  <a:spcPct val="90000"/>
-                </a:lnSpc>
-                <a:spcBef>
-                  <a:spcPct val="0"/>
-                </a:spcBef>
-                <a:spcAft>
-                  <a:spcPct val="15000"/>
-                </a:spcAft>
-                <a:buChar char="••"/>
-              </a:pPr>
-              <a:r>
-                <a:rPr lang="pt-BR" sz="1500" dirty="0">
-                  <a:latin typeface="Corbel"/>
-                </a:rPr>
-                <a:t>Poder do HTML e CSS</a:t>
-              </a:r>
-            </a:p>
-            <a:p>
-              <a:pPr marL="114300" lvl="1" indent="-114300">
-                <a:lnSpc>
-                  <a:spcPct val="90000"/>
-                </a:lnSpc>
-                <a:spcBef>
-                  <a:spcPct val="0"/>
-                </a:spcBef>
-                <a:spcAft>
-                  <a:spcPct val="15000"/>
-                </a:spcAft>
-                <a:buChar char="••"/>
-              </a:pPr>
-              <a:r>
-                <a:rPr lang="pt-BR" sz="1500" dirty="0">
-                  <a:latin typeface="Corbel"/>
-                </a:rPr>
-                <a:t>Custom Data Attributes</a:t>
-              </a:r>
-              <a:endParaRPr lang="pt-BR" sz="1500" dirty="0">
-                <a:latin typeface="Corbel"/>
-              </a:endParaRPr>
-            </a:p>
-          </p:txBody>
-        </p:sp>
-      </p:grpSp>
-      <p:grpSp>
-        <p:nvGrpSpPr>
-          <p:cNvPr id="8" name="Grupo 4"/>
-          <p:cNvGrpSpPr/>
-          <p:nvPr/>
-        </p:nvGrpSpPr>
-        <p:grpSpPr>
-          <a:xfrm>
-            <a:off x="7638392" y="1417001"/>
-            <a:ext cx="1557905" cy="778766"/>
-            <a:chOff x="2141763" y="1012337"/>
-            <a:chExt cx="1557905" cy="778766"/>
-          </a:xfrm>
-        </p:grpSpPr>
-        <p:sp>
-          <p:nvSpPr>
-            <p:cNvPr id="9" name="Retângulo 19"/>
-            <p:cNvSpPr/>
-            <p:nvPr/>
-          </p:nvSpPr>
-          <p:spPr>
-            <a:xfrm>
-              <a:off x="2141763" y="1012337"/>
-              <a:ext cx="1557905" cy="778766"/>
-            </a:xfrm>
-            <a:prstGeom prst="rect">
-              <a:avLst/>
-            </a:prstGeom>
-          </p:spPr>
-          <p:style>
-            <a:lnRef idx="0">
-              <a:schemeClr val="dk1">
-                <a:alpha val="0"/>
+              <a:schemeClr val="lt1">
                 <a:hueOff val="0"/>
                 <a:satOff val="0"/>
                 <a:lumOff val="0"/>
                 <a:alphaOff val="0"/>
               </a:schemeClr>
             </a:lnRef>
-            <a:fillRef idx="0">
-              <a:schemeClr val="lt1">
-                <a:alpha val="0"/>
+            <a:fillRef idx="3">
+              <a:schemeClr val="accent3">
                 <a:hueOff val="0"/>
                 <a:satOff val="0"/>
                 <a:lumOff val="0"/>
                 <a:alphaOff val="0"/>
               </a:schemeClr>
             </a:fillRef>
-            <a:effectRef idx="0">
-              <a:schemeClr val="lt1">
-                <a:alpha val="0"/>
+            <a:effectRef idx="2">
+              <a:schemeClr val="accent3">
                 <a:hueOff val="0"/>
                 <a:satOff val="0"/>
                 <a:lumOff val="0"/>
@@ -8542,181 +9109,363 @@
               </a:schemeClr>
             </a:effectRef>
             <a:fontRef idx="minor">
-              <a:schemeClr val="tx1">
-                <a:hueOff val="0"/>
-                <a:satOff val="0"/>
-                <a:lumOff val="0"/>
-                <a:alphaOff val="0"/>
-              </a:schemeClr>
+              <a:schemeClr val="lt1"/>
             </a:fontRef>
           </p:style>
         </p:sp>
+        <p:grpSp>
+          <p:nvGrpSpPr>
+            <p:cNvPr id="12" name="Grupo 6"/>
+            <p:cNvGrpSpPr/>
+            <p:nvPr/>
+          </p:nvGrpSpPr>
+          <p:grpSpPr>
+            <a:xfrm>
+              <a:off x="9336608" y="2860660"/>
+              <a:ext cx="1682158" cy="1121842"/>
+              <a:chOff x="3546984" y="2456287"/>
+              <a:chExt cx="1682158" cy="1121842"/>
+            </a:xfrm>
+          </p:grpSpPr>
+          <p:sp>
+            <p:nvSpPr>
+              <p:cNvPr id="13" name="Retângulo 17"/>
+              <p:cNvSpPr/>
+              <p:nvPr/>
+            </p:nvSpPr>
+            <p:spPr>
+              <a:xfrm>
+                <a:off x="3546984" y="2456287"/>
+                <a:ext cx="1682158" cy="1121842"/>
+              </a:xfrm>
+              <a:prstGeom prst="rect">
+                <a:avLst/>
+              </a:prstGeom>
+            </p:spPr>
+            <p:style>
+              <a:lnRef idx="0">
+                <a:schemeClr val="dk1">
+                  <a:alpha val="0"/>
+                  <a:hueOff val="0"/>
+                  <a:satOff val="0"/>
+                  <a:lumOff val="0"/>
+                  <a:alphaOff val="0"/>
+                </a:schemeClr>
+              </a:lnRef>
+              <a:fillRef idx="0">
+                <a:schemeClr val="lt1">
+                  <a:alpha val="0"/>
+                  <a:hueOff val="0"/>
+                  <a:satOff val="0"/>
+                  <a:lumOff val="0"/>
+                  <a:alphaOff val="0"/>
+                </a:schemeClr>
+              </a:fillRef>
+              <a:effectRef idx="0">
+                <a:schemeClr val="lt1">
+                  <a:alpha val="0"/>
+                  <a:hueOff val="0"/>
+                  <a:satOff val="0"/>
+                  <a:lumOff val="0"/>
+                  <a:alphaOff val="0"/>
+                </a:schemeClr>
+              </a:effectRef>
+              <a:fontRef idx="minor">
+                <a:schemeClr val="tx1">
+                  <a:hueOff val="0"/>
+                  <a:satOff val="0"/>
+                  <a:lumOff val="0"/>
+                  <a:alphaOff val="0"/>
+                </a:schemeClr>
+              </a:fontRef>
+            </p:style>
+          </p:sp>
+          <p:sp>
+            <p:nvSpPr>
+              <p:cNvPr id="14" name="Retângulo 18"/>
+              <p:cNvSpPr/>
+              <p:nvPr/>
+            </p:nvSpPr>
+            <p:spPr>
+              <a:xfrm>
+                <a:off x="3546984" y="2456287"/>
+                <a:ext cx="1682158" cy="1121842"/>
+              </a:xfrm>
+              <a:prstGeom prst="rect">
+                <a:avLst/>
+              </a:prstGeom>
+            </p:spPr>
+            <p:style>
+              <a:lnRef idx="0">
+                <a:scrgbClr r="0" g="0" b="0"/>
+              </a:lnRef>
+              <a:fillRef idx="0">
+                <a:scrgbClr r="0" g="0" b="0"/>
+              </a:fillRef>
+              <a:effectRef idx="0">
+                <a:scrgbClr r="0" g="0" b="0"/>
+              </a:effectRef>
+              <a:fontRef idx="minor">
+                <a:schemeClr val="tx1">
+                  <a:hueOff val="0"/>
+                  <a:satOff val="0"/>
+                  <a:lumOff val="0"/>
+                  <a:alphaOff val="0"/>
+                </a:schemeClr>
+              </a:fontRef>
+            </p:style>
+            <p:txBody>
+              <a:bodyPr spcFirstLastPara="0" vert="horz" wrap="square" lIns="12065" tIns="12065" rIns="12065" bIns="12065" numCol="1" spcCol="1270" anchor="ctr" anchorCtr="0">
+                <a:noAutofit/>
+              </a:bodyPr>
+              <a:lstStyle/>
+              <a:p>
+                <a:pPr marL="114300" lvl="1" indent="-114300">
+                  <a:lnSpc>
+                    <a:spcPct val="90000"/>
+                  </a:lnSpc>
+                  <a:spcBef>
+                    <a:spcPct val="0"/>
+                  </a:spcBef>
+                  <a:spcAft>
+                    <a:spcPct val="15000"/>
+                  </a:spcAft>
+                  <a:buChar char="••"/>
+                </a:pPr>
+                <a:r>
+                  <a:rPr lang="pt-BR" sz="1500" dirty="0">
+                    <a:latin typeface="Corbel"/>
+                  </a:rPr>
+                  <a:t>Lógica de apresentação</a:t>
+                </a:r>
+              </a:p>
+              <a:p>
+                <a:pPr marL="114300" lvl="1" indent="-114300">
+                  <a:lnSpc>
+                    <a:spcPct val="90000"/>
+                  </a:lnSpc>
+                  <a:spcBef>
+                    <a:spcPct val="0"/>
+                  </a:spcBef>
+                  <a:spcAft>
+                    <a:spcPct val="15000"/>
+                  </a:spcAft>
+                  <a:buChar char="••"/>
+                </a:pPr>
+                <a:r>
+                  <a:rPr lang="pt-BR" sz="1500" dirty="0">
+                    <a:latin typeface="Corbel"/>
+                  </a:rPr>
+                  <a:t>Testável</a:t>
+                </a:r>
+              </a:p>
+              <a:p>
+                <a:pPr marL="114300" lvl="1" indent="-114300">
+                  <a:lnSpc>
+                    <a:spcPct val="90000"/>
+                  </a:lnSpc>
+                  <a:spcBef>
+                    <a:spcPct val="0"/>
+                  </a:spcBef>
+                  <a:spcAft>
+                    <a:spcPct val="15000"/>
+                  </a:spcAft>
+                  <a:buChar char="••"/>
+                </a:pPr>
+                <a:r>
+                  <a:rPr lang="pt-BR" sz="1500" dirty="0">
+                    <a:latin typeface="Corbel"/>
+                  </a:rPr>
+                  <a:t>Flexibilidade do JavaScript</a:t>
+                </a:r>
+              </a:p>
+            </p:txBody>
+          </p:sp>
+        </p:grpSp>
+        <p:grpSp>
+          <p:nvGrpSpPr>
+            <p:cNvPr id="15" name="Grupo 7"/>
+            <p:cNvGrpSpPr/>
+            <p:nvPr/>
+          </p:nvGrpSpPr>
+          <p:grpSpPr>
+            <a:xfrm>
+              <a:off x="6862862" y="3037441"/>
+              <a:ext cx="1557905" cy="778766"/>
+              <a:chOff x="1366233" y="2632777"/>
+              <a:chExt cx="1557905" cy="778766"/>
+            </a:xfrm>
+          </p:grpSpPr>
+          <p:sp>
+            <p:nvSpPr>
+              <p:cNvPr id="16" name="Retângulo 15"/>
+              <p:cNvSpPr/>
+              <p:nvPr/>
+            </p:nvSpPr>
+            <p:spPr>
+              <a:xfrm>
+                <a:off x="1366233" y="2632777"/>
+                <a:ext cx="1557905" cy="778766"/>
+              </a:xfrm>
+              <a:prstGeom prst="rect">
+                <a:avLst/>
+              </a:prstGeom>
+            </p:spPr>
+            <p:style>
+              <a:lnRef idx="0">
+                <a:schemeClr val="dk1">
+                  <a:alpha val="0"/>
+                  <a:hueOff val="0"/>
+                  <a:satOff val="0"/>
+                  <a:lumOff val="0"/>
+                  <a:alphaOff val="0"/>
+                </a:schemeClr>
+              </a:lnRef>
+              <a:fillRef idx="0">
+                <a:schemeClr val="lt1">
+                  <a:alpha val="0"/>
+                  <a:hueOff val="0"/>
+                  <a:satOff val="0"/>
+                  <a:lumOff val="0"/>
+                  <a:alphaOff val="0"/>
+                </a:schemeClr>
+              </a:fillRef>
+              <a:effectRef idx="0">
+                <a:schemeClr val="lt1">
+                  <a:alpha val="0"/>
+                  <a:hueOff val="0"/>
+                  <a:satOff val="0"/>
+                  <a:lumOff val="0"/>
+                  <a:alphaOff val="0"/>
+                </a:schemeClr>
+              </a:effectRef>
+              <a:fontRef idx="minor">
+                <a:schemeClr val="tx1">
+                  <a:hueOff val="0"/>
+                  <a:satOff val="0"/>
+                  <a:lumOff val="0"/>
+                  <a:alphaOff val="0"/>
+                </a:schemeClr>
+              </a:fontRef>
+            </p:style>
+          </p:sp>
+          <p:sp>
+            <p:nvSpPr>
+              <p:cNvPr id="17" name="Retângulo 16"/>
+              <p:cNvSpPr/>
+              <p:nvPr/>
+            </p:nvSpPr>
+            <p:spPr>
+              <a:xfrm>
+                <a:off x="1366233" y="2632777"/>
+                <a:ext cx="1557905" cy="778766"/>
+              </a:xfrm>
+              <a:prstGeom prst="rect">
+                <a:avLst/>
+              </a:prstGeom>
+            </p:spPr>
+            <p:style>
+              <a:lnRef idx="0">
+                <a:scrgbClr r="0" g="0" b="0"/>
+              </a:lnRef>
+              <a:fillRef idx="0">
+                <a:scrgbClr r="0" g="0" b="0"/>
+              </a:fillRef>
+              <a:effectRef idx="0">
+                <a:scrgbClr r="0" g="0" b="0"/>
+              </a:effectRef>
+              <a:fontRef idx="minor">
+                <a:schemeClr val="tx1">
+                  <a:hueOff val="0"/>
+                  <a:satOff val="0"/>
+                  <a:lumOff val="0"/>
+                  <a:alphaOff val="0"/>
+                </a:schemeClr>
+              </a:fontRef>
+            </p:style>
+            <p:txBody>
+              <a:bodyPr spcFirstLastPara="0" vert="horz" wrap="square" lIns="15875" tIns="15875" rIns="15875" bIns="15875" numCol="1" spcCol="1270" anchor="ctr" anchorCtr="0">
+                <a:noAutofit/>
+              </a:bodyPr>
+              <a:lstStyle/>
+              <a:p>
+                <a:pPr algn="ctr">
+                  <a:lnSpc>
+                    <a:spcPct val="90000"/>
+                  </a:lnSpc>
+                  <a:spcBef>
+                    <a:spcPct val="0"/>
+                  </a:spcBef>
+                  <a:spcAft>
+                    <a:spcPct val="35000"/>
+                  </a:spcAft>
+                </a:pPr>
+                <a:r>
+                  <a:rPr lang="pt-BR" sz="2500" dirty="0" err="1">
+                    <a:latin typeface="Corbel"/>
+                  </a:rPr>
+                  <a:t>ViewModel</a:t>
+                </a:r>
+                <a:endParaRPr lang="pt-BR" sz="2500" dirty="0">
+                  <a:latin typeface="Corbel"/>
+                </a:endParaRPr>
+              </a:p>
+            </p:txBody>
+          </p:sp>
+        </p:grpSp>
+      </p:grpSp>
+      <p:grpSp>
+        <p:nvGrpSpPr>
+          <p:cNvPr id="27" name="Group 26"/>
+          <p:cNvGrpSpPr/>
+          <p:nvPr/>
+        </p:nvGrpSpPr>
+        <p:grpSpPr>
+          <a:xfrm>
+            <a:off x="7218247" y="3819703"/>
+            <a:ext cx="4286739" cy="2409689"/>
+            <a:chOff x="7218247" y="3819703"/>
+            <a:chExt cx="4286739" cy="2409689"/>
+          </a:xfrm>
+        </p:grpSpPr>
         <p:sp>
           <p:nvSpPr>
-            <p:cNvPr id="10" name="Retângulo 20"/>
+            <p:cNvPr id="18" name="Semicírculos 8"/>
             <p:cNvSpPr/>
             <p:nvPr/>
           </p:nvSpPr>
           <p:spPr>
             <a:xfrm>
-              <a:off x="2141763" y="1012337"/>
-              <a:ext cx="1557905" cy="778766"/>
+              <a:off x="7218247" y="3819703"/>
+              <a:ext cx="2408724" cy="2409689"/>
             </a:xfrm>
-            <a:prstGeom prst="rect">
-              <a:avLst/>
+            <a:prstGeom prst="blockArc">
+              <a:avLst>
+                <a:gd name="adj1" fmla="val 13500000"/>
+                <a:gd name="adj2" fmla="val 10800000"/>
+                <a:gd name="adj3" fmla="val 12740"/>
+              </a:avLst>
             </a:prstGeom>
           </p:spPr>
           <p:style>
             <a:lnRef idx="0">
-              <a:scrgbClr r="0" g="0" b="0"/>
-            </a:lnRef>
-            <a:fillRef idx="0">
-              <a:scrgbClr r="0" g="0" b="0"/>
-            </a:fillRef>
-            <a:effectRef idx="0">
-              <a:scrgbClr r="0" g="0" b="0"/>
-            </a:effectRef>
-            <a:fontRef idx="minor">
-              <a:schemeClr val="tx1">
-                <a:hueOff val="0"/>
-                <a:satOff val="0"/>
-                <a:lumOff val="0"/>
-                <a:alphaOff val="0"/>
-              </a:schemeClr>
-            </a:fontRef>
-          </p:style>
-          <p:txBody>
-            <a:bodyPr spcFirstLastPara="0" vert="horz" wrap="square" lIns="15875" tIns="15875" rIns="15875" bIns="15875" numCol="1" spcCol="1270" anchor="ctr" anchorCtr="0">
-              <a:noAutofit/>
-            </a:bodyPr>
-            <a:lstStyle/>
-            <a:p>
-              <a:pPr algn="ctr">
-                <a:lnSpc>
-                  <a:spcPct val="90000"/>
-                </a:lnSpc>
-                <a:spcBef>
-                  <a:spcPct val="0"/>
-                </a:spcBef>
-                <a:spcAft>
-                  <a:spcPct val="35000"/>
-                </a:spcAft>
-              </a:pPr>
-              <a:r>
-                <a:rPr lang="pt-BR" sz="2500" dirty="0" err="1">
-                  <a:latin typeface="Corbel"/>
-                </a:rPr>
-                <a:t>View</a:t>
-              </a:r>
-              <a:endParaRPr lang="pt-BR" sz="2500" dirty="0">
-                <a:latin typeface="Corbel"/>
-              </a:endParaRPr>
-            </a:p>
-          </p:txBody>
-        </p:sp>
-      </p:grpSp>
-      <p:sp>
-        <p:nvSpPr>
-          <p:cNvPr id="11" name="Forma 5"/>
-          <p:cNvSpPr/>
-          <p:nvPr/>
-        </p:nvSpPr>
-        <p:spPr>
-          <a:xfrm>
-            <a:off x="6240016" y="2015783"/>
-            <a:ext cx="2803597" cy="2804024"/>
-          </a:xfrm>
-          <a:prstGeom prst="leftCircularArrow">
-            <a:avLst>
-              <a:gd name="adj1" fmla="val 10980"/>
-              <a:gd name="adj2" fmla="val 1142322"/>
-              <a:gd name="adj3" fmla="val 6300000"/>
-              <a:gd name="adj4" fmla="val 18900000"/>
-              <a:gd name="adj5" fmla="val 12500"/>
-            </a:avLst>
-          </a:prstGeom>
-        </p:spPr>
-        <p:style>
-          <a:lnRef idx="0">
-            <a:schemeClr val="lt1">
-              <a:hueOff val="0"/>
-              <a:satOff val="0"/>
-              <a:lumOff val="0"/>
-              <a:alphaOff val="0"/>
-            </a:schemeClr>
-          </a:lnRef>
-          <a:fillRef idx="3">
-            <a:schemeClr val="accent3">
-              <a:hueOff val="0"/>
-              <a:satOff val="0"/>
-              <a:lumOff val="0"/>
-              <a:alphaOff val="0"/>
-            </a:schemeClr>
-          </a:fillRef>
-          <a:effectRef idx="2">
-            <a:schemeClr val="accent3">
-              <a:hueOff val="0"/>
-              <a:satOff val="0"/>
-              <a:lumOff val="0"/>
-              <a:alphaOff val="0"/>
-            </a:schemeClr>
-          </a:effectRef>
-          <a:fontRef idx="minor">
-            <a:schemeClr val="lt1"/>
-          </a:fontRef>
-        </p:style>
-      </p:sp>
-      <p:grpSp>
-        <p:nvGrpSpPr>
-          <p:cNvPr id="12" name="Grupo 6"/>
-          <p:cNvGrpSpPr/>
-          <p:nvPr/>
-        </p:nvGrpSpPr>
-        <p:grpSpPr>
-          <a:xfrm>
-            <a:off x="9336608" y="2860660"/>
-            <a:ext cx="1682158" cy="1121842"/>
-            <a:chOff x="3546984" y="2456287"/>
-            <a:chExt cx="1682158" cy="1121842"/>
-          </a:xfrm>
-        </p:grpSpPr>
-        <p:sp>
-          <p:nvSpPr>
-            <p:cNvPr id="13" name="Retângulo 17"/>
-            <p:cNvSpPr/>
-            <p:nvPr/>
-          </p:nvSpPr>
-          <p:spPr>
-            <a:xfrm>
-              <a:off x="3546984" y="2456287"/>
-              <a:ext cx="1682158" cy="1121842"/>
-            </a:xfrm>
-            <a:prstGeom prst="rect">
-              <a:avLst/>
-            </a:prstGeom>
-          </p:spPr>
-          <p:style>
-            <a:lnRef idx="0">
-              <a:schemeClr val="dk1">
-                <a:alpha val="0"/>
+              <a:schemeClr val="lt1">
                 <a:hueOff val="0"/>
                 <a:satOff val="0"/>
                 <a:lumOff val="0"/>
                 <a:alphaOff val="0"/>
               </a:schemeClr>
             </a:lnRef>
-            <a:fillRef idx="0">
-              <a:schemeClr val="lt1">
-                <a:alpha val="0"/>
+            <a:fillRef idx="3">
+              <a:schemeClr val="accent4">
                 <a:hueOff val="0"/>
                 <a:satOff val="0"/>
                 <a:lumOff val="0"/>
                 <a:alphaOff val="0"/>
               </a:schemeClr>
             </a:fillRef>
-            <a:effectRef idx="0">
-              <a:schemeClr val="lt1">
-                <a:alpha val="0"/>
+            <a:effectRef idx="2">
+              <a:schemeClr val="accent4">
                 <a:hueOff val="0"/>
                 <a:satOff val="0"/>
                 <a:lumOff val="0"/>
@@ -8724,591 +9473,290 @@
               </a:schemeClr>
             </a:effectRef>
             <a:fontRef idx="minor">
-              <a:schemeClr val="tx1">
-                <a:hueOff val="0"/>
-                <a:satOff val="0"/>
-                <a:lumOff val="0"/>
-                <a:alphaOff val="0"/>
-              </a:schemeClr>
+              <a:schemeClr val="lt1"/>
             </a:fontRef>
           </p:style>
         </p:sp>
-        <p:sp>
-          <p:nvSpPr>
-            <p:cNvPr id="14" name="Retângulo 18"/>
-            <p:cNvSpPr/>
+        <p:grpSp>
+          <p:nvGrpSpPr>
+            <p:cNvPr id="19" name="Grupo 9"/>
+            <p:cNvGrpSpPr/>
             <p:nvPr/>
-          </p:nvSpPr>
-          <p:spPr>
+          </p:nvGrpSpPr>
+          <p:grpSpPr>
             <a:xfrm>
-              <a:off x="3546984" y="2456287"/>
+              <a:off x="9822828" y="4480808"/>
               <a:ext cx="1682158" cy="1121842"/>
+              <a:chOff x="4326200" y="4076144"/>
+              <a:chExt cx="1682158" cy="1121842"/>
             </a:xfrm>
-            <a:prstGeom prst="rect">
-              <a:avLst/>
-            </a:prstGeom>
-          </p:spPr>
-          <p:style>
-            <a:lnRef idx="0">
-              <a:scrgbClr r="0" g="0" b="0"/>
-            </a:lnRef>
-            <a:fillRef idx="0">
-              <a:scrgbClr r="0" g="0" b="0"/>
-            </a:fillRef>
-            <a:effectRef idx="0">
-              <a:scrgbClr r="0" g="0" b="0"/>
-            </a:effectRef>
-            <a:fontRef idx="minor">
-              <a:schemeClr val="tx1">
-                <a:hueOff val="0"/>
-                <a:satOff val="0"/>
-                <a:lumOff val="0"/>
-                <a:alphaOff val="0"/>
-              </a:schemeClr>
-            </a:fontRef>
-          </p:style>
-          <p:txBody>
-            <a:bodyPr spcFirstLastPara="0" vert="horz" wrap="square" lIns="12065" tIns="12065" rIns="12065" bIns="12065" numCol="1" spcCol="1270" anchor="ctr" anchorCtr="0">
-              <a:noAutofit/>
-            </a:bodyPr>
-            <a:lstStyle/>
-            <a:p>
-              <a:pPr marL="114300" lvl="1" indent="-114300">
-                <a:lnSpc>
-                  <a:spcPct val="90000"/>
-                </a:lnSpc>
-                <a:spcBef>
-                  <a:spcPct val="0"/>
-                </a:spcBef>
-                <a:spcAft>
-                  <a:spcPct val="15000"/>
-                </a:spcAft>
-                <a:buChar char="••"/>
-              </a:pPr>
-              <a:r>
-                <a:rPr lang="pt-BR" sz="1500" dirty="0">
+          </p:grpSpPr>
+          <p:sp>
+            <p:nvSpPr>
+              <p:cNvPr id="20" name="Retângulo 13"/>
+              <p:cNvSpPr/>
+              <p:nvPr/>
+            </p:nvSpPr>
+            <p:spPr>
+              <a:xfrm>
+                <a:off x="4326200" y="4076144"/>
+                <a:ext cx="1682158" cy="1121842"/>
+              </a:xfrm>
+              <a:prstGeom prst="rect">
+                <a:avLst/>
+              </a:prstGeom>
+            </p:spPr>
+            <p:style>
+              <a:lnRef idx="0">
+                <a:schemeClr val="dk1">
+                  <a:alpha val="0"/>
+                  <a:hueOff val="0"/>
+                  <a:satOff val="0"/>
+                  <a:lumOff val="0"/>
+                  <a:alphaOff val="0"/>
+                </a:schemeClr>
+              </a:lnRef>
+              <a:fillRef idx="0">
+                <a:schemeClr val="lt1">
+                  <a:alpha val="0"/>
+                  <a:hueOff val="0"/>
+                  <a:satOff val="0"/>
+                  <a:lumOff val="0"/>
+                  <a:alphaOff val="0"/>
+                </a:schemeClr>
+              </a:fillRef>
+              <a:effectRef idx="0">
+                <a:schemeClr val="lt1">
+                  <a:alpha val="0"/>
+                  <a:hueOff val="0"/>
+                  <a:satOff val="0"/>
+                  <a:lumOff val="0"/>
+                  <a:alphaOff val="0"/>
+                </a:schemeClr>
+              </a:effectRef>
+              <a:fontRef idx="minor">
+                <a:schemeClr val="tx1">
+                  <a:hueOff val="0"/>
+                  <a:satOff val="0"/>
+                  <a:lumOff val="0"/>
+                  <a:alphaOff val="0"/>
+                </a:schemeClr>
+              </a:fontRef>
+            </p:style>
+          </p:sp>
+          <p:sp>
+            <p:nvSpPr>
+              <p:cNvPr id="21" name="Retângulo 14"/>
+              <p:cNvSpPr/>
+              <p:nvPr/>
+            </p:nvSpPr>
+            <p:spPr>
+              <a:xfrm>
+                <a:off x="4326200" y="4076144"/>
+                <a:ext cx="1682158" cy="1121842"/>
+              </a:xfrm>
+              <a:prstGeom prst="rect">
+                <a:avLst/>
+              </a:prstGeom>
+            </p:spPr>
+            <p:style>
+              <a:lnRef idx="0">
+                <a:scrgbClr r="0" g="0" b="0"/>
+              </a:lnRef>
+              <a:fillRef idx="0">
+                <a:scrgbClr r="0" g="0" b="0"/>
+              </a:fillRef>
+              <a:effectRef idx="0">
+                <a:scrgbClr r="0" g="0" b="0"/>
+              </a:effectRef>
+              <a:fontRef idx="minor">
+                <a:schemeClr val="tx1">
+                  <a:hueOff val="0"/>
+                  <a:satOff val="0"/>
+                  <a:lumOff val="0"/>
+                  <a:alphaOff val="0"/>
+                </a:schemeClr>
+              </a:fontRef>
+            </p:style>
+            <p:txBody>
+              <a:bodyPr spcFirstLastPara="0" vert="horz" wrap="square" lIns="12065" tIns="12065" rIns="12065" bIns="12065" numCol="1" spcCol="1270" anchor="ctr" anchorCtr="0">
+                <a:noAutofit/>
+              </a:bodyPr>
+              <a:lstStyle/>
+              <a:p>
+                <a:pPr marL="114300" lvl="1" indent="-114300">
+                  <a:lnSpc>
+                    <a:spcPct val="90000"/>
+                  </a:lnSpc>
+                  <a:spcBef>
+                    <a:spcPct val="0"/>
+                  </a:spcBef>
+                  <a:spcAft>
+                    <a:spcPct val="15000"/>
+                  </a:spcAft>
+                  <a:buChar char="••"/>
+                </a:pPr>
+                <a:r>
+                  <a:rPr lang="pt-BR" sz="1500" dirty="0">
+                    <a:latin typeface="Corbel"/>
+                  </a:rPr>
+                  <a:t>Lógica de negócio</a:t>
+                </a:r>
+              </a:p>
+              <a:p>
+                <a:pPr marL="114300" lvl="1" indent="-114300">
+                  <a:lnSpc>
+                    <a:spcPct val="90000"/>
+                  </a:lnSpc>
+                  <a:spcBef>
+                    <a:spcPct val="0"/>
+                  </a:spcBef>
+                  <a:spcAft>
+                    <a:spcPct val="15000"/>
+                  </a:spcAft>
+                  <a:buChar char="••"/>
+                </a:pPr>
+                <a:r>
+                  <a:rPr lang="pt-BR" sz="1500" dirty="0">
+                    <a:latin typeface="Corbel"/>
+                  </a:rPr>
+                  <a:t>Independe de plataforma ou tecnologia</a:t>
+                </a:r>
+              </a:p>
+            </p:txBody>
+          </p:sp>
+        </p:grpSp>
+        <p:grpSp>
+          <p:nvGrpSpPr>
+            <p:cNvPr id="22" name="Grupo 10"/>
+            <p:cNvGrpSpPr/>
+            <p:nvPr/>
+          </p:nvGrpSpPr>
+          <p:grpSpPr>
+            <a:xfrm>
+              <a:off x="7642078" y="4660210"/>
+              <a:ext cx="1557905" cy="778766"/>
+              <a:chOff x="2145449" y="4255546"/>
+              <a:chExt cx="1557905" cy="778766"/>
+            </a:xfrm>
+          </p:grpSpPr>
+          <p:sp>
+            <p:nvSpPr>
+              <p:cNvPr id="23" name="Retângulo 11"/>
+              <p:cNvSpPr/>
+              <p:nvPr/>
+            </p:nvSpPr>
+            <p:spPr>
+              <a:xfrm>
+                <a:off x="2145449" y="4255546"/>
+                <a:ext cx="1557905" cy="778766"/>
+              </a:xfrm>
+              <a:prstGeom prst="rect">
+                <a:avLst/>
+              </a:prstGeom>
+            </p:spPr>
+            <p:style>
+              <a:lnRef idx="0">
+                <a:schemeClr val="dk1">
+                  <a:alpha val="0"/>
+                  <a:hueOff val="0"/>
+                  <a:satOff val="0"/>
+                  <a:lumOff val="0"/>
+                  <a:alphaOff val="0"/>
+                </a:schemeClr>
+              </a:lnRef>
+              <a:fillRef idx="0">
+                <a:schemeClr val="lt1">
+                  <a:alpha val="0"/>
+                  <a:hueOff val="0"/>
+                  <a:satOff val="0"/>
+                  <a:lumOff val="0"/>
+                  <a:alphaOff val="0"/>
+                </a:schemeClr>
+              </a:fillRef>
+              <a:effectRef idx="0">
+                <a:schemeClr val="lt1">
+                  <a:alpha val="0"/>
+                  <a:hueOff val="0"/>
+                  <a:satOff val="0"/>
+                  <a:lumOff val="0"/>
+                  <a:alphaOff val="0"/>
+                </a:schemeClr>
+              </a:effectRef>
+              <a:fontRef idx="minor">
+                <a:schemeClr val="tx1">
+                  <a:hueOff val="0"/>
+                  <a:satOff val="0"/>
+                  <a:lumOff val="0"/>
+                  <a:alphaOff val="0"/>
+                </a:schemeClr>
+              </a:fontRef>
+            </p:style>
+          </p:sp>
+          <p:sp>
+            <p:nvSpPr>
+              <p:cNvPr id="24" name="Retângulo 12"/>
+              <p:cNvSpPr/>
+              <p:nvPr/>
+            </p:nvSpPr>
+            <p:spPr>
+              <a:xfrm>
+                <a:off x="2145449" y="4255546"/>
+                <a:ext cx="1557905" cy="778766"/>
+              </a:xfrm>
+              <a:prstGeom prst="rect">
+                <a:avLst/>
+              </a:prstGeom>
+            </p:spPr>
+            <p:style>
+              <a:lnRef idx="0">
+                <a:scrgbClr r="0" g="0" b="0"/>
+              </a:lnRef>
+              <a:fillRef idx="0">
+                <a:scrgbClr r="0" g="0" b="0"/>
+              </a:fillRef>
+              <a:effectRef idx="0">
+                <a:scrgbClr r="0" g="0" b="0"/>
+              </a:effectRef>
+              <a:fontRef idx="minor">
+                <a:schemeClr val="tx1">
+                  <a:hueOff val="0"/>
+                  <a:satOff val="0"/>
+                  <a:lumOff val="0"/>
+                  <a:alphaOff val="0"/>
+                </a:schemeClr>
+              </a:fontRef>
+            </p:style>
+            <p:txBody>
+              <a:bodyPr spcFirstLastPara="0" vert="horz" wrap="square" lIns="15875" tIns="15875" rIns="15875" bIns="15875" numCol="1" spcCol="1270" anchor="ctr" anchorCtr="0">
+                <a:noAutofit/>
+              </a:bodyPr>
+              <a:lstStyle/>
+              <a:p>
+                <a:pPr algn="ctr">
+                  <a:lnSpc>
+                    <a:spcPct val="90000"/>
+                  </a:lnSpc>
+                  <a:spcBef>
+                    <a:spcPct val="0"/>
+                  </a:spcBef>
+                  <a:spcAft>
+                    <a:spcPct val="35000"/>
+                  </a:spcAft>
+                </a:pPr>
+                <a:r>
+                  <a:rPr lang="pt-BR" sz="2500" dirty="0" err="1">
+                    <a:latin typeface="Corbel"/>
+                  </a:rPr>
+                  <a:t>Model</a:t>
+                </a:r>
+                <a:endParaRPr lang="pt-BR" sz="2500" dirty="0">
                   <a:latin typeface="Corbel"/>
-                </a:rPr>
-                <a:t>Lógica de apresentação</a:t>
-              </a:r>
-              <a:endParaRPr lang="pt-BR" sz="1500" dirty="0">
-                <a:latin typeface="Corbel"/>
-              </a:endParaRPr>
-            </a:p>
-            <a:p>
-              <a:pPr marL="114300" lvl="1" indent="-114300">
-                <a:lnSpc>
-                  <a:spcPct val="90000"/>
-                </a:lnSpc>
-                <a:spcBef>
-                  <a:spcPct val="0"/>
-                </a:spcBef>
-                <a:spcAft>
-                  <a:spcPct val="15000"/>
-                </a:spcAft>
-                <a:buChar char="••"/>
-              </a:pPr>
-              <a:r>
-                <a:rPr lang="pt-BR" sz="1500" dirty="0">
-                  <a:latin typeface="Corbel"/>
-                </a:rPr>
-                <a:t>Testável</a:t>
-              </a:r>
-              <a:endParaRPr lang="pt-BR" sz="1500" dirty="0">
-                <a:latin typeface="Corbel"/>
-              </a:endParaRPr>
-            </a:p>
-            <a:p>
-              <a:pPr marL="114300" lvl="1" indent="-114300">
-                <a:lnSpc>
-                  <a:spcPct val="90000"/>
-                </a:lnSpc>
-                <a:spcBef>
-                  <a:spcPct val="0"/>
-                </a:spcBef>
-                <a:spcAft>
-                  <a:spcPct val="15000"/>
-                </a:spcAft>
-                <a:buChar char="••"/>
-              </a:pPr>
-              <a:r>
-                <a:rPr lang="pt-BR" sz="1500" dirty="0">
-                  <a:latin typeface="Corbel"/>
-                </a:rPr>
-                <a:t>Flexibilidade do JavaScript</a:t>
-              </a:r>
-              <a:endParaRPr lang="pt-BR" sz="1500" dirty="0">
-                <a:latin typeface="Corbel"/>
-              </a:endParaRPr>
-            </a:p>
-          </p:txBody>
-        </p:sp>
-      </p:grpSp>
-      <p:grpSp>
-        <p:nvGrpSpPr>
-          <p:cNvPr id="15" name="Grupo 7"/>
-          <p:cNvGrpSpPr/>
-          <p:nvPr/>
-        </p:nvGrpSpPr>
-        <p:grpSpPr>
-          <a:xfrm>
-            <a:off x="6862862" y="3037441"/>
-            <a:ext cx="1557905" cy="778766"/>
-            <a:chOff x="1366233" y="2632777"/>
-            <a:chExt cx="1557905" cy="778766"/>
-          </a:xfrm>
-        </p:grpSpPr>
-        <p:sp>
-          <p:nvSpPr>
-            <p:cNvPr id="16" name="Retângulo 15"/>
-            <p:cNvSpPr/>
-            <p:nvPr/>
-          </p:nvSpPr>
-          <p:spPr>
-            <a:xfrm>
-              <a:off x="1366233" y="2632777"/>
-              <a:ext cx="1557905" cy="778766"/>
-            </a:xfrm>
-            <a:prstGeom prst="rect">
-              <a:avLst/>
-            </a:prstGeom>
-          </p:spPr>
-          <p:style>
-            <a:lnRef idx="0">
-              <a:schemeClr val="dk1">
-                <a:alpha val="0"/>
-                <a:hueOff val="0"/>
-                <a:satOff val="0"/>
-                <a:lumOff val="0"/>
-                <a:alphaOff val="0"/>
-              </a:schemeClr>
-            </a:lnRef>
-            <a:fillRef idx="0">
-              <a:schemeClr val="lt1">
-                <a:alpha val="0"/>
-                <a:hueOff val="0"/>
-                <a:satOff val="0"/>
-                <a:lumOff val="0"/>
-                <a:alphaOff val="0"/>
-              </a:schemeClr>
-            </a:fillRef>
-            <a:effectRef idx="0">
-              <a:schemeClr val="lt1">
-                <a:alpha val="0"/>
-                <a:hueOff val="0"/>
-                <a:satOff val="0"/>
-                <a:lumOff val="0"/>
-                <a:alphaOff val="0"/>
-              </a:schemeClr>
-            </a:effectRef>
-            <a:fontRef idx="minor">
-              <a:schemeClr val="tx1">
-                <a:hueOff val="0"/>
-                <a:satOff val="0"/>
-                <a:lumOff val="0"/>
-                <a:alphaOff val="0"/>
-              </a:schemeClr>
-            </a:fontRef>
-          </p:style>
-        </p:sp>
-        <p:sp>
-          <p:nvSpPr>
-            <p:cNvPr id="17" name="Retângulo 16"/>
-            <p:cNvSpPr/>
-            <p:nvPr/>
-          </p:nvSpPr>
-          <p:spPr>
-            <a:xfrm>
-              <a:off x="1366233" y="2632777"/>
-              <a:ext cx="1557905" cy="778766"/>
-            </a:xfrm>
-            <a:prstGeom prst="rect">
-              <a:avLst/>
-            </a:prstGeom>
-          </p:spPr>
-          <p:style>
-            <a:lnRef idx="0">
-              <a:scrgbClr r="0" g="0" b="0"/>
-            </a:lnRef>
-            <a:fillRef idx="0">
-              <a:scrgbClr r="0" g="0" b="0"/>
-            </a:fillRef>
-            <a:effectRef idx="0">
-              <a:scrgbClr r="0" g="0" b="0"/>
-            </a:effectRef>
-            <a:fontRef idx="minor">
-              <a:schemeClr val="tx1">
-                <a:hueOff val="0"/>
-                <a:satOff val="0"/>
-                <a:lumOff val="0"/>
-                <a:alphaOff val="0"/>
-              </a:schemeClr>
-            </a:fontRef>
-          </p:style>
-          <p:txBody>
-            <a:bodyPr spcFirstLastPara="0" vert="horz" wrap="square" lIns="15875" tIns="15875" rIns="15875" bIns="15875" numCol="1" spcCol="1270" anchor="ctr" anchorCtr="0">
-              <a:noAutofit/>
-            </a:bodyPr>
-            <a:lstStyle/>
-            <a:p>
-              <a:pPr algn="ctr">
-                <a:lnSpc>
-                  <a:spcPct val="90000"/>
-                </a:lnSpc>
-                <a:spcBef>
-                  <a:spcPct val="0"/>
-                </a:spcBef>
-                <a:spcAft>
-                  <a:spcPct val="35000"/>
-                </a:spcAft>
-              </a:pPr>
-              <a:r>
-                <a:rPr lang="pt-BR" sz="2500" dirty="0" err="1">
-                  <a:latin typeface="Corbel"/>
-                </a:rPr>
-                <a:t>ViewModel</a:t>
-              </a:r>
-              <a:endParaRPr lang="pt-BR" sz="2500" dirty="0">
-                <a:latin typeface="Corbel"/>
-              </a:endParaRPr>
-            </a:p>
-          </p:txBody>
-        </p:sp>
-      </p:grpSp>
-      <p:sp>
-        <p:nvSpPr>
-          <p:cNvPr id="18" name="Semicírculos 8"/>
-          <p:cNvSpPr/>
-          <p:nvPr/>
-        </p:nvSpPr>
-        <p:spPr>
-          <a:xfrm>
-            <a:off x="7218247" y="3819703"/>
-            <a:ext cx="2408724" cy="2409689"/>
-          </a:xfrm>
-          <a:prstGeom prst="blockArc">
-            <a:avLst>
-              <a:gd name="adj1" fmla="val 13500000"/>
-              <a:gd name="adj2" fmla="val 10800000"/>
-              <a:gd name="adj3" fmla="val 12740"/>
-            </a:avLst>
-          </a:prstGeom>
-        </p:spPr>
-        <p:style>
-          <a:lnRef idx="0">
-            <a:schemeClr val="lt1">
-              <a:hueOff val="0"/>
-              <a:satOff val="0"/>
-              <a:lumOff val="0"/>
-              <a:alphaOff val="0"/>
-            </a:schemeClr>
-          </a:lnRef>
-          <a:fillRef idx="3">
-            <a:schemeClr val="accent4">
-              <a:hueOff val="0"/>
-              <a:satOff val="0"/>
-              <a:lumOff val="0"/>
-              <a:alphaOff val="0"/>
-            </a:schemeClr>
-          </a:fillRef>
-          <a:effectRef idx="2">
-            <a:schemeClr val="accent4">
-              <a:hueOff val="0"/>
-              <a:satOff val="0"/>
-              <a:lumOff val="0"/>
-              <a:alphaOff val="0"/>
-            </a:schemeClr>
-          </a:effectRef>
-          <a:fontRef idx="minor">
-            <a:schemeClr val="lt1"/>
-          </a:fontRef>
-        </p:style>
-      </p:sp>
-      <p:grpSp>
-        <p:nvGrpSpPr>
-          <p:cNvPr id="19" name="Grupo 9"/>
-          <p:cNvGrpSpPr/>
-          <p:nvPr/>
-        </p:nvGrpSpPr>
-        <p:grpSpPr>
-          <a:xfrm>
-            <a:off x="9822828" y="4480808"/>
-            <a:ext cx="1682158" cy="1121842"/>
-            <a:chOff x="4326200" y="4076144"/>
-            <a:chExt cx="1682158" cy="1121842"/>
-          </a:xfrm>
-        </p:grpSpPr>
-        <p:sp>
-          <p:nvSpPr>
-            <p:cNvPr id="20" name="Retângulo 13"/>
-            <p:cNvSpPr/>
-            <p:nvPr/>
-          </p:nvSpPr>
-          <p:spPr>
-            <a:xfrm>
-              <a:off x="4326200" y="4076144"/>
-              <a:ext cx="1682158" cy="1121842"/>
-            </a:xfrm>
-            <a:prstGeom prst="rect">
-              <a:avLst/>
-            </a:prstGeom>
-          </p:spPr>
-          <p:style>
-            <a:lnRef idx="0">
-              <a:schemeClr val="dk1">
-                <a:alpha val="0"/>
-                <a:hueOff val="0"/>
-                <a:satOff val="0"/>
-                <a:lumOff val="0"/>
-                <a:alphaOff val="0"/>
-              </a:schemeClr>
-            </a:lnRef>
-            <a:fillRef idx="0">
-              <a:schemeClr val="lt1">
-                <a:alpha val="0"/>
-                <a:hueOff val="0"/>
-                <a:satOff val="0"/>
-                <a:lumOff val="0"/>
-                <a:alphaOff val="0"/>
-              </a:schemeClr>
-            </a:fillRef>
-            <a:effectRef idx="0">
-              <a:schemeClr val="lt1">
-                <a:alpha val="0"/>
-                <a:hueOff val="0"/>
-                <a:satOff val="0"/>
-                <a:lumOff val="0"/>
-                <a:alphaOff val="0"/>
-              </a:schemeClr>
-            </a:effectRef>
-            <a:fontRef idx="minor">
-              <a:schemeClr val="tx1">
-                <a:hueOff val="0"/>
-                <a:satOff val="0"/>
-                <a:lumOff val="0"/>
-                <a:alphaOff val="0"/>
-              </a:schemeClr>
-            </a:fontRef>
-          </p:style>
-        </p:sp>
-        <p:sp>
-          <p:nvSpPr>
-            <p:cNvPr id="21" name="Retângulo 14"/>
-            <p:cNvSpPr/>
-            <p:nvPr/>
-          </p:nvSpPr>
-          <p:spPr>
-            <a:xfrm>
-              <a:off x="4326200" y="4076144"/>
-              <a:ext cx="1682158" cy="1121842"/>
-            </a:xfrm>
-            <a:prstGeom prst="rect">
-              <a:avLst/>
-            </a:prstGeom>
-          </p:spPr>
-          <p:style>
-            <a:lnRef idx="0">
-              <a:scrgbClr r="0" g="0" b="0"/>
-            </a:lnRef>
-            <a:fillRef idx="0">
-              <a:scrgbClr r="0" g="0" b="0"/>
-            </a:fillRef>
-            <a:effectRef idx="0">
-              <a:scrgbClr r="0" g="0" b="0"/>
-            </a:effectRef>
-            <a:fontRef idx="minor">
-              <a:schemeClr val="tx1">
-                <a:hueOff val="0"/>
-                <a:satOff val="0"/>
-                <a:lumOff val="0"/>
-                <a:alphaOff val="0"/>
-              </a:schemeClr>
-            </a:fontRef>
-          </p:style>
-          <p:txBody>
-            <a:bodyPr spcFirstLastPara="0" vert="horz" wrap="square" lIns="12065" tIns="12065" rIns="12065" bIns="12065" numCol="1" spcCol="1270" anchor="ctr" anchorCtr="0">
-              <a:noAutofit/>
-            </a:bodyPr>
-            <a:lstStyle/>
-            <a:p>
-              <a:pPr marL="114300" lvl="1" indent="-114300">
-                <a:lnSpc>
-                  <a:spcPct val="90000"/>
-                </a:lnSpc>
-                <a:spcBef>
-                  <a:spcPct val="0"/>
-                </a:spcBef>
-                <a:spcAft>
-                  <a:spcPct val="15000"/>
-                </a:spcAft>
-                <a:buChar char="••"/>
-              </a:pPr>
-              <a:r>
-                <a:rPr lang="pt-BR" sz="1500" dirty="0">
-                  <a:latin typeface="Corbel"/>
-                </a:rPr>
-                <a:t>Lógica de negócio</a:t>
-              </a:r>
-              <a:endParaRPr lang="pt-BR" sz="1500" dirty="0">
-                <a:latin typeface="Corbel"/>
-              </a:endParaRPr>
-            </a:p>
-            <a:p>
-              <a:pPr marL="114300" lvl="1" indent="-114300">
-                <a:lnSpc>
-                  <a:spcPct val="90000"/>
-                </a:lnSpc>
-                <a:spcBef>
-                  <a:spcPct val="0"/>
-                </a:spcBef>
-                <a:spcAft>
-                  <a:spcPct val="15000"/>
-                </a:spcAft>
-                <a:buChar char="••"/>
-              </a:pPr>
-              <a:r>
-                <a:rPr lang="pt-BR" sz="1500" dirty="0">
-                  <a:latin typeface="Corbel"/>
-                </a:rPr>
-                <a:t>Independe de plataforma ou tecnologia</a:t>
-              </a:r>
-              <a:endParaRPr lang="pt-BR" sz="1500" dirty="0">
-                <a:latin typeface="Corbel"/>
-              </a:endParaRPr>
-            </a:p>
-          </p:txBody>
-        </p:sp>
-      </p:grpSp>
-      <p:grpSp>
-        <p:nvGrpSpPr>
-          <p:cNvPr id="22" name="Grupo 10"/>
-          <p:cNvGrpSpPr/>
-          <p:nvPr/>
-        </p:nvGrpSpPr>
-        <p:grpSpPr>
-          <a:xfrm>
-            <a:off x="7642078" y="4660210"/>
-            <a:ext cx="1557905" cy="778766"/>
-            <a:chOff x="2145449" y="4255546"/>
-            <a:chExt cx="1557905" cy="778766"/>
-          </a:xfrm>
-        </p:grpSpPr>
-        <p:sp>
-          <p:nvSpPr>
-            <p:cNvPr id="23" name="Retângulo 11"/>
-            <p:cNvSpPr/>
-            <p:nvPr/>
-          </p:nvSpPr>
-          <p:spPr>
-            <a:xfrm>
-              <a:off x="2145449" y="4255546"/>
-              <a:ext cx="1557905" cy="778766"/>
-            </a:xfrm>
-            <a:prstGeom prst="rect">
-              <a:avLst/>
-            </a:prstGeom>
-          </p:spPr>
-          <p:style>
-            <a:lnRef idx="0">
-              <a:schemeClr val="dk1">
-                <a:alpha val="0"/>
-                <a:hueOff val="0"/>
-                <a:satOff val="0"/>
-                <a:lumOff val="0"/>
-                <a:alphaOff val="0"/>
-              </a:schemeClr>
-            </a:lnRef>
-            <a:fillRef idx="0">
-              <a:schemeClr val="lt1">
-                <a:alpha val="0"/>
-                <a:hueOff val="0"/>
-                <a:satOff val="0"/>
-                <a:lumOff val="0"/>
-                <a:alphaOff val="0"/>
-              </a:schemeClr>
-            </a:fillRef>
-            <a:effectRef idx="0">
-              <a:schemeClr val="lt1">
-                <a:alpha val="0"/>
-                <a:hueOff val="0"/>
-                <a:satOff val="0"/>
-                <a:lumOff val="0"/>
-                <a:alphaOff val="0"/>
-              </a:schemeClr>
-            </a:effectRef>
-            <a:fontRef idx="minor">
-              <a:schemeClr val="tx1">
-                <a:hueOff val="0"/>
-                <a:satOff val="0"/>
-                <a:lumOff val="0"/>
-                <a:alphaOff val="0"/>
-              </a:schemeClr>
-            </a:fontRef>
-          </p:style>
-        </p:sp>
-        <p:sp>
-          <p:nvSpPr>
-            <p:cNvPr id="24" name="Retângulo 12"/>
-            <p:cNvSpPr/>
-            <p:nvPr/>
-          </p:nvSpPr>
-          <p:spPr>
-            <a:xfrm>
-              <a:off x="2145449" y="4255546"/>
-              <a:ext cx="1557905" cy="778766"/>
-            </a:xfrm>
-            <a:prstGeom prst="rect">
-              <a:avLst/>
-            </a:prstGeom>
-          </p:spPr>
-          <p:style>
-            <a:lnRef idx="0">
-              <a:scrgbClr r="0" g="0" b="0"/>
-            </a:lnRef>
-            <a:fillRef idx="0">
-              <a:scrgbClr r="0" g="0" b="0"/>
-            </a:fillRef>
-            <a:effectRef idx="0">
-              <a:scrgbClr r="0" g="0" b="0"/>
-            </a:effectRef>
-            <a:fontRef idx="minor">
-              <a:schemeClr val="tx1">
-                <a:hueOff val="0"/>
-                <a:satOff val="0"/>
-                <a:lumOff val="0"/>
-                <a:alphaOff val="0"/>
-              </a:schemeClr>
-            </a:fontRef>
-          </p:style>
-          <p:txBody>
-            <a:bodyPr spcFirstLastPara="0" vert="horz" wrap="square" lIns="15875" tIns="15875" rIns="15875" bIns="15875" numCol="1" spcCol="1270" anchor="ctr" anchorCtr="0">
-              <a:noAutofit/>
-            </a:bodyPr>
-            <a:lstStyle/>
-            <a:p>
-              <a:pPr algn="ctr">
-                <a:lnSpc>
-                  <a:spcPct val="90000"/>
-                </a:lnSpc>
-                <a:spcBef>
-                  <a:spcPct val="0"/>
-                </a:spcBef>
-                <a:spcAft>
-                  <a:spcPct val="35000"/>
-                </a:spcAft>
-              </a:pPr>
-              <a:r>
-                <a:rPr lang="pt-BR" sz="2500" dirty="0" err="1">
-                  <a:latin typeface="Corbel"/>
-                </a:rPr>
-                <a:t>Model</a:t>
-              </a:r>
-              <a:endParaRPr lang="pt-BR" sz="2500" dirty="0">
-                <a:latin typeface="Corbel"/>
-              </a:endParaRPr>
-            </a:p>
-          </p:txBody>
-        </p:sp>
+                </a:endParaRPr>
+              </a:p>
+            </p:txBody>
+          </p:sp>
+        </p:grpSp>
       </p:grpSp>
       <p:sp>
         <p:nvSpPr>
@@ -9413,9 +9861,639 @@
   <p:timing>
     <p:tnLst>
       <p:par>
-        <p:cTn id="1" dur="indefinite" restart="never" nodeType="tmRoot"/>
+        <p:cTn id="1" dur="indefinite" restart="never" nodeType="tmRoot">
+          <p:childTnLst>
+            <p:seq concurrent="1" nextAc="seek">
+              <p:cTn id="2" dur="indefinite" nodeType="mainSeq">
+                <p:childTnLst>
+                  <p:par>
+                    <p:cTn id="3" fill="hold">
+                      <p:stCondLst>
+                        <p:cond delay="indefinite"/>
+                      </p:stCondLst>
+                      <p:childTnLst>
+                        <p:par>
+                          <p:cTn id="4" fill="hold">
+                            <p:stCondLst>
+                              <p:cond delay="0"/>
+                            </p:stCondLst>
+                            <p:childTnLst>
+                              <p:par>
+                                <p:cTn id="5" presetID="31" presetClass="entr" presetSubtype="0" fill="hold" nodeType="clickEffect">
+                                  <p:stCondLst>
+                                    <p:cond delay="0"/>
+                                  </p:stCondLst>
+                                  <p:childTnLst>
+                                    <p:set>
+                                      <p:cBhvr>
+                                        <p:cTn id="6" dur="1" fill="hold">
+                                          <p:stCondLst>
+                                            <p:cond delay="0"/>
+                                          </p:stCondLst>
+                                        </p:cTn>
+                                        <p:tgtEl>
+                                          <p:spTgt spid="27"/>
+                                        </p:tgtEl>
+                                        <p:attrNameLst>
+                                          <p:attrName>style.visibility</p:attrName>
+                                        </p:attrNameLst>
+                                      </p:cBhvr>
+                                      <p:to>
+                                        <p:strVal val="visible"/>
+                                      </p:to>
+                                    </p:set>
+                                    <p:anim calcmode="lin" valueType="num">
+                                      <p:cBhvr>
+                                        <p:cTn id="7" dur="1000" fill="hold"/>
+                                        <p:tgtEl>
+                                          <p:spTgt spid="27"/>
+                                        </p:tgtEl>
+                                        <p:attrNameLst>
+                                          <p:attrName>ppt_w</p:attrName>
+                                        </p:attrNameLst>
+                                      </p:cBhvr>
+                                      <p:tavLst>
+                                        <p:tav tm="0">
+                                          <p:val>
+                                            <p:fltVal val="0"/>
+                                          </p:val>
+                                        </p:tav>
+                                        <p:tav tm="100000">
+                                          <p:val>
+                                            <p:strVal val="#ppt_w"/>
+                                          </p:val>
+                                        </p:tav>
+                                      </p:tavLst>
+                                    </p:anim>
+                                    <p:anim calcmode="lin" valueType="num">
+                                      <p:cBhvr>
+                                        <p:cTn id="8" dur="1000" fill="hold"/>
+                                        <p:tgtEl>
+                                          <p:spTgt spid="27"/>
+                                        </p:tgtEl>
+                                        <p:attrNameLst>
+                                          <p:attrName>ppt_h</p:attrName>
+                                        </p:attrNameLst>
+                                      </p:cBhvr>
+                                      <p:tavLst>
+                                        <p:tav tm="0">
+                                          <p:val>
+                                            <p:fltVal val="0"/>
+                                          </p:val>
+                                        </p:tav>
+                                        <p:tav tm="100000">
+                                          <p:val>
+                                            <p:strVal val="#ppt_h"/>
+                                          </p:val>
+                                        </p:tav>
+                                      </p:tavLst>
+                                    </p:anim>
+                                    <p:anim calcmode="lin" valueType="num">
+                                      <p:cBhvr>
+                                        <p:cTn id="9" dur="1000" fill="hold"/>
+                                        <p:tgtEl>
+                                          <p:spTgt spid="27"/>
+                                        </p:tgtEl>
+                                        <p:attrNameLst>
+                                          <p:attrName>style.rotation</p:attrName>
+                                        </p:attrNameLst>
+                                      </p:cBhvr>
+                                      <p:tavLst>
+                                        <p:tav tm="0">
+                                          <p:val>
+                                            <p:fltVal val="90"/>
+                                          </p:val>
+                                        </p:tav>
+                                        <p:tav tm="100000">
+                                          <p:val>
+                                            <p:fltVal val="0"/>
+                                          </p:val>
+                                        </p:tav>
+                                      </p:tavLst>
+                                    </p:anim>
+                                    <p:animEffect transition="in" filter="fade">
+                                      <p:cBhvr>
+                                        <p:cTn id="10" dur="1000"/>
+                                        <p:tgtEl>
+                                          <p:spTgt spid="27"/>
+                                        </p:tgtEl>
+                                      </p:cBhvr>
+                                    </p:animEffect>
+                                  </p:childTnLst>
+                                </p:cTn>
+                              </p:par>
+                            </p:childTnLst>
+                          </p:cTn>
+                        </p:par>
+                      </p:childTnLst>
+                    </p:cTn>
+                  </p:par>
+                  <p:par>
+                    <p:cTn id="11" fill="hold">
+                      <p:stCondLst>
+                        <p:cond delay="indefinite"/>
+                      </p:stCondLst>
+                      <p:childTnLst>
+                        <p:par>
+                          <p:cTn id="12" fill="hold">
+                            <p:stCondLst>
+                              <p:cond delay="0"/>
+                            </p:stCondLst>
+                            <p:childTnLst>
+                              <p:par>
+                                <p:cTn id="13" presetID="31" presetClass="entr" presetSubtype="0" fill="hold" nodeType="clickEffect">
+                                  <p:stCondLst>
+                                    <p:cond delay="0"/>
+                                  </p:stCondLst>
+                                  <p:childTnLst>
+                                    <p:set>
+                                      <p:cBhvr>
+                                        <p:cTn id="14" dur="1" fill="hold">
+                                          <p:stCondLst>
+                                            <p:cond delay="0"/>
+                                          </p:stCondLst>
+                                        </p:cTn>
+                                        <p:tgtEl>
+                                          <p:spTgt spid="26"/>
+                                        </p:tgtEl>
+                                        <p:attrNameLst>
+                                          <p:attrName>style.visibility</p:attrName>
+                                        </p:attrNameLst>
+                                      </p:cBhvr>
+                                      <p:to>
+                                        <p:strVal val="visible"/>
+                                      </p:to>
+                                    </p:set>
+                                    <p:anim calcmode="lin" valueType="num">
+                                      <p:cBhvr>
+                                        <p:cTn id="15" dur="1000" fill="hold"/>
+                                        <p:tgtEl>
+                                          <p:spTgt spid="26"/>
+                                        </p:tgtEl>
+                                        <p:attrNameLst>
+                                          <p:attrName>ppt_w</p:attrName>
+                                        </p:attrNameLst>
+                                      </p:cBhvr>
+                                      <p:tavLst>
+                                        <p:tav tm="0">
+                                          <p:val>
+                                            <p:fltVal val="0"/>
+                                          </p:val>
+                                        </p:tav>
+                                        <p:tav tm="100000">
+                                          <p:val>
+                                            <p:strVal val="#ppt_w"/>
+                                          </p:val>
+                                        </p:tav>
+                                      </p:tavLst>
+                                    </p:anim>
+                                    <p:anim calcmode="lin" valueType="num">
+                                      <p:cBhvr>
+                                        <p:cTn id="16" dur="1000" fill="hold"/>
+                                        <p:tgtEl>
+                                          <p:spTgt spid="26"/>
+                                        </p:tgtEl>
+                                        <p:attrNameLst>
+                                          <p:attrName>ppt_h</p:attrName>
+                                        </p:attrNameLst>
+                                      </p:cBhvr>
+                                      <p:tavLst>
+                                        <p:tav tm="0">
+                                          <p:val>
+                                            <p:fltVal val="0"/>
+                                          </p:val>
+                                        </p:tav>
+                                        <p:tav tm="100000">
+                                          <p:val>
+                                            <p:strVal val="#ppt_h"/>
+                                          </p:val>
+                                        </p:tav>
+                                      </p:tavLst>
+                                    </p:anim>
+                                    <p:anim calcmode="lin" valueType="num">
+                                      <p:cBhvr>
+                                        <p:cTn id="17" dur="1000" fill="hold"/>
+                                        <p:tgtEl>
+                                          <p:spTgt spid="26"/>
+                                        </p:tgtEl>
+                                        <p:attrNameLst>
+                                          <p:attrName>style.rotation</p:attrName>
+                                        </p:attrNameLst>
+                                      </p:cBhvr>
+                                      <p:tavLst>
+                                        <p:tav tm="0">
+                                          <p:val>
+                                            <p:fltVal val="90"/>
+                                          </p:val>
+                                        </p:tav>
+                                        <p:tav tm="100000">
+                                          <p:val>
+                                            <p:fltVal val="0"/>
+                                          </p:val>
+                                        </p:tav>
+                                      </p:tavLst>
+                                    </p:anim>
+                                    <p:animEffect transition="in" filter="fade">
+                                      <p:cBhvr>
+                                        <p:cTn id="18" dur="1000"/>
+                                        <p:tgtEl>
+                                          <p:spTgt spid="26"/>
+                                        </p:tgtEl>
+                                      </p:cBhvr>
+                                    </p:animEffect>
+                                  </p:childTnLst>
+                                </p:cTn>
+                              </p:par>
+                            </p:childTnLst>
+                          </p:cTn>
+                        </p:par>
+                      </p:childTnLst>
+                    </p:cTn>
+                  </p:par>
+                  <p:par>
+                    <p:cTn id="19" fill="hold">
+                      <p:stCondLst>
+                        <p:cond delay="indefinite"/>
+                      </p:stCondLst>
+                      <p:childTnLst>
+                        <p:par>
+                          <p:cTn id="20" fill="hold">
+                            <p:stCondLst>
+                              <p:cond delay="0"/>
+                            </p:stCondLst>
+                            <p:childTnLst>
+                              <p:par>
+                                <p:cTn id="21" presetID="31" presetClass="entr" presetSubtype="0" fill="hold" nodeType="clickEffect">
+                                  <p:stCondLst>
+                                    <p:cond delay="0"/>
+                                  </p:stCondLst>
+                                  <p:childTnLst>
+                                    <p:set>
+                                      <p:cBhvr>
+                                        <p:cTn id="22" dur="1" fill="hold">
+                                          <p:stCondLst>
+                                            <p:cond delay="0"/>
+                                          </p:stCondLst>
+                                        </p:cTn>
+                                        <p:tgtEl>
+                                          <p:spTgt spid="28"/>
+                                        </p:tgtEl>
+                                        <p:attrNameLst>
+                                          <p:attrName>style.visibility</p:attrName>
+                                        </p:attrNameLst>
+                                      </p:cBhvr>
+                                      <p:to>
+                                        <p:strVal val="visible"/>
+                                      </p:to>
+                                    </p:set>
+                                    <p:anim calcmode="lin" valueType="num">
+                                      <p:cBhvr>
+                                        <p:cTn id="23" dur="1000" fill="hold"/>
+                                        <p:tgtEl>
+                                          <p:spTgt spid="28"/>
+                                        </p:tgtEl>
+                                        <p:attrNameLst>
+                                          <p:attrName>ppt_w</p:attrName>
+                                        </p:attrNameLst>
+                                      </p:cBhvr>
+                                      <p:tavLst>
+                                        <p:tav tm="0">
+                                          <p:val>
+                                            <p:fltVal val="0"/>
+                                          </p:val>
+                                        </p:tav>
+                                        <p:tav tm="100000">
+                                          <p:val>
+                                            <p:strVal val="#ppt_w"/>
+                                          </p:val>
+                                        </p:tav>
+                                      </p:tavLst>
+                                    </p:anim>
+                                    <p:anim calcmode="lin" valueType="num">
+                                      <p:cBhvr>
+                                        <p:cTn id="24" dur="1000" fill="hold"/>
+                                        <p:tgtEl>
+                                          <p:spTgt spid="28"/>
+                                        </p:tgtEl>
+                                        <p:attrNameLst>
+                                          <p:attrName>ppt_h</p:attrName>
+                                        </p:attrNameLst>
+                                      </p:cBhvr>
+                                      <p:tavLst>
+                                        <p:tav tm="0">
+                                          <p:val>
+                                            <p:fltVal val="0"/>
+                                          </p:val>
+                                        </p:tav>
+                                        <p:tav tm="100000">
+                                          <p:val>
+                                            <p:strVal val="#ppt_h"/>
+                                          </p:val>
+                                        </p:tav>
+                                      </p:tavLst>
+                                    </p:anim>
+                                    <p:anim calcmode="lin" valueType="num">
+                                      <p:cBhvr>
+                                        <p:cTn id="25" dur="1000" fill="hold"/>
+                                        <p:tgtEl>
+                                          <p:spTgt spid="28"/>
+                                        </p:tgtEl>
+                                        <p:attrNameLst>
+                                          <p:attrName>style.rotation</p:attrName>
+                                        </p:attrNameLst>
+                                      </p:cBhvr>
+                                      <p:tavLst>
+                                        <p:tav tm="0">
+                                          <p:val>
+                                            <p:fltVal val="90"/>
+                                          </p:val>
+                                        </p:tav>
+                                        <p:tav tm="100000">
+                                          <p:val>
+                                            <p:fltVal val="0"/>
+                                          </p:val>
+                                        </p:tav>
+                                      </p:tavLst>
+                                    </p:anim>
+                                    <p:animEffect transition="in" filter="fade">
+                                      <p:cBhvr>
+                                        <p:cTn id="26" dur="1000"/>
+                                        <p:tgtEl>
+                                          <p:spTgt spid="28"/>
+                                        </p:tgtEl>
+                                      </p:cBhvr>
+                                    </p:animEffect>
+                                  </p:childTnLst>
+                                </p:cTn>
+                              </p:par>
+                            </p:childTnLst>
+                          </p:cTn>
+                        </p:par>
+                      </p:childTnLst>
+                    </p:cTn>
+                  </p:par>
+                  <p:par>
+                    <p:cTn id="27" fill="hold">
+                      <p:stCondLst>
+                        <p:cond delay="indefinite"/>
+                      </p:stCondLst>
+                      <p:childTnLst>
+                        <p:par>
+                          <p:cTn id="28" fill="hold">
+                            <p:stCondLst>
+                              <p:cond delay="0"/>
+                            </p:stCondLst>
+                            <p:childTnLst>
+                              <p:par>
+                                <p:cTn id="29" presetID="2" presetClass="entr" presetSubtype="4" fill="hold" grpId="0" nodeType="clickEffect">
+                                  <p:stCondLst>
+                                    <p:cond delay="0"/>
+                                  </p:stCondLst>
+                                  <p:childTnLst>
+                                    <p:set>
+                                      <p:cBhvr>
+                                        <p:cTn id="30" dur="1" fill="hold">
+                                          <p:stCondLst>
+                                            <p:cond delay="0"/>
+                                          </p:stCondLst>
+                                        </p:cTn>
+                                        <p:tgtEl>
+                                          <p:spTgt spid="32"/>
+                                        </p:tgtEl>
+                                        <p:attrNameLst>
+                                          <p:attrName>style.visibility</p:attrName>
+                                        </p:attrNameLst>
+                                      </p:cBhvr>
+                                      <p:to>
+                                        <p:strVal val="visible"/>
+                                      </p:to>
+                                    </p:set>
+                                    <p:anim calcmode="lin" valueType="num">
+                                      <p:cBhvr additive="base">
+                                        <p:cTn id="31" dur="500" fill="hold"/>
+                                        <p:tgtEl>
+                                          <p:spTgt spid="32"/>
+                                        </p:tgtEl>
+                                        <p:attrNameLst>
+                                          <p:attrName>ppt_x</p:attrName>
+                                        </p:attrNameLst>
+                                      </p:cBhvr>
+                                      <p:tavLst>
+                                        <p:tav tm="0">
+                                          <p:val>
+                                            <p:strVal val="#ppt_x"/>
+                                          </p:val>
+                                        </p:tav>
+                                        <p:tav tm="100000">
+                                          <p:val>
+                                            <p:strVal val="#ppt_x"/>
+                                          </p:val>
+                                        </p:tav>
+                                      </p:tavLst>
+                                    </p:anim>
+                                    <p:anim calcmode="lin" valueType="num">
+                                      <p:cBhvr additive="base">
+                                        <p:cTn id="32" dur="500" fill="hold"/>
+                                        <p:tgtEl>
+                                          <p:spTgt spid="32"/>
+                                        </p:tgtEl>
+                                        <p:attrNameLst>
+                                          <p:attrName>ppt_y</p:attrName>
+                                        </p:attrNameLst>
+                                      </p:cBhvr>
+                                      <p:tavLst>
+                                        <p:tav tm="0">
+                                          <p:val>
+                                            <p:strVal val="1+#ppt_h/2"/>
+                                          </p:val>
+                                        </p:tav>
+                                        <p:tav tm="100000">
+                                          <p:val>
+                                            <p:strVal val="#ppt_y"/>
+                                          </p:val>
+                                        </p:tav>
+                                      </p:tavLst>
+                                    </p:anim>
+                                  </p:childTnLst>
+                                </p:cTn>
+                              </p:par>
+                              <p:par>
+                                <p:cTn id="33" presetID="2" presetClass="entr" presetSubtype="4" fill="hold" nodeType="withEffect">
+                                  <p:stCondLst>
+                                    <p:cond delay="0"/>
+                                  </p:stCondLst>
+                                  <p:childTnLst>
+                                    <p:set>
+                                      <p:cBhvr>
+                                        <p:cTn id="34" dur="1" fill="hold">
+                                          <p:stCondLst>
+                                            <p:cond delay="0"/>
+                                          </p:stCondLst>
+                                        </p:cTn>
+                                        <p:tgtEl>
+                                          <p:spTgt spid="29"/>
+                                        </p:tgtEl>
+                                        <p:attrNameLst>
+                                          <p:attrName>style.visibility</p:attrName>
+                                        </p:attrNameLst>
+                                      </p:cBhvr>
+                                      <p:to>
+                                        <p:strVal val="visible"/>
+                                      </p:to>
+                                    </p:set>
+                                    <p:anim calcmode="lin" valueType="num">
+                                      <p:cBhvr additive="base">
+                                        <p:cTn id="35" dur="500" fill="hold"/>
+                                        <p:tgtEl>
+                                          <p:spTgt spid="29"/>
+                                        </p:tgtEl>
+                                        <p:attrNameLst>
+                                          <p:attrName>ppt_x</p:attrName>
+                                        </p:attrNameLst>
+                                      </p:cBhvr>
+                                      <p:tavLst>
+                                        <p:tav tm="0">
+                                          <p:val>
+                                            <p:strVal val="#ppt_x"/>
+                                          </p:val>
+                                        </p:tav>
+                                        <p:tav tm="100000">
+                                          <p:val>
+                                            <p:strVal val="#ppt_x"/>
+                                          </p:val>
+                                        </p:tav>
+                                      </p:tavLst>
+                                    </p:anim>
+                                    <p:anim calcmode="lin" valueType="num">
+                                      <p:cBhvr additive="base">
+                                        <p:cTn id="36" dur="500" fill="hold"/>
+                                        <p:tgtEl>
+                                          <p:spTgt spid="29"/>
+                                        </p:tgtEl>
+                                        <p:attrNameLst>
+                                          <p:attrName>ppt_y</p:attrName>
+                                        </p:attrNameLst>
+                                      </p:cBhvr>
+                                      <p:tavLst>
+                                        <p:tav tm="0">
+                                          <p:val>
+                                            <p:strVal val="1+#ppt_h/2"/>
+                                          </p:val>
+                                        </p:tav>
+                                        <p:tav tm="100000">
+                                          <p:val>
+                                            <p:strVal val="#ppt_y"/>
+                                          </p:val>
+                                        </p:tav>
+                                      </p:tavLst>
+                                    </p:anim>
+                                  </p:childTnLst>
+                                </p:cTn>
+                              </p:par>
+                              <p:par>
+                                <p:cTn id="37" presetID="2" presetClass="entr" presetSubtype="4" fill="hold" grpId="0" nodeType="withEffect">
+                                  <p:stCondLst>
+                                    <p:cond delay="0"/>
+                                  </p:stCondLst>
+                                  <p:childTnLst>
+                                    <p:set>
+                                      <p:cBhvr>
+                                        <p:cTn id="38" dur="1" fill="hold">
+                                          <p:stCondLst>
+                                            <p:cond delay="0"/>
+                                          </p:stCondLst>
+                                        </p:cTn>
+                                        <p:tgtEl>
+                                          <p:spTgt spid="31"/>
+                                        </p:tgtEl>
+                                        <p:attrNameLst>
+                                          <p:attrName>style.visibility</p:attrName>
+                                        </p:attrNameLst>
+                                      </p:cBhvr>
+                                      <p:to>
+                                        <p:strVal val="visible"/>
+                                      </p:to>
+                                    </p:set>
+                                    <p:anim calcmode="lin" valueType="num">
+                                      <p:cBhvr additive="base">
+                                        <p:cTn id="39" dur="500" fill="hold"/>
+                                        <p:tgtEl>
+                                          <p:spTgt spid="31"/>
+                                        </p:tgtEl>
+                                        <p:attrNameLst>
+                                          <p:attrName>ppt_x</p:attrName>
+                                        </p:attrNameLst>
+                                      </p:cBhvr>
+                                      <p:tavLst>
+                                        <p:tav tm="0">
+                                          <p:val>
+                                            <p:strVal val="#ppt_x"/>
+                                          </p:val>
+                                        </p:tav>
+                                        <p:tav tm="100000">
+                                          <p:val>
+                                            <p:strVal val="#ppt_x"/>
+                                          </p:val>
+                                        </p:tav>
+                                      </p:tavLst>
+                                    </p:anim>
+                                    <p:anim calcmode="lin" valueType="num">
+                                      <p:cBhvr additive="base">
+                                        <p:cTn id="40" dur="500" fill="hold"/>
+                                        <p:tgtEl>
+                                          <p:spTgt spid="31"/>
+                                        </p:tgtEl>
+                                        <p:attrNameLst>
+                                          <p:attrName>ppt_y</p:attrName>
+                                        </p:attrNameLst>
+                                      </p:cBhvr>
+                                      <p:tavLst>
+                                        <p:tav tm="0">
+                                          <p:val>
+                                            <p:strVal val="1+#ppt_h/2"/>
+                                          </p:val>
+                                        </p:tav>
+                                        <p:tav tm="100000">
+                                          <p:val>
+                                            <p:strVal val="#ppt_y"/>
+                                          </p:val>
+                                        </p:tav>
+                                      </p:tavLst>
+                                    </p:anim>
+                                  </p:childTnLst>
+                                </p:cTn>
+                              </p:par>
+                            </p:childTnLst>
+                          </p:cTn>
+                        </p:par>
+                      </p:childTnLst>
+                    </p:cTn>
+                  </p:par>
+                </p:childTnLst>
+              </p:cTn>
+              <p:prevCondLst>
+                <p:cond evt="onPrev" delay="0">
+                  <p:tgtEl>
+                    <p:sldTgt/>
+                  </p:tgtEl>
+                </p:cond>
+              </p:prevCondLst>
+              <p:nextCondLst>
+                <p:cond evt="onNext" delay="0">
+                  <p:tgtEl>
+                    <p:sldTgt/>
+                  </p:tgtEl>
+                </p:cond>
+              </p:nextCondLst>
+            </p:seq>
+          </p:childTnLst>
+        </p:cTn>
       </p:par>
     </p:tnLst>
+    <p:bldLst>
+      <p:bldP spid="31" grpId="0" animBg="1"/>
+      <p:bldP spid="32" grpId="0"/>
+    </p:bldLst>
   </p:timing>
 </p:sld>
 </file>
@@ -10108,9 +11186,157 @@
   <p:timing>
     <p:tnLst>
       <p:par>
-        <p:cTn id="1" dur="indefinite" restart="never" nodeType="tmRoot"/>
+        <p:cTn id="1" dur="indefinite" restart="never" nodeType="tmRoot">
+          <p:childTnLst>
+            <p:seq concurrent="1" nextAc="seek">
+              <p:cTn id="2" dur="indefinite" nodeType="mainSeq">
+                <p:childTnLst>
+                  <p:par>
+                    <p:cTn id="3" fill="hold">
+                      <p:stCondLst>
+                        <p:cond delay="indefinite"/>
+                      </p:stCondLst>
+                      <p:childTnLst>
+                        <p:par>
+                          <p:cTn id="4" fill="hold">
+                            <p:stCondLst>
+                              <p:cond delay="0"/>
+                            </p:stCondLst>
+                            <p:childTnLst>
+                              <p:par>
+                                <p:cTn id="5" presetID="10" presetClass="entr" presetSubtype="0" fill="hold" grpId="0" nodeType="clickEffect">
+                                  <p:stCondLst>
+                                    <p:cond delay="0"/>
+                                  </p:stCondLst>
+                                  <p:childTnLst>
+                                    <p:set>
+                                      <p:cBhvr>
+                                        <p:cTn id="6" dur="1" fill="hold">
+                                          <p:stCondLst>
+                                            <p:cond delay="0"/>
+                                          </p:stCondLst>
+                                        </p:cTn>
+                                        <p:tgtEl>
+                                          <p:spTgt spid="2">
+                                            <p:txEl>
+                                              <p:pRg st="0" end="0"/>
+                                            </p:txEl>
+                                          </p:spTgt>
+                                        </p:tgtEl>
+                                        <p:attrNameLst>
+                                          <p:attrName>style.visibility</p:attrName>
+                                        </p:attrNameLst>
+                                      </p:cBhvr>
+                                      <p:to>
+                                        <p:strVal val="visible"/>
+                                      </p:to>
+                                    </p:set>
+                                    <p:animEffect transition="in" filter="fade">
+                                      <p:cBhvr>
+                                        <p:cTn id="7" dur="500"/>
+                                        <p:tgtEl>
+                                          <p:spTgt spid="2">
+                                            <p:txEl>
+                                              <p:pRg st="0" end="0"/>
+                                            </p:txEl>
+                                          </p:spTgt>
+                                        </p:tgtEl>
+                                      </p:cBhvr>
+                                    </p:animEffect>
+                                  </p:childTnLst>
+                                </p:cTn>
+                              </p:par>
+                            </p:childTnLst>
+                          </p:cTn>
+                        </p:par>
+                      </p:childTnLst>
+                    </p:cTn>
+                  </p:par>
+                  <p:par>
+                    <p:cTn id="8" fill="hold">
+                      <p:stCondLst>
+                        <p:cond delay="indefinite"/>
+                      </p:stCondLst>
+                      <p:childTnLst>
+                        <p:par>
+                          <p:cTn id="9" fill="hold">
+                            <p:stCondLst>
+                              <p:cond delay="0"/>
+                            </p:stCondLst>
+                            <p:childTnLst>
+                              <p:par>
+                                <p:cTn id="10" presetID="10" presetClass="entr" presetSubtype="0" fill="hold" grpId="0" nodeType="clickEffect">
+                                  <p:stCondLst>
+                                    <p:cond delay="0"/>
+                                  </p:stCondLst>
+                                  <p:childTnLst>
+                                    <p:set>
+                                      <p:cBhvr>
+                                        <p:cTn id="11" dur="1" fill="hold">
+                                          <p:stCondLst>
+                                            <p:cond delay="0"/>
+                                          </p:stCondLst>
+                                        </p:cTn>
+                                        <p:tgtEl>
+                                          <p:spTgt spid="2">
+                                            <p:txEl>
+                                              <p:pRg st="1" end="1"/>
+                                            </p:txEl>
+                                          </p:spTgt>
+                                        </p:tgtEl>
+                                        <p:attrNameLst>
+                                          <p:attrName>style.visibility</p:attrName>
+                                        </p:attrNameLst>
+                                      </p:cBhvr>
+                                      <p:to>
+                                        <p:strVal val="visible"/>
+                                      </p:to>
+                                    </p:set>
+                                    <p:animEffect transition="in" filter="fade">
+                                      <p:cBhvr>
+                                        <p:cTn id="12" dur="500"/>
+                                        <p:tgtEl>
+                                          <p:spTgt spid="2">
+                                            <p:txEl>
+                                              <p:pRg st="1" end="1"/>
+                                            </p:txEl>
+                                          </p:spTgt>
+                                        </p:tgtEl>
+                                      </p:cBhvr>
+                                    </p:animEffect>
+                                  </p:childTnLst>
+                                </p:cTn>
+                              </p:par>
+                            </p:childTnLst>
+                          </p:cTn>
+                        </p:par>
+                      </p:childTnLst>
+                    </p:cTn>
+                  </p:par>
+                </p:childTnLst>
+              </p:cTn>
+              <p:prevCondLst>
+                <p:cond evt="onPrev" delay="0">
+                  <p:tgtEl>
+                    <p:sldTgt/>
+                  </p:tgtEl>
+                </p:cond>
+              </p:prevCondLst>
+              <p:nextCondLst>
+                <p:cond evt="onNext" delay="0">
+                  <p:tgtEl>
+                    <p:sldTgt/>
+                  </p:tgtEl>
+                </p:cond>
+              </p:nextCondLst>
+            </p:seq>
+          </p:childTnLst>
+        </p:cTn>
       </p:par>
     </p:tnLst>
+    <p:bldLst>
+      <p:bldP spid="2" grpId="0" build="p"/>
+    </p:bldLst>
   </p:timing>
 </p:sld>
 </file>
@@ -10684,9 +11910,157 @@
   <p:timing>
     <p:tnLst>
       <p:par>
-        <p:cTn id="1" dur="indefinite" restart="never" nodeType="tmRoot"/>
+        <p:cTn id="1" dur="indefinite" restart="never" nodeType="tmRoot">
+          <p:childTnLst>
+            <p:seq concurrent="1" nextAc="seek">
+              <p:cTn id="2" dur="indefinite" nodeType="mainSeq">
+                <p:childTnLst>
+                  <p:par>
+                    <p:cTn id="3" fill="hold">
+                      <p:stCondLst>
+                        <p:cond delay="indefinite"/>
+                      </p:stCondLst>
+                      <p:childTnLst>
+                        <p:par>
+                          <p:cTn id="4" fill="hold">
+                            <p:stCondLst>
+                              <p:cond delay="0"/>
+                            </p:stCondLst>
+                            <p:childTnLst>
+                              <p:par>
+                                <p:cTn id="5" presetID="10" presetClass="entr" presetSubtype="0" fill="hold" grpId="0" nodeType="clickEffect">
+                                  <p:stCondLst>
+                                    <p:cond delay="0"/>
+                                  </p:stCondLst>
+                                  <p:childTnLst>
+                                    <p:set>
+                                      <p:cBhvr>
+                                        <p:cTn id="6" dur="1" fill="hold">
+                                          <p:stCondLst>
+                                            <p:cond delay="0"/>
+                                          </p:stCondLst>
+                                        </p:cTn>
+                                        <p:tgtEl>
+                                          <p:spTgt spid="2">
+                                            <p:txEl>
+                                              <p:pRg st="0" end="0"/>
+                                            </p:txEl>
+                                          </p:spTgt>
+                                        </p:tgtEl>
+                                        <p:attrNameLst>
+                                          <p:attrName>style.visibility</p:attrName>
+                                        </p:attrNameLst>
+                                      </p:cBhvr>
+                                      <p:to>
+                                        <p:strVal val="visible"/>
+                                      </p:to>
+                                    </p:set>
+                                    <p:animEffect transition="in" filter="fade">
+                                      <p:cBhvr>
+                                        <p:cTn id="7" dur="500"/>
+                                        <p:tgtEl>
+                                          <p:spTgt spid="2">
+                                            <p:txEl>
+                                              <p:pRg st="0" end="0"/>
+                                            </p:txEl>
+                                          </p:spTgt>
+                                        </p:tgtEl>
+                                      </p:cBhvr>
+                                    </p:animEffect>
+                                  </p:childTnLst>
+                                </p:cTn>
+                              </p:par>
+                            </p:childTnLst>
+                          </p:cTn>
+                        </p:par>
+                      </p:childTnLst>
+                    </p:cTn>
+                  </p:par>
+                  <p:par>
+                    <p:cTn id="8" fill="hold">
+                      <p:stCondLst>
+                        <p:cond delay="indefinite"/>
+                      </p:stCondLst>
+                      <p:childTnLst>
+                        <p:par>
+                          <p:cTn id="9" fill="hold">
+                            <p:stCondLst>
+                              <p:cond delay="0"/>
+                            </p:stCondLst>
+                            <p:childTnLst>
+                              <p:par>
+                                <p:cTn id="10" presetID="10" presetClass="entr" presetSubtype="0" fill="hold" grpId="0" nodeType="clickEffect">
+                                  <p:stCondLst>
+                                    <p:cond delay="0"/>
+                                  </p:stCondLst>
+                                  <p:childTnLst>
+                                    <p:set>
+                                      <p:cBhvr>
+                                        <p:cTn id="11" dur="1" fill="hold">
+                                          <p:stCondLst>
+                                            <p:cond delay="0"/>
+                                          </p:stCondLst>
+                                        </p:cTn>
+                                        <p:tgtEl>
+                                          <p:spTgt spid="2">
+                                            <p:txEl>
+                                              <p:pRg st="1" end="1"/>
+                                            </p:txEl>
+                                          </p:spTgt>
+                                        </p:tgtEl>
+                                        <p:attrNameLst>
+                                          <p:attrName>style.visibility</p:attrName>
+                                        </p:attrNameLst>
+                                      </p:cBhvr>
+                                      <p:to>
+                                        <p:strVal val="visible"/>
+                                      </p:to>
+                                    </p:set>
+                                    <p:animEffect transition="in" filter="fade">
+                                      <p:cBhvr>
+                                        <p:cTn id="12" dur="500"/>
+                                        <p:tgtEl>
+                                          <p:spTgt spid="2">
+                                            <p:txEl>
+                                              <p:pRg st="1" end="1"/>
+                                            </p:txEl>
+                                          </p:spTgt>
+                                        </p:tgtEl>
+                                      </p:cBhvr>
+                                    </p:animEffect>
+                                  </p:childTnLst>
+                                </p:cTn>
+                              </p:par>
+                            </p:childTnLst>
+                          </p:cTn>
+                        </p:par>
+                      </p:childTnLst>
+                    </p:cTn>
+                  </p:par>
+                </p:childTnLst>
+              </p:cTn>
+              <p:prevCondLst>
+                <p:cond evt="onPrev" delay="0">
+                  <p:tgtEl>
+                    <p:sldTgt/>
+                  </p:tgtEl>
+                </p:cond>
+              </p:prevCondLst>
+              <p:nextCondLst>
+                <p:cond evt="onNext" delay="0">
+                  <p:tgtEl>
+                    <p:sldTgt/>
+                  </p:tgtEl>
+                </p:cond>
+              </p:nextCondLst>
+            </p:seq>
+          </p:childTnLst>
+        </p:cTn>
       </p:par>
     </p:tnLst>
+    <p:bldLst>
+      <p:bldP spid="2" grpId="0" build="p"/>
+    </p:bldLst>
   </p:timing>
 </p:sld>
 </file>
@@ -11262,9 +12636,218 @@
   <p:timing>
     <p:tnLst>
       <p:par>
-        <p:cTn id="1" dur="indefinite" restart="never" nodeType="tmRoot"/>
+        <p:cTn id="1" dur="indefinite" restart="never" nodeType="tmRoot">
+          <p:childTnLst>
+            <p:seq concurrent="1" nextAc="seek">
+              <p:cTn id="2" dur="indefinite" nodeType="mainSeq">
+                <p:childTnLst>
+                  <p:par>
+                    <p:cTn id="3" fill="hold">
+                      <p:stCondLst>
+                        <p:cond delay="indefinite"/>
+                      </p:stCondLst>
+                      <p:childTnLst>
+                        <p:par>
+                          <p:cTn id="4" fill="hold">
+                            <p:stCondLst>
+                              <p:cond delay="0"/>
+                            </p:stCondLst>
+                            <p:childTnLst>
+                              <p:par>
+                                <p:cTn id="5" presetID="10" presetClass="entr" presetSubtype="0" fill="hold" grpId="0" nodeType="clickEffect">
+                                  <p:stCondLst>
+                                    <p:cond delay="0"/>
+                                  </p:stCondLst>
+                                  <p:childTnLst>
+                                    <p:set>
+                                      <p:cBhvr>
+                                        <p:cTn id="6" dur="1" fill="hold">
+                                          <p:stCondLst>
+                                            <p:cond delay="0"/>
+                                          </p:stCondLst>
+                                        </p:cTn>
+                                        <p:tgtEl>
+                                          <p:spTgt spid="2">
+                                            <p:txEl>
+                                              <p:pRg st="0" end="0"/>
+                                            </p:txEl>
+                                          </p:spTgt>
+                                        </p:tgtEl>
+                                        <p:attrNameLst>
+                                          <p:attrName>style.visibility</p:attrName>
+                                        </p:attrNameLst>
+                                      </p:cBhvr>
+                                      <p:to>
+                                        <p:strVal val="visible"/>
+                                      </p:to>
+                                    </p:set>
+                                    <p:animEffect transition="in" filter="fade">
+                                      <p:cBhvr>
+                                        <p:cTn id="7" dur="500"/>
+                                        <p:tgtEl>
+                                          <p:spTgt spid="2">
+                                            <p:txEl>
+                                              <p:pRg st="0" end="0"/>
+                                            </p:txEl>
+                                          </p:spTgt>
+                                        </p:tgtEl>
+                                      </p:cBhvr>
+                                    </p:animEffect>
+                                  </p:childTnLst>
+                                </p:cTn>
+                              </p:par>
+                            </p:childTnLst>
+                          </p:cTn>
+                        </p:par>
+                      </p:childTnLst>
+                    </p:cTn>
+                  </p:par>
+                  <p:par>
+                    <p:cTn id="8" fill="hold">
+                      <p:stCondLst>
+                        <p:cond delay="indefinite"/>
+                      </p:stCondLst>
+                      <p:childTnLst>
+                        <p:par>
+                          <p:cTn id="9" fill="hold">
+                            <p:stCondLst>
+                              <p:cond delay="0"/>
+                            </p:stCondLst>
+                            <p:childTnLst>
+                              <p:par>
+                                <p:cTn id="10" presetID="10" presetClass="entr" presetSubtype="0" fill="hold" grpId="0" nodeType="clickEffect">
+                                  <p:stCondLst>
+                                    <p:cond delay="0"/>
+                                  </p:stCondLst>
+                                  <p:childTnLst>
+                                    <p:set>
+                                      <p:cBhvr>
+                                        <p:cTn id="11" dur="1" fill="hold">
+                                          <p:stCondLst>
+                                            <p:cond delay="0"/>
+                                          </p:stCondLst>
+                                        </p:cTn>
+                                        <p:tgtEl>
+                                          <p:spTgt spid="2">
+                                            <p:txEl>
+                                              <p:pRg st="1" end="1"/>
+                                            </p:txEl>
+                                          </p:spTgt>
+                                        </p:tgtEl>
+                                        <p:attrNameLst>
+                                          <p:attrName>style.visibility</p:attrName>
+                                        </p:attrNameLst>
+                                      </p:cBhvr>
+                                      <p:to>
+                                        <p:strVal val="visible"/>
+                                      </p:to>
+                                    </p:set>
+                                    <p:animEffect transition="in" filter="fade">
+                                      <p:cBhvr>
+                                        <p:cTn id="12" dur="500"/>
+                                        <p:tgtEl>
+                                          <p:spTgt spid="2">
+                                            <p:txEl>
+                                              <p:pRg st="1" end="1"/>
+                                            </p:txEl>
+                                          </p:spTgt>
+                                        </p:tgtEl>
+                                      </p:cBhvr>
+                                    </p:animEffect>
+                                  </p:childTnLst>
+                                </p:cTn>
+                              </p:par>
+                            </p:childTnLst>
+                          </p:cTn>
+                        </p:par>
+                      </p:childTnLst>
+                    </p:cTn>
+                  </p:par>
+                  <p:par>
+                    <p:cTn id="13" fill="hold">
+                      <p:stCondLst>
+                        <p:cond delay="indefinite"/>
+                      </p:stCondLst>
+                      <p:childTnLst>
+                        <p:par>
+                          <p:cTn id="14" fill="hold">
+                            <p:stCondLst>
+                              <p:cond delay="0"/>
+                            </p:stCondLst>
+                            <p:childTnLst>
+                              <p:par>
+                                <p:cTn id="15" presetID="10" presetClass="entr" presetSubtype="0" fill="hold" grpId="0" nodeType="clickEffect">
+                                  <p:stCondLst>
+                                    <p:cond delay="0"/>
+                                  </p:stCondLst>
+                                  <p:childTnLst>
+                                    <p:set>
+                                      <p:cBhvr>
+                                        <p:cTn id="16" dur="1" fill="hold">
+                                          <p:stCondLst>
+                                            <p:cond delay="0"/>
+                                          </p:stCondLst>
+                                        </p:cTn>
+                                        <p:tgtEl>
+                                          <p:spTgt spid="2">
+                                            <p:txEl>
+                                              <p:pRg st="2" end="2"/>
+                                            </p:txEl>
+                                          </p:spTgt>
+                                        </p:tgtEl>
+                                        <p:attrNameLst>
+                                          <p:attrName>style.visibility</p:attrName>
+                                        </p:attrNameLst>
+                                      </p:cBhvr>
+                                      <p:to>
+                                        <p:strVal val="visible"/>
+                                      </p:to>
+                                    </p:set>
+                                    <p:animEffect transition="in" filter="fade">
+                                      <p:cBhvr>
+                                        <p:cTn id="17" dur="500"/>
+                                        <p:tgtEl>
+                                          <p:spTgt spid="2">
+                                            <p:txEl>
+                                              <p:pRg st="2" end="2"/>
+                                            </p:txEl>
+                                          </p:spTgt>
+                                        </p:tgtEl>
+                                      </p:cBhvr>
+                                    </p:animEffect>
+                                  </p:childTnLst>
+                                </p:cTn>
+                              </p:par>
+                            </p:childTnLst>
+                          </p:cTn>
+                        </p:par>
+                      </p:childTnLst>
+                    </p:cTn>
+                  </p:par>
+                </p:childTnLst>
+              </p:cTn>
+              <p:prevCondLst>
+                <p:cond evt="onPrev" delay="0">
+                  <p:tgtEl>
+                    <p:sldTgt/>
+                  </p:tgtEl>
+                </p:cond>
+              </p:prevCondLst>
+              <p:nextCondLst>
+                <p:cond evt="onNext" delay="0">
+                  <p:tgtEl>
+                    <p:sldTgt/>
+                  </p:tgtEl>
+                </p:cond>
+              </p:nextCondLst>
+            </p:seq>
+          </p:childTnLst>
+        </p:cTn>
       </p:par>
     </p:tnLst>
+    <p:bldLst>
+      <p:bldP spid="2" grpId="0" build="p"/>
+    </p:bldLst>
   </p:timing>
 </p:sld>
 </file>
@@ -11301,7 +12884,184 @@
           <a:bodyPr/>
           <a:lstStyle/>
           <a:p>
-            <a:endParaRPr lang="en-US"/>
+            <a:pPr>
+              <a:lnSpc>
+                <a:spcPct val="150000"/>
+              </a:lnSpc>
+            </a:pPr>
+            <a:r>
+              <a:rPr lang="en-US" dirty="0"/>
+              <a:t>Declarative </a:t>
+            </a:r>
+            <a:r>
+              <a:rPr lang="en-US" dirty="0" smtClean="0"/>
+              <a:t>Bindings - </a:t>
+            </a:r>
+          </a:p>
+          <a:p>
+            <a:pPr>
+              <a:lnSpc>
+                <a:spcPct val="150000"/>
+              </a:lnSpc>
+            </a:pPr>
+            <a:r>
+              <a:rPr lang="en-US" dirty="0"/>
+              <a:t>Automatic UI </a:t>
+            </a:r>
+            <a:r>
+              <a:rPr lang="en-US" dirty="0" smtClean="0"/>
+              <a:t>Refresh - </a:t>
+            </a:r>
+          </a:p>
+          <a:p>
+            <a:pPr>
+              <a:lnSpc>
+                <a:spcPct val="150000"/>
+              </a:lnSpc>
+            </a:pPr>
+            <a:r>
+              <a:rPr lang="en-US" dirty="0"/>
+              <a:t>Dependency </a:t>
+            </a:r>
+            <a:r>
+              <a:rPr lang="en-US" dirty="0" smtClean="0"/>
+              <a:t>Tracking - </a:t>
+            </a:r>
+          </a:p>
+          <a:p>
+            <a:pPr>
+              <a:lnSpc>
+                <a:spcPct val="150000"/>
+              </a:lnSpc>
+            </a:pPr>
+            <a:r>
+              <a:rPr lang="en-US" dirty="0" smtClean="0"/>
+              <a:t>Templating - </a:t>
+            </a:r>
+            <a:endParaRPr lang="en-US" dirty="0"/>
+          </a:p>
+        </p:txBody>
+      </p:sp>
+      <p:sp>
+        <p:nvSpPr>
+          <p:cNvPr id="3" name="Title 2"/>
+          <p:cNvSpPr>
+            <a:spLocks noGrp="1"/>
+          </p:cNvSpPr>
+          <p:nvPr>
+            <p:ph type="title"/>
+          </p:nvPr>
+        </p:nvSpPr>
+        <p:spPr/>
+        <p:txBody>
+          <a:bodyPr/>
+          <a:lstStyle/>
+          <a:p>
+            <a:r>
+              <a:rPr lang="en-US" dirty="0" smtClean="0"/>
+              <a:t>2.5 Mais conceitos chaves do KOjs</a:t>
+            </a:r>
+            <a:endParaRPr lang="en-US" dirty="0"/>
+          </a:p>
+        </p:txBody>
+      </p:sp>
+    </p:spTree>
+    <p:extLst>
+      <p:ext uri="{BB962C8B-B14F-4D97-AF65-F5344CB8AC3E}">
+        <p14:creationId xmlns:p14="http://schemas.microsoft.com/office/powerpoint/2010/main" val="1155815168"/>
+      </p:ext>
+    </p:extLst>
+  </p:cSld>
+  <p:clrMapOvr>
+    <a:masterClrMapping/>
+  </p:clrMapOvr>
+  <p:timing>
+    <p:tnLst>
+      <p:par>
+        <p:cTn id="1" dur="indefinite" restart="never" nodeType="tmRoot"/>
+      </p:par>
+    </p:tnLst>
+  </p:timing>
+</p:sld>
+</file>
+
+<file path=ppt/slides/slide9.xml><?xml version="1.0" encoding="utf-8"?>
+<p:sld xmlns:a="http://schemas.openxmlformats.org/drawingml/2006/main" xmlns:r="http://schemas.openxmlformats.org/officeDocument/2006/relationships" xmlns:p="http://schemas.openxmlformats.org/presentationml/2006/main">
+  <p:cSld>
+    <p:spTree>
+      <p:nvGrpSpPr>
+        <p:cNvPr id="1" name=""/>
+        <p:cNvGrpSpPr/>
+        <p:nvPr/>
+      </p:nvGrpSpPr>
+      <p:grpSpPr>
+        <a:xfrm>
+          <a:off x="0" y="0"/>
+          <a:ext cx="0" cy="0"/>
+          <a:chOff x="0" y="0"/>
+          <a:chExt cx="0" cy="0"/>
+        </a:xfrm>
+      </p:grpSpPr>
+      <p:sp>
+        <p:nvSpPr>
+          <p:cNvPr id="2" name="Content Placeholder 1"/>
+          <p:cNvSpPr>
+            <a:spLocks noGrp="1"/>
+          </p:cNvSpPr>
+          <p:nvPr>
+            <p:ph idx="1"/>
+          </p:nvPr>
+        </p:nvSpPr>
+        <p:spPr>
+          <a:xfrm>
+            <a:off x="609600" y="1524000"/>
+            <a:ext cx="10972800" cy="3255039"/>
+          </a:xfrm>
+        </p:spPr>
+        <p:txBody>
+          <a:bodyPr/>
+          <a:lstStyle/>
+          <a:p>
+            <a:r>
+              <a:rPr lang="en-US" dirty="0" smtClean="0"/>
+              <a:t>Obter dados do Servidor</a:t>
+            </a:r>
+          </a:p>
+          <a:p>
+            <a:r>
+              <a:rPr lang="en-US" dirty="0" smtClean="0"/>
+              <a:t>Definir uma interface com o usuário</a:t>
+            </a:r>
+          </a:p>
+          <a:p>
+            <a:r>
+              <a:rPr lang="en-US" dirty="0" smtClean="0"/>
+              <a:t>Criar métodos para apresentação e manter os dados  (DOM)</a:t>
+            </a:r>
+          </a:p>
+          <a:p>
+            <a:r>
+              <a:rPr lang="en-US" dirty="0" smtClean="0"/>
+              <a:t>Criar métodos para manipular os dados (como reordenação da lista) </a:t>
+            </a:r>
+          </a:p>
+          <a:p>
+            <a:r>
+              <a:rPr lang="en-US" dirty="0"/>
+              <a:t>Criar métodos para validar os dados do </a:t>
+            </a:r>
+            <a:r>
+              <a:rPr lang="en-US" dirty="0" smtClean="0"/>
+              <a:t>usuário</a:t>
+            </a:r>
+            <a:endParaRPr lang="en-US" dirty="0" smtClean="0"/>
+          </a:p>
+          <a:p>
+            <a:r>
+              <a:rPr lang="en-US" dirty="0" smtClean="0"/>
+              <a:t>Criar métodos para persistir os dados</a:t>
+            </a:r>
+            <a:endParaRPr lang="en-US" dirty="0"/>
           </a:p>
         </p:txBody>
       </p:sp>
@@ -11642,6 +13402,156 @@
           </p:sp>
         </p:grpSp>
       </p:grpSp>
+      <p:grpSp>
+        <p:nvGrpSpPr>
+          <p:cNvPr id="18" name="Group 17"/>
+          <p:cNvGrpSpPr/>
+          <p:nvPr/>
+        </p:nvGrpSpPr>
+        <p:grpSpPr>
+          <a:xfrm>
+            <a:off x="141548" y="5054515"/>
+            <a:ext cx="936104" cy="864096"/>
+            <a:chOff x="3287688" y="5445224"/>
+            <a:chExt cx="936104" cy="864096"/>
+          </a:xfrm>
+        </p:grpSpPr>
+        <p:sp>
+          <p:nvSpPr>
+            <p:cNvPr id="19" name="Oval 18"/>
+            <p:cNvSpPr/>
+            <p:nvPr/>
+          </p:nvSpPr>
+          <p:spPr>
+            <a:xfrm>
+              <a:off x="3287688" y="5445224"/>
+              <a:ext cx="936104" cy="864096"/>
+            </a:xfrm>
+            <a:prstGeom prst="ellipse">
+              <a:avLst/>
+            </a:prstGeom>
+            <a:solidFill>
+              <a:srgbClr val="EA3E3E"/>
+            </a:solidFill>
+            <a:ln>
+              <a:solidFill>
+                <a:schemeClr val="bg2">
+                  <a:lumMod val="75000"/>
+                </a:schemeClr>
+              </a:solidFill>
+            </a:ln>
+          </p:spPr>
+          <p:style>
+            <a:lnRef idx="2">
+              <a:schemeClr val="accent1">
+                <a:shade val="50000"/>
+              </a:schemeClr>
+            </a:lnRef>
+            <a:fillRef idx="1">
+              <a:schemeClr val="accent1"/>
+            </a:fillRef>
+            <a:effectRef idx="0">
+              <a:schemeClr val="accent1"/>
+            </a:effectRef>
+            <a:fontRef idx="minor">
+              <a:schemeClr val="lt1"/>
+            </a:fontRef>
+          </p:style>
+          <p:txBody>
+            <a:bodyPr rtlCol="0" anchor="ctr"/>
+            <a:lstStyle/>
+            <a:p>
+              <a:pPr algn="ctr"/>
+              <a:endParaRPr lang="en-US"/>
+            </a:p>
+          </p:txBody>
+        </p:sp>
+        <p:sp>
+          <p:nvSpPr>
+            <p:cNvPr id="20" name="Multiply 19"/>
+            <p:cNvSpPr/>
+            <p:nvPr/>
+          </p:nvSpPr>
+          <p:spPr>
+            <a:xfrm>
+              <a:off x="3359696" y="5506116"/>
+              <a:ext cx="792088" cy="742312"/>
+            </a:xfrm>
+            <a:prstGeom prst="mathMultiply">
+              <a:avLst/>
+            </a:prstGeom>
+            <a:ln>
+              <a:solidFill>
+                <a:schemeClr val="bg2">
+                  <a:lumMod val="75000"/>
+                </a:schemeClr>
+              </a:solidFill>
+            </a:ln>
+          </p:spPr>
+          <p:style>
+            <a:lnRef idx="2">
+              <a:schemeClr val="accent1"/>
+            </a:lnRef>
+            <a:fillRef idx="1">
+              <a:schemeClr val="lt1"/>
+            </a:fillRef>
+            <a:effectRef idx="0">
+              <a:schemeClr val="accent1"/>
+            </a:effectRef>
+            <a:fontRef idx="minor">
+              <a:schemeClr val="dk1"/>
+            </a:fontRef>
+          </p:style>
+          <p:txBody>
+            <a:bodyPr rtlCol="0" anchor="ctr"/>
+            <a:lstStyle/>
+            <a:p>
+              <a:pPr algn="ctr"/>
+              <a:endParaRPr lang="en-US"/>
+            </a:p>
+          </p:txBody>
+        </p:sp>
+      </p:grpSp>
+      <p:sp>
+        <p:nvSpPr>
+          <p:cNvPr id="5" name="TextBox 4"/>
+          <p:cNvSpPr txBox="1"/>
+          <p:nvPr/>
+        </p:nvSpPr>
+        <p:spPr>
+          <a:xfrm>
+            <a:off x="1298497" y="4869160"/>
+            <a:ext cx="5733607" cy="1200329"/>
+          </a:xfrm>
+          <a:prstGeom prst="rect">
+            <a:avLst/>
+          </a:prstGeom>
+          <a:noFill/>
+        </p:spPr>
+        <p:txBody>
+          <a:bodyPr wrap="square" rtlCol="0">
+            <a:spAutoFit/>
+          </a:bodyPr>
+          <a:lstStyle/>
+          <a:p>
+            <a:r>
+              <a:rPr lang="en-US" sz="2400" b="1" dirty="0" smtClean="0">
+                <a:solidFill>
+                  <a:srgbClr val="FFDDDD"/>
+                </a:solidFill>
+                <a:latin typeface="Corbel" panose="020B0503020204020204" pitchFamily="34" charset="0"/>
+              </a:rPr>
+              <a:t>Sem uma estrutura que promove separação de responsabilidades, esses métodos podem ser bem desorganizados</a:t>
+            </a:r>
+            <a:endParaRPr lang="en-US" sz="2400" b="1" dirty="0">
+              <a:solidFill>
+                <a:srgbClr val="FFDDDD"/>
+              </a:solidFill>
+              <a:latin typeface="Corbel" panose="020B0503020204020204" pitchFamily="34" charset="0"/>
+            </a:endParaRPr>
+          </a:p>
+        </p:txBody>
+      </p:sp>
     </p:spTree>
     <p:extLst>
       <p:ext uri="{BB962C8B-B14F-4D97-AF65-F5344CB8AC3E}">
@@ -11655,69 +13565,732 @@
   <p:timing>
     <p:tnLst>
       <p:par>
-        <p:cTn id="1" dur="indefinite" restart="never" nodeType="tmRoot"/>
+        <p:cTn id="1" dur="indefinite" restart="never" nodeType="tmRoot">
+          <p:childTnLst>
+            <p:seq concurrent="1" nextAc="seek">
+              <p:cTn id="2" dur="indefinite" nodeType="mainSeq">
+                <p:childTnLst>
+                  <p:par>
+                    <p:cTn id="3" fill="hold">
+                      <p:stCondLst>
+                        <p:cond delay="indefinite"/>
+                      </p:stCondLst>
+                      <p:childTnLst>
+                        <p:par>
+                          <p:cTn id="4" fill="hold">
+                            <p:stCondLst>
+                              <p:cond delay="0"/>
+                            </p:stCondLst>
+                            <p:childTnLst>
+                              <p:par>
+                                <p:cTn id="5" presetID="10" presetClass="entr" presetSubtype="0" fill="hold" nodeType="clickEffect">
+                                  <p:stCondLst>
+                                    <p:cond delay="0"/>
+                                  </p:stCondLst>
+                                  <p:childTnLst>
+                                    <p:set>
+                                      <p:cBhvr>
+                                        <p:cTn id="6" dur="1" fill="hold">
+                                          <p:stCondLst>
+                                            <p:cond delay="0"/>
+                                          </p:stCondLst>
+                                        </p:cTn>
+                                        <p:tgtEl>
+                                          <p:spTgt spid="14"/>
+                                        </p:tgtEl>
+                                        <p:attrNameLst>
+                                          <p:attrName>style.visibility</p:attrName>
+                                        </p:attrNameLst>
+                                      </p:cBhvr>
+                                      <p:to>
+                                        <p:strVal val="visible"/>
+                                      </p:to>
+                                    </p:set>
+                                    <p:animEffect transition="in" filter="fade">
+                                      <p:cBhvr>
+                                        <p:cTn id="7" dur="500"/>
+                                        <p:tgtEl>
+                                          <p:spTgt spid="14"/>
+                                        </p:tgtEl>
+                                      </p:cBhvr>
+                                    </p:animEffect>
+                                  </p:childTnLst>
+                                </p:cTn>
+                              </p:par>
+                            </p:childTnLst>
+                          </p:cTn>
+                        </p:par>
+                      </p:childTnLst>
+                    </p:cTn>
+                  </p:par>
+                  <p:par>
+                    <p:cTn id="8" fill="hold">
+                      <p:stCondLst>
+                        <p:cond delay="indefinite"/>
+                      </p:stCondLst>
+                      <p:childTnLst>
+                        <p:par>
+                          <p:cTn id="9" fill="hold">
+                            <p:stCondLst>
+                              <p:cond delay="0"/>
+                            </p:stCondLst>
+                            <p:childTnLst>
+                              <p:par>
+                                <p:cTn id="10" presetID="1" presetClass="entr" presetSubtype="0" fill="hold" grpId="0" nodeType="clickEffect">
+                                  <p:stCondLst>
+                                    <p:cond delay="0"/>
+                                  </p:stCondLst>
+                                  <p:childTnLst>
+                                    <p:set>
+                                      <p:cBhvr>
+                                        <p:cTn id="11" dur="1" fill="hold">
+                                          <p:stCondLst>
+                                            <p:cond delay="0"/>
+                                          </p:stCondLst>
+                                        </p:cTn>
+                                        <p:tgtEl>
+                                          <p:spTgt spid="2">
+                                            <p:txEl>
+                                              <p:pRg st="0" end="0"/>
+                                            </p:txEl>
+                                          </p:spTgt>
+                                        </p:tgtEl>
+                                        <p:attrNameLst>
+                                          <p:attrName>style.visibility</p:attrName>
+                                        </p:attrNameLst>
+                                      </p:cBhvr>
+                                      <p:to>
+                                        <p:strVal val="visible"/>
+                                      </p:to>
+                                    </p:set>
+                                  </p:childTnLst>
+                                </p:cTn>
+                              </p:par>
+                            </p:childTnLst>
+                          </p:cTn>
+                        </p:par>
+                      </p:childTnLst>
+                    </p:cTn>
+                  </p:par>
+                  <p:par>
+                    <p:cTn id="12" fill="hold">
+                      <p:stCondLst>
+                        <p:cond delay="indefinite"/>
+                      </p:stCondLst>
+                      <p:childTnLst>
+                        <p:par>
+                          <p:cTn id="13" fill="hold">
+                            <p:stCondLst>
+                              <p:cond delay="0"/>
+                            </p:stCondLst>
+                            <p:childTnLst>
+                              <p:par>
+                                <p:cTn id="14" presetID="1" presetClass="entr" presetSubtype="0" fill="hold" grpId="0" nodeType="clickEffect">
+                                  <p:stCondLst>
+                                    <p:cond delay="0"/>
+                                  </p:stCondLst>
+                                  <p:childTnLst>
+                                    <p:set>
+                                      <p:cBhvr>
+                                        <p:cTn id="15" dur="1" fill="hold">
+                                          <p:stCondLst>
+                                            <p:cond delay="0"/>
+                                          </p:stCondLst>
+                                        </p:cTn>
+                                        <p:tgtEl>
+                                          <p:spTgt spid="2">
+                                            <p:txEl>
+                                              <p:pRg st="1" end="1"/>
+                                            </p:txEl>
+                                          </p:spTgt>
+                                        </p:tgtEl>
+                                        <p:attrNameLst>
+                                          <p:attrName>style.visibility</p:attrName>
+                                        </p:attrNameLst>
+                                      </p:cBhvr>
+                                      <p:to>
+                                        <p:strVal val="visible"/>
+                                      </p:to>
+                                    </p:set>
+                                  </p:childTnLst>
+                                </p:cTn>
+                              </p:par>
+                            </p:childTnLst>
+                          </p:cTn>
+                        </p:par>
+                      </p:childTnLst>
+                    </p:cTn>
+                  </p:par>
+                  <p:par>
+                    <p:cTn id="16" fill="hold">
+                      <p:stCondLst>
+                        <p:cond delay="indefinite"/>
+                      </p:stCondLst>
+                      <p:childTnLst>
+                        <p:par>
+                          <p:cTn id="17" fill="hold">
+                            <p:stCondLst>
+                              <p:cond delay="0"/>
+                            </p:stCondLst>
+                            <p:childTnLst>
+                              <p:par>
+                                <p:cTn id="18" presetID="1" presetClass="entr" presetSubtype="0" fill="hold" grpId="0" nodeType="clickEffect">
+                                  <p:stCondLst>
+                                    <p:cond delay="0"/>
+                                  </p:stCondLst>
+                                  <p:childTnLst>
+                                    <p:set>
+                                      <p:cBhvr>
+                                        <p:cTn id="19" dur="1" fill="hold">
+                                          <p:stCondLst>
+                                            <p:cond delay="0"/>
+                                          </p:stCondLst>
+                                        </p:cTn>
+                                        <p:tgtEl>
+                                          <p:spTgt spid="2">
+                                            <p:txEl>
+                                              <p:pRg st="2" end="2"/>
+                                            </p:txEl>
+                                          </p:spTgt>
+                                        </p:tgtEl>
+                                        <p:attrNameLst>
+                                          <p:attrName>style.visibility</p:attrName>
+                                        </p:attrNameLst>
+                                      </p:cBhvr>
+                                      <p:to>
+                                        <p:strVal val="visible"/>
+                                      </p:to>
+                                    </p:set>
+                                  </p:childTnLst>
+                                </p:cTn>
+                              </p:par>
+                            </p:childTnLst>
+                          </p:cTn>
+                        </p:par>
+                      </p:childTnLst>
+                    </p:cTn>
+                  </p:par>
+                  <p:par>
+                    <p:cTn id="20" fill="hold">
+                      <p:stCondLst>
+                        <p:cond delay="indefinite"/>
+                      </p:stCondLst>
+                      <p:childTnLst>
+                        <p:par>
+                          <p:cTn id="21" fill="hold">
+                            <p:stCondLst>
+                              <p:cond delay="0"/>
+                            </p:stCondLst>
+                            <p:childTnLst>
+                              <p:par>
+                                <p:cTn id="22" presetID="1" presetClass="entr" presetSubtype="0" fill="hold" grpId="0" nodeType="clickEffect">
+                                  <p:stCondLst>
+                                    <p:cond delay="0"/>
+                                  </p:stCondLst>
+                                  <p:childTnLst>
+                                    <p:set>
+                                      <p:cBhvr>
+                                        <p:cTn id="23" dur="1" fill="hold">
+                                          <p:stCondLst>
+                                            <p:cond delay="0"/>
+                                          </p:stCondLst>
+                                        </p:cTn>
+                                        <p:tgtEl>
+                                          <p:spTgt spid="2">
+                                            <p:txEl>
+                                              <p:pRg st="3" end="3"/>
+                                            </p:txEl>
+                                          </p:spTgt>
+                                        </p:tgtEl>
+                                        <p:attrNameLst>
+                                          <p:attrName>style.visibility</p:attrName>
+                                        </p:attrNameLst>
+                                      </p:cBhvr>
+                                      <p:to>
+                                        <p:strVal val="visible"/>
+                                      </p:to>
+                                    </p:set>
+                                  </p:childTnLst>
+                                </p:cTn>
+                              </p:par>
+                            </p:childTnLst>
+                          </p:cTn>
+                        </p:par>
+                      </p:childTnLst>
+                    </p:cTn>
+                  </p:par>
+                  <p:par>
+                    <p:cTn id="24" fill="hold">
+                      <p:stCondLst>
+                        <p:cond delay="indefinite"/>
+                      </p:stCondLst>
+                      <p:childTnLst>
+                        <p:par>
+                          <p:cTn id="25" fill="hold">
+                            <p:stCondLst>
+                              <p:cond delay="0"/>
+                            </p:stCondLst>
+                            <p:childTnLst>
+                              <p:par>
+                                <p:cTn id="26" presetID="1" presetClass="entr" presetSubtype="0" fill="hold" grpId="0" nodeType="clickEffect">
+                                  <p:stCondLst>
+                                    <p:cond delay="0"/>
+                                  </p:stCondLst>
+                                  <p:childTnLst>
+                                    <p:set>
+                                      <p:cBhvr>
+                                        <p:cTn id="27" dur="1" fill="hold">
+                                          <p:stCondLst>
+                                            <p:cond delay="0"/>
+                                          </p:stCondLst>
+                                        </p:cTn>
+                                        <p:tgtEl>
+                                          <p:spTgt spid="2">
+                                            <p:txEl>
+                                              <p:pRg st="4" end="4"/>
+                                            </p:txEl>
+                                          </p:spTgt>
+                                        </p:tgtEl>
+                                        <p:attrNameLst>
+                                          <p:attrName>style.visibility</p:attrName>
+                                        </p:attrNameLst>
+                                      </p:cBhvr>
+                                      <p:to>
+                                        <p:strVal val="visible"/>
+                                      </p:to>
+                                    </p:set>
+                                  </p:childTnLst>
+                                </p:cTn>
+                              </p:par>
+                            </p:childTnLst>
+                          </p:cTn>
+                        </p:par>
+                      </p:childTnLst>
+                    </p:cTn>
+                  </p:par>
+                  <p:par>
+                    <p:cTn id="28" fill="hold">
+                      <p:stCondLst>
+                        <p:cond delay="indefinite"/>
+                      </p:stCondLst>
+                      <p:childTnLst>
+                        <p:par>
+                          <p:cTn id="29" fill="hold">
+                            <p:stCondLst>
+                              <p:cond delay="0"/>
+                            </p:stCondLst>
+                            <p:childTnLst>
+                              <p:par>
+                                <p:cTn id="30" presetID="1" presetClass="entr" presetSubtype="0" fill="hold" grpId="0" nodeType="clickEffect">
+                                  <p:stCondLst>
+                                    <p:cond delay="0"/>
+                                  </p:stCondLst>
+                                  <p:childTnLst>
+                                    <p:set>
+                                      <p:cBhvr>
+                                        <p:cTn id="31" dur="1" fill="hold">
+                                          <p:stCondLst>
+                                            <p:cond delay="0"/>
+                                          </p:stCondLst>
+                                        </p:cTn>
+                                        <p:tgtEl>
+                                          <p:spTgt spid="2">
+                                            <p:txEl>
+                                              <p:pRg st="5" end="5"/>
+                                            </p:txEl>
+                                          </p:spTgt>
+                                        </p:tgtEl>
+                                        <p:attrNameLst>
+                                          <p:attrName>style.visibility</p:attrName>
+                                        </p:attrNameLst>
+                                      </p:cBhvr>
+                                      <p:to>
+                                        <p:strVal val="visible"/>
+                                      </p:to>
+                                    </p:set>
+                                  </p:childTnLst>
+                                </p:cTn>
+                              </p:par>
+                            </p:childTnLst>
+                          </p:cTn>
+                        </p:par>
+                      </p:childTnLst>
+                    </p:cTn>
+                  </p:par>
+                  <p:par>
+                    <p:cTn id="32" fill="hold">
+                      <p:stCondLst>
+                        <p:cond delay="indefinite"/>
+                      </p:stCondLst>
+                      <p:childTnLst>
+                        <p:par>
+                          <p:cTn id="33" fill="hold">
+                            <p:stCondLst>
+                              <p:cond delay="0"/>
+                            </p:stCondLst>
+                            <p:childTnLst>
+                              <p:par>
+                                <p:cTn id="34" presetID="26" presetClass="entr" presetSubtype="0" fill="hold" nodeType="clickEffect">
+                                  <p:stCondLst>
+                                    <p:cond delay="0"/>
+                                  </p:stCondLst>
+                                  <p:childTnLst>
+                                    <p:set>
+                                      <p:cBhvr>
+                                        <p:cTn id="35" dur="1" fill="hold">
+                                          <p:stCondLst>
+                                            <p:cond delay="0"/>
+                                          </p:stCondLst>
+                                        </p:cTn>
+                                        <p:tgtEl>
+                                          <p:spTgt spid="18"/>
+                                        </p:tgtEl>
+                                        <p:attrNameLst>
+                                          <p:attrName>style.visibility</p:attrName>
+                                        </p:attrNameLst>
+                                      </p:cBhvr>
+                                      <p:to>
+                                        <p:strVal val="visible"/>
+                                      </p:to>
+                                    </p:set>
+                                    <p:animEffect transition="in" filter="wipe(down)">
+                                      <p:cBhvr>
+                                        <p:cTn id="36" dur="580">
+                                          <p:stCondLst>
+                                            <p:cond delay="0"/>
+                                          </p:stCondLst>
+                                        </p:cTn>
+                                        <p:tgtEl>
+                                          <p:spTgt spid="18"/>
+                                        </p:tgtEl>
+                                      </p:cBhvr>
+                                    </p:animEffect>
+                                    <p:anim calcmode="lin" valueType="num">
+                                      <p:cBhvr>
+                                        <p:cTn id="37" dur="1822" tmFilter="0,0; 0.14,0.36; 0.43,0.73; 0.71,0.91; 1.0,1.0">
+                                          <p:stCondLst>
+                                            <p:cond delay="0"/>
+                                          </p:stCondLst>
+                                        </p:cTn>
+                                        <p:tgtEl>
+                                          <p:spTgt spid="18"/>
+                                        </p:tgtEl>
+                                        <p:attrNameLst>
+                                          <p:attrName>ppt_x</p:attrName>
+                                        </p:attrNameLst>
+                                      </p:cBhvr>
+                                      <p:tavLst>
+                                        <p:tav tm="0">
+                                          <p:val>
+                                            <p:strVal val="#ppt_x-0.25"/>
+                                          </p:val>
+                                        </p:tav>
+                                        <p:tav tm="100000">
+                                          <p:val>
+                                            <p:strVal val="#ppt_x"/>
+                                          </p:val>
+                                        </p:tav>
+                                      </p:tavLst>
+                                    </p:anim>
+                                    <p:anim calcmode="lin" valueType="num">
+                                      <p:cBhvr>
+                                        <p:cTn id="38" dur="664" tmFilter="0.0,0.0; 0.25,0.07; 0.50,0.2; 0.75,0.467; 1.0,1.0">
+                                          <p:stCondLst>
+                                            <p:cond delay="0"/>
+                                          </p:stCondLst>
+                                        </p:cTn>
+                                        <p:tgtEl>
+                                          <p:spTgt spid="18"/>
+                                        </p:tgtEl>
+                                        <p:attrNameLst>
+                                          <p:attrName>ppt_y</p:attrName>
+                                        </p:attrNameLst>
+                                      </p:cBhvr>
+                                      <p:tavLst>
+                                        <p:tav tm="0" fmla="#ppt_y-sin(pi*$)/3">
+                                          <p:val>
+                                            <p:fltVal val="0.5"/>
+                                          </p:val>
+                                        </p:tav>
+                                        <p:tav tm="100000">
+                                          <p:val>
+                                            <p:fltVal val="1"/>
+                                          </p:val>
+                                        </p:tav>
+                                      </p:tavLst>
+                                    </p:anim>
+                                    <p:anim calcmode="lin" valueType="num">
+                                      <p:cBhvr>
+                                        <p:cTn id="39" dur="664" tmFilter="0, 0; 0.125,0.2665; 0.25,0.4; 0.375,0.465; 0.5,0.5;  0.625,0.535; 0.75,0.6; 0.875,0.7335; 1,1">
+                                          <p:stCondLst>
+                                            <p:cond delay="664"/>
+                                          </p:stCondLst>
+                                        </p:cTn>
+                                        <p:tgtEl>
+                                          <p:spTgt spid="18"/>
+                                        </p:tgtEl>
+                                        <p:attrNameLst>
+                                          <p:attrName>ppt_y</p:attrName>
+                                        </p:attrNameLst>
+                                      </p:cBhvr>
+                                      <p:tavLst>
+                                        <p:tav tm="0" fmla="#ppt_y-sin(pi*$)/9">
+                                          <p:val>
+                                            <p:fltVal val="0"/>
+                                          </p:val>
+                                        </p:tav>
+                                        <p:tav tm="100000">
+                                          <p:val>
+                                            <p:fltVal val="1"/>
+                                          </p:val>
+                                        </p:tav>
+                                      </p:tavLst>
+                                    </p:anim>
+                                    <p:anim calcmode="lin" valueType="num">
+                                      <p:cBhvr>
+                                        <p:cTn id="40" dur="332" tmFilter="0, 0; 0.125,0.2665; 0.25,0.4; 0.375,0.465; 0.5,0.5;  0.625,0.535; 0.75,0.6; 0.875,0.7335; 1,1">
+                                          <p:stCondLst>
+                                            <p:cond delay="1324"/>
+                                          </p:stCondLst>
+                                        </p:cTn>
+                                        <p:tgtEl>
+                                          <p:spTgt spid="18"/>
+                                        </p:tgtEl>
+                                        <p:attrNameLst>
+                                          <p:attrName>ppt_y</p:attrName>
+                                        </p:attrNameLst>
+                                      </p:cBhvr>
+                                      <p:tavLst>
+                                        <p:tav tm="0" fmla="#ppt_y-sin(pi*$)/27">
+                                          <p:val>
+                                            <p:fltVal val="0"/>
+                                          </p:val>
+                                        </p:tav>
+                                        <p:tav tm="100000">
+                                          <p:val>
+                                            <p:fltVal val="1"/>
+                                          </p:val>
+                                        </p:tav>
+                                      </p:tavLst>
+                                    </p:anim>
+                                    <p:anim calcmode="lin" valueType="num">
+                                      <p:cBhvr>
+                                        <p:cTn id="41" dur="164" tmFilter="0, 0; 0.125,0.2665; 0.25,0.4; 0.375,0.465; 0.5,0.5;  0.625,0.535; 0.75,0.6; 0.875,0.7335; 1,1">
+                                          <p:stCondLst>
+                                            <p:cond delay="1656"/>
+                                          </p:stCondLst>
+                                        </p:cTn>
+                                        <p:tgtEl>
+                                          <p:spTgt spid="18"/>
+                                        </p:tgtEl>
+                                        <p:attrNameLst>
+                                          <p:attrName>ppt_y</p:attrName>
+                                        </p:attrNameLst>
+                                      </p:cBhvr>
+                                      <p:tavLst>
+                                        <p:tav tm="0" fmla="#ppt_y-sin(pi*$)/81">
+                                          <p:val>
+                                            <p:fltVal val="0"/>
+                                          </p:val>
+                                        </p:tav>
+                                        <p:tav tm="100000">
+                                          <p:val>
+                                            <p:fltVal val="1"/>
+                                          </p:val>
+                                        </p:tav>
+                                      </p:tavLst>
+                                    </p:anim>
+                                    <p:animScale>
+                                      <p:cBhvr>
+                                        <p:cTn id="42" dur="26">
+                                          <p:stCondLst>
+                                            <p:cond delay="650"/>
+                                          </p:stCondLst>
+                                        </p:cTn>
+                                        <p:tgtEl>
+                                          <p:spTgt spid="18"/>
+                                        </p:tgtEl>
+                                      </p:cBhvr>
+                                      <p:to x="100000" y="60000"/>
+                                    </p:animScale>
+                                    <p:animScale>
+                                      <p:cBhvr>
+                                        <p:cTn id="43" dur="166" decel="50000">
+                                          <p:stCondLst>
+                                            <p:cond delay="676"/>
+                                          </p:stCondLst>
+                                        </p:cTn>
+                                        <p:tgtEl>
+                                          <p:spTgt spid="18"/>
+                                        </p:tgtEl>
+                                      </p:cBhvr>
+                                      <p:to x="100000" y="100000"/>
+                                    </p:animScale>
+                                    <p:animScale>
+                                      <p:cBhvr>
+                                        <p:cTn id="44" dur="26">
+                                          <p:stCondLst>
+                                            <p:cond delay="1312"/>
+                                          </p:stCondLst>
+                                        </p:cTn>
+                                        <p:tgtEl>
+                                          <p:spTgt spid="18"/>
+                                        </p:tgtEl>
+                                      </p:cBhvr>
+                                      <p:to x="100000" y="80000"/>
+                                    </p:animScale>
+                                    <p:animScale>
+                                      <p:cBhvr>
+                                        <p:cTn id="45" dur="166" decel="50000">
+                                          <p:stCondLst>
+                                            <p:cond delay="1338"/>
+                                          </p:stCondLst>
+                                        </p:cTn>
+                                        <p:tgtEl>
+                                          <p:spTgt spid="18"/>
+                                        </p:tgtEl>
+                                      </p:cBhvr>
+                                      <p:to x="100000" y="100000"/>
+                                    </p:animScale>
+                                    <p:animScale>
+                                      <p:cBhvr>
+                                        <p:cTn id="46" dur="26">
+                                          <p:stCondLst>
+                                            <p:cond delay="1642"/>
+                                          </p:stCondLst>
+                                        </p:cTn>
+                                        <p:tgtEl>
+                                          <p:spTgt spid="18"/>
+                                        </p:tgtEl>
+                                      </p:cBhvr>
+                                      <p:to x="100000" y="90000"/>
+                                    </p:animScale>
+                                    <p:animScale>
+                                      <p:cBhvr>
+                                        <p:cTn id="47" dur="166" decel="50000">
+                                          <p:stCondLst>
+                                            <p:cond delay="1668"/>
+                                          </p:stCondLst>
+                                        </p:cTn>
+                                        <p:tgtEl>
+                                          <p:spTgt spid="18"/>
+                                        </p:tgtEl>
+                                      </p:cBhvr>
+                                      <p:to x="100000" y="100000"/>
+                                    </p:animScale>
+                                    <p:animScale>
+                                      <p:cBhvr>
+                                        <p:cTn id="48" dur="26">
+                                          <p:stCondLst>
+                                            <p:cond delay="1808"/>
+                                          </p:stCondLst>
+                                        </p:cTn>
+                                        <p:tgtEl>
+                                          <p:spTgt spid="18"/>
+                                        </p:tgtEl>
+                                      </p:cBhvr>
+                                      <p:to x="100000" y="95000"/>
+                                    </p:animScale>
+                                    <p:animScale>
+                                      <p:cBhvr>
+                                        <p:cTn id="49" dur="166" decel="50000">
+                                          <p:stCondLst>
+                                            <p:cond delay="1834"/>
+                                          </p:stCondLst>
+                                        </p:cTn>
+                                        <p:tgtEl>
+                                          <p:spTgt spid="18"/>
+                                        </p:tgtEl>
+                                      </p:cBhvr>
+                                      <p:to x="100000" y="100000"/>
+                                    </p:animScale>
+                                  </p:childTnLst>
+                                </p:cTn>
+                              </p:par>
+                            </p:childTnLst>
+                          </p:cTn>
+                        </p:par>
+                      </p:childTnLst>
+                    </p:cTn>
+                  </p:par>
+                  <p:par>
+                    <p:cTn id="50" fill="hold">
+                      <p:stCondLst>
+                        <p:cond delay="indefinite"/>
+                      </p:stCondLst>
+                      <p:childTnLst>
+                        <p:par>
+                          <p:cTn id="51" fill="hold">
+                            <p:stCondLst>
+                              <p:cond delay="0"/>
+                            </p:stCondLst>
+                            <p:childTnLst>
+                              <p:par>
+                                <p:cTn id="52" presetID="10" presetClass="entr" presetSubtype="0" fill="hold" grpId="0" nodeType="clickEffect">
+                                  <p:stCondLst>
+                                    <p:cond delay="0"/>
+                                  </p:stCondLst>
+                                  <p:childTnLst>
+                                    <p:set>
+                                      <p:cBhvr>
+                                        <p:cTn id="53" dur="1" fill="hold">
+                                          <p:stCondLst>
+                                            <p:cond delay="0"/>
+                                          </p:stCondLst>
+                                        </p:cTn>
+                                        <p:tgtEl>
+                                          <p:spTgt spid="5"/>
+                                        </p:tgtEl>
+                                        <p:attrNameLst>
+                                          <p:attrName>style.visibility</p:attrName>
+                                        </p:attrNameLst>
+                                      </p:cBhvr>
+                                      <p:to>
+                                        <p:strVal val="visible"/>
+                                      </p:to>
+                                    </p:set>
+                                    <p:animEffect transition="in" filter="fade">
+                                      <p:cBhvr>
+                                        <p:cTn id="54" dur="500"/>
+                                        <p:tgtEl>
+                                          <p:spTgt spid="5"/>
+                                        </p:tgtEl>
+                                      </p:cBhvr>
+                                    </p:animEffect>
+                                  </p:childTnLst>
+                                </p:cTn>
+                              </p:par>
+                            </p:childTnLst>
+                          </p:cTn>
+                        </p:par>
+                      </p:childTnLst>
+                    </p:cTn>
+                  </p:par>
+                </p:childTnLst>
+              </p:cTn>
+              <p:prevCondLst>
+                <p:cond evt="onPrev" delay="0">
+                  <p:tgtEl>
+                    <p:sldTgt/>
+                  </p:tgtEl>
+                </p:cond>
+              </p:prevCondLst>
+              <p:nextCondLst>
+                <p:cond evt="onNext" delay="0">
+                  <p:tgtEl>
+                    <p:sldTgt/>
+                  </p:tgtEl>
+                </p:cond>
+              </p:nextCondLst>
+            </p:seq>
+          </p:childTnLst>
+        </p:cTn>
       </p:par>
     </p:tnLst>
-  </p:timing>
-</p:sld>
-</file>
-
-<file path=ppt/slides/slide9.xml><?xml version="1.0" encoding="utf-8"?>
-<p:sld xmlns:a="http://schemas.openxmlformats.org/drawingml/2006/main" xmlns:r="http://schemas.openxmlformats.org/officeDocument/2006/relationships" xmlns:p="http://schemas.openxmlformats.org/presentationml/2006/main">
-  <p:cSld>
-    <p:spTree>
-      <p:nvGrpSpPr>
-        <p:cNvPr id="1" name=""/>
-        <p:cNvGrpSpPr/>
-        <p:nvPr/>
-      </p:nvGrpSpPr>
-      <p:grpSpPr>
-        <a:xfrm>
-          <a:off x="0" y="0"/>
-          <a:ext cx="0" cy="0"/>
-          <a:chOff x="0" y="0"/>
-          <a:chExt cx="0" cy="0"/>
-        </a:xfrm>
-      </p:grpSpPr>
-      <p:sp>
-        <p:nvSpPr>
-          <p:cNvPr id="2" name="Title 1"/>
-          <p:cNvSpPr>
-            <a:spLocks noGrp="1"/>
-          </p:cNvSpPr>
-          <p:nvPr>
-            <p:ph type="title"/>
-          </p:nvPr>
-        </p:nvSpPr>
-        <p:spPr/>
-        <p:txBody>
-          <a:bodyPr/>
-          <a:lstStyle/>
-          <a:p>
-            <a:r>
-              <a:rPr lang="en-US" dirty="0" smtClean="0"/>
-              <a:t>Obtendo dados do modelo</a:t>
-            </a:r>
-            <a:endParaRPr lang="en-US" dirty="0"/>
-          </a:p>
-        </p:txBody>
-      </p:sp>
-    </p:spTree>
-    <p:extLst>
-      <p:ext uri="{BB962C8B-B14F-4D97-AF65-F5344CB8AC3E}">
-        <p14:creationId xmlns:p14="http://schemas.microsoft.com/office/powerpoint/2010/main" val="691426985"/>
-      </p:ext>
-    </p:extLst>
-  </p:cSld>
-  <p:clrMapOvr>
-    <a:masterClrMapping/>
-  </p:clrMapOvr>
-  <p:timing>
-    <p:tnLst>
-      <p:par>
-        <p:cTn id="1" dur="indefinite" restart="never" nodeType="tmRoot"/>
-      </p:par>
-    </p:tnLst>
+    <p:bldLst>
+      <p:bldP spid="2" grpId="0" build="p"/>
+      <p:bldP spid="5" grpId="0"/>
+    </p:bldLst>
   </p:timing>
 </p:sld>
 </file>

--- a/Apresentacao.Knockout.JS/Knockout.JS.2014.04.pptx
+++ b/Apresentacao.Knockout.JS/Knockout.JS.2014.04.pptx
@@ -5,7 +5,7 @@
     <p:sldMasterId id="2147483660" r:id="rId2"/>
   </p:sldMasterIdLst>
   <p:notesMasterIdLst>
-    <p:notesMasterId r:id="rId17"/>
+    <p:notesMasterId r:id="rId19"/>
   </p:notesMasterIdLst>
   <p:sldIdLst>
     <p:sldId id="256" r:id="rId3"/>
@@ -17,11 +17,13 @@
     <p:sldId id="268" r:id="rId9"/>
     <p:sldId id="277" r:id="rId10"/>
     <p:sldId id="271" r:id="rId11"/>
-    <p:sldId id="275" r:id="rId12"/>
-    <p:sldId id="276" r:id="rId13"/>
-    <p:sldId id="272" r:id="rId14"/>
-    <p:sldId id="273" r:id="rId15"/>
-    <p:sldId id="274" r:id="rId16"/>
+    <p:sldId id="278" r:id="rId12"/>
+    <p:sldId id="275" r:id="rId13"/>
+    <p:sldId id="276" r:id="rId14"/>
+    <p:sldId id="272" r:id="rId15"/>
+    <p:sldId id="273" r:id="rId16"/>
+    <p:sldId id="279" r:id="rId17"/>
+    <p:sldId id="274" r:id="rId18"/>
   </p:sldIdLst>
   <p:sldSz cx="12192000" cy="6858000"/>
   <p:notesSz cx="6858000" cy="9144000"/>
@@ -123,7 +125,7 @@
   <p:extLst>
     <p:ext uri="{EFAFB233-063F-42B5-8137-9DF3F51BA10A}">
       <p15:sldGuideLst xmlns:p15="http://schemas.microsoft.com/office/powerpoint/2012/main">
-        <p15:guide id="1" orient="horz" pos="2160" userDrawn="1">
+        <p15:guide id="1" orient="horz" pos="981" userDrawn="1">
           <p15:clr>
             <a:srgbClr val="A4A3A4"/>
           </p15:clr>
@@ -7050,23 +7052,380 @@
           <a:lstStyle/>
           <a:p>
             <a:r>
+              <a:rPr lang="en-US" dirty="0"/>
+              <a:t>Obtendo dados do </a:t>
+            </a:r>
+            <a:r>
               <a:rPr lang="en-US" dirty="0" smtClean="0"/>
-              <a:t>Obtendo dados do modelo</a:t>
+              <a:t>modelo sem o KOjs</a:t>
             </a:r>
             <a:endParaRPr lang="en-US" dirty="0"/>
           </a:p>
         </p:txBody>
       </p:sp>
+      <p:grpSp>
+        <p:nvGrpSpPr>
+          <p:cNvPr id="21" name="Group 20"/>
+          <p:cNvGrpSpPr/>
+          <p:nvPr/>
+        </p:nvGrpSpPr>
+        <p:grpSpPr>
+          <a:xfrm>
+            <a:off x="839416" y="1620089"/>
+            <a:ext cx="2088232" cy="1592887"/>
+            <a:chOff x="839416" y="1620089"/>
+            <a:chExt cx="2088232" cy="1592887"/>
+          </a:xfrm>
+        </p:grpSpPr>
+        <p:sp>
+          <p:nvSpPr>
+            <p:cNvPr id="3" name="Rounded Rectangle 2"/>
+            <p:cNvSpPr/>
+            <p:nvPr/>
+          </p:nvSpPr>
+          <p:spPr>
+            <a:xfrm>
+              <a:off x="839416" y="2132856"/>
+              <a:ext cx="2088232" cy="1080120"/>
+            </a:xfrm>
+            <a:prstGeom prst="roundRect">
+              <a:avLst/>
+            </a:prstGeom>
+            <a:solidFill>
+              <a:schemeClr val="bg2">
+                <a:lumMod val="75000"/>
+              </a:schemeClr>
+            </a:solidFill>
+            <a:ln>
+              <a:noFill/>
+            </a:ln>
+          </p:spPr>
+          <p:style>
+            <a:lnRef idx="2">
+              <a:schemeClr val="accent1">
+                <a:shade val="50000"/>
+              </a:schemeClr>
+            </a:lnRef>
+            <a:fillRef idx="1">
+              <a:schemeClr val="accent1"/>
+            </a:fillRef>
+            <a:effectRef idx="0">
+              <a:schemeClr val="accent1"/>
+            </a:effectRef>
+            <a:fontRef idx="minor">
+              <a:schemeClr val="lt1"/>
+            </a:fontRef>
+          </p:style>
+          <p:txBody>
+            <a:bodyPr rtlCol="0" anchor="ctr"/>
+            <a:lstStyle/>
+            <a:p>
+              <a:pPr algn="ctr"/>
+              <a:endParaRPr lang="en-US"/>
+            </a:p>
+          </p:txBody>
+        </p:sp>
+        <p:sp>
+          <p:nvSpPr>
+            <p:cNvPr id="5" name="Rounded Rectangle 4"/>
+            <p:cNvSpPr/>
+            <p:nvPr/>
+          </p:nvSpPr>
+          <p:spPr>
+            <a:xfrm>
+              <a:off x="983432" y="2420888"/>
+              <a:ext cx="1800200" cy="576064"/>
+            </a:xfrm>
+            <a:prstGeom prst="roundRect">
+              <a:avLst/>
+            </a:prstGeom>
+            <a:ln>
+              <a:noFill/>
+            </a:ln>
+          </p:spPr>
+          <p:style>
+            <a:lnRef idx="1">
+              <a:schemeClr val="accent3"/>
+            </a:lnRef>
+            <a:fillRef idx="2">
+              <a:schemeClr val="accent3"/>
+            </a:fillRef>
+            <a:effectRef idx="1">
+              <a:schemeClr val="accent3"/>
+            </a:effectRef>
+            <a:fontRef idx="minor">
+              <a:schemeClr val="dk1"/>
+            </a:fontRef>
+          </p:style>
+          <p:txBody>
+            <a:bodyPr rtlCol="0" anchor="ctr"/>
+            <a:lstStyle/>
+            <a:p>
+              <a:pPr algn="ctr"/>
+              <a:r>
+                <a:rPr lang="en-US" sz="2800" dirty="0" smtClean="0">
+                  <a:latin typeface="Corbel" panose="020B0503020204020204" pitchFamily="34" charset="0"/>
+                </a:rPr>
+                <a:t>Dados</a:t>
+              </a:r>
+              <a:endParaRPr lang="en-US" sz="2800" dirty="0">
+                <a:latin typeface="Corbel" panose="020B0503020204020204" pitchFamily="34" charset="0"/>
+              </a:endParaRPr>
+            </a:p>
+          </p:txBody>
+        </p:sp>
+        <p:sp>
+          <p:nvSpPr>
+            <p:cNvPr id="6" name="TextBox 5"/>
+            <p:cNvSpPr txBox="1"/>
+            <p:nvPr/>
+          </p:nvSpPr>
+          <p:spPr>
+            <a:xfrm>
+              <a:off x="1098682" y="1620089"/>
+              <a:ext cx="1612942" cy="584775"/>
+            </a:xfrm>
+            <a:prstGeom prst="rect">
+              <a:avLst/>
+            </a:prstGeom>
+            <a:noFill/>
+          </p:spPr>
+          <p:txBody>
+            <a:bodyPr wrap="none" rtlCol="0">
+              <a:spAutoFit/>
+            </a:bodyPr>
+            <a:lstStyle/>
+            <a:p>
+              <a:r>
+                <a:rPr lang="en-US" sz="3200" dirty="0" smtClean="0">
+                  <a:solidFill>
+                    <a:schemeClr val="bg2">
+                      <a:lumMod val="40000"/>
+                      <a:lumOff val="60000"/>
+                    </a:schemeClr>
+                  </a:solidFill>
+                  <a:latin typeface="Corbel" panose="020B0503020204020204" pitchFamily="34" charset="0"/>
+                </a:rPr>
+                <a:t>Servidor</a:t>
+              </a:r>
+              <a:endParaRPr lang="en-US" sz="3200" dirty="0">
+                <a:solidFill>
+                  <a:schemeClr val="bg2">
+                    <a:lumMod val="40000"/>
+                    <a:lumOff val="60000"/>
+                  </a:schemeClr>
+                </a:solidFill>
+                <a:latin typeface="Corbel" panose="020B0503020204020204" pitchFamily="34" charset="0"/>
+              </a:endParaRPr>
+            </a:p>
+          </p:txBody>
+        </p:sp>
+      </p:grpSp>
+      <p:grpSp>
+        <p:nvGrpSpPr>
+          <p:cNvPr id="22" name="Group 21"/>
+          <p:cNvGrpSpPr/>
+          <p:nvPr/>
+        </p:nvGrpSpPr>
+        <p:grpSpPr>
+          <a:xfrm>
+            <a:off x="4367808" y="1620089"/>
+            <a:ext cx="2088232" cy="1592887"/>
+            <a:chOff x="4367808" y="1620089"/>
+            <a:chExt cx="2088232" cy="1592887"/>
+          </a:xfrm>
+        </p:grpSpPr>
+        <p:sp>
+          <p:nvSpPr>
+            <p:cNvPr id="7" name="Rounded Rectangle 6"/>
+            <p:cNvSpPr/>
+            <p:nvPr/>
+          </p:nvSpPr>
+          <p:spPr>
+            <a:xfrm>
+              <a:off x="4367808" y="2132856"/>
+              <a:ext cx="2088232" cy="1080120"/>
+            </a:xfrm>
+            <a:prstGeom prst="roundRect">
+              <a:avLst/>
+            </a:prstGeom>
+            <a:solidFill>
+              <a:schemeClr val="bg2">
+                <a:lumMod val="75000"/>
+              </a:schemeClr>
+            </a:solidFill>
+            <a:ln>
+              <a:noFill/>
+            </a:ln>
+          </p:spPr>
+          <p:style>
+            <a:lnRef idx="2">
+              <a:schemeClr val="accent1">
+                <a:shade val="50000"/>
+              </a:schemeClr>
+            </a:lnRef>
+            <a:fillRef idx="1">
+              <a:schemeClr val="accent1"/>
+            </a:fillRef>
+            <a:effectRef idx="0">
+              <a:schemeClr val="accent1"/>
+            </a:effectRef>
+            <a:fontRef idx="minor">
+              <a:schemeClr val="lt1"/>
+            </a:fontRef>
+          </p:style>
+          <p:txBody>
+            <a:bodyPr rtlCol="0" anchor="ctr"/>
+            <a:lstStyle/>
+            <a:p>
+              <a:pPr algn="ctr"/>
+              <a:endParaRPr lang="en-US"/>
+            </a:p>
+          </p:txBody>
+        </p:sp>
+        <p:sp>
+          <p:nvSpPr>
+            <p:cNvPr id="8" name="Rounded Rectangle 7"/>
+            <p:cNvSpPr/>
+            <p:nvPr/>
+          </p:nvSpPr>
+          <p:spPr>
+            <a:xfrm>
+              <a:off x="4511824" y="2420888"/>
+              <a:ext cx="1800200" cy="576064"/>
+            </a:xfrm>
+            <a:prstGeom prst="roundRect">
+              <a:avLst/>
+            </a:prstGeom>
+            <a:ln>
+              <a:noFill/>
+            </a:ln>
+          </p:spPr>
+          <p:style>
+            <a:lnRef idx="1">
+              <a:schemeClr val="accent3"/>
+            </a:lnRef>
+            <a:fillRef idx="2">
+              <a:schemeClr val="accent3"/>
+            </a:fillRef>
+            <a:effectRef idx="1">
+              <a:schemeClr val="accent3"/>
+            </a:effectRef>
+            <a:fontRef idx="minor">
+              <a:schemeClr val="dk1"/>
+            </a:fontRef>
+          </p:style>
+          <p:txBody>
+            <a:bodyPr rtlCol="0" anchor="ctr"/>
+            <a:lstStyle/>
+            <a:p>
+              <a:pPr algn="ctr"/>
+              <a:r>
+                <a:rPr lang="en-US" sz="2800" dirty="0" smtClean="0">
+                  <a:latin typeface="Corbel" panose="020B0503020204020204" pitchFamily="34" charset="0"/>
+                </a:rPr>
+                <a:t>DOM</a:t>
+              </a:r>
+              <a:endParaRPr lang="en-US" sz="2800" dirty="0">
+                <a:latin typeface="Corbel" panose="020B0503020204020204" pitchFamily="34" charset="0"/>
+              </a:endParaRPr>
+            </a:p>
+          </p:txBody>
+        </p:sp>
+        <p:sp>
+          <p:nvSpPr>
+            <p:cNvPr id="9" name="TextBox 8"/>
+            <p:cNvSpPr txBox="1"/>
+            <p:nvPr/>
+          </p:nvSpPr>
+          <p:spPr>
+            <a:xfrm>
+              <a:off x="4627074" y="1620089"/>
+              <a:ext cx="1435008" cy="584775"/>
+            </a:xfrm>
+            <a:prstGeom prst="rect">
+              <a:avLst/>
+            </a:prstGeom>
+            <a:noFill/>
+          </p:spPr>
+          <p:txBody>
+            <a:bodyPr wrap="none" rtlCol="0">
+              <a:spAutoFit/>
+            </a:bodyPr>
+            <a:lstStyle/>
+            <a:p>
+              <a:r>
+                <a:rPr lang="en-US" sz="3200" dirty="0" smtClean="0">
+                  <a:solidFill>
+                    <a:schemeClr val="bg2">
+                      <a:lumMod val="40000"/>
+                      <a:lumOff val="60000"/>
+                    </a:schemeClr>
+                  </a:solidFill>
+                  <a:latin typeface="Corbel" panose="020B0503020204020204" pitchFamily="34" charset="0"/>
+                </a:rPr>
+                <a:t>Cliente</a:t>
+              </a:r>
+              <a:endParaRPr lang="en-US" sz="3200" dirty="0">
+                <a:solidFill>
+                  <a:schemeClr val="bg2">
+                    <a:lumMod val="40000"/>
+                    <a:lumOff val="60000"/>
+                  </a:schemeClr>
+                </a:solidFill>
+                <a:latin typeface="Corbel" panose="020B0503020204020204" pitchFamily="34" charset="0"/>
+              </a:endParaRPr>
+            </a:p>
+          </p:txBody>
+        </p:sp>
+      </p:grpSp>
+      <p:cxnSp>
+        <p:nvCxnSpPr>
+          <p:cNvPr id="11" name="Straight Arrow Connector 10"/>
+          <p:cNvCxnSpPr/>
+          <p:nvPr/>
+        </p:nvCxnSpPr>
+        <p:spPr>
+          <a:xfrm>
+            <a:off x="3071664" y="2636912"/>
+            <a:ext cx="1152128" cy="0"/>
+          </a:xfrm>
+          <a:prstGeom prst="straightConnector1">
+            <a:avLst/>
+          </a:prstGeom>
+          <a:ln w="57150">
+            <a:solidFill>
+              <a:schemeClr val="tx2"/>
+            </a:solidFill>
+            <a:prstDash val="sysDash"/>
+            <a:tailEnd type="triangle"/>
+          </a:ln>
+        </p:spPr>
+        <p:style>
+          <a:lnRef idx="1">
+            <a:schemeClr val="accent1"/>
+          </a:lnRef>
+          <a:fillRef idx="0">
+            <a:schemeClr val="accent1"/>
+          </a:fillRef>
+          <a:effectRef idx="0">
+            <a:schemeClr val="accent1"/>
+          </a:effectRef>
+          <a:fontRef idx="minor">
+            <a:schemeClr val="tx1"/>
+          </a:fontRef>
+        </p:style>
+      </p:cxnSp>
       <p:sp>
         <p:nvSpPr>
-          <p:cNvPr id="3" name="Rectangle 2"/>
+          <p:cNvPr id="15" name="Rectangle 14"/>
           <p:cNvSpPr/>
           <p:nvPr/>
         </p:nvSpPr>
         <p:spPr>
-          <a:xfrm rot="21432377">
-            <a:off x="622485" y="1971565"/>
-            <a:ext cx="10801200" cy="792088"/>
+          <a:xfrm>
+            <a:off x="1098682" y="3717032"/>
+            <a:ext cx="9965870" cy="1687016"/>
           </a:xfrm>
           <a:prstGeom prst="rect">
             <a:avLst/>
@@ -7100,73 +7459,1244 @@
           <a:bodyPr rtlCol="0" anchor="ctr"/>
           <a:lstStyle/>
           <a:p>
-            <a:pPr algn="ctr"/>
-            <a:r>
-              <a:rPr lang="en-US" sz="2000" dirty="0">
+            <a:r>
+              <a:rPr lang="en-US" sz="2400" dirty="0" smtClean="0">
+                <a:latin typeface="Courier New" panose="02070309020205020404" pitchFamily="49" charset="0"/>
+                <a:cs typeface="Courier New" panose="02070309020205020404" pitchFamily="49" charset="0"/>
+              </a:rPr>
+              <a:t>&lt;li class=</a:t>
+            </a:r>
+            <a:r>
+              <a:rPr lang="en-US" sz="2400" dirty="0" smtClean="0">
                 <a:solidFill>
-                  <a:srgbClr val="FF8585"/>
+                  <a:schemeClr val="tx2"/>
                 </a:solidFill>
-                <a:latin typeface="Consolas" panose="020B0609020204030204" pitchFamily="49" charset="0"/>
-                <a:cs typeface="Consolas" panose="020B0609020204030204" pitchFamily="49" charset="0"/>
+                <a:latin typeface="Courier New" panose="02070309020205020404" pitchFamily="49" charset="0"/>
+                <a:cs typeface="Courier New" panose="02070309020205020404" pitchFamily="49" charset="0"/>
               </a:rPr>
-              <a:t>$</a:t>
-            </a:r>
-            <a:r>
-              <a:rPr lang="en-US" sz="2000" dirty="0">
-                <a:latin typeface="Consolas" panose="020B0609020204030204" pitchFamily="49" charset="0"/>
-                <a:cs typeface="Consolas" panose="020B0609020204030204" pitchFamily="49" charset="0"/>
+              <a:t>“incompleto”</a:t>
+            </a:r>
+            <a:r>
+              <a:rPr lang="en-US" sz="2400" dirty="0" smtClean="0">
+                <a:latin typeface="Courier New" panose="02070309020205020404" pitchFamily="49" charset="0"/>
+                <a:cs typeface="Courier New" panose="02070309020205020404" pitchFamily="49" charset="0"/>
               </a:rPr>
-              <a:t>.getJSON(</a:t>
-            </a:r>
-            <a:r>
-              <a:rPr lang="en-US" sz="2000" dirty="0">
+              <a:t>&gt;</a:t>
+            </a:r>
+          </a:p>
+          <a:p>
+            <a:r>
+              <a:rPr lang="en-US" sz="2400" dirty="0" smtClean="0">
+                <a:latin typeface="Courier New" panose="02070309020205020404" pitchFamily="49" charset="0"/>
+                <a:cs typeface="Courier New" panose="02070309020205020404" pitchFamily="49" charset="0"/>
+              </a:rPr>
+              <a:t>	&lt;input type=</a:t>
+            </a:r>
+            <a:r>
+              <a:rPr lang="en-US" sz="2400" dirty="0" smtClean="0">
                 <a:solidFill>
-                  <a:schemeClr val="tx2">
-                    <a:lumMod val="90000"/>
-                  </a:schemeClr>
+                  <a:schemeClr val="tx2"/>
                 </a:solidFill>
-                <a:latin typeface="Consolas" panose="020B0609020204030204" pitchFamily="49" charset="0"/>
-                <a:cs typeface="Consolas" panose="020B0609020204030204" pitchFamily="49" charset="0"/>
+                <a:latin typeface="Courier New" panose="02070309020205020404" pitchFamily="49" charset="0"/>
+                <a:cs typeface="Courier New" panose="02070309020205020404" pitchFamily="49" charset="0"/>
               </a:rPr>
-              <a:t>"/KadastroServiceHost.svc/Listartarefas/"</a:t>
-            </a:r>
-            <a:r>
-              <a:rPr lang="en-US" sz="2000" dirty="0">
-                <a:latin typeface="Consolas" panose="020B0609020204030204" pitchFamily="49" charset="0"/>
-                <a:cs typeface="Consolas" panose="020B0609020204030204" pitchFamily="49" charset="0"/>
+              <a:t>“checkbox”</a:t>
+            </a:r>
+            <a:r>
+              <a:rPr lang="en-US" sz="2400" dirty="0" smtClean="0">
+                <a:latin typeface="Courier New" panose="02070309020205020404" pitchFamily="49" charset="0"/>
+                <a:cs typeface="Courier New" panose="02070309020205020404" pitchFamily="49" charset="0"/>
               </a:rPr>
-              <a:t>, </a:t>
-            </a:r>
-            <a:r>
-              <a:rPr lang="en-US" sz="2000" i="1" dirty="0">
+              <a:t> value=</a:t>
+            </a:r>
+            <a:r>
+              <a:rPr lang="en-US" sz="2400" dirty="0" smtClean="0">
                 <a:solidFill>
-                  <a:srgbClr val="00B0F0"/>
+                  <a:schemeClr val="tx2"/>
                 </a:solidFill>
-                <a:latin typeface="Consolas" panose="020B0609020204030204" pitchFamily="49" charset="0"/>
-                <a:cs typeface="Consolas" panose="020B0609020204030204" pitchFamily="49" charset="0"/>
+                <a:latin typeface="Courier New" panose="02070309020205020404" pitchFamily="49" charset="0"/>
+                <a:cs typeface="Courier New" panose="02070309020205020404" pitchFamily="49" charset="0"/>
               </a:rPr>
-              <a:t>function</a:t>
-            </a:r>
-            <a:r>
-              <a:rPr lang="en-US" sz="2000" dirty="0">
-                <a:latin typeface="Consolas" panose="020B0609020204030204" pitchFamily="49" charset="0"/>
-                <a:cs typeface="Consolas" panose="020B0609020204030204" pitchFamily="49" charset="0"/>
+              <a:t>“0”</a:t>
+            </a:r>
+            <a:r>
+              <a:rPr lang="en-US" sz="2400" dirty="0" smtClean="0">
+                <a:latin typeface="Courier New" panose="02070309020205020404" pitchFamily="49" charset="0"/>
+                <a:cs typeface="Courier New" panose="02070309020205020404" pitchFamily="49" charset="0"/>
               </a:rPr>
-              <a:t>(allData) {</a:t>
+              <a:t> data-id=</a:t>
+            </a:r>
+            <a:r>
+              <a:rPr lang="en-US" sz="2400" dirty="0" smtClean="0">
+                <a:solidFill>
+                  <a:schemeClr val="tx2"/>
+                </a:solidFill>
+                <a:latin typeface="Courier New" panose="02070309020205020404" pitchFamily="49" charset="0"/>
+                <a:cs typeface="Courier New" panose="02070309020205020404" pitchFamily="49" charset="0"/>
+              </a:rPr>
+              <a:t>“1”</a:t>
+            </a:r>
+            <a:r>
+              <a:rPr lang="en-US" sz="2400" dirty="0" smtClean="0">
+                <a:latin typeface="Courier New" panose="02070309020205020404" pitchFamily="49" charset="0"/>
+                <a:cs typeface="Courier New" panose="02070309020205020404" pitchFamily="49" charset="0"/>
+              </a:rPr>
+              <a:t> /&gt;</a:t>
+            </a:r>
+          </a:p>
+          <a:p>
+            <a:r>
+              <a:rPr lang="en-US" sz="2400" dirty="0" smtClean="0">
+                <a:latin typeface="Courier New" panose="02070309020205020404" pitchFamily="49" charset="0"/>
+                <a:cs typeface="Courier New" panose="02070309020205020404" pitchFamily="49" charset="0"/>
+              </a:rPr>
+              <a:t>	Comprar pão</a:t>
+            </a:r>
+          </a:p>
+          <a:p>
+            <a:r>
+              <a:rPr lang="en-US" sz="2400" dirty="0" smtClean="0">
+                <a:latin typeface="Courier New" panose="02070309020205020404" pitchFamily="49" charset="0"/>
+                <a:cs typeface="Courier New" panose="02070309020205020404" pitchFamily="49" charset="0"/>
+              </a:rPr>
+              <a:t>&lt;/li&gt;</a:t>
             </a:r>
           </a:p>
         </p:txBody>
       </p:sp>
+      <p:grpSp>
+        <p:nvGrpSpPr>
+          <p:cNvPr id="23" name="Group 22"/>
+          <p:cNvGrpSpPr/>
+          <p:nvPr/>
+        </p:nvGrpSpPr>
+        <p:grpSpPr>
+          <a:xfrm>
+            <a:off x="5862538" y="2420888"/>
+            <a:ext cx="6040269" cy="1348541"/>
+            <a:chOff x="5862538" y="2420888"/>
+            <a:chExt cx="6040269" cy="1348541"/>
+          </a:xfrm>
+        </p:grpSpPr>
+        <p:sp>
+          <p:nvSpPr>
+            <p:cNvPr id="14" name="Rectangle 13"/>
+            <p:cNvSpPr/>
+            <p:nvPr/>
+          </p:nvSpPr>
+          <p:spPr>
+            <a:xfrm rot="21163041">
+              <a:off x="5862538" y="2977341"/>
+              <a:ext cx="6040269" cy="792088"/>
+            </a:xfrm>
+            <a:prstGeom prst="rect">
+              <a:avLst/>
+            </a:prstGeom>
+            <a:solidFill>
+              <a:schemeClr val="tx2">
+                <a:lumMod val="10000"/>
+              </a:schemeClr>
+            </a:solidFill>
+            <a:ln>
+              <a:noFill/>
+            </a:ln>
+          </p:spPr>
+          <p:style>
+            <a:lnRef idx="2">
+              <a:schemeClr val="accent1">
+                <a:shade val="50000"/>
+              </a:schemeClr>
+            </a:lnRef>
+            <a:fillRef idx="1">
+              <a:schemeClr val="accent1"/>
+            </a:fillRef>
+            <a:effectRef idx="0">
+              <a:schemeClr val="accent1"/>
+            </a:effectRef>
+            <a:fontRef idx="minor">
+              <a:schemeClr val="lt1"/>
+            </a:fontRef>
+          </p:style>
+          <p:txBody>
+            <a:bodyPr rtlCol="0" anchor="ctr"/>
+            <a:lstStyle/>
+            <a:p>
+              <a:pPr algn="ctr"/>
+              <a:r>
+                <a:rPr lang="en-US" sz="2400" dirty="0" smtClean="0">
+                  <a:latin typeface="Courier New" panose="02070309020205020404" pitchFamily="49" charset="0"/>
+                  <a:cs typeface="Courier New" panose="02070309020205020404" pitchFamily="49" charset="0"/>
+                </a:rPr>
+                <a:t>010010100101110101010001011011</a:t>
+              </a:r>
+              <a:endParaRPr lang="en-US" sz="2400" dirty="0">
+                <a:latin typeface="Courier New" panose="02070309020205020404" pitchFamily="49" charset="0"/>
+                <a:cs typeface="Courier New" panose="02070309020205020404" pitchFamily="49" charset="0"/>
+              </a:endParaRPr>
+            </a:p>
+          </p:txBody>
+        </p:sp>
+        <p:sp>
+          <p:nvSpPr>
+            <p:cNvPr id="16" name="TextBox 15"/>
+            <p:cNvSpPr txBox="1"/>
+            <p:nvPr/>
+          </p:nvSpPr>
+          <p:spPr>
+            <a:xfrm rot="21211686">
+              <a:off x="6683933" y="2420888"/>
+              <a:ext cx="4440639" cy="461665"/>
+            </a:xfrm>
+            <a:prstGeom prst="rect">
+              <a:avLst/>
+            </a:prstGeom>
+            <a:noFill/>
+          </p:spPr>
+          <p:txBody>
+            <a:bodyPr wrap="none" rtlCol="0">
+              <a:spAutoFit/>
+            </a:bodyPr>
+            <a:lstStyle/>
+            <a:p>
+              <a:r>
+                <a:rPr lang="en-US" sz="2400" dirty="0" smtClean="0">
+                  <a:solidFill>
+                    <a:schemeClr val="tx2"/>
+                  </a:solidFill>
+                  <a:latin typeface="Corbel" panose="020B0503020204020204" pitchFamily="34" charset="0"/>
+                </a:rPr>
+                <a:t>Objeto proprietário da linguagem</a:t>
+              </a:r>
+              <a:endParaRPr lang="en-US" sz="2400" dirty="0">
+                <a:solidFill>
+                  <a:schemeClr val="tx2"/>
+                </a:solidFill>
+                <a:latin typeface="Corbel" panose="020B0503020204020204" pitchFamily="34" charset="0"/>
+              </a:endParaRPr>
+            </a:p>
+          </p:txBody>
+        </p:sp>
+      </p:grpSp>
+      <p:grpSp>
+        <p:nvGrpSpPr>
+          <p:cNvPr id="17" name="Group 16"/>
+          <p:cNvGrpSpPr/>
+          <p:nvPr/>
+        </p:nvGrpSpPr>
+        <p:grpSpPr>
+          <a:xfrm>
+            <a:off x="551384" y="5676704"/>
+            <a:ext cx="936104" cy="864096"/>
+            <a:chOff x="3287688" y="5445224"/>
+            <a:chExt cx="936104" cy="864096"/>
+          </a:xfrm>
+        </p:grpSpPr>
+        <p:sp>
+          <p:nvSpPr>
+            <p:cNvPr id="18" name="Oval 17"/>
+            <p:cNvSpPr/>
+            <p:nvPr/>
+          </p:nvSpPr>
+          <p:spPr>
+            <a:xfrm>
+              <a:off x="3287688" y="5445224"/>
+              <a:ext cx="936104" cy="864096"/>
+            </a:xfrm>
+            <a:prstGeom prst="ellipse">
+              <a:avLst/>
+            </a:prstGeom>
+            <a:solidFill>
+              <a:srgbClr val="EA3E3E"/>
+            </a:solidFill>
+            <a:ln>
+              <a:solidFill>
+                <a:schemeClr val="bg2">
+                  <a:lumMod val="75000"/>
+                </a:schemeClr>
+              </a:solidFill>
+            </a:ln>
+          </p:spPr>
+          <p:style>
+            <a:lnRef idx="2">
+              <a:schemeClr val="accent1">
+                <a:shade val="50000"/>
+              </a:schemeClr>
+            </a:lnRef>
+            <a:fillRef idx="1">
+              <a:schemeClr val="accent1"/>
+            </a:fillRef>
+            <a:effectRef idx="0">
+              <a:schemeClr val="accent1"/>
+            </a:effectRef>
+            <a:fontRef idx="minor">
+              <a:schemeClr val="lt1"/>
+            </a:fontRef>
+          </p:style>
+          <p:txBody>
+            <a:bodyPr rtlCol="0" anchor="ctr"/>
+            <a:lstStyle/>
+            <a:p>
+              <a:pPr algn="ctr"/>
+              <a:endParaRPr lang="en-US"/>
+            </a:p>
+          </p:txBody>
+        </p:sp>
+        <p:sp>
+          <p:nvSpPr>
+            <p:cNvPr id="19" name="Multiply 18"/>
+            <p:cNvSpPr/>
+            <p:nvPr/>
+          </p:nvSpPr>
+          <p:spPr>
+            <a:xfrm>
+              <a:off x="3359696" y="5506116"/>
+              <a:ext cx="792088" cy="742312"/>
+            </a:xfrm>
+            <a:prstGeom prst="mathMultiply">
+              <a:avLst/>
+            </a:prstGeom>
+            <a:ln>
+              <a:solidFill>
+                <a:schemeClr val="bg2">
+                  <a:lumMod val="75000"/>
+                </a:schemeClr>
+              </a:solidFill>
+            </a:ln>
+          </p:spPr>
+          <p:style>
+            <a:lnRef idx="2">
+              <a:schemeClr val="accent1"/>
+            </a:lnRef>
+            <a:fillRef idx="1">
+              <a:schemeClr val="lt1"/>
+            </a:fillRef>
+            <a:effectRef idx="0">
+              <a:schemeClr val="accent1"/>
+            </a:effectRef>
+            <a:fontRef idx="minor">
+              <a:schemeClr val="dk1"/>
+            </a:fontRef>
+          </p:style>
+          <p:txBody>
+            <a:bodyPr rtlCol="0" anchor="ctr"/>
+            <a:lstStyle/>
+            <a:p>
+              <a:pPr algn="ctr"/>
+              <a:endParaRPr lang="en-US"/>
+            </a:p>
+          </p:txBody>
+        </p:sp>
+      </p:grpSp>
       <p:sp>
         <p:nvSpPr>
-          <p:cNvPr id="4" name="TextBox 3"/>
+          <p:cNvPr id="20" name="TextBox 19"/>
           <p:cNvSpPr txBox="1"/>
           <p:nvPr/>
         </p:nvSpPr>
         <p:spPr>
           <a:xfrm>
-            <a:off x="911424" y="1669430"/>
-            <a:ext cx="5437514" cy="461665"/>
+            <a:off x="1599549" y="5858108"/>
+            <a:ext cx="7232755" cy="523220"/>
+          </a:xfrm>
+          <a:prstGeom prst="rect">
+            <a:avLst/>
+          </a:prstGeom>
+          <a:noFill/>
+        </p:spPr>
+        <p:txBody>
+          <a:bodyPr wrap="square" rtlCol="0">
+            <a:spAutoFit/>
+          </a:bodyPr>
+          <a:lstStyle/>
+          <a:p>
+            <a:r>
+              <a:rPr lang="en-US" sz="2800" b="1" dirty="0" smtClean="0">
+                <a:solidFill>
+                  <a:srgbClr val="EA3E3E"/>
+                </a:solidFill>
+                <a:effectLst>
+                  <a:outerShdw blurRad="38100" dist="38100" dir="2700000" algn="tl">
+                    <a:srgbClr val="000000">
+                      <a:alpha val="43137"/>
+                    </a:srgbClr>
+                  </a:outerShdw>
+                </a:effectLst>
+                <a:latin typeface="Corbel" panose="020B0503020204020204" pitchFamily="34" charset="0"/>
+              </a:rPr>
+              <a:t>É preciso um objeto para manter os dados!</a:t>
+            </a:r>
+            <a:endParaRPr lang="en-US" sz="2800" b="1" dirty="0">
+              <a:solidFill>
+                <a:srgbClr val="EA3E3E"/>
+              </a:solidFill>
+              <a:effectLst>
+                <a:outerShdw blurRad="38100" dist="38100" dir="2700000" algn="tl">
+                  <a:srgbClr val="000000">
+                    <a:alpha val="43137"/>
+                  </a:srgbClr>
+                </a:outerShdw>
+              </a:effectLst>
+              <a:latin typeface="Corbel" panose="020B0503020204020204" pitchFamily="34" charset="0"/>
+            </a:endParaRPr>
+          </a:p>
+        </p:txBody>
+      </p:sp>
+    </p:spTree>
+    <p:extLst>
+      <p:ext uri="{BB962C8B-B14F-4D97-AF65-F5344CB8AC3E}">
+        <p14:creationId xmlns:p14="http://schemas.microsoft.com/office/powerpoint/2010/main" val="2211627608"/>
+      </p:ext>
+    </p:extLst>
+  </p:cSld>
+  <p:clrMapOvr>
+    <a:masterClrMapping/>
+  </p:clrMapOvr>
+  <p:timing>
+    <p:tnLst>
+      <p:par>
+        <p:cTn id="1" dur="indefinite" restart="never" nodeType="tmRoot">
+          <p:childTnLst>
+            <p:seq concurrent="1" nextAc="seek">
+              <p:cTn id="2" dur="indefinite" nodeType="mainSeq">
+                <p:childTnLst>
+                  <p:par>
+                    <p:cTn id="3" fill="hold">
+                      <p:stCondLst>
+                        <p:cond delay="indefinite"/>
+                      </p:stCondLst>
+                      <p:childTnLst>
+                        <p:par>
+                          <p:cTn id="4" fill="hold">
+                            <p:stCondLst>
+                              <p:cond delay="0"/>
+                            </p:stCondLst>
+                            <p:childTnLst>
+                              <p:par>
+                                <p:cTn id="5" presetID="14" presetClass="entr" presetSubtype="10" fill="hold" nodeType="clickEffect">
+                                  <p:stCondLst>
+                                    <p:cond delay="0"/>
+                                  </p:stCondLst>
+                                  <p:childTnLst>
+                                    <p:set>
+                                      <p:cBhvr>
+                                        <p:cTn id="6" dur="1" fill="hold">
+                                          <p:stCondLst>
+                                            <p:cond delay="0"/>
+                                          </p:stCondLst>
+                                        </p:cTn>
+                                        <p:tgtEl>
+                                          <p:spTgt spid="21"/>
+                                        </p:tgtEl>
+                                        <p:attrNameLst>
+                                          <p:attrName>style.visibility</p:attrName>
+                                        </p:attrNameLst>
+                                      </p:cBhvr>
+                                      <p:to>
+                                        <p:strVal val="visible"/>
+                                      </p:to>
+                                    </p:set>
+                                    <p:animEffect transition="in" filter="randombar(horizontal)">
+                                      <p:cBhvr>
+                                        <p:cTn id="7" dur="500"/>
+                                        <p:tgtEl>
+                                          <p:spTgt spid="21"/>
+                                        </p:tgtEl>
+                                      </p:cBhvr>
+                                    </p:animEffect>
+                                  </p:childTnLst>
+                                </p:cTn>
+                              </p:par>
+                            </p:childTnLst>
+                          </p:cTn>
+                        </p:par>
+                        <p:par>
+                          <p:cTn id="8" fill="hold">
+                            <p:stCondLst>
+                              <p:cond delay="500"/>
+                            </p:stCondLst>
+                            <p:childTnLst>
+                              <p:par>
+                                <p:cTn id="9" presetID="10" presetClass="entr" presetSubtype="0" fill="hold" nodeType="afterEffect">
+                                  <p:stCondLst>
+                                    <p:cond delay="0"/>
+                                  </p:stCondLst>
+                                  <p:childTnLst>
+                                    <p:set>
+                                      <p:cBhvr>
+                                        <p:cTn id="10" dur="1" fill="hold">
+                                          <p:stCondLst>
+                                            <p:cond delay="0"/>
+                                          </p:stCondLst>
+                                        </p:cTn>
+                                        <p:tgtEl>
+                                          <p:spTgt spid="11"/>
+                                        </p:tgtEl>
+                                        <p:attrNameLst>
+                                          <p:attrName>style.visibility</p:attrName>
+                                        </p:attrNameLst>
+                                      </p:cBhvr>
+                                      <p:to>
+                                        <p:strVal val="visible"/>
+                                      </p:to>
+                                    </p:set>
+                                    <p:animEffect transition="in" filter="fade">
+                                      <p:cBhvr>
+                                        <p:cTn id="11" dur="500"/>
+                                        <p:tgtEl>
+                                          <p:spTgt spid="11"/>
+                                        </p:tgtEl>
+                                      </p:cBhvr>
+                                    </p:animEffect>
+                                  </p:childTnLst>
+                                </p:cTn>
+                              </p:par>
+                            </p:childTnLst>
+                          </p:cTn>
+                        </p:par>
+                        <p:par>
+                          <p:cTn id="12" fill="hold">
+                            <p:stCondLst>
+                              <p:cond delay="1000"/>
+                            </p:stCondLst>
+                            <p:childTnLst>
+                              <p:par>
+                                <p:cTn id="13" presetID="10" presetClass="entr" presetSubtype="0" fill="hold" nodeType="afterEffect">
+                                  <p:stCondLst>
+                                    <p:cond delay="0"/>
+                                  </p:stCondLst>
+                                  <p:childTnLst>
+                                    <p:set>
+                                      <p:cBhvr>
+                                        <p:cTn id="14" dur="1" fill="hold">
+                                          <p:stCondLst>
+                                            <p:cond delay="0"/>
+                                          </p:stCondLst>
+                                        </p:cTn>
+                                        <p:tgtEl>
+                                          <p:spTgt spid="22"/>
+                                        </p:tgtEl>
+                                        <p:attrNameLst>
+                                          <p:attrName>style.visibility</p:attrName>
+                                        </p:attrNameLst>
+                                      </p:cBhvr>
+                                      <p:to>
+                                        <p:strVal val="visible"/>
+                                      </p:to>
+                                    </p:set>
+                                    <p:animEffect transition="in" filter="fade">
+                                      <p:cBhvr>
+                                        <p:cTn id="15" dur="500"/>
+                                        <p:tgtEl>
+                                          <p:spTgt spid="22"/>
+                                        </p:tgtEl>
+                                      </p:cBhvr>
+                                    </p:animEffect>
+                                  </p:childTnLst>
+                                </p:cTn>
+                              </p:par>
+                            </p:childTnLst>
+                          </p:cTn>
+                        </p:par>
+                        <p:par>
+                          <p:cTn id="16" fill="hold">
+                            <p:stCondLst>
+                              <p:cond delay="1500"/>
+                            </p:stCondLst>
+                            <p:childTnLst>
+                              <p:par>
+                                <p:cTn id="17" presetID="10" presetClass="entr" presetSubtype="0" fill="hold" nodeType="afterEffect">
+                                  <p:stCondLst>
+                                    <p:cond delay="0"/>
+                                  </p:stCondLst>
+                                  <p:childTnLst>
+                                    <p:set>
+                                      <p:cBhvr>
+                                        <p:cTn id="18" dur="1" fill="hold">
+                                          <p:stCondLst>
+                                            <p:cond delay="0"/>
+                                          </p:stCondLst>
+                                        </p:cTn>
+                                        <p:tgtEl>
+                                          <p:spTgt spid="23"/>
+                                        </p:tgtEl>
+                                        <p:attrNameLst>
+                                          <p:attrName>style.visibility</p:attrName>
+                                        </p:attrNameLst>
+                                      </p:cBhvr>
+                                      <p:to>
+                                        <p:strVal val="visible"/>
+                                      </p:to>
+                                    </p:set>
+                                    <p:animEffect transition="in" filter="fade">
+                                      <p:cBhvr>
+                                        <p:cTn id="19" dur="500"/>
+                                        <p:tgtEl>
+                                          <p:spTgt spid="23"/>
+                                        </p:tgtEl>
+                                      </p:cBhvr>
+                                    </p:animEffect>
+                                  </p:childTnLst>
+                                </p:cTn>
+                              </p:par>
+                            </p:childTnLst>
+                          </p:cTn>
+                        </p:par>
+                      </p:childTnLst>
+                    </p:cTn>
+                  </p:par>
+                  <p:par>
+                    <p:cTn id="20" fill="hold">
+                      <p:stCondLst>
+                        <p:cond delay="indefinite"/>
+                      </p:stCondLst>
+                      <p:childTnLst>
+                        <p:par>
+                          <p:cTn id="21" fill="hold">
+                            <p:stCondLst>
+                              <p:cond delay="0"/>
+                            </p:stCondLst>
+                            <p:childTnLst>
+                              <p:par>
+                                <p:cTn id="22" presetID="10" presetClass="entr" presetSubtype="0" fill="hold" grpId="0" nodeType="clickEffect">
+                                  <p:stCondLst>
+                                    <p:cond delay="0"/>
+                                  </p:stCondLst>
+                                  <p:childTnLst>
+                                    <p:set>
+                                      <p:cBhvr>
+                                        <p:cTn id="23" dur="1" fill="hold">
+                                          <p:stCondLst>
+                                            <p:cond delay="0"/>
+                                          </p:stCondLst>
+                                        </p:cTn>
+                                        <p:tgtEl>
+                                          <p:spTgt spid="15"/>
+                                        </p:tgtEl>
+                                        <p:attrNameLst>
+                                          <p:attrName>style.visibility</p:attrName>
+                                        </p:attrNameLst>
+                                      </p:cBhvr>
+                                      <p:to>
+                                        <p:strVal val="visible"/>
+                                      </p:to>
+                                    </p:set>
+                                    <p:animEffect transition="in" filter="fade">
+                                      <p:cBhvr>
+                                        <p:cTn id="24" dur="500"/>
+                                        <p:tgtEl>
+                                          <p:spTgt spid="15"/>
+                                        </p:tgtEl>
+                                      </p:cBhvr>
+                                    </p:animEffect>
+                                  </p:childTnLst>
+                                </p:cTn>
+                              </p:par>
+                            </p:childTnLst>
+                          </p:cTn>
+                        </p:par>
+                      </p:childTnLst>
+                    </p:cTn>
+                  </p:par>
+                  <p:par>
+                    <p:cTn id="25" fill="hold">
+                      <p:stCondLst>
+                        <p:cond delay="indefinite"/>
+                      </p:stCondLst>
+                      <p:childTnLst>
+                        <p:par>
+                          <p:cTn id="26" fill="hold">
+                            <p:stCondLst>
+                              <p:cond delay="0"/>
+                            </p:stCondLst>
+                            <p:childTnLst>
+                              <p:par>
+                                <p:cTn id="27" presetID="26" presetClass="entr" presetSubtype="0" fill="hold" nodeType="clickEffect">
+                                  <p:stCondLst>
+                                    <p:cond delay="0"/>
+                                  </p:stCondLst>
+                                  <p:childTnLst>
+                                    <p:set>
+                                      <p:cBhvr>
+                                        <p:cTn id="28" dur="1" fill="hold">
+                                          <p:stCondLst>
+                                            <p:cond delay="0"/>
+                                          </p:stCondLst>
+                                        </p:cTn>
+                                        <p:tgtEl>
+                                          <p:spTgt spid="17"/>
+                                        </p:tgtEl>
+                                        <p:attrNameLst>
+                                          <p:attrName>style.visibility</p:attrName>
+                                        </p:attrNameLst>
+                                      </p:cBhvr>
+                                      <p:to>
+                                        <p:strVal val="visible"/>
+                                      </p:to>
+                                    </p:set>
+                                    <p:animEffect transition="in" filter="wipe(down)">
+                                      <p:cBhvr>
+                                        <p:cTn id="29" dur="580">
+                                          <p:stCondLst>
+                                            <p:cond delay="0"/>
+                                          </p:stCondLst>
+                                        </p:cTn>
+                                        <p:tgtEl>
+                                          <p:spTgt spid="17"/>
+                                        </p:tgtEl>
+                                      </p:cBhvr>
+                                    </p:animEffect>
+                                    <p:anim calcmode="lin" valueType="num">
+                                      <p:cBhvr>
+                                        <p:cTn id="30" dur="1822" tmFilter="0,0; 0.14,0.36; 0.43,0.73; 0.71,0.91; 1.0,1.0">
+                                          <p:stCondLst>
+                                            <p:cond delay="0"/>
+                                          </p:stCondLst>
+                                        </p:cTn>
+                                        <p:tgtEl>
+                                          <p:spTgt spid="17"/>
+                                        </p:tgtEl>
+                                        <p:attrNameLst>
+                                          <p:attrName>ppt_x</p:attrName>
+                                        </p:attrNameLst>
+                                      </p:cBhvr>
+                                      <p:tavLst>
+                                        <p:tav tm="0">
+                                          <p:val>
+                                            <p:strVal val="#ppt_x-0.25"/>
+                                          </p:val>
+                                        </p:tav>
+                                        <p:tav tm="100000">
+                                          <p:val>
+                                            <p:strVal val="#ppt_x"/>
+                                          </p:val>
+                                        </p:tav>
+                                      </p:tavLst>
+                                    </p:anim>
+                                    <p:anim calcmode="lin" valueType="num">
+                                      <p:cBhvr>
+                                        <p:cTn id="31" dur="664" tmFilter="0.0,0.0; 0.25,0.07; 0.50,0.2; 0.75,0.467; 1.0,1.0">
+                                          <p:stCondLst>
+                                            <p:cond delay="0"/>
+                                          </p:stCondLst>
+                                        </p:cTn>
+                                        <p:tgtEl>
+                                          <p:spTgt spid="17"/>
+                                        </p:tgtEl>
+                                        <p:attrNameLst>
+                                          <p:attrName>ppt_y</p:attrName>
+                                        </p:attrNameLst>
+                                      </p:cBhvr>
+                                      <p:tavLst>
+                                        <p:tav tm="0" fmla="#ppt_y-sin(pi*$)/3">
+                                          <p:val>
+                                            <p:fltVal val="0.5"/>
+                                          </p:val>
+                                        </p:tav>
+                                        <p:tav tm="100000">
+                                          <p:val>
+                                            <p:fltVal val="1"/>
+                                          </p:val>
+                                        </p:tav>
+                                      </p:tavLst>
+                                    </p:anim>
+                                    <p:anim calcmode="lin" valueType="num">
+                                      <p:cBhvr>
+                                        <p:cTn id="32" dur="664" tmFilter="0, 0; 0.125,0.2665; 0.25,0.4; 0.375,0.465; 0.5,0.5;  0.625,0.535; 0.75,0.6; 0.875,0.7335; 1,1">
+                                          <p:stCondLst>
+                                            <p:cond delay="664"/>
+                                          </p:stCondLst>
+                                        </p:cTn>
+                                        <p:tgtEl>
+                                          <p:spTgt spid="17"/>
+                                        </p:tgtEl>
+                                        <p:attrNameLst>
+                                          <p:attrName>ppt_y</p:attrName>
+                                        </p:attrNameLst>
+                                      </p:cBhvr>
+                                      <p:tavLst>
+                                        <p:tav tm="0" fmla="#ppt_y-sin(pi*$)/9">
+                                          <p:val>
+                                            <p:fltVal val="0"/>
+                                          </p:val>
+                                        </p:tav>
+                                        <p:tav tm="100000">
+                                          <p:val>
+                                            <p:fltVal val="1"/>
+                                          </p:val>
+                                        </p:tav>
+                                      </p:tavLst>
+                                    </p:anim>
+                                    <p:anim calcmode="lin" valueType="num">
+                                      <p:cBhvr>
+                                        <p:cTn id="33" dur="332" tmFilter="0, 0; 0.125,0.2665; 0.25,0.4; 0.375,0.465; 0.5,0.5;  0.625,0.535; 0.75,0.6; 0.875,0.7335; 1,1">
+                                          <p:stCondLst>
+                                            <p:cond delay="1324"/>
+                                          </p:stCondLst>
+                                        </p:cTn>
+                                        <p:tgtEl>
+                                          <p:spTgt spid="17"/>
+                                        </p:tgtEl>
+                                        <p:attrNameLst>
+                                          <p:attrName>ppt_y</p:attrName>
+                                        </p:attrNameLst>
+                                      </p:cBhvr>
+                                      <p:tavLst>
+                                        <p:tav tm="0" fmla="#ppt_y-sin(pi*$)/27">
+                                          <p:val>
+                                            <p:fltVal val="0"/>
+                                          </p:val>
+                                        </p:tav>
+                                        <p:tav tm="100000">
+                                          <p:val>
+                                            <p:fltVal val="1"/>
+                                          </p:val>
+                                        </p:tav>
+                                      </p:tavLst>
+                                    </p:anim>
+                                    <p:anim calcmode="lin" valueType="num">
+                                      <p:cBhvr>
+                                        <p:cTn id="34" dur="164" tmFilter="0, 0; 0.125,0.2665; 0.25,0.4; 0.375,0.465; 0.5,0.5;  0.625,0.535; 0.75,0.6; 0.875,0.7335; 1,1">
+                                          <p:stCondLst>
+                                            <p:cond delay="1656"/>
+                                          </p:stCondLst>
+                                        </p:cTn>
+                                        <p:tgtEl>
+                                          <p:spTgt spid="17"/>
+                                        </p:tgtEl>
+                                        <p:attrNameLst>
+                                          <p:attrName>ppt_y</p:attrName>
+                                        </p:attrNameLst>
+                                      </p:cBhvr>
+                                      <p:tavLst>
+                                        <p:tav tm="0" fmla="#ppt_y-sin(pi*$)/81">
+                                          <p:val>
+                                            <p:fltVal val="0"/>
+                                          </p:val>
+                                        </p:tav>
+                                        <p:tav tm="100000">
+                                          <p:val>
+                                            <p:fltVal val="1"/>
+                                          </p:val>
+                                        </p:tav>
+                                      </p:tavLst>
+                                    </p:anim>
+                                    <p:animScale>
+                                      <p:cBhvr>
+                                        <p:cTn id="35" dur="26">
+                                          <p:stCondLst>
+                                            <p:cond delay="650"/>
+                                          </p:stCondLst>
+                                        </p:cTn>
+                                        <p:tgtEl>
+                                          <p:spTgt spid="17"/>
+                                        </p:tgtEl>
+                                      </p:cBhvr>
+                                      <p:to x="100000" y="60000"/>
+                                    </p:animScale>
+                                    <p:animScale>
+                                      <p:cBhvr>
+                                        <p:cTn id="36" dur="166" decel="50000">
+                                          <p:stCondLst>
+                                            <p:cond delay="676"/>
+                                          </p:stCondLst>
+                                        </p:cTn>
+                                        <p:tgtEl>
+                                          <p:spTgt spid="17"/>
+                                        </p:tgtEl>
+                                      </p:cBhvr>
+                                      <p:to x="100000" y="100000"/>
+                                    </p:animScale>
+                                    <p:animScale>
+                                      <p:cBhvr>
+                                        <p:cTn id="37" dur="26">
+                                          <p:stCondLst>
+                                            <p:cond delay="1312"/>
+                                          </p:stCondLst>
+                                        </p:cTn>
+                                        <p:tgtEl>
+                                          <p:spTgt spid="17"/>
+                                        </p:tgtEl>
+                                      </p:cBhvr>
+                                      <p:to x="100000" y="80000"/>
+                                    </p:animScale>
+                                    <p:animScale>
+                                      <p:cBhvr>
+                                        <p:cTn id="38" dur="166" decel="50000">
+                                          <p:stCondLst>
+                                            <p:cond delay="1338"/>
+                                          </p:stCondLst>
+                                        </p:cTn>
+                                        <p:tgtEl>
+                                          <p:spTgt spid="17"/>
+                                        </p:tgtEl>
+                                      </p:cBhvr>
+                                      <p:to x="100000" y="100000"/>
+                                    </p:animScale>
+                                    <p:animScale>
+                                      <p:cBhvr>
+                                        <p:cTn id="39" dur="26">
+                                          <p:stCondLst>
+                                            <p:cond delay="1642"/>
+                                          </p:stCondLst>
+                                        </p:cTn>
+                                        <p:tgtEl>
+                                          <p:spTgt spid="17"/>
+                                        </p:tgtEl>
+                                      </p:cBhvr>
+                                      <p:to x="100000" y="90000"/>
+                                    </p:animScale>
+                                    <p:animScale>
+                                      <p:cBhvr>
+                                        <p:cTn id="40" dur="166" decel="50000">
+                                          <p:stCondLst>
+                                            <p:cond delay="1668"/>
+                                          </p:stCondLst>
+                                        </p:cTn>
+                                        <p:tgtEl>
+                                          <p:spTgt spid="17"/>
+                                        </p:tgtEl>
+                                      </p:cBhvr>
+                                      <p:to x="100000" y="100000"/>
+                                    </p:animScale>
+                                    <p:animScale>
+                                      <p:cBhvr>
+                                        <p:cTn id="41" dur="26">
+                                          <p:stCondLst>
+                                            <p:cond delay="1808"/>
+                                          </p:stCondLst>
+                                        </p:cTn>
+                                        <p:tgtEl>
+                                          <p:spTgt spid="17"/>
+                                        </p:tgtEl>
+                                      </p:cBhvr>
+                                      <p:to x="100000" y="95000"/>
+                                    </p:animScale>
+                                    <p:animScale>
+                                      <p:cBhvr>
+                                        <p:cTn id="42" dur="166" decel="50000">
+                                          <p:stCondLst>
+                                            <p:cond delay="1834"/>
+                                          </p:stCondLst>
+                                        </p:cTn>
+                                        <p:tgtEl>
+                                          <p:spTgt spid="17"/>
+                                        </p:tgtEl>
+                                      </p:cBhvr>
+                                      <p:to x="100000" y="100000"/>
+                                    </p:animScale>
+                                  </p:childTnLst>
+                                </p:cTn>
+                              </p:par>
+                            </p:childTnLst>
+                          </p:cTn>
+                        </p:par>
+                        <p:par>
+                          <p:cTn id="43" fill="hold">
+                            <p:stCondLst>
+                              <p:cond delay="2000"/>
+                            </p:stCondLst>
+                            <p:childTnLst>
+                              <p:par>
+                                <p:cTn id="44" presetID="10" presetClass="entr" presetSubtype="0" fill="hold" grpId="0" nodeType="afterEffect">
+                                  <p:stCondLst>
+                                    <p:cond delay="0"/>
+                                  </p:stCondLst>
+                                  <p:childTnLst>
+                                    <p:set>
+                                      <p:cBhvr>
+                                        <p:cTn id="45" dur="1" fill="hold">
+                                          <p:stCondLst>
+                                            <p:cond delay="0"/>
+                                          </p:stCondLst>
+                                        </p:cTn>
+                                        <p:tgtEl>
+                                          <p:spTgt spid="20"/>
+                                        </p:tgtEl>
+                                        <p:attrNameLst>
+                                          <p:attrName>style.visibility</p:attrName>
+                                        </p:attrNameLst>
+                                      </p:cBhvr>
+                                      <p:to>
+                                        <p:strVal val="visible"/>
+                                      </p:to>
+                                    </p:set>
+                                    <p:animEffect transition="in" filter="fade">
+                                      <p:cBhvr>
+                                        <p:cTn id="46" dur="500"/>
+                                        <p:tgtEl>
+                                          <p:spTgt spid="20"/>
+                                        </p:tgtEl>
+                                      </p:cBhvr>
+                                    </p:animEffect>
+                                  </p:childTnLst>
+                                </p:cTn>
+                              </p:par>
+                            </p:childTnLst>
+                          </p:cTn>
+                        </p:par>
+                      </p:childTnLst>
+                    </p:cTn>
+                  </p:par>
+                </p:childTnLst>
+              </p:cTn>
+              <p:prevCondLst>
+                <p:cond evt="onPrev" delay="0">
+                  <p:tgtEl>
+                    <p:sldTgt/>
+                  </p:tgtEl>
+                </p:cond>
+              </p:prevCondLst>
+              <p:nextCondLst>
+                <p:cond evt="onNext" delay="0">
+                  <p:tgtEl>
+                    <p:sldTgt/>
+                  </p:tgtEl>
+                </p:cond>
+              </p:nextCondLst>
+            </p:seq>
+          </p:childTnLst>
+        </p:cTn>
+      </p:par>
+    </p:tnLst>
+    <p:bldLst>
+      <p:bldP spid="15" grpId="0" animBg="1"/>
+      <p:bldP spid="20" grpId="0"/>
+    </p:bldLst>
+  </p:timing>
+</p:sld>
+</file>
+
+<file path=ppt/slides/slide11.xml><?xml version="1.0" encoding="utf-8"?>
+<p:sld xmlns:a="http://schemas.openxmlformats.org/drawingml/2006/main" xmlns:r="http://schemas.openxmlformats.org/officeDocument/2006/relationships" xmlns:p="http://schemas.openxmlformats.org/presentationml/2006/main">
+  <p:cSld>
+    <p:spTree>
+      <p:nvGrpSpPr>
+        <p:cNvPr id="1" name=""/>
+        <p:cNvGrpSpPr/>
+        <p:nvPr/>
+      </p:nvGrpSpPr>
+      <p:grpSpPr>
+        <a:xfrm>
+          <a:off x="0" y="0"/>
+          <a:ext cx="0" cy="0"/>
+          <a:chOff x="0" y="0"/>
+          <a:chExt cx="0" cy="0"/>
+        </a:xfrm>
+      </p:grpSpPr>
+      <p:cxnSp>
+        <p:nvCxnSpPr>
+          <p:cNvPr id="25" name="Straight Arrow Connector 24"/>
+          <p:cNvCxnSpPr/>
+          <p:nvPr/>
+        </p:nvCxnSpPr>
+        <p:spPr>
+          <a:xfrm>
+            <a:off x="2567608" y="5991742"/>
+            <a:ext cx="1152128" cy="0"/>
+          </a:xfrm>
+          <a:prstGeom prst="straightConnector1">
+            <a:avLst/>
+          </a:prstGeom>
+          <a:ln w="57150">
+            <a:solidFill>
+              <a:schemeClr val="tx2"/>
+            </a:solidFill>
+            <a:prstDash val="sysDash"/>
+            <a:tailEnd type="triangle"/>
+          </a:ln>
+        </p:spPr>
+        <p:style>
+          <a:lnRef idx="1">
+            <a:schemeClr val="accent1"/>
+          </a:lnRef>
+          <a:fillRef idx="0">
+            <a:schemeClr val="accent1"/>
+          </a:fillRef>
+          <a:effectRef idx="0">
+            <a:schemeClr val="accent1"/>
+          </a:effectRef>
+          <a:fontRef idx="minor">
+            <a:schemeClr val="tx1"/>
+          </a:fontRef>
+        </p:style>
+      </p:cxnSp>
+      <p:sp>
+        <p:nvSpPr>
+          <p:cNvPr id="2" name="Title 1"/>
+          <p:cNvSpPr>
+            <a:spLocks noGrp="1"/>
+          </p:cNvSpPr>
+          <p:nvPr>
+            <p:ph type="title"/>
+          </p:nvPr>
+        </p:nvSpPr>
+        <p:spPr/>
+        <p:txBody>
+          <a:bodyPr/>
+          <a:lstStyle/>
+          <a:p>
+            <a:r>
+              <a:rPr lang="en-US" dirty="0" smtClean="0"/>
+              <a:t>Obtendo dados do modelo</a:t>
+            </a:r>
+            <a:endParaRPr lang="en-US" dirty="0"/>
+          </a:p>
+        </p:txBody>
+      </p:sp>
+      <p:sp>
+        <p:nvSpPr>
+          <p:cNvPr id="5" name="Rectangle 4"/>
+          <p:cNvSpPr/>
+          <p:nvPr/>
+        </p:nvSpPr>
+        <p:spPr>
+          <a:xfrm>
+            <a:off x="695400" y="3979789"/>
+            <a:ext cx="10153128" cy="792088"/>
+          </a:xfrm>
+          <a:prstGeom prst="rect">
+            <a:avLst/>
+          </a:prstGeom>
+          <a:solidFill>
+            <a:schemeClr val="tx2">
+              <a:lumMod val="10000"/>
+            </a:schemeClr>
+          </a:solidFill>
+          <a:ln>
+            <a:noFill/>
+          </a:ln>
+        </p:spPr>
+        <p:style>
+          <a:lnRef idx="2">
+            <a:schemeClr val="accent1">
+              <a:shade val="50000"/>
+            </a:schemeClr>
+          </a:lnRef>
+          <a:fillRef idx="1">
+            <a:schemeClr val="accent1"/>
+          </a:fillRef>
+          <a:effectRef idx="0">
+            <a:schemeClr val="accent1"/>
+          </a:effectRef>
+          <a:fontRef idx="minor">
+            <a:schemeClr val="lt1"/>
+          </a:fontRef>
+        </p:style>
+        <p:txBody>
+          <a:bodyPr rtlCol="0" anchor="ctr"/>
+          <a:lstStyle/>
+          <a:p>
+            <a:pPr algn="ctr"/>
+            <a:r>
+              <a:rPr lang="en-US" sz="2000" dirty="0" smtClean="0">
+                <a:solidFill>
+                  <a:schemeClr val="tx1"/>
+                </a:solidFill>
+                <a:latin typeface="Consolas" panose="020B0609020204030204" pitchFamily="49" charset="0"/>
+                <a:cs typeface="Consolas" panose="020B0609020204030204" pitchFamily="49" charset="0"/>
+              </a:rPr>
+              <a:t>{ Id : </a:t>
+            </a:r>
+            <a:r>
+              <a:rPr lang="en-US" sz="2000" dirty="0" smtClean="0">
+                <a:solidFill>
+                  <a:schemeClr val="tx2"/>
+                </a:solidFill>
+                <a:latin typeface="Consolas" panose="020B0609020204030204" pitchFamily="49" charset="0"/>
+                <a:cs typeface="Consolas" panose="020B0609020204030204" pitchFamily="49" charset="0"/>
+              </a:rPr>
+              <a:t>1</a:t>
+            </a:r>
+            <a:r>
+              <a:rPr lang="en-US" sz="2000" dirty="0" smtClean="0">
+                <a:solidFill>
+                  <a:schemeClr val="tx1"/>
+                </a:solidFill>
+                <a:latin typeface="Consolas" panose="020B0609020204030204" pitchFamily="49" charset="0"/>
+                <a:cs typeface="Consolas" panose="020B0609020204030204" pitchFamily="49" charset="0"/>
+              </a:rPr>
+              <a:t>, IdUsuario : </a:t>
+            </a:r>
+            <a:r>
+              <a:rPr lang="en-US" sz="2000" dirty="0" smtClean="0">
+                <a:solidFill>
+                  <a:schemeClr val="tx2"/>
+                </a:solidFill>
+                <a:latin typeface="Consolas" panose="020B0609020204030204" pitchFamily="49" charset="0"/>
+                <a:cs typeface="Consolas" panose="020B0609020204030204" pitchFamily="49" charset="0"/>
+              </a:rPr>
+              <a:t>153</a:t>
+            </a:r>
+            <a:r>
+              <a:rPr lang="en-US" sz="2000" dirty="0" smtClean="0">
+                <a:solidFill>
+                  <a:schemeClr val="tx1"/>
+                </a:solidFill>
+                <a:latin typeface="Consolas" panose="020B0609020204030204" pitchFamily="49" charset="0"/>
+                <a:cs typeface="Consolas" panose="020B0609020204030204" pitchFamily="49" charset="0"/>
+              </a:rPr>
+              <a:t>, Descricao : </a:t>
+            </a:r>
+            <a:r>
+              <a:rPr lang="en-US" sz="2000" dirty="0" smtClean="0">
+                <a:solidFill>
+                  <a:schemeClr val="tx2"/>
+                </a:solidFill>
+                <a:latin typeface="Consolas" panose="020B0609020204030204" pitchFamily="49" charset="0"/>
+                <a:cs typeface="Consolas" panose="020B0609020204030204" pitchFamily="49" charset="0"/>
+              </a:rPr>
+              <a:t>’Comprar pão’</a:t>
+            </a:r>
+            <a:r>
+              <a:rPr lang="en-US" sz="2000" dirty="0" smtClean="0">
+                <a:solidFill>
+                  <a:schemeClr val="tx1"/>
+                </a:solidFill>
+                <a:latin typeface="Consolas" panose="020B0609020204030204" pitchFamily="49" charset="0"/>
+                <a:cs typeface="Consolas" panose="020B0609020204030204" pitchFamily="49" charset="0"/>
+              </a:rPr>
+              <a:t>, Executada : </a:t>
+            </a:r>
+            <a:r>
+              <a:rPr lang="en-US" sz="2000" dirty="0" smtClean="0">
+                <a:solidFill>
+                  <a:schemeClr val="tx2"/>
+                </a:solidFill>
+                <a:latin typeface="Consolas" panose="020B0609020204030204" pitchFamily="49" charset="0"/>
+                <a:cs typeface="Consolas" panose="020B0609020204030204" pitchFamily="49" charset="0"/>
+              </a:rPr>
+              <a:t>0</a:t>
+            </a:r>
+            <a:r>
+              <a:rPr lang="en-US" sz="2000" dirty="0" smtClean="0">
+                <a:solidFill>
+                  <a:schemeClr val="tx1"/>
+                </a:solidFill>
+                <a:latin typeface="Consolas" panose="020B0609020204030204" pitchFamily="49" charset="0"/>
+                <a:cs typeface="Consolas" panose="020B0609020204030204" pitchFamily="49" charset="0"/>
+              </a:rPr>
+              <a:t> }</a:t>
+            </a:r>
+            <a:endParaRPr lang="en-US" sz="2000" dirty="0">
+              <a:solidFill>
+                <a:schemeClr val="tx1"/>
+              </a:solidFill>
+              <a:latin typeface="Consolas" panose="020B0609020204030204" pitchFamily="49" charset="0"/>
+              <a:cs typeface="Consolas" panose="020B0609020204030204" pitchFamily="49" charset="0"/>
+            </a:endParaRPr>
+          </a:p>
+        </p:txBody>
+      </p:sp>
+      <p:sp>
+        <p:nvSpPr>
+          <p:cNvPr id="6" name="TextBox 5"/>
+          <p:cNvSpPr txBox="1"/>
+          <p:nvPr/>
+        </p:nvSpPr>
+        <p:spPr>
+          <a:xfrm>
+            <a:off x="1063824" y="3481844"/>
+            <a:ext cx="3760388" cy="523220"/>
           </a:xfrm>
           <a:prstGeom prst="rect">
             <a:avLst/>
@@ -7180,19 +8710,730 @@
           <a:lstStyle/>
           <a:p>
             <a:r>
-              <a:rPr lang="en-US" sz="2400" dirty="0" smtClean="0">
+              <a:rPr lang="en-US" sz="2800" dirty="0" smtClean="0">
+                <a:solidFill>
+                  <a:schemeClr val="tx2"/>
+                </a:solidFill>
+                <a:latin typeface="Corbel" panose="020B0503020204020204" pitchFamily="34" charset="0"/>
+              </a:rPr>
+              <a:t>Objeto JSON de retorno</a:t>
+            </a:r>
+            <a:endParaRPr lang="en-US" sz="2800" dirty="0">
+              <a:solidFill>
+                <a:schemeClr val="tx2"/>
+              </a:solidFill>
+              <a:latin typeface="Corbel" panose="020B0503020204020204" pitchFamily="34" charset="0"/>
+              <a:cs typeface="Consolas" panose="020B0609020204030204" pitchFamily="49" charset="0"/>
+            </a:endParaRPr>
+          </a:p>
+        </p:txBody>
+      </p:sp>
+      <p:grpSp>
+        <p:nvGrpSpPr>
+          <p:cNvPr id="9" name="Group 8"/>
+          <p:cNvGrpSpPr/>
+          <p:nvPr/>
+        </p:nvGrpSpPr>
+        <p:grpSpPr>
+          <a:xfrm>
+            <a:off x="7243296" y="5541795"/>
+            <a:ext cx="4723468" cy="978384"/>
+            <a:chOff x="7243296" y="5541795"/>
+            <a:chExt cx="4723468" cy="978384"/>
+          </a:xfrm>
+        </p:grpSpPr>
+        <p:sp>
+          <p:nvSpPr>
+            <p:cNvPr id="7" name="Rounded Rectangle 6"/>
+            <p:cNvSpPr/>
+            <p:nvPr/>
+          </p:nvSpPr>
+          <p:spPr>
+            <a:xfrm rot="21441373">
+              <a:off x="7243296" y="5541795"/>
+              <a:ext cx="4723468" cy="917561"/>
+            </a:xfrm>
+            <a:prstGeom prst="roundRect">
+              <a:avLst/>
+            </a:prstGeom>
+          </p:spPr>
+          <p:style>
+            <a:lnRef idx="1">
+              <a:schemeClr val="accent1"/>
+            </a:lnRef>
+            <a:fillRef idx="2">
+              <a:schemeClr val="accent1"/>
+            </a:fillRef>
+            <a:effectRef idx="1">
+              <a:schemeClr val="accent1"/>
+            </a:effectRef>
+            <a:fontRef idx="minor">
+              <a:schemeClr val="dk1"/>
+            </a:fontRef>
+          </p:style>
+          <p:txBody>
+            <a:bodyPr rtlCol="0" anchor="ctr"/>
+            <a:lstStyle/>
+            <a:p>
+              <a:pPr algn="ctr"/>
+              <a:endParaRPr lang="en-US"/>
+            </a:p>
+          </p:txBody>
+        </p:sp>
+        <p:pic>
+          <p:nvPicPr>
+            <p:cNvPr id="8" name="Picture 7"/>
+            <p:cNvPicPr>
+              <a:picLocks noChangeAspect="1"/>
+            </p:cNvPicPr>
+            <p:nvPr/>
+          </p:nvPicPr>
+          <p:blipFill>
+            <a:blip r:embed="rId2">
+              <a:extLst>
+                <a:ext uri="{28A0092B-C50C-407E-A947-70E740481C1C}">
+                  <a14:useLocalDpi xmlns:a14="http://schemas.microsoft.com/office/drawing/2010/main" val="0"/>
+                </a:ext>
+              </a:extLst>
+            </a:blip>
+            <a:stretch>
+              <a:fillRect/>
+            </a:stretch>
+          </p:blipFill>
+          <p:spPr>
+            <a:xfrm rot="21441373">
+              <a:off x="7417448" y="5695855"/>
+              <a:ext cx="4362352" cy="824324"/>
+            </a:xfrm>
+            <a:prstGeom prst="rect">
+              <a:avLst/>
+            </a:prstGeom>
+          </p:spPr>
+        </p:pic>
+      </p:grpSp>
+      <p:cxnSp>
+        <p:nvCxnSpPr>
+          <p:cNvPr id="13" name="Straight Arrow Connector 12"/>
+          <p:cNvCxnSpPr/>
+          <p:nvPr/>
+        </p:nvCxnSpPr>
+        <p:spPr>
+          <a:xfrm flipH="1">
+            <a:off x="8976320" y="4653136"/>
+            <a:ext cx="144016" cy="1152128"/>
+          </a:xfrm>
+          <a:prstGeom prst="straightConnector1">
+            <a:avLst/>
+          </a:prstGeom>
+          <a:ln w="57150">
+            <a:solidFill>
+              <a:schemeClr val="tx2"/>
+            </a:solidFill>
+            <a:prstDash val="sysDash"/>
+            <a:tailEnd type="triangle"/>
+          </a:ln>
+        </p:spPr>
+        <p:style>
+          <a:lnRef idx="1">
+            <a:schemeClr val="accent1"/>
+          </a:lnRef>
+          <a:fillRef idx="0">
+            <a:schemeClr val="accent1"/>
+          </a:fillRef>
+          <a:effectRef idx="0">
+            <a:schemeClr val="accent1"/>
+          </a:effectRef>
+          <a:fontRef idx="minor">
+            <a:schemeClr val="tx1"/>
+          </a:fontRef>
+        </p:style>
+      </p:cxnSp>
+      <p:cxnSp>
+        <p:nvCxnSpPr>
+          <p:cNvPr id="15" name="Straight Arrow Connector 14"/>
+          <p:cNvCxnSpPr/>
+          <p:nvPr/>
+        </p:nvCxnSpPr>
+        <p:spPr>
+          <a:xfrm>
+            <a:off x="10200456" y="4653136"/>
+            <a:ext cx="144016" cy="1152128"/>
+          </a:xfrm>
+          <a:prstGeom prst="straightConnector1">
+            <a:avLst/>
+          </a:prstGeom>
+          <a:ln w="57150">
+            <a:solidFill>
+              <a:schemeClr val="tx2"/>
+            </a:solidFill>
+            <a:prstDash val="sysDash"/>
+            <a:tailEnd type="triangle"/>
+          </a:ln>
+        </p:spPr>
+        <p:style>
+          <a:lnRef idx="1">
+            <a:schemeClr val="accent1"/>
+          </a:lnRef>
+          <a:fillRef idx="0">
+            <a:schemeClr val="accent1"/>
+          </a:fillRef>
+          <a:effectRef idx="0">
+            <a:schemeClr val="accent1"/>
+          </a:effectRef>
+          <a:fontRef idx="minor">
+            <a:schemeClr val="tx1"/>
+          </a:fontRef>
+        </p:style>
+      </p:cxnSp>
+      <p:grpSp>
+        <p:nvGrpSpPr>
+          <p:cNvPr id="17" name="Group 16"/>
+          <p:cNvGrpSpPr/>
+          <p:nvPr/>
+        </p:nvGrpSpPr>
+        <p:grpSpPr>
+          <a:xfrm>
+            <a:off x="387469" y="4974919"/>
+            <a:ext cx="2088232" cy="1592887"/>
+            <a:chOff x="839416" y="1620089"/>
+            <a:chExt cx="2088232" cy="1592887"/>
+          </a:xfrm>
+        </p:grpSpPr>
+        <p:sp>
+          <p:nvSpPr>
+            <p:cNvPr id="18" name="Rounded Rectangle 17"/>
+            <p:cNvSpPr/>
+            <p:nvPr/>
+          </p:nvSpPr>
+          <p:spPr>
+            <a:xfrm>
+              <a:off x="839416" y="2132856"/>
+              <a:ext cx="2088232" cy="1080120"/>
+            </a:xfrm>
+            <a:prstGeom prst="roundRect">
+              <a:avLst/>
+            </a:prstGeom>
+            <a:solidFill>
+              <a:schemeClr val="bg2">
+                <a:lumMod val="75000"/>
+              </a:schemeClr>
+            </a:solidFill>
+            <a:ln>
+              <a:noFill/>
+            </a:ln>
+          </p:spPr>
+          <p:style>
+            <a:lnRef idx="2">
+              <a:schemeClr val="accent1">
+                <a:shade val="50000"/>
+              </a:schemeClr>
+            </a:lnRef>
+            <a:fillRef idx="1">
+              <a:schemeClr val="accent1"/>
+            </a:fillRef>
+            <a:effectRef idx="0">
+              <a:schemeClr val="accent1"/>
+            </a:effectRef>
+            <a:fontRef idx="minor">
+              <a:schemeClr val="lt1"/>
+            </a:fontRef>
+          </p:style>
+          <p:txBody>
+            <a:bodyPr rtlCol="0" anchor="ctr"/>
+            <a:lstStyle/>
+            <a:p>
+              <a:pPr algn="ctr"/>
+              <a:endParaRPr lang="en-US"/>
+            </a:p>
+          </p:txBody>
+        </p:sp>
+        <p:sp>
+          <p:nvSpPr>
+            <p:cNvPr id="19" name="Rounded Rectangle 18"/>
+            <p:cNvSpPr/>
+            <p:nvPr/>
+          </p:nvSpPr>
+          <p:spPr>
+            <a:xfrm>
+              <a:off x="983432" y="2420888"/>
+              <a:ext cx="1800200" cy="576064"/>
+            </a:xfrm>
+            <a:prstGeom prst="roundRect">
+              <a:avLst/>
+            </a:prstGeom>
+            <a:ln>
+              <a:noFill/>
+            </a:ln>
+          </p:spPr>
+          <p:style>
+            <a:lnRef idx="1">
+              <a:schemeClr val="accent3"/>
+            </a:lnRef>
+            <a:fillRef idx="2">
+              <a:schemeClr val="accent3"/>
+            </a:fillRef>
+            <a:effectRef idx="1">
+              <a:schemeClr val="accent3"/>
+            </a:effectRef>
+            <a:fontRef idx="minor">
+              <a:schemeClr val="dk1"/>
+            </a:fontRef>
+          </p:style>
+          <p:txBody>
+            <a:bodyPr rtlCol="0" anchor="ctr"/>
+            <a:lstStyle/>
+            <a:p>
+              <a:pPr algn="ctr"/>
+              <a:r>
+                <a:rPr lang="en-US" sz="2800" dirty="0" smtClean="0">
+                  <a:latin typeface="Corbel" panose="020B0503020204020204" pitchFamily="34" charset="0"/>
+                </a:rPr>
+                <a:t>Dados</a:t>
+              </a:r>
+              <a:endParaRPr lang="en-US" sz="2800" dirty="0">
+                <a:latin typeface="Corbel" panose="020B0503020204020204" pitchFamily="34" charset="0"/>
+              </a:endParaRPr>
+            </a:p>
+          </p:txBody>
+        </p:sp>
+        <p:sp>
+          <p:nvSpPr>
+            <p:cNvPr id="20" name="TextBox 19"/>
+            <p:cNvSpPr txBox="1"/>
+            <p:nvPr/>
+          </p:nvSpPr>
+          <p:spPr>
+            <a:xfrm>
+              <a:off x="1098682" y="1620089"/>
+              <a:ext cx="1612942" cy="584775"/>
+            </a:xfrm>
+            <a:prstGeom prst="rect">
+              <a:avLst/>
+            </a:prstGeom>
+            <a:noFill/>
+          </p:spPr>
+          <p:txBody>
+            <a:bodyPr wrap="none" rtlCol="0">
+              <a:spAutoFit/>
+            </a:bodyPr>
+            <a:lstStyle/>
+            <a:p>
+              <a:r>
+                <a:rPr lang="en-US" sz="3200" dirty="0" smtClean="0">
+                  <a:solidFill>
+                    <a:schemeClr val="bg2">
+                      <a:lumMod val="40000"/>
+                      <a:lumOff val="60000"/>
+                    </a:schemeClr>
+                  </a:solidFill>
+                  <a:latin typeface="Corbel" panose="020B0503020204020204" pitchFamily="34" charset="0"/>
+                </a:rPr>
+                <a:t>Servidor</a:t>
+              </a:r>
+              <a:endParaRPr lang="en-US" sz="3200" dirty="0">
+                <a:solidFill>
+                  <a:schemeClr val="bg2">
+                    <a:lumMod val="40000"/>
+                    <a:lumOff val="60000"/>
+                  </a:schemeClr>
+                </a:solidFill>
+                <a:latin typeface="Corbel" panose="020B0503020204020204" pitchFamily="34" charset="0"/>
+              </a:endParaRPr>
+            </a:p>
+          </p:txBody>
+        </p:sp>
+      </p:grpSp>
+      <p:grpSp>
+        <p:nvGrpSpPr>
+          <p:cNvPr id="21" name="Group 20"/>
+          <p:cNvGrpSpPr/>
+          <p:nvPr/>
+        </p:nvGrpSpPr>
+        <p:grpSpPr>
+          <a:xfrm>
+            <a:off x="3815225" y="4974919"/>
+            <a:ext cx="2640815" cy="1592887"/>
+            <a:chOff x="4367807" y="1620089"/>
+            <a:chExt cx="2640815" cy="1592887"/>
+          </a:xfrm>
+        </p:grpSpPr>
+        <p:sp>
+          <p:nvSpPr>
+            <p:cNvPr id="22" name="Rounded Rectangle 21"/>
+            <p:cNvSpPr/>
+            <p:nvPr/>
+          </p:nvSpPr>
+          <p:spPr>
+            <a:xfrm>
+              <a:off x="4367807" y="2132856"/>
+              <a:ext cx="2640815" cy="1080120"/>
+            </a:xfrm>
+            <a:prstGeom prst="roundRect">
+              <a:avLst/>
+            </a:prstGeom>
+            <a:solidFill>
+              <a:schemeClr val="bg2">
+                <a:lumMod val="75000"/>
+              </a:schemeClr>
+            </a:solidFill>
+            <a:ln>
+              <a:noFill/>
+            </a:ln>
+          </p:spPr>
+          <p:style>
+            <a:lnRef idx="2">
+              <a:schemeClr val="accent1">
+                <a:shade val="50000"/>
+              </a:schemeClr>
+            </a:lnRef>
+            <a:fillRef idx="1">
+              <a:schemeClr val="accent1"/>
+            </a:fillRef>
+            <a:effectRef idx="0">
+              <a:schemeClr val="accent1"/>
+            </a:effectRef>
+            <a:fontRef idx="minor">
+              <a:schemeClr val="lt1"/>
+            </a:fontRef>
+          </p:style>
+          <p:txBody>
+            <a:bodyPr rtlCol="0" anchor="ctr"/>
+            <a:lstStyle/>
+            <a:p>
+              <a:pPr algn="ctr"/>
+              <a:endParaRPr lang="en-US"/>
+            </a:p>
+          </p:txBody>
+        </p:sp>
+        <p:sp>
+          <p:nvSpPr>
+            <p:cNvPr id="23" name="Rounded Rectangle 22"/>
+            <p:cNvSpPr/>
+            <p:nvPr/>
+          </p:nvSpPr>
+          <p:spPr>
+            <a:xfrm>
+              <a:off x="4511824" y="2420888"/>
+              <a:ext cx="2301012" cy="576064"/>
+            </a:xfrm>
+            <a:prstGeom prst="roundRect">
+              <a:avLst/>
+            </a:prstGeom>
+            <a:ln>
+              <a:noFill/>
+            </a:ln>
+          </p:spPr>
+          <p:style>
+            <a:lnRef idx="1">
+              <a:schemeClr val="accent3"/>
+            </a:lnRef>
+            <a:fillRef idx="2">
+              <a:schemeClr val="accent3"/>
+            </a:fillRef>
+            <a:effectRef idx="1">
+              <a:schemeClr val="accent3"/>
+            </a:effectRef>
+            <a:fontRef idx="minor">
+              <a:schemeClr val="dk1"/>
+            </a:fontRef>
+          </p:style>
+          <p:txBody>
+            <a:bodyPr rtlCol="0" anchor="ctr"/>
+            <a:lstStyle/>
+            <a:p>
+              <a:pPr algn="ctr"/>
+              <a:r>
+                <a:rPr lang="en-US" sz="2800" dirty="0" smtClean="0">
+                  <a:latin typeface="Corbel" panose="020B0503020204020204" pitchFamily="34" charset="0"/>
+                </a:rPr>
+                <a:t>ViewModel</a:t>
+              </a:r>
+              <a:endParaRPr lang="en-US" sz="2800" dirty="0">
+                <a:latin typeface="Corbel" panose="020B0503020204020204" pitchFamily="34" charset="0"/>
+              </a:endParaRPr>
+            </a:p>
+          </p:txBody>
+        </p:sp>
+        <p:sp>
+          <p:nvSpPr>
+            <p:cNvPr id="24" name="TextBox 23"/>
+            <p:cNvSpPr txBox="1"/>
+            <p:nvPr/>
+          </p:nvSpPr>
+          <p:spPr>
+            <a:xfrm>
+              <a:off x="4627074" y="1620089"/>
+              <a:ext cx="1435008" cy="584775"/>
+            </a:xfrm>
+            <a:prstGeom prst="rect">
+              <a:avLst/>
+            </a:prstGeom>
+            <a:noFill/>
+          </p:spPr>
+          <p:txBody>
+            <a:bodyPr wrap="none" rtlCol="0">
+              <a:spAutoFit/>
+            </a:bodyPr>
+            <a:lstStyle/>
+            <a:p>
+              <a:r>
+                <a:rPr lang="en-US" sz="3200" dirty="0" smtClean="0">
+                  <a:solidFill>
+                    <a:schemeClr val="bg2">
+                      <a:lumMod val="40000"/>
+                      <a:lumOff val="60000"/>
+                    </a:schemeClr>
+                  </a:solidFill>
+                  <a:latin typeface="Corbel" panose="020B0503020204020204" pitchFamily="34" charset="0"/>
+                </a:rPr>
+                <a:t>Cliente</a:t>
+              </a:r>
+              <a:endParaRPr lang="en-US" sz="3200" dirty="0">
+                <a:solidFill>
+                  <a:schemeClr val="bg2">
+                    <a:lumMod val="40000"/>
+                    <a:lumOff val="60000"/>
+                  </a:schemeClr>
+                </a:solidFill>
+                <a:latin typeface="Corbel" panose="020B0503020204020204" pitchFamily="34" charset="0"/>
+              </a:endParaRPr>
+            </a:p>
+          </p:txBody>
+        </p:sp>
+      </p:grpSp>
+      <p:grpSp>
+        <p:nvGrpSpPr>
+          <p:cNvPr id="31" name="Group 30"/>
+          <p:cNvGrpSpPr/>
+          <p:nvPr/>
+        </p:nvGrpSpPr>
+        <p:grpSpPr>
+          <a:xfrm>
+            <a:off x="622485" y="1662569"/>
+            <a:ext cx="10874115" cy="1359659"/>
+            <a:chOff x="622485" y="1662569"/>
+            <a:chExt cx="10874115" cy="1359659"/>
+          </a:xfrm>
+        </p:grpSpPr>
+        <p:sp>
+          <p:nvSpPr>
+            <p:cNvPr id="3" name="Rectangle 2"/>
+            <p:cNvSpPr/>
+            <p:nvPr/>
+          </p:nvSpPr>
+          <p:spPr>
+            <a:xfrm rot="21432377">
+              <a:off x="622485" y="2230140"/>
+              <a:ext cx="10801200" cy="792088"/>
+            </a:xfrm>
+            <a:prstGeom prst="rect">
+              <a:avLst/>
+            </a:prstGeom>
+            <a:solidFill>
+              <a:schemeClr val="tx2">
+                <a:lumMod val="10000"/>
+              </a:schemeClr>
+            </a:solidFill>
+            <a:ln>
+              <a:noFill/>
+            </a:ln>
+          </p:spPr>
+          <p:style>
+            <a:lnRef idx="2">
+              <a:schemeClr val="accent1">
+                <a:shade val="50000"/>
+              </a:schemeClr>
+            </a:lnRef>
+            <a:fillRef idx="1">
+              <a:schemeClr val="accent1"/>
+            </a:fillRef>
+            <a:effectRef idx="0">
+              <a:schemeClr val="accent1"/>
+            </a:effectRef>
+            <a:fontRef idx="minor">
+              <a:schemeClr val="lt1"/>
+            </a:fontRef>
+          </p:style>
+          <p:txBody>
+            <a:bodyPr rtlCol="0" anchor="ctr"/>
+            <a:lstStyle/>
+            <a:p>
+              <a:pPr algn="ctr"/>
+              <a:r>
+                <a:rPr lang="en-US" sz="2000" dirty="0">
+                  <a:solidFill>
+                    <a:srgbClr val="FF8585"/>
+                  </a:solidFill>
+                  <a:latin typeface="Consolas" panose="020B0609020204030204" pitchFamily="49" charset="0"/>
+                  <a:cs typeface="Consolas" panose="020B0609020204030204" pitchFamily="49" charset="0"/>
+                </a:rPr>
+                <a:t>$</a:t>
+              </a:r>
+              <a:r>
+                <a:rPr lang="en-US" sz="2000" dirty="0">
+                  <a:latin typeface="Consolas" panose="020B0609020204030204" pitchFamily="49" charset="0"/>
+                  <a:cs typeface="Consolas" panose="020B0609020204030204" pitchFamily="49" charset="0"/>
+                </a:rPr>
+                <a:t>.getJSON(</a:t>
+              </a:r>
+              <a:r>
+                <a:rPr lang="en-US" sz="2000" dirty="0">
+                  <a:solidFill>
+                    <a:schemeClr val="tx2">
+                      <a:lumMod val="90000"/>
+                    </a:schemeClr>
+                  </a:solidFill>
+                  <a:latin typeface="Consolas" panose="020B0609020204030204" pitchFamily="49" charset="0"/>
+                  <a:cs typeface="Consolas" panose="020B0609020204030204" pitchFamily="49" charset="0"/>
+                </a:rPr>
+                <a:t>"/KadastroServiceHost.svc/Listartarefas/"</a:t>
+              </a:r>
+              <a:r>
+                <a:rPr lang="en-US" sz="2000" dirty="0">
+                  <a:latin typeface="Consolas" panose="020B0609020204030204" pitchFamily="49" charset="0"/>
+                  <a:cs typeface="Consolas" panose="020B0609020204030204" pitchFamily="49" charset="0"/>
+                </a:rPr>
+                <a:t>, </a:t>
+              </a:r>
+              <a:r>
+                <a:rPr lang="en-US" sz="2000" i="1" dirty="0">
+                  <a:solidFill>
+                    <a:srgbClr val="00B0F0"/>
+                  </a:solidFill>
+                  <a:latin typeface="Consolas" panose="020B0609020204030204" pitchFamily="49" charset="0"/>
+                  <a:cs typeface="Consolas" panose="020B0609020204030204" pitchFamily="49" charset="0"/>
+                </a:rPr>
+                <a:t>function</a:t>
+              </a:r>
+              <a:r>
+                <a:rPr lang="en-US" sz="2000" dirty="0">
+                  <a:latin typeface="Consolas" panose="020B0609020204030204" pitchFamily="49" charset="0"/>
+                  <a:cs typeface="Consolas" panose="020B0609020204030204" pitchFamily="49" charset="0"/>
+                </a:rPr>
+                <a:t>(allData) {</a:t>
+              </a:r>
+            </a:p>
+          </p:txBody>
+        </p:sp>
+        <p:sp>
+          <p:nvSpPr>
+            <p:cNvPr id="28" name="TextBox 27"/>
+            <p:cNvSpPr txBox="1"/>
+            <p:nvPr/>
+          </p:nvSpPr>
+          <p:spPr>
+            <a:xfrm>
+              <a:off x="8224550" y="1662569"/>
+              <a:ext cx="3272050" cy="369332"/>
+            </a:xfrm>
+            <a:prstGeom prst="rect">
+              <a:avLst/>
+            </a:prstGeom>
+            <a:noFill/>
+          </p:spPr>
+          <p:txBody>
+            <a:bodyPr wrap="none" rtlCol="0">
+              <a:spAutoFit/>
+            </a:bodyPr>
+            <a:lstStyle/>
+            <a:p>
+              <a:r>
+                <a:rPr lang="en-US" dirty="0" smtClean="0">
+                  <a:latin typeface="Corbel" panose="020B0503020204020204" pitchFamily="34" charset="0"/>
+                </a:rPr>
+                <a:t>RESTful web service (WCF .NET)</a:t>
+              </a:r>
+              <a:endParaRPr lang="en-US" dirty="0">
+                <a:latin typeface="Corbel" panose="020B0503020204020204" pitchFamily="34" charset="0"/>
+              </a:endParaRPr>
+            </a:p>
+          </p:txBody>
+        </p:sp>
+        <p:cxnSp>
+          <p:nvCxnSpPr>
+            <p:cNvPr id="30" name="Curved Connector 29"/>
+            <p:cNvCxnSpPr>
+              <a:stCxn id="28" idx="1"/>
+            </p:cNvCxnSpPr>
+            <p:nvPr/>
+          </p:nvCxnSpPr>
+          <p:spPr>
+            <a:xfrm rot="10800000" flipV="1">
+              <a:off x="7824192" y="1847235"/>
+              <a:ext cx="400358" cy="441050"/>
+            </a:xfrm>
+            <a:prstGeom prst="curvedConnector2">
+              <a:avLst/>
+            </a:prstGeom>
+            <a:ln w="28575">
+              <a:solidFill>
+                <a:schemeClr val="accent1"/>
+              </a:solidFill>
+              <a:prstDash val="sysDash"/>
+              <a:tailEnd type="triangle"/>
+            </a:ln>
+          </p:spPr>
+          <p:style>
+            <a:lnRef idx="1">
+              <a:schemeClr val="accent1"/>
+            </a:lnRef>
+            <a:fillRef idx="0">
+              <a:schemeClr val="accent1"/>
+            </a:fillRef>
+            <a:effectRef idx="0">
+              <a:schemeClr val="accent1"/>
+            </a:effectRef>
+            <a:fontRef idx="minor">
+              <a:schemeClr val="tx1"/>
+            </a:fontRef>
+          </p:style>
+        </p:cxnSp>
+      </p:grpSp>
+      <p:sp>
+        <p:nvSpPr>
+          <p:cNvPr id="4" name="TextBox 3"/>
+          <p:cNvSpPr txBox="1"/>
+          <p:nvPr/>
+        </p:nvSpPr>
+        <p:spPr>
+          <a:xfrm>
+            <a:off x="911424" y="1868211"/>
+            <a:ext cx="6313588" cy="523220"/>
+          </a:xfrm>
+          <a:prstGeom prst="rect">
+            <a:avLst/>
+          </a:prstGeom>
+          <a:noFill/>
+        </p:spPr>
+        <p:txBody>
+          <a:bodyPr wrap="none" rtlCol="0">
+            <a:spAutoFit/>
+          </a:bodyPr>
+          <a:lstStyle/>
+          <a:p>
+            <a:r>
+              <a:rPr lang="en-US" sz="2800" dirty="0" smtClean="0">
+                <a:solidFill>
+                  <a:schemeClr val="tx2"/>
+                </a:solidFill>
                 <a:latin typeface="Corbel" panose="020B0503020204020204" pitchFamily="34" charset="0"/>
               </a:rPr>
               <a:t>Obtem dados do WebService com </a:t>
             </a:r>
             <a:r>
-              <a:rPr lang="en-US" sz="2400" dirty="0" smtClean="0">
+              <a:rPr lang="en-US" sz="2800" dirty="0" smtClean="0">
+                <a:solidFill>
+                  <a:schemeClr val="tx2"/>
+                </a:solidFill>
                 <a:latin typeface="Corbel" panose="020B0503020204020204" pitchFamily="34" charset="0"/>
                 <a:cs typeface="Consolas" panose="020B0609020204030204" pitchFamily="49" charset="0"/>
               </a:rPr>
               <a:t>JQuery</a:t>
             </a:r>
-            <a:endParaRPr lang="en-US" sz="2400" dirty="0">
+            <a:endParaRPr lang="en-US" sz="2800" dirty="0">
+              <a:solidFill>
+                <a:schemeClr val="tx2"/>
+              </a:solidFill>
               <a:latin typeface="Corbel" panose="020B0503020204020204" pitchFamily="34" charset="0"/>
               <a:cs typeface="Consolas" panose="020B0609020204030204" pitchFamily="49" charset="0"/>
             </a:endParaRPr>
@@ -7212,14 +9453,457 @@
   <p:timing>
     <p:tnLst>
       <p:par>
-        <p:cTn id="1" dur="indefinite" restart="never" nodeType="tmRoot"/>
+        <p:cTn id="1" dur="indefinite" restart="never" nodeType="tmRoot">
+          <p:childTnLst>
+            <p:seq concurrent="1" nextAc="seek">
+              <p:cTn id="2" dur="indefinite" nodeType="mainSeq">
+                <p:childTnLst>
+                  <p:par>
+                    <p:cTn id="3" fill="hold">
+                      <p:stCondLst>
+                        <p:cond delay="indefinite"/>
+                      </p:stCondLst>
+                      <p:childTnLst>
+                        <p:par>
+                          <p:cTn id="4" fill="hold">
+                            <p:stCondLst>
+                              <p:cond delay="0"/>
+                            </p:stCondLst>
+                            <p:childTnLst>
+                              <p:par>
+                                <p:cTn id="5" presetID="10" presetClass="entr" presetSubtype="0" fill="hold" nodeType="clickEffect">
+                                  <p:stCondLst>
+                                    <p:cond delay="0"/>
+                                  </p:stCondLst>
+                                  <p:childTnLst>
+                                    <p:set>
+                                      <p:cBhvr>
+                                        <p:cTn id="6" dur="1" fill="hold">
+                                          <p:stCondLst>
+                                            <p:cond delay="0"/>
+                                          </p:stCondLst>
+                                        </p:cTn>
+                                        <p:tgtEl>
+                                          <p:spTgt spid="31"/>
+                                        </p:tgtEl>
+                                        <p:attrNameLst>
+                                          <p:attrName>style.visibility</p:attrName>
+                                        </p:attrNameLst>
+                                      </p:cBhvr>
+                                      <p:to>
+                                        <p:strVal val="visible"/>
+                                      </p:to>
+                                    </p:set>
+                                    <p:animEffect transition="in" filter="fade">
+                                      <p:cBhvr>
+                                        <p:cTn id="7" dur="500"/>
+                                        <p:tgtEl>
+                                          <p:spTgt spid="31"/>
+                                        </p:tgtEl>
+                                      </p:cBhvr>
+                                    </p:animEffect>
+                                  </p:childTnLst>
+                                </p:cTn>
+                              </p:par>
+                            </p:childTnLst>
+                          </p:cTn>
+                        </p:par>
+                      </p:childTnLst>
+                    </p:cTn>
+                  </p:par>
+                  <p:par>
+                    <p:cTn id="8" fill="hold">
+                      <p:stCondLst>
+                        <p:cond delay="indefinite"/>
+                      </p:stCondLst>
+                      <p:childTnLst>
+                        <p:par>
+                          <p:cTn id="9" fill="hold">
+                            <p:stCondLst>
+                              <p:cond delay="0"/>
+                            </p:stCondLst>
+                            <p:childTnLst>
+                              <p:par>
+                                <p:cTn id="10" presetID="10" presetClass="entr" presetSubtype="0" fill="hold" grpId="0" nodeType="clickEffect">
+                                  <p:stCondLst>
+                                    <p:cond delay="0"/>
+                                  </p:stCondLst>
+                                  <p:childTnLst>
+                                    <p:set>
+                                      <p:cBhvr>
+                                        <p:cTn id="11" dur="1" fill="hold">
+                                          <p:stCondLst>
+                                            <p:cond delay="0"/>
+                                          </p:stCondLst>
+                                        </p:cTn>
+                                        <p:tgtEl>
+                                          <p:spTgt spid="5"/>
+                                        </p:tgtEl>
+                                        <p:attrNameLst>
+                                          <p:attrName>style.visibility</p:attrName>
+                                        </p:attrNameLst>
+                                      </p:cBhvr>
+                                      <p:to>
+                                        <p:strVal val="visible"/>
+                                      </p:to>
+                                    </p:set>
+                                    <p:animEffect transition="in" filter="fade">
+                                      <p:cBhvr>
+                                        <p:cTn id="12" dur="500"/>
+                                        <p:tgtEl>
+                                          <p:spTgt spid="5"/>
+                                        </p:tgtEl>
+                                      </p:cBhvr>
+                                    </p:animEffect>
+                                  </p:childTnLst>
+                                </p:cTn>
+                              </p:par>
+                            </p:childTnLst>
+                          </p:cTn>
+                        </p:par>
+                        <p:par>
+                          <p:cTn id="13" fill="hold">
+                            <p:stCondLst>
+                              <p:cond delay="500"/>
+                            </p:stCondLst>
+                            <p:childTnLst>
+                              <p:par>
+                                <p:cTn id="14" presetID="2" presetClass="entr" presetSubtype="4" fill="hold" nodeType="afterEffect">
+                                  <p:stCondLst>
+                                    <p:cond delay="0"/>
+                                  </p:stCondLst>
+                                  <p:childTnLst>
+                                    <p:set>
+                                      <p:cBhvr>
+                                        <p:cTn id="15" dur="1" fill="hold">
+                                          <p:stCondLst>
+                                            <p:cond delay="0"/>
+                                          </p:stCondLst>
+                                        </p:cTn>
+                                        <p:tgtEl>
+                                          <p:spTgt spid="9"/>
+                                        </p:tgtEl>
+                                        <p:attrNameLst>
+                                          <p:attrName>style.visibility</p:attrName>
+                                        </p:attrNameLst>
+                                      </p:cBhvr>
+                                      <p:to>
+                                        <p:strVal val="visible"/>
+                                      </p:to>
+                                    </p:set>
+                                    <p:anim calcmode="lin" valueType="num">
+                                      <p:cBhvr additive="base">
+                                        <p:cTn id="16" dur="500" fill="hold"/>
+                                        <p:tgtEl>
+                                          <p:spTgt spid="9"/>
+                                        </p:tgtEl>
+                                        <p:attrNameLst>
+                                          <p:attrName>ppt_x</p:attrName>
+                                        </p:attrNameLst>
+                                      </p:cBhvr>
+                                      <p:tavLst>
+                                        <p:tav tm="0">
+                                          <p:val>
+                                            <p:strVal val="#ppt_x"/>
+                                          </p:val>
+                                        </p:tav>
+                                        <p:tav tm="100000">
+                                          <p:val>
+                                            <p:strVal val="#ppt_x"/>
+                                          </p:val>
+                                        </p:tav>
+                                      </p:tavLst>
+                                    </p:anim>
+                                    <p:anim calcmode="lin" valueType="num">
+                                      <p:cBhvr additive="base">
+                                        <p:cTn id="17" dur="500" fill="hold"/>
+                                        <p:tgtEl>
+                                          <p:spTgt spid="9"/>
+                                        </p:tgtEl>
+                                        <p:attrNameLst>
+                                          <p:attrName>ppt_y</p:attrName>
+                                        </p:attrNameLst>
+                                      </p:cBhvr>
+                                      <p:tavLst>
+                                        <p:tav tm="0">
+                                          <p:val>
+                                            <p:strVal val="1+#ppt_h/2"/>
+                                          </p:val>
+                                        </p:tav>
+                                        <p:tav tm="100000">
+                                          <p:val>
+                                            <p:strVal val="#ppt_y"/>
+                                          </p:val>
+                                        </p:tav>
+                                      </p:tavLst>
+                                    </p:anim>
+                                  </p:childTnLst>
+                                </p:cTn>
+                              </p:par>
+                            </p:childTnLst>
+                          </p:cTn>
+                        </p:par>
+                        <p:par>
+                          <p:cTn id="18" fill="hold">
+                            <p:stCondLst>
+                              <p:cond delay="1000"/>
+                            </p:stCondLst>
+                            <p:childTnLst>
+                              <p:par>
+                                <p:cTn id="19" presetID="16" presetClass="entr" presetSubtype="21" fill="hold" nodeType="afterEffect">
+                                  <p:stCondLst>
+                                    <p:cond delay="0"/>
+                                  </p:stCondLst>
+                                  <p:childTnLst>
+                                    <p:set>
+                                      <p:cBhvr>
+                                        <p:cTn id="20" dur="1" fill="hold">
+                                          <p:stCondLst>
+                                            <p:cond delay="0"/>
+                                          </p:stCondLst>
+                                        </p:cTn>
+                                        <p:tgtEl>
+                                          <p:spTgt spid="13"/>
+                                        </p:tgtEl>
+                                        <p:attrNameLst>
+                                          <p:attrName>style.visibility</p:attrName>
+                                        </p:attrNameLst>
+                                      </p:cBhvr>
+                                      <p:to>
+                                        <p:strVal val="visible"/>
+                                      </p:to>
+                                    </p:set>
+                                    <p:animEffect transition="in" filter="barn(inVertical)">
+                                      <p:cBhvr>
+                                        <p:cTn id="21" dur="500"/>
+                                        <p:tgtEl>
+                                          <p:spTgt spid="13"/>
+                                        </p:tgtEl>
+                                      </p:cBhvr>
+                                    </p:animEffect>
+                                  </p:childTnLst>
+                                </p:cTn>
+                              </p:par>
+                            </p:childTnLst>
+                          </p:cTn>
+                        </p:par>
+                        <p:par>
+                          <p:cTn id="22" fill="hold">
+                            <p:stCondLst>
+                              <p:cond delay="1500"/>
+                            </p:stCondLst>
+                            <p:childTnLst>
+                              <p:par>
+                                <p:cTn id="23" presetID="16" presetClass="entr" presetSubtype="21" fill="hold" nodeType="afterEffect">
+                                  <p:stCondLst>
+                                    <p:cond delay="0"/>
+                                  </p:stCondLst>
+                                  <p:childTnLst>
+                                    <p:set>
+                                      <p:cBhvr>
+                                        <p:cTn id="24" dur="1" fill="hold">
+                                          <p:stCondLst>
+                                            <p:cond delay="0"/>
+                                          </p:stCondLst>
+                                        </p:cTn>
+                                        <p:tgtEl>
+                                          <p:spTgt spid="15"/>
+                                        </p:tgtEl>
+                                        <p:attrNameLst>
+                                          <p:attrName>style.visibility</p:attrName>
+                                        </p:attrNameLst>
+                                      </p:cBhvr>
+                                      <p:to>
+                                        <p:strVal val="visible"/>
+                                      </p:to>
+                                    </p:set>
+                                    <p:animEffect transition="in" filter="barn(inVertical)">
+                                      <p:cBhvr>
+                                        <p:cTn id="25" dur="500"/>
+                                        <p:tgtEl>
+                                          <p:spTgt spid="15"/>
+                                        </p:tgtEl>
+                                      </p:cBhvr>
+                                    </p:animEffect>
+                                  </p:childTnLst>
+                                </p:cTn>
+                              </p:par>
+                            </p:childTnLst>
+                          </p:cTn>
+                        </p:par>
+                      </p:childTnLst>
+                    </p:cTn>
+                  </p:par>
+                  <p:par>
+                    <p:cTn id="26" fill="hold">
+                      <p:stCondLst>
+                        <p:cond delay="indefinite"/>
+                      </p:stCondLst>
+                      <p:childTnLst>
+                        <p:par>
+                          <p:cTn id="27" fill="hold">
+                            <p:stCondLst>
+                              <p:cond delay="0"/>
+                            </p:stCondLst>
+                            <p:childTnLst>
+                              <p:par>
+                                <p:cTn id="28" presetID="10" presetClass="entr" presetSubtype="0" fill="hold" nodeType="clickEffect">
+                                  <p:stCondLst>
+                                    <p:cond delay="0"/>
+                                  </p:stCondLst>
+                                  <p:childTnLst>
+                                    <p:set>
+                                      <p:cBhvr>
+                                        <p:cTn id="29" dur="1" fill="hold">
+                                          <p:stCondLst>
+                                            <p:cond delay="0"/>
+                                          </p:stCondLst>
+                                        </p:cTn>
+                                        <p:tgtEl>
+                                          <p:spTgt spid="17"/>
+                                        </p:tgtEl>
+                                        <p:attrNameLst>
+                                          <p:attrName>style.visibility</p:attrName>
+                                        </p:attrNameLst>
+                                      </p:cBhvr>
+                                      <p:to>
+                                        <p:strVal val="visible"/>
+                                      </p:to>
+                                    </p:set>
+                                    <p:animEffect transition="in" filter="fade">
+                                      <p:cBhvr>
+                                        <p:cTn id="30" dur="500"/>
+                                        <p:tgtEl>
+                                          <p:spTgt spid="17"/>
+                                        </p:tgtEl>
+                                      </p:cBhvr>
+                                    </p:animEffect>
+                                  </p:childTnLst>
+                                </p:cTn>
+                              </p:par>
+                            </p:childTnLst>
+                          </p:cTn>
+                        </p:par>
+                        <p:par>
+                          <p:cTn id="31" fill="hold">
+                            <p:stCondLst>
+                              <p:cond delay="500"/>
+                            </p:stCondLst>
+                            <p:childTnLst>
+                              <p:par>
+                                <p:cTn id="32" presetID="10" presetClass="entr" presetSubtype="0" fill="hold" nodeType="afterEffect">
+                                  <p:stCondLst>
+                                    <p:cond delay="0"/>
+                                  </p:stCondLst>
+                                  <p:childTnLst>
+                                    <p:set>
+                                      <p:cBhvr>
+                                        <p:cTn id="33" dur="1" fill="hold">
+                                          <p:stCondLst>
+                                            <p:cond delay="0"/>
+                                          </p:stCondLst>
+                                        </p:cTn>
+                                        <p:tgtEl>
+                                          <p:spTgt spid="25"/>
+                                        </p:tgtEl>
+                                        <p:attrNameLst>
+                                          <p:attrName>style.visibility</p:attrName>
+                                        </p:attrNameLst>
+                                      </p:cBhvr>
+                                      <p:to>
+                                        <p:strVal val="visible"/>
+                                      </p:to>
+                                    </p:set>
+                                    <p:animEffect transition="in" filter="fade">
+                                      <p:cBhvr>
+                                        <p:cTn id="34" dur="500"/>
+                                        <p:tgtEl>
+                                          <p:spTgt spid="25"/>
+                                        </p:tgtEl>
+                                      </p:cBhvr>
+                                    </p:animEffect>
+                                  </p:childTnLst>
+                                </p:cTn>
+                              </p:par>
+                            </p:childTnLst>
+                          </p:cTn>
+                        </p:par>
+                        <p:par>
+                          <p:cTn id="35" fill="hold">
+                            <p:stCondLst>
+                              <p:cond delay="1000"/>
+                            </p:stCondLst>
+                            <p:childTnLst>
+                              <p:par>
+                                <p:cTn id="36" presetID="10" presetClass="entr" presetSubtype="0" fill="hold" nodeType="afterEffect">
+                                  <p:stCondLst>
+                                    <p:cond delay="0"/>
+                                  </p:stCondLst>
+                                  <p:childTnLst>
+                                    <p:set>
+                                      <p:cBhvr>
+                                        <p:cTn id="37" dur="1" fill="hold">
+                                          <p:stCondLst>
+                                            <p:cond delay="0"/>
+                                          </p:stCondLst>
+                                        </p:cTn>
+                                        <p:tgtEl>
+                                          <p:spTgt spid="21"/>
+                                        </p:tgtEl>
+                                        <p:attrNameLst>
+                                          <p:attrName>style.visibility</p:attrName>
+                                        </p:attrNameLst>
+                                      </p:cBhvr>
+                                      <p:to>
+                                        <p:strVal val="visible"/>
+                                      </p:to>
+                                    </p:set>
+                                    <p:animEffect transition="in" filter="fade">
+                                      <p:cBhvr>
+                                        <p:cTn id="38" dur="500"/>
+                                        <p:tgtEl>
+                                          <p:spTgt spid="21"/>
+                                        </p:tgtEl>
+                                      </p:cBhvr>
+                                    </p:animEffect>
+                                  </p:childTnLst>
+                                </p:cTn>
+                              </p:par>
+                            </p:childTnLst>
+                          </p:cTn>
+                        </p:par>
+                      </p:childTnLst>
+                    </p:cTn>
+                  </p:par>
+                </p:childTnLst>
+              </p:cTn>
+              <p:prevCondLst>
+                <p:cond evt="onPrev" delay="0">
+                  <p:tgtEl>
+                    <p:sldTgt/>
+                  </p:tgtEl>
+                </p:cond>
+              </p:prevCondLst>
+              <p:nextCondLst>
+                <p:cond evt="onNext" delay="0">
+                  <p:tgtEl>
+                    <p:sldTgt/>
+                  </p:tgtEl>
+                </p:cond>
+              </p:nextCondLst>
+            </p:seq>
+          </p:childTnLst>
+        </p:cTn>
       </p:par>
     </p:tnLst>
+    <p:bldLst>
+      <p:bldP spid="5" grpId="0" animBg="1"/>
+    </p:bldLst>
   </p:timing>
 </p:sld>
 </file>
 
-<file path=ppt/slides/slide11.xml><?xml version="1.0" encoding="utf-8"?>
+<file path=ppt/slides/slide12.xml><?xml version="1.0" encoding="utf-8"?>
 <p:sld xmlns:a="http://schemas.openxmlformats.org/drawingml/2006/main" xmlns:r="http://schemas.openxmlformats.org/officeDocument/2006/relationships" xmlns:p="http://schemas.openxmlformats.org/presentationml/2006/main">
   <p:cSld>
     <p:spTree>
@@ -7259,6 +9943,953 @@
           </a:p>
         </p:txBody>
       </p:sp>
+      <p:grpSp>
+        <p:nvGrpSpPr>
+          <p:cNvPr id="20" name="Group 19"/>
+          <p:cNvGrpSpPr/>
+          <p:nvPr/>
+        </p:nvGrpSpPr>
+        <p:grpSpPr>
+          <a:xfrm>
+            <a:off x="610015" y="1628800"/>
+            <a:ext cx="10812970" cy="2160239"/>
+            <a:chOff x="610015" y="1628800"/>
+            <a:chExt cx="10812970" cy="2160239"/>
+          </a:xfrm>
+        </p:grpSpPr>
+        <p:sp>
+          <p:nvSpPr>
+            <p:cNvPr id="4" name="Rectangle 3"/>
+            <p:cNvSpPr/>
+            <p:nvPr/>
+          </p:nvSpPr>
+          <p:spPr>
+            <a:xfrm>
+              <a:off x="610015" y="2050472"/>
+              <a:ext cx="10801200" cy="1738567"/>
+            </a:xfrm>
+            <a:prstGeom prst="rect">
+              <a:avLst/>
+            </a:prstGeom>
+            <a:solidFill>
+              <a:schemeClr val="tx2">
+                <a:lumMod val="10000"/>
+              </a:schemeClr>
+            </a:solidFill>
+            <a:ln>
+              <a:noFill/>
+            </a:ln>
+          </p:spPr>
+          <p:style>
+            <a:lnRef idx="2">
+              <a:schemeClr val="accent1">
+                <a:shade val="50000"/>
+              </a:schemeClr>
+            </a:lnRef>
+            <a:fillRef idx="1">
+              <a:schemeClr val="accent1"/>
+            </a:fillRef>
+            <a:effectRef idx="0">
+              <a:schemeClr val="accent1"/>
+            </a:effectRef>
+            <a:fontRef idx="minor">
+              <a:schemeClr val="lt1"/>
+            </a:fontRef>
+          </p:style>
+          <p:txBody>
+            <a:bodyPr rtlCol="0" anchor="ctr"/>
+            <a:lstStyle/>
+            <a:p>
+              <a:r>
+                <a:rPr lang="en-US" sz="2000" dirty="0">
+                  <a:solidFill>
+                    <a:srgbClr val="FF8585"/>
+                  </a:solidFill>
+                  <a:latin typeface="Consolas" panose="020B0609020204030204" pitchFamily="49" charset="0"/>
+                  <a:cs typeface="Consolas" panose="020B0609020204030204" pitchFamily="49" charset="0"/>
+                </a:rPr>
+                <a:t>$</a:t>
+              </a:r>
+              <a:r>
+                <a:rPr lang="en-US" sz="2000" dirty="0">
+                  <a:latin typeface="Consolas" panose="020B0609020204030204" pitchFamily="49" charset="0"/>
+                  <a:cs typeface="Consolas" panose="020B0609020204030204" pitchFamily="49" charset="0"/>
+                </a:rPr>
+                <a:t>.getJSON(</a:t>
+              </a:r>
+              <a:r>
+                <a:rPr lang="en-US" sz="2000" dirty="0">
+                  <a:solidFill>
+                    <a:schemeClr val="tx2">
+                      <a:lumMod val="90000"/>
+                    </a:schemeClr>
+                  </a:solidFill>
+                  <a:latin typeface="Consolas" panose="020B0609020204030204" pitchFamily="49" charset="0"/>
+                  <a:cs typeface="Consolas" panose="020B0609020204030204" pitchFamily="49" charset="0"/>
+                </a:rPr>
+                <a:t>"/KadastroServiceHost.svc/Listartarefas/"</a:t>
+              </a:r>
+              <a:r>
+                <a:rPr lang="en-US" sz="2000" dirty="0">
+                  <a:latin typeface="Consolas" panose="020B0609020204030204" pitchFamily="49" charset="0"/>
+                  <a:cs typeface="Consolas" panose="020B0609020204030204" pitchFamily="49" charset="0"/>
+                </a:rPr>
+                <a:t>, </a:t>
+              </a:r>
+              <a:r>
+                <a:rPr lang="en-US" sz="2000" i="1" dirty="0">
+                  <a:solidFill>
+                    <a:srgbClr val="00B0F0"/>
+                  </a:solidFill>
+                  <a:latin typeface="Consolas" panose="020B0609020204030204" pitchFamily="49" charset="0"/>
+                  <a:cs typeface="Consolas" panose="020B0609020204030204" pitchFamily="49" charset="0"/>
+                </a:rPr>
+                <a:t>function</a:t>
+              </a:r>
+              <a:r>
+                <a:rPr lang="en-US" sz="2000" dirty="0">
+                  <a:latin typeface="Consolas" panose="020B0609020204030204" pitchFamily="49" charset="0"/>
+                  <a:cs typeface="Consolas" panose="020B0609020204030204" pitchFamily="49" charset="0"/>
+                </a:rPr>
+                <a:t>(allData) </a:t>
+              </a:r>
+              <a:r>
+                <a:rPr lang="en-US" sz="2000" dirty="0" smtClean="0">
+                  <a:latin typeface="Consolas" panose="020B0609020204030204" pitchFamily="49" charset="0"/>
+                  <a:cs typeface="Consolas" panose="020B0609020204030204" pitchFamily="49" charset="0"/>
+                </a:rPr>
+                <a:t>{</a:t>
+              </a:r>
+            </a:p>
+            <a:p>
+              <a:r>
+                <a:rPr lang="en-US" sz="2000" dirty="0">
+                  <a:latin typeface="Consolas" panose="020B0609020204030204" pitchFamily="49" charset="0"/>
+                  <a:cs typeface="Consolas" panose="020B0609020204030204" pitchFamily="49" charset="0"/>
+                </a:rPr>
+                <a:t>	</a:t>
+              </a:r>
+              <a:r>
+                <a:rPr lang="en-US" sz="2000" dirty="0" smtClean="0">
+                  <a:solidFill>
+                    <a:srgbClr val="00B0F0"/>
+                  </a:solidFill>
+                  <a:latin typeface="Consolas" panose="020B0609020204030204" pitchFamily="49" charset="0"/>
+                  <a:cs typeface="Consolas" panose="020B0609020204030204" pitchFamily="49" charset="0"/>
+                </a:rPr>
+                <a:t>var </a:t>
+              </a:r>
+              <a:r>
+                <a:rPr lang="en-US" sz="2000" dirty="0" smtClean="0">
+                  <a:latin typeface="Consolas" panose="020B0609020204030204" pitchFamily="49" charset="0"/>
+                  <a:cs typeface="Consolas" panose="020B0609020204030204" pitchFamily="49" charset="0"/>
+                </a:rPr>
+                <a:t>mappedTarefas </a:t>
+              </a:r>
+              <a:r>
+                <a:rPr lang="en-US" sz="2000" dirty="0">
+                  <a:latin typeface="Consolas" panose="020B0609020204030204" pitchFamily="49" charset="0"/>
+                  <a:cs typeface="Consolas" panose="020B0609020204030204" pitchFamily="49" charset="0"/>
+                </a:rPr>
+                <a:t>= </a:t>
+              </a:r>
+              <a:r>
+                <a:rPr lang="en-US" sz="2000" dirty="0">
+                  <a:solidFill>
+                    <a:srgbClr val="FF8585"/>
+                  </a:solidFill>
+                  <a:latin typeface="Consolas" panose="020B0609020204030204" pitchFamily="49" charset="0"/>
+                  <a:cs typeface="Consolas" panose="020B0609020204030204" pitchFamily="49" charset="0"/>
+                </a:rPr>
+                <a:t>$</a:t>
+              </a:r>
+              <a:r>
+                <a:rPr lang="en-US" sz="2000" dirty="0">
+                  <a:latin typeface="Consolas" panose="020B0609020204030204" pitchFamily="49" charset="0"/>
+                  <a:cs typeface="Consolas" panose="020B0609020204030204" pitchFamily="49" charset="0"/>
+                </a:rPr>
+                <a:t>.map(allData.ListartarefasResult, </a:t>
+              </a:r>
+              <a:endParaRPr lang="en-US" sz="2000" dirty="0" smtClean="0">
+                <a:latin typeface="Consolas" panose="020B0609020204030204" pitchFamily="49" charset="0"/>
+                <a:cs typeface="Consolas" panose="020B0609020204030204" pitchFamily="49" charset="0"/>
+              </a:endParaRPr>
+            </a:p>
+            <a:p>
+              <a:r>
+                <a:rPr lang="en-US" sz="2000" dirty="0" smtClean="0">
+                  <a:latin typeface="Consolas" panose="020B0609020204030204" pitchFamily="49" charset="0"/>
+                  <a:cs typeface="Consolas" panose="020B0609020204030204" pitchFamily="49" charset="0"/>
+                </a:rPr>
+                <a:t>		</a:t>
+              </a:r>
+              <a:r>
+                <a:rPr lang="en-US" sz="2000" i="1" dirty="0" smtClean="0">
+                  <a:solidFill>
+                    <a:srgbClr val="00B0F0"/>
+                  </a:solidFill>
+                  <a:latin typeface="Consolas" panose="020B0609020204030204" pitchFamily="49" charset="0"/>
+                  <a:cs typeface="Consolas" panose="020B0609020204030204" pitchFamily="49" charset="0"/>
+                </a:rPr>
+                <a:t>function</a:t>
+              </a:r>
+              <a:r>
+                <a:rPr lang="en-US" sz="2000" dirty="0" smtClean="0">
+                  <a:latin typeface="Consolas" panose="020B0609020204030204" pitchFamily="49" charset="0"/>
+                  <a:cs typeface="Consolas" panose="020B0609020204030204" pitchFamily="49" charset="0"/>
+                </a:rPr>
+                <a:t>(item</a:t>
+              </a:r>
+              <a:r>
+                <a:rPr lang="en-US" sz="2000" dirty="0">
+                  <a:latin typeface="Consolas" panose="020B0609020204030204" pitchFamily="49" charset="0"/>
+                  <a:cs typeface="Consolas" panose="020B0609020204030204" pitchFamily="49" charset="0"/>
+                </a:rPr>
+                <a:t>) { </a:t>
+              </a:r>
+              <a:r>
+                <a:rPr lang="en-US" sz="2000" dirty="0" smtClean="0">
+                  <a:solidFill>
+                    <a:srgbClr val="FF8585"/>
+                  </a:solidFill>
+                  <a:latin typeface="Consolas" panose="020B0609020204030204" pitchFamily="49" charset="0"/>
+                  <a:cs typeface="Consolas" panose="020B0609020204030204" pitchFamily="49" charset="0"/>
+                </a:rPr>
+                <a:t>return </a:t>
+              </a:r>
+              <a:r>
+                <a:rPr lang="en-US" sz="2000" dirty="0">
+                  <a:solidFill>
+                    <a:srgbClr val="FF8585"/>
+                  </a:solidFill>
+                  <a:latin typeface="Consolas" panose="020B0609020204030204" pitchFamily="49" charset="0"/>
+                  <a:cs typeface="Consolas" panose="020B0609020204030204" pitchFamily="49" charset="0"/>
+                </a:rPr>
+                <a:t>new</a:t>
+              </a:r>
+              <a:r>
+                <a:rPr lang="en-US" sz="2000" dirty="0">
+                  <a:latin typeface="Consolas" panose="020B0609020204030204" pitchFamily="49" charset="0"/>
+                  <a:cs typeface="Consolas" panose="020B0609020204030204" pitchFamily="49" charset="0"/>
+                </a:rPr>
+                <a:t> </a:t>
+              </a:r>
+              <a:r>
+                <a:rPr lang="en-US" sz="2000" dirty="0" smtClean="0">
+                  <a:solidFill>
+                    <a:srgbClr val="92D050"/>
+                  </a:solidFill>
+                  <a:latin typeface="Consolas" panose="020B0609020204030204" pitchFamily="49" charset="0"/>
+                  <a:cs typeface="Consolas" panose="020B0609020204030204" pitchFamily="49" charset="0"/>
+                </a:rPr>
+                <a:t>Tarefa</a:t>
+              </a:r>
+              <a:r>
+                <a:rPr lang="en-US" sz="2000" dirty="0" smtClean="0">
+                  <a:latin typeface="Consolas" panose="020B0609020204030204" pitchFamily="49" charset="0"/>
+                  <a:cs typeface="Consolas" panose="020B0609020204030204" pitchFamily="49" charset="0"/>
+                </a:rPr>
+                <a:t>(item</a:t>
+              </a:r>
+              <a:r>
+                <a:rPr lang="en-US" sz="2000" dirty="0">
+                  <a:latin typeface="Consolas" panose="020B0609020204030204" pitchFamily="49" charset="0"/>
+                  <a:cs typeface="Consolas" panose="020B0609020204030204" pitchFamily="49" charset="0"/>
+                </a:rPr>
+                <a:t>) });</a:t>
+              </a:r>
+            </a:p>
+            <a:p>
+              <a:r>
+                <a:rPr lang="en-US" sz="2000" dirty="0" smtClean="0">
+                  <a:latin typeface="Consolas" panose="020B0609020204030204" pitchFamily="49" charset="0"/>
+                  <a:cs typeface="Consolas" panose="020B0609020204030204" pitchFamily="49" charset="0"/>
+                </a:rPr>
+                <a:t>	</a:t>
+              </a:r>
+              <a:r>
+                <a:rPr lang="en-US" sz="2000" i="1" dirty="0" smtClean="0">
+                  <a:solidFill>
+                    <a:srgbClr val="00B0F0"/>
+                  </a:solidFill>
+                  <a:latin typeface="Consolas" panose="020B0609020204030204" pitchFamily="49" charset="0"/>
+                  <a:cs typeface="Consolas" panose="020B0609020204030204" pitchFamily="49" charset="0"/>
+                </a:rPr>
+                <a:t>self</a:t>
+              </a:r>
+              <a:r>
+                <a:rPr lang="en-US" sz="2000" dirty="0" smtClean="0">
+                  <a:latin typeface="Consolas" panose="020B0609020204030204" pitchFamily="49" charset="0"/>
+                  <a:cs typeface="Consolas" panose="020B0609020204030204" pitchFamily="49" charset="0"/>
+                </a:rPr>
+                <a:t>.tarefas(mappedtarefas</a:t>
+              </a:r>
+              <a:r>
+                <a:rPr lang="en-US" sz="2000" dirty="0">
+                  <a:latin typeface="Consolas" panose="020B0609020204030204" pitchFamily="49" charset="0"/>
+                  <a:cs typeface="Consolas" panose="020B0609020204030204" pitchFamily="49" charset="0"/>
+                </a:rPr>
+                <a:t>);</a:t>
+              </a:r>
+            </a:p>
+            <a:p>
+              <a:r>
+                <a:rPr lang="en-US" sz="2000" dirty="0" smtClean="0">
+                  <a:latin typeface="Consolas" panose="020B0609020204030204" pitchFamily="49" charset="0"/>
+                  <a:cs typeface="Consolas" panose="020B0609020204030204" pitchFamily="49" charset="0"/>
+                </a:rPr>
+                <a:t>});</a:t>
+              </a:r>
+              <a:endParaRPr lang="en-US" sz="2000" dirty="0">
+                <a:latin typeface="Consolas" panose="020B0609020204030204" pitchFamily="49" charset="0"/>
+                <a:cs typeface="Consolas" panose="020B0609020204030204" pitchFamily="49" charset="0"/>
+              </a:endParaRPr>
+            </a:p>
+          </p:txBody>
+        </p:sp>
+        <p:sp>
+          <p:nvSpPr>
+            <p:cNvPr id="5" name="TextBox 4"/>
+            <p:cNvSpPr txBox="1"/>
+            <p:nvPr/>
+          </p:nvSpPr>
+          <p:spPr>
+            <a:xfrm rot="21283228">
+              <a:off x="10696504" y="1652692"/>
+              <a:ext cx="726481" cy="369332"/>
+            </a:xfrm>
+            <a:prstGeom prst="rect">
+              <a:avLst/>
+            </a:prstGeom>
+            <a:noFill/>
+          </p:spPr>
+          <p:txBody>
+            <a:bodyPr wrap="none" rtlCol="0">
+              <a:spAutoFit/>
+            </a:bodyPr>
+            <a:lstStyle/>
+            <a:p>
+              <a:r>
+                <a:rPr lang="en-US" dirty="0" smtClean="0">
+                  <a:latin typeface="Corbel" panose="020B0503020204020204" pitchFamily="34" charset="0"/>
+                </a:rPr>
+                <a:t>JSON</a:t>
+              </a:r>
+              <a:endParaRPr lang="en-US" dirty="0">
+                <a:latin typeface="Corbel" panose="020B0503020204020204" pitchFamily="34" charset="0"/>
+              </a:endParaRPr>
+            </a:p>
+          </p:txBody>
+        </p:sp>
+        <p:cxnSp>
+          <p:nvCxnSpPr>
+            <p:cNvPr id="6" name="Curved Connector 5"/>
+            <p:cNvCxnSpPr>
+              <a:stCxn id="5" idx="1"/>
+            </p:cNvCxnSpPr>
+            <p:nvPr/>
+          </p:nvCxnSpPr>
+          <p:spPr>
+            <a:xfrm rot="10800000" flipV="1">
+              <a:off x="9768409" y="1870782"/>
+              <a:ext cx="929637" cy="281238"/>
+            </a:xfrm>
+            <a:prstGeom prst="curvedConnector3">
+              <a:avLst>
+                <a:gd name="adj1" fmla="val 50000"/>
+              </a:avLst>
+            </a:prstGeom>
+            <a:ln w="28575">
+              <a:solidFill>
+                <a:schemeClr val="accent1"/>
+              </a:solidFill>
+              <a:prstDash val="sysDash"/>
+              <a:tailEnd type="triangle"/>
+            </a:ln>
+          </p:spPr>
+          <p:style>
+            <a:lnRef idx="1">
+              <a:schemeClr val="accent1"/>
+            </a:lnRef>
+            <a:fillRef idx="0">
+              <a:schemeClr val="accent1"/>
+            </a:fillRef>
+            <a:effectRef idx="0">
+              <a:schemeClr val="accent1"/>
+            </a:effectRef>
+            <a:fontRef idx="minor">
+              <a:schemeClr val="tx1"/>
+            </a:fontRef>
+          </p:style>
+        </p:cxnSp>
+        <p:sp>
+          <p:nvSpPr>
+            <p:cNvPr id="7" name="TextBox 6"/>
+            <p:cNvSpPr txBox="1"/>
+            <p:nvPr/>
+          </p:nvSpPr>
+          <p:spPr>
+            <a:xfrm>
+              <a:off x="911424" y="1628800"/>
+              <a:ext cx="8505213" cy="523220"/>
+            </a:xfrm>
+            <a:prstGeom prst="rect">
+              <a:avLst/>
+            </a:prstGeom>
+            <a:noFill/>
+          </p:spPr>
+          <p:txBody>
+            <a:bodyPr wrap="none" rtlCol="0">
+              <a:spAutoFit/>
+            </a:bodyPr>
+            <a:lstStyle/>
+            <a:p>
+              <a:r>
+                <a:rPr lang="en-US" sz="2800" dirty="0" smtClean="0">
+                  <a:solidFill>
+                    <a:schemeClr val="accent1"/>
+                  </a:solidFill>
+                  <a:latin typeface="Corbel" panose="020B0503020204020204" pitchFamily="34" charset="0"/>
+                </a:rPr>
+                <a:t>Mapeando retorno para uma instância da classe “Tarefa”</a:t>
+              </a:r>
+              <a:endParaRPr lang="en-US" sz="2800" dirty="0">
+                <a:solidFill>
+                  <a:schemeClr val="accent1"/>
+                </a:solidFill>
+                <a:latin typeface="Corbel" panose="020B0503020204020204" pitchFamily="34" charset="0"/>
+                <a:cs typeface="Consolas" panose="020B0609020204030204" pitchFamily="49" charset="0"/>
+              </a:endParaRPr>
+            </a:p>
+          </p:txBody>
+        </p:sp>
+      </p:grpSp>
+      <p:grpSp>
+        <p:nvGrpSpPr>
+          <p:cNvPr id="21" name="Group 20"/>
+          <p:cNvGrpSpPr/>
+          <p:nvPr/>
+        </p:nvGrpSpPr>
+        <p:grpSpPr>
+          <a:xfrm>
+            <a:off x="528775" y="4057908"/>
+            <a:ext cx="5769060" cy="1130083"/>
+            <a:chOff x="528775" y="4057908"/>
+            <a:chExt cx="5769060" cy="1130083"/>
+          </a:xfrm>
+        </p:grpSpPr>
+        <p:sp>
+          <p:nvSpPr>
+            <p:cNvPr id="16" name="Rectangle 15"/>
+            <p:cNvSpPr/>
+            <p:nvPr/>
+          </p:nvSpPr>
+          <p:spPr>
+            <a:xfrm>
+              <a:off x="537195" y="4467911"/>
+              <a:ext cx="5760640" cy="720080"/>
+            </a:xfrm>
+            <a:prstGeom prst="rect">
+              <a:avLst/>
+            </a:prstGeom>
+            <a:solidFill>
+              <a:schemeClr val="tx2">
+                <a:lumMod val="10000"/>
+              </a:schemeClr>
+            </a:solidFill>
+            <a:ln>
+              <a:noFill/>
+            </a:ln>
+          </p:spPr>
+          <p:style>
+            <a:lnRef idx="2">
+              <a:schemeClr val="accent1">
+                <a:shade val="50000"/>
+              </a:schemeClr>
+            </a:lnRef>
+            <a:fillRef idx="1">
+              <a:schemeClr val="accent1"/>
+            </a:fillRef>
+            <a:effectRef idx="0">
+              <a:schemeClr val="accent1"/>
+            </a:effectRef>
+            <a:fontRef idx="minor">
+              <a:schemeClr val="lt1"/>
+            </a:fontRef>
+          </p:style>
+          <p:txBody>
+            <a:bodyPr rtlCol="0" anchor="ctr"/>
+            <a:lstStyle/>
+            <a:p>
+              <a:pPr algn="ctr"/>
+              <a:r>
+                <a:rPr lang="en-US" sz="2000" i="1" dirty="0">
+                  <a:solidFill>
+                    <a:srgbClr val="00B0F0"/>
+                  </a:solidFill>
+                  <a:latin typeface="Consolas" panose="020B0609020204030204" pitchFamily="49" charset="0"/>
+                  <a:cs typeface="Consolas" panose="020B0609020204030204" pitchFamily="49" charset="0"/>
+                </a:rPr>
+                <a:t>self</a:t>
+              </a:r>
+              <a:r>
+                <a:rPr lang="en-US" sz="2000" dirty="0">
+                  <a:latin typeface="Consolas" panose="020B0609020204030204" pitchFamily="49" charset="0"/>
+                  <a:cs typeface="Consolas" panose="020B0609020204030204" pitchFamily="49" charset="0"/>
+                </a:rPr>
+                <a:t>.tarefas = </a:t>
+              </a:r>
+              <a:r>
+                <a:rPr lang="en-US" sz="2000" b="1" dirty="0">
+                  <a:solidFill>
+                    <a:srgbClr val="FFC000"/>
+                  </a:solidFill>
+                  <a:latin typeface="Consolas" panose="020B0609020204030204" pitchFamily="49" charset="0"/>
+                  <a:cs typeface="Consolas" panose="020B0609020204030204" pitchFamily="49" charset="0"/>
+                </a:rPr>
+                <a:t>ko</a:t>
+              </a:r>
+              <a:r>
+                <a:rPr lang="en-US" sz="2000" dirty="0">
+                  <a:latin typeface="Consolas" panose="020B0609020204030204" pitchFamily="49" charset="0"/>
+                  <a:cs typeface="Consolas" panose="020B0609020204030204" pitchFamily="49" charset="0"/>
+                </a:rPr>
+                <a:t>.</a:t>
+              </a:r>
+              <a:r>
+                <a:rPr lang="en-US" sz="2000" dirty="0">
+                  <a:solidFill>
+                    <a:srgbClr val="92D050"/>
+                  </a:solidFill>
+                  <a:latin typeface="Consolas" panose="020B0609020204030204" pitchFamily="49" charset="0"/>
+                  <a:cs typeface="Consolas" panose="020B0609020204030204" pitchFamily="49" charset="0"/>
+                </a:rPr>
+                <a:t>observableArray</a:t>
+              </a:r>
+              <a:r>
+                <a:rPr lang="en-US" sz="2000" dirty="0">
+                  <a:latin typeface="Consolas" panose="020B0609020204030204" pitchFamily="49" charset="0"/>
+                  <a:cs typeface="Consolas" panose="020B0609020204030204" pitchFamily="49" charset="0"/>
+                </a:rPr>
+                <a:t>([]);</a:t>
+              </a:r>
+            </a:p>
+          </p:txBody>
+        </p:sp>
+        <p:sp>
+          <p:nvSpPr>
+            <p:cNvPr id="17" name="TextBox 16"/>
+            <p:cNvSpPr txBox="1"/>
+            <p:nvPr/>
+          </p:nvSpPr>
+          <p:spPr>
+            <a:xfrm>
+              <a:off x="528775" y="4057908"/>
+              <a:ext cx="2361544" cy="461665"/>
+            </a:xfrm>
+            <a:prstGeom prst="rect">
+              <a:avLst/>
+            </a:prstGeom>
+            <a:noFill/>
+          </p:spPr>
+          <p:txBody>
+            <a:bodyPr wrap="none" rtlCol="0">
+              <a:spAutoFit/>
+            </a:bodyPr>
+            <a:lstStyle/>
+            <a:p>
+              <a:r>
+                <a:rPr lang="en-US" sz="2400" dirty="0" smtClean="0">
+                  <a:solidFill>
+                    <a:schemeClr val="accent1"/>
+                  </a:solidFill>
+                  <a:latin typeface="Corbel" panose="020B0503020204020204" pitchFamily="34" charset="0"/>
+                </a:rPr>
+                <a:t>Declarando array</a:t>
+              </a:r>
+              <a:endParaRPr lang="en-US" sz="2400" dirty="0">
+                <a:solidFill>
+                  <a:schemeClr val="accent1"/>
+                </a:solidFill>
+                <a:latin typeface="Corbel" panose="020B0503020204020204" pitchFamily="34" charset="0"/>
+                <a:cs typeface="Consolas" panose="020B0609020204030204" pitchFamily="49" charset="0"/>
+              </a:endParaRPr>
+            </a:p>
+          </p:txBody>
+        </p:sp>
+      </p:grpSp>
+      <p:grpSp>
+        <p:nvGrpSpPr>
+          <p:cNvPr id="22" name="Group 21"/>
+          <p:cNvGrpSpPr/>
+          <p:nvPr/>
+        </p:nvGrpSpPr>
+        <p:grpSpPr>
+          <a:xfrm>
+            <a:off x="6425553" y="3827075"/>
+            <a:ext cx="5287071" cy="2410237"/>
+            <a:chOff x="6425553" y="3827075"/>
+            <a:chExt cx="5287071" cy="2410237"/>
+          </a:xfrm>
+        </p:grpSpPr>
+        <p:sp>
+          <p:nvSpPr>
+            <p:cNvPr id="18" name="Rectangle 17"/>
+            <p:cNvSpPr/>
+            <p:nvPr/>
+          </p:nvSpPr>
+          <p:spPr>
+            <a:xfrm>
+              <a:off x="6456040" y="4221088"/>
+              <a:ext cx="5256584" cy="2016224"/>
+            </a:xfrm>
+            <a:prstGeom prst="rect">
+              <a:avLst/>
+            </a:prstGeom>
+            <a:solidFill>
+              <a:schemeClr val="tx2">
+                <a:lumMod val="10000"/>
+              </a:schemeClr>
+            </a:solidFill>
+            <a:ln>
+              <a:noFill/>
+            </a:ln>
+          </p:spPr>
+          <p:style>
+            <a:lnRef idx="2">
+              <a:schemeClr val="accent1">
+                <a:shade val="50000"/>
+              </a:schemeClr>
+            </a:lnRef>
+            <a:fillRef idx="1">
+              <a:schemeClr val="accent1"/>
+            </a:fillRef>
+            <a:effectRef idx="0">
+              <a:schemeClr val="accent1"/>
+            </a:effectRef>
+            <a:fontRef idx="minor">
+              <a:schemeClr val="lt1"/>
+            </a:fontRef>
+          </p:style>
+          <p:txBody>
+            <a:bodyPr rtlCol="0" anchor="ctr"/>
+            <a:lstStyle/>
+            <a:p>
+              <a:r>
+                <a:rPr lang="en-US" i="1" dirty="0">
+                  <a:solidFill>
+                    <a:srgbClr val="00B0F0"/>
+                  </a:solidFill>
+                  <a:latin typeface="Consolas" panose="020B0609020204030204" pitchFamily="49" charset="0"/>
+                  <a:cs typeface="Consolas" panose="020B0609020204030204" pitchFamily="49" charset="0"/>
+                </a:rPr>
+                <a:t>function</a:t>
+              </a:r>
+              <a:r>
+                <a:rPr lang="en-US" dirty="0">
+                  <a:latin typeface="Consolas" panose="020B0609020204030204" pitchFamily="49" charset="0"/>
+                  <a:cs typeface="Consolas" panose="020B0609020204030204" pitchFamily="49" charset="0"/>
+                </a:rPr>
+                <a:t> </a:t>
+              </a:r>
+              <a:r>
+                <a:rPr lang="en-US" dirty="0">
+                  <a:solidFill>
+                    <a:srgbClr val="92D050"/>
+                  </a:solidFill>
+                  <a:latin typeface="Consolas" panose="020B0609020204030204" pitchFamily="49" charset="0"/>
+                  <a:cs typeface="Consolas" panose="020B0609020204030204" pitchFamily="49" charset="0"/>
+                </a:rPr>
+                <a:t>Tarefa</a:t>
+              </a:r>
+              <a:r>
+                <a:rPr lang="en-US" dirty="0">
+                  <a:latin typeface="Consolas" panose="020B0609020204030204" pitchFamily="49" charset="0"/>
+                  <a:cs typeface="Consolas" panose="020B0609020204030204" pitchFamily="49" charset="0"/>
+                </a:rPr>
+                <a:t>(</a:t>
+              </a:r>
+              <a:r>
+                <a:rPr lang="en-US" i="1" dirty="0">
+                  <a:solidFill>
+                    <a:srgbClr val="FFC000"/>
+                  </a:solidFill>
+                  <a:latin typeface="Consolas" panose="020B0609020204030204" pitchFamily="49" charset="0"/>
+                  <a:cs typeface="Consolas" panose="020B0609020204030204" pitchFamily="49" charset="0"/>
+                </a:rPr>
+                <a:t>data</a:t>
+              </a:r>
+              <a:r>
+                <a:rPr lang="en-US" dirty="0" smtClean="0">
+                  <a:latin typeface="Consolas" panose="020B0609020204030204" pitchFamily="49" charset="0"/>
+                  <a:cs typeface="Consolas" panose="020B0609020204030204" pitchFamily="49" charset="0"/>
+                </a:rPr>
+                <a:t>) {</a:t>
+              </a:r>
+              <a:endParaRPr lang="en-US" dirty="0">
+                <a:latin typeface="Consolas" panose="020B0609020204030204" pitchFamily="49" charset="0"/>
+                <a:cs typeface="Consolas" panose="020B0609020204030204" pitchFamily="49" charset="0"/>
+              </a:endParaRPr>
+            </a:p>
+            <a:p>
+              <a:r>
+                <a:rPr lang="en-US" dirty="0" smtClean="0">
+                  <a:latin typeface="Consolas" panose="020B0609020204030204" pitchFamily="49" charset="0"/>
+                  <a:cs typeface="Consolas" panose="020B0609020204030204" pitchFamily="49" charset="0"/>
+                </a:rPr>
+                <a:t>	</a:t>
+              </a:r>
+              <a:r>
+                <a:rPr lang="en-US" i="1" dirty="0" smtClean="0">
+                  <a:latin typeface="Consolas" panose="020B0609020204030204" pitchFamily="49" charset="0"/>
+                  <a:cs typeface="Consolas" panose="020B0609020204030204" pitchFamily="49" charset="0"/>
+                </a:rPr>
+                <a:t>this</a:t>
+              </a:r>
+              <a:r>
+                <a:rPr lang="en-US" dirty="0" smtClean="0">
+                  <a:latin typeface="Consolas" panose="020B0609020204030204" pitchFamily="49" charset="0"/>
+                  <a:cs typeface="Consolas" panose="020B0609020204030204" pitchFamily="49" charset="0"/>
+                </a:rPr>
+                <a:t>.Id </a:t>
+              </a:r>
+              <a:r>
+                <a:rPr lang="en-US" dirty="0">
+                  <a:latin typeface="Consolas" panose="020B0609020204030204" pitchFamily="49" charset="0"/>
+                  <a:cs typeface="Consolas" panose="020B0609020204030204" pitchFamily="49" charset="0"/>
+                </a:rPr>
+                <a:t>= </a:t>
+              </a:r>
+              <a:r>
+                <a:rPr lang="en-US" i="1" dirty="0" smtClean="0">
+                  <a:solidFill>
+                    <a:srgbClr val="FFC000"/>
+                  </a:solidFill>
+                  <a:latin typeface="Consolas" panose="020B0609020204030204" pitchFamily="49" charset="0"/>
+                  <a:cs typeface="Consolas" panose="020B0609020204030204" pitchFamily="49" charset="0"/>
+                </a:rPr>
+                <a:t>data</a:t>
+              </a:r>
+              <a:r>
+                <a:rPr lang="en-US" dirty="0" smtClean="0">
+                  <a:latin typeface="Consolas" panose="020B0609020204030204" pitchFamily="49" charset="0"/>
+                  <a:cs typeface="Consolas" panose="020B0609020204030204" pitchFamily="49" charset="0"/>
+                </a:rPr>
+                <a:t>.id</a:t>
+              </a:r>
+              <a:endParaRPr lang="en-US" dirty="0">
+                <a:latin typeface="Consolas" panose="020B0609020204030204" pitchFamily="49" charset="0"/>
+                <a:cs typeface="Consolas" panose="020B0609020204030204" pitchFamily="49" charset="0"/>
+              </a:endParaRPr>
+            </a:p>
+            <a:p>
+              <a:r>
+                <a:rPr lang="en-US" dirty="0" smtClean="0">
+                  <a:latin typeface="Consolas" panose="020B0609020204030204" pitchFamily="49" charset="0"/>
+                  <a:cs typeface="Consolas" panose="020B0609020204030204" pitchFamily="49" charset="0"/>
+                </a:rPr>
+                <a:t>	</a:t>
+              </a:r>
+              <a:r>
+                <a:rPr lang="en-US" i="1" dirty="0" smtClean="0">
+                  <a:latin typeface="Consolas" panose="020B0609020204030204" pitchFamily="49" charset="0"/>
+                  <a:cs typeface="Consolas" panose="020B0609020204030204" pitchFamily="49" charset="0"/>
+                </a:rPr>
+                <a:t>this</a:t>
+              </a:r>
+              <a:r>
+                <a:rPr lang="en-US" dirty="0" smtClean="0">
+                  <a:latin typeface="Consolas" panose="020B0609020204030204" pitchFamily="49" charset="0"/>
+                  <a:cs typeface="Consolas" panose="020B0609020204030204" pitchFamily="49" charset="0"/>
+                </a:rPr>
+                <a:t>.IdUsuario </a:t>
+              </a:r>
+              <a:r>
+                <a:rPr lang="en-US" dirty="0">
+                  <a:latin typeface="Consolas" panose="020B0609020204030204" pitchFamily="49" charset="0"/>
+                  <a:cs typeface="Consolas" panose="020B0609020204030204" pitchFamily="49" charset="0"/>
+                </a:rPr>
+                <a:t>= </a:t>
+              </a:r>
+              <a:r>
+                <a:rPr lang="en-US" i="1" dirty="0" smtClean="0">
+                  <a:solidFill>
+                    <a:srgbClr val="FFC000"/>
+                  </a:solidFill>
+                  <a:latin typeface="Consolas" panose="020B0609020204030204" pitchFamily="49" charset="0"/>
+                  <a:cs typeface="Consolas" panose="020B0609020204030204" pitchFamily="49" charset="0"/>
+                </a:rPr>
+                <a:t>data</a:t>
+              </a:r>
+              <a:r>
+                <a:rPr lang="en-US" dirty="0" smtClean="0">
+                  <a:latin typeface="Consolas" panose="020B0609020204030204" pitchFamily="49" charset="0"/>
+                  <a:cs typeface="Consolas" panose="020B0609020204030204" pitchFamily="49" charset="0"/>
+                </a:rPr>
+                <a:t>.idusuario</a:t>
+              </a:r>
+            </a:p>
+            <a:p>
+              <a:r>
+                <a:rPr lang="en-US" dirty="0">
+                  <a:latin typeface="Consolas" panose="020B0609020204030204" pitchFamily="49" charset="0"/>
+                  <a:cs typeface="Consolas" panose="020B0609020204030204" pitchFamily="49" charset="0"/>
+                </a:rPr>
+                <a:t>	</a:t>
+              </a:r>
+              <a:r>
+                <a:rPr lang="en-US" i="1" dirty="0" smtClean="0">
+                  <a:latin typeface="Consolas" panose="020B0609020204030204" pitchFamily="49" charset="0"/>
+                  <a:cs typeface="Consolas" panose="020B0609020204030204" pitchFamily="49" charset="0"/>
+                </a:rPr>
+                <a:t>this</a:t>
+              </a:r>
+              <a:r>
+                <a:rPr lang="en-US" dirty="0" smtClean="0">
+                  <a:latin typeface="Consolas" panose="020B0609020204030204" pitchFamily="49" charset="0"/>
+                  <a:cs typeface="Consolas" panose="020B0609020204030204" pitchFamily="49" charset="0"/>
+                </a:rPr>
+                <a:t>.Descricao </a:t>
+              </a:r>
+              <a:r>
+                <a:rPr lang="en-US" dirty="0">
+                  <a:latin typeface="Consolas" panose="020B0609020204030204" pitchFamily="49" charset="0"/>
+                  <a:cs typeface="Consolas" panose="020B0609020204030204" pitchFamily="49" charset="0"/>
+                </a:rPr>
+                <a:t>= </a:t>
+              </a:r>
+              <a:r>
+                <a:rPr lang="en-US" i="1" dirty="0" smtClean="0">
+                  <a:solidFill>
+                    <a:srgbClr val="FFC000"/>
+                  </a:solidFill>
+                  <a:latin typeface="Consolas" panose="020B0609020204030204" pitchFamily="49" charset="0"/>
+                  <a:cs typeface="Consolas" panose="020B0609020204030204" pitchFamily="49" charset="0"/>
+                </a:rPr>
+                <a:t>data</a:t>
+              </a:r>
+              <a:r>
+                <a:rPr lang="en-US" dirty="0" smtClean="0">
+                  <a:latin typeface="Consolas" panose="020B0609020204030204" pitchFamily="49" charset="0"/>
+                  <a:cs typeface="Consolas" panose="020B0609020204030204" pitchFamily="49" charset="0"/>
+                </a:rPr>
+                <a:t>.descricao</a:t>
+              </a:r>
+              <a:r>
+                <a:rPr lang="en-US" dirty="0">
+                  <a:latin typeface="Consolas" panose="020B0609020204030204" pitchFamily="49" charset="0"/>
+                  <a:cs typeface="Consolas" panose="020B0609020204030204" pitchFamily="49" charset="0"/>
+                </a:rPr>
+                <a:t>;</a:t>
+              </a:r>
+            </a:p>
+            <a:p>
+              <a:r>
+                <a:rPr lang="en-US" dirty="0" smtClean="0">
+                  <a:latin typeface="Consolas" panose="020B0609020204030204" pitchFamily="49" charset="0"/>
+                  <a:cs typeface="Consolas" panose="020B0609020204030204" pitchFamily="49" charset="0"/>
+                </a:rPr>
+                <a:t>	</a:t>
+              </a:r>
+              <a:r>
+                <a:rPr lang="en-US" i="1" dirty="0" smtClean="0">
+                  <a:latin typeface="Consolas" panose="020B0609020204030204" pitchFamily="49" charset="0"/>
+                  <a:cs typeface="Consolas" panose="020B0609020204030204" pitchFamily="49" charset="0"/>
+                </a:rPr>
+                <a:t>this</a:t>
+              </a:r>
+              <a:r>
+                <a:rPr lang="en-US" dirty="0" smtClean="0">
+                  <a:latin typeface="Consolas" panose="020B0609020204030204" pitchFamily="49" charset="0"/>
+                  <a:cs typeface="Consolas" panose="020B0609020204030204" pitchFamily="49" charset="0"/>
+                </a:rPr>
+                <a:t>.Executada </a:t>
+              </a:r>
+              <a:r>
+                <a:rPr lang="en-US" dirty="0">
+                  <a:latin typeface="Consolas" panose="020B0609020204030204" pitchFamily="49" charset="0"/>
+                  <a:cs typeface="Consolas" panose="020B0609020204030204" pitchFamily="49" charset="0"/>
+                </a:rPr>
+                <a:t>= </a:t>
+              </a:r>
+              <a:r>
+                <a:rPr lang="en-US" i="1" dirty="0" smtClean="0">
+                  <a:solidFill>
+                    <a:srgbClr val="FFC000"/>
+                  </a:solidFill>
+                  <a:latin typeface="Consolas" panose="020B0609020204030204" pitchFamily="49" charset="0"/>
+                  <a:cs typeface="Consolas" panose="020B0609020204030204" pitchFamily="49" charset="0"/>
+                </a:rPr>
+                <a:t>data</a:t>
+              </a:r>
+              <a:r>
+                <a:rPr lang="en-US" dirty="0" smtClean="0">
+                  <a:latin typeface="Consolas" panose="020B0609020204030204" pitchFamily="49" charset="0"/>
+                  <a:cs typeface="Consolas" panose="020B0609020204030204" pitchFamily="49" charset="0"/>
+                </a:rPr>
+                <a:t>.executada</a:t>
+              </a:r>
+              <a:r>
+                <a:rPr lang="en-US" dirty="0">
+                  <a:latin typeface="Consolas" panose="020B0609020204030204" pitchFamily="49" charset="0"/>
+                  <a:cs typeface="Consolas" panose="020B0609020204030204" pitchFamily="49" charset="0"/>
+                </a:rPr>
+                <a:t>;</a:t>
+              </a:r>
+            </a:p>
+            <a:p>
+              <a:r>
+                <a:rPr lang="en-US" dirty="0">
+                  <a:latin typeface="Consolas" panose="020B0609020204030204" pitchFamily="49" charset="0"/>
+                  <a:cs typeface="Consolas" panose="020B0609020204030204" pitchFamily="49" charset="0"/>
+                </a:rPr>
+                <a:t>}</a:t>
+              </a:r>
+            </a:p>
+          </p:txBody>
+        </p:sp>
+        <p:sp>
+          <p:nvSpPr>
+            <p:cNvPr id="19" name="TextBox 18"/>
+            <p:cNvSpPr txBox="1"/>
+            <p:nvPr/>
+          </p:nvSpPr>
+          <p:spPr>
+            <a:xfrm>
+              <a:off x="6425553" y="3827075"/>
+              <a:ext cx="2262158" cy="461665"/>
+            </a:xfrm>
+            <a:prstGeom prst="rect">
+              <a:avLst/>
+            </a:prstGeom>
+            <a:noFill/>
+          </p:spPr>
+          <p:txBody>
+            <a:bodyPr wrap="none" rtlCol="0">
+              <a:spAutoFit/>
+            </a:bodyPr>
+            <a:lstStyle/>
+            <a:p>
+              <a:r>
+                <a:rPr lang="en-US" sz="2400" dirty="0" smtClean="0">
+                  <a:solidFill>
+                    <a:schemeClr val="accent1"/>
+                  </a:solidFill>
+                  <a:latin typeface="Corbel" panose="020B0503020204020204" pitchFamily="34" charset="0"/>
+                </a:rPr>
+                <a:t>Definindo classe</a:t>
+              </a:r>
+              <a:endParaRPr lang="en-US" sz="2400" dirty="0">
+                <a:solidFill>
+                  <a:schemeClr val="accent1"/>
+                </a:solidFill>
+                <a:latin typeface="Corbel" panose="020B0503020204020204" pitchFamily="34" charset="0"/>
+                <a:cs typeface="Consolas" panose="020B0609020204030204" pitchFamily="49" charset="0"/>
+              </a:endParaRPr>
+            </a:p>
+          </p:txBody>
+        </p:sp>
+      </p:grpSp>
     </p:spTree>
     <p:extLst>
       <p:ext uri="{BB962C8B-B14F-4D97-AF65-F5344CB8AC3E}">
@@ -7272,14 +10903,196 @@
   <p:timing>
     <p:tnLst>
       <p:par>
-        <p:cTn id="1" dur="indefinite" restart="never" nodeType="tmRoot"/>
+        <p:cTn id="1" dur="indefinite" restart="never" nodeType="tmRoot">
+          <p:childTnLst>
+            <p:seq concurrent="1" nextAc="seek">
+              <p:cTn id="2" dur="indefinite" nodeType="mainSeq">
+                <p:childTnLst>
+                  <p:par>
+                    <p:cTn id="3" fill="hold">
+                      <p:stCondLst>
+                        <p:cond delay="indefinite"/>
+                      </p:stCondLst>
+                      <p:childTnLst>
+                        <p:par>
+                          <p:cTn id="4" fill="hold">
+                            <p:stCondLst>
+                              <p:cond delay="0"/>
+                            </p:stCondLst>
+                            <p:childTnLst>
+                              <p:par>
+                                <p:cTn id="5" presetID="10" presetClass="entr" presetSubtype="0" fill="hold" nodeType="clickEffect">
+                                  <p:stCondLst>
+                                    <p:cond delay="0"/>
+                                  </p:stCondLst>
+                                  <p:childTnLst>
+                                    <p:set>
+                                      <p:cBhvr>
+                                        <p:cTn id="6" dur="1" fill="hold">
+                                          <p:stCondLst>
+                                            <p:cond delay="0"/>
+                                          </p:stCondLst>
+                                        </p:cTn>
+                                        <p:tgtEl>
+                                          <p:spTgt spid="20"/>
+                                        </p:tgtEl>
+                                        <p:attrNameLst>
+                                          <p:attrName>style.visibility</p:attrName>
+                                        </p:attrNameLst>
+                                      </p:cBhvr>
+                                      <p:to>
+                                        <p:strVal val="visible"/>
+                                      </p:to>
+                                    </p:set>
+                                    <p:animEffect transition="in" filter="fade">
+                                      <p:cBhvr>
+                                        <p:cTn id="7" dur="500"/>
+                                        <p:tgtEl>
+                                          <p:spTgt spid="20"/>
+                                        </p:tgtEl>
+                                      </p:cBhvr>
+                                    </p:animEffect>
+                                  </p:childTnLst>
+                                </p:cTn>
+                              </p:par>
+                            </p:childTnLst>
+                          </p:cTn>
+                        </p:par>
+                      </p:childTnLst>
+                    </p:cTn>
+                  </p:par>
+                  <p:par>
+                    <p:cTn id="8" fill="hold">
+                      <p:stCondLst>
+                        <p:cond delay="indefinite"/>
+                      </p:stCondLst>
+                      <p:childTnLst>
+                        <p:par>
+                          <p:cTn id="9" fill="hold">
+                            <p:stCondLst>
+                              <p:cond delay="0"/>
+                            </p:stCondLst>
+                            <p:childTnLst>
+                              <p:par>
+                                <p:cTn id="10" presetID="10" presetClass="entr" presetSubtype="0" fill="hold" nodeType="clickEffect">
+                                  <p:stCondLst>
+                                    <p:cond delay="0"/>
+                                  </p:stCondLst>
+                                  <p:childTnLst>
+                                    <p:set>
+                                      <p:cBhvr>
+                                        <p:cTn id="11" dur="1" fill="hold">
+                                          <p:stCondLst>
+                                            <p:cond delay="0"/>
+                                          </p:stCondLst>
+                                        </p:cTn>
+                                        <p:tgtEl>
+                                          <p:spTgt spid="21"/>
+                                        </p:tgtEl>
+                                        <p:attrNameLst>
+                                          <p:attrName>style.visibility</p:attrName>
+                                        </p:attrNameLst>
+                                      </p:cBhvr>
+                                      <p:to>
+                                        <p:strVal val="visible"/>
+                                      </p:to>
+                                    </p:set>
+                                    <p:animEffect transition="in" filter="fade">
+                                      <p:cBhvr>
+                                        <p:cTn id="12" dur="500"/>
+                                        <p:tgtEl>
+                                          <p:spTgt spid="21"/>
+                                        </p:tgtEl>
+                                      </p:cBhvr>
+                                    </p:animEffect>
+                                  </p:childTnLst>
+                                </p:cTn>
+                              </p:par>
+                            </p:childTnLst>
+                          </p:cTn>
+                        </p:par>
+                      </p:childTnLst>
+                    </p:cTn>
+                  </p:par>
+                  <p:par>
+                    <p:cTn id="13" fill="hold">
+                      <p:stCondLst>
+                        <p:cond delay="indefinite"/>
+                      </p:stCondLst>
+                      <p:childTnLst>
+                        <p:par>
+                          <p:cTn id="14" fill="hold">
+                            <p:stCondLst>
+                              <p:cond delay="0"/>
+                            </p:stCondLst>
+                            <p:childTnLst>
+                              <p:par>
+                                <p:cTn id="15" presetID="10" presetClass="entr" presetSubtype="0" fill="hold" nodeType="clickEffect">
+                                  <p:stCondLst>
+                                    <p:cond delay="0"/>
+                                  </p:stCondLst>
+                                  <p:childTnLst>
+                                    <p:set>
+                                      <p:cBhvr>
+                                        <p:cTn id="16" dur="1" fill="hold">
+                                          <p:stCondLst>
+                                            <p:cond delay="0"/>
+                                          </p:stCondLst>
+                                        </p:cTn>
+                                        <p:tgtEl>
+                                          <p:spTgt spid="22"/>
+                                        </p:tgtEl>
+                                        <p:attrNameLst>
+                                          <p:attrName>style.visibility</p:attrName>
+                                        </p:attrNameLst>
+                                      </p:cBhvr>
+                                      <p:to>
+                                        <p:strVal val="visible"/>
+                                      </p:to>
+                                    </p:set>
+                                    <p:animEffect transition="in" filter="fade">
+                                      <p:cBhvr>
+                                        <p:cTn id="17" dur="500"/>
+                                        <p:tgtEl>
+                                          <p:spTgt spid="22"/>
+                                        </p:tgtEl>
+                                      </p:cBhvr>
+                                    </p:animEffect>
+                                  </p:childTnLst>
+                                </p:cTn>
+                              </p:par>
+                            </p:childTnLst>
+                          </p:cTn>
+                        </p:par>
+                      </p:childTnLst>
+                    </p:cTn>
+                  </p:par>
+                </p:childTnLst>
+              </p:cTn>
+              <p:prevCondLst>
+                <p:cond evt="onPrev" delay="0">
+                  <p:tgtEl>
+                    <p:sldTgt/>
+                  </p:tgtEl>
+                </p:cond>
+              </p:prevCondLst>
+              <p:nextCondLst>
+                <p:cond evt="onNext" delay="0">
+                  <p:tgtEl>
+                    <p:sldTgt/>
+                  </p:tgtEl>
+                </p:cond>
+              </p:nextCondLst>
+            </p:seq>
+          </p:childTnLst>
+        </p:cTn>
       </p:par>
     </p:tnLst>
   </p:timing>
 </p:sld>
 </file>
 
-<file path=ppt/slides/slide12.xml><?xml version="1.0" encoding="utf-8"?>
+<file path=ppt/slides/slide13.xml><?xml version="1.0" encoding="utf-8"?>
 <p:sld xmlns:a="http://schemas.openxmlformats.org/drawingml/2006/main" xmlns:r="http://schemas.openxmlformats.org/officeDocument/2006/relationships" xmlns:p="http://schemas.openxmlformats.org/presentationml/2006/main">
   <p:cSld>
     <p:spTree>
@@ -7917,105 +11730,1491 @@
   <p:timing>
     <p:tnLst>
       <p:par>
-        <p:cTn id="1" dur="indefinite" restart="never" nodeType="tmRoot"/>
+        <p:cTn id="1" dur="indefinite" restart="never" nodeType="tmRoot">
+          <p:childTnLst>
+            <p:seq concurrent="1" nextAc="seek">
+              <p:cTn id="2" dur="indefinite" nodeType="mainSeq">
+                <p:childTnLst>
+                  <p:par>
+                    <p:cTn id="3" fill="hold">
+                      <p:stCondLst>
+                        <p:cond delay="indefinite"/>
+                      </p:stCondLst>
+                      <p:childTnLst>
+                        <p:par>
+                          <p:cTn id="4" fill="hold">
+                            <p:stCondLst>
+                              <p:cond delay="0"/>
+                            </p:stCondLst>
+                            <p:childTnLst>
+                              <p:par>
+                                <p:cTn id="5" presetID="10" presetClass="entr" presetSubtype="0" fill="hold" grpId="0" nodeType="clickEffect">
+                                  <p:stCondLst>
+                                    <p:cond delay="0"/>
+                                  </p:stCondLst>
+                                  <p:childTnLst>
+                                    <p:set>
+                                      <p:cBhvr>
+                                        <p:cTn id="6" dur="1" fill="hold">
+                                          <p:stCondLst>
+                                            <p:cond delay="0"/>
+                                          </p:stCondLst>
+                                        </p:cTn>
+                                        <p:tgtEl>
+                                          <p:spTgt spid="3">
+                                            <p:txEl>
+                                              <p:pRg st="0" end="0"/>
+                                            </p:txEl>
+                                          </p:spTgt>
+                                        </p:tgtEl>
+                                        <p:attrNameLst>
+                                          <p:attrName>style.visibility</p:attrName>
+                                        </p:attrNameLst>
+                                      </p:cBhvr>
+                                      <p:to>
+                                        <p:strVal val="visible"/>
+                                      </p:to>
+                                    </p:set>
+                                    <p:animEffect transition="in" filter="fade">
+                                      <p:cBhvr>
+                                        <p:cTn id="7" dur="500"/>
+                                        <p:tgtEl>
+                                          <p:spTgt spid="3">
+                                            <p:txEl>
+                                              <p:pRg st="0" end="0"/>
+                                            </p:txEl>
+                                          </p:spTgt>
+                                        </p:tgtEl>
+                                      </p:cBhvr>
+                                    </p:animEffect>
+                                  </p:childTnLst>
+                                </p:cTn>
+                              </p:par>
+                            </p:childTnLst>
+                          </p:cTn>
+                        </p:par>
+                      </p:childTnLst>
+                    </p:cTn>
+                  </p:par>
+                  <p:par>
+                    <p:cTn id="8" fill="hold">
+                      <p:stCondLst>
+                        <p:cond delay="indefinite"/>
+                      </p:stCondLst>
+                      <p:childTnLst>
+                        <p:par>
+                          <p:cTn id="9" fill="hold">
+                            <p:stCondLst>
+                              <p:cond delay="0"/>
+                            </p:stCondLst>
+                            <p:childTnLst>
+                              <p:par>
+                                <p:cTn id="10" presetID="10" presetClass="entr" presetSubtype="0" fill="hold" grpId="0" nodeType="clickEffect">
+                                  <p:stCondLst>
+                                    <p:cond delay="0"/>
+                                  </p:stCondLst>
+                                  <p:childTnLst>
+                                    <p:set>
+                                      <p:cBhvr>
+                                        <p:cTn id="11" dur="1" fill="hold">
+                                          <p:stCondLst>
+                                            <p:cond delay="0"/>
+                                          </p:stCondLst>
+                                        </p:cTn>
+                                        <p:tgtEl>
+                                          <p:spTgt spid="3">
+                                            <p:txEl>
+                                              <p:pRg st="1" end="1"/>
+                                            </p:txEl>
+                                          </p:spTgt>
+                                        </p:tgtEl>
+                                        <p:attrNameLst>
+                                          <p:attrName>style.visibility</p:attrName>
+                                        </p:attrNameLst>
+                                      </p:cBhvr>
+                                      <p:to>
+                                        <p:strVal val="visible"/>
+                                      </p:to>
+                                    </p:set>
+                                    <p:animEffect transition="in" filter="fade">
+                                      <p:cBhvr>
+                                        <p:cTn id="12" dur="500"/>
+                                        <p:tgtEl>
+                                          <p:spTgt spid="3">
+                                            <p:txEl>
+                                              <p:pRg st="1" end="1"/>
+                                            </p:txEl>
+                                          </p:spTgt>
+                                        </p:tgtEl>
+                                      </p:cBhvr>
+                                    </p:animEffect>
+                                  </p:childTnLst>
+                                </p:cTn>
+                              </p:par>
+                            </p:childTnLst>
+                          </p:cTn>
+                        </p:par>
+                      </p:childTnLst>
+                    </p:cTn>
+                  </p:par>
+                  <p:par>
+                    <p:cTn id="13" fill="hold">
+                      <p:stCondLst>
+                        <p:cond delay="indefinite"/>
+                      </p:stCondLst>
+                      <p:childTnLst>
+                        <p:par>
+                          <p:cTn id="14" fill="hold">
+                            <p:stCondLst>
+                              <p:cond delay="0"/>
+                            </p:stCondLst>
+                            <p:childTnLst>
+                              <p:par>
+                                <p:cTn id="15" presetID="10" presetClass="entr" presetSubtype="0" fill="hold" grpId="0" nodeType="clickEffect">
+                                  <p:stCondLst>
+                                    <p:cond delay="0"/>
+                                  </p:stCondLst>
+                                  <p:childTnLst>
+                                    <p:set>
+                                      <p:cBhvr>
+                                        <p:cTn id="16" dur="1" fill="hold">
+                                          <p:stCondLst>
+                                            <p:cond delay="0"/>
+                                          </p:stCondLst>
+                                        </p:cTn>
+                                        <p:tgtEl>
+                                          <p:spTgt spid="3">
+                                            <p:txEl>
+                                              <p:pRg st="2" end="2"/>
+                                            </p:txEl>
+                                          </p:spTgt>
+                                        </p:tgtEl>
+                                        <p:attrNameLst>
+                                          <p:attrName>style.visibility</p:attrName>
+                                        </p:attrNameLst>
+                                      </p:cBhvr>
+                                      <p:to>
+                                        <p:strVal val="visible"/>
+                                      </p:to>
+                                    </p:set>
+                                    <p:animEffect transition="in" filter="fade">
+                                      <p:cBhvr>
+                                        <p:cTn id="17" dur="500"/>
+                                        <p:tgtEl>
+                                          <p:spTgt spid="3">
+                                            <p:txEl>
+                                              <p:pRg st="2" end="2"/>
+                                            </p:txEl>
+                                          </p:spTgt>
+                                        </p:tgtEl>
+                                      </p:cBhvr>
+                                    </p:animEffect>
+                                  </p:childTnLst>
+                                </p:cTn>
+                              </p:par>
+                            </p:childTnLst>
+                          </p:cTn>
+                        </p:par>
+                      </p:childTnLst>
+                    </p:cTn>
+                  </p:par>
+                  <p:par>
+                    <p:cTn id="18" fill="hold">
+                      <p:stCondLst>
+                        <p:cond delay="indefinite"/>
+                      </p:stCondLst>
+                      <p:childTnLst>
+                        <p:par>
+                          <p:cTn id="19" fill="hold">
+                            <p:stCondLst>
+                              <p:cond delay="0"/>
+                            </p:stCondLst>
+                            <p:childTnLst>
+                              <p:par>
+                                <p:cTn id="20" presetID="10" presetClass="entr" presetSubtype="0" fill="hold" grpId="0" nodeType="clickEffect">
+                                  <p:stCondLst>
+                                    <p:cond delay="0"/>
+                                  </p:stCondLst>
+                                  <p:childTnLst>
+                                    <p:set>
+                                      <p:cBhvr>
+                                        <p:cTn id="21" dur="1" fill="hold">
+                                          <p:stCondLst>
+                                            <p:cond delay="0"/>
+                                          </p:stCondLst>
+                                        </p:cTn>
+                                        <p:tgtEl>
+                                          <p:spTgt spid="3">
+                                            <p:txEl>
+                                              <p:pRg st="3" end="3"/>
+                                            </p:txEl>
+                                          </p:spTgt>
+                                        </p:tgtEl>
+                                        <p:attrNameLst>
+                                          <p:attrName>style.visibility</p:attrName>
+                                        </p:attrNameLst>
+                                      </p:cBhvr>
+                                      <p:to>
+                                        <p:strVal val="visible"/>
+                                      </p:to>
+                                    </p:set>
+                                    <p:animEffect transition="in" filter="fade">
+                                      <p:cBhvr>
+                                        <p:cTn id="22" dur="500"/>
+                                        <p:tgtEl>
+                                          <p:spTgt spid="3">
+                                            <p:txEl>
+                                              <p:pRg st="3" end="3"/>
+                                            </p:txEl>
+                                          </p:spTgt>
+                                        </p:tgtEl>
+                                      </p:cBhvr>
+                                    </p:animEffect>
+                                  </p:childTnLst>
+                                </p:cTn>
+                              </p:par>
+                            </p:childTnLst>
+                          </p:cTn>
+                        </p:par>
+                      </p:childTnLst>
+                    </p:cTn>
+                  </p:par>
+                  <p:par>
+                    <p:cTn id="23" fill="hold">
+                      <p:stCondLst>
+                        <p:cond delay="indefinite"/>
+                      </p:stCondLst>
+                      <p:childTnLst>
+                        <p:par>
+                          <p:cTn id="24" fill="hold">
+                            <p:stCondLst>
+                              <p:cond delay="0"/>
+                            </p:stCondLst>
+                            <p:childTnLst>
+                              <p:par>
+                                <p:cTn id="25" presetID="10" presetClass="entr" presetSubtype="0" fill="hold" grpId="0" nodeType="clickEffect">
+                                  <p:stCondLst>
+                                    <p:cond delay="0"/>
+                                  </p:stCondLst>
+                                  <p:childTnLst>
+                                    <p:set>
+                                      <p:cBhvr>
+                                        <p:cTn id="26" dur="1" fill="hold">
+                                          <p:stCondLst>
+                                            <p:cond delay="0"/>
+                                          </p:stCondLst>
+                                        </p:cTn>
+                                        <p:tgtEl>
+                                          <p:spTgt spid="3">
+                                            <p:txEl>
+                                              <p:pRg st="4" end="4"/>
+                                            </p:txEl>
+                                          </p:spTgt>
+                                        </p:tgtEl>
+                                        <p:attrNameLst>
+                                          <p:attrName>style.visibility</p:attrName>
+                                        </p:attrNameLst>
+                                      </p:cBhvr>
+                                      <p:to>
+                                        <p:strVal val="visible"/>
+                                      </p:to>
+                                    </p:set>
+                                    <p:animEffect transition="in" filter="fade">
+                                      <p:cBhvr>
+                                        <p:cTn id="27" dur="500"/>
+                                        <p:tgtEl>
+                                          <p:spTgt spid="3">
+                                            <p:txEl>
+                                              <p:pRg st="4" end="4"/>
+                                            </p:txEl>
+                                          </p:spTgt>
+                                        </p:tgtEl>
+                                      </p:cBhvr>
+                                    </p:animEffect>
+                                  </p:childTnLst>
+                                </p:cTn>
+                              </p:par>
+                            </p:childTnLst>
+                          </p:cTn>
+                        </p:par>
+                      </p:childTnLst>
+                    </p:cTn>
+                  </p:par>
+                  <p:par>
+                    <p:cTn id="28" fill="hold">
+                      <p:stCondLst>
+                        <p:cond delay="indefinite"/>
+                      </p:stCondLst>
+                      <p:childTnLst>
+                        <p:par>
+                          <p:cTn id="29" fill="hold">
+                            <p:stCondLst>
+                              <p:cond delay="0"/>
+                            </p:stCondLst>
+                            <p:childTnLst>
+                              <p:par>
+                                <p:cTn id="30" presetID="10" presetClass="entr" presetSubtype="0" fill="hold" grpId="0" nodeType="clickEffect">
+                                  <p:stCondLst>
+                                    <p:cond delay="0"/>
+                                  </p:stCondLst>
+                                  <p:childTnLst>
+                                    <p:set>
+                                      <p:cBhvr>
+                                        <p:cTn id="31" dur="1" fill="hold">
+                                          <p:stCondLst>
+                                            <p:cond delay="0"/>
+                                          </p:stCondLst>
+                                        </p:cTn>
+                                        <p:tgtEl>
+                                          <p:spTgt spid="3">
+                                            <p:txEl>
+                                              <p:pRg st="5" end="5"/>
+                                            </p:txEl>
+                                          </p:spTgt>
+                                        </p:tgtEl>
+                                        <p:attrNameLst>
+                                          <p:attrName>style.visibility</p:attrName>
+                                        </p:attrNameLst>
+                                      </p:cBhvr>
+                                      <p:to>
+                                        <p:strVal val="visible"/>
+                                      </p:to>
+                                    </p:set>
+                                    <p:animEffect transition="in" filter="fade">
+                                      <p:cBhvr>
+                                        <p:cTn id="32" dur="500"/>
+                                        <p:tgtEl>
+                                          <p:spTgt spid="3">
+                                            <p:txEl>
+                                              <p:pRg st="5" end="5"/>
+                                            </p:txEl>
+                                          </p:spTgt>
+                                        </p:tgtEl>
+                                      </p:cBhvr>
+                                    </p:animEffect>
+                                  </p:childTnLst>
+                                </p:cTn>
+                              </p:par>
+                            </p:childTnLst>
+                          </p:cTn>
+                        </p:par>
+                      </p:childTnLst>
+                    </p:cTn>
+                  </p:par>
+                  <p:par>
+                    <p:cTn id="33" fill="hold">
+                      <p:stCondLst>
+                        <p:cond delay="indefinite"/>
+                      </p:stCondLst>
+                      <p:childTnLst>
+                        <p:par>
+                          <p:cTn id="34" fill="hold">
+                            <p:stCondLst>
+                              <p:cond delay="0"/>
+                            </p:stCondLst>
+                            <p:childTnLst>
+                              <p:par>
+                                <p:cTn id="35" presetID="10" presetClass="entr" presetSubtype="0" fill="hold" grpId="0" nodeType="clickEffect">
+                                  <p:stCondLst>
+                                    <p:cond delay="0"/>
+                                  </p:stCondLst>
+                                  <p:childTnLst>
+                                    <p:set>
+                                      <p:cBhvr>
+                                        <p:cTn id="36" dur="1" fill="hold">
+                                          <p:stCondLst>
+                                            <p:cond delay="0"/>
+                                          </p:stCondLst>
+                                        </p:cTn>
+                                        <p:tgtEl>
+                                          <p:spTgt spid="3">
+                                            <p:txEl>
+                                              <p:pRg st="6" end="6"/>
+                                            </p:txEl>
+                                          </p:spTgt>
+                                        </p:tgtEl>
+                                        <p:attrNameLst>
+                                          <p:attrName>style.visibility</p:attrName>
+                                        </p:attrNameLst>
+                                      </p:cBhvr>
+                                      <p:to>
+                                        <p:strVal val="visible"/>
+                                      </p:to>
+                                    </p:set>
+                                    <p:animEffect transition="in" filter="fade">
+                                      <p:cBhvr>
+                                        <p:cTn id="37" dur="500"/>
+                                        <p:tgtEl>
+                                          <p:spTgt spid="3">
+                                            <p:txEl>
+                                              <p:pRg st="6" end="6"/>
+                                            </p:txEl>
+                                          </p:spTgt>
+                                        </p:tgtEl>
+                                      </p:cBhvr>
+                                    </p:animEffect>
+                                  </p:childTnLst>
+                                </p:cTn>
+                              </p:par>
+                            </p:childTnLst>
+                          </p:cTn>
+                        </p:par>
+                      </p:childTnLst>
+                    </p:cTn>
+                  </p:par>
+                  <p:par>
+                    <p:cTn id="38" fill="hold">
+                      <p:stCondLst>
+                        <p:cond delay="indefinite"/>
+                      </p:stCondLst>
+                      <p:childTnLst>
+                        <p:par>
+                          <p:cTn id="39" fill="hold">
+                            <p:stCondLst>
+                              <p:cond delay="0"/>
+                            </p:stCondLst>
+                            <p:childTnLst>
+                              <p:par>
+                                <p:cTn id="40" presetID="10" presetClass="entr" presetSubtype="0" fill="hold" grpId="0" nodeType="clickEffect">
+                                  <p:stCondLst>
+                                    <p:cond delay="0"/>
+                                  </p:stCondLst>
+                                  <p:childTnLst>
+                                    <p:set>
+                                      <p:cBhvr>
+                                        <p:cTn id="41" dur="1" fill="hold">
+                                          <p:stCondLst>
+                                            <p:cond delay="0"/>
+                                          </p:stCondLst>
+                                        </p:cTn>
+                                        <p:tgtEl>
+                                          <p:spTgt spid="3">
+                                            <p:txEl>
+                                              <p:pRg st="7" end="7"/>
+                                            </p:txEl>
+                                          </p:spTgt>
+                                        </p:tgtEl>
+                                        <p:attrNameLst>
+                                          <p:attrName>style.visibility</p:attrName>
+                                        </p:attrNameLst>
+                                      </p:cBhvr>
+                                      <p:to>
+                                        <p:strVal val="visible"/>
+                                      </p:to>
+                                    </p:set>
+                                    <p:animEffect transition="in" filter="fade">
+                                      <p:cBhvr>
+                                        <p:cTn id="42" dur="500"/>
+                                        <p:tgtEl>
+                                          <p:spTgt spid="3">
+                                            <p:txEl>
+                                              <p:pRg st="7" end="7"/>
+                                            </p:txEl>
+                                          </p:spTgt>
+                                        </p:tgtEl>
+                                      </p:cBhvr>
+                                    </p:animEffect>
+                                  </p:childTnLst>
+                                </p:cTn>
+                              </p:par>
+                            </p:childTnLst>
+                          </p:cTn>
+                        </p:par>
+                      </p:childTnLst>
+                    </p:cTn>
+                  </p:par>
+                  <p:par>
+                    <p:cTn id="43" fill="hold">
+                      <p:stCondLst>
+                        <p:cond delay="indefinite"/>
+                      </p:stCondLst>
+                      <p:childTnLst>
+                        <p:par>
+                          <p:cTn id="44" fill="hold">
+                            <p:stCondLst>
+                              <p:cond delay="0"/>
+                            </p:stCondLst>
+                            <p:childTnLst>
+                              <p:par>
+                                <p:cTn id="45" presetID="10" presetClass="entr" presetSubtype="0" fill="hold" grpId="0" nodeType="clickEffect">
+                                  <p:stCondLst>
+                                    <p:cond delay="0"/>
+                                  </p:stCondLst>
+                                  <p:childTnLst>
+                                    <p:set>
+                                      <p:cBhvr>
+                                        <p:cTn id="46" dur="1" fill="hold">
+                                          <p:stCondLst>
+                                            <p:cond delay="0"/>
+                                          </p:stCondLst>
+                                        </p:cTn>
+                                        <p:tgtEl>
+                                          <p:spTgt spid="3">
+                                            <p:txEl>
+                                              <p:pRg st="8" end="8"/>
+                                            </p:txEl>
+                                          </p:spTgt>
+                                        </p:tgtEl>
+                                        <p:attrNameLst>
+                                          <p:attrName>style.visibility</p:attrName>
+                                        </p:attrNameLst>
+                                      </p:cBhvr>
+                                      <p:to>
+                                        <p:strVal val="visible"/>
+                                      </p:to>
+                                    </p:set>
+                                    <p:animEffect transition="in" filter="fade">
+                                      <p:cBhvr>
+                                        <p:cTn id="47" dur="500"/>
+                                        <p:tgtEl>
+                                          <p:spTgt spid="3">
+                                            <p:txEl>
+                                              <p:pRg st="8" end="8"/>
+                                            </p:txEl>
+                                          </p:spTgt>
+                                        </p:tgtEl>
+                                      </p:cBhvr>
+                                    </p:animEffect>
+                                  </p:childTnLst>
+                                </p:cTn>
+                              </p:par>
+                            </p:childTnLst>
+                          </p:cTn>
+                        </p:par>
+                      </p:childTnLst>
+                    </p:cTn>
+                  </p:par>
+                  <p:par>
+                    <p:cTn id="48" fill="hold">
+                      <p:stCondLst>
+                        <p:cond delay="indefinite"/>
+                      </p:stCondLst>
+                      <p:childTnLst>
+                        <p:par>
+                          <p:cTn id="49" fill="hold">
+                            <p:stCondLst>
+                              <p:cond delay="0"/>
+                            </p:stCondLst>
+                            <p:childTnLst>
+                              <p:par>
+                                <p:cTn id="50" presetID="10" presetClass="entr" presetSubtype="0" fill="hold" grpId="0" nodeType="clickEffect">
+                                  <p:stCondLst>
+                                    <p:cond delay="0"/>
+                                  </p:stCondLst>
+                                  <p:childTnLst>
+                                    <p:set>
+                                      <p:cBhvr>
+                                        <p:cTn id="51" dur="1" fill="hold">
+                                          <p:stCondLst>
+                                            <p:cond delay="0"/>
+                                          </p:stCondLst>
+                                        </p:cTn>
+                                        <p:tgtEl>
+                                          <p:spTgt spid="3">
+                                            <p:txEl>
+                                              <p:pRg st="9" end="9"/>
+                                            </p:txEl>
+                                          </p:spTgt>
+                                        </p:tgtEl>
+                                        <p:attrNameLst>
+                                          <p:attrName>style.visibility</p:attrName>
+                                        </p:attrNameLst>
+                                      </p:cBhvr>
+                                      <p:to>
+                                        <p:strVal val="visible"/>
+                                      </p:to>
+                                    </p:set>
+                                    <p:animEffect transition="in" filter="fade">
+                                      <p:cBhvr>
+                                        <p:cTn id="52" dur="500"/>
+                                        <p:tgtEl>
+                                          <p:spTgt spid="3">
+                                            <p:txEl>
+                                              <p:pRg st="9" end="9"/>
+                                            </p:txEl>
+                                          </p:spTgt>
+                                        </p:tgtEl>
+                                      </p:cBhvr>
+                                    </p:animEffect>
+                                  </p:childTnLst>
+                                </p:cTn>
+                              </p:par>
+                            </p:childTnLst>
+                          </p:cTn>
+                        </p:par>
+                      </p:childTnLst>
+                    </p:cTn>
+                  </p:par>
+                  <p:par>
+                    <p:cTn id="53" fill="hold">
+                      <p:stCondLst>
+                        <p:cond delay="indefinite"/>
+                      </p:stCondLst>
+                      <p:childTnLst>
+                        <p:par>
+                          <p:cTn id="54" fill="hold">
+                            <p:stCondLst>
+                              <p:cond delay="0"/>
+                            </p:stCondLst>
+                            <p:childTnLst>
+                              <p:par>
+                                <p:cTn id="55" presetID="10" presetClass="entr" presetSubtype="0" fill="hold" grpId="0" nodeType="clickEffect">
+                                  <p:stCondLst>
+                                    <p:cond delay="0"/>
+                                  </p:stCondLst>
+                                  <p:childTnLst>
+                                    <p:set>
+                                      <p:cBhvr>
+                                        <p:cTn id="56" dur="1" fill="hold">
+                                          <p:stCondLst>
+                                            <p:cond delay="0"/>
+                                          </p:stCondLst>
+                                        </p:cTn>
+                                        <p:tgtEl>
+                                          <p:spTgt spid="4">
+                                            <p:txEl>
+                                              <p:pRg st="0" end="0"/>
+                                            </p:txEl>
+                                          </p:spTgt>
+                                        </p:tgtEl>
+                                        <p:attrNameLst>
+                                          <p:attrName>style.visibility</p:attrName>
+                                        </p:attrNameLst>
+                                      </p:cBhvr>
+                                      <p:to>
+                                        <p:strVal val="visible"/>
+                                      </p:to>
+                                    </p:set>
+                                    <p:animEffect transition="in" filter="fade">
+                                      <p:cBhvr>
+                                        <p:cTn id="57" dur="500"/>
+                                        <p:tgtEl>
+                                          <p:spTgt spid="4">
+                                            <p:txEl>
+                                              <p:pRg st="0" end="0"/>
+                                            </p:txEl>
+                                          </p:spTgt>
+                                        </p:tgtEl>
+                                      </p:cBhvr>
+                                    </p:animEffect>
+                                  </p:childTnLst>
+                                </p:cTn>
+                              </p:par>
+                            </p:childTnLst>
+                          </p:cTn>
+                        </p:par>
+                      </p:childTnLst>
+                    </p:cTn>
+                  </p:par>
+                  <p:par>
+                    <p:cTn id="58" fill="hold">
+                      <p:stCondLst>
+                        <p:cond delay="indefinite"/>
+                      </p:stCondLst>
+                      <p:childTnLst>
+                        <p:par>
+                          <p:cTn id="59" fill="hold">
+                            <p:stCondLst>
+                              <p:cond delay="0"/>
+                            </p:stCondLst>
+                            <p:childTnLst>
+                              <p:par>
+                                <p:cTn id="60" presetID="10" presetClass="entr" presetSubtype="0" fill="hold" grpId="0" nodeType="clickEffect">
+                                  <p:stCondLst>
+                                    <p:cond delay="0"/>
+                                  </p:stCondLst>
+                                  <p:childTnLst>
+                                    <p:set>
+                                      <p:cBhvr>
+                                        <p:cTn id="61" dur="1" fill="hold">
+                                          <p:stCondLst>
+                                            <p:cond delay="0"/>
+                                          </p:stCondLst>
+                                        </p:cTn>
+                                        <p:tgtEl>
+                                          <p:spTgt spid="4">
+                                            <p:txEl>
+                                              <p:pRg st="1" end="1"/>
+                                            </p:txEl>
+                                          </p:spTgt>
+                                        </p:tgtEl>
+                                        <p:attrNameLst>
+                                          <p:attrName>style.visibility</p:attrName>
+                                        </p:attrNameLst>
+                                      </p:cBhvr>
+                                      <p:to>
+                                        <p:strVal val="visible"/>
+                                      </p:to>
+                                    </p:set>
+                                    <p:animEffect transition="in" filter="fade">
+                                      <p:cBhvr>
+                                        <p:cTn id="62" dur="500"/>
+                                        <p:tgtEl>
+                                          <p:spTgt spid="4">
+                                            <p:txEl>
+                                              <p:pRg st="1" end="1"/>
+                                            </p:txEl>
+                                          </p:spTgt>
+                                        </p:tgtEl>
+                                      </p:cBhvr>
+                                    </p:animEffect>
+                                  </p:childTnLst>
+                                </p:cTn>
+                              </p:par>
+                            </p:childTnLst>
+                          </p:cTn>
+                        </p:par>
+                      </p:childTnLst>
+                    </p:cTn>
+                  </p:par>
+                  <p:par>
+                    <p:cTn id="63" fill="hold">
+                      <p:stCondLst>
+                        <p:cond delay="indefinite"/>
+                      </p:stCondLst>
+                      <p:childTnLst>
+                        <p:par>
+                          <p:cTn id="64" fill="hold">
+                            <p:stCondLst>
+                              <p:cond delay="0"/>
+                            </p:stCondLst>
+                            <p:childTnLst>
+                              <p:par>
+                                <p:cTn id="65" presetID="10" presetClass="entr" presetSubtype="0" fill="hold" grpId="0" nodeType="clickEffect">
+                                  <p:stCondLst>
+                                    <p:cond delay="0"/>
+                                  </p:stCondLst>
+                                  <p:childTnLst>
+                                    <p:set>
+                                      <p:cBhvr>
+                                        <p:cTn id="66" dur="1" fill="hold">
+                                          <p:stCondLst>
+                                            <p:cond delay="0"/>
+                                          </p:stCondLst>
+                                        </p:cTn>
+                                        <p:tgtEl>
+                                          <p:spTgt spid="4">
+                                            <p:txEl>
+                                              <p:pRg st="2" end="2"/>
+                                            </p:txEl>
+                                          </p:spTgt>
+                                        </p:tgtEl>
+                                        <p:attrNameLst>
+                                          <p:attrName>style.visibility</p:attrName>
+                                        </p:attrNameLst>
+                                      </p:cBhvr>
+                                      <p:to>
+                                        <p:strVal val="visible"/>
+                                      </p:to>
+                                    </p:set>
+                                    <p:animEffect transition="in" filter="fade">
+                                      <p:cBhvr>
+                                        <p:cTn id="67" dur="500"/>
+                                        <p:tgtEl>
+                                          <p:spTgt spid="4">
+                                            <p:txEl>
+                                              <p:pRg st="2" end="2"/>
+                                            </p:txEl>
+                                          </p:spTgt>
+                                        </p:tgtEl>
+                                      </p:cBhvr>
+                                    </p:animEffect>
+                                  </p:childTnLst>
+                                </p:cTn>
+                              </p:par>
+                            </p:childTnLst>
+                          </p:cTn>
+                        </p:par>
+                      </p:childTnLst>
+                    </p:cTn>
+                  </p:par>
+                  <p:par>
+                    <p:cTn id="68" fill="hold">
+                      <p:stCondLst>
+                        <p:cond delay="indefinite"/>
+                      </p:stCondLst>
+                      <p:childTnLst>
+                        <p:par>
+                          <p:cTn id="69" fill="hold">
+                            <p:stCondLst>
+                              <p:cond delay="0"/>
+                            </p:stCondLst>
+                            <p:childTnLst>
+                              <p:par>
+                                <p:cTn id="70" presetID="10" presetClass="entr" presetSubtype="0" fill="hold" grpId="0" nodeType="clickEffect">
+                                  <p:stCondLst>
+                                    <p:cond delay="0"/>
+                                  </p:stCondLst>
+                                  <p:childTnLst>
+                                    <p:set>
+                                      <p:cBhvr>
+                                        <p:cTn id="71" dur="1" fill="hold">
+                                          <p:stCondLst>
+                                            <p:cond delay="0"/>
+                                          </p:stCondLst>
+                                        </p:cTn>
+                                        <p:tgtEl>
+                                          <p:spTgt spid="4">
+                                            <p:txEl>
+                                              <p:pRg st="3" end="3"/>
+                                            </p:txEl>
+                                          </p:spTgt>
+                                        </p:tgtEl>
+                                        <p:attrNameLst>
+                                          <p:attrName>style.visibility</p:attrName>
+                                        </p:attrNameLst>
+                                      </p:cBhvr>
+                                      <p:to>
+                                        <p:strVal val="visible"/>
+                                      </p:to>
+                                    </p:set>
+                                    <p:animEffect transition="in" filter="fade">
+                                      <p:cBhvr>
+                                        <p:cTn id="72" dur="500"/>
+                                        <p:tgtEl>
+                                          <p:spTgt spid="4">
+                                            <p:txEl>
+                                              <p:pRg st="3" end="3"/>
+                                            </p:txEl>
+                                          </p:spTgt>
+                                        </p:tgtEl>
+                                      </p:cBhvr>
+                                    </p:animEffect>
+                                  </p:childTnLst>
+                                </p:cTn>
+                              </p:par>
+                            </p:childTnLst>
+                          </p:cTn>
+                        </p:par>
+                      </p:childTnLst>
+                    </p:cTn>
+                  </p:par>
+                  <p:par>
+                    <p:cTn id="73" fill="hold">
+                      <p:stCondLst>
+                        <p:cond delay="indefinite"/>
+                      </p:stCondLst>
+                      <p:childTnLst>
+                        <p:par>
+                          <p:cTn id="74" fill="hold">
+                            <p:stCondLst>
+                              <p:cond delay="0"/>
+                            </p:stCondLst>
+                            <p:childTnLst>
+                              <p:par>
+                                <p:cTn id="75" presetID="10" presetClass="entr" presetSubtype="0" fill="hold" grpId="0" nodeType="clickEffect">
+                                  <p:stCondLst>
+                                    <p:cond delay="0"/>
+                                  </p:stCondLst>
+                                  <p:childTnLst>
+                                    <p:set>
+                                      <p:cBhvr>
+                                        <p:cTn id="76" dur="1" fill="hold">
+                                          <p:stCondLst>
+                                            <p:cond delay="0"/>
+                                          </p:stCondLst>
+                                        </p:cTn>
+                                        <p:tgtEl>
+                                          <p:spTgt spid="4">
+                                            <p:txEl>
+                                              <p:pRg st="4" end="4"/>
+                                            </p:txEl>
+                                          </p:spTgt>
+                                        </p:tgtEl>
+                                        <p:attrNameLst>
+                                          <p:attrName>style.visibility</p:attrName>
+                                        </p:attrNameLst>
+                                      </p:cBhvr>
+                                      <p:to>
+                                        <p:strVal val="visible"/>
+                                      </p:to>
+                                    </p:set>
+                                    <p:animEffect transition="in" filter="fade">
+                                      <p:cBhvr>
+                                        <p:cTn id="77" dur="500"/>
+                                        <p:tgtEl>
+                                          <p:spTgt spid="4">
+                                            <p:txEl>
+                                              <p:pRg st="4" end="4"/>
+                                            </p:txEl>
+                                          </p:spTgt>
+                                        </p:tgtEl>
+                                      </p:cBhvr>
+                                    </p:animEffect>
+                                  </p:childTnLst>
+                                </p:cTn>
+                              </p:par>
+                            </p:childTnLst>
+                          </p:cTn>
+                        </p:par>
+                      </p:childTnLst>
+                    </p:cTn>
+                  </p:par>
+                  <p:par>
+                    <p:cTn id="78" fill="hold">
+                      <p:stCondLst>
+                        <p:cond delay="indefinite"/>
+                      </p:stCondLst>
+                      <p:childTnLst>
+                        <p:par>
+                          <p:cTn id="79" fill="hold">
+                            <p:stCondLst>
+                              <p:cond delay="0"/>
+                            </p:stCondLst>
+                            <p:childTnLst>
+                              <p:par>
+                                <p:cTn id="80" presetID="10" presetClass="entr" presetSubtype="0" fill="hold" grpId="0" nodeType="clickEffect">
+                                  <p:stCondLst>
+                                    <p:cond delay="0"/>
+                                  </p:stCondLst>
+                                  <p:childTnLst>
+                                    <p:set>
+                                      <p:cBhvr>
+                                        <p:cTn id="81" dur="1" fill="hold">
+                                          <p:stCondLst>
+                                            <p:cond delay="0"/>
+                                          </p:stCondLst>
+                                        </p:cTn>
+                                        <p:tgtEl>
+                                          <p:spTgt spid="4">
+                                            <p:txEl>
+                                              <p:pRg st="5" end="5"/>
+                                            </p:txEl>
+                                          </p:spTgt>
+                                        </p:tgtEl>
+                                        <p:attrNameLst>
+                                          <p:attrName>style.visibility</p:attrName>
+                                        </p:attrNameLst>
+                                      </p:cBhvr>
+                                      <p:to>
+                                        <p:strVal val="visible"/>
+                                      </p:to>
+                                    </p:set>
+                                    <p:animEffect transition="in" filter="fade">
+                                      <p:cBhvr>
+                                        <p:cTn id="82" dur="500"/>
+                                        <p:tgtEl>
+                                          <p:spTgt spid="4">
+                                            <p:txEl>
+                                              <p:pRg st="5" end="5"/>
+                                            </p:txEl>
+                                          </p:spTgt>
+                                        </p:tgtEl>
+                                      </p:cBhvr>
+                                    </p:animEffect>
+                                  </p:childTnLst>
+                                </p:cTn>
+                              </p:par>
+                            </p:childTnLst>
+                          </p:cTn>
+                        </p:par>
+                      </p:childTnLst>
+                    </p:cTn>
+                  </p:par>
+                  <p:par>
+                    <p:cTn id="83" fill="hold">
+                      <p:stCondLst>
+                        <p:cond delay="indefinite"/>
+                      </p:stCondLst>
+                      <p:childTnLst>
+                        <p:par>
+                          <p:cTn id="84" fill="hold">
+                            <p:stCondLst>
+                              <p:cond delay="0"/>
+                            </p:stCondLst>
+                            <p:childTnLst>
+                              <p:par>
+                                <p:cTn id="85" presetID="10" presetClass="entr" presetSubtype="0" fill="hold" grpId="0" nodeType="clickEffect">
+                                  <p:stCondLst>
+                                    <p:cond delay="0"/>
+                                  </p:stCondLst>
+                                  <p:childTnLst>
+                                    <p:set>
+                                      <p:cBhvr>
+                                        <p:cTn id="86" dur="1" fill="hold">
+                                          <p:stCondLst>
+                                            <p:cond delay="0"/>
+                                          </p:stCondLst>
+                                        </p:cTn>
+                                        <p:tgtEl>
+                                          <p:spTgt spid="4">
+                                            <p:txEl>
+                                              <p:pRg st="6" end="6"/>
+                                            </p:txEl>
+                                          </p:spTgt>
+                                        </p:tgtEl>
+                                        <p:attrNameLst>
+                                          <p:attrName>style.visibility</p:attrName>
+                                        </p:attrNameLst>
+                                      </p:cBhvr>
+                                      <p:to>
+                                        <p:strVal val="visible"/>
+                                      </p:to>
+                                    </p:set>
+                                    <p:animEffect transition="in" filter="fade">
+                                      <p:cBhvr>
+                                        <p:cTn id="87" dur="500"/>
+                                        <p:tgtEl>
+                                          <p:spTgt spid="4">
+                                            <p:txEl>
+                                              <p:pRg st="6" end="6"/>
+                                            </p:txEl>
+                                          </p:spTgt>
+                                        </p:tgtEl>
+                                      </p:cBhvr>
+                                    </p:animEffect>
+                                  </p:childTnLst>
+                                </p:cTn>
+                              </p:par>
+                            </p:childTnLst>
+                          </p:cTn>
+                        </p:par>
+                      </p:childTnLst>
+                    </p:cTn>
+                  </p:par>
+                  <p:par>
+                    <p:cTn id="88" fill="hold">
+                      <p:stCondLst>
+                        <p:cond delay="indefinite"/>
+                      </p:stCondLst>
+                      <p:childTnLst>
+                        <p:par>
+                          <p:cTn id="89" fill="hold">
+                            <p:stCondLst>
+                              <p:cond delay="0"/>
+                            </p:stCondLst>
+                            <p:childTnLst>
+                              <p:par>
+                                <p:cTn id="90" presetID="10" presetClass="entr" presetSubtype="0" fill="hold" grpId="0" nodeType="clickEffect">
+                                  <p:stCondLst>
+                                    <p:cond delay="0"/>
+                                  </p:stCondLst>
+                                  <p:childTnLst>
+                                    <p:set>
+                                      <p:cBhvr>
+                                        <p:cTn id="91" dur="1" fill="hold">
+                                          <p:stCondLst>
+                                            <p:cond delay="0"/>
+                                          </p:stCondLst>
+                                        </p:cTn>
+                                        <p:tgtEl>
+                                          <p:spTgt spid="4">
+                                            <p:txEl>
+                                              <p:pRg st="7" end="7"/>
+                                            </p:txEl>
+                                          </p:spTgt>
+                                        </p:tgtEl>
+                                        <p:attrNameLst>
+                                          <p:attrName>style.visibility</p:attrName>
+                                        </p:attrNameLst>
+                                      </p:cBhvr>
+                                      <p:to>
+                                        <p:strVal val="visible"/>
+                                      </p:to>
+                                    </p:set>
+                                    <p:animEffect transition="in" filter="fade">
+                                      <p:cBhvr>
+                                        <p:cTn id="92" dur="500"/>
+                                        <p:tgtEl>
+                                          <p:spTgt spid="4">
+                                            <p:txEl>
+                                              <p:pRg st="7" end="7"/>
+                                            </p:txEl>
+                                          </p:spTgt>
+                                        </p:tgtEl>
+                                      </p:cBhvr>
+                                    </p:animEffect>
+                                  </p:childTnLst>
+                                </p:cTn>
+                              </p:par>
+                            </p:childTnLst>
+                          </p:cTn>
+                        </p:par>
+                      </p:childTnLst>
+                    </p:cTn>
+                  </p:par>
+                  <p:par>
+                    <p:cTn id="93" fill="hold">
+                      <p:stCondLst>
+                        <p:cond delay="indefinite"/>
+                      </p:stCondLst>
+                      <p:childTnLst>
+                        <p:par>
+                          <p:cTn id="94" fill="hold">
+                            <p:stCondLst>
+                              <p:cond delay="0"/>
+                            </p:stCondLst>
+                            <p:childTnLst>
+                              <p:par>
+                                <p:cTn id="95" presetID="10" presetClass="entr" presetSubtype="0" fill="hold" grpId="0" nodeType="clickEffect">
+                                  <p:stCondLst>
+                                    <p:cond delay="0"/>
+                                  </p:stCondLst>
+                                  <p:childTnLst>
+                                    <p:set>
+                                      <p:cBhvr>
+                                        <p:cTn id="96" dur="1" fill="hold">
+                                          <p:stCondLst>
+                                            <p:cond delay="0"/>
+                                          </p:stCondLst>
+                                        </p:cTn>
+                                        <p:tgtEl>
+                                          <p:spTgt spid="4">
+                                            <p:txEl>
+                                              <p:pRg st="8" end="8"/>
+                                            </p:txEl>
+                                          </p:spTgt>
+                                        </p:tgtEl>
+                                        <p:attrNameLst>
+                                          <p:attrName>style.visibility</p:attrName>
+                                        </p:attrNameLst>
+                                      </p:cBhvr>
+                                      <p:to>
+                                        <p:strVal val="visible"/>
+                                      </p:to>
+                                    </p:set>
+                                    <p:animEffect transition="in" filter="fade">
+                                      <p:cBhvr>
+                                        <p:cTn id="97" dur="500"/>
+                                        <p:tgtEl>
+                                          <p:spTgt spid="4">
+                                            <p:txEl>
+                                              <p:pRg st="8" end="8"/>
+                                            </p:txEl>
+                                          </p:spTgt>
+                                        </p:tgtEl>
+                                      </p:cBhvr>
+                                    </p:animEffect>
+                                  </p:childTnLst>
+                                </p:cTn>
+                              </p:par>
+                            </p:childTnLst>
+                          </p:cTn>
+                        </p:par>
+                      </p:childTnLst>
+                    </p:cTn>
+                  </p:par>
+                  <p:par>
+                    <p:cTn id="98" fill="hold">
+                      <p:stCondLst>
+                        <p:cond delay="indefinite"/>
+                      </p:stCondLst>
+                      <p:childTnLst>
+                        <p:par>
+                          <p:cTn id="99" fill="hold">
+                            <p:stCondLst>
+                              <p:cond delay="0"/>
+                            </p:stCondLst>
+                            <p:childTnLst>
+                              <p:par>
+                                <p:cTn id="100" presetID="26" presetClass="entr" presetSubtype="0" fill="hold" nodeType="clickEffect">
+                                  <p:stCondLst>
+                                    <p:cond delay="0"/>
+                                  </p:stCondLst>
+                                  <p:childTnLst>
+                                    <p:set>
+                                      <p:cBhvr>
+                                        <p:cTn id="101" dur="1" fill="hold">
+                                          <p:stCondLst>
+                                            <p:cond delay="0"/>
+                                          </p:stCondLst>
+                                        </p:cTn>
+                                        <p:tgtEl>
+                                          <p:spTgt spid="10"/>
+                                        </p:tgtEl>
+                                        <p:attrNameLst>
+                                          <p:attrName>style.visibility</p:attrName>
+                                        </p:attrNameLst>
+                                      </p:cBhvr>
+                                      <p:to>
+                                        <p:strVal val="visible"/>
+                                      </p:to>
+                                    </p:set>
+                                    <p:animEffect transition="in" filter="wipe(down)">
+                                      <p:cBhvr>
+                                        <p:cTn id="102" dur="580">
+                                          <p:stCondLst>
+                                            <p:cond delay="0"/>
+                                          </p:stCondLst>
+                                        </p:cTn>
+                                        <p:tgtEl>
+                                          <p:spTgt spid="10"/>
+                                        </p:tgtEl>
+                                      </p:cBhvr>
+                                    </p:animEffect>
+                                    <p:anim calcmode="lin" valueType="num">
+                                      <p:cBhvr>
+                                        <p:cTn id="103" dur="1822" tmFilter="0,0; 0.14,0.36; 0.43,0.73; 0.71,0.91; 1.0,1.0">
+                                          <p:stCondLst>
+                                            <p:cond delay="0"/>
+                                          </p:stCondLst>
+                                        </p:cTn>
+                                        <p:tgtEl>
+                                          <p:spTgt spid="10"/>
+                                        </p:tgtEl>
+                                        <p:attrNameLst>
+                                          <p:attrName>ppt_x</p:attrName>
+                                        </p:attrNameLst>
+                                      </p:cBhvr>
+                                      <p:tavLst>
+                                        <p:tav tm="0">
+                                          <p:val>
+                                            <p:strVal val="#ppt_x-0.25"/>
+                                          </p:val>
+                                        </p:tav>
+                                        <p:tav tm="100000">
+                                          <p:val>
+                                            <p:strVal val="#ppt_x"/>
+                                          </p:val>
+                                        </p:tav>
+                                      </p:tavLst>
+                                    </p:anim>
+                                    <p:anim calcmode="lin" valueType="num">
+                                      <p:cBhvr>
+                                        <p:cTn id="104" dur="664" tmFilter="0.0,0.0; 0.25,0.07; 0.50,0.2; 0.75,0.467; 1.0,1.0">
+                                          <p:stCondLst>
+                                            <p:cond delay="0"/>
+                                          </p:stCondLst>
+                                        </p:cTn>
+                                        <p:tgtEl>
+                                          <p:spTgt spid="10"/>
+                                        </p:tgtEl>
+                                        <p:attrNameLst>
+                                          <p:attrName>ppt_y</p:attrName>
+                                        </p:attrNameLst>
+                                      </p:cBhvr>
+                                      <p:tavLst>
+                                        <p:tav tm="0" fmla="#ppt_y-sin(pi*$)/3">
+                                          <p:val>
+                                            <p:fltVal val="0.5"/>
+                                          </p:val>
+                                        </p:tav>
+                                        <p:tav tm="100000">
+                                          <p:val>
+                                            <p:fltVal val="1"/>
+                                          </p:val>
+                                        </p:tav>
+                                      </p:tavLst>
+                                    </p:anim>
+                                    <p:anim calcmode="lin" valueType="num">
+                                      <p:cBhvr>
+                                        <p:cTn id="105" dur="664" tmFilter="0, 0; 0.125,0.2665; 0.25,0.4; 0.375,0.465; 0.5,0.5;  0.625,0.535; 0.75,0.6; 0.875,0.7335; 1,1">
+                                          <p:stCondLst>
+                                            <p:cond delay="664"/>
+                                          </p:stCondLst>
+                                        </p:cTn>
+                                        <p:tgtEl>
+                                          <p:spTgt spid="10"/>
+                                        </p:tgtEl>
+                                        <p:attrNameLst>
+                                          <p:attrName>ppt_y</p:attrName>
+                                        </p:attrNameLst>
+                                      </p:cBhvr>
+                                      <p:tavLst>
+                                        <p:tav tm="0" fmla="#ppt_y-sin(pi*$)/9">
+                                          <p:val>
+                                            <p:fltVal val="0"/>
+                                          </p:val>
+                                        </p:tav>
+                                        <p:tav tm="100000">
+                                          <p:val>
+                                            <p:fltVal val="1"/>
+                                          </p:val>
+                                        </p:tav>
+                                      </p:tavLst>
+                                    </p:anim>
+                                    <p:anim calcmode="lin" valueType="num">
+                                      <p:cBhvr>
+                                        <p:cTn id="106" dur="332" tmFilter="0, 0; 0.125,0.2665; 0.25,0.4; 0.375,0.465; 0.5,0.5;  0.625,0.535; 0.75,0.6; 0.875,0.7335; 1,1">
+                                          <p:stCondLst>
+                                            <p:cond delay="1324"/>
+                                          </p:stCondLst>
+                                        </p:cTn>
+                                        <p:tgtEl>
+                                          <p:spTgt spid="10"/>
+                                        </p:tgtEl>
+                                        <p:attrNameLst>
+                                          <p:attrName>ppt_y</p:attrName>
+                                        </p:attrNameLst>
+                                      </p:cBhvr>
+                                      <p:tavLst>
+                                        <p:tav tm="0" fmla="#ppt_y-sin(pi*$)/27">
+                                          <p:val>
+                                            <p:fltVal val="0"/>
+                                          </p:val>
+                                        </p:tav>
+                                        <p:tav tm="100000">
+                                          <p:val>
+                                            <p:fltVal val="1"/>
+                                          </p:val>
+                                        </p:tav>
+                                      </p:tavLst>
+                                    </p:anim>
+                                    <p:anim calcmode="lin" valueType="num">
+                                      <p:cBhvr>
+                                        <p:cTn id="107" dur="164" tmFilter="0, 0; 0.125,0.2665; 0.25,0.4; 0.375,0.465; 0.5,0.5;  0.625,0.535; 0.75,0.6; 0.875,0.7335; 1,1">
+                                          <p:stCondLst>
+                                            <p:cond delay="1656"/>
+                                          </p:stCondLst>
+                                        </p:cTn>
+                                        <p:tgtEl>
+                                          <p:spTgt spid="10"/>
+                                        </p:tgtEl>
+                                        <p:attrNameLst>
+                                          <p:attrName>ppt_y</p:attrName>
+                                        </p:attrNameLst>
+                                      </p:cBhvr>
+                                      <p:tavLst>
+                                        <p:tav tm="0" fmla="#ppt_y-sin(pi*$)/81">
+                                          <p:val>
+                                            <p:fltVal val="0"/>
+                                          </p:val>
+                                        </p:tav>
+                                        <p:tav tm="100000">
+                                          <p:val>
+                                            <p:fltVal val="1"/>
+                                          </p:val>
+                                        </p:tav>
+                                      </p:tavLst>
+                                    </p:anim>
+                                    <p:animScale>
+                                      <p:cBhvr>
+                                        <p:cTn id="108" dur="26">
+                                          <p:stCondLst>
+                                            <p:cond delay="650"/>
+                                          </p:stCondLst>
+                                        </p:cTn>
+                                        <p:tgtEl>
+                                          <p:spTgt spid="10"/>
+                                        </p:tgtEl>
+                                      </p:cBhvr>
+                                      <p:to x="100000" y="60000"/>
+                                    </p:animScale>
+                                    <p:animScale>
+                                      <p:cBhvr>
+                                        <p:cTn id="109" dur="166" decel="50000">
+                                          <p:stCondLst>
+                                            <p:cond delay="676"/>
+                                          </p:stCondLst>
+                                        </p:cTn>
+                                        <p:tgtEl>
+                                          <p:spTgt spid="10"/>
+                                        </p:tgtEl>
+                                      </p:cBhvr>
+                                      <p:to x="100000" y="100000"/>
+                                    </p:animScale>
+                                    <p:animScale>
+                                      <p:cBhvr>
+                                        <p:cTn id="110" dur="26">
+                                          <p:stCondLst>
+                                            <p:cond delay="1312"/>
+                                          </p:stCondLst>
+                                        </p:cTn>
+                                        <p:tgtEl>
+                                          <p:spTgt spid="10"/>
+                                        </p:tgtEl>
+                                      </p:cBhvr>
+                                      <p:to x="100000" y="80000"/>
+                                    </p:animScale>
+                                    <p:animScale>
+                                      <p:cBhvr>
+                                        <p:cTn id="111" dur="166" decel="50000">
+                                          <p:stCondLst>
+                                            <p:cond delay="1338"/>
+                                          </p:stCondLst>
+                                        </p:cTn>
+                                        <p:tgtEl>
+                                          <p:spTgt spid="10"/>
+                                        </p:tgtEl>
+                                      </p:cBhvr>
+                                      <p:to x="100000" y="100000"/>
+                                    </p:animScale>
+                                    <p:animScale>
+                                      <p:cBhvr>
+                                        <p:cTn id="112" dur="26">
+                                          <p:stCondLst>
+                                            <p:cond delay="1642"/>
+                                          </p:stCondLst>
+                                        </p:cTn>
+                                        <p:tgtEl>
+                                          <p:spTgt spid="10"/>
+                                        </p:tgtEl>
+                                      </p:cBhvr>
+                                      <p:to x="100000" y="90000"/>
+                                    </p:animScale>
+                                    <p:animScale>
+                                      <p:cBhvr>
+                                        <p:cTn id="113" dur="166" decel="50000">
+                                          <p:stCondLst>
+                                            <p:cond delay="1668"/>
+                                          </p:stCondLst>
+                                        </p:cTn>
+                                        <p:tgtEl>
+                                          <p:spTgt spid="10"/>
+                                        </p:tgtEl>
+                                      </p:cBhvr>
+                                      <p:to x="100000" y="100000"/>
+                                    </p:animScale>
+                                    <p:animScale>
+                                      <p:cBhvr>
+                                        <p:cTn id="114" dur="26">
+                                          <p:stCondLst>
+                                            <p:cond delay="1808"/>
+                                          </p:stCondLst>
+                                        </p:cTn>
+                                        <p:tgtEl>
+                                          <p:spTgt spid="10"/>
+                                        </p:tgtEl>
+                                      </p:cBhvr>
+                                      <p:to x="100000" y="95000"/>
+                                    </p:animScale>
+                                    <p:animScale>
+                                      <p:cBhvr>
+                                        <p:cTn id="115" dur="166" decel="50000">
+                                          <p:stCondLst>
+                                            <p:cond delay="1834"/>
+                                          </p:stCondLst>
+                                        </p:cTn>
+                                        <p:tgtEl>
+                                          <p:spTgt spid="10"/>
+                                        </p:tgtEl>
+                                      </p:cBhvr>
+                                      <p:to x="100000" y="100000"/>
+                                    </p:animScale>
+                                  </p:childTnLst>
+                                </p:cTn>
+                              </p:par>
+                            </p:childTnLst>
+                          </p:cTn>
+                        </p:par>
+                      </p:childTnLst>
+                    </p:cTn>
+                  </p:par>
+                </p:childTnLst>
+              </p:cTn>
+              <p:prevCondLst>
+                <p:cond evt="onPrev" delay="0">
+                  <p:tgtEl>
+                    <p:sldTgt/>
+                  </p:tgtEl>
+                </p:cond>
+              </p:prevCondLst>
+              <p:nextCondLst>
+                <p:cond evt="onNext" delay="0">
+                  <p:tgtEl>
+                    <p:sldTgt/>
+                  </p:tgtEl>
+                </p:cond>
+              </p:nextCondLst>
+            </p:seq>
+          </p:childTnLst>
+        </p:cTn>
       </p:par>
     </p:tnLst>
-  </p:timing>
-</p:sld>
-</file>
-
-<file path=ppt/slides/slide13.xml><?xml version="1.0" encoding="utf-8"?>
-<p:sld xmlns:a="http://schemas.openxmlformats.org/drawingml/2006/main" xmlns:r="http://schemas.openxmlformats.org/officeDocument/2006/relationships" xmlns:p="http://schemas.openxmlformats.org/presentationml/2006/main">
-  <p:cSld>
-    <p:spTree>
-      <p:nvGrpSpPr>
-        <p:cNvPr id="1" name=""/>
-        <p:cNvGrpSpPr/>
-        <p:nvPr/>
-      </p:nvGrpSpPr>
-      <p:grpSpPr>
-        <a:xfrm>
-          <a:off x="0" y="0"/>
-          <a:ext cx="0" cy="0"/>
-          <a:chOff x="0" y="0"/>
-          <a:chExt cx="0" cy="0"/>
-        </a:xfrm>
-      </p:grpSpPr>
-      <p:sp>
-        <p:nvSpPr>
-          <p:cNvPr id="2" name="Content Placeholder 1"/>
-          <p:cNvSpPr>
-            <a:spLocks noGrp="1"/>
-          </p:cNvSpPr>
-          <p:nvPr>
-            <p:ph idx="1"/>
-          </p:nvPr>
-        </p:nvSpPr>
-        <p:spPr/>
-        <p:txBody>
-          <a:bodyPr/>
-          <a:lstStyle/>
-          <a:p>
-            <a:endParaRPr lang="en-US"/>
-          </a:p>
-        </p:txBody>
-      </p:sp>
-      <p:sp>
-        <p:nvSpPr>
-          <p:cNvPr id="3" name="Title 2"/>
-          <p:cNvSpPr>
-            <a:spLocks noGrp="1"/>
-          </p:cNvSpPr>
-          <p:nvPr>
-            <p:ph type="title"/>
-          </p:nvPr>
-        </p:nvSpPr>
-        <p:spPr/>
-        <p:txBody>
-          <a:bodyPr>
-            <a:normAutofit/>
-          </a:bodyPr>
-          <a:lstStyle/>
-          <a:p>
-            <a:r>
-              <a:rPr lang="en-US" dirty="0" smtClean="0"/>
-              <a:t>Exibindo </a:t>
-            </a:r>
-            <a:r>
-              <a:rPr lang="en-US" dirty="0"/>
-              <a:t>os </a:t>
-            </a:r>
-            <a:r>
-              <a:rPr lang="en-US" dirty="0" smtClean="0"/>
-              <a:t>dados - </a:t>
-            </a:r>
-            <a:r>
-              <a:rPr lang="en-US" sz="2700" dirty="0" smtClean="0"/>
-              <a:t>DOM </a:t>
-            </a:r>
-            <a:r>
-              <a:rPr lang="en-US" sz="2700" dirty="0"/>
-              <a:t>(Document Object Model)</a:t>
-            </a:r>
-          </a:p>
-        </p:txBody>
-      </p:sp>
-    </p:spTree>
-    <p:extLst>
-      <p:ext uri="{BB962C8B-B14F-4D97-AF65-F5344CB8AC3E}">
-        <p14:creationId xmlns:p14="http://schemas.microsoft.com/office/powerpoint/2010/main" val="116242836"/>
-      </p:ext>
-    </p:extLst>
-  </p:cSld>
-  <p:clrMapOvr>
-    <a:masterClrMapping/>
-  </p:clrMapOvr>
-  <p:timing>
-    <p:tnLst>
-      <p:par>
-        <p:cTn id="1" dur="indefinite" restart="never" nodeType="tmRoot"/>
-      </p:par>
-    </p:tnLst>
+    <p:bldLst>
+      <p:bldP spid="3" grpId="0" build="p"/>
+      <p:bldP spid="4" grpId="0" build="p"/>
+    </p:bldLst>
   </p:timing>
 </p:sld>
 </file>
@@ -8052,34 +13251,180 @@
           <a:bodyPr/>
           <a:lstStyle/>
           <a:p>
-            <a:r>
-              <a:rPr lang="en-US" dirty="0">
-                <a:hlinkClick r:id="rId2"/>
-              </a:rPr>
+            <a:endParaRPr lang="en-US"/>
+          </a:p>
+        </p:txBody>
+      </p:sp>
+      <p:sp>
+        <p:nvSpPr>
+          <p:cNvPr id="3" name="Title 2"/>
+          <p:cNvSpPr>
+            <a:spLocks noGrp="1"/>
+          </p:cNvSpPr>
+          <p:nvPr>
+            <p:ph type="title"/>
+          </p:nvPr>
+        </p:nvSpPr>
+        <p:spPr/>
+        <p:txBody>
+          <a:bodyPr>
+            <a:normAutofit/>
+          </a:bodyPr>
+          <a:lstStyle/>
+          <a:p>
+            <a:r>
+              <a:rPr lang="en-US" dirty="0" smtClean="0"/>
+              <a:t>Exibindo </a:t>
+            </a:r>
+            <a:r>
+              <a:rPr lang="en-US" dirty="0"/>
+              <a:t>os </a:t>
+            </a:r>
+            <a:r>
+              <a:rPr lang="en-US" dirty="0" smtClean="0"/>
+              <a:t>dados - </a:t>
+            </a:r>
+            <a:r>
+              <a:rPr lang="en-US" sz="2700" dirty="0" smtClean="0"/>
+              <a:t>DOM </a:t>
+            </a:r>
+            <a:r>
+              <a:rPr lang="en-US" sz="2700" dirty="0"/>
+              <a:t>(Document Object Model)</a:t>
+            </a:r>
+          </a:p>
+        </p:txBody>
+      </p:sp>
+    </p:spTree>
+    <p:extLst>
+      <p:ext uri="{BB962C8B-B14F-4D97-AF65-F5344CB8AC3E}">
+        <p14:creationId xmlns:p14="http://schemas.microsoft.com/office/powerpoint/2010/main" val="116242836"/>
+      </p:ext>
+    </p:extLst>
+  </p:cSld>
+  <p:clrMapOvr>
+    <a:masterClrMapping/>
+  </p:clrMapOvr>
+  <p:timing>
+    <p:tnLst>
+      <p:par>
+        <p:cTn id="1" dur="indefinite" restart="never" nodeType="tmRoot"/>
+      </p:par>
+    </p:tnLst>
+  </p:timing>
+</p:sld>
+</file>
+
+<file path=ppt/slides/slide15.xml><?xml version="1.0" encoding="utf-8"?>
+<p:sld xmlns:a="http://schemas.openxmlformats.org/drawingml/2006/main" xmlns:r="http://schemas.openxmlformats.org/officeDocument/2006/relationships" xmlns:p="http://schemas.openxmlformats.org/presentationml/2006/main">
+  <p:cSld>
+    <p:spTree>
+      <p:nvGrpSpPr>
+        <p:cNvPr id="1" name=""/>
+        <p:cNvGrpSpPr/>
+        <p:nvPr/>
+      </p:nvGrpSpPr>
+      <p:grpSpPr>
+        <a:xfrm>
+          <a:off x="0" y="0"/>
+          <a:ext cx="0" cy="0"/>
+          <a:chOff x="0" y="0"/>
+          <a:chExt cx="0" cy="0"/>
+        </a:xfrm>
+      </p:grpSpPr>
+      <p:sp>
+        <p:nvSpPr>
+          <p:cNvPr id="2" name="Title 1"/>
+          <p:cNvSpPr>
+            <a:spLocks noGrp="1"/>
+          </p:cNvSpPr>
+          <p:nvPr>
+            <p:ph type="title"/>
+          </p:nvPr>
+        </p:nvSpPr>
+        <p:spPr/>
+        <p:txBody>
+          <a:bodyPr/>
+          <a:lstStyle/>
+          <a:p>
+            <a:r>
+              <a:rPr lang="en-US" dirty="0" smtClean="0"/>
+              <a:t>Persistindo dados para o Model/Servidor</a:t>
+            </a:r>
+            <a:endParaRPr lang="en-US" dirty="0"/>
+          </a:p>
+        </p:txBody>
+      </p:sp>
+    </p:spTree>
+    <p:extLst>
+      <p:ext uri="{BB962C8B-B14F-4D97-AF65-F5344CB8AC3E}">
+        <p14:creationId xmlns:p14="http://schemas.microsoft.com/office/powerpoint/2010/main" val="2029649749"/>
+      </p:ext>
+    </p:extLst>
+  </p:cSld>
+  <p:clrMapOvr>
+    <a:masterClrMapping/>
+  </p:clrMapOvr>
+  <p:timing>
+    <p:tnLst>
+      <p:par>
+        <p:cTn id="1" dur="indefinite" restart="never" nodeType="tmRoot"/>
+      </p:par>
+    </p:tnLst>
+  </p:timing>
+</p:sld>
+</file>
+
+<file path=ppt/slides/slide16.xml><?xml version="1.0" encoding="utf-8"?>
+<p:sld xmlns:a="http://schemas.openxmlformats.org/drawingml/2006/main" xmlns:r="http://schemas.openxmlformats.org/officeDocument/2006/relationships" xmlns:p="http://schemas.openxmlformats.org/presentationml/2006/main">
+  <p:cSld>
+    <p:spTree>
+      <p:nvGrpSpPr>
+        <p:cNvPr id="1" name=""/>
+        <p:cNvGrpSpPr/>
+        <p:nvPr/>
+      </p:nvGrpSpPr>
+      <p:grpSpPr>
+        <a:xfrm>
+          <a:off x="0" y="0"/>
+          <a:ext cx="0" cy="0"/>
+          <a:chOff x="0" y="0"/>
+          <a:chExt cx="0" cy="0"/>
+        </a:xfrm>
+      </p:grpSpPr>
+      <p:sp>
+        <p:nvSpPr>
+          <p:cNvPr id="2" name="Content Placeholder 1"/>
+          <p:cNvSpPr>
+            <a:spLocks noGrp="1"/>
+          </p:cNvSpPr>
+          <p:nvPr>
+            <p:ph idx="1"/>
+          </p:nvPr>
+        </p:nvSpPr>
+        <p:spPr/>
+        <p:txBody>
+          <a:bodyPr/>
+          <a:lstStyle/>
+          <a:p>
+            <a:r>
+              <a:rPr lang="en-US" dirty="0"/>
               <a:t>http://knockoutjs.com</a:t>
             </a:r>
             <a:r>
-              <a:rPr lang="en-US" dirty="0" smtClean="0">
-                <a:hlinkClick r:id="rId2"/>
-              </a:rPr>
+              <a:rPr lang="en-US" dirty="0" smtClean="0"/>
               <a:t>/</a:t>
             </a:r>
-            <a:endParaRPr lang="en-US" dirty="0" smtClean="0"/>
-          </a:p>
-          <a:p>
-            <a:r>
-              <a:rPr lang="en-US" dirty="0">
-                <a:hlinkClick r:id="rId3"/>
-              </a:rPr>
+          </a:p>
+          <a:p>
+            <a:r>
+              <a:rPr lang="en-US" dirty="0"/>
               <a:t>https://</a:t>
             </a:r>
             <a:r>
-              <a:rPr lang="en-US" dirty="0" smtClean="0">
-                <a:hlinkClick r:id="rId3"/>
-              </a:rPr>
+              <a:rPr lang="en-US" dirty="0" smtClean="0"/>
               <a:t>github.com/SteveSanderson/knockout/downloads</a:t>
             </a:r>
-            <a:endParaRPr lang="en-US" dirty="0" smtClean="0"/>
           </a:p>
           <a:p>
             <a:r>
@@ -8090,18 +13435,13 @@
           </a:p>
           <a:p>
             <a:r>
-              <a:rPr lang="en-US" dirty="0">
-                <a:hlinkClick r:id="rId4"/>
-              </a:rPr>
+              <a:rPr lang="en-US" dirty="0"/>
               <a:t>http://</a:t>
             </a:r>
             <a:r>
-              <a:rPr lang="en-US" dirty="0" smtClean="0">
-                <a:hlinkClick r:id="rId4"/>
-              </a:rPr>
+              <a:rPr lang="en-US" dirty="0" smtClean="0"/>
               <a:t>www.w3schools.com/js/js_htmldom.asp</a:t>
             </a:r>
-            <a:endParaRPr lang="en-US" dirty="0" smtClean="0"/>
           </a:p>
           <a:p>
             <a:r>
@@ -8515,9 +13855,218 @@
   <p:timing>
     <p:tnLst>
       <p:par>
-        <p:cTn id="1" dur="indefinite" restart="never" nodeType="tmRoot"/>
+        <p:cTn id="1" dur="indefinite" restart="never" nodeType="tmRoot">
+          <p:childTnLst>
+            <p:seq concurrent="1" nextAc="seek">
+              <p:cTn id="2" dur="indefinite" nodeType="mainSeq">
+                <p:childTnLst>
+                  <p:par>
+                    <p:cTn id="3" fill="hold">
+                      <p:stCondLst>
+                        <p:cond delay="indefinite"/>
+                      </p:stCondLst>
+                      <p:childTnLst>
+                        <p:par>
+                          <p:cTn id="4" fill="hold">
+                            <p:stCondLst>
+                              <p:cond delay="0"/>
+                            </p:stCondLst>
+                            <p:childTnLst>
+                              <p:par>
+                                <p:cTn id="5" presetID="10" presetClass="entr" presetSubtype="0" fill="hold" grpId="0" nodeType="clickEffect">
+                                  <p:stCondLst>
+                                    <p:cond delay="0"/>
+                                  </p:stCondLst>
+                                  <p:childTnLst>
+                                    <p:set>
+                                      <p:cBhvr>
+                                        <p:cTn id="6" dur="1" fill="hold">
+                                          <p:stCondLst>
+                                            <p:cond delay="0"/>
+                                          </p:stCondLst>
+                                        </p:cTn>
+                                        <p:tgtEl>
+                                          <p:spTgt spid="2">
+                                            <p:txEl>
+                                              <p:pRg st="0" end="0"/>
+                                            </p:txEl>
+                                          </p:spTgt>
+                                        </p:tgtEl>
+                                        <p:attrNameLst>
+                                          <p:attrName>style.visibility</p:attrName>
+                                        </p:attrNameLst>
+                                      </p:cBhvr>
+                                      <p:to>
+                                        <p:strVal val="visible"/>
+                                      </p:to>
+                                    </p:set>
+                                    <p:animEffect transition="in" filter="fade">
+                                      <p:cBhvr>
+                                        <p:cTn id="7" dur="500"/>
+                                        <p:tgtEl>
+                                          <p:spTgt spid="2">
+                                            <p:txEl>
+                                              <p:pRg st="0" end="0"/>
+                                            </p:txEl>
+                                          </p:spTgt>
+                                        </p:tgtEl>
+                                      </p:cBhvr>
+                                    </p:animEffect>
+                                  </p:childTnLst>
+                                </p:cTn>
+                              </p:par>
+                            </p:childTnLst>
+                          </p:cTn>
+                        </p:par>
+                      </p:childTnLst>
+                    </p:cTn>
+                  </p:par>
+                  <p:par>
+                    <p:cTn id="8" fill="hold">
+                      <p:stCondLst>
+                        <p:cond delay="indefinite"/>
+                      </p:stCondLst>
+                      <p:childTnLst>
+                        <p:par>
+                          <p:cTn id="9" fill="hold">
+                            <p:stCondLst>
+                              <p:cond delay="0"/>
+                            </p:stCondLst>
+                            <p:childTnLst>
+                              <p:par>
+                                <p:cTn id="10" presetID="10" presetClass="entr" presetSubtype="0" fill="hold" grpId="0" nodeType="clickEffect">
+                                  <p:stCondLst>
+                                    <p:cond delay="0"/>
+                                  </p:stCondLst>
+                                  <p:childTnLst>
+                                    <p:set>
+                                      <p:cBhvr>
+                                        <p:cTn id="11" dur="1" fill="hold">
+                                          <p:stCondLst>
+                                            <p:cond delay="0"/>
+                                          </p:stCondLst>
+                                        </p:cTn>
+                                        <p:tgtEl>
+                                          <p:spTgt spid="2">
+                                            <p:txEl>
+                                              <p:pRg st="1" end="1"/>
+                                            </p:txEl>
+                                          </p:spTgt>
+                                        </p:tgtEl>
+                                        <p:attrNameLst>
+                                          <p:attrName>style.visibility</p:attrName>
+                                        </p:attrNameLst>
+                                      </p:cBhvr>
+                                      <p:to>
+                                        <p:strVal val="visible"/>
+                                      </p:to>
+                                    </p:set>
+                                    <p:animEffect transition="in" filter="fade">
+                                      <p:cBhvr>
+                                        <p:cTn id="12" dur="500"/>
+                                        <p:tgtEl>
+                                          <p:spTgt spid="2">
+                                            <p:txEl>
+                                              <p:pRg st="1" end="1"/>
+                                            </p:txEl>
+                                          </p:spTgt>
+                                        </p:tgtEl>
+                                      </p:cBhvr>
+                                    </p:animEffect>
+                                  </p:childTnLst>
+                                </p:cTn>
+                              </p:par>
+                            </p:childTnLst>
+                          </p:cTn>
+                        </p:par>
+                      </p:childTnLst>
+                    </p:cTn>
+                  </p:par>
+                  <p:par>
+                    <p:cTn id="13" fill="hold">
+                      <p:stCondLst>
+                        <p:cond delay="indefinite"/>
+                      </p:stCondLst>
+                      <p:childTnLst>
+                        <p:par>
+                          <p:cTn id="14" fill="hold">
+                            <p:stCondLst>
+                              <p:cond delay="0"/>
+                            </p:stCondLst>
+                            <p:childTnLst>
+                              <p:par>
+                                <p:cTn id="15" presetID="10" presetClass="entr" presetSubtype="0" fill="hold" grpId="0" nodeType="clickEffect">
+                                  <p:stCondLst>
+                                    <p:cond delay="0"/>
+                                  </p:stCondLst>
+                                  <p:childTnLst>
+                                    <p:set>
+                                      <p:cBhvr>
+                                        <p:cTn id="16" dur="1" fill="hold">
+                                          <p:stCondLst>
+                                            <p:cond delay="0"/>
+                                          </p:stCondLst>
+                                        </p:cTn>
+                                        <p:tgtEl>
+                                          <p:spTgt spid="2">
+                                            <p:txEl>
+                                              <p:pRg st="2" end="2"/>
+                                            </p:txEl>
+                                          </p:spTgt>
+                                        </p:tgtEl>
+                                        <p:attrNameLst>
+                                          <p:attrName>style.visibility</p:attrName>
+                                        </p:attrNameLst>
+                                      </p:cBhvr>
+                                      <p:to>
+                                        <p:strVal val="visible"/>
+                                      </p:to>
+                                    </p:set>
+                                    <p:animEffect transition="in" filter="fade">
+                                      <p:cBhvr>
+                                        <p:cTn id="17" dur="500"/>
+                                        <p:tgtEl>
+                                          <p:spTgt spid="2">
+                                            <p:txEl>
+                                              <p:pRg st="2" end="2"/>
+                                            </p:txEl>
+                                          </p:spTgt>
+                                        </p:tgtEl>
+                                      </p:cBhvr>
+                                    </p:animEffect>
+                                  </p:childTnLst>
+                                </p:cTn>
+                              </p:par>
+                            </p:childTnLst>
+                          </p:cTn>
+                        </p:par>
+                      </p:childTnLst>
+                    </p:cTn>
+                  </p:par>
+                </p:childTnLst>
+              </p:cTn>
+              <p:prevCondLst>
+                <p:cond evt="onPrev" delay="0">
+                  <p:tgtEl>
+                    <p:sldTgt/>
+                  </p:tgtEl>
+                </p:cond>
+              </p:prevCondLst>
+              <p:nextCondLst>
+                <p:cond evt="onNext" delay="0">
+                  <p:tgtEl>
+                    <p:sldTgt/>
+                  </p:tgtEl>
+                </p:cond>
+              </p:nextCondLst>
+            </p:seq>
+          </p:childTnLst>
+        </p:cTn>
       </p:par>
     </p:tnLst>
+    <p:bldLst>
+      <p:bldP spid="2" grpId="0" build="p"/>
+    </p:bldLst>
   </p:timing>
 </p:sld>
 </file>
@@ -10641,9 +16190,157 @@
   <p:timing>
     <p:tnLst>
       <p:par>
-        <p:cTn id="1" dur="indefinite" restart="never" nodeType="tmRoot"/>
+        <p:cTn id="1" dur="indefinite" restart="never" nodeType="tmRoot">
+          <p:childTnLst>
+            <p:seq concurrent="1" nextAc="seek">
+              <p:cTn id="2" dur="indefinite" nodeType="mainSeq">
+                <p:childTnLst>
+                  <p:par>
+                    <p:cTn id="3" fill="hold">
+                      <p:stCondLst>
+                        <p:cond delay="indefinite"/>
+                      </p:stCondLst>
+                      <p:childTnLst>
+                        <p:par>
+                          <p:cTn id="4" fill="hold">
+                            <p:stCondLst>
+                              <p:cond delay="0"/>
+                            </p:stCondLst>
+                            <p:childTnLst>
+                              <p:par>
+                                <p:cTn id="5" presetID="10" presetClass="entr" presetSubtype="0" fill="hold" grpId="0" nodeType="clickEffect">
+                                  <p:stCondLst>
+                                    <p:cond delay="0"/>
+                                  </p:stCondLst>
+                                  <p:childTnLst>
+                                    <p:set>
+                                      <p:cBhvr>
+                                        <p:cTn id="6" dur="1" fill="hold">
+                                          <p:stCondLst>
+                                            <p:cond delay="0"/>
+                                          </p:stCondLst>
+                                        </p:cTn>
+                                        <p:tgtEl>
+                                          <p:spTgt spid="2">
+                                            <p:txEl>
+                                              <p:pRg st="0" end="0"/>
+                                            </p:txEl>
+                                          </p:spTgt>
+                                        </p:tgtEl>
+                                        <p:attrNameLst>
+                                          <p:attrName>style.visibility</p:attrName>
+                                        </p:attrNameLst>
+                                      </p:cBhvr>
+                                      <p:to>
+                                        <p:strVal val="visible"/>
+                                      </p:to>
+                                    </p:set>
+                                    <p:animEffect transition="in" filter="fade">
+                                      <p:cBhvr>
+                                        <p:cTn id="7" dur="500"/>
+                                        <p:tgtEl>
+                                          <p:spTgt spid="2">
+                                            <p:txEl>
+                                              <p:pRg st="0" end="0"/>
+                                            </p:txEl>
+                                          </p:spTgt>
+                                        </p:tgtEl>
+                                      </p:cBhvr>
+                                    </p:animEffect>
+                                  </p:childTnLst>
+                                </p:cTn>
+                              </p:par>
+                            </p:childTnLst>
+                          </p:cTn>
+                        </p:par>
+                      </p:childTnLst>
+                    </p:cTn>
+                  </p:par>
+                  <p:par>
+                    <p:cTn id="8" fill="hold">
+                      <p:stCondLst>
+                        <p:cond delay="indefinite"/>
+                      </p:stCondLst>
+                      <p:childTnLst>
+                        <p:par>
+                          <p:cTn id="9" fill="hold">
+                            <p:stCondLst>
+                              <p:cond delay="0"/>
+                            </p:stCondLst>
+                            <p:childTnLst>
+                              <p:par>
+                                <p:cTn id="10" presetID="10" presetClass="entr" presetSubtype="0" fill="hold" grpId="0" nodeType="clickEffect">
+                                  <p:stCondLst>
+                                    <p:cond delay="0"/>
+                                  </p:stCondLst>
+                                  <p:childTnLst>
+                                    <p:set>
+                                      <p:cBhvr>
+                                        <p:cTn id="11" dur="1" fill="hold">
+                                          <p:stCondLst>
+                                            <p:cond delay="0"/>
+                                          </p:stCondLst>
+                                        </p:cTn>
+                                        <p:tgtEl>
+                                          <p:spTgt spid="2">
+                                            <p:txEl>
+                                              <p:pRg st="1" end="1"/>
+                                            </p:txEl>
+                                          </p:spTgt>
+                                        </p:tgtEl>
+                                        <p:attrNameLst>
+                                          <p:attrName>style.visibility</p:attrName>
+                                        </p:attrNameLst>
+                                      </p:cBhvr>
+                                      <p:to>
+                                        <p:strVal val="visible"/>
+                                      </p:to>
+                                    </p:set>
+                                    <p:animEffect transition="in" filter="fade">
+                                      <p:cBhvr>
+                                        <p:cTn id="12" dur="500"/>
+                                        <p:tgtEl>
+                                          <p:spTgt spid="2">
+                                            <p:txEl>
+                                              <p:pRg st="1" end="1"/>
+                                            </p:txEl>
+                                          </p:spTgt>
+                                        </p:tgtEl>
+                                      </p:cBhvr>
+                                    </p:animEffect>
+                                  </p:childTnLst>
+                                </p:cTn>
+                              </p:par>
+                            </p:childTnLst>
+                          </p:cTn>
+                        </p:par>
+                      </p:childTnLst>
+                    </p:cTn>
+                  </p:par>
+                </p:childTnLst>
+              </p:cTn>
+              <p:prevCondLst>
+                <p:cond evt="onPrev" delay="0">
+                  <p:tgtEl>
+                    <p:sldTgt/>
+                  </p:tgtEl>
+                </p:cond>
+              </p:prevCondLst>
+              <p:nextCondLst>
+                <p:cond evt="onNext" delay="0">
+                  <p:tgtEl>
+                    <p:sldTgt/>
+                  </p:tgtEl>
+                </p:cond>
+              </p:nextCondLst>
+            </p:seq>
+          </p:childTnLst>
+        </p:cTn>
       </p:par>
     </p:tnLst>
+    <p:bldLst>
+      <p:bldP spid="2" grpId="0" build="p"/>
+    </p:bldLst>
   </p:timing>
 </p:sld>
 </file>
@@ -13410,7 +19107,7 @@
         </p:nvGrpSpPr>
         <p:grpSpPr>
           <a:xfrm>
-            <a:off x="141548" y="5054515"/>
+            <a:off x="551384" y="5054515"/>
             <a:ext cx="936104" cy="864096"/>
             <a:chOff x="3287688" y="5445224"/>
             <a:chExt cx="936104" cy="864096"/>
@@ -13520,8 +19217,8 @@
         </p:nvSpPr>
         <p:spPr>
           <a:xfrm>
-            <a:off x="1298497" y="4869160"/>
-            <a:ext cx="5733607" cy="1200329"/>
+            <a:off x="1685349" y="5068341"/>
+            <a:ext cx="5170859" cy="1384995"/>
           </a:xfrm>
           <a:prstGeom prst="rect">
             <a:avLst/>
@@ -13535,18 +19232,32 @@
           <a:lstStyle/>
           <a:p>
             <a:r>
-              <a:rPr lang="en-US" sz="2400" b="1" dirty="0" smtClean="0">
+              <a:rPr lang="en-US" sz="2800" b="1" dirty="0" smtClean="0">
                 <a:solidFill>
-                  <a:srgbClr val="FFDDDD"/>
+                  <a:srgbClr val="EA3E3E"/>
                 </a:solidFill>
+                <a:effectLst>
+                  <a:outerShdw blurRad="38100" dist="38100" dir="2700000" algn="tl">
+                    <a:srgbClr val="000000">
+                      <a:alpha val="43137"/>
+                    </a:srgbClr>
+                  </a:outerShdw>
+                </a:effectLst>
                 <a:latin typeface="Corbel" panose="020B0503020204020204" pitchFamily="34" charset="0"/>
               </a:rPr>
-              <a:t>Sem uma estrutura que promove separação de responsabilidades, esses métodos podem ser bem desorganizados</a:t>
-            </a:r>
-            <a:endParaRPr lang="en-US" sz="2400" b="1" dirty="0">
+              <a:t>Sem a estrutura do KOjs, esses métodos podem ser bem desorganizados.</a:t>
+            </a:r>
+            <a:endParaRPr lang="en-US" sz="2800" b="1" dirty="0">
               <a:solidFill>
-                <a:srgbClr val="FFDDDD"/>
+                <a:srgbClr val="EA3E3E"/>
               </a:solidFill>
+              <a:effectLst>
+                <a:outerShdw blurRad="38100" dist="38100" dir="2700000" algn="tl">
+                  <a:srgbClr val="000000">
+                    <a:alpha val="43137"/>
+                  </a:srgbClr>
+                </a:outerShdw>
+              </a:effectLst>
               <a:latin typeface="Corbel" panose="020B0503020204020204" pitchFamily="34" charset="0"/>
             </a:endParaRPr>
           </a:p>
@@ -14210,30 +19921,21 @@
                             </p:childTnLst>
                           </p:cTn>
                         </p:par>
-                      </p:childTnLst>
-                    </p:cTn>
-                  </p:par>
-                  <p:par>
-                    <p:cTn id="50" fill="hold">
-                      <p:stCondLst>
-                        <p:cond delay="indefinite"/>
-                      </p:stCondLst>
-                      <p:childTnLst>
                         <p:par>
-                          <p:cTn id="51" fill="hold">
+                          <p:cTn id="50" fill="hold">
                             <p:stCondLst>
-                              <p:cond delay="0"/>
+                              <p:cond delay="2000"/>
                             </p:stCondLst>
                             <p:childTnLst>
                               <p:par>
-                                <p:cTn id="52" presetID="10" presetClass="entr" presetSubtype="0" fill="hold" grpId="0" nodeType="clickEffect">
+                                <p:cTn id="51" presetID="10" presetClass="entr" presetSubtype="0" fill="hold" grpId="0" nodeType="afterEffect">
                                   <p:stCondLst>
                                     <p:cond delay="0"/>
                                   </p:stCondLst>
                                   <p:childTnLst>
                                     <p:set>
                                       <p:cBhvr>
-                                        <p:cTn id="53" dur="1" fill="hold">
+                                        <p:cTn id="52" dur="1" fill="hold">
                                           <p:stCondLst>
                                             <p:cond delay="0"/>
                                           </p:stCondLst>
@@ -14251,7 +19953,7 @@
                                     </p:set>
                                     <p:animEffect transition="in" filter="fade">
                                       <p:cBhvr>
-                                        <p:cTn id="54" dur="500"/>
+                                        <p:cTn id="53" dur="500"/>
                                         <p:tgtEl>
                                           <p:spTgt spid="5"/>
                                         </p:tgtEl>

--- a/Apresentacao.Knockout.JS/Knockout.JS.2014.04.pptx
+++ b/Apresentacao.Knockout.JS/Knockout.JS.2014.04.pptx
@@ -3259,7 +3259,7 @@
             <a:fld id="{E28287AA-0D99-42CE-A71B-10FA9908BBF8}" type="datetimeFigureOut">
               <a:rPr lang="en-US" smtClean="0"/>
               <a:pPr/>
-              <a:t>06-Apr-14</a:t>
+              <a:t>4/7/2014</a:t>
             </a:fld>
             <a:endParaRPr lang="en-US"/>
           </a:p>
@@ -3421,7 +3421,7 @@
             <a:fld id="{D7C167DB-EFF0-400D-96A1-6799F871DE5B}" type="slidenum">
               <a:rPr lang="en-US" smtClean="0"/>
               <a:pPr/>
-              <a:t>‹#›</a:t>
+              <a:t>‹nº›</a:t>
             </a:fld>
             <a:endParaRPr lang="en-US"/>
           </a:p>
@@ -3913,7 +3913,7 @@
             <a:fld id="{DCFA480D-CB17-4C49-BB2A-C7514E1C7CEA}" type="datetimeFigureOut">
               <a:rPr lang="en-US" smtClean="0"/>
               <a:pPr/>
-              <a:t>06-Apr-14</a:t>
+              <a:t>4/7/2014</a:t>
             </a:fld>
             <a:endParaRPr lang="en-US"/>
           </a:p>
@@ -3938,7 +3938,7 @@
             <a:fld id="{CEAB1635-7AB6-4A02-8F63-2344453D2D84}" type="slidenum">
               <a:rPr lang="en-US" smtClean="0"/>
               <a:pPr algn="ctr"/>
-              <a:t>‹#›</a:t>
+              <a:t>‹nº›</a:t>
             </a:fld>
             <a:endParaRPr lang="en-US" dirty="0"/>
           </a:p>
@@ -4081,7 +4081,7 @@
             <a:fld id="{DCFA480D-CB17-4C49-BB2A-C7514E1C7CEA}" type="datetimeFigureOut">
               <a:rPr lang="en-US" smtClean="0"/>
               <a:pPr/>
-              <a:t>06-Apr-14</a:t>
+              <a:t>4/7/2014</a:t>
             </a:fld>
             <a:endParaRPr lang="en-US"/>
           </a:p>
@@ -4124,7 +4124,7 @@
             <a:fld id="{CEAB1635-7AB6-4A02-8F63-2344453D2D84}" type="slidenum">
               <a:rPr lang="en-US" smtClean="0"/>
               <a:pPr/>
-              <a:t>‹#›</a:t>
+              <a:t>‹nº›</a:t>
             </a:fld>
             <a:endParaRPr lang="en-US"/>
           </a:p>
@@ -4258,7 +4258,7 @@
             <a:fld id="{DCFA480D-CB17-4C49-BB2A-C7514E1C7CEA}" type="datetimeFigureOut">
               <a:rPr lang="en-US" smtClean="0"/>
               <a:pPr/>
-              <a:t>06-Apr-14</a:t>
+              <a:t>4/7/2014</a:t>
             </a:fld>
             <a:endParaRPr lang="en-US"/>
           </a:p>
@@ -4301,7 +4301,7 @@
             <a:fld id="{CEAB1635-7AB6-4A02-8F63-2344453D2D84}" type="slidenum">
               <a:rPr lang="en-US" smtClean="0"/>
               <a:pPr/>
-              <a:t>‹#›</a:t>
+              <a:t>‹nº›</a:t>
             </a:fld>
             <a:endParaRPr lang="en-US"/>
           </a:p>
@@ -4407,7 +4407,7 @@
             <a:fld id="{DCFA480D-CB17-4C49-BB2A-C7514E1C7CEA}" type="datetimeFigureOut">
               <a:rPr lang="en-US" smtClean="0"/>
               <a:pPr/>
-              <a:t>06-Apr-14</a:t>
+              <a:t>4/7/2014</a:t>
             </a:fld>
             <a:endParaRPr lang="en-US"/>
           </a:p>
@@ -4436,7 +4436,7 @@
             <a:fld id="{CEAB1635-7AB6-4A02-8F63-2344453D2D84}" type="slidenum">
               <a:rPr lang="en-US" smtClean="0"/>
               <a:pPr algn="ctr"/>
-              <a:t>‹#›</a:t>
+              <a:t>‹nº›</a:t>
             </a:fld>
             <a:endParaRPr lang="en-US" dirty="0"/>
           </a:p>
@@ -4532,7 +4532,7 @@
             <a:fld id="{DCFA480D-CB17-4C49-BB2A-C7514E1C7CEA}" type="datetimeFigureOut">
               <a:rPr lang="en-US" smtClean="0"/>
               <a:pPr/>
-              <a:t>06-Apr-14</a:t>
+              <a:t>4/7/2014</a:t>
             </a:fld>
             <a:endParaRPr lang="en-US" dirty="0"/>
           </a:p>
@@ -4575,7 +4575,7 @@
             <a:fld id="{CEAB1635-7AB6-4A02-8F63-2344453D2D84}" type="slidenum">
               <a:rPr lang="en-US" smtClean="0"/>
               <a:pPr/>
-              <a:t>‹#›</a:t>
+              <a:t>‹nº›</a:t>
             </a:fld>
             <a:endParaRPr lang="en-US" dirty="0"/>
           </a:p>
@@ -4804,7 +4804,7 @@
             <a:fld id="{DCFA480D-CB17-4C49-BB2A-C7514E1C7CEA}" type="datetimeFigureOut">
               <a:rPr lang="en-US" smtClean="0"/>
               <a:pPr/>
-              <a:t>06-Apr-14</a:t>
+              <a:t>4/7/2014</a:t>
             </a:fld>
             <a:endParaRPr lang="en-US" dirty="0"/>
           </a:p>
@@ -4847,7 +4847,7 @@
             <a:fld id="{CEAB1635-7AB6-4A02-8F63-2344453D2D84}" type="slidenum">
               <a:rPr lang="en-US" smtClean="0"/>
               <a:pPr/>
-              <a:t>‹#›</a:t>
+              <a:t>‹nº›</a:t>
             </a:fld>
             <a:endParaRPr lang="en-US" dirty="0"/>
           </a:p>
@@ -5033,7 +5033,7 @@
             <a:fld id="{CEAB1635-7AB6-4A02-8F63-2344453D2D84}" type="slidenum">
               <a:rPr lang="en-US" smtClean="0"/>
               <a:pPr/>
-              <a:t>‹#›</a:t>
+              <a:t>‹nº›</a:t>
             </a:fld>
             <a:endParaRPr lang="en-US" dirty="0"/>
           </a:p>
@@ -5076,7 +5076,7 @@
             <a:fld id="{DCFA480D-CB17-4C49-BB2A-C7514E1C7CEA}" type="datetimeFigureOut">
               <a:rPr lang="en-US" smtClean="0"/>
               <a:pPr/>
-              <a:t>06-Apr-14</a:t>
+              <a:t>4/7/2014</a:t>
             </a:fld>
             <a:endParaRPr lang="en-US" dirty="0"/>
           </a:p>
@@ -5524,7 +5524,7 @@
             <a:fld id="{DCFA480D-CB17-4C49-BB2A-C7514E1C7CEA}" type="datetimeFigureOut">
               <a:rPr lang="en-US" smtClean="0"/>
               <a:pPr/>
-              <a:t>06-Apr-14</a:t>
+              <a:t>4/7/2014</a:t>
             </a:fld>
             <a:endParaRPr lang="en-US" dirty="0"/>
           </a:p>
@@ -5567,7 +5567,7 @@
             <a:fld id="{CEAB1635-7AB6-4A02-8F63-2344453D2D84}" type="slidenum">
               <a:rPr lang="en-US" smtClean="0"/>
               <a:pPr/>
-              <a:t>‹#›</a:t>
+              <a:t>‹nº›</a:t>
             </a:fld>
             <a:endParaRPr lang="en-US" dirty="0"/>
           </a:p>
@@ -5639,7 +5639,7 @@
             <a:fld id="{DCFA480D-CB17-4C49-BB2A-C7514E1C7CEA}" type="datetimeFigureOut">
               <a:rPr lang="en-US" smtClean="0"/>
               <a:pPr/>
-              <a:t>06-Apr-14</a:t>
+              <a:t>4/7/2014</a:t>
             </a:fld>
             <a:endParaRPr lang="en-US" dirty="0"/>
           </a:p>
@@ -5682,7 +5682,7 @@
             <a:fld id="{CEAB1635-7AB6-4A02-8F63-2344453D2D84}" type="slidenum">
               <a:rPr lang="en-US" smtClean="0"/>
               <a:pPr/>
-              <a:t>‹#›</a:t>
+              <a:t>‹nº›</a:t>
             </a:fld>
             <a:endParaRPr lang="en-US" dirty="0"/>
           </a:p>
@@ -5891,7 +5891,7 @@
             <a:fld id="{DCFA480D-CB17-4C49-BB2A-C7514E1C7CEA}" type="datetimeFigureOut">
               <a:rPr lang="en-US" smtClean="0"/>
               <a:pPr/>
-              <a:t>06-Apr-14</a:t>
+              <a:t>4/7/2014</a:t>
             </a:fld>
             <a:endParaRPr lang="en-US"/>
           </a:p>
@@ -5916,7 +5916,7 @@
             <a:fld id="{CEAB1635-7AB6-4A02-8F63-2344453D2D84}" type="slidenum">
               <a:rPr lang="en-US" smtClean="0"/>
               <a:pPr algn="ctr"/>
-              <a:t>‹#›</a:t>
+              <a:t>‹nº›</a:t>
             </a:fld>
             <a:endParaRPr lang="en-US" dirty="0"/>
           </a:p>
@@ -6134,7 +6134,7 @@
             <a:fld id="{DCFA480D-CB17-4C49-BB2A-C7514E1C7CEA}" type="datetimeFigureOut">
               <a:rPr lang="en-US" smtClean="0"/>
               <a:pPr/>
-              <a:t>06-Apr-14</a:t>
+              <a:t>4/7/2014</a:t>
             </a:fld>
             <a:endParaRPr lang="en-US"/>
           </a:p>
@@ -6159,7 +6159,7 @@
             <a:fld id="{CEAB1635-7AB6-4A02-8F63-2344453D2D84}" type="slidenum">
               <a:rPr lang="en-US" smtClean="0"/>
               <a:pPr algn="ctr"/>
-              <a:t>‹#›</a:t>
+              <a:t>‹nº›</a:t>
             </a:fld>
             <a:endParaRPr lang="en-US" dirty="0"/>
           </a:p>
@@ -6310,7 +6310,7 @@
             <a:fld id="{DCFA480D-CB17-4C49-BB2A-C7514E1C7CEA}" type="datetimeFigureOut">
               <a:rPr lang="en-US" smtClean="0"/>
               <a:pPr/>
-              <a:t>06-Apr-14</a:t>
+              <a:t>4/7/2014</a:t>
             </a:fld>
             <a:endParaRPr lang="en-US" sz="1200" dirty="0">
               <a:solidFill>
@@ -6398,7 +6398,7 @@
             <a:fld id="{CEAB1635-7AB6-4A02-8F63-2344453D2D84}" type="slidenum">
               <a:rPr lang="en-US" smtClean="0"/>
               <a:pPr algn="ctr"/>
-              <a:t>‹#›</a:t>
+              <a:t>‹nº›</a:t>
             </a:fld>
             <a:endParaRPr lang="en-US" sz="1600" baseline="0" dirty="0">
               <a:solidFill>
@@ -13448,7 +13448,6 @@
               <a:rPr lang="en-US" dirty="0"/>
               <a:t>https://github.com/rodrigolessa/Sample.Kadastro.asp</a:t>
             </a:r>
-            <a:endParaRPr lang="en-US" dirty="0"/>
           </a:p>
         </p:txBody>
       </p:sp>
@@ -18751,7 +18750,6 @@
               <a:rPr lang="en-US" dirty="0" smtClean="0"/>
               <a:t>usuário</a:t>
             </a:r>
-            <a:endParaRPr lang="en-US" dirty="0" smtClean="0"/>
           </a:p>
           <a:p>
             <a:r>

--- a/Apresentacao.Knockout.JS/Knockout.JS.2014.04.pptx
+++ b/Apresentacao.Knockout.JS/Knockout.JS.2014.04.pptx
@@ -3259,7 +3259,7 @@
             <a:fld id="{E28287AA-0D99-42CE-A71B-10FA9908BBF8}" type="datetimeFigureOut">
               <a:rPr lang="en-US" smtClean="0"/>
               <a:pPr/>
-              <a:t>4/7/2014</a:t>
+              <a:t>4/23/2014</a:t>
             </a:fld>
             <a:endParaRPr lang="en-US"/>
           </a:p>
@@ -3913,7 +3913,7 @@
             <a:fld id="{DCFA480D-CB17-4C49-BB2A-C7514E1C7CEA}" type="datetimeFigureOut">
               <a:rPr lang="en-US" smtClean="0"/>
               <a:pPr/>
-              <a:t>4/7/2014</a:t>
+              <a:t>4/23/2014</a:t>
             </a:fld>
             <a:endParaRPr lang="en-US"/>
           </a:p>
@@ -4081,7 +4081,7 @@
             <a:fld id="{DCFA480D-CB17-4C49-BB2A-C7514E1C7CEA}" type="datetimeFigureOut">
               <a:rPr lang="en-US" smtClean="0"/>
               <a:pPr/>
-              <a:t>4/7/2014</a:t>
+              <a:t>4/23/2014</a:t>
             </a:fld>
             <a:endParaRPr lang="en-US"/>
           </a:p>
@@ -4258,7 +4258,7 @@
             <a:fld id="{DCFA480D-CB17-4C49-BB2A-C7514E1C7CEA}" type="datetimeFigureOut">
               <a:rPr lang="en-US" smtClean="0"/>
               <a:pPr/>
-              <a:t>4/7/2014</a:t>
+              <a:t>4/23/2014</a:t>
             </a:fld>
             <a:endParaRPr lang="en-US"/>
           </a:p>
@@ -4407,7 +4407,7 @@
             <a:fld id="{DCFA480D-CB17-4C49-BB2A-C7514E1C7CEA}" type="datetimeFigureOut">
               <a:rPr lang="en-US" smtClean="0"/>
               <a:pPr/>
-              <a:t>4/7/2014</a:t>
+              <a:t>4/23/2014</a:t>
             </a:fld>
             <a:endParaRPr lang="en-US"/>
           </a:p>
@@ -4532,7 +4532,7 @@
             <a:fld id="{DCFA480D-CB17-4C49-BB2A-C7514E1C7CEA}" type="datetimeFigureOut">
               <a:rPr lang="en-US" smtClean="0"/>
               <a:pPr/>
-              <a:t>4/7/2014</a:t>
+              <a:t>4/23/2014</a:t>
             </a:fld>
             <a:endParaRPr lang="en-US" dirty="0"/>
           </a:p>
@@ -4804,7 +4804,7 @@
             <a:fld id="{DCFA480D-CB17-4C49-BB2A-C7514E1C7CEA}" type="datetimeFigureOut">
               <a:rPr lang="en-US" smtClean="0"/>
               <a:pPr/>
-              <a:t>4/7/2014</a:t>
+              <a:t>4/23/2014</a:t>
             </a:fld>
             <a:endParaRPr lang="en-US" dirty="0"/>
           </a:p>
@@ -5076,7 +5076,7 @@
             <a:fld id="{DCFA480D-CB17-4C49-BB2A-C7514E1C7CEA}" type="datetimeFigureOut">
               <a:rPr lang="en-US" smtClean="0"/>
               <a:pPr/>
-              <a:t>4/7/2014</a:t>
+              <a:t>4/23/2014</a:t>
             </a:fld>
             <a:endParaRPr lang="en-US" dirty="0"/>
           </a:p>
@@ -5524,7 +5524,7 @@
             <a:fld id="{DCFA480D-CB17-4C49-BB2A-C7514E1C7CEA}" type="datetimeFigureOut">
               <a:rPr lang="en-US" smtClean="0"/>
               <a:pPr/>
-              <a:t>4/7/2014</a:t>
+              <a:t>4/23/2014</a:t>
             </a:fld>
             <a:endParaRPr lang="en-US" dirty="0"/>
           </a:p>
@@ -5639,7 +5639,7 @@
             <a:fld id="{DCFA480D-CB17-4C49-BB2A-C7514E1C7CEA}" type="datetimeFigureOut">
               <a:rPr lang="en-US" smtClean="0"/>
               <a:pPr/>
-              <a:t>4/7/2014</a:t>
+              <a:t>4/23/2014</a:t>
             </a:fld>
             <a:endParaRPr lang="en-US" dirty="0"/>
           </a:p>
@@ -5891,7 +5891,7 @@
             <a:fld id="{DCFA480D-CB17-4C49-BB2A-C7514E1C7CEA}" type="datetimeFigureOut">
               <a:rPr lang="en-US" smtClean="0"/>
               <a:pPr/>
-              <a:t>4/7/2014</a:t>
+              <a:t>4/23/2014</a:t>
             </a:fld>
             <a:endParaRPr lang="en-US"/>
           </a:p>
@@ -6134,7 +6134,7 @@
             <a:fld id="{DCFA480D-CB17-4C49-BB2A-C7514E1C7CEA}" type="datetimeFigureOut">
               <a:rPr lang="en-US" smtClean="0"/>
               <a:pPr/>
-              <a:t>4/7/2014</a:t>
+              <a:t>4/23/2014</a:t>
             </a:fld>
             <a:endParaRPr lang="en-US"/>
           </a:p>
@@ -6310,7 +6310,7 @@
             <a:fld id="{DCFA480D-CB17-4C49-BB2A-C7514E1C7CEA}" type="datetimeFigureOut">
               <a:rPr lang="en-US" smtClean="0"/>
               <a:pPr/>
-              <a:t>4/7/2014</a:t>
+              <a:t>4/23/2014</a:t>
             </a:fld>
             <a:endParaRPr lang="en-US" sz="1200" dirty="0">
               <a:solidFill>
@@ -11793,30 +11793,21 @@
                             </p:childTnLst>
                           </p:cTn>
                         </p:par>
-                      </p:childTnLst>
-                    </p:cTn>
-                  </p:par>
-                  <p:par>
-                    <p:cTn id="8" fill="hold">
-                      <p:stCondLst>
-                        <p:cond delay="indefinite"/>
-                      </p:stCondLst>
-                      <p:childTnLst>
                         <p:par>
-                          <p:cTn id="9" fill="hold">
+                          <p:cTn id="8" fill="hold">
                             <p:stCondLst>
-                              <p:cond delay="0"/>
+                              <p:cond delay="500"/>
                             </p:stCondLst>
                             <p:childTnLst>
                               <p:par>
-                                <p:cTn id="10" presetID="10" presetClass="entr" presetSubtype="0" fill="hold" grpId="0" nodeType="clickEffect">
+                                <p:cTn id="9" presetID="10" presetClass="entr" presetSubtype="0" fill="hold" grpId="0" nodeType="afterEffect">
                                   <p:stCondLst>
                                     <p:cond delay="0"/>
                                   </p:stCondLst>
                                   <p:childTnLst>
                                     <p:set>
                                       <p:cBhvr>
-                                        <p:cTn id="11" dur="1" fill="hold">
+                                        <p:cTn id="10" dur="1" fill="hold">
                                           <p:stCondLst>
                                             <p:cond delay="0"/>
                                           </p:stCondLst>
@@ -11838,7 +11829,7 @@
                                     </p:set>
                                     <p:animEffect transition="in" filter="fade">
                                       <p:cBhvr>
-                                        <p:cTn id="12" dur="500"/>
+                                        <p:cTn id="11" dur="500"/>
                                         <p:tgtEl>
                                           <p:spTgt spid="3">
                                             <p:txEl>
@@ -11854,30 +11845,21 @@
                             </p:childTnLst>
                           </p:cTn>
                         </p:par>
-                      </p:childTnLst>
-                    </p:cTn>
-                  </p:par>
-                  <p:par>
-                    <p:cTn id="13" fill="hold">
-                      <p:stCondLst>
-                        <p:cond delay="indefinite"/>
-                      </p:stCondLst>
-                      <p:childTnLst>
                         <p:par>
-                          <p:cTn id="14" fill="hold">
+                          <p:cTn id="12" fill="hold">
                             <p:stCondLst>
-                              <p:cond delay="0"/>
+                              <p:cond delay="1000"/>
                             </p:stCondLst>
                             <p:childTnLst>
                               <p:par>
-                                <p:cTn id="15" presetID="10" presetClass="entr" presetSubtype="0" fill="hold" grpId="0" nodeType="clickEffect">
+                                <p:cTn id="13" presetID="10" presetClass="entr" presetSubtype="0" fill="hold" grpId="0" nodeType="afterEffect">
                                   <p:stCondLst>
                                     <p:cond delay="0"/>
                                   </p:stCondLst>
                                   <p:childTnLst>
                                     <p:set>
                                       <p:cBhvr>
-                                        <p:cTn id="16" dur="1" fill="hold">
+                                        <p:cTn id="14" dur="1" fill="hold">
                                           <p:stCondLst>
                                             <p:cond delay="0"/>
                                           </p:stCondLst>
@@ -11899,7 +11881,7 @@
                                     </p:set>
                                     <p:animEffect transition="in" filter="fade">
                                       <p:cBhvr>
-                                        <p:cTn id="17" dur="500"/>
+                                        <p:cTn id="15" dur="500"/>
                                         <p:tgtEl>
                                           <p:spTgt spid="3">
                                             <p:txEl>
@@ -11915,30 +11897,21 @@
                             </p:childTnLst>
                           </p:cTn>
                         </p:par>
-                      </p:childTnLst>
-                    </p:cTn>
-                  </p:par>
-                  <p:par>
-                    <p:cTn id="18" fill="hold">
-                      <p:stCondLst>
-                        <p:cond delay="indefinite"/>
-                      </p:stCondLst>
-                      <p:childTnLst>
                         <p:par>
-                          <p:cTn id="19" fill="hold">
+                          <p:cTn id="16" fill="hold">
                             <p:stCondLst>
-                              <p:cond delay="0"/>
+                              <p:cond delay="1500"/>
                             </p:stCondLst>
                             <p:childTnLst>
                               <p:par>
-                                <p:cTn id="20" presetID="10" presetClass="entr" presetSubtype="0" fill="hold" grpId="0" nodeType="clickEffect">
+                                <p:cTn id="17" presetID="10" presetClass="entr" presetSubtype="0" fill="hold" grpId="0" nodeType="afterEffect">
                                   <p:stCondLst>
                                     <p:cond delay="0"/>
                                   </p:stCondLst>
                                   <p:childTnLst>
                                     <p:set>
                                       <p:cBhvr>
-                                        <p:cTn id="21" dur="1" fill="hold">
+                                        <p:cTn id="18" dur="1" fill="hold">
                                           <p:stCondLst>
                                             <p:cond delay="0"/>
                                           </p:stCondLst>
@@ -11960,7 +11933,7 @@
                                     </p:set>
                                     <p:animEffect transition="in" filter="fade">
                                       <p:cBhvr>
-                                        <p:cTn id="22" dur="500"/>
+                                        <p:cTn id="19" dur="500"/>
                                         <p:tgtEl>
                                           <p:spTgt spid="3">
                                             <p:txEl>
@@ -11976,30 +11949,21 @@
                             </p:childTnLst>
                           </p:cTn>
                         </p:par>
-                      </p:childTnLst>
-                    </p:cTn>
-                  </p:par>
-                  <p:par>
-                    <p:cTn id="23" fill="hold">
-                      <p:stCondLst>
-                        <p:cond delay="indefinite"/>
-                      </p:stCondLst>
-                      <p:childTnLst>
                         <p:par>
-                          <p:cTn id="24" fill="hold">
+                          <p:cTn id="20" fill="hold">
                             <p:stCondLst>
-                              <p:cond delay="0"/>
+                              <p:cond delay="2000"/>
                             </p:stCondLst>
                             <p:childTnLst>
                               <p:par>
-                                <p:cTn id="25" presetID="10" presetClass="entr" presetSubtype="0" fill="hold" grpId="0" nodeType="clickEffect">
+                                <p:cTn id="21" presetID="10" presetClass="entr" presetSubtype="0" fill="hold" grpId="0" nodeType="afterEffect">
                                   <p:stCondLst>
                                     <p:cond delay="0"/>
                                   </p:stCondLst>
                                   <p:childTnLst>
                                     <p:set>
                                       <p:cBhvr>
-                                        <p:cTn id="26" dur="1" fill="hold">
+                                        <p:cTn id="22" dur="1" fill="hold">
                                           <p:stCondLst>
                                             <p:cond delay="0"/>
                                           </p:stCondLst>
@@ -12021,7 +11985,7 @@
                                     </p:set>
                                     <p:animEffect transition="in" filter="fade">
                                       <p:cBhvr>
-                                        <p:cTn id="27" dur="500"/>
+                                        <p:cTn id="23" dur="500"/>
                                         <p:tgtEl>
                                           <p:spTgt spid="3">
                                             <p:txEl>
@@ -12037,30 +12001,21 @@
                             </p:childTnLst>
                           </p:cTn>
                         </p:par>
-                      </p:childTnLst>
-                    </p:cTn>
-                  </p:par>
-                  <p:par>
-                    <p:cTn id="28" fill="hold">
-                      <p:stCondLst>
-                        <p:cond delay="indefinite"/>
-                      </p:stCondLst>
-                      <p:childTnLst>
                         <p:par>
-                          <p:cTn id="29" fill="hold">
+                          <p:cTn id="24" fill="hold">
                             <p:stCondLst>
-                              <p:cond delay="0"/>
+                              <p:cond delay="2500"/>
                             </p:stCondLst>
                             <p:childTnLst>
                               <p:par>
-                                <p:cTn id="30" presetID="10" presetClass="entr" presetSubtype="0" fill="hold" grpId="0" nodeType="clickEffect">
+                                <p:cTn id="25" presetID="10" presetClass="entr" presetSubtype="0" fill="hold" grpId="0" nodeType="afterEffect">
                                   <p:stCondLst>
                                     <p:cond delay="0"/>
                                   </p:stCondLst>
                                   <p:childTnLst>
                                     <p:set>
                                       <p:cBhvr>
-                                        <p:cTn id="31" dur="1" fill="hold">
+                                        <p:cTn id="26" dur="1" fill="hold">
                                           <p:stCondLst>
                                             <p:cond delay="0"/>
                                           </p:stCondLst>
@@ -12082,7 +12037,7 @@
                                     </p:set>
                                     <p:animEffect transition="in" filter="fade">
                                       <p:cBhvr>
-                                        <p:cTn id="32" dur="500"/>
+                                        <p:cTn id="27" dur="500"/>
                                         <p:tgtEl>
                                           <p:spTgt spid="3">
                                             <p:txEl>
@@ -12098,30 +12053,21 @@
                             </p:childTnLst>
                           </p:cTn>
                         </p:par>
-                      </p:childTnLst>
-                    </p:cTn>
-                  </p:par>
-                  <p:par>
-                    <p:cTn id="33" fill="hold">
-                      <p:stCondLst>
-                        <p:cond delay="indefinite"/>
-                      </p:stCondLst>
-                      <p:childTnLst>
                         <p:par>
-                          <p:cTn id="34" fill="hold">
+                          <p:cTn id="28" fill="hold">
                             <p:stCondLst>
-                              <p:cond delay="0"/>
+                              <p:cond delay="3000"/>
                             </p:stCondLst>
                             <p:childTnLst>
                               <p:par>
-                                <p:cTn id="35" presetID="10" presetClass="entr" presetSubtype="0" fill="hold" grpId="0" nodeType="clickEffect">
+                                <p:cTn id="29" presetID="10" presetClass="entr" presetSubtype="0" fill="hold" grpId="0" nodeType="afterEffect">
                                   <p:stCondLst>
                                     <p:cond delay="0"/>
                                   </p:stCondLst>
                                   <p:childTnLst>
                                     <p:set>
                                       <p:cBhvr>
-                                        <p:cTn id="36" dur="1" fill="hold">
+                                        <p:cTn id="30" dur="1" fill="hold">
                                           <p:stCondLst>
                                             <p:cond delay="0"/>
                                           </p:stCondLst>
@@ -12143,7 +12089,7 @@
                                     </p:set>
                                     <p:animEffect transition="in" filter="fade">
                                       <p:cBhvr>
-                                        <p:cTn id="37" dur="500"/>
+                                        <p:cTn id="31" dur="500"/>
                                         <p:tgtEl>
                                           <p:spTgt spid="3">
                                             <p:txEl>
@@ -12159,30 +12105,21 @@
                             </p:childTnLst>
                           </p:cTn>
                         </p:par>
-                      </p:childTnLst>
-                    </p:cTn>
-                  </p:par>
-                  <p:par>
-                    <p:cTn id="38" fill="hold">
-                      <p:stCondLst>
-                        <p:cond delay="indefinite"/>
-                      </p:stCondLst>
-                      <p:childTnLst>
                         <p:par>
-                          <p:cTn id="39" fill="hold">
+                          <p:cTn id="32" fill="hold">
                             <p:stCondLst>
-                              <p:cond delay="0"/>
+                              <p:cond delay="3500"/>
                             </p:stCondLst>
                             <p:childTnLst>
                               <p:par>
-                                <p:cTn id="40" presetID="10" presetClass="entr" presetSubtype="0" fill="hold" grpId="0" nodeType="clickEffect">
+                                <p:cTn id="33" presetID="10" presetClass="entr" presetSubtype="0" fill="hold" grpId="0" nodeType="afterEffect">
                                   <p:stCondLst>
                                     <p:cond delay="0"/>
                                   </p:stCondLst>
                                   <p:childTnLst>
                                     <p:set>
                                       <p:cBhvr>
-                                        <p:cTn id="41" dur="1" fill="hold">
+                                        <p:cTn id="34" dur="1" fill="hold">
                                           <p:stCondLst>
                                             <p:cond delay="0"/>
                                           </p:stCondLst>
@@ -12204,7 +12141,7 @@
                                     </p:set>
                                     <p:animEffect transition="in" filter="fade">
                                       <p:cBhvr>
-                                        <p:cTn id="42" dur="500"/>
+                                        <p:cTn id="35" dur="500"/>
                                         <p:tgtEl>
                                           <p:spTgt spid="3">
                                             <p:txEl>
@@ -12220,30 +12157,21 @@
                             </p:childTnLst>
                           </p:cTn>
                         </p:par>
-                      </p:childTnLst>
-                    </p:cTn>
-                  </p:par>
-                  <p:par>
-                    <p:cTn id="43" fill="hold">
-                      <p:stCondLst>
-                        <p:cond delay="indefinite"/>
-                      </p:stCondLst>
-                      <p:childTnLst>
                         <p:par>
-                          <p:cTn id="44" fill="hold">
+                          <p:cTn id="36" fill="hold">
                             <p:stCondLst>
-                              <p:cond delay="0"/>
+                              <p:cond delay="4000"/>
                             </p:stCondLst>
                             <p:childTnLst>
                               <p:par>
-                                <p:cTn id="45" presetID="10" presetClass="entr" presetSubtype="0" fill="hold" grpId="0" nodeType="clickEffect">
+                                <p:cTn id="37" presetID="10" presetClass="entr" presetSubtype="0" fill="hold" grpId="0" nodeType="afterEffect">
                                   <p:stCondLst>
                                     <p:cond delay="0"/>
                                   </p:stCondLst>
                                   <p:childTnLst>
                                     <p:set>
                                       <p:cBhvr>
-                                        <p:cTn id="46" dur="1" fill="hold">
+                                        <p:cTn id="38" dur="1" fill="hold">
                                           <p:stCondLst>
                                             <p:cond delay="0"/>
                                           </p:stCondLst>
@@ -12265,7 +12193,7 @@
                                     </p:set>
                                     <p:animEffect transition="in" filter="fade">
                                       <p:cBhvr>
-                                        <p:cTn id="47" dur="500"/>
+                                        <p:cTn id="39" dur="500"/>
                                         <p:tgtEl>
                                           <p:spTgt spid="3">
                                             <p:txEl>
@@ -12281,30 +12209,21 @@
                             </p:childTnLst>
                           </p:cTn>
                         </p:par>
-                      </p:childTnLst>
-                    </p:cTn>
-                  </p:par>
-                  <p:par>
-                    <p:cTn id="48" fill="hold">
-                      <p:stCondLst>
-                        <p:cond delay="indefinite"/>
-                      </p:stCondLst>
-                      <p:childTnLst>
                         <p:par>
-                          <p:cTn id="49" fill="hold">
+                          <p:cTn id="40" fill="hold">
                             <p:stCondLst>
-                              <p:cond delay="0"/>
+                              <p:cond delay="4500"/>
                             </p:stCondLst>
                             <p:childTnLst>
                               <p:par>
-                                <p:cTn id="50" presetID="10" presetClass="entr" presetSubtype="0" fill="hold" grpId="0" nodeType="clickEffect">
+                                <p:cTn id="41" presetID="10" presetClass="entr" presetSubtype="0" fill="hold" grpId="0" nodeType="afterEffect">
                                   <p:stCondLst>
                                     <p:cond delay="0"/>
                                   </p:stCondLst>
                                   <p:childTnLst>
                                     <p:set>
                                       <p:cBhvr>
-                                        <p:cTn id="51" dur="1" fill="hold">
+                                        <p:cTn id="42" dur="1" fill="hold">
                                           <p:stCondLst>
                                             <p:cond delay="0"/>
                                           </p:stCondLst>
@@ -12326,7 +12245,7 @@
                                     </p:set>
                                     <p:animEffect transition="in" filter="fade">
                                       <p:cBhvr>
-                                        <p:cTn id="52" dur="500"/>
+                                        <p:cTn id="43" dur="500"/>
                                         <p:tgtEl>
                                           <p:spTgt spid="3">
                                             <p:txEl>
@@ -12346,26 +12265,26 @@
                     </p:cTn>
                   </p:par>
                   <p:par>
-                    <p:cTn id="53" fill="hold">
+                    <p:cTn id="44" fill="hold">
                       <p:stCondLst>
                         <p:cond delay="indefinite"/>
                       </p:stCondLst>
                       <p:childTnLst>
                         <p:par>
-                          <p:cTn id="54" fill="hold">
+                          <p:cTn id="45" fill="hold">
                             <p:stCondLst>
                               <p:cond delay="0"/>
                             </p:stCondLst>
                             <p:childTnLst>
                               <p:par>
-                                <p:cTn id="55" presetID="10" presetClass="entr" presetSubtype="0" fill="hold" grpId="0" nodeType="clickEffect">
+                                <p:cTn id="46" presetID="10" presetClass="entr" presetSubtype="0" fill="hold" grpId="0" nodeType="clickEffect">
                                   <p:stCondLst>
                                     <p:cond delay="0"/>
                                   </p:stCondLst>
                                   <p:childTnLst>
                                     <p:set>
                                       <p:cBhvr>
-                                        <p:cTn id="56" dur="1" fill="hold">
+                                        <p:cTn id="47" dur="1" fill="hold">
                                           <p:stCondLst>
                                             <p:cond delay="0"/>
                                           </p:stCondLst>
@@ -12387,7 +12306,7 @@
                                     </p:set>
                                     <p:animEffect transition="in" filter="fade">
                                       <p:cBhvr>
-                                        <p:cTn id="57" dur="500"/>
+                                        <p:cTn id="48" dur="500"/>
                                         <p:tgtEl>
                                           <p:spTgt spid="4">
                                             <p:txEl>
@@ -12403,30 +12322,21 @@
                             </p:childTnLst>
                           </p:cTn>
                         </p:par>
-                      </p:childTnLst>
-                    </p:cTn>
-                  </p:par>
-                  <p:par>
-                    <p:cTn id="58" fill="hold">
-                      <p:stCondLst>
-                        <p:cond delay="indefinite"/>
-                      </p:stCondLst>
-                      <p:childTnLst>
                         <p:par>
-                          <p:cTn id="59" fill="hold">
+                          <p:cTn id="49" fill="hold">
                             <p:stCondLst>
-                              <p:cond delay="0"/>
+                              <p:cond delay="500"/>
                             </p:stCondLst>
                             <p:childTnLst>
                               <p:par>
-                                <p:cTn id="60" presetID="10" presetClass="entr" presetSubtype="0" fill="hold" grpId="0" nodeType="clickEffect">
+                                <p:cTn id="50" presetID="10" presetClass="entr" presetSubtype="0" fill="hold" grpId="0" nodeType="afterEffect">
                                   <p:stCondLst>
                                     <p:cond delay="0"/>
                                   </p:stCondLst>
                                   <p:childTnLst>
                                     <p:set>
                                       <p:cBhvr>
-                                        <p:cTn id="61" dur="1" fill="hold">
+                                        <p:cTn id="51" dur="1" fill="hold">
                                           <p:stCondLst>
                                             <p:cond delay="0"/>
                                           </p:stCondLst>
@@ -12448,7 +12358,7 @@
                                     </p:set>
                                     <p:animEffect transition="in" filter="fade">
                                       <p:cBhvr>
-                                        <p:cTn id="62" dur="500"/>
+                                        <p:cTn id="52" dur="500"/>
                                         <p:tgtEl>
                                           <p:spTgt spid="4">
                                             <p:txEl>
@@ -12464,30 +12374,21 @@
                             </p:childTnLst>
                           </p:cTn>
                         </p:par>
-                      </p:childTnLst>
-                    </p:cTn>
-                  </p:par>
-                  <p:par>
-                    <p:cTn id="63" fill="hold">
-                      <p:stCondLst>
-                        <p:cond delay="indefinite"/>
-                      </p:stCondLst>
-                      <p:childTnLst>
                         <p:par>
-                          <p:cTn id="64" fill="hold">
+                          <p:cTn id="53" fill="hold">
                             <p:stCondLst>
-                              <p:cond delay="0"/>
+                              <p:cond delay="1000"/>
                             </p:stCondLst>
                             <p:childTnLst>
                               <p:par>
-                                <p:cTn id="65" presetID="10" presetClass="entr" presetSubtype="0" fill="hold" grpId="0" nodeType="clickEffect">
+                                <p:cTn id="54" presetID="10" presetClass="entr" presetSubtype="0" fill="hold" grpId="0" nodeType="afterEffect">
                                   <p:stCondLst>
                                     <p:cond delay="0"/>
                                   </p:stCondLst>
                                   <p:childTnLst>
                                     <p:set>
                                       <p:cBhvr>
-                                        <p:cTn id="66" dur="1" fill="hold">
+                                        <p:cTn id="55" dur="1" fill="hold">
                                           <p:stCondLst>
                                             <p:cond delay="0"/>
                                           </p:stCondLst>
@@ -12509,7 +12410,7 @@
                                     </p:set>
                                     <p:animEffect transition="in" filter="fade">
                                       <p:cBhvr>
-                                        <p:cTn id="67" dur="500"/>
+                                        <p:cTn id="56" dur="500"/>
                                         <p:tgtEl>
                                           <p:spTgt spid="4">
                                             <p:txEl>
@@ -12525,30 +12426,21 @@
                             </p:childTnLst>
                           </p:cTn>
                         </p:par>
-                      </p:childTnLst>
-                    </p:cTn>
-                  </p:par>
-                  <p:par>
-                    <p:cTn id="68" fill="hold">
-                      <p:stCondLst>
-                        <p:cond delay="indefinite"/>
-                      </p:stCondLst>
-                      <p:childTnLst>
                         <p:par>
-                          <p:cTn id="69" fill="hold">
+                          <p:cTn id="57" fill="hold">
                             <p:stCondLst>
-                              <p:cond delay="0"/>
+                              <p:cond delay="1500"/>
                             </p:stCondLst>
                             <p:childTnLst>
                               <p:par>
-                                <p:cTn id="70" presetID="10" presetClass="entr" presetSubtype="0" fill="hold" grpId="0" nodeType="clickEffect">
+                                <p:cTn id="58" presetID="10" presetClass="entr" presetSubtype="0" fill="hold" grpId="0" nodeType="afterEffect">
                                   <p:stCondLst>
                                     <p:cond delay="0"/>
                                   </p:stCondLst>
                                   <p:childTnLst>
                                     <p:set>
                                       <p:cBhvr>
-                                        <p:cTn id="71" dur="1" fill="hold">
+                                        <p:cTn id="59" dur="1" fill="hold">
                                           <p:stCondLst>
                                             <p:cond delay="0"/>
                                           </p:stCondLst>
@@ -12570,7 +12462,7 @@
                                     </p:set>
                                     <p:animEffect transition="in" filter="fade">
                                       <p:cBhvr>
-                                        <p:cTn id="72" dur="500"/>
+                                        <p:cTn id="60" dur="500"/>
                                         <p:tgtEl>
                                           <p:spTgt spid="4">
                                             <p:txEl>
@@ -12586,30 +12478,21 @@
                             </p:childTnLst>
                           </p:cTn>
                         </p:par>
-                      </p:childTnLst>
-                    </p:cTn>
-                  </p:par>
-                  <p:par>
-                    <p:cTn id="73" fill="hold">
-                      <p:stCondLst>
-                        <p:cond delay="indefinite"/>
-                      </p:stCondLst>
-                      <p:childTnLst>
                         <p:par>
-                          <p:cTn id="74" fill="hold">
+                          <p:cTn id="61" fill="hold">
                             <p:stCondLst>
-                              <p:cond delay="0"/>
+                              <p:cond delay="2000"/>
                             </p:stCondLst>
                             <p:childTnLst>
                               <p:par>
-                                <p:cTn id="75" presetID="10" presetClass="entr" presetSubtype="0" fill="hold" grpId="0" nodeType="clickEffect">
+                                <p:cTn id="62" presetID="10" presetClass="entr" presetSubtype="0" fill="hold" grpId="0" nodeType="afterEffect">
                                   <p:stCondLst>
                                     <p:cond delay="0"/>
                                   </p:stCondLst>
                                   <p:childTnLst>
                                     <p:set>
                                       <p:cBhvr>
-                                        <p:cTn id="76" dur="1" fill="hold">
+                                        <p:cTn id="63" dur="1" fill="hold">
                                           <p:stCondLst>
                                             <p:cond delay="0"/>
                                           </p:stCondLst>
@@ -12631,7 +12514,7 @@
                                     </p:set>
                                     <p:animEffect transition="in" filter="fade">
                                       <p:cBhvr>
-                                        <p:cTn id="77" dur="500"/>
+                                        <p:cTn id="64" dur="500"/>
                                         <p:tgtEl>
                                           <p:spTgt spid="4">
                                             <p:txEl>
@@ -12647,30 +12530,21 @@
                             </p:childTnLst>
                           </p:cTn>
                         </p:par>
-                      </p:childTnLst>
-                    </p:cTn>
-                  </p:par>
-                  <p:par>
-                    <p:cTn id="78" fill="hold">
-                      <p:stCondLst>
-                        <p:cond delay="indefinite"/>
-                      </p:stCondLst>
-                      <p:childTnLst>
                         <p:par>
-                          <p:cTn id="79" fill="hold">
+                          <p:cTn id="65" fill="hold">
                             <p:stCondLst>
-                              <p:cond delay="0"/>
+                              <p:cond delay="2500"/>
                             </p:stCondLst>
                             <p:childTnLst>
                               <p:par>
-                                <p:cTn id="80" presetID="10" presetClass="entr" presetSubtype="0" fill="hold" grpId="0" nodeType="clickEffect">
+                                <p:cTn id="66" presetID="10" presetClass="entr" presetSubtype="0" fill="hold" grpId="0" nodeType="afterEffect">
                                   <p:stCondLst>
                                     <p:cond delay="0"/>
                                   </p:stCondLst>
                                   <p:childTnLst>
                                     <p:set>
                                       <p:cBhvr>
-                                        <p:cTn id="81" dur="1" fill="hold">
+                                        <p:cTn id="67" dur="1" fill="hold">
                                           <p:stCondLst>
                                             <p:cond delay="0"/>
                                           </p:stCondLst>
@@ -12692,7 +12566,7 @@
                                     </p:set>
                                     <p:animEffect transition="in" filter="fade">
                                       <p:cBhvr>
-                                        <p:cTn id="82" dur="500"/>
+                                        <p:cTn id="68" dur="500"/>
                                         <p:tgtEl>
                                           <p:spTgt spid="4">
                                             <p:txEl>
@@ -12708,30 +12582,21 @@
                             </p:childTnLst>
                           </p:cTn>
                         </p:par>
-                      </p:childTnLst>
-                    </p:cTn>
-                  </p:par>
-                  <p:par>
-                    <p:cTn id="83" fill="hold">
-                      <p:stCondLst>
-                        <p:cond delay="indefinite"/>
-                      </p:stCondLst>
-                      <p:childTnLst>
                         <p:par>
-                          <p:cTn id="84" fill="hold">
+                          <p:cTn id="69" fill="hold">
                             <p:stCondLst>
-                              <p:cond delay="0"/>
+                              <p:cond delay="3000"/>
                             </p:stCondLst>
                             <p:childTnLst>
                               <p:par>
-                                <p:cTn id="85" presetID="10" presetClass="entr" presetSubtype="0" fill="hold" grpId="0" nodeType="clickEffect">
+                                <p:cTn id="70" presetID="10" presetClass="entr" presetSubtype="0" fill="hold" grpId="0" nodeType="afterEffect">
                                   <p:stCondLst>
                                     <p:cond delay="0"/>
                                   </p:stCondLst>
                                   <p:childTnLst>
                                     <p:set>
                                       <p:cBhvr>
-                                        <p:cTn id="86" dur="1" fill="hold">
+                                        <p:cTn id="71" dur="1" fill="hold">
                                           <p:stCondLst>
                                             <p:cond delay="0"/>
                                           </p:stCondLst>
@@ -12753,7 +12618,7 @@
                                     </p:set>
                                     <p:animEffect transition="in" filter="fade">
                                       <p:cBhvr>
-                                        <p:cTn id="87" dur="500"/>
+                                        <p:cTn id="72" dur="500"/>
                                         <p:tgtEl>
                                           <p:spTgt spid="4">
                                             <p:txEl>
@@ -12769,30 +12634,21 @@
                             </p:childTnLst>
                           </p:cTn>
                         </p:par>
-                      </p:childTnLst>
-                    </p:cTn>
-                  </p:par>
-                  <p:par>
-                    <p:cTn id="88" fill="hold">
-                      <p:stCondLst>
-                        <p:cond delay="indefinite"/>
-                      </p:stCondLst>
-                      <p:childTnLst>
                         <p:par>
-                          <p:cTn id="89" fill="hold">
+                          <p:cTn id="73" fill="hold">
                             <p:stCondLst>
-                              <p:cond delay="0"/>
+                              <p:cond delay="3500"/>
                             </p:stCondLst>
                             <p:childTnLst>
                               <p:par>
-                                <p:cTn id="90" presetID="10" presetClass="entr" presetSubtype="0" fill="hold" grpId="0" nodeType="clickEffect">
+                                <p:cTn id="74" presetID="10" presetClass="entr" presetSubtype="0" fill="hold" grpId="0" nodeType="afterEffect">
                                   <p:stCondLst>
                                     <p:cond delay="0"/>
                                   </p:stCondLst>
                                   <p:childTnLst>
                                     <p:set>
                                       <p:cBhvr>
-                                        <p:cTn id="91" dur="1" fill="hold">
+                                        <p:cTn id="75" dur="1" fill="hold">
                                           <p:stCondLst>
                                             <p:cond delay="0"/>
                                           </p:stCondLst>
@@ -12814,7 +12670,7 @@
                                     </p:set>
                                     <p:animEffect transition="in" filter="fade">
                                       <p:cBhvr>
-                                        <p:cTn id="92" dur="500"/>
+                                        <p:cTn id="76" dur="500"/>
                                         <p:tgtEl>
                                           <p:spTgt spid="4">
                                             <p:txEl>
@@ -12830,30 +12686,21 @@
                             </p:childTnLst>
                           </p:cTn>
                         </p:par>
-                      </p:childTnLst>
-                    </p:cTn>
-                  </p:par>
-                  <p:par>
-                    <p:cTn id="93" fill="hold">
-                      <p:stCondLst>
-                        <p:cond delay="indefinite"/>
-                      </p:stCondLst>
-                      <p:childTnLst>
                         <p:par>
-                          <p:cTn id="94" fill="hold">
+                          <p:cTn id="77" fill="hold">
                             <p:stCondLst>
-                              <p:cond delay="0"/>
+                              <p:cond delay="4000"/>
                             </p:stCondLst>
                             <p:childTnLst>
                               <p:par>
-                                <p:cTn id="95" presetID="10" presetClass="entr" presetSubtype="0" fill="hold" grpId="0" nodeType="clickEffect">
+                                <p:cTn id="78" presetID="10" presetClass="entr" presetSubtype="0" fill="hold" grpId="0" nodeType="afterEffect">
                                   <p:stCondLst>
                                     <p:cond delay="0"/>
                                   </p:stCondLst>
                                   <p:childTnLst>
                                     <p:set>
                                       <p:cBhvr>
-                                        <p:cTn id="96" dur="1" fill="hold">
+                                        <p:cTn id="79" dur="1" fill="hold">
                                           <p:stCondLst>
                                             <p:cond delay="0"/>
                                           </p:stCondLst>
@@ -12875,7 +12722,7 @@
                                     </p:set>
                                     <p:animEffect transition="in" filter="fade">
                                       <p:cBhvr>
-                                        <p:cTn id="97" dur="500"/>
+                                        <p:cTn id="80" dur="500"/>
                                         <p:tgtEl>
                                           <p:spTgt spid="4">
                                             <p:txEl>
@@ -12895,26 +12742,26 @@
                     </p:cTn>
                   </p:par>
                   <p:par>
-                    <p:cTn id="98" fill="hold">
+                    <p:cTn id="81" fill="hold">
                       <p:stCondLst>
                         <p:cond delay="indefinite"/>
                       </p:stCondLst>
                       <p:childTnLst>
                         <p:par>
-                          <p:cTn id="99" fill="hold">
+                          <p:cTn id="82" fill="hold">
                             <p:stCondLst>
                               <p:cond delay="0"/>
                             </p:stCondLst>
                             <p:childTnLst>
                               <p:par>
-                                <p:cTn id="100" presetID="26" presetClass="entr" presetSubtype="0" fill="hold" nodeType="clickEffect">
+                                <p:cTn id="83" presetID="26" presetClass="entr" presetSubtype="0" fill="hold" nodeType="clickEffect">
                                   <p:stCondLst>
                                     <p:cond delay="0"/>
                                   </p:stCondLst>
                                   <p:childTnLst>
                                     <p:set>
                                       <p:cBhvr>
-                                        <p:cTn id="101" dur="1" fill="hold">
+                                        <p:cTn id="84" dur="1" fill="hold">
                                           <p:stCondLst>
                                             <p:cond delay="0"/>
                                           </p:stCondLst>
@@ -12932,7 +12779,7 @@
                                     </p:set>
                                     <p:animEffect transition="in" filter="wipe(down)">
                                       <p:cBhvr>
-                                        <p:cTn id="102" dur="580">
+                                        <p:cTn id="85" dur="580">
                                           <p:stCondLst>
                                             <p:cond delay="0"/>
                                           </p:stCondLst>
@@ -12944,7 +12791,7 @@
                                     </p:animEffect>
                                     <p:anim calcmode="lin" valueType="num">
                                       <p:cBhvr>
-                                        <p:cTn id="103" dur="1822" tmFilter="0,0; 0.14,0.36; 0.43,0.73; 0.71,0.91; 1.0,1.0">
+                                        <p:cTn id="86" dur="1822" tmFilter="0,0; 0.14,0.36; 0.43,0.73; 0.71,0.91; 1.0,1.0">
                                           <p:stCondLst>
                                             <p:cond delay="0"/>
                                           </p:stCondLst>
@@ -12971,7 +12818,7 @@
                                     </p:anim>
                                     <p:anim calcmode="lin" valueType="num">
                                       <p:cBhvr>
-                                        <p:cTn id="104" dur="664" tmFilter="0.0,0.0; 0.25,0.07; 0.50,0.2; 0.75,0.467; 1.0,1.0">
+                                        <p:cTn id="87" dur="664" tmFilter="0.0,0.0; 0.25,0.07; 0.50,0.2; 0.75,0.467; 1.0,1.0">
                                           <p:stCondLst>
                                             <p:cond delay="0"/>
                                           </p:stCondLst>
@@ -12998,7 +12845,7 @@
                                     </p:anim>
                                     <p:anim calcmode="lin" valueType="num">
                                       <p:cBhvr>
-                                        <p:cTn id="105" dur="664" tmFilter="0, 0; 0.125,0.2665; 0.25,0.4; 0.375,0.465; 0.5,0.5;  0.625,0.535; 0.75,0.6; 0.875,0.7335; 1,1">
+                                        <p:cTn id="88" dur="664" tmFilter="0, 0; 0.125,0.2665; 0.25,0.4; 0.375,0.465; 0.5,0.5;  0.625,0.535; 0.75,0.6; 0.875,0.7335; 1,1">
                                           <p:stCondLst>
                                             <p:cond delay="664"/>
                                           </p:stCondLst>
@@ -13025,7 +12872,7 @@
                                     </p:anim>
                                     <p:anim calcmode="lin" valueType="num">
                                       <p:cBhvr>
-                                        <p:cTn id="106" dur="332" tmFilter="0, 0; 0.125,0.2665; 0.25,0.4; 0.375,0.465; 0.5,0.5;  0.625,0.535; 0.75,0.6; 0.875,0.7335; 1,1">
+                                        <p:cTn id="89" dur="332" tmFilter="0, 0; 0.125,0.2665; 0.25,0.4; 0.375,0.465; 0.5,0.5;  0.625,0.535; 0.75,0.6; 0.875,0.7335; 1,1">
                                           <p:stCondLst>
                                             <p:cond delay="1324"/>
                                           </p:stCondLst>
@@ -13052,7 +12899,7 @@
                                     </p:anim>
                                     <p:anim calcmode="lin" valueType="num">
                                       <p:cBhvr>
-                                        <p:cTn id="107" dur="164" tmFilter="0, 0; 0.125,0.2665; 0.25,0.4; 0.375,0.465; 0.5,0.5;  0.625,0.535; 0.75,0.6; 0.875,0.7335; 1,1">
+                                        <p:cTn id="90" dur="164" tmFilter="0, 0; 0.125,0.2665; 0.25,0.4; 0.375,0.465; 0.5,0.5;  0.625,0.535; 0.75,0.6; 0.875,0.7335; 1,1">
                                           <p:stCondLst>
                                             <p:cond delay="1656"/>
                                           </p:stCondLst>
@@ -13079,7 +12926,7 @@
                                     </p:anim>
                                     <p:animScale>
                                       <p:cBhvr>
-                                        <p:cTn id="108" dur="26">
+                                        <p:cTn id="91" dur="26">
                                           <p:stCondLst>
                                             <p:cond delay="650"/>
                                           </p:stCondLst>
@@ -13092,7 +12939,7 @@
                                     </p:animScale>
                                     <p:animScale>
                                       <p:cBhvr>
-                                        <p:cTn id="109" dur="166" decel="50000">
+                                        <p:cTn id="92" dur="166" decel="50000">
                                           <p:stCondLst>
                                             <p:cond delay="676"/>
                                           </p:stCondLst>
@@ -13105,7 +12952,7 @@
                                     </p:animScale>
                                     <p:animScale>
                                       <p:cBhvr>
-                                        <p:cTn id="110" dur="26">
+                                        <p:cTn id="93" dur="26">
                                           <p:stCondLst>
                                             <p:cond delay="1312"/>
                                           </p:stCondLst>
@@ -13118,7 +12965,7 @@
                                     </p:animScale>
                                     <p:animScale>
                                       <p:cBhvr>
-                                        <p:cTn id="111" dur="166" decel="50000">
+                                        <p:cTn id="94" dur="166" decel="50000">
                                           <p:stCondLst>
                                             <p:cond delay="1338"/>
                                           </p:stCondLst>
@@ -13131,7 +12978,7 @@
                                     </p:animScale>
                                     <p:animScale>
                                       <p:cBhvr>
-                                        <p:cTn id="112" dur="26">
+                                        <p:cTn id="95" dur="26">
                                           <p:stCondLst>
                                             <p:cond delay="1642"/>
                                           </p:stCondLst>
@@ -13144,7 +12991,7 @@
                                     </p:animScale>
                                     <p:animScale>
                                       <p:cBhvr>
-                                        <p:cTn id="113" dur="166" decel="50000">
+                                        <p:cTn id="96" dur="166" decel="50000">
                                           <p:stCondLst>
                                             <p:cond delay="1668"/>
                                           </p:stCondLst>
@@ -13157,7 +13004,7 @@
                                     </p:animScale>
                                     <p:animScale>
                                       <p:cBhvr>
-                                        <p:cTn id="114" dur="26">
+                                        <p:cTn id="97" dur="26">
                                           <p:stCondLst>
                                             <p:cond delay="1808"/>
                                           </p:stCondLst>
@@ -13170,7 +13017,7 @@
                                     </p:animScale>
                                     <p:animScale>
                                       <p:cBhvr>
-                                        <p:cTn id="115" dur="166" decel="50000">
+                                        <p:cTn id="98" dur="166" decel="50000">
                                           <p:stCondLst>
                                             <p:cond delay="1834"/>
                                           </p:stCondLst>
@@ -13212,8 +13059,8 @@
       </p:par>
     </p:tnLst>
     <p:bldLst>
-      <p:bldP spid="3" grpId="0" build="p"/>
-      <p:bldP spid="4" grpId="0" build="p"/>
+      <p:bldP spid="3" grpId="0" uiExpand="1" build="p"/>
+      <p:bldP spid="4" grpId="0" uiExpand="1" build="p"/>
     </p:bldLst>
   </p:timing>
 </p:sld>
@@ -13238,25 +13085,6 @@
       </p:grpSpPr>
       <p:sp>
         <p:nvSpPr>
-          <p:cNvPr id="2" name="Content Placeholder 1"/>
-          <p:cNvSpPr>
-            <a:spLocks noGrp="1"/>
-          </p:cNvSpPr>
-          <p:nvPr>
-            <p:ph idx="1"/>
-          </p:nvPr>
-        </p:nvSpPr>
-        <p:spPr/>
-        <p:txBody>
-          <a:bodyPr/>
-          <a:lstStyle/>
-          <a:p>
-            <a:endParaRPr lang="en-US"/>
-          </a:p>
-        </p:txBody>
-      </p:sp>
-      <p:sp>
-        <p:nvSpPr>
           <p:cNvPr id="3" name="Title 2"/>
           <p:cNvSpPr>
             <a:spLocks noGrp="1"/>
@@ -13295,6 +13123,472 @@
           </a:p>
         </p:txBody>
       </p:sp>
+      <p:cxnSp>
+        <p:nvCxnSpPr>
+          <p:cNvPr id="4" name="Straight Arrow Connector 24"/>
+          <p:cNvCxnSpPr/>
+          <p:nvPr/>
+        </p:nvCxnSpPr>
+        <p:spPr>
+          <a:xfrm>
+            <a:off x="2711624" y="2564904"/>
+            <a:ext cx="1152128" cy="0"/>
+          </a:xfrm>
+          <a:prstGeom prst="straightConnector1">
+            <a:avLst/>
+          </a:prstGeom>
+          <a:ln w="57150">
+            <a:solidFill>
+              <a:schemeClr val="tx2"/>
+            </a:solidFill>
+            <a:prstDash val="sysDash"/>
+            <a:tailEnd type="triangle"/>
+          </a:ln>
+        </p:spPr>
+        <p:style>
+          <a:lnRef idx="1">
+            <a:schemeClr val="accent1"/>
+          </a:lnRef>
+          <a:fillRef idx="0">
+            <a:schemeClr val="accent1"/>
+          </a:fillRef>
+          <a:effectRef idx="0">
+            <a:schemeClr val="accent1"/>
+          </a:effectRef>
+          <a:fontRef idx="minor">
+            <a:schemeClr val="tx1"/>
+          </a:fontRef>
+        </p:style>
+      </p:cxnSp>
+      <p:grpSp>
+        <p:nvGrpSpPr>
+          <p:cNvPr id="5" name="Group 16"/>
+          <p:cNvGrpSpPr/>
+          <p:nvPr/>
+        </p:nvGrpSpPr>
+        <p:grpSpPr>
+          <a:xfrm>
+            <a:off x="531485" y="1548081"/>
+            <a:ext cx="2088232" cy="1592887"/>
+            <a:chOff x="839416" y="1620089"/>
+            <a:chExt cx="2088232" cy="1592887"/>
+          </a:xfrm>
+        </p:grpSpPr>
+        <p:sp>
+          <p:nvSpPr>
+            <p:cNvPr id="6" name="Rounded Rectangle 17"/>
+            <p:cNvSpPr/>
+            <p:nvPr/>
+          </p:nvSpPr>
+          <p:spPr>
+            <a:xfrm>
+              <a:off x="839416" y="2132856"/>
+              <a:ext cx="2088232" cy="1080120"/>
+            </a:xfrm>
+            <a:prstGeom prst="roundRect">
+              <a:avLst/>
+            </a:prstGeom>
+            <a:solidFill>
+              <a:schemeClr val="bg2">
+                <a:lumMod val="75000"/>
+              </a:schemeClr>
+            </a:solidFill>
+            <a:ln>
+              <a:noFill/>
+            </a:ln>
+          </p:spPr>
+          <p:style>
+            <a:lnRef idx="2">
+              <a:schemeClr val="accent1">
+                <a:shade val="50000"/>
+              </a:schemeClr>
+            </a:lnRef>
+            <a:fillRef idx="1">
+              <a:schemeClr val="accent1"/>
+            </a:fillRef>
+            <a:effectRef idx="0">
+              <a:schemeClr val="accent1"/>
+            </a:effectRef>
+            <a:fontRef idx="minor">
+              <a:schemeClr val="lt1"/>
+            </a:fontRef>
+          </p:style>
+          <p:txBody>
+            <a:bodyPr rtlCol="0" anchor="ctr"/>
+            <a:lstStyle/>
+            <a:p>
+              <a:pPr algn="ctr"/>
+              <a:endParaRPr lang="en-US"/>
+            </a:p>
+          </p:txBody>
+        </p:sp>
+        <p:sp>
+          <p:nvSpPr>
+            <p:cNvPr id="7" name="Rounded Rectangle 18"/>
+            <p:cNvSpPr/>
+            <p:nvPr/>
+          </p:nvSpPr>
+          <p:spPr>
+            <a:xfrm>
+              <a:off x="983432" y="2420888"/>
+              <a:ext cx="1800200" cy="576064"/>
+            </a:xfrm>
+            <a:prstGeom prst="roundRect">
+              <a:avLst/>
+            </a:prstGeom>
+            <a:ln>
+              <a:noFill/>
+            </a:ln>
+          </p:spPr>
+          <p:style>
+            <a:lnRef idx="1">
+              <a:schemeClr val="accent3"/>
+            </a:lnRef>
+            <a:fillRef idx="2">
+              <a:schemeClr val="accent3"/>
+            </a:fillRef>
+            <a:effectRef idx="1">
+              <a:schemeClr val="accent3"/>
+            </a:effectRef>
+            <a:fontRef idx="minor">
+              <a:schemeClr val="dk1"/>
+            </a:fontRef>
+          </p:style>
+          <p:txBody>
+            <a:bodyPr rtlCol="0" anchor="ctr"/>
+            <a:lstStyle/>
+            <a:p>
+              <a:pPr algn="ctr"/>
+              <a:r>
+                <a:rPr lang="en-US" sz="2800" dirty="0" smtClean="0">
+                  <a:latin typeface="Corbel" panose="020B0503020204020204" pitchFamily="34" charset="0"/>
+                </a:rPr>
+                <a:t>Dados</a:t>
+              </a:r>
+              <a:endParaRPr lang="en-US" sz="2800" dirty="0">
+                <a:latin typeface="Corbel" panose="020B0503020204020204" pitchFamily="34" charset="0"/>
+              </a:endParaRPr>
+            </a:p>
+          </p:txBody>
+        </p:sp>
+        <p:sp>
+          <p:nvSpPr>
+            <p:cNvPr id="8" name="TextBox 19"/>
+            <p:cNvSpPr txBox="1"/>
+            <p:nvPr/>
+          </p:nvSpPr>
+          <p:spPr>
+            <a:xfrm>
+              <a:off x="1098682" y="1620089"/>
+              <a:ext cx="1612942" cy="584775"/>
+            </a:xfrm>
+            <a:prstGeom prst="rect">
+              <a:avLst/>
+            </a:prstGeom>
+            <a:noFill/>
+          </p:spPr>
+          <p:txBody>
+            <a:bodyPr wrap="none" rtlCol="0">
+              <a:spAutoFit/>
+            </a:bodyPr>
+            <a:lstStyle/>
+            <a:p>
+              <a:r>
+                <a:rPr lang="en-US" sz="3200" dirty="0" smtClean="0">
+                  <a:solidFill>
+                    <a:schemeClr val="bg2">
+                      <a:lumMod val="40000"/>
+                      <a:lumOff val="60000"/>
+                    </a:schemeClr>
+                  </a:solidFill>
+                  <a:latin typeface="Corbel" panose="020B0503020204020204" pitchFamily="34" charset="0"/>
+                </a:rPr>
+                <a:t>Servidor</a:t>
+              </a:r>
+              <a:endParaRPr lang="en-US" sz="3200" dirty="0">
+                <a:solidFill>
+                  <a:schemeClr val="bg2">
+                    <a:lumMod val="40000"/>
+                    <a:lumOff val="60000"/>
+                  </a:schemeClr>
+                </a:solidFill>
+                <a:latin typeface="Corbel" panose="020B0503020204020204" pitchFamily="34" charset="0"/>
+              </a:endParaRPr>
+            </a:p>
+          </p:txBody>
+        </p:sp>
+      </p:grpSp>
+      <p:grpSp>
+        <p:nvGrpSpPr>
+          <p:cNvPr id="15" name="Grupo 14"/>
+          <p:cNvGrpSpPr/>
+          <p:nvPr/>
+        </p:nvGrpSpPr>
+        <p:grpSpPr>
+          <a:xfrm>
+            <a:off x="3959241" y="1548081"/>
+            <a:ext cx="7753383" cy="1592887"/>
+            <a:chOff x="3959241" y="1548081"/>
+            <a:chExt cx="7753383" cy="1592887"/>
+          </a:xfrm>
+        </p:grpSpPr>
+        <p:grpSp>
+          <p:nvGrpSpPr>
+            <p:cNvPr id="9" name="Group 20"/>
+            <p:cNvGrpSpPr/>
+            <p:nvPr/>
+          </p:nvGrpSpPr>
+          <p:grpSpPr>
+            <a:xfrm>
+              <a:off x="3959241" y="1548081"/>
+              <a:ext cx="7753383" cy="1592887"/>
+              <a:chOff x="4367807" y="1620089"/>
+              <a:chExt cx="7753383" cy="1592887"/>
+            </a:xfrm>
+          </p:grpSpPr>
+          <p:sp>
+            <p:nvSpPr>
+              <p:cNvPr id="10" name="Rounded Rectangle 21"/>
+              <p:cNvSpPr/>
+              <p:nvPr/>
+            </p:nvSpPr>
+            <p:spPr>
+              <a:xfrm>
+                <a:off x="4367807" y="2132856"/>
+                <a:ext cx="7753383" cy="1080120"/>
+              </a:xfrm>
+              <a:prstGeom prst="roundRect">
+                <a:avLst/>
+              </a:prstGeom>
+              <a:solidFill>
+                <a:schemeClr val="bg2">
+                  <a:lumMod val="75000"/>
+                </a:schemeClr>
+              </a:solidFill>
+              <a:ln>
+                <a:noFill/>
+              </a:ln>
+            </p:spPr>
+            <p:style>
+              <a:lnRef idx="2">
+                <a:schemeClr val="accent1">
+                  <a:shade val="50000"/>
+                </a:schemeClr>
+              </a:lnRef>
+              <a:fillRef idx="1">
+                <a:schemeClr val="accent1"/>
+              </a:fillRef>
+              <a:effectRef idx="0">
+                <a:schemeClr val="accent1"/>
+              </a:effectRef>
+              <a:fontRef idx="minor">
+                <a:schemeClr val="lt1"/>
+              </a:fontRef>
+            </p:style>
+            <p:txBody>
+              <a:bodyPr rtlCol="0" anchor="ctr"/>
+              <a:lstStyle/>
+              <a:p>
+                <a:pPr algn="ctr"/>
+                <a:endParaRPr lang="en-US"/>
+              </a:p>
+            </p:txBody>
+          </p:sp>
+          <p:sp>
+            <p:nvSpPr>
+              <p:cNvPr id="11" name="Rounded Rectangle 22"/>
+              <p:cNvSpPr/>
+              <p:nvPr/>
+            </p:nvSpPr>
+            <p:spPr>
+              <a:xfrm>
+                <a:off x="4511824" y="2420888"/>
+                <a:ext cx="2301012" cy="576064"/>
+              </a:xfrm>
+              <a:prstGeom prst="roundRect">
+                <a:avLst/>
+              </a:prstGeom>
+              <a:ln>
+                <a:noFill/>
+              </a:ln>
+            </p:spPr>
+            <p:style>
+              <a:lnRef idx="1">
+                <a:schemeClr val="accent3"/>
+              </a:lnRef>
+              <a:fillRef idx="2">
+                <a:schemeClr val="accent3"/>
+              </a:fillRef>
+              <a:effectRef idx="1">
+                <a:schemeClr val="accent3"/>
+              </a:effectRef>
+              <a:fontRef idx="minor">
+                <a:schemeClr val="dk1"/>
+              </a:fontRef>
+            </p:style>
+            <p:txBody>
+              <a:bodyPr rtlCol="0" anchor="ctr"/>
+              <a:lstStyle/>
+              <a:p>
+                <a:pPr algn="ctr"/>
+                <a:r>
+                  <a:rPr lang="en-US" sz="2800" dirty="0" smtClean="0">
+                    <a:latin typeface="Corbel" panose="020B0503020204020204" pitchFamily="34" charset="0"/>
+                  </a:rPr>
+                  <a:t>ViewModel</a:t>
+                </a:r>
+                <a:endParaRPr lang="en-US" sz="2800" dirty="0">
+                  <a:latin typeface="Corbel" panose="020B0503020204020204" pitchFamily="34" charset="0"/>
+                </a:endParaRPr>
+              </a:p>
+            </p:txBody>
+          </p:sp>
+          <p:sp>
+            <p:nvSpPr>
+              <p:cNvPr id="12" name="TextBox 23"/>
+              <p:cNvSpPr txBox="1"/>
+              <p:nvPr/>
+            </p:nvSpPr>
+            <p:spPr>
+              <a:xfrm>
+                <a:off x="4627074" y="1620089"/>
+                <a:ext cx="1435008" cy="584775"/>
+              </a:xfrm>
+              <a:prstGeom prst="rect">
+                <a:avLst/>
+              </a:prstGeom>
+              <a:noFill/>
+            </p:spPr>
+            <p:txBody>
+              <a:bodyPr wrap="none" rtlCol="0">
+                <a:spAutoFit/>
+              </a:bodyPr>
+              <a:lstStyle/>
+              <a:p>
+                <a:r>
+                  <a:rPr lang="en-US" sz="3200" dirty="0" smtClean="0">
+                    <a:solidFill>
+                      <a:schemeClr val="bg2">
+                        <a:lumMod val="40000"/>
+                        <a:lumOff val="60000"/>
+                      </a:schemeClr>
+                    </a:solidFill>
+                    <a:latin typeface="Corbel" panose="020B0503020204020204" pitchFamily="34" charset="0"/>
+                  </a:rPr>
+                  <a:t>Cliente</a:t>
+                </a:r>
+                <a:endParaRPr lang="en-US" sz="3200" dirty="0">
+                  <a:solidFill>
+                    <a:schemeClr val="bg2">
+                      <a:lumMod val="40000"/>
+                      <a:lumOff val="60000"/>
+                    </a:schemeClr>
+                  </a:solidFill>
+                  <a:latin typeface="Corbel" panose="020B0503020204020204" pitchFamily="34" charset="0"/>
+                </a:endParaRPr>
+              </a:p>
+            </p:txBody>
+          </p:sp>
+        </p:grpSp>
+        <p:sp>
+          <p:nvSpPr>
+            <p:cNvPr id="13" name="Rounded Rectangle 22"/>
+            <p:cNvSpPr/>
+            <p:nvPr/>
+          </p:nvSpPr>
+          <p:spPr>
+            <a:xfrm>
+              <a:off x="6593288" y="2348880"/>
+              <a:ext cx="2301012" cy="576064"/>
+            </a:xfrm>
+            <a:prstGeom prst="roundRect">
+              <a:avLst/>
+            </a:prstGeom>
+            <a:ln>
+              <a:noFill/>
+            </a:ln>
+          </p:spPr>
+          <p:style>
+            <a:lnRef idx="1">
+              <a:schemeClr val="accent3"/>
+            </a:lnRef>
+            <a:fillRef idx="2">
+              <a:schemeClr val="accent3"/>
+            </a:fillRef>
+            <a:effectRef idx="1">
+              <a:schemeClr val="accent3"/>
+            </a:effectRef>
+            <a:fontRef idx="minor">
+              <a:schemeClr val="dk1"/>
+            </a:fontRef>
+          </p:style>
+          <p:txBody>
+            <a:bodyPr rtlCol="0" anchor="ctr"/>
+            <a:lstStyle/>
+            <a:p>
+              <a:pPr algn="ctr"/>
+              <a:r>
+                <a:rPr lang="en-US" sz="2800" dirty="0" smtClean="0">
+                  <a:latin typeface="Corbel" panose="020B0503020204020204" pitchFamily="34" charset="0"/>
+                </a:rPr>
+                <a:t>View</a:t>
+              </a:r>
+              <a:endParaRPr lang="en-US" sz="2800" dirty="0">
+                <a:latin typeface="Corbel" panose="020B0503020204020204" pitchFamily="34" charset="0"/>
+              </a:endParaRPr>
+            </a:p>
+          </p:txBody>
+        </p:sp>
+        <p:sp>
+          <p:nvSpPr>
+            <p:cNvPr id="14" name="Rounded Rectangle 22"/>
+            <p:cNvSpPr/>
+            <p:nvPr/>
+          </p:nvSpPr>
+          <p:spPr>
+            <a:xfrm>
+              <a:off x="9083318" y="2348880"/>
+              <a:ext cx="2301012" cy="576064"/>
+            </a:xfrm>
+            <a:prstGeom prst="roundRect">
+              <a:avLst/>
+            </a:prstGeom>
+            <a:ln>
+              <a:noFill/>
+            </a:ln>
+          </p:spPr>
+          <p:style>
+            <a:lnRef idx="1">
+              <a:schemeClr val="accent3"/>
+            </a:lnRef>
+            <a:fillRef idx="2">
+              <a:schemeClr val="accent3"/>
+            </a:fillRef>
+            <a:effectRef idx="1">
+              <a:schemeClr val="accent3"/>
+            </a:effectRef>
+            <a:fontRef idx="minor">
+              <a:schemeClr val="dk1"/>
+            </a:fontRef>
+          </p:style>
+          <p:txBody>
+            <a:bodyPr rtlCol="0" anchor="ctr"/>
+            <a:lstStyle/>
+            <a:p>
+              <a:pPr algn="ctr"/>
+              <a:r>
+                <a:rPr lang="en-US" sz="2800" dirty="0" smtClean="0">
+                  <a:latin typeface="Corbel" panose="020B0503020204020204" pitchFamily="34" charset="0"/>
+                </a:rPr>
+                <a:t>DOM</a:t>
+              </a:r>
+              <a:endParaRPr lang="en-US" sz="2800" dirty="0">
+                <a:latin typeface="Corbel" panose="020B0503020204020204" pitchFamily="34" charset="0"/>
+              </a:endParaRPr>
+            </a:p>
+          </p:txBody>
+        </p:sp>
+      </p:grpSp>
     </p:spTree>
     <p:extLst>
       <p:ext uri="{BB962C8B-B14F-4D97-AF65-F5344CB8AC3E}">
@@ -13308,7 +13602,127 @@
   <p:timing>
     <p:tnLst>
       <p:par>
-        <p:cTn id="1" dur="indefinite" restart="never" nodeType="tmRoot"/>
+        <p:cTn id="1" dur="indefinite" restart="never" nodeType="tmRoot">
+          <p:childTnLst>
+            <p:seq concurrent="1" nextAc="seek">
+              <p:cTn id="2" dur="indefinite" nodeType="mainSeq">
+                <p:childTnLst>
+                  <p:par>
+                    <p:cTn id="3" fill="hold">
+                      <p:stCondLst>
+                        <p:cond delay="indefinite"/>
+                      </p:stCondLst>
+                      <p:childTnLst>
+                        <p:par>
+                          <p:cTn id="4" fill="hold">
+                            <p:stCondLst>
+                              <p:cond delay="0"/>
+                            </p:stCondLst>
+                            <p:childTnLst>
+                              <p:par>
+                                <p:cTn id="5" presetID="10" presetClass="entr" presetSubtype="0" fill="hold" nodeType="clickEffect">
+                                  <p:stCondLst>
+                                    <p:cond delay="0"/>
+                                  </p:stCondLst>
+                                  <p:childTnLst>
+                                    <p:set>
+                                      <p:cBhvr>
+                                        <p:cTn id="6" dur="1" fill="hold">
+                                          <p:stCondLst>
+                                            <p:cond delay="0"/>
+                                          </p:stCondLst>
+                                        </p:cTn>
+                                        <p:tgtEl>
+                                          <p:spTgt spid="5"/>
+                                        </p:tgtEl>
+                                        <p:attrNameLst>
+                                          <p:attrName>style.visibility</p:attrName>
+                                        </p:attrNameLst>
+                                      </p:cBhvr>
+                                      <p:to>
+                                        <p:strVal val="visible"/>
+                                      </p:to>
+                                    </p:set>
+                                    <p:animEffect transition="in" filter="fade">
+                                      <p:cBhvr>
+                                        <p:cTn id="7" dur="500"/>
+                                        <p:tgtEl>
+                                          <p:spTgt spid="5"/>
+                                        </p:tgtEl>
+                                      </p:cBhvr>
+                                    </p:animEffect>
+                                  </p:childTnLst>
+                                </p:cTn>
+                              </p:par>
+                            </p:childTnLst>
+                          </p:cTn>
+                        </p:par>
+                        <p:par>
+                          <p:cTn id="8" fill="hold">
+                            <p:stCondLst>
+                              <p:cond delay="500"/>
+                            </p:stCondLst>
+                            <p:childTnLst>
+                              <p:par>
+                                <p:cTn id="9" presetID="10" presetClass="entr" presetSubtype="0" fill="hold" nodeType="afterEffect">
+                                  <p:stCondLst>
+                                    <p:cond delay="0"/>
+                                  </p:stCondLst>
+                                  <p:childTnLst>
+                                    <p:set>
+                                      <p:cBhvr>
+                                        <p:cTn id="10" dur="1" fill="hold">
+                                          <p:stCondLst>
+                                            <p:cond delay="0"/>
+                                          </p:stCondLst>
+                                        </p:cTn>
+                                        <p:tgtEl>
+                                          <p:spTgt spid="4"/>
+                                        </p:tgtEl>
+                                        <p:attrNameLst>
+                                          <p:attrName>style.visibility</p:attrName>
+                                        </p:attrNameLst>
+                                      </p:cBhvr>
+                                      <p:to>
+                                        <p:strVal val="visible"/>
+                                      </p:to>
+                                    </p:set>
+                                    <p:animEffect transition="in" filter="fade">
+                                      <p:cBhvr>
+                                        <p:cTn id="11" dur="500"/>
+                                        <p:tgtEl>
+                                          <p:spTgt spid="4"/>
+                                        </p:tgtEl>
+                                      </p:cBhvr>
+                                    </p:animEffect>
+                                  </p:childTnLst>
+                                </p:cTn>
+                              </p:par>
+                            </p:childTnLst>
+                          </p:cTn>
+                        </p:par>
+                      </p:childTnLst>
+                    </p:cTn>
+                  </p:par>
+                </p:childTnLst>
+              </p:cTn>
+              <p:prevCondLst>
+                <p:cond evt="onPrev" delay="0">
+                  <p:tgtEl>
+                    <p:sldTgt/>
+                  </p:tgtEl>
+                </p:cond>
+              </p:prevCondLst>
+              <p:nextCondLst>
+                <p:cond evt="onNext" delay="0">
+                  <p:tgtEl>
+                    <p:sldTgt/>
+                  </p:tgtEl>
+                </p:cond>
+              </p:nextCondLst>
+            </p:seq>
+          </p:childTnLst>
+        </p:cTn>
       </p:par>
     </p:tnLst>
   </p:timing>
@@ -13355,6 +13769,472 @@
           </a:p>
         </p:txBody>
       </p:sp>
+      <p:cxnSp>
+        <p:nvCxnSpPr>
+          <p:cNvPr id="12" name="Straight Arrow Connector 24"/>
+          <p:cNvCxnSpPr/>
+          <p:nvPr/>
+        </p:nvCxnSpPr>
+        <p:spPr>
+          <a:xfrm>
+            <a:off x="2711624" y="5877272"/>
+            <a:ext cx="1152128" cy="0"/>
+          </a:xfrm>
+          <a:prstGeom prst="straightConnector1">
+            <a:avLst/>
+          </a:prstGeom>
+          <a:ln w="57150">
+            <a:solidFill>
+              <a:schemeClr val="tx2"/>
+            </a:solidFill>
+            <a:prstDash val="sysDash"/>
+            <a:tailEnd type="triangle"/>
+          </a:ln>
+        </p:spPr>
+        <p:style>
+          <a:lnRef idx="1">
+            <a:schemeClr val="accent1"/>
+          </a:lnRef>
+          <a:fillRef idx="0">
+            <a:schemeClr val="accent1"/>
+          </a:fillRef>
+          <a:effectRef idx="0">
+            <a:schemeClr val="accent1"/>
+          </a:effectRef>
+          <a:fontRef idx="minor">
+            <a:schemeClr val="tx1"/>
+          </a:fontRef>
+        </p:style>
+      </p:cxnSp>
+      <p:grpSp>
+        <p:nvGrpSpPr>
+          <p:cNvPr id="13" name="Group 16"/>
+          <p:cNvGrpSpPr/>
+          <p:nvPr/>
+        </p:nvGrpSpPr>
+        <p:grpSpPr>
+          <a:xfrm>
+            <a:off x="531485" y="4860449"/>
+            <a:ext cx="2088232" cy="1592887"/>
+            <a:chOff x="839416" y="1620089"/>
+            <a:chExt cx="2088232" cy="1592887"/>
+          </a:xfrm>
+        </p:grpSpPr>
+        <p:sp>
+          <p:nvSpPr>
+            <p:cNvPr id="14" name="Rounded Rectangle 17"/>
+            <p:cNvSpPr/>
+            <p:nvPr/>
+          </p:nvSpPr>
+          <p:spPr>
+            <a:xfrm>
+              <a:off x="839416" y="2132856"/>
+              <a:ext cx="2088232" cy="1080120"/>
+            </a:xfrm>
+            <a:prstGeom prst="roundRect">
+              <a:avLst/>
+            </a:prstGeom>
+            <a:solidFill>
+              <a:schemeClr val="bg2">
+                <a:lumMod val="75000"/>
+              </a:schemeClr>
+            </a:solidFill>
+            <a:ln>
+              <a:noFill/>
+            </a:ln>
+          </p:spPr>
+          <p:style>
+            <a:lnRef idx="2">
+              <a:schemeClr val="accent1">
+                <a:shade val="50000"/>
+              </a:schemeClr>
+            </a:lnRef>
+            <a:fillRef idx="1">
+              <a:schemeClr val="accent1"/>
+            </a:fillRef>
+            <a:effectRef idx="0">
+              <a:schemeClr val="accent1"/>
+            </a:effectRef>
+            <a:fontRef idx="minor">
+              <a:schemeClr val="lt1"/>
+            </a:fontRef>
+          </p:style>
+          <p:txBody>
+            <a:bodyPr rtlCol="0" anchor="ctr"/>
+            <a:lstStyle/>
+            <a:p>
+              <a:pPr algn="ctr"/>
+              <a:endParaRPr lang="en-US"/>
+            </a:p>
+          </p:txBody>
+        </p:sp>
+        <p:sp>
+          <p:nvSpPr>
+            <p:cNvPr id="15" name="Rounded Rectangle 18"/>
+            <p:cNvSpPr/>
+            <p:nvPr/>
+          </p:nvSpPr>
+          <p:spPr>
+            <a:xfrm>
+              <a:off x="983432" y="2420888"/>
+              <a:ext cx="1800200" cy="576064"/>
+            </a:xfrm>
+            <a:prstGeom prst="roundRect">
+              <a:avLst/>
+            </a:prstGeom>
+            <a:ln>
+              <a:noFill/>
+            </a:ln>
+          </p:spPr>
+          <p:style>
+            <a:lnRef idx="1">
+              <a:schemeClr val="accent3"/>
+            </a:lnRef>
+            <a:fillRef idx="2">
+              <a:schemeClr val="accent3"/>
+            </a:fillRef>
+            <a:effectRef idx="1">
+              <a:schemeClr val="accent3"/>
+            </a:effectRef>
+            <a:fontRef idx="minor">
+              <a:schemeClr val="dk1"/>
+            </a:fontRef>
+          </p:style>
+          <p:txBody>
+            <a:bodyPr rtlCol="0" anchor="ctr"/>
+            <a:lstStyle/>
+            <a:p>
+              <a:pPr algn="ctr"/>
+              <a:r>
+                <a:rPr lang="en-US" sz="2800" dirty="0" smtClean="0">
+                  <a:latin typeface="Corbel" panose="020B0503020204020204" pitchFamily="34" charset="0"/>
+                </a:rPr>
+                <a:t>Dados</a:t>
+              </a:r>
+              <a:endParaRPr lang="en-US" sz="2800" dirty="0">
+                <a:latin typeface="Corbel" panose="020B0503020204020204" pitchFamily="34" charset="0"/>
+              </a:endParaRPr>
+            </a:p>
+          </p:txBody>
+        </p:sp>
+        <p:sp>
+          <p:nvSpPr>
+            <p:cNvPr id="16" name="TextBox 19"/>
+            <p:cNvSpPr txBox="1"/>
+            <p:nvPr/>
+          </p:nvSpPr>
+          <p:spPr>
+            <a:xfrm>
+              <a:off x="1098682" y="1620089"/>
+              <a:ext cx="1612942" cy="584775"/>
+            </a:xfrm>
+            <a:prstGeom prst="rect">
+              <a:avLst/>
+            </a:prstGeom>
+            <a:noFill/>
+          </p:spPr>
+          <p:txBody>
+            <a:bodyPr wrap="none" rtlCol="0">
+              <a:spAutoFit/>
+            </a:bodyPr>
+            <a:lstStyle/>
+            <a:p>
+              <a:r>
+                <a:rPr lang="en-US" sz="3200" dirty="0" smtClean="0">
+                  <a:solidFill>
+                    <a:schemeClr val="bg2">
+                      <a:lumMod val="40000"/>
+                      <a:lumOff val="60000"/>
+                    </a:schemeClr>
+                  </a:solidFill>
+                  <a:latin typeface="Corbel" panose="020B0503020204020204" pitchFamily="34" charset="0"/>
+                </a:rPr>
+                <a:t>Servidor</a:t>
+              </a:r>
+              <a:endParaRPr lang="en-US" sz="3200" dirty="0">
+                <a:solidFill>
+                  <a:schemeClr val="bg2">
+                    <a:lumMod val="40000"/>
+                    <a:lumOff val="60000"/>
+                  </a:schemeClr>
+                </a:solidFill>
+                <a:latin typeface="Corbel" panose="020B0503020204020204" pitchFamily="34" charset="0"/>
+              </a:endParaRPr>
+            </a:p>
+          </p:txBody>
+        </p:sp>
+      </p:grpSp>
+      <p:grpSp>
+        <p:nvGrpSpPr>
+          <p:cNvPr id="21" name="Grupo 20"/>
+          <p:cNvGrpSpPr/>
+          <p:nvPr/>
+        </p:nvGrpSpPr>
+        <p:grpSpPr>
+          <a:xfrm>
+            <a:off x="3959241" y="4860449"/>
+            <a:ext cx="7753383" cy="1592887"/>
+            <a:chOff x="3959241" y="1548081"/>
+            <a:chExt cx="7753383" cy="1592887"/>
+          </a:xfrm>
+        </p:grpSpPr>
+        <p:grpSp>
+          <p:nvGrpSpPr>
+            <p:cNvPr id="22" name="Group 20"/>
+            <p:cNvGrpSpPr/>
+            <p:nvPr/>
+          </p:nvGrpSpPr>
+          <p:grpSpPr>
+            <a:xfrm>
+              <a:off x="3959241" y="1548081"/>
+              <a:ext cx="7753383" cy="1592887"/>
+              <a:chOff x="4367807" y="1620089"/>
+              <a:chExt cx="7753383" cy="1592887"/>
+            </a:xfrm>
+          </p:grpSpPr>
+          <p:sp>
+            <p:nvSpPr>
+              <p:cNvPr id="25" name="Rounded Rectangle 21"/>
+              <p:cNvSpPr/>
+              <p:nvPr/>
+            </p:nvSpPr>
+            <p:spPr>
+              <a:xfrm>
+                <a:off x="4367807" y="2132856"/>
+                <a:ext cx="7753383" cy="1080120"/>
+              </a:xfrm>
+              <a:prstGeom prst="roundRect">
+                <a:avLst/>
+              </a:prstGeom>
+              <a:solidFill>
+                <a:schemeClr val="bg2">
+                  <a:lumMod val="75000"/>
+                </a:schemeClr>
+              </a:solidFill>
+              <a:ln>
+                <a:noFill/>
+              </a:ln>
+            </p:spPr>
+            <p:style>
+              <a:lnRef idx="2">
+                <a:schemeClr val="accent1">
+                  <a:shade val="50000"/>
+                </a:schemeClr>
+              </a:lnRef>
+              <a:fillRef idx="1">
+                <a:schemeClr val="accent1"/>
+              </a:fillRef>
+              <a:effectRef idx="0">
+                <a:schemeClr val="accent1"/>
+              </a:effectRef>
+              <a:fontRef idx="minor">
+                <a:schemeClr val="lt1"/>
+              </a:fontRef>
+            </p:style>
+            <p:txBody>
+              <a:bodyPr rtlCol="0" anchor="ctr"/>
+              <a:lstStyle/>
+              <a:p>
+                <a:pPr algn="ctr"/>
+                <a:endParaRPr lang="en-US"/>
+              </a:p>
+            </p:txBody>
+          </p:sp>
+          <p:sp>
+            <p:nvSpPr>
+              <p:cNvPr id="26" name="Rounded Rectangle 22"/>
+              <p:cNvSpPr/>
+              <p:nvPr/>
+            </p:nvSpPr>
+            <p:spPr>
+              <a:xfrm>
+                <a:off x="4511824" y="2420888"/>
+                <a:ext cx="2301012" cy="576064"/>
+              </a:xfrm>
+              <a:prstGeom prst="roundRect">
+                <a:avLst/>
+              </a:prstGeom>
+              <a:ln>
+                <a:noFill/>
+              </a:ln>
+            </p:spPr>
+            <p:style>
+              <a:lnRef idx="1">
+                <a:schemeClr val="accent3"/>
+              </a:lnRef>
+              <a:fillRef idx="2">
+                <a:schemeClr val="accent3"/>
+              </a:fillRef>
+              <a:effectRef idx="1">
+                <a:schemeClr val="accent3"/>
+              </a:effectRef>
+              <a:fontRef idx="minor">
+                <a:schemeClr val="dk1"/>
+              </a:fontRef>
+            </p:style>
+            <p:txBody>
+              <a:bodyPr rtlCol="0" anchor="ctr"/>
+              <a:lstStyle/>
+              <a:p>
+                <a:pPr algn="ctr"/>
+                <a:r>
+                  <a:rPr lang="en-US" sz="2800" dirty="0" smtClean="0">
+                    <a:latin typeface="Corbel" panose="020B0503020204020204" pitchFamily="34" charset="0"/>
+                  </a:rPr>
+                  <a:t>ViewModel</a:t>
+                </a:r>
+                <a:endParaRPr lang="en-US" sz="2800" dirty="0">
+                  <a:latin typeface="Corbel" panose="020B0503020204020204" pitchFamily="34" charset="0"/>
+                </a:endParaRPr>
+              </a:p>
+            </p:txBody>
+          </p:sp>
+          <p:sp>
+            <p:nvSpPr>
+              <p:cNvPr id="27" name="TextBox 23"/>
+              <p:cNvSpPr txBox="1"/>
+              <p:nvPr/>
+            </p:nvSpPr>
+            <p:spPr>
+              <a:xfrm>
+                <a:off x="4627074" y="1620089"/>
+                <a:ext cx="1435008" cy="584775"/>
+              </a:xfrm>
+              <a:prstGeom prst="rect">
+                <a:avLst/>
+              </a:prstGeom>
+              <a:noFill/>
+            </p:spPr>
+            <p:txBody>
+              <a:bodyPr wrap="none" rtlCol="0">
+                <a:spAutoFit/>
+              </a:bodyPr>
+              <a:lstStyle/>
+              <a:p>
+                <a:r>
+                  <a:rPr lang="en-US" sz="3200" dirty="0" smtClean="0">
+                    <a:solidFill>
+                      <a:schemeClr val="bg2">
+                        <a:lumMod val="40000"/>
+                        <a:lumOff val="60000"/>
+                      </a:schemeClr>
+                    </a:solidFill>
+                    <a:latin typeface="Corbel" panose="020B0503020204020204" pitchFamily="34" charset="0"/>
+                  </a:rPr>
+                  <a:t>Cliente</a:t>
+                </a:r>
+                <a:endParaRPr lang="en-US" sz="3200" dirty="0">
+                  <a:solidFill>
+                    <a:schemeClr val="bg2">
+                      <a:lumMod val="40000"/>
+                      <a:lumOff val="60000"/>
+                    </a:schemeClr>
+                  </a:solidFill>
+                  <a:latin typeface="Corbel" panose="020B0503020204020204" pitchFamily="34" charset="0"/>
+                </a:endParaRPr>
+              </a:p>
+            </p:txBody>
+          </p:sp>
+        </p:grpSp>
+        <p:sp>
+          <p:nvSpPr>
+            <p:cNvPr id="23" name="Rounded Rectangle 22"/>
+            <p:cNvSpPr/>
+            <p:nvPr/>
+          </p:nvSpPr>
+          <p:spPr>
+            <a:xfrm>
+              <a:off x="6593288" y="2348880"/>
+              <a:ext cx="2301012" cy="576064"/>
+            </a:xfrm>
+            <a:prstGeom prst="roundRect">
+              <a:avLst/>
+            </a:prstGeom>
+            <a:ln>
+              <a:noFill/>
+            </a:ln>
+          </p:spPr>
+          <p:style>
+            <a:lnRef idx="1">
+              <a:schemeClr val="accent3"/>
+            </a:lnRef>
+            <a:fillRef idx="2">
+              <a:schemeClr val="accent3"/>
+            </a:fillRef>
+            <a:effectRef idx="1">
+              <a:schemeClr val="accent3"/>
+            </a:effectRef>
+            <a:fontRef idx="minor">
+              <a:schemeClr val="dk1"/>
+            </a:fontRef>
+          </p:style>
+          <p:txBody>
+            <a:bodyPr rtlCol="0" anchor="ctr"/>
+            <a:lstStyle/>
+            <a:p>
+              <a:pPr algn="ctr"/>
+              <a:r>
+                <a:rPr lang="en-US" sz="2800" dirty="0" smtClean="0">
+                  <a:latin typeface="Corbel" panose="020B0503020204020204" pitchFamily="34" charset="0"/>
+                </a:rPr>
+                <a:t>View</a:t>
+              </a:r>
+              <a:endParaRPr lang="en-US" sz="2800" dirty="0">
+                <a:latin typeface="Corbel" panose="020B0503020204020204" pitchFamily="34" charset="0"/>
+              </a:endParaRPr>
+            </a:p>
+          </p:txBody>
+        </p:sp>
+        <p:sp>
+          <p:nvSpPr>
+            <p:cNvPr id="24" name="Rounded Rectangle 22"/>
+            <p:cNvSpPr/>
+            <p:nvPr/>
+          </p:nvSpPr>
+          <p:spPr>
+            <a:xfrm>
+              <a:off x="9083318" y="2348880"/>
+              <a:ext cx="2301012" cy="576064"/>
+            </a:xfrm>
+            <a:prstGeom prst="roundRect">
+              <a:avLst/>
+            </a:prstGeom>
+            <a:ln>
+              <a:noFill/>
+            </a:ln>
+          </p:spPr>
+          <p:style>
+            <a:lnRef idx="1">
+              <a:schemeClr val="accent3"/>
+            </a:lnRef>
+            <a:fillRef idx="2">
+              <a:schemeClr val="accent3"/>
+            </a:fillRef>
+            <a:effectRef idx="1">
+              <a:schemeClr val="accent3"/>
+            </a:effectRef>
+            <a:fontRef idx="minor">
+              <a:schemeClr val="dk1"/>
+            </a:fontRef>
+          </p:style>
+          <p:txBody>
+            <a:bodyPr rtlCol="0" anchor="ctr"/>
+            <a:lstStyle/>
+            <a:p>
+              <a:pPr algn="ctr"/>
+              <a:r>
+                <a:rPr lang="en-US" sz="2800" dirty="0" smtClean="0">
+                  <a:latin typeface="Corbel" panose="020B0503020204020204" pitchFamily="34" charset="0"/>
+                </a:rPr>
+                <a:t>DOM</a:t>
+              </a:r>
+              <a:endParaRPr lang="en-US" sz="2800" dirty="0">
+                <a:latin typeface="Corbel" panose="020B0503020204020204" pitchFamily="34" charset="0"/>
+              </a:endParaRPr>
+            </a:p>
+          </p:txBody>
+        </p:sp>
+      </p:grpSp>
     </p:spTree>
     <p:extLst>
       <p:ext uri="{BB962C8B-B14F-4D97-AF65-F5344CB8AC3E}">
@@ -13368,7 +14248,127 @@
   <p:timing>
     <p:tnLst>
       <p:par>
-        <p:cTn id="1" dur="indefinite" restart="never" nodeType="tmRoot"/>
+        <p:cTn id="1" dur="indefinite" restart="never" nodeType="tmRoot">
+          <p:childTnLst>
+            <p:seq concurrent="1" nextAc="seek">
+              <p:cTn id="2" dur="indefinite" nodeType="mainSeq">
+                <p:childTnLst>
+                  <p:par>
+                    <p:cTn id="3" fill="hold">
+                      <p:stCondLst>
+                        <p:cond delay="indefinite"/>
+                      </p:stCondLst>
+                      <p:childTnLst>
+                        <p:par>
+                          <p:cTn id="4" fill="hold">
+                            <p:stCondLst>
+                              <p:cond delay="0"/>
+                            </p:stCondLst>
+                            <p:childTnLst>
+                              <p:par>
+                                <p:cTn id="5" presetID="10" presetClass="entr" presetSubtype="0" fill="hold" nodeType="clickEffect">
+                                  <p:stCondLst>
+                                    <p:cond delay="0"/>
+                                  </p:stCondLst>
+                                  <p:childTnLst>
+                                    <p:set>
+                                      <p:cBhvr>
+                                        <p:cTn id="6" dur="1" fill="hold">
+                                          <p:stCondLst>
+                                            <p:cond delay="0"/>
+                                          </p:stCondLst>
+                                        </p:cTn>
+                                        <p:tgtEl>
+                                          <p:spTgt spid="13"/>
+                                        </p:tgtEl>
+                                        <p:attrNameLst>
+                                          <p:attrName>style.visibility</p:attrName>
+                                        </p:attrNameLst>
+                                      </p:cBhvr>
+                                      <p:to>
+                                        <p:strVal val="visible"/>
+                                      </p:to>
+                                    </p:set>
+                                    <p:animEffect transition="in" filter="fade">
+                                      <p:cBhvr>
+                                        <p:cTn id="7" dur="500"/>
+                                        <p:tgtEl>
+                                          <p:spTgt spid="13"/>
+                                        </p:tgtEl>
+                                      </p:cBhvr>
+                                    </p:animEffect>
+                                  </p:childTnLst>
+                                </p:cTn>
+                              </p:par>
+                            </p:childTnLst>
+                          </p:cTn>
+                        </p:par>
+                        <p:par>
+                          <p:cTn id="8" fill="hold">
+                            <p:stCondLst>
+                              <p:cond delay="500"/>
+                            </p:stCondLst>
+                            <p:childTnLst>
+                              <p:par>
+                                <p:cTn id="9" presetID="10" presetClass="entr" presetSubtype="0" fill="hold" nodeType="afterEffect">
+                                  <p:stCondLst>
+                                    <p:cond delay="0"/>
+                                  </p:stCondLst>
+                                  <p:childTnLst>
+                                    <p:set>
+                                      <p:cBhvr>
+                                        <p:cTn id="10" dur="1" fill="hold">
+                                          <p:stCondLst>
+                                            <p:cond delay="0"/>
+                                          </p:stCondLst>
+                                        </p:cTn>
+                                        <p:tgtEl>
+                                          <p:spTgt spid="12"/>
+                                        </p:tgtEl>
+                                        <p:attrNameLst>
+                                          <p:attrName>style.visibility</p:attrName>
+                                        </p:attrNameLst>
+                                      </p:cBhvr>
+                                      <p:to>
+                                        <p:strVal val="visible"/>
+                                      </p:to>
+                                    </p:set>
+                                    <p:animEffect transition="in" filter="fade">
+                                      <p:cBhvr>
+                                        <p:cTn id="11" dur="500"/>
+                                        <p:tgtEl>
+                                          <p:spTgt spid="12"/>
+                                        </p:tgtEl>
+                                      </p:cBhvr>
+                                    </p:animEffect>
+                                  </p:childTnLst>
+                                </p:cTn>
+                              </p:par>
+                            </p:childTnLst>
+                          </p:cTn>
+                        </p:par>
+                      </p:childTnLst>
+                    </p:cTn>
+                  </p:par>
+                </p:childTnLst>
+              </p:cTn>
+              <p:prevCondLst>
+                <p:cond evt="onPrev" delay="0">
+                  <p:tgtEl>
+                    <p:sldTgt/>
+                  </p:tgtEl>
+                </p:cond>
+              </p:prevCondLst>
+              <p:nextCondLst>
+                <p:cond evt="onNext" delay="0">
+                  <p:tgtEl>
+                    <p:sldTgt/>
+                  </p:tgtEl>
+                </p:cond>
+              </p:nextCondLst>
+            </p:seq>
+          </p:childTnLst>
+        </p:cTn>
       </p:par>
     </p:tnLst>
   </p:timing>
@@ -13917,30 +14917,21 @@
                             </p:childTnLst>
                           </p:cTn>
                         </p:par>
-                      </p:childTnLst>
-                    </p:cTn>
-                  </p:par>
-                  <p:par>
-                    <p:cTn id="8" fill="hold">
-                      <p:stCondLst>
-                        <p:cond delay="indefinite"/>
-                      </p:stCondLst>
-                      <p:childTnLst>
                         <p:par>
-                          <p:cTn id="9" fill="hold">
+                          <p:cTn id="8" fill="hold">
                             <p:stCondLst>
-                              <p:cond delay="0"/>
+                              <p:cond delay="500"/>
                             </p:stCondLst>
                             <p:childTnLst>
                               <p:par>
-                                <p:cTn id="10" presetID="10" presetClass="entr" presetSubtype="0" fill="hold" grpId="0" nodeType="clickEffect">
+                                <p:cTn id="9" presetID="10" presetClass="entr" presetSubtype="0" fill="hold" grpId="0" nodeType="afterEffect">
                                   <p:stCondLst>
                                     <p:cond delay="0"/>
                                   </p:stCondLst>
                                   <p:childTnLst>
                                     <p:set>
                                       <p:cBhvr>
-                                        <p:cTn id="11" dur="1" fill="hold">
+                                        <p:cTn id="10" dur="1" fill="hold">
                                           <p:stCondLst>
                                             <p:cond delay="0"/>
                                           </p:stCondLst>
@@ -13962,7 +14953,7 @@
                                     </p:set>
                                     <p:animEffect transition="in" filter="fade">
                                       <p:cBhvr>
-                                        <p:cTn id="12" dur="500"/>
+                                        <p:cTn id="11" dur="500"/>
                                         <p:tgtEl>
                                           <p:spTgt spid="2">
                                             <p:txEl>
@@ -13978,30 +14969,21 @@
                             </p:childTnLst>
                           </p:cTn>
                         </p:par>
-                      </p:childTnLst>
-                    </p:cTn>
-                  </p:par>
-                  <p:par>
-                    <p:cTn id="13" fill="hold">
-                      <p:stCondLst>
-                        <p:cond delay="indefinite"/>
-                      </p:stCondLst>
-                      <p:childTnLst>
                         <p:par>
-                          <p:cTn id="14" fill="hold">
+                          <p:cTn id="12" fill="hold">
                             <p:stCondLst>
-                              <p:cond delay="0"/>
+                              <p:cond delay="1000"/>
                             </p:stCondLst>
                             <p:childTnLst>
                               <p:par>
-                                <p:cTn id="15" presetID="10" presetClass="entr" presetSubtype="0" fill="hold" grpId="0" nodeType="clickEffect">
+                                <p:cTn id="13" presetID="10" presetClass="entr" presetSubtype="0" fill="hold" grpId="0" nodeType="afterEffect">
                                   <p:stCondLst>
                                     <p:cond delay="0"/>
                                   </p:stCondLst>
                                   <p:childTnLst>
                                     <p:set>
                                       <p:cBhvr>
-                                        <p:cTn id="16" dur="1" fill="hold">
+                                        <p:cTn id="14" dur="1" fill="hold">
                                           <p:stCondLst>
                                             <p:cond delay="0"/>
                                           </p:stCondLst>
@@ -14023,7 +15005,7 @@
                                     </p:set>
                                     <p:animEffect transition="in" filter="fade">
                                       <p:cBhvr>
-                                        <p:cTn id="17" dur="500"/>
+                                        <p:cTn id="15" dur="500"/>
                                         <p:tgtEl>
                                           <p:spTgt spid="2">
                                             <p:txEl>
@@ -14064,7 +15046,7 @@
       </p:par>
     </p:tnLst>
     <p:bldLst>
-      <p:bldP spid="2" grpId="0" build="p"/>
+      <p:bldP spid="2" grpId="0" uiExpand="1" build="p"/>
     </p:bldLst>
   </p:timing>
 </p:sld>
@@ -16252,30 +17234,21 @@
                             </p:childTnLst>
                           </p:cTn>
                         </p:par>
-                      </p:childTnLst>
-                    </p:cTn>
-                  </p:par>
-                  <p:par>
-                    <p:cTn id="8" fill="hold">
-                      <p:stCondLst>
-                        <p:cond delay="indefinite"/>
-                      </p:stCondLst>
-                      <p:childTnLst>
                         <p:par>
-                          <p:cTn id="9" fill="hold">
+                          <p:cTn id="8" fill="hold">
                             <p:stCondLst>
-                              <p:cond delay="0"/>
+                              <p:cond delay="500"/>
                             </p:stCondLst>
                             <p:childTnLst>
                               <p:par>
-                                <p:cTn id="10" presetID="10" presetClass="entr" presetSubtype="0" fill="hold" grpId="0" nodeType="clickEffect">
+                                <p:cTn id="9" presetID="10" presetClass="entr" presetSubtype="0" fill="hold" grpId="0" nodeType="afterEffect">
                                   <p:stCondLst>
                                     <p:cond delay="0"/>
                                   </p:stCondLst>
                                   <p:childTnLst>
                                     <p:set>
                                       <p:cBhvr>
-                                        <p:cTn id="11" dur="1" fill="hold">
+                                        <p:cTn id="10" dur="1" fill="hold">
                                           <p:stCondLst>
                                             <p:cond delay="0"/>
                                           </p:stCondLst>
@@ -16297,7 +17270,7 @@
                                     </p:set>
                                     <p:animEffect transition="in" filter="fade">
                                       <p:cBhvr>
-                                        <p:cTn id="12" dur="500"/>
+                                        <p:cTn id="11" dur="500"/>
                                         <p:tgtEl>
                                           <p:spTgt spid="2">
                                             <p:txEl>
@@ -16338,7 +17311,7 @@
       </p:par>
     </p:tnLst>
     <p:bldLst>
-      <p:bldP spid="2" grpId="0" build="p"/>
+      <p:bldP spid="2" grpId="0" uiExpand="1" build="p"/>
     </p:bldLst>
   </p:timing>
 </p:sld>
@@ -18674,9 +19647,204 @@
   <p:timing>
     <p:tnLst>
       <p:par>
-        <p:cTn id="1" dur="indefinite" restart="never" nodeType="tmRoot"/>
+        <p:cTn id="1" dur="indefinite" restart="never" nodeType="tmRoot">
+          <p:childTnLst>
+            <p:seq concurrent="1" nextAc="seek">
+              <p:cTn id="2" dur="indefinite" nodeType="mainSeq">
+                <p:childTnLst>
+                  <p:par>
+                    <p:cTn id="3" fill="hold">
+                      <p:stCondLst>
+                        <p:cond delay="indefinite"/>
+                      </p:stCondLst>
+                      <p:childTnLst>
+                        <p:par>
+                          <p:cTn id="4" fill="hold">
+                            <p:stCondLst>
+                              <p:cond delay="0"/>
+                            </p:stCondLst>
+                            <p:childTnLst>
+                              <p:par>
+                                <p:cTn id="5" presetID="1" presetClass="entr" presetSubtype="0" fill="hold" grpId="0" nodeType="clickEffect">
+                                  <p:stCondLst>
+                                    <p:cond delay="0"/>
+                                  </p:stCondLst>
+                                  <p:childTnLst>
+                                    <p:set>
+                                      <p:cBhvr>
+                                        <p:cTn id="6" dur="1" fill="hold">
+                                          <p:stCondLst>
+                                            <p:cond delay="0"/>
+                                          </p:stCondLst>
+                                        </p:cTn>
+                                        <p:tgtEl>
+                                          <p:spTgt spid="2">
+                                            <p:txEl>
+                                              <p:pRg st="0" end="0"/>
+                                            </p:txEl>
+                                          </p:spTgt>
+                                        </p:tgtEl>
+                                        <p:attrNameLst>
+                                          <p:attrName>style.visibility</p:attrName>
+                                        </p:attrNameLst>
+                                      </p:cBhvr>
+                                      <p:to>
+                                        <p:strVal val="visible"/>
+                                      </p:to>
+                                    </p:set>
+                                  </p:childTnLst>
+                                </p:cTn>
+                              </p:par>
+                            </p:childTnLst>
+                          </p:cTn>
+                        </p:par>
+                        <p:par>
+                          <p:cTn id="7" fill="hold">
+                            <p:stCondLst>
+                              <p:cond delay="0"/>
+                            </p:stCondLst>
+                            <p:childTnLst>
+                              <p:par>
+                                <p:cTn id="8" presetID="1" presetClass="entr" presetSubtype="0" fill="hold" grpId="0" nodeType="afterEffect">
+                                  <p:stCondLst>
+                                    <p:cond delay="0"/>
+                                  </p:stCondLst>
+                                  <p:childTnLst>
+                                    <p:set>
+                                      <p:cBhvr>
+                                        <p:cTn id="9" dur="1" fill="hold">
+                                          <p:stCondLst>
+                                            <p:cond delay="0"/>
+                                          </p:stCondLst>
+                                        </p:cTn>
+                                        <p:tgtEl>
+                                          <p:spTgt spid="2">
+                                            <p:txEl>
+                                              <p:pRg st="1" end="1"/>
+                                            </p:txEl>
+                                          </p:spTgt>
+                                        </p:tgtEl>
+                                        <p:attrNameLst>
+                                          <p:attrName>style.visibility</p:attrName>
+                                        </p:attrNameLst>
+                                      </p:cBhvr>
+                                      <p:to>
+                                        <p:strVal val="visible"/>
+                                      </p:to>
+                                    </p:set>
+                                  </p:childTnLst>
+                                </p:cTn>
+                              </p:par>
+                            </p:childTnLst>
+                          </p:cTn>
+                        </p:par>
+                        <p:par>
+                          <p:cTn id="10" fill="hold">
+                            <p:stCondLst>
+                              <p:cond delay="0"/>
+                            </p:stCondLst>
+                            <p:childTnLst>
+                              <p:par>
+                                <p:cTn id="11" presetID="1" presetClass="entr" presetSubtype="0" fill="hold" grpId="0" nodeType="afterEffect">
+                                  <p:stCondLst>
+                                    <p:cond delay="0"/>
+                                  </p:stCondLst>
+                                  <p:childTnLst>
+                                    <p:set>
+                                      <p:cBhvr>
+                                        <p:cTn id="12" dur="1" fill="hold">
+                                          <p:stCondLst>
+                                            <p:cond delay="0"/>
+                                          </p:stCondLst>
+                                        </p:cTn>
+                                        <p:tgtEl>
+                                          <p:spTgt spid="2">
+                                            <p:txEl>
+                                              <p:pRg st="2" end="2"/>
+                                            </p:txEl>
+                                          </p:spTgt>
+                                        </p:tgtEl>
+                                        <p:attrNameLst>
+                                          <p:attrName>style.visibility</p:attrName>
+                                        </p:attrNameLst>
+                                      </p:cBhvr>
+                                      <p:to>
+                                        <p:strVal val="visible"/>
+                                      </p:to>
+                                    </p:set>
+                                  </p:childTnLst>
+                                </p:cTn>
+                              </p:par>
+                            </p:childTnLst>
+                          </p:cTn>
+                        </p:par>
+                        <p:par>
+                          <p:cTn id="13" fill="hold">
+                            <p:stCondLst>
+                              <p:cond delay="0"/>
+                            </p:stCondLst>
+                            <p:childTnLst>
+                              <p:par>
+                                <p:cTn id="14" presetID="1" presetClass="entr" presetSubtype="0" fill="hold" grpId="0" nodeType="afterEffect">
+                                  <p:stCondLst>
+                                    <p:cond delay="0"/>
+                                  </p:stCondLst>
+                                  <p:childTnLst>
+                                    <p:set>
+                                      <p:cBhvr>
+                                        <p:cTn id="15" dur="1" fill="hold">
+                                          <p:stCondLst>
+                                            <p:cond delay="0"/>
+                                          </p:stCondLst>
+                                        </p:cTn>
+                                        <p:tgtEl>
+                                          <p:spTgt spid="2">
+                                            <p:txEl>
+                                              <p:pRg st="3" end="3"/>
+                                            </p:txEl>
+                                          </p:spTgt>
+                                        </p:tgtEl>
+                                        <p:attrNameLst>
+                                          <p:attrName>style.visibility</p:attrName>
+                                        </p:attrNameLst>
+                                      </p:cBhvr>
+                                      <p:to>
+                                        <p:strVal val="visible"/>
+                                      </p:to>
+                                    </p:set>
+                                  </p:childTnLst>
+                                </p:cTn>
+                              </p:par>
+                            </p:childTnLst>
+                          </p:cTn>
+                        </p:par>
+                      </p:childTnLst>
+                    </p:cTn>
+                  </p:par>
+                </p:childTnLst>
+              </p:cTn>
+              <p:prevCondLst>
+                <p:cond evt="onPrev" delay="0">
+                  <p:tgtEl>
+                    <p:sldTgt/>
+                  </p:tgtEl>
+                </p:cond>
+              </p:prevCondLst>
+              <p:nextCondLst>
+                <p:cond evt="onNext" delay="0">
+                  <p:tgtEl>
+                    <p:sldTgt/>
+                  </p:tgtEl>
+                </p:cond>
+              </p:nextCondLst>
+            </p:seq>
+          </p:childTnLst>
+        </p:cTn>
       </p:par>
     </p:tnLst>
+    <p:bldLst>
+      <p:bldP spid="2" grpId="0" uiExpand="1" build="p"/>
+    </p:bldLst>
   </p:timing>
 </p:sld>
 </file>
@@ -19378,30 +20546,21 @@
                             </p:childTnLst>
                           </p:cTn>
                         </p:par>
-                      </p:childTnLst>
-                    </p:cTn>
-                  </p:par>
-                  <p:par>
-                    <p:cTn id="12" fill="hold">
-                      <p:stCondLst>
-                        <p:cond delay="indefinite"/>
-                      </p:stCondLst>
-                      <p:childTnLst>
                         <p:par>
-                          <p:cTn id="13" fill="hold">
+                          <p:cTn id="12" fill="hold">
                             <p:stCondLst>
                               <p:cond delay="0"/>
                             </p:stCondLst>
                             <p:childTnLst>
                               <p:par>
-                                <p:cTn id="14" presetID="1" presetClass="entr" presetSubtype="0" fill="hold" grpId="0" nodeType="clickEffect">
+                                <p:cTn id="13" presetID="1" presetClass="entr" presetSubtype="0" fill="hold" grpId="0" nodeType="afterEffect">
                                   <p:stCondLst>
                                     <p:cond delay="0"/>
                                   </p:stCondLst>
                                   <p:childTnLst>
                                     <p:set>
                                       <p:cBhvr>
-                                        <p:cTn id="15" dur="1" fill="hold">
+                                        <p:cTn id="14" dur="1" fill="hold">
                                           <p:stCondLst>
                                             <p:cond delay="0"/>
                                           </p:stCondLst>
@@ -19427,30 +20586,21 @@
                             </p:childTnLst>
                           </p:cTn>
                         </p:par>
-                      </p:childTnLst>
-                    </p:cTn>
-                  </p:par>
-                  <p:par>
-                    <p:cTn id="16" fill="hold">
-                      <p:stCondLst>
-                        <p:cond delay="indefinite"/>
-                      </p:stCondLst>
-                      <p:childTnLst>
                         <p:par>
-                          <p:cTn id="17" fill="hold">
+                          <p:cTn id="15" fill="hold">
                             <p:stCondLst>
                               <p:cond delay="0"/>
                             </p:stCondLst>
                             <p:childTnLst>
                               <p:par>
-                                <p:cTn id="18" presetID="1" presetClass="entr" presetSubtype="0" fill="hold" grpId="0" nodeType="clickEffect">
+                                <p:cTn id="16" presetID="1" presetClass="entr" presetSubtype="0" fill="hold" grpId="0" nodeType="afterEffect">
                                   <p:stCondLst>
                                     <p:cond delay="0"/>
                                   </p:stCondLst>
                                   <p:childTnLst>
                                     <p:set>
                                       <p:cBhvr>
-                                        <p:cTn id="19" dur="1" fill="hold">
+                                        <p:cTn id="17" dur="1" fill="hold">
                                           <p:stCondLst>
                                             <p:cond delay="0"/>
                                           </p:stCondLst>
@@ -19476,30 +20626,21 @@
                             </p:childTnLst>
                           </p:cTn>
                         </p:par>
-                      </p:childTnLst>
-                    </p:cTn>
-                  </p:par>
-                  <p:par>
-                    <p:cTn id="20" fill="hold">
-                      <p:stCondLst>
-                        <p:cond delay="indefinite"/>
-                      </p:stCondLst>
-                      <p:childTnLst>
                         <p:par>
-                          <p:cTn id="21" fill="hold">
+                          <p:cTn id="18" fill="hold">
                             <p:stCondLst>
                               <p:cond delay="0"/>
                             </p:stCondLst>
                             <p:childTnLst>
                               <p:par>
-                                <p:cTn id="22" presetID="1" presetClass="entr" presetSubtype="0" fill="hold" grpId="0" nodeType="clickEffect">
+                                <p:cTn id="19" presetID="1" presetClass="entr" presetSubtype="0" fill="hold" grpId="0" nodeType="afterEffect">
                                   <p:stCondLst>
                                     <p:cond delay="0"/>
                                   </p:stCondLst>
                                   <p:childTnLst>
                                     <p:set>
                                       <p:cBhvr>
-                                        <p:cTn id="23" dur="1" fill="hold">
+                                        <p:cTn id="20" dur="1" fill="hold">
                                           <p:stCondLst>
                                             <p:cond delay="0"/>
                                           </p:stCondLst>
@@ -19525,30 +20666,21 @@
                             </p:childTnLst>
                           </p:cTn>
                         </p:par>
-                      </p:childTnLst>
-                    </p:cTn>
-                  </p:par>
-                  <p:par>
-                    <p:cTn id="24" fill="hold">
-                      <p:stCondLst>
-                        <p:cond delay="indefinite"/>
-                      </p:stCondLst>
-                      <p:childTnLst>
                         <p:par>
-                          <p:cTn id="25" fill="hold">
+                          <p:cTn id="21" fill="hold">
                             <p:stCondLst>
                               <p:cond delay="0"/>
                             </p:stCondLst>
                             <p:childTnLst>
                               <p:par>
-                                <p:cTn id="26" presetID="1" presetClass="entr" presetSubtype="0" fill="hold" grpId="0" nodeType="clickEffect">
+                                <p:cTn id="22" presetID="1" presetClass="entr" presetSubtype="0" fill="hold" grpId="0" nodeType="afterEffect">
                                   <p:stCondLst>
                                     <p:cond delay="0"/>
                                   </p:stCondLst>
                                   <p:childTnLst>
                                     <p:set>
                                       <p:cBhvr>
-                                        <p:cTn id="27" dur="1" fill="hold">
+                                        <p:cTn id="23" dur="1" fill="hold">
                                           <p:stCondLst>
                                             <p:cond delay="0"/>
                                           </p:stCondLst>
@@ -19574,30 +20706,21 @@
                             </p:childTnLst>
                           </p:cTn>
                         </p:par>
-                      </p:childTnLst>
-                    </p:cTn>
-                  </p:par>
-                  <p:par>
-                    <p:cTn id="28" fill="hold">
-                      <p:stCondLst>
-                        <p:cond delay="indefinite"/>
-                      </p:stCondLst>
-                      <p:childTnLst>
                         <p:par>
-                          <p:cTn id="29" fill="hold">
+                          <p:cTn id="24" fill="hold">
                             <p:stCondLst>
                               <p:cond delay="0"/>
                             </p:stCondLst>
                             <p:childTnLst>
                               <p:par>
-                                <p:cTn id="30" presetID="1" presetClass="entr" presetSubtype="0" fill="hold" grpId="0" nodeType="clickEffect">
+                                <p:cTn id="25" presetID="1" presetClass="entr" presetSubtype="0" fill="hold" grpId="0" nodeType="afterEffect">
                                   <p:stCondLst>
                                     <p:cond delay="0"/>
                                   </p:stCondLst>
                                   <p:childTnLst>
                                     <p:set>
                                       <p:cBhvr>
-                                        <p:cTn id="31" dur="1" fill="hold">
+                                        <p:cTn id="26" dur="1" fill="hold">
                                           <p:stCondLst>
                                             <p:cond delay="0"/>
                                           </p:stCondLst>
@@ -19627,26 +20750,26 @@
                     </p:cTn>
                   </p:par>
                   <p:par>
-                    <p:cTn id="32" fill="hold">
+                    <p:cTn id="27" fill="hold">
                       <p:stCondLst>
                         <p:cond delay="indefinite"/>
                       </p:stCondLst>
                       <p:childTnLst>
                         <p:par>
-                          <p:cTn id="33" fill="hold">
+                          <p:cTn id="28" fill="hold">
                             <p:stCondLst>
                               <p:cond delay="0"/>
                             </p:stCondLst>
                             <p:childTnLst>
                               <p:par>
-                                <p:cTn id="34" presetID="26" presetClass="entr" presetSubtype="0" fill="hold" nodeType="clickEffect">
+                                <p:cTn id="29" presetID="26" presetClass="entr" presetSubtype="0" fill="hold" nodeType="clickEffect">
                                   <p:stCondLst>
                                     <p:cond delay="0"/>
                                   </p:stCondLst>
                                   <p:childTnLst>
                                     <p:set>
                                       <p:cBhvr>
-                                        <p:cTn id="35" dur="1" fill="hold">
+                                        <p:cTn id="30" dur="1" fill="hold">
                                           <p:stCondLst>
                                             <p:cond delay="0"/>
                                           </p:stCondLst>
@@ -19664,7 +20787,7 @@
                                     </p:set>
                                     <p:animEffect transition="in" filter="wipe(down)">
                                       <p:cBhvr>
-                                        <p:cTn id="36" dur="580">
+                                        <p:cTn id="31" dur="580">
                                           <p:stCondLst>
                                             <p:cond delay="0"/>
                                           </p:stCondLst>
@@ -19676,7 +20799,7 @@
                                     </p:animEffect>
                                     <p:anim calcmode="lin" valueType="num">
                                       <p:cBhvr>
-                                        <p:cTn id="37" dur="1822" tmFilter="0,0; 0.14,0.36; 0.43,0.73; 0.71,0.91; 1.0,1.0">
+                                        <p:cTn id="32" dur="1822" tmFilter="0,0; 0.14,0.36; 0.43,0.73; 0.71,0.91; 1.0,1.0">
                                           <p:stCondLst>
                                             <p:cond delay="0"/>
                                           </p:stCondLst>
@@ -19703,7 +20826,7 @@
                                     </p:anim>
                                     <p:anim calcmode="lin" valueType="num">
                                       <p:cBhvr>
-                                        <p:cTn id="38" dur="664" tmFilter="0.0,0.0; 0.25,0.07; 0.50,0.2; 0.75,0.467; 1.0,1.0">
+                                        <p:cTn id="33" dur="664" tmFilter="0.0,0.0; 0.25,0.07; 0.50,0.2; 0.75,0.467; 1.0,1.0">
                                           <p:stCondLst>
                                             <p:cond delay="0"/>
                                           </p:stCondLst>
@@ -19730,7 +20853,7 @@
                                     </p:anim>
                                     <p:anim calcmode="lin" valueType="num">
                                       <p:cBhvr>
-                                        <p:cTn id="39" dur="664" tmFilter="0, 0; 0.125,0.2665; 0.25,0.4; 0.375,0.465; 0.5,0.5;  0.625,0.535; 0.75,0.6; 0.875,0.7335; 1,1">
+                                        <p:cTn id="34" dur="664" tmFilter="0, 0; 0.125,0.2665; 0.25,0.4; 0.375,0.465; 0.5,0.5;  0.625,0.535; 0.75,0.6; 0.875,0.7335; 1,1">
                                           <p:stCondLst>
                                             <p:cond delay="664"/>
                                           </p:stCondLst>
@@ -19757,7 +20880,7 @@
                                     </p:anim>
                                     <p:anim calcmode="lin" valueType="num">
                                       <p:cBhvr>
-                                        <p:cTn id="40" dur="332" tmFilter="0, 0; 0.125,0.2665; 0.25,0.4; 0.375,0.465; 0.5,0.5;  0.625,0.535; 0.75,0.6; 0.875,0.7335; 1,1">
+                                        <p:cTn id="35" dur="332" tmFilter="0, 0; 0.125,0.2665; 0.25,0.4; 0.375,0.465; 0.5,0.5;  0.625,0.535; 0.75,0.6; 0.875,0.7335; 1,1">
                                           <p:stCondLst>
                                             <p:cond delay="1324"/>
                                           </p:stCondLst>
@@ -19784,7 +20907,7 @@
                                     </p:anim>
                                     <p:anim calcmode="lin" valueType="num">
                                       <p:cBhvr>
-                                        <p:cTn id="41" dur="164" tmFilter="0, 0; 0.125,0.2665; 0.25,0.4; 0.375,0.465; 0.5,0.5;  0.625,0.535; 0.75,0.6; 0.875,0.7335; 1,1">
+                                        <p:cTn id="36" dur="164" tmFilter="0, 0; 0.125,0.2665; 0.25,0.4; 0.375,0.465; 0.5,0.5;  0.625,0.535; 0.75,0.6; 0.875,0.7335; 1,1">
                                           <p:stCondLst>
                                             <p:cond delay="1656"/>
                                           </p:stCondLst>
@@ -19811,7 +20934,7 @@
                                     </p:anim>
                                     <p:animScale>
                                       <p:cBhvr>
-                                        <p:cTn id="42" dur="26">
+                                        <p:cTn id="37" dur="26">
                                           <p:stCondLst>
                                             <p:cond delay="650"/>
                                           </p:stCondLst>
@@ -19824,7 +20947,7 @@
                                     </p:animScale>
                                     <p:animScale>
                                       <p:cBhvr>
-                                        <p:cTn id="43" dur="166" decel="50000">
+                                        <p:cTn id="38" dur="166" decel="50000">
                                           <p:stCondLst>
                                             <p:cond delay="676"/>
                                           </p:stCondLst>
@@ -19837,7 +20960,7 @@
                                     </p:animScale>
                                     <p:animScale>
                                       <p:cBhvr>
-                                        <p:cTn id="44" dur="26">
+                                        <p:cTn id="39" dur="26">
                                           <p:stCondLst>
                                             <p:cond delay="1312"/>
                                           </p:stCondLst>
@@ -19850,7 +20973,7 @@
                                     </p:animScale>
                                     <p:animScale>
                                       <p:cBhvr>
-                                        <p:cTn id="45" dur="166" decel="50000">
+                                        <p:cTn id="40" dur="166" decel="50000">
                                           <p:stCondLst>
                                             <p:cond delay="1338"/>
                                           </p:stCondLst>
@@ -19863,7 +20986,7 @@
                                     </p:animScale>
                                     <p:animScale>
                                       <p:cBhvr>
-                                        <p:cTn id="46" dur="26">
+                                        <p:cTn id="41" dur="26">
                                           <p:stCondLst>
                                             <p:cond delay="1642"/>
                                           </p:stCondLst>
@@ -19876,7 +20999,7 @@
                                     </p:animScale>
                                     <p:animScale>
                                       <p:cBhvr>
-                                        <p:cTn id="47" dur="166" decel="50000">
+                                        <p:cTn id="42" dur="166" decel="50000">
                                           <p:stCondLst>
                                             <p:cond delay="1668"/>
                                           </p:stCondLst>
@@ -19889,7 +21012,7 @@
                                     </p:animScale>
                                     <p:animScale>
                                       <p:cBhvr>
-                                        <p:cTn id="48" dur="26">
+                                        <p:cTn id="43" dur="26">
                                           <p:stCondLst>
                                             <p:cond delay="1808"/>
                                           </p:stCondLst>
@@ -19902,7 +21025,7 @@
                                     </p:animScale>
                                     <p:animScale>
                                       <p:cBhvr>
-                                        <p:cTn id="49" dur="166" decel="50000">
+                                        <p:cTn id="44" dur="166" decel="50000">
                                           <p:stCondLst>
                                             <p:cond delay="1834"/>
                                           </p:stCondLst>
@@ -19920,20 +21043,20 @@
                           </p:cTn>
                         </p:par>
                         <p:par>
-                          <p:cTn id="50" fill="hold">
+                          <p:cTn id="45" fill="hold">
                             <p:stCondLst>
                               <p:cond delay="2000"/>
                             </p:stCondLst>
                             <p:childTnLst>
                               <p:par>
-                                <p:cTn id="51" presetID="10" presetClass="entr" presetSubtype="0" fill="hold" grpId="0" nodeType="afterEffect">
+                                <p:cTn id="46" presetID="10" presetClass="entr" presetSubtype="0" fill="hold" grpId="0" nodeType="afterEffect">
                                   <p:stCondLst>
                                     <p:cond delay="0"/>
                                   </p:stCondLst>
                                   <p:childTnLst>
                                     <p:set>
                                       <p:cBhvr>
-                                        <p:cTn id="52" dur="1" fill="hold">
+                                        <p:cTn id="47" dur="1" fill="hold">
                                           <p:stCondLst>
                                             <p:cond delay="0"/>
                                           </p:stCondLst>
@@ -19951,7 +21074,7 @@
                                     </p:set>
                                     <p:animEffect transition="in" filter="fade">
                                       <p:cBhvr>
-                                        <p:cTn id="53" dur="500"/>
+                                        <p:cTn id="48" dur="500"/>
                                         <p:tgtEl>
                                           <p:spTgt spid="5"/>
                                         </p:tgtEl>
@@ -19988,7 +21111,7 @@
       </p:par>
     </p:tnLst>
     <p:bldLst>
-      <p:bldP spid="2" grpId="0" build="p"/>
+      <p:bldP spid="2" grpId="0" uiExpand="1" build="p"/>
       <p:bldP spid="5" grpId="0"/>
     </p:bldLst>
   </p:timing>

--- a/Apresentacao.Knockout.JS/Knockout.JS.2014.04.pptx
+++ b/Apresentacao.Knockout.JS/Knockout.JS.2014.04.pptx
@@ -5,7 +5,7 @@
     <p:sldMasterId id="2147483660" r:id="rId2"/>
   </p:sldMasterIdLst>
   <p:notesMasterIdLst>
-    <p:notesMasterId r:id="rId19"/>
+    <p:notesMasterId r:id="rId20"/>
   </p:notesMasterIdLst>
   <p:sldIdLst>
     <p:sldId id="256" r:id="rId3"/>
@@ -16,14 +16,15 @@
     <p:sldId id="267" r:id="rId8"/>
     <p:sldId id="268" r:id="rId9"/>
     <p:sldId id="277" r:id="rId10"/>
-    <p:sldId id="271" r:id="rId11"/>
-    <p:sldId id="278" r:id="rId12"/>
-    <p:sldId id="275" r:id="rId13"/>
-    <p:sldId id="276" r:id="rId14"/>
-    <p:sldId id="272" r:id="rId15"/>
-    <p:sldId id="273" r:id="rId16"/>
-    <p:sldId id="279" r:id="rId17"/>
-    <p:sldId id="274" r:id="rId18"/>
+    <p:sldId id="280" r:id="rId11"/>
+    <p:sldId id="271" r:id="rId12"/>
+    <p:sldId id="278" r:id="rId13"/>
+    <p:sldId id="275" r:id="rId14"/>
+    <p:sldId id="276" r:id="rId15"/>
+    <p:sldId id="272" r:id="rId16"/>
+    <p:sldId id="273" r:id="rId17"/>
+    <p:sldId id="279" r:id="rId18"/>
+    <p:sldId id="274" r:id="rId19"/>
   </p:sldIdLst>
   <p:sldSz cx="12192000" cy="6858000"/>
   <p:notesSz cx="6858000" cy="9144000"/>
@@ -3259,7 +3260,7 @@
             <a:fld id="{E28287AA-0D99-42CE-A71B-10FA9908BBF8}" type="datetimeFigureOut">
               <a:rPr lang="en-US" smtClean="0"/>
               <a:pPr/>
-              <a:t>4/23/2014</a:t>
+              <a:t>26-Apr-14</a:t>
             </a:fld>
             <a:endParaRPr lang="en-US"/>
           </a:p>
@@ -3421,7 +3422,7 @@
             <a:fld id="{D7C167DB-EFF0-400D-96A1-6799F871DE5B}" type="slidenum">
               <a:rPr lang="en-US" smtClean="0"/>
               <a:pPr/>
-              <a:t>‹nº›</a:t>
+              <a:t>‹#›</a:t>
             </a:fld>
             <a:endParaRPr lang="en-US"/>
           </a:p>
@@ -3913,7 +3914,7 @@
             <a:fld id="{DCFA480D-CB17-4C49-BB2A-C7514E1C7CEA}" type="datetimeFigureOut">
               <a:rPr lang="en-US" smtClean="0"/>
               <a:pPr/>
-              <a:t>4/23/2014</a:t>
+              <a:t>26-Apr-14</a:t>
             </a:fld>
             <a:endParaRPr lang="en-US"/>
           </a:p>
@@ -3938,7 +3939,7 @@
             <a:fld id="{CEAB1635-7AB6-4A02-8F63-2344453D2D84}" type="slidenum">
               <a:rPr lang="en-US" smtClean="0"/>
               <a:pPr algn="ctr"/>
-              <a:t>‹nº›</a:t>
+              <a:t>‹#›</a:t>
             </a:fld>
             <a:endParaRPr lang="en-US" dirty="0"/>
           </a:p>
@@ -4081,7 +4082,7 @@
             <a:fld id="{DCFA480D-CB17-4C49-BB2A-C7514E1C7CEA}" type="datetimeFigureOut">
               <a:rPr lang="en-US" smtClean="0"/>
               <a:pPr/>
-              <a:t>4/23/2014</a:t>
+              <a:t>26-Apr-14</a:t>
             </a:fld>
             <a:endParaRPr lang="en-US"/>
           </a:p>
@@ -4124,7 +4125,7 @@
             <a:fld id="{CEAB1635-7AB6-4A02-8F63-2344453D2D84}" type="slidenum">
               <a:rPr lang="en-US" smtClean="0"/>
               <a:pPr/>
-              <a:t>‹nº›</a:t>
+              <a:t>‹#›</a:t>
             </a:fld>
             <a:endParaRPr lang="en-US"/>
           </a:p>
@@ -4258,7 +4259,7 @@
             <a:fld id="{DCFA480D-CB17-4C49-BB2A-C7514E1C7CEA}" type="datetimeFigureOut">
               <a:rPr lang="en-US" smtClean="0"/>
               <a:pPr/>
-              <a:t>4/23/2014</a:t>
+              <a:t>26-Apr-14</a:t>
             </a:fld>
             <a:endParaRPr lang="en-US"/>
           </a:p>
@@ -4301,7 +4302,7 @@
             <a:fld id="{CEAB1635-7AB6-4A02-8F63-2344453D2D84}" type="slidenum">
               <a:rPr lang="en-US" smtClean="0"/>
               <a:pPr/>
-              <a:t>‹nº›</a:t>
+              <a:t>‹#›</a:t>
             </a:fld>
             <a:endParaRPr lang="en-US"/>
           </a:p>
@@ -4407,7 +4408,7 @@
             <a:fld id="{DCFA480D-CB17-4C49-BB2A-C7514E1C7CEA}" type="datetimeFigureOut">
               <a:rPr lang="en-US" smtClean="0"/>
               <a:pPr/>
-              <a:t>4/23/2014</a:t>
+              <a:t>26-Apr-14</a:t>
             </a:fld>
             <a:endParaRPr lang="en-US"/>
           </a:p>
@@ -4436,7 +4437,7 @@
             <a:fld id="{CEAB1635-7AB6-4A02-8F63-2344453D2D84}" type="slidenum">
               <a:rPr lang="en-US" smtClean="0"/>
               <a:pPr algn="ctr"/>
-              <a:t>‹nº›</a:t>
+              <a:t>‹#›</a:t>
             </a:fld>
             <a:endParaRPr lang="en-US" dirty="0"/>
           </a:p>
@@ -4532,7 +4533,7 @@
             <a:fld id="{DCFA480D-CB17-4C49-BB2A-C7514E1C7CEA}" type="datetimeFigureOut">
               <a:rPr lang="en-US" smtClean="0"/>
               <a:pPr/>
-              <a:t>4/23/2014</a:t>
+              <a:t>26-Apr-14</a:t>
             </a:fld>
             <a:endParaRPr lang="en-US" dirty="0"/>
           </a:p>
@@ -4575,7 +4576,7 @@
             <a:fld id="{CEAB1635-7AB6-4A02-8F63-2344453D2D84}" type="slidenum">
               <a:rPr lang="en-US" smtClean="0"/>
               <a:pPr/>
-              <a:t>‹nº›</a:t>
+              <a:t>‹#›</a:t>
             </a:fld>
             <a:endParaRPr lang="en-US" dirty="0"/>
           </a:p>
@@ -4804,7 +4805,7 @@
             <a:fld id="{DCFA480D-CB17-4C49-BB2A-C7514E1C7CEA}" type="datetimeFigureOut">
               <a:rPr lang="en-US" smtClean="0"/>
               <a:pPr/>
-              <a:t>4/23/2014</a:t>
+              <a:t>26-Apr-14</a:t>
             </a:fld>
             <a:endParaRPr lang="en-US" dirty="0"/>
           </a:p>
@@ -4847,7 +4848,7 @@
             <a:fld id="{CEAB1635-7AB6-4A02-8F63-2344453D2D84}" type="slidenum">
               <a:rPr lang="en-US" smtClean="0"/>
               <a:pPr/>
-              <a:t>‹nº›</a:t>
+              <a:t>‹#›</a:t>
             </a:fld>
             <a:endParaRPr lang="en-US" dirty="0"/>
           </a:p>
@@ -5033,7 +5034,7 @@
             <a:fld id="{CEAB1635-7AB6-4A02-8F63-2344453D2D84}" type="slidenum">
               <a:rPr lang="en-US" smtClean="0"/>
               <a:pPr/>
-              <a:t>‹nº›</a:t>
+              <a:t>‹#›</a:t>
             </a:fld>
             <a:endParaRPr lang="en-US" dirty="0"/>
           </a:p>
@@ -5076,7 +5077,7 @@
             <a:fld id="{DCFA480D-CB17-4C49-BB2A-C7514E1C7CEA}" type="datetimeFigureOut">
               <a:rPr lang="en-US" smtClean="0"/>
               <a:pPr/>
-              <a:t>4/23/2014</a:t>
+              <a:t>26-Apr-14</a:t>
             </a:fld>
             <a:endParaRPr lang="en-US" dirty="0"/>
           </a:p>
@@ -5524,7 +5525,7 @@
             <a:fld id="{DCFA480D-CB17-4C49-BB2A-C7514E1C7CEA}" type="datetimeFigureOut">
               <a:rPr lang="en-US" smtClean="0"/>
               <a:pPr/>
-              <a:t>4/23/2014</a:t>
+              <a:t>26-Apr-14</a:t>
             </a:fld>
             <a:endParaRPr lang="en-US" dirty="0"/>
           </a:p>
@@ -5567,7 +5568,7 @@
             <a:fld id="{CEAB1635-7AB6-4A02-8F63-2344453D2D84}" type="slidenum">
               <a:rPr lang="en-US" smtClean="0"/>
               <a:pPr/>
-              <a:t>‹nº›</a:t>
+              <a:t>‹#›</a:t>
             </a:fld>
             <a:endParaRPr lang="en-US" dirty="0"/>
           </a:p>
@@ -5639,7 +5640,7 @@
             <a:fld id="{DCFA480D-CB17-4C49-BB2A-C7514E1C7CEA}" type="datetimeFigureOut">
               <a:rPr lang="en-US" smtClean="0"/>
               <a:pPr/>
-              <a:t>4/23/2014</a:t>
+              <a:t>26-Apr-14</a:t>
             </a:fld>
             <a:endParaRPr lang="en-US" dirty="0"/>
           </a:p>
@@ -5682,7 +5683,7 @@
             <a:fld id="{CEAB1635-7AB6-4A02-8F63-2344453D2D84}" type="slidenum">
               <a:rPr lang="en-US" smtClean="0"/>
               <a:pPr/>
-              <a:t>‹nº›</a:t>
+              <a:t>‹#›</a:t>
             </a:fld>
             <a:endParaRPr lang="en-US" dirty="0"/>
           </a:p>
@@ -5891,7 +5892,7 @@
             <a:fld id="{DCFA480D-CB17-4C49-BB2A-C7514E1C7CEA}" type="datetimeFigureOut">
               <a:rPr lang="en-US" smtClean="0"/>
               <a:pPr/>
-              <a:t>4/23/2014</a:t>
+              <a:t>26-Apr-14</a:t>
             </a:fld>
             <a:endParaRPr lang="en-US"/>
           </a:p>
@@ -5916,7 +5917,7 @@
             <a:fld id="{CEAB1635-7AB6-4A02-8F63-2344453D2D84}" type="slidenum">
               <a:rPr lang="en-US" smtClean="0"/>
               <a:pPr algn="ctr"/>
-              <a:t>‹nº›</a:t>
+              <a:t>‹#›</a:t>
             </a:fld>
             <a:endParaRPr lang="en-US" dirty="0"/>
           </a:p>
@@ -6134,7 +6135,7 @@
             <a:fld id="{DCFA480D-CB17-4C49-BB2A-C7514E1C7CEA}" type="datetimeFigureOut">
               <a:rPr lang="en-US" smtClean="0"/>
               <a:pPr/>
-              <a:t>4/23/2014</a:t>
+              <a:t>26-Apr-14</a:t>
             </a:fld>
             <a:endParaRPr lang="en-US"/>
           </a:p>
@@ -6159,7 +6160,7 @@
             <a:fld id="{CEAB1635-7AB6-4A02-8F63-2344453D2D84}" type="slidenum">
               <a:rPr lang="en-US" smtClean="0"/>
               <a:pPr algn="ctr"/>
-              <a:t>‹nº›</a:t>
+              <a:t>‹#›</a:t>
             </a:fld>
             <a:endParaRPr lang="en-US" dirty="0"/>
           </a:p>
@@ -6310,7 +6311,7 @@
             <a:fld id="{DCFA480D-CB17-4C49-BB2A-C7514E1C7CEA}" type="datetimeFigureOut">
               <a:rPr lang="en-US" smtClean="0"/>
               <a:pPr/>
-              <a:t>4/23/2014</a:t>
+              <a:t>26-Apr-14</a:t>
             </a:fld>
             <a:endParaRPr lang="en-US" sz="1200" dirty="0">
               <a:solidFill>
@@ -6398,7 +6399,7 @@
             <a:fld id="{CEAB1635-7AB6-4A02-8F63-2344453D2D84}" type="slidenum">
               <a:rPr lang="en-US" smtClean="0"/>
               <a:pPr algn="ctr"/>
-              <a:t>‹nº›</a:t>
+              <a:t>‹#›</a:t>
             </a:fld>
             <a:endParaRPr lang="en-US" sz="1600" baseline="0" dirty="0">
               <a:solidFill>
@@ -7020,6 +7021,1275 @@
 </file>
 
 <file path=ppt/slides/slide10.xml><?xml version="1.0" encoding="utf-8"?>
+<p:sld xmlns:a="http://schemas.openxmlformats.org/drawingml/2006/main" xmlns:r="http://schemas.openxmlformats.org/officeDocument/2006/relationships" xmlns:p="http://schemas.openxmlformats.org/presentationml/2006/main">
+  <p:cSld>
+    <p:spTree>
+      <p:nvGrpSpPr>
+        <p:cNvPr id="1" name=""/>
+        <p:cNvGrpSpPr/>
+        <p:nvPr/>
+      </p:nvGrpSpPr>
+      <p:grpSpPr>
+        <a:xfrm>
+          <a:off x="0" y="0"/>
+          <a:ext cx="0" cy="0"/>
+          <a:chOff x="0" y="0"/>
+          <a:chExt cx="0" cy="0"/>
+        </a:xfrm>
+      </p:grpSpPr>
+      <p:sp>
+        <p:nvSpPr>
+          <p:cNvPr id="2" name="Content Placeholder 1"/>
+          <p:cNvSpPr>
+            <a:spLocks noGrp="1"/>
+          </p:cNvSpPr>
+          <p:nvPr>
+            <p:ph idx="1"/>
+          </p:nvPr>
+        </p:nvSpPr>
+        <p:spPr>
+          <a:xfrm>
+            <a:off x="609600" y="1524000"/>
+            <a:ext cx="10972800" cy="3255039"/>
+          </a:xfrm>
+        </p:spPr>
+        <p:txBody>
+          <a:bodyPr/>
+          <a:lstStyle/>
+          <a:p>
+            <a:r>
+              <a:rPr lang="en-US" dirty="0" smtClean="0"/>
+              <a:t>Obter dados do Servidor</a:t>
+            </a:r>
+          </a:p>
+          <a:p>
+            <a:r>
+              <a:rPr lang="en-US" dirty="0" smtClean="0"/>
+              <a:t>Definir uma interface com o usuário</a:t>
+            </a:r>
+          </a:p>
+          <a:p>
+            <a:r>
+              <a:rPr lang="en-US" dirty="0" smtClean="0"/>
+              <a:t>Criar métodos para apresentação e manter os dados  (DOM)</a:t>
+            </a:r>
+          </a:p>
+          <a:p>
+            <a:r>
+              <a:rPr lang="en-US" dirty="0" smtClean="0"/>
+              <a:t>Criar métodos para manipular os dados (como reordenação da lista) </a:t>
+            </a:r>
+          </a:p>
+          <a:p>
+            <a:r>
+              <a:rPr lang="en-US" dirty="0"/>
+              <a:t>Criar métodos para validar os dados do </a:t>
+            </a:r>
+            <a:r>
+              <a:rPr lang="en-US" dirty="0" smtClean="0"/>
+              <a:t>usuário</a:t>
+            </a:r>
+          </a:p>
+          <a:p>
+            <a:r>
+              <a:rPr lang="en-US" dirty="0" smtClean="0"/>
+              <a:t>Criar métodos para persistir os dados</a:t>
+            </a:r>
+            <a:endParaRPr lang="en-US" dirty="0"/>
+          </a:p>
+        </p:txBody>
+      </p:sp>
+      <p:sp>
+        <p:nvSpPr>
+          <p:cNvPr id="3" name="Title 2"/>
+          <p:cNvSpPr>
+            <a:spLocks noGrp="1"/>
+          </p:cNvSpPr>
+          <p:nvPr>
+            <p:ph type="title"/>
+          </p:nvPr>
+        </p:nvSpPr>
+        <p:spPr/>
+        <p:txBody>
+          <a:bodyPr/>
+          <a:lstStyle/>
+          <a:p>
+            <a:r>
+              <a:rPr lang="en-US" dirty="0" smtClean="0"/>
+              <a:t>Apresentando </a:t>
+            </a:r>
+            <a:r>
+              <a:rPr lang="en-US" dirty="0"/>
+              <a:t>o primeiro exemplo</a:t>
+            </a:r>
+          </a:p>
+        </p:txBody>
+      </p:sp>
+      <p:grpSp>
+        <p:nvGrpSpPr>
+          <p:cNvPr id="14" name="Group 13"/>
+          <p:cNvGrpSpPr/>
+          <p:nvPr/>
+        </p:nvGrpSpPr>
+        <p:grpSpPr>
+          <a:xfrm rot="21045721">
+            <a:off x="7254337" y="3916895"/>
+            <a:ext cx="4464496" cy="2232248"/>
+            <a:chOff x="6960096" y="3753036"/>
+            <a:chExt cx="4464496" cy="2232248"/>
+          </a:xfrm>
+        </p:grpSpPr>
+        <p:sp>
+          <p:nvSpPr>
+            <p:cNvPr id="13" name="Snip Diagonal Corner Rectangle 12"/>
+            <p:cNvSpPr/>
+            <p:nvPr/>
+          </p:nvSpPr>
+          <p:spPr>
+            <a:xfrm>
+              <a:off x="6960096" y="3753036"/>
+              <a:ext cx="4464496" cy="2232248"/>
+            </a:xfrm>
+            <a:prstGeom prst="snip2DiagRect">
+              <a:avLst/>
+            </a:prstGeom>
+          </p:spPr>
+          <p:style>
+            <a:lnRef idx="3">
+              <a:schemeClr val="lt1"/>
+            </a:lnRef>
+            <a:fillRef idx="1">
+              <a:schemeClr val="accent2"/>
+            </a:fillRef>
+            <a:effectRef idx="1">
+              <a:schemeClr val="accent2"/>
+            </a:effectRef>
+            <a:fontRef idx="minor">
+              <a:schemeClr val="lt1"/>
+            </a:fontRef>
+          </p:style>
+          <p:txBody>
+            <a:bodyPr rtlCol="0" anchor="ctr"/>
+            <a:lstStyle/>
+            <a:p>
+              <a:pPr algn="ctr"/>
+              <a:endParaRPr lang="en-US"/>
+            </a:p>
+          </p:txBody>
+        </p:sp>
+        <p:grpSp>
+          <p:nvGrpSpPr>
+            <p:cNvPr id="12" name="Group 11"/>
+            <p:cNvGrpSpPr/>
+            <p:nvPr/>
+          </p:nvGrpSpPr>
+          <p:grpSpPr>
+            <a:xfrm>
+              <a:off x="7104112" y="3933056"/>
+              <a:ext cx="4176464" cy="1872208"/>
+              <a:chOff x="7104112" y="3933056"/>
+              <a:chExt cx="4176464" cy="1872208"/>
+            </a:xfrm>
+          </p:grpSpPr>
+          <p:sp>
+            <p:nvSpPr>
+              <p:cNvPr id="4" name="Folded Corner 3"/>
+              <p:cNvSpPr/>
+              <p:nvPr/>
+            </p:nvSpPr>
+            <p:spPr>
+              <a:xfrm>
+                <a:off x="7104112" y="3933056"/>
+                <a:ext cx="4176464" cy="1872208"/>
+              </a:xfrm>
+              <a:prstGeom prst="foldedCorner">
+                <a:avLst/>
+              </a:prstGeom>
+            </p:spPr>
+            <p:style>
+              <a:lnRef idx="2">
+                <a:schemeClr val="accent2"/>
+              </a:lnRef>
+              <a:fillRef idx="1">
+                <a:schemeClr val="lt1"/>
+              </a:fillRef>
+              <a:effectRef idx="0">
+                <a:schemeClr val="accent2"/>
+              </a:effectRef>
+              <a:fontRef idx="minor">
+                <a:schemeClr val="dk1"/>
+              </a:fontRef>
+            </p:style>
+            <p:txBody>
+              <a:bodyPr rtlCol="0" anchor="ctr"/>
+              <a:lstStyle/>
+              <a:p>
+                <a:pPr algn="r"/>
+                <a:endParaRPr lang="en-US" dirty="0">
+                  <a:latin typeface="Arial Black" panose="020B0A04020102020204" pitchFamily="34" charset="0"/>
+                </a:endParaRPr>
+              </a:p>
+            </p:txBody>
+          </p:sp>
+          <p:cxnSp>
+            <p:nvCxnSpPr>
+              <p:cNvPr id="6" name="Straight Connector 5"/>
+              <p:cNvCxnSpPr/>
+              <p:nvPr/>
+            </p:nvCxnSpPr>
+            <p:spPr>
+              <a:xfrm flipV="1">
+                <a:off x="7824192" y="4005064"/>
+                <a:ext cx="0" cy="1728192"/>
+              </a:xfrm>
+              <a:prstGeom prst="line">
+                <a:avLst/>
+              </a:prstGeom>
+              <a:ln>
+                <a:solidFill>
+                  <a:schemeClr val="accent2">
+                    <a:lumMod val="75000"/>
+                  </a:schemeClr>
+                </a:solidFill>
+              </a:ln>
+            </p:spPr>
+            <p:style>
+              <a:lnRef idx="1">
+                <a:schemeClr val="accent1"/>
+              </a:lnRef>
+              <a:fillRef idx="0">
+                <a:schemeClr val="accent1"/>
+              </a:fillRef>
+              <a:effectRef idx="0">
+                <a:schemeClr val="accent1"/>
+              </a:effectRef>
+              <a:fontRef idx="minor">
+                <a:schemeClr val="tx1"/>
+              </a:fontRef>
+            </p:style>
+          </p:cxnSp>
+          <p:cxnSp>
+            <p:nvCxnSpPr>
+              <p:cNvPr id="8" name="Straight Connector 7"/>
+              <p:cNvCxnSpPr/>
+              <p:nvPr/>
+            </p:nvCxnSpPr>
+            <p:spPr>
+              <a:xfrm>
+                <a:off x="7104112" y="5013176"/>
+                <a:ext cx="4176464" cy="0"/>
+              </a:xfrm>
+              <a:prstGeom prst="line">
+                <a:avLst/>
+              </a:prstGeom>
+              <a:ln>
+                <a:solidFill>
+                  <a:schemeClr val="accent6">
+                    <a:lumMod val="60000"/>
+                    <a:lumOff val="40000"/>
+                  </a:schemeClr>
+                </a:solidFill>
+              </a:ln>
+            </p:spPr>
+            <p:style>
+              <a:lnRef idx="1">
+                <a:schemeClr val="accent1"/>
+              </a:lnRef>
+              <a:fillRef idx="0">
+                <a:schemeClr val="accent1"/>
+              </a:fillRef>
+              <a:effectRef idx="0">
+                <a:schemeClr val="accent1"/>
+              </a:effectRef>
+              <a:fontRef idx="minor">
+                <a:schemeClr val="tx1"/>
+              </a:fontRef>
+            </p:style>
+          </p:cxnSp>
+          <p:sp>
+            <p:nvSpPr>
+              <p:cNvPr id="9" name="Rectangle 8"/>
+              <p:cNvSpPr/>
+              <p:nvPr/>
+            </p:nvSpPr>
+            <p:spPr>
+              <a:xfrm>
+                <a:off x="7320136" y="5229200"/>
+                <a:ext cx="288032" cy="288032"/>
+              </a:xfrm>
+              <a:prstGeom prst="rect">
+                <a:avLst/>
+              </a:prstGeom>
+              <a:solidFill>
+                <a:schemeClr val="tx1">
+                  <a:lumMod val="95000"/>
+                </a:schemeClr>
+              </a:solidFill>
+              <a:ln w="12700"/>
+            </p:spPr>
+            <p:style>
+              <a:lnRef idx="2">
+                <a:schemeClr val="dk1"/>
+              </a:lnRef>
+              <a:fillRef idx="1">
+                <a:schemeClr val="lt1"/>
+              </a:fillRef>
+              <a:effectRef idx="0">
+                <a:schemeClr val="dk1"/>
+              </a:effectRef>
+              <a:fontRef idx="minor">
+                <a:schemeClr val="dk1"/>
+              </a:fontRef>
+            </p:style>
+            <p:txBody>
+              <a:bodyPr rtlCol="0" anchor="ctr"/>
+              <a:lstStyle/>
+              <a:p>
+                <a:pPr algn="ctr"/>
+                <a:endParaRPr lang="en-US"/>
+              </a:p>
+            </p:txBody>
+          </p:sp>
+          <p:sp>
+            <p:nvSpPr>
+              <p:cNvPr id="10" name="TextBox 9"/>
+              <p:cNvSpPr txBox="1"/>
+              <p:nvPr/>
+            </p:nvSpPr>
+            <p:spPr>
+              <a:xfrm>
+                <a:off x="8041017" y="5157192"/>
+                <a:ext cx="2087431" cy="461665"/>
+              </a:xfrm>
+              <a:prstGeom prst="rect">
+                <a:avLst/>
+              </a:prstGeom>
+              <a:noFill/>
+            </p:spPr>
+            <p:txBody>
+              <a:bodyPr wrap="none" rtlCol="0">
+                <a:spAutoFit/>
+              </a:bodyPr>
+              <a:lstStyle/>
+              <a:p>
+                <a:r>
+                  <a:rPr lang="en-US" sz="2400" dirty="0" smtClean="0">
+                    <a:solidFill>
+                      <a:schemeClr val="bg1"/>
+                    </a:solidFill>
+                    <a:latin typeface="Corbel" panose="020B0503020204020204" pitchFamily="34" charset="0"/>
+                  </a:rPr>
+                  <a:t>Comprar pão...</a:t>
+                </a:r>
+                <a:endParaRPr lang="en-US" sz="2400" dirty="0">
+                  <a:solidFill>
+                    <a:schemeClr val="bg1"/>
+                  </a:solidFill>
+                  <a:latin typeface="Corbel" panose="020B0503020204020204" pitchFamily="34" charset="0"/>
+                </a:endParaRPr>
+              </a:p>
+            </p:txBody>
+          </p:sp>
+          <p:sp>
+            <p:nvSpPr>
+              <p:cNvPr id="11" name="TextBox 10"/>
+              <p:cNvSpPr txBox="1"/>
+              <p:nvPr/>
+            </p:nvSpPr>
+            <p:spPr>
+              <a:xfrm>
+                <a:off x="8040216" y="4390509"/>
+                <a:ext cx="3240360" cy="461665"/>
+              </a:xfrm>
+              <a:prstGeom prst="rect">
+                <a:avLst/>
+              </a:prstGeom>
+              <a:noFill/>
+            </p:spPr>
+            <p:txBody>
+              <a:bodyPr wrap="square" rtlCol="0">
+                <a:spAutoFit/>
+              </a:bodyPr>
+              <a:lstStyle/>
+              <a:p>
+                <a:r>
+                  <a:rPr lang="en-US" sz="2400" dirty="0" smtClean="0">
+                    <a:solidFill>
+                      <a:schemeClr val="accent1">
+                        <a:lumMod val="50000"/>
+                      </a:schemeClr>
+                    </a:solidFill>
+                    <a:latin typeface="Arial Black" panose="020B0A04020102020204" pitchFamily="34" charset="0"/>
+                  </a:rPr>
+                  <a:t>Lista de Tarefas</a:t>
+                </a:r>
+                <a:endParaRPr lang="en-US" sz="2400" dirty="0">
+                  <a:solidFill>
+                    <a:schemeClr val="accent1">
+                      <a:lumMod val="50000"/>
+                    </a:schemeClr>
+                  </a:solidFill>
+                  <a:latin typeface="Arial Black" panose="020B0A04020102020204" pitchFamily="34" charset="0"/>
+                </a:endParaRPr>
+              </a:p>
+            </p:txBody>
+          </p:sp>
+        </p:grpSp>
+      </p:grpSp>
+      <p:grpSp>
+        <p:nvGrpSpPr>
+          <p:cNvPr id="18" name="Group 17"/>
+          <p:cNvGrpSpPr/>
+          <p:nvPr/>
+        </p:nvGrpSpPr>
+        <p:grpSpPr>
+          <a:xfrm>
+            <a:off x="551384" y="5054515"/>
+            <a:ext cx="936104" cy="864096"/>
+            <a:chOff x="3287688" y="5445224"/>
+            <a:chExt cx="936104" cy="864096"/>
+          </a:xfrm>
+        </p:grpSpPr>
+        <p:sp>
+          <p:nvSpPr>
+            <p:cNvPr id="19" name="Oval 18"/>
+            <p:cNvSpPr/>
+            <p:nvPr/>
+          </p:nvSpPr>
+          <p:spPr>
+            <a:xfrm>
+              <a:off x="3287688" y="5445224"/>
+              <a:ext cx="936104" cy="864096"/>
+            </a:xfrm>
+            <a:prstGeom prst="ellipse">
+              <a:avLst/>
+            </a:prstGeom>
+            <a:solidFill>
+              <a:srgbClr val="EA3E3E"/>
+            </a:solidFill>
+            <a:ln>
+              <a:solidFill>
+                <a:schemeClr val="bg2">
+                  <a:lumMod val="75000"/>
+                </a:schemeClr>
+              </a:solidFill>
+            </a:ln>
+          </p:spPr>
+          <p:style>
+            <a:lnRef idx="2">
+              <a:schemeClr val="accent1">
+                <a:shade val="50000"/>
+              </a:schemeClr>
+            </a:lnRef>
+            <a:fillRef idx="1">
+              <a:schemeClr val="accent1"/>
+            </a:fillRef>
+            <a:effectRef idx="0">
+              <a:schemeClr val="accent1"/>
+            </a:effectRef>
+            <a:fontRef idx="minor">
+              <a:schemeClr val="lt1"/>
+            </a:fontRef>
+          </p:style>
+          <p:txBody>
+            <a:bodyPr rtlCol="0" anchor="ctr"/>
+            <a:lstStyle/>
+            <a:p>
+              <a:pPr algn="ctr"/>
+              <a:endParaRPr lang="en-US"/>
+            </a:p>
+          </p:txBody>
+        </p:sp>
+        <p:sp>
+          <p:nvSpPr>
+            <p:cNvPr id="20" name="Multiply 19"/>
+            <p:cNvSpPr/>
+            <p:nvPr/>
+          </p:nvSpPr>
+          <p:spPr>
+            <a:xfrm>
+              <a:off x="3359696" y="5506116"/>
+              <a:ext cx="792088" cy="742312"/>
+            </a:xfrm>
+            <a:prstGeom prst="mathMultiply">
+              <a:avLst/>
+            </a:prstGeom>
+            <a:ln>
+              <a:solidFill>
+                <a:schemeClr val="bg2">
+                  <a:lumMod val="75000"/>
+                </a:schemeClr>
+              </a:solidFill>
+            </a:ln>
+          </p:spPr>
+          <p:style>
+            <a:lnRef idx="2">
+              <a:schemeClr val="accent1"/>
+            </a:lnRef>
+            <a:fillRef idx="1">
+              <a:schemeClr val="lt1"/>
+            </a:fillRef>
+            <a:effectRef idx="0">
+              <a:schemeClr val="accent1"/>
+            </a:effectRef>
+            <a:fontRef idx="minor">
+              <a:schemeClr val="dk1"/>
+            </a:fontRef>
+          </p:style>
+          <p:txBody>
+            <a:bodyPr rtlCol="0" anchor="ctr"/>
+            <a:lstStyle/>
+            <a:p>
+              <a:pPr algn="ctr"/>
+              <a:endParaRPr lang="en-US"/>
+            </a:p>
+          </p:txBody>
+        </p:sp>
+      </p:grpSp>
+      <p:sp>
+        <p:nvSpPr>
+          <p:cNvPr id="5" name="TextBox 4"/>
+          <p:cNvSpPr txBox="1"/>
+          <p:nvPr/>
+        </p:nvSpPr>
+        <p:spPr>
+          <a:xfrm>
+            <a:off x="1685349" y="5068341"/>
+            <a:ext cx="5170859" cy="1384995"/>
+          </a:xfrm>
+          <a:prstGeom prst="rect">
+            <a:avLst/>
+          </a:prstGeom>
+          <a:noFill/>
+        </p:spPr>
+        <p:txBody>
+          <a:bodyPr wrap="square" rtlCol="0">
+            <a:spAutoFit/>
+          </a:bodyPr>
+          <a:lstStyle/>
+          <a:p>
+            <a:r>
+              <a:rPr lang="en-US" sz="2800" b="1" dirty="0" smtClean="0">
+                <a:solidFill>
+                  <a:srgbClr val="EA3E3E"/>
+                </a:solidFill>
+                <a:effectLst>
+                  <a:outerShdw blurRad="38100" dist="38100" dir="2700000" algn="tl">
+                    <a:srgbClr val="000000">
+                      <a:alpha val="43137"/>
+                    </a:srgbClr>
+                  </a:outerShdw>
+                </a:effectLst>
+                <a:latin typeface="Corbel" panose="020B0503020204020204" pitchFamily="34" charset="0"/>
+              </a:rPr>
+              <a:t>Sem a estrutura do KOjs, esses métodos podem ser bem desorganizados.</a:t>
+            </a:r>
+            <a:endParaRPr lang="en-US" sz="2800" b="1" dirty="0">
+              <a:solidFill>
+                <a:srgbClr val="EA3E3E"/>
+              </a:solidFill>
+              <a:effectLst>
+                <a:outerShdw blurRad="38100" dist="38100" dir="2700000" algn="tl">
+                  <a:srgbClr val="000000">
+                    <a:alpha val="43137"/>
+                  </a:srgbClr>
+                </a:outerShdw>
+              </a:effectLst>
+              <a:latin typeface="Corbel" panose="020B0503020204020204" pitchFamily="34" charset="0"/>
+            </a:endParaRPr>
+          </a:p>
+        </p:txBody>
+      </p:sp>
+    </p:spTree>
+    <p:extLst>
+      <p:ext uri="{BB962C8B-B14F-4D97-AF65-F5344CB8AC3E}">
+        <p14:creationId xmlns:p14="http://schemas.microsoft.com/office/powerpoint/2010/main" val="3705422472"/>
+      </p:ext>
+    </p:extLst>
+  </p:cSld>
+  <p:clrMapOvr>
+    <a:masterClrMapping/>
+  </p:clrMapOvr>
+  <p:timing>
+    <p:tnLst>
+      <p:par>
+        <p:cTn id="1" dur="indefinite" restart="never" nodeType="tmRoot">
+          <p:childTnLst>
+            <p:seq concurrent="1" nextAc="seek">
+              <p:cTn id="2" dur="indefinite" nodeType="mainSeq">
+                <p:childTnLst>
+                  <p:par>
+                    <p:cTn id="3" fill="hold">
+                      <p:stCondLst>
+                        <p:cond delay="indefinite"/>
+                      </p:stCondLst>
+                      <p:childTnLst>
+                        <p:par>
+                          <p:cTn id="4" fill="hold">
+                            <p:stCondLst>
+                              <p:cond delay="0"/>
+                            </p:stCondLst>
+                            <p:childTnLst>
+                              <p:par>
+                                <p:cTn id="5" presetID="10" presetClass="entr" presetSubtype="0" fill="hold" nodeType="clickEffect">
+                                  <p:stCondLst>
+                                    <p:cond delay="0"/>
+                                  </p:stCondLst>
+                                  <p:childTnLst>
+                                    <p:set>
+                                      <p:cBhvr>
+                                        <p:cTn id="6" dur="1" fill="hold">
+                                          <p:stCondLst>
+                                            <p:cond delay="0"/>
+                                          </p:stCondLst>
+                                        </p:cTn>
+                                        <p:tgtEl>
+                                          <p:spTgt spid="14"/>
+                                        </p:tgtEl>
+                                        <p:attrNameLst>
+                                          <p:attrName>style.visibility</p:attrName>
+                                        </p:attrNameLst>
+                                      </p:cBhvr>
+                                      <p:to>
+                                        <p:strVal val="visible"/>
+                                      </p:to>
+                                    </p:set>
+                                    <p:animEffect transition="in" filter="fade">
+                                      <p:cBhvr>
+                                        <p:cTn id="7" dur="500"/>
+                                        <p:tgtEl>
+                                          <p:spTgt spid="14"/>
+                                        </p:tgtEl>
+                                      </p:cBhvr>
+                                    </p:animEffect>
+                                  </p:childTnLst>
+                                </p:cTn>
+                              </p:par>
+                            </p:childTnLst>
+                          </p:cTn>
+                        </p:par>
+                      </p:childTnLst>
+                    </p:cTn>
+                  </p:par>
+                  <p:par>
+                    <p:cTn id="8" fill="hold">
+                      <p:stCondLst>
+                        <p:cond delay="indefinite"/>
+                      </p:stCondLst>
+                      <p:childTnLst>
+                        <p:par>
+                          <p:cTn id="9" fill="hold">
+                            <p:stCondLst>
+                              <p:cond delay="0"/>
+                            </p:stCondLst>
+                            <p:childTnLst>
+                              <p:par>
+                                <p:cTn id="10" presetID="1" presetClass="entr" presetSubtype="0" fill="hold" grpId="0" nodeType="clickEffect">
+                                  <p:stCondLst>
+                                    <p:cond delay="0"/>
+                                  </p:stCondLst>
+                                  <p:childTnLst>
+                                    <p:set>
+                                      <p:cBhvr>
+                                        <p:cTn id="11" dur="1" fill="hold">
+                                          <p:stCondLst>
+                                            <p:cond delay="0"/>
+                                          </p:stCondLst>
+                                        </p:cTn>
+                                        <p:tgtEl>
+                                          <p:spTgt spid="2">
+                                            <p:txEl>
+                                              <p:pRg st="0" end="0"/>
+                                            </p:txEl>
+                                          </p:spTgt>
+                                        </p:tgtEl>
+                                        <p:attrNameLst>
+                                          <p:attrName>style.visibility</p:attrName>
+                                        </p:attrNameLst>
+                                      </p:cBhvr>
+                                      <p:to>
+                                        <p:strVal val="visible"/>
+                                      </p:to>
+                                    </p:set>
+                                  </p:childTnLst>
+                                </p:cTn>
+                              </p:par>
+                            </p:childTnLst>
+                          </p:cTn>
+                        </p:par>
+                        <p:par>
+                          <p:cTn id="12" fill="hold">
+                            <p:stCondLst>
+                              <p:cond delay="0"/>
+                            </p:stCondLst>
+                            <p:childTnLst>
+                              <p:par>
+                                <p:cTn id="13" presetID="1" presetClass="entr" presetSubtype="0" fill="hold" grpId="0" nodeType="afterEffect">
+                                  <p:stCondLst>
+                                    <p:cond delay="0"/>
+                                  </p:stCondLst>
+                                  <p:childTnLst>
+                                    <p:set>
+                                      <p:cBhvr>
+                                        <p:cTn id="14" dur="1" fill="hold">
+                                          <p:stCondLst>
+                                            <p:cond delay="0"/>
+                                          </p:stCondLst>
+                                        </p:cTn>
+                                        <p:tgtEl>
+                                          <p:spTgt spid="2">
+                                            <p:txEl>
+                                              <p:pRg st="1" end="1"/>
+                                            </p:txEl>
+                                          </p:spTgt>
+                                        </p:tgtEl>
+                                        <p:attrNameLst>
+                                          <p:attrName>style.visibility</p:attrName>
+                                        </p:attrNameLst>
+                                      </p:cBhvr>
+                                      <p:to>
+                                        <p:strVal val="visible"/>
+                                      </p:to>
+                                    </p:set>
+                                  </p:childTnLst>
+                                </p:cTn>
+                              </p:par>
+                            </p:childTnLst>
+                          </p:cTn>
+                        </p:par>
+                        <p:par>
+                          <p:cTn id="15" fill="hold">
+                            <p:stCondLst>
+                              <p:cond delay="0"/>
+                            </p:stCondLst>
+                            <p:childTnLst>
+                              <p:par>
+                                <p:cTn id="16" presetID="1" presetClass="entr" presetSubtype="0" fill="hold" grpId="0" nodeType="afterEffect">
+                                  <p:stCondLst>
+                                    <p:cond delay="0"/>
+                                  </p:stCondLst>
+                                  <p:childTnLst>
+                                    <p:set>
+                                      <p:cBhvr>
+                                        <p:cTn id="17" dur="1" fill="hold">
+                                          <p:stCondLst>
+                                            <p:cond delay="0"/>
+                                          </p:stCondLst>
+                                        </p:cTn>
+                                        <p:tgtEl>
+                                          <p:spTgt spid="2">
+                                            <p:txEl>
+                                              <p:pRg st="2" end="2"/>
+                                            </p:txEl>
+                                          </p:spTgt>
+                                        </p:tgtEl>
+                                        <p:attrNameLst>
+                                          <p:attrName>style.visibility</p:attrName>
+                                        </p:attrNameLst>
+                                      </p:cBhvr>
+                                      <p:to>
+                                        <p:strVal val="visible"/>
+                                      </p:to>
+                                    </p:set>
+                                  </p:childTnLst>
+                                </p:cTn>
+                              </p:par>
+                            </p:childTnLst>
+                          </p:cTn>
+                        </p:par>
+                        <p:par>
+                          <p:cTn id="18" fill="hold">
+                            <p:stCondLst>
+                              <p:cond delay="0"/>
+                            </p:stCondLst>
+                            <p:childTnLst>
+                              <p:par>
+                                <p:cTn id="19" presetID="1" presetClass="entr" presetSubtype="0" fill="hold" grpId="0" nodeType="afterEffect">
+                                  <p:stCondLst>
+                                    <p:cond delay="0"/>
+                                  </p:stCondLst>
+                                  <p:childTnLst>
+                                    <p:set>
+                                      <p:cBhvr>
+                                        <p:cTn id="20" dur="1" fill="hold">
+                                          <p:stCondLst>
+                                            <p:cond delay="0"/>
+                                          </p:stCondLst>
+                                        </p:cTn>
+                                        <p:tgtEl>
+                                          <p:spTgt spid="2">
+                                            <p:txEl>
+                                              <p:pRg st="3" end="3"/>
+                                            </p:txEl>
+                                          </p:spTgt>
+                                        </p:tgtEl>
+                                        <p:attrNameLst>
+                                          <p:attrName>style.visibility</p:attrName>
+                                        </p:attrNameLst>
+                                      </p:cBhvr>
+                                      <p:to>
+                                        <p:strVal val="visible"/>
+                                      </p:to>
+                                    </p:set>
+                                  </p:childTnLst>
+                                </p:cTn>
+                              </p:par>
+                            </p:childTnLst>
+                          </p:cTn>
+                        </p:par>
+                        <p:par>
+                          <p:cTn id="21" fill="hold">
+                            <p:stCondLst>
+                              <p:cond delay="0"/>
+                            </p:stCondLst>
+                            <p:childTnLst>
+                              <p:par>
+                                <p:cTn id="22" presetID="1" presetClass="entr" presetSubtype="0" fill="hold" grpId="0" nodeType="afterEffect">
+                                  <p:stCondLst>
+                                    <p:cond delay="0"/>
+                                  </p:stCondLst>
+                                  <p:childTnLst>
+                                    <p:set>
+                                      <p:cBhvr>
+                                        <p:cTn id="23" dur="1" fill="hold">
+                                          <p:stCondLst>
+                                            <p:cond delay="0"/>
+                                          </p:stCondLst>
+                                        </p:cTn>
+                                        <p:tgtEl>
+                                          <p:spTgt spid="2">
+                                            <p:txEl>
+                                              <p:pRg st="4" end="4"/>
+                                            </p:txEl>
+                                          </p:spTgt>
+                                        </p:tgtEl>
+                                        <p:attrNameLst>
+                                          <p:attrName>style.visibility</p:attrName>
+                                        </p:attrNameLst>
+                                      </p:cBhvr>
+                                      <p:to>
+                                        <p:strVal val="visible"/>
+                                      </p:to>
+                                    </p:set>
+                                  </p:childTnLst>
+                                </p:cTn>
+                              </p:par>
+                            </p:childTnLst>
+                          </p:cTn>
+                        </p:par>
+                        <p:par>
+                          <p:cTn id="24" fill="hold">
+                            <p:stCondLst>
+                              <p:cond delay="0"/>
+                            </p:stCondLst>
+                            <p:childTnLst>
+                              <p:par>
+                                <p:cTn id="25" presetID="1" presetClass="entr" presetSubtype="0" fill="hold" grpId="0" nodeType="afterEffect">
+                                  <p:stCondLst>
+                                    <p:cond delay="0"/>
+                                  </p:stCondLst>
+                                  <p:childTnLst>
+                                    <p:set>
+                                      <p:cBhvr>
+                                        <p:cTn id="26" dur="1" fill="hold">
+                                          <p:stCondLst>
+                                            <p:cond delay="0"/>
+                                          </p:stCondLst>
+                                        </p:cTn>
+                                        <p:tgtEl>
+                                          <p:spTgt spid="2">
+                                            <p:txEl>
+                                              <p:pRg st="5" end="5"/>
+                                            </p:txEl>
+                                          </p:spTgt>
+                                        </p:tgtEl>
+                                        <p:attrNameLst>
+                                          <p:attrName>style.visibility</p:attrName>
+                                        </p:attrNameLst>
+                                      </p:cBhvr>
+                                      <p:to>
+                                        <p:strVal val="visible"/>
+                                      </p:to>
+                                    </p:set>
+                                  </p:childTnLst>
+                                </p:cTn>
+                              </p:par>
+                            </p:childTnLst>
+                          </p:cTn>
+                        </p:par>
+                      </p:childTnLst>
+                    </p:cTn>
+                  </p:par>
+                  <p:par>
+                    <p:cTn id="27" fill="hold">
+                      <p:stCondLst>
+                        <p:cond delay="indefinite"/>
+                      </p:stCondLst>
+                      <p:childTnLst>
+                        <p:par>
+                          <p:cTn id="28" fill="hold">
+                            <p:stCondLst>
+                              <p:cond delay="0"/>
+                            </p:stCondLst>
+                            <p:childTnLst>
+                              <p:par>
+                                <p:cTn id="29" presetID="26" presetClass="entr" presetSubtype="0" fill="hold" nodeType="clickEffect">
+                                  <p:stCondLst>
+                                    <p:cond delay="0"/>
+                                  </p:stCondLst>
+                                  <p:childTnLst>
+                                    <p:set>
+                                      <p:cBhvr>
+                                        <p:cTn id="30" dur="1" fill="hold">
+                                          <p:stCondLst>
+                                            <p:cond delay="0"/>
+                                          </p:stCondLst>
+                                        </p:cTn>
+                                        <p:tgtEl>
+                                          <p:spTgt spid="18"/>
+                                        </p:tgtEl>
+                                        <p:attrNameLst>
+                                          <p:attrName>style.visibility</p:attrName>
+                                        </p:attrNameLst>
+                                      </p:cBhvr>
+                                      <p:to>
+                                        <p:strVal val="visible"/>
+                                      </p:to>
+                                    </p:set>
+                                    <p:animEffect transition="in" filter="wipe(down)">
+                                      <p:cBhvr>
+                                        <p:cTn id="31" dur="580">
+                                          <p:stCondLst>
+                                            <p:cond delay="0"/>
+                                          </p:stCondLst>
+                                        </p:cTn>
+                                        <p:tgtEl>
+                                          <p:spTgt spid="18"/>
+                                        </p:tgtEl>
+                                      </p:cBhvr>
+                                    </p:animEffect>
+                                    <p:anim calcmode="lin" valueType="num">
+                                      <p:cBhvr>
+                                        <p:cTn id="32" dur="1822" tmFilter="0,0; 0.14,0.36; 0.43,0.73; 0.71,0.91; 1.0,1.0">
+                                          <p:stCondLst>
+                                            <p:cond delay="0"/>
+                                          </p:stCondLst>
+                                        </p:cTn>
+                                        <p:tgtEl>
+                                          <p:spTgt spid="18"/>
+                                        </p:tgtEl>
+                                        <p:attrNameLst>
+                                          <p:attrName>ppt_x</p:attrName>
+                                        </p:attrNameLst>
+                                      </p:cBhvr>
+                                      <p:tavLst>
+                                        <p:tav tm="0">
+                                          <p:val>
+                                            <p:strVal val="#ppt_x-0.25"/>
+                                          </p:val>
+                                        </p:tav>
+                                        <p:tav tm="100000">
+                                          <p:val>
+                                            <p:strVal val="#ppt_x"/>
+                                          </p:val>
+                                        </p:tav>
+                                      </p:tavLst>
+                                    </p:anim>
+                                    <p:anim calcmode="lin" valueType="num">
+                                      <p:cBhvr>
+                                        <p:cTn id="33" dur="664" tmFilter="0.0,0.0; 0.25,0.07; 0.50,0.2; 0.75,0.467; 1.0,1.0">
+                                          <p:stCondLst>
+                                            <p:cond delay="0"/>
+                                          </p:stCondLst>
+                                        </p:cTn>
+                                        <p:tgtEl>
+                                          <p:spTgt spid="18"/>
+                                        </p:tgtEl>
+                                        <p:attrNameLst>
+                                          <p:attrName>ppt_y</p:attrName>
+                                        </p:attrNameLst>
+                                      </p:cBhvr>
+                                      <p:tavLst>
+                                        <p:tav tm="0" fmla="#ppt_y-sin(pi*$)/3">
+                                          <p:val>
+                                            <p:fltVal val="0.5"/>
+                                          </p:val>
+                                        </p:tav>
+                                        <p:tav tm="100000">
+                                          <p:val>
+                                            <p:fltVal val="1"/>
+                                          </p:val>
+                                        </p:tav>
+                                      </p:tavLst>
+                                    </p:anim>
+                                    <p:anim calcmode="lin" valueType="num">
+                                      <p:cBhvr>
+                                        <p:cTn id="34" dur="664" tmFilter="0, 0; 0.125,0.2665; 0.25,0.4; 0.375,0.465; 0.5,0.5;  0.625,0.535; 0.75,0.6; 0.875,0.7335; 1,1">
+                                          <p:stCondLst>
+                                            <p:cond delay="664"/>
+                                          </p:stCondLst>
+                                        </p:cTn>
+                                        <p:tgtEl>
+                                          <p:spTgt spid="18"/>
+                                        </p:tgtEl>
+                                        <p:attrNameLst>
+                                          <p:attrName>ppt_y</p:attrName>
+                                        </p:attrNameLst>
+                                      </p:cBhvr>
+                                      <p:tavLst>
+                                        <p:tav tm="0" fmla="#ppt_y-sin(pi*$)/9">
+                                          <p:val>
+                                            <p:fltVal val="0"/>
+                                          </p:val>
+                                        </p:tav>
+                                        <p:tav tm="100000">
+                                          <p:val>
+                                            <p:fltVal val="1"/>
+                                          </p:val>
+                                        </p:tav>
+                                      </p:tavLst>
+                                    </p:anim>
+                                    <p:anim calcmode="lin" valueType="num">
+                                      <p:cBhvr>
+                                        <p:cTn id="35" dur="332" tmFilter="0, 0; 0.125,0.2665; 0.25,0.4; 0.375,0.465; 0.5,0.5;  0.625,0.535; 0.75,0.6; 0.875,0.7335; 1,1">
+                                          <p:stCondLst>
+                                            <p:cond delay="1324"/>
+                                          </p:stCondLst>
+                                        </p:cTn>
+                                        <p:tgtEl>
+                                          <p:spTgt spid="18"/>
+                                        </p:tgtEl>
+                                        <p:attrNameLst>
+                                          <p:attrName>ppt_y</p:attrName>
+                                        </p:attrNameLst>
+                                      </p:cBhvr>
+                                      <p:tavLst>
+                                        <p:tav tm="0" fmla="#ppt_y-sin(pi*$)/27">
+                                          <p:val>
+                                            <p:fltVal val="0"/>
+                                          </p:val>
+                                        </p:tav>
+                                        <p:tav tm="100000">
+                                          <p:val>
+                                            <p:fltVal val="1"/>
+                                          </p:val>
+                                        </p:tav>
+                                      </p:tavLst>
+                                    </p:anim>
+                                    <p:anim calcmode="lin" valueType="num">
+                                      <p:cBhvr>
+                                        <p:cTn id="36" dur="164" tmFilter="0, 0; 0.125,0.2665; 0.25,0.4; 0.375,0.465; 0.5,0.5;  0.625,0.535; 0.75,0.6; 0.875,0.7335; 1,1">
+                                          <p:stCondLst>
+                                            <p:cond delay="1656"/>
+                                          </p:stCondLst>
+                                        </p:cTn>
+                                        <p:tgtEl>
+                                          <p:spTgt spid="18"/>
+                                        </p:tgtEl>
+                                        <p:attrNameLst>
+                                          <p:attrName>ppt_y</p:attrName>
+                                        </p:attrNameLst>
+                                      </p:cBhvr>
+                                      <p:tavLst>
+                                        <p:tav tm="0" fmla="#ppt_y-sin(pi*$)/81">
+                                          <p:val>
+                                            <p:fltVal val="0"/>
+                                          </p:val>
+                                        </p:tav>
+                                        <p:tav tm="100000">
+                                          <p:val>
+                                            <p:fltVal val="1"/>
+                                          </p:val>
+                                        </p:tav>
+                                      </p:tavLst>
+                                    </p:anim>
+                                    <p:animScale>
+                                      <p:cBhvr>
+                                        <p:cTn id="37" dur="26">
+                                          <p:stCondLst>
+                                            <p:cond delay="650"/>
+                                          </p:stCondLst>
+                                        </p:cTn>
+                                        <p:tgtEl>
+                                          <p:spTgt spid="18"/>
+                                        </p:tgtEl>
+                                      </p:cBhvr>
+                                      <p:to x="100000" y="60000"/>
+                                    </p:animScale>
+                                    <p:animScale>
+                                      <p:cBhvr>
+                                        <p:cTn id="38" dur="166" decel="50000">
+                                          <p:stCondLst>
+                                            <p:cond delay="676"/>
+                                          </p:stCondLst>
+                                        </p:cTn>
+                                        <p:tgtEl>
+                                          <p:spTgt spid="18"/>
+                                        </p:tgtEl>
+                                      </p:cBhvr>
+                                      <p:to x="100000" y="100000"/>
+                                    </p:animScale>
+                                    <p:animScale>
+                                      <p:cBhvr>
+                                        <p:cTn id="39" dur="26">
+                                          <p:stCondLst>
+                                            <p:cond delay="1312"/>
+                                          </p:stCondLst>
+                                        </p:cTn>
+                                        <p:tgtEl>
+                                          <p:spTgt spid="18"/>
+                                        </p:tgtEl>
+                                      </p:cBhvr>
+                                      <p:to x="100000" y="80000"/>
+                                    </p:animScale>
+                                    <p:animScale>
+                                      <p:cBhvr>
+                                        <p:cTn id="40" dur="166" decel="50000">
+                                          <p:stCondLst>
+                                            <p:cond delay="1338"/>
+                                          </p:stCondLst>
+                                        </p:cTn>
+                                        <p:tgtEl>
+                                          <p:spTgt spid="18"/>
+                                        </p:tgtEl>
+                                      </p:cBhvr>
+                                      <p:to x="100000" y="100000"/>
+                                    </p:animScale>
+                                    <p:animScale>
+                                      <p:cBhvr>
+                                        <p:cTn id="41" dur="26">
+                                          <p:stCondLst>
+                                            <p:cond delay="1642"/>
+                                          </p:stCondLst>
+                                        </p:cTn>
+                                        <p:tgtEl>
+                                          <p:spTgt spid="18"/>
+                                        </p:tgtEl>
+                                      </p:cBhvr>
+                                      <p:to x="100000" y="90000"/>
+                                    </p:animScale>
+                                    <p:animScale>
+                                      <p:cBhvr>
+                                        <p:cTn id="42" dur="166" decel="50000">
+                                          <p:stCondLst>
+                                            <p:cond delay="1668"/>
+                                          </p:stCondLst>
+                                        </p:cTn>
+                                        <p:tgtEl>
+                                          <p:spTgt spid="18"/>
+                                        </p:tgtEl>
+                                      </p:cBhvr>
+                                      <p:to x="100000" y="100000"/>
+                                    </p:animScale>
+                                    <p:animScale>
+                                      <p:cBhvr>
+                                        <p:cTn id="43" dur="26">
+                                          <p:stCondLst>
+                                            <p:cond delay="1808"/>
+                                          </p:stCondLst>
+                                        </p:cTn>
+                                        <p:tgtEl>
+                                          <p:spTgt spid="18"/>
+                                        </p:tgtEl>
+                                      </p:cBhvr>
+                                      <p:to x="100000" y="95000"/>
+                                    </p:animScale>
+                                    <p:animScale>
+                                      <p:cBhvr>
+                                        <p:cTn id="44" dur="166" decel="50000">
+                                          <p:stCondLst>
+                                            <p:cond delay="1834"/>
+                                          </p:stCondLst>
+                                        </p:cTn>
+                                        <p:tgtEl>
+                                          <p:spTgt spid="18"/>
+                                        </p:tgtEl>
+                                      </p:cBhvr>
+                                      <p:to x="100000" y="100000"/>
+                                    </p:animScale>
+                                  </p:childTnLst>
+                                </p:cTn>
+                              </p:par>
+                            </p:childTnLst>
+                          </p:cTn>
+                        </p:par>
+                        <p:par>
+                          <p:cTn id="45" fill="hold">
+                            <p:stCondLst>
+                              <p:cond delay="2000"/>
+                            </p:stCondLst>
+                            <p:childTnLst>
+                              <p:par>
+                                <p:cTn id="46" presetID="10" presetClass="entr" presetSubtype="0" fill="hold" grpId="0" nodeType="afterEffect">
+                                  <p:stCondLst>
+                                    <p:cond delay="0"/>
+                                  </p:stCondLst>
+                                  <p:childTnLst>
+                                    <p:set>
+                                      <p:cBhvr>
+                                        <p:cTn id="47" dur="1" fill="hold">
+                                          <p:stCondLst>
+                                            <p:cond delay="0"/>
+                                          </p:stCondLst>
+                                        </p:cTn>
+                                        <p:tgtEl>
+                                          <p:spTgt spid="5"/>
+                                        </p:tgtEl>
+                                        <p:attrNameLst>
+                                          <p:attrName>style.visibility</p:attrName>
+                                        </p:attrNameLst>
+                                      </p:cBhvr>
+                                      <p:to>
+                                        <p:strVal val="visible"/>
+                                      </p:to>
+                                    </p:set>
+                                    <p:animEffect transition="in" filter="fade">
+                                      <p:cBhvr>
+                                        <p:cTn id="48" dur="500"/>
+                                        <p:tgtEl>
+                                          <p:spTgt spid="5"/>
+                                        </p:tgtEl>
+                                      </p:cBhvr>
+                                    </p:animEffect>
+                                  </p:childTnLst>
+                                </p:cTn>
+                              </p:par>
+                            </p:childTnLst>
+                          </p:cTn>
+                        </p:par>
+                      </p:childTnLst>
+                    </p:cTn>
+                  </p:par>
+                </p:childTnLst>
+              </p:cTn>
+              <p:prevCondLst>
+                <p:cond evt="onPrev" delay="0">
+                  <p:tgtEl>
+                    <p:sldTgt/>
+                  </p:tgtEl>
+                </p:cond>
+              </p:prevCondLst>
+              <p:nextCondLst>
+                <p:cond evt="onNext" delay="0">
+                  <p:tgtEl>
+                    <p:sldTgt/>
+                  </p:tgtEl>
+                </p:cond>
+              </p:nextCondLst>
+            </p:seq>
+          </p:childTnLst>
+        </p:cTn>
+      </p:par>
+    </p:tnLst>
+    <p:bldLst>
+      <p:bldP spid="2" grpId="0" uiExpand="1" build="p"/>
+      <p:bldP spid="5" grpId="0"/>
+    </p:bldLst>
+  </p:timing>
+</p:sld>
+</file>
+
+<file path=ppt/slides/slide11.xml><?xml version="1.0" encoding="utf-8"?>
 <p:sld xmlns:a="http://schemas.openxmlformats.org/drawingml/2006/main" xmlns:r="http://schemas.openxmlformats.org/officeDocument/2006/relationships" xmlns:p="http://schemas.openxmlformats.org/presentationml/2006/main">
   <p:cSld>
     <p:spTree>
@@ -8466,7 +9736,7 @@
 </p:sld>
 </file>
 
-<file path=ppt/slides/slide11.xml><?xml version="1.0" encoding="utf-8"?>
+<file path=ppt/slides/slide12.xml><?xml version="1.0" encoding="utf-8"?>
 <p:sld xmlns:a="http://schemas.openxmlformats.org/drawingml/2006/main" xmlns:r="http://schemas.openxmlformats.org/officeDocument/2006/relationships" xmlns:p="http://schemas.openxmlformats.org/presentationml/2006/main">
   <p:cSld>
     <p:spTree>
@@ -9274,7 +10544,26 @@
                   <a:latin typeface="Consolas" panose="020B0609020204030204" pitchFamily="49" charset="0"/>
                   <a:cs typeface="Consolas" panose="020B0609020204030204" pitchFamily="49" charset="0"/>
                 </a:rPr>
-                <a:t>.getJSON(</a:t>
+                <a:t>.getJSON</a:t>
+              </a:r>
+              <a:r>
+                <a:rPr lang="en-US" sz="2000" dirty="0" smtClean="0">
+                  <a:latin typeface="Consolas" panose="020B0609020204030204" pitchFamily="49" charset="0"/>
+                  <a:cs typeface="Consolas" panose="020B0609020204030204" pitchFamily="49" charset="0"/>
+                </a:rPr>
+                <a:t>(</a:t>
+              </a:r>
+              <a:r>
+                <a:rPr lang="en-US" sz="2000" dirty="0" smtClean="0">
+                  <a:solidFill>
+                    <a:schemeClr val="tx2">
+                      <a:lumMod val="90000"/>
+                    </a:schemeClr>
+                  </a:solidFill>
+                  <a:latin typeface="Consolas" panose="020B0609020204030204" pitchFamily="49" charset="0"/>
+                  <a:cs typeface="Consolas" panose="020B0609020204030204" pitchFamily="49" charset="0"/>
+                </a:rPr>
+                <a:t>"KadastroServiceHost.svc/Listartarefas</a:t>
               </a:r>
               <a:r>
                 <a:rPr lang="en-US" sz="2000" dirty="0">
@@ -9286,7 +10575,7 @@
                   <a:latin typeface="Consolas" panose="020B0609020204030204" pitchFamily="49" charset="0"/>
                   <a:cs typeface="Consolas" panose="020B0609020204030204" pitchFamily="49" charset="0"/>
                 </a:rPr>
-                <a:t>"/KadastroServiceHost.svc/Listartarefas/"</a:t>
+                <a:t>/"</a:t>
               </a:r>
               <a:r>
                 <a:rPr lang="en-US" sz="2000" dirty="0">
@@ -9903,7 +11192,7 @@
 </p:sld>
 </file>
 
-<file path=ppt/slides/slide12.xml><?xml version="1.0" encoding="utf-8"?>
+<file path=ppt/slides/slide13.xml><?xml version="1.0" encoding="utf-8"?>
 <p:sld xmlns:a="http://schemas.openxmlformats.org/drawingml/2006/main" xmlns:r="http://schemas.openxmlformats.org/officeDocument/2006/relationships" xmlns:p="http://schemas.openxmlformats.org/presentationml/2006/main">
   <p:cSld>
     <p:spTree>
@@ -10015,7 +11304,26 @@
                   <a:latin typeface="Consolas" panose="020B0609020204030204" pitchFamily="49" charset="0"/>
                   <a:cs typeface="Consolas" panose="020B0609020204030204" pitchFamily="49" charset="0"/>
                 </a:rPr>
-                <a:t>.getJSON(</a:t>
+                <a:t>.getJSON</a:t>
+              </a:r>
+              <a:r>
+                <a:rPr lang="en-US" sz="2000" dirty="0" smtClean="0">
+                  <a:latin typeface="Consolas" panose="020B0609020204030204" pitchFamily="49" charset="0"/>
+                  <a:cs typeface="Consolas" panose="020B0609020204030204" pitchFamily="49" charset="0"/>
+                </a:rPr>
+                <a:t>(</a:t>
+              </a:r>
+              <a:r>
+                <a:rPr lang="en-US" sz="2000" dirty="0" smtClean="0">
+                  <a:solidFill>
+                    <a:schemeClr val="tx2">
+                      <a:lumMod val="90000"/>
+                    </a:schemeClr>
+                  </a:solidFill>
+                  <a:latin typeface="Consolas" panose="020B0609020204030204" pitchFamily="49" charset="0"/>
+                  <a:cs typeface="Consolas" panose="020B0609020204030204" pitchFamily="49" charset="0"/>
+                </a:rPr>
+                <a:t>"KadastroServiceHost.svc/Listartarefas</a:t>
               </a:r>
               <a:r>
                 <a:rPr lang="en-US" sz="2000" dirty="0">
@@ -10027,7 +11335,7 @@
                   <a:latin typeface="Consolas" panose="020B0609020204030204" pitchFamily="49" charset="0"/>
                   <a:cs typeface="Consolas" panose="020B0609020204030204" pitchFamily="49" charset="0"/>
                 </a:rPr>
-                <a:t>"/KadastroServiceHost.svc/Listartarefas/"</a:t>
+                <a:t>/"</a:t>
               </a:r>
               <a:r>
                 <a:rPr lang="en-US" sz="2000" dirty="0">
@@ -11092,7 +12400,7 @@
 </p:sld>
 </file>
 
-<file path=ppt/slides/slide13.xml><?xml version="1.0" encoding="utf-8"?>
+<file path=ppt/slides/slide14.xml><?xml version="1.0" encoding="utf-8"?>
 <p:sld xmlns:a="http://schemas.openxmlformats.org/drawingml/2006/main" xmlns:r="http://schemas.openxmlformats.org/officeDocument/2006/relationships" xmlns:p="http://schemas.openxmlformats.org/presentationml/2006/main">
   <p:cSld>
     <p:spTree>
@@ -13066,7 +14374,7 @@
 </p:sld>
 </file>
 
-<file path=ppt/slides/slide14.xml><?xml version="1.0" encoding="utf-8"?>
+<file path=ppt/slides/slide15.xml><?xml version="1.0" encoding="utf-8"?>
 <p:sld xmlns:a="http://schemas.openxmlformats.org/drawingml/2006/main" xmlns:r="http://schemas.openxmlformats.org/officeDocument/2006/relationships" xmlns:p="http://schemas.openxmlformats.org/presentationml/2006/main">
   <p:cSld>
     <p:spTree>
@@ -13589,6 +14897,94 @@
           </p:txBody>
         </p:sp>
       </p:grpSp>
+      <p:sp>
+        <p:nvSpPr>
+          <p:cNvPr id="16" name="Curved Up Arrow 15"/>
+          <p:cNvSpPr/>
+          <p:nvPr/>
+        </p:nvSpPr>
+        <p:spPr>
+          <a:xfrm>
+            <a:off x="4728419" y="3025858"/>
+            <a:ext cx="2592288" cy="504056"/>
+          </a:xfrm>
+          <a:prstGeom prst="curvedUpArrow">
+            <a:avLst/>
+          </a:prstGeom>
+        </p:spPr>
+        <p:style>
+          <a:lnRef idx="2">
+            <a:schemeClr val="accent3">
+              <a:shade val="50000"/>
+            </a:schemeClr>
+          </a:lnRef>
+          <a:fillRef idx="1">
+            <a:schemeClr val="accent3"/>
+          </a:fillRef>
+          <a:effectRef idx="0">
+            <a:schemeClr val="accent3"/>
+          </a:effectRef>
+          <a:fontRef idx="minor">
+            <a:schemeClr val="lt1"/>
+          </a:fontRef>
+        </p:style>
+        <p:txBody>
+          <a:bodyPr rtlCol="0" anchor="ctr"/>
+          <a:lstStyle/>
+          <a:p>
+            <a:pPr algn="ctr"/>
+            <a:endParaRPr lang="en-US">
+              <a:solidFill>
+                <a:schemeClr val="tx1"/>
+              </a:solidFill>
+            </a:endParaRPr>
+          </a:p>
+        </p:txBody>
+      </p:sp>
+      <p:sp>
+        <p:nvSpPr>
+          <p:cNvPr id="17" name="Curved Up Arrow 16"/>
+          <p:cNvSpPr/>
+          <p:nvPr/>
+        </p:nvSpPr>
+        <p:spPr>
+          <a:xfrm>
+            <a:off x="7787174" y="3038215"/>
+            <a:ext cx="2592288" cy="504056"/>
+          </a:xfrm>
+          <a:prstGeom prst="curvedUpArrow">
+            <a:avLst/>
+          </a:prstGeom>
+        </p:spPr>
+        <p:style>
+          <a:lnRef idx="2">
+            <a:schemeClr val="accent3">
+              <a:shade val="50000"/>
+            </a:schemeClr>
+          </a:lnRef>
+          <a:fillRef idx="1">
+            <a:schemeClr val="accent3"/>
+          </a:fillRef>
+          <a:effectRef idx="0">
+            <a:schemeClr val="accent3"/>
+          </a:effectRef>
+          <a:fontRef idx="minor">
+            <a:schemeClr val="lt1"/>
+          </a:fontRef>
+        </p:style>
+        <p:txBody>
+          <a:bodyPr rtlCol="0" anchor="ctr"/>
+          <a:lstStyle/>
+          <a:p>
+            <a:pPr algn="ctr"/>
+            <a:endParaRPr lang="en-US">
+              <a:solidFill>
+                <a:schemeClr val="tx1"/>
+              </a:solidFill>
+            </a:endParaRPr>
+          </a:p>
+        </p:txBody>
+      </p:sp>
     </p:spTree>
     <p:extLst>
       <p:ext uri="{BB962C8B-B14F-4D97-AF65-F5344CB8AC3E}">
@@ -13704,6 +15100,51 @@
                       </p:childTnLst>
                     </p:cTn>
                   </p:par>
+                  <p:par>
+                    <p:cTn id="12" fill="hold">
+                      <p:stCondLst>
+                        <p:cond delay="indefinite"/>
+                      </p:stCondLst>
+                      <p:childTnLst>
+                        <p:par>
+                          <p:cTn id="13" fill="hold">
+                            <p:stCondLst>
+                              <p:cond delay="0"/>
+                            </p:stCondLst>
+                            <p:childTnLst>
+                              <p:par>
+                                <p:cTn id="14" presetID="1" presetClass="entr" presetSubtype="0" fill="hold" grpId="0" nodeType="clickEffect">
+                                  <p:stCondLst>
+                                    <p:cond delay="0"/>
+                                  </p:stCondLst>
+                                  <p:childTnLst>
+                                    <p:set>
+                                      <p:cBhvr>
+                                        <p:cTn id="15" dur="1" fill="hold">
+                                          <p:stCondLst>
+                                            <p:cond delay="0"/>
+                                          </p:stCondLst>
+                                        </p:cTn>
+                                        <p:tgtEl>
+                                          <p:spTgt spid="16"/>
+                                        </p:tgtEl>
+                                        <p:attrNameLst>
+                                          <p:attrName>style.visibility</p:attrName>
+                                        </p:attrNameLst>
+                                      </p:cBhvr>
+                                      <p:to>
+                                        <p:strVal val="visible"/>
+                                      </p:to>
+                                    </p:set>
+                                  </p:childTnLst>
+                                </p:cTn>
+                              </p:par>
+                            </p:childTnLst>
+                          </p:cTn>
+                        </p:par>
+                      </p:childTnLst>
+                    </p:cTn>
+                  </p:par>
                 </p:childTnLst>
               </p:cTn>
               <p:prevCondLst>
@@ -13725,11 +15166,14 @@
         </p:cTn>
       </p:par>
     </p:tnLst>
+    <p:bldLst>
+      <p:bldP spid="16" grpId="0" animBg="1"/>
+    </p:bldLst>
   </p:timing>
 </p:sld>
 </file>
 
-<file path=ppt/slides/slide15.xml><?xml version="1.0" encoding="utf-8"?>
+<file path=ppt/slides/slide16.xml><?xml version="1.0" encoding="utf-8"?>
 <p:sld xmlns:a="http://schemas.openxmlformats.org/drawingml/2006/main" xmlns:r="http://schemas.openxmlformats.org/officeDocument/2006/relationships" xmlns:p="http://schemas.openxmlformats.org/presentationml/2006/main">
   <p:cSld>
     <p:spTree>
@@ -14235,6 +15679,94 @@
           </p:txBody>
         </p:sp>
       </p:grpSp>
+      <p:sp>
+        <p:nvSpPr>
+          <p:cNvPr id="3" name="Curved Down Arrow 2"/>
+          <p:cNvSpPr/>
+          <p:nvPr/>
+        </p:nvSpPr>
+        <p:spPr>
+          <a:xfrm flipH="1">
+            <a:off x="7968208" y="5140931"/>
+            <a:ext cx="2275694" cy="432048"/>
+          </a:xfrm>
+          <a:prstGeom prst="curvedDownArrow">
+            <a:avLst/>
+          </a:prstGeom>
+        </p:spPr>
+        <p:style>
+          <a:lnRef idx="2">
+            <a:schemeClr val="accent3">
+              <a:shade val="50000"/>
+            </a:schemeClr>
+          </a:lnRef>
+          <a:fillRef idx="1">
+            <a:schemeClr val="accent3"/>
+          </a:fillRef>
+          <a:effectRef idx="0">
+            <a:schemeClr val="accent3"/>
+          </a:effectRef>
+          <a:fontRef idx="minor">
+            <a:schemeClr val="lt1"/>
+          </a:fontRef>
+        </p:style>
+        <p:txBody>
+          <a:bodyPr rtlCol="0" anchor="ctr"/>
+          <a:lstStyle/>
+          <a:p>
+            <a:pPr algn="ctr"/>
+            <a:endParaRPr lang="en-US">
+              <a:solidFill>
+                <a:schemeClr val="tx1"/>
+              </a:solidFill>
+            </a:endParaRPr>
+          </a:p>
+        </p:txBody>
+      </p:sp>
+      <p:sp>
+        <p:nvSpPr>
+          <p:cNvPr id="17" name="Curved Down Arrow 16"/>
+          <p:cNvSpPr/>
+          <p:nvPr/>
+        </p:nvSpPr>
+        <p:spPr>
+          <a:xfrm flipH="1">
+            <a:off x="5361639" y="5121188"/>
+            <a:ext cx="2275694" cy="432048"/>
+          </a:xfrm>
+          <a:prstGeom prst="curvedDownArrow">
+            <a:avLst/>
+          </a:prstGeom>
+        </p:spPr>
+        <p:style>
+          <a:lnRef idx="2">
+            <a:schemeClr val="accent3">
+              <a:shade val="50000"/>
+            </a:schemeClr>
+          </a:lnRef>
+          <a:fillRef idx="1">
+            <a:schemeClr val="accent3"/>
+          </a:fillRef>
+          <a:effectRef idx="0">
+            <a:schemeClr val="accent3"/>
+          </a:effectRef>
+          <a:fontRef idx="minor">
+            <a:schemeClr val="lt1"/>
+          </a:fontRef>
+        </p:style>
+        <p:txBody>
+          <a:bodyPr rtlCol="0" anchor="ctr"/>
+          <a:lstStyle/>
+          <a:p>
+            <a:pPr algn="ctr"/>
+            <a:endParaRPr lang="en-US">
+              <a:solidFill>
+                <a:schemeClr val="tx1"/>
+              </a:solidFill>
+            </a:endParaRPr>
+          </a:p>
+        </p:txBody>
+      </p:sp>
     </p:spTree>
     <p:extLst>
       <p:ext uri="{BB962C8B-B14F-4D97-AF65-F5344CB8AC3E}">
@@ -14350,6 +15882,51 @@
                       </p:childTnLst>
                     </p:cTn>
                   </p:par>
+                  <p:par>
+                    <p:cTn id="12" fill="hold">
+                      <p:stCondLst>
+                        <p:cond delay="indefinite"/>
+                      </p:stCondLst>
+                      <p:childTnLst>
+                        <p:par>
+                          <p:cTn id="13" fill="hold">
+                            <p:stCondLst>
+                              <p:cond delay="0"/>
+                            </p:stCondLst>
+                            <p:childTnLst>
+                              <p:par>
+                                <p:cTn id="14" presetID="1" presetClass="entr" presetSubtype="0" fill="hold" grpId="0" nodeType="clickEffect">
+                                  <p:stCondLst>
+                                    <p:cond delay="0"/>
+                                  </p:stCondLst>
+                                  <p:childTnLst>
+                                    <p:set>
+                                      <p:cBhvr>
+                                        <p:cTn id="15" dur="1" fill="hold">
+                                          <p:stCondLst>
+                                            <p:cond delay="0"/>
+                                          </p:stCondLst>
+                                        </p:cTn>
+                                        <p:tgtEl>
+                                          <p:spTgt spid="3"/>
+                                        </p:tgtEl>
+                                        <p:attrNameLst>
+                                          <p:attrName>style.visibility</p:attrName>
+                                        </p:attrNameLst>
+                                      </p:cBhvr>
+                                      <p:to>
+                                        <p:strVal val="visible"/>
+                                      </p:to>
+                                    </p:set>
+                                  </p:childTnLst>
+                                </p:cTn>
+                              </p:par>
+                            </p:childTnLst>
+                          </p:cTn>
+                        </p:par>
+                      </p:childTnLst>
+                    </p:cTn>
+                  </p:par>
                 </p:childTnLst>
               </p:cTn>
               <p:prevCondLst>
@@ -14371,11 +15948,14 @@
         </p:cTn>
       </p:par>
     </p:tnLst>
+    <p:bldLst>
+      <p:bldP spid="3" grpId="0" animBg="1"/>
+    </p:bldLst>
   </p:timing>
 </p:sld>
 </file>
 
-<file path=ppt/slides/slide16.xml><?xml version="1.0" encoding="utf-8"?>
+<file path=ppt/slides/slide17.xml><?xml version="1.0" encoding="utf-8"?>
 <p:sld xmlns:a="http://schemas.openxmlformats.org/drawingml/2006/main" xmlns:r="http://schemas.openxmlformats.org/officeDocument/2006/relationships" xmlns:p="http://schemas.openxmlformats.org/presentationml/2006/main">
   <p:cSld>
     <p:spTree>
@@ -19868,69 +21448,7 @@
       </p:grpSpPr>
       <p:sp>
         <p:nvSpPr>
-          <p:cNvPr id="2" name="Content Placeholder 1"/>
-          <p:cNvSpPr>
-            <a:spLocks noGrp="1"/>
-          </p:cNvSpPr>
-          <p:nvPr>
-            <p:ph idx="1"/>
-          </p:nvPr>
-        </p:nvSpPr>
-        <p:spPr>
-          <a:xfrm>
-            <a:off x="609600" y="1524000"/>
-            <a:ext cx="10972800" cy="3255039"/>
-          </a:xfrm>
-        </p:spPr>
-        <p:txBody>
-          <a:bodyPr/>
-          <a:lstStyle/>
-          <a:p>
-            <a:r>
-              <a:rPr lang="en-US" dirty="0" smtClean="0"/>
-              <a:t>Obter dados do Servidor</a:t>
-            </a:r>
-          </a:p>
-          <a:p>
-            <a:r>
-              <a:rPr lang="en-US" dirty="0" smtClean="0"/>
-              <a:t>Definir uma interface com o usuário</a:t>
-            </a:r>
-          </a:p>
-          <a:p>
-            <a:r>
-              <a:rPr lang="en-US" dirty="0" smtClean="0"/>
-              <a:t>Criar métodos para apresentação e manter os dados  (DOM)</a:t>
-            </a:r>
-          </a:p>
-          <a:p>
-            <a:r>
-              <a:rPr lang="en-US" dirty="0" smtClean="0"/>
-              <a:t>Criar métodos para manipular os dados (como reordenação da lista) </a:t>
-            </a:r>
-          </a:p>
-          <a:p>
-            <a:r>
-              <a:rPr lang="en-US" dirty="0"/>
-              <a:t>Criar métodos para validar os dados do </a:t>
-            </a:r>
-            <a:r>
-              <a:rPr lang="en-US" dirty="0" smtClean="0"/>
-              <a:t>usuário</a:t>
-            </a:r>
-          </a:p>
-          <a:p>
-            <a:r>
-              <a:rPr lang="en-US" dirty="0" smtClean="0"/>
-              <a:t>Criar métodos para persistir os dados</a:t>
-            </a:r>
-            <a:endParaRPr lang="en-US" dirty="0"/>
-          </a:p>
-        </p:txBody>
-      </p:sp>
-      <p:sp>
-        <p:nvSpPr>
-          <p:cNvPr id="3" name="Title 2"/>
+          <p:cNvPr id="2" name="Title 1"/>
           <p:cNvSpPr>
             <a:spLocks noGrp="1"/>
           </p:cNvSpPr>
@@ -19945,494 +21463,16 @@
           <a:p>
             <a:r>
               <a:rPr lang="en-US" dirty="0" smtClean="0"/>
-              <a:t>Apresentando </a:t>
-            </a:r>
-            <a:r>
-              <a:rPr lang="en-US" dirty="0"/>
-              <a:t>o primeiro exemplo</a:t>
-            </a:r>
-          </a:p>
-        </p:txBody>
-      </p:sp>
-      <p:grpSp>
-        <p:nvGrpSpPr>
-          <p:cNvPr id="14" name="Group 13"/>
-          <p:cNvGrpSpPr/>
-          <p:nvPr/>
-        </p:nvGrpSpPr>
-        <p:grpSpPr>
-          <a:xfrm rot="21045721">
-            <a:off x="7254337" y="3916895"/>
-            <a:ext cx="4464496" cy="2232248"/>
-            <a:chOff x="6960096" y="3753036"/>
-            <a:chExt cx="4464496" cy="2232248"/>
-          </a:xfrm>
-        </p:grpSpPr>
-        <p:sp>
-          <p:nvSpPr>
-            <p:cNvPr id="13" name="Snip Diagonal Corner Rectangle 12"/>
-            <p:cNvSpPr/>
-            <p:nvPr/>
-          </p:nvSpPr>
-          <p:spPr>
-            <a:xfrm>
-              <a:off x="6960096" y="3753036"/>
-              <a:ext cx="4464496" cy="2232248"/>
-            </a:xfrm>
-            <a:prstGeom prst="snip2DiagRect">
-              <a:avLst/>
-            </a:prstGeom>
-          </p:spPr>
-          <p:style>
-            <a:lnRef idx="3">
-              <a:schemeClr val="lt1"/>
-            </a:lnRef>
-            <a:fillRef idx="1">
-              <a:schemeClr val="accent2"/>
-            </a:fillRef>
-            <a:effectRef idx="1">
-              <a:schemeClr val="accent2"/>
-            </a:effectRef>
-            <a:fontRef idx="minor">
-              <a:schemeClr val="lt1"/>
-            </a:fontRef>
-          </p:style>
-          <p:txBody>
-            <a:bodyPr rtlCol="0" anchor="ctr"/>
-            <a:lstStyle/>
-            <a:p>
-              <a:pPr algn="ctr"/>
-              <a:endParaRPr lang="en-US"/>
-            </a:p>
-          </p:txBody>
-        </p:sp>
-        <p:grpSp>
-          <p:nvGrpSpPr>
-            <p:cNvPr id="12" name="Group 11"/>
-            <p:cNvGrpSpPr/>
-            <p:nvPr/>
-          </p:nvGrpSpPr>
-          <p:grpSpPr>
-            <a:xfrm>
-              <a:off x="7104112" y="3933056"/>
-              <a:ext cx="4176464" cy="1872208"/>
-              <a:chOff x="7104112" y="3933056"/>
-              <a:chExt cx="4176464" cy="1872208"/>
-            </a:xfrm>
-          </p:grpSpPr>
-          <p:sp>
-            <p:nvSpPr>
-              <p:cNvPr id="4" name="Folded Corner 3"/>
-              <p:cNvSpPr/>
-              <p:nvPr/>
-            </p:nvSpPr>
-            <p:spPr>
-              <a:xfrm>
-                <a:off x="7104112" y="3933056"/>
-                <a:ext cx="4176464" cy="1872208"/>
-              </a:xfrm>
-              <a:prstGeom prst="foldedCorner">
-                <a:avLst/>
-              </a:prstGeom>
-            </p:spPr>
-            <p:style>
-              <a:lnRef idx="2">
-                <a:schemeClr val="accent2"/>
-              </a:lnRef>
-              <a:fillRef idx="1">
-                <a:schemeClr val="lt1"/>
-              </a:fillRef>
-              <a:effectRef idx="0">
-                <a:schemeClr val="accent2"/>
-              </a:effectRef>
-              <a:fontRef idx="minor">
-                <a:schemeClr val="dk1"/>
-              </a:fontRef>
-            </p:style>
-            <p:txBody>
-              <a:bodyPr rtlCol="0" anchor="ctr"/>
-              <a:lstStyle/>
-              <a:p>
-                <a:pPr algn="r"/>
-                <a:endParaRPr lang="en-US" dirty="0">
-                  <a:latin typeface="Arial Black" panose="020B0A04020102020204" pitchFamily="34" charset="0"/>
-                </a:endParaRPr>
-              </a:p>
-            </p:txBody>
-          </p:sp>
-          <p:cxnSp>
-            <p:nvCxnSpPr>
-              <p:cNvPr id="6" name="Straight Connector 5"/>
-              <p:cNvCxnSpPr/>
-              <p:nvPr/>
-            </p:nvCxnSpPr>
-            <p:spPr>
-              <a:xfrm flipV="1">
-                <a:off x="7824192" y="4005064"/>
-                <a:ext cx="0" cy="1728192"/>
-              </a:xfrm>
-              <a:prstGeom prst="line">
-                <a:avLst/>
-              </a:prstGeom>
-              <a:ln>
-                <a:solidFill>
-                  <a:schemeClr val="accent2">
-                    <a:lumMod val="75000"/>
-                  </a:schemeClr>
-                </a:solidFill>
-              </a:ln>
-            </p:spPr>
-            <p:style>
-              <a:lnRef idx="1">
-                <a:schemeClr val="accent1"/>
-              </a:lnRef>
-              <a:fillRef idx="0">
-                <a:schemeClr val="accent1"/>
-              </a:fillRef>
-              <a:effectRef idx="0">
-                <a:schemeClr val="accent1"/>
-              </a:effectRef>
-              <a:fontRef idx="minor">
-                <a:schemeClr val="tx1"/>
-              </a:fontRef>
-            </p:style>
-          </p:cxnSp>
-          <p:cxnSp>
-            <p:nvCxnSpPr>
-              <p:cNvPr id="8" name="Straight Connector 7"/>
-              <p:cNvCxnSpPr/>
-              <p:nvPr/>
-            </p:nvCxnSpPr>
-            <p:spPr>
-              <a:xfrm>
-                <a:off x="7104112" y="5013176"/>
-                <a:ext cx="4176464" cy="0"/>
-              </a:xfrm>
-              <a:prstGeom prst="line">
-                <a:avLst/>
-              </a:prstGeom>
-              <a:ln>
-                <a:solidFill>
-                  <a:schemeClr val="accent6">
-                    <a:lumMod val="60000"/>
-                    <a:lumOff val="40000"/>
-                  </a:schemeClr>
-                </a:solidFill>
-              </a:ln>
-            </p:spPr>
-            <p:style>
-              <a:lnRef idx="1">
-                <a:schemeClr val="accent1"/>
-              </a:lnRef>
-              <a:fillRef idx="0">
-                <a:schemeClr val="accent1"/>
-              </a:fillRef>
-              <a:effectRef idx="0">
-                <a:schemeClr val="accent1"/>
-              </a:effectRef>
-              <a:fontRef idx="minor">
-                <a:schemeClr val="tx1"/>
-              </a:fontRef>
-            </p:style>
-          </p:cxnSp>
-          <p:sp>
-            <p:nvSpPr>
-              <p:cNvPr id="9" name="Rectangle 8"/>
-              <p:cNvSpPr/>
-              <p:nvPr/>
-            </p:nvSpPr>
-            <p:spPr>
-              <a:xfrm>
-                <a:off x="7320136" y="5229200"/>
-                <a:ext cx="288032" cy="288032"/>
-              </a:xfrm>
-              <a:prstGeom prst="rect">
-                <a:avLst/>
-              </a:prstGeom>
-              <a:solidFill>
-                <a:schemeClr val="tx1">
-                  <a:lumMod val="95000"/>
-                </a:schemeClr>
-              </a:solidFill>
-              <a:ln w="12700"/>
-            </p:spPr>
-            <p:style>
-              <a:lnRef idx="2">
-                <a:schemeClr val="dk1"/>
-              </a:lnRef>
-              <a:fillRef idx="1">
-                <a:schemeClr val="lt1"/>
-              </a:fillRef>
-              <a:effectRef idx="0">
-                <a:schemeClr val="dk1"/>
-              </a:effectRef>
-              <a:fontRef idx="minor">
-                <a:schemeClr val="dk1"/>
-              </a:fontRef>
-            </p:style>
-            <p:txBody>
-              <a:bodyPr rtlCol="0" anchor="ctr"/>
-              <a:lstStyle/>
-              <a:p>
-                <a:pPr algn="ctr"/>
-                <a:endParaRPr lang="en-US"/>
-              </a:p>
-            </p:txBody>
-          </p:sp>
-          <p:sp>
-            <p:nvSpPr>
-              <p:cNvPr id="10" name="TextBox 9"/>
-              <p:cNvSpPr txBox="1"/>
-              <p:nvPr/>
-            </p:nvSpPr>
-            <p:spPr>
-              <a:xfrm>
-                <a:off x="8041017" y="5157192"/>
-                <a:ext cx="2087431" cy="461665"/>
-              </a:xfrm>
-              <a:prstGeom prst="rect">
-                <a:avLst/>
-              </a:prstGeom>
-              <a:noFill/>
-            </p:spPr>
-            <p:txBody>
-              <a:bodyPr wrap="none" rtlCol="0">
-                <a:spAutoFit/>
-              </a:bodyPr>
-              <a:lstStyle/>
-              <a:p>
-                <a:r>
-                  <a:rPr lang="en-US" sz="2400" dirty="0" smtClean="0">
-                    <a:solidFill>
-                      <a:schemeClr val="bg1"/>
-                    </a:solidFill>
-                    <a:latin typeface="Corbel" panose="020B0503020204020204" pitchFamily="34" charset="0"/>
-                  </a:rPr>
-                  <a:t>Comprar pão...</a:t>
-                </a:r>
-                <a:endParaRPr lang="en-US" sz="2400" dirty="0">
-                  <a:solidFill>
-                    <a:schemeClr val="bg1"/>
-                  </a:solidFill>
-                  <a:latin typeface="Corbel" panose="020B0503020204020204" pitchFamily="34" charset="0"/>
-                </a:endParaRPr>
-              </a:p>
-            </p:txBody>
-          </p:sp>
-          <p:sp>
-            <p:nvSpPr>
-              <p:cNvPr id="11" name="TextBox 10"/>
-              <p:cNvSpPr txBox="1"/>
-              <p:nvPr/>
-            </p:nvSpPr>
-            <p:spPr>
-              <a:xfrm>
-                <a:off x="8040216" y="4390509"/>
-                <a:ext cx="3240360" cy="461665"/>
-              </a:xfrm>
-              <a:prstGeom prst="rect">
-                <a:avLst/>
-              </a:prstGeom>
-              <a:noFill/>
-            </p:spPr>
-            <p:txBody>
-              <a:bodyPr wrap="square" rtlCol="0">
-                <a:spAutoFit/>
-              </a:bodyPr>
-              <a:lstStyle/>
-              <a:p>
-                <a:r>
-                  <a:rPr lang="en-US" sz="2400" dirty="0" smtClean="0">
-                    <a:solidFill>
-                      <a:schemeClr val="accent1">
-                        <a:lumMod val="50000"/>
-                      </a:schemeClr>
-                    </a:solidFill>
-                    <a:latin typeface="Arial Black" panose="020B0A04020102020204" pitchFamily="34" charset="0"/>
-                  </a:rPr>
-                  <a:t>Lista de Tarefas</a:t>
-                </a:r>
-                <a:endParaRPr lang="en-US" sz="2400" dirty="0">
-                  <a:solidFill>
-                    <a:schemeClr val="accent1">
-                      <a:lumMod val="50000"/>
-                    </a:schemeClr>
-                  </a:solidFill>
-                  <a:latin typeface="Arial Black" panose="020B0A04020102020204" pitchFamily="34" charset="0"/>
-                </a:endParaRPr>
-              </a:p>
-            </p:txBody>
-          </p:sp>
-        </p:grpSp>
-      </p:grpSp>
-      <p:grpSp>
-        <p:nvGrpSpPr>
-          <p:cNvPr id="18" name="Group 17"/>
-          <p:cNvGrpSpPr/>
-          <p:nvPr/>
-        </p:nvGrpSpPr>
-        <p:grpSpPr>
-          <a:xfrm>
-            <a:off x="551384" y="5054515"/>
-            <a:ext cx="936104" cy="864096"/>
-            <a:chOff x="3287688" y="5445224"/>
-            <a:chExt cx="936104" cy="864096"/>
-          </a:xfrm>
-        </p:grpSpPr>
-        <p:sp>
-          <p:nvSpPr>
-            <p:cNvPr id="19" name="Oval 18"/>
-            <p:cNvSpPr/>
-            <p:nvPr/>
-          </p:nvSpPr>
-          <p:spPr>
-            <a:xfrm>
-              <a:off x="3287688" y="5445224"/>
-              <a:ext cx="936104" cy="864096"/>
-            </a:xfrm>
-            <a:prstGeom prst="ellipse">
-              <a:avLst/>
-            </a:prstGeom>
-            <a:solidFill>
-              <a:srgbClr val="EA3E3E"/>
-            </a:solidFill>
-            <a:ln>
-              <a:solidFill>
-                <a:schemeClr val="bg2">
-                  <a:lumMod val="75000"/>
-                </a:schemeClr>
-              </a:solidFill>
-            </a:ln>
-          </p:spPr>
-          <p:style>
-            <a:lnRef idx="2">
-              <a:schemeClr val="accent1">
-                <a:shade val="50000"/>
-              </a:schemeClr>
-            </a:lnRef>
-            <a:fillRef idx="1">
-              <a:schemeClr val="accent1"/>
-            </a:fillRef>
-            <a:effectRef idx="0">
-              <a:schemeClr val="accent1"/>
-            </a:effectRef>
-            <a:fontRef idx="minor">
-              <a:schemeClr val="lt1"/>
-            </a:fontRef>
-          </p:style>
-          <p:txBody>
-            <a:bodyPr rtlCol="0" anchor="ctr"/>
-            <a:lstStyle/>
-            <a:p>
-              <a:pPr algn="ctr"/>
-              <a:endParaRPr lang="en-US"/>
-            </a:p>
-          </p:txBody>
-        </p:sp>
-        <p:sp>
-          <p:nvSpPr>
-            <p:cNvPr id="20" name="Multiply 19"/>
-            <p:cNvSpPr/>
-            <p:nvPr/>
-          </p:nvSpPr>
-          <p:spPr>
-            <a:xfrm>
-              <a:off x="3359696" y="5506116"/>
-              <a:ext cx="792088" cy="742312"/>
-            </a:xfrm>
-            <a:prstGeom prst="mathMultiply">
-              <a:avLst/>
-            </a:prstGeom>
-            <a:ln>
-              <a:solidFill>
-                <a:schemeClr val="bg2">
-                  <a:lumMod val="75000"/>
-                </a:schemeClr>
-              </a:solidFill>
-            </a:ln>
-          </p:spPr>
-          <p:style>
-            <a:lnRef idx="2">
-              <a:schemeClr val="accent1"/>
-            </a:lnRef>
-            <a:fillRef idx="1">
-              <a:schemeClr val="lt1"/>
-            </a:fillRef>
-            <a:effectRef idx="0">
-              <a:schemeClr val="accent1"/>
-            </a:effectRef>
-            <a:fontRef idx="minor">
-              <a:schemeClr val="dk1"/>
-            </a:fontRef>
-          </p:style>
-          <p:txBody>
-            <a:bodyPr rtlCol="0" anchor="ctr"/>
-            <a:lstStyle/>
-            <a:p>
-              <a:pPr algn="ctr"/>
-              <a:endParaRPr lang="en-US"/>
-            </a:p>
-          </p:txBody>
-        </p:sp>
-      </p:grpSp>
-      <p:sp>
-        <p:nvSpPr>
-          <p:cNvPr id="5" name="TextBox 4"/>
-          <p:cNvSpPr txBox="1"/>
-          <p:nvPr/>
-        </p:nvSpPr>
-        <p:spPr>
-          <a:xfrm>
-            <a:off x="1685349" y="5068341"/>
-            <a:ext cx="5170859" cy="1384995"/>
-          </a:xfrm>
-          <a:prstGeom prst="rect">
-            <a:avLst/>
-          </a:prstGeom>
-          <a:noFill/>
-        </p:spPr>
-        <p:txBody>
-          <a:bodyPr wrap="square" rtlCol="0">
-            <a:spAutoFit/>
-          </a:bodyPr>
-          <a:lstStyle/>
-          <a:p>
-            <a:r>
-              <a:rPr lang="en-US" sz="2800" b="1" dirty="0" smtClean="0">
-                <a:solidFill>
-                  <a:srgbClr val="EA3E3E"/>
-                </a:solidFill>
-                <a:effectLst>
-                  <a:outerShdw blurRad="38100" dist="38100" dir="2700000" algn="tl">
-                    <a:srgbClr val="000000">
-                      <a:alpha val="43137"/>
-                    </a:srgbClr>
-                  </a:outerShdw>
-                </a:effectLst>
-                <a:latin typeface="Corbel" panose="020B0503020204020204" pitchFamily="34" charset="0"/>
-              </a:rPr>
-              <a:t>Sem a estrutura do KOjs, esses métodos podem ser bem desorganizados.</a:t>
-            </a:r>
-            <a:endParaRPr lang="en-US" sz="2800" b="1" dirty="0">
-              <a:solidFill>
-                <a:srgbClr val="EA3E3E"/>
-              </a:solidFill>
-              <a:effectLst>
-                <a:outerShdw blurRad="38100" dist="38100" dir="2700000" algn="tl">
-                  <a:srgbClr val="000000">
-                    <a:alpha val="43137"/>
-                  </a:srgbClr>
-                </a:outerShdw>
-              </a:effectLst>
-              <a:latin typeface="Corbel" panose="020B0503020204020204" pitchFamily="34" charset="0"/>
-            </a:endParaRPr>
+              <a:t>2.6 Instalação</a:t>
+            </a:r>
+            <a:endParaRPr lang="en-US" dirty="0"/>
           </a:p>
         </p:txBody>
       </p:sp>
     </p:spTree>
     <p:extLst>
       <p:ext uri="{BB962C8B-B14F-4D97-AF65-F5344CB8AC3E}">
-        <p14:creationId xmlns:p14="http://schemas.microsoft.com/office/powerpoint/2010/main" val="3705422472"/>
+        <p14:creationId xmlns:p14="http://schemas.microsoft.com/office/powerpoint/2010/main" val="4079616922"/>
       </p:ext>
     </p:extLst>
   </p:cSld>
@@ -20442,678 +21482,9 @@
   <p:timing>
     <p:tnLst>
       <p:par>
-        <p:cTn id="1" dur="indefinite" restart="never" nodeType="tmRoot">
-          <p:childTnLst>
-            <p:seq concurrent="1" nextAc="seek">
-              <p:cTn id="2" dur="indefinite" nodeType="mainSeq">
-                <p:childTnLst>
-                  <p:par>
-                    <p:cTn id="3" fill="hold">
-                      <p:stCondLst>
-                        <p:cond delay="indefinite"/>
-                      </p:stCondLst>
-                      <p:childTnLst>
-                        <p:par>
-                          <p:cTn id="4" fill="hold">
-                            <p:stCondLst>
-                              <p:cond delay="0"/>
-                            </p:stCondLst>
-                            <p:childTnLst>
-                              <p:par>
-                                <p:cTn id="5" presetID="10" presetClass="entr" presetSubtype="0" fill="hold" nodeType="clickEffect">
-                                  <p:stCondLst>
-                                    <p:cond delay="0"/>
-                                  </p:stCondLst>
-                                  <p:childTnLst>
-                                    <p:set>
-                                      <p:cBhvr>
-                                        <p:cTn id="6" dur="1" fill="hold">
-                                          <p:stCondLst>
-                                            <p:cond delay="0"/>
-                                          </p:stCondLst>
-                                        </p:cTn>
-                                        <p:tgtEl>
-                                          <p:spTgt spid="14"/>
-                                        </p:tgtEl>
-                                        <p:attrNameLst>
-                                          <p:attrName>style.visibility</p:attrName>
-                                        </p:attrNameLst>
-                                      </p:cBhvr>
-                                      <p:to>
-                                        <p:strVal val="visible"/>
-                                      </p:to>
-                                    </p:set>
-                                    <p:animEffect transition="in" filter="fade">
-                                      <p:cBhvr>
-                                        <p:cTn id="7" dur="500"/>
-                                        <p:tgtEl>
-                                          <p:spTgt spid="14"/>
-                                        </p:tgtEl>
-                                      </p:cBhvr>
-                                    </p:animEffect>
-                                  </p:childTnLst>
-                                </p:cTn>
-                              </p:par>
-                            </p:childTnLst>
-                          </p:cTn>
-                        </p:par>
-                      </p:childTnLst>
-                    </p:cTn>
-                  </p:par>
-                  <p:par>
-                    <p:cTn id="8" fill="hold">
-                      <p:stCondLst>
-                        <p:cond delay="indefinite"/>
-                      </p:stCondLst>
-                      <p:childTnLst>
-                        <p:par>
-                          <p:cTn id="9" fill="hold">
-                            <p:stCondLst>
-                              <p:cond delay="0"/>
-                            </p:stCondLst>
-                            <p:childTnLst>
-                              <p:par>
-                                <p:cTn id="10" presetID="1" presetClass="entr" presetSubtype="0" fill="hold" grpId="0" nodeType="clickEffect">
-                                  <p:stCondLst>
-                                    <p:cond delay="0"/>
-                                  </p:stCondLst>
-                                  <p:childTnLst>
-                                    <p:set>
-                                      <p:cBhvr>
-                                        <p:cTn id="11" dur="1" fill="hold">
-                                          <p:stCondLst>
-                                            <p:cond delay="0"/>
-                                          </p:stCondLst>
-                                        </p:cTn>
-                                        <p:tgtEl>
-                                          <p:spTgt spid="2">
-                                            <p:txEl>
-                                              <p:pRg st="0" end="0"/>
-                                            </p:txEl>
-                                          </p:spTgt>
-                                        </p:tgtEl>
-                                        <p:attrNameLst>
-                                          <p:attrName>style.visibility</p:attrName>
-                                        </p:attrNameLst>
-                                      </p:cBhvr>
-                                      <p:to>
-                                        <p:strVal val="visible"/>
-                                      </p:to>
-                                    </p:set>
-                                  </p:childTnLst>
-                                </p:cTn>
-                              </p:par>
-                            </p:childTnLst>
-                          </p:cTn>
-                        </p:par>
-                        <p:par>
-                          <p:cTn id="12" fill="hold">
-                            <p:stCondLst>
-                              <p:cond delay="0"/>
-                            </p:stCondLst>
-                            <p:childTnLst>
-                              <p:par>
-                                <p:cTn id="13" presetID="1" presetClass="entr" presetSubtype="0" fill="hold" grpId="0" nodeType="afterEffect">
-                                  <p:stCondLst>
-                                    <p:cond delay="0"/>
-                                  </p:stCondLst>
-                                  <p:childTnLst>
-                                    <p:set>
-                                      <p:cBhvr>
-                                        <p:cTn id="14" dur="1" fill="hold">
-                                          <p:stCondLst>
-                                            <p:cond delay="0"/>
-                                          </p:stCondLst>
-                                        </p:cTn>
-                                        <p:tgtEl>
-                                          <p:spTgt spid="2">
-                                            <p:txEl>
-                                              <p:pRg st="1" end="1"/>
-                                            </p:txEl>
-                                          </p:spTgt>
-                                        </p:tgtEl>
-                                        <p:attrNameLst>
-                                          <p:attrName>style.visibility</p:attrName>
-                                        </p:attrNameLst>
-                                      </p:cBhvr>
-                                      <p:to>
-                                        <p:strVal val="visible"/>
-                                      </p:to>
-                                    </p:set>
-                                  </p:childTnLst>
-                                </p:cTn>
-                              </p:par>
-                            </p:childTnLst>
-                          </p:cTn>
-                        </p:par>
-                        <p:par>
-                          <p:cTn id="15" fill="hold">
-                            <p:stCondLst>
-                              <p:cond delay="0"/>
-                            </p:stCondLst>
-                            <p:childTnLst>
-                              <p:par>
-                                <p:cTn id="16" presetID="1" presetClass="entr" presetSubtype="0" fill="hold" grpId="0" nodeType="afterEffect">
-                                  <p:stCondLst>
-                                    <p:cond delay="0"/>
-                                  </p:stCondLst>
-                                  <p:childTnLst>
-                                    <p:set>
-                                      <p:cBhvr>
-                                        <p:cTn id="17" dur="1" fill="hold">
-                                          <p:stCondLst>
-                                            <p:cond delay="0"/>
-                                          </p:stCondLst>
-                                        </p:cTn>
-                                        <p:tgtEl>
-                                          <p:spTgt spid="2">
-                                            <p:txEl>
-                                              <p:pRg st="2" end="2"/>
-                                            </p:txEl>
-                                          </p:spTgt>
-                                        </p:tgtEl>
-                                        <p:attrNameLst>
-                                          <p:attrName>style.visibility</p:attrName>
-                                        </p:attrNameLst>
-                                      </p:cBhvr>
-                                      <p:to>
-                                        <p:strVal val="visible"/>
-                                      </p:to>
-                                    </p:set>
-                                  </p:childTnLst>
-                                </p:cTn>
-                              </p:par>
-                            </p:childTnLst>
-                          </p:cTn>
-                        </p:par>
-                        <p:par>
-                          <p:cTn id="18" fill="hold">
-                            <p:stCondLst>
-                              <p:cond delay="0"/>
-                            </p:stCondLst>
-                            <p:childTnLst>
-                              <p:par>
-                                <p:cTn id="19" presetID="1" presetClass="entr" presetSubtype="0" fill="hold" grpId="0" nodeType="afterEffect">
-                                  <p:stCondLst>
-                                    <p:cond delay="0"/>
-                                  </p:stCondLst>
-                                  <p:childTnLst>
-                                    <p:set>
-                                      <p:cBhvr>
-                                        <p:cTn id="20" dur="1" fill="hold">
-                                          <p:stCondLst>
-                                            <p:cond delay="0"/>
-                                          </p:stCondLst>
-                                        </p:cTn>
-                                        <p:tgtEl>
-                                          <p:spTgt spid="2">
-                                            <p:txEl>
-                                              <p:pRg st="3" end="3"/>
-                                            </p:txEl>
-                                          </p:spTgt>
-                                        </p:tgtEl>
-                                        <p:attrNameLst>
-                                          <p:attrName>style.visibility</p:attrName>
-                                        </p:attrNameLst>
-                                      </p:cBhvr>
-                                      <p:to>
-                                        <p:strVal val="visible"/>
-                                      </p:to>
-                                    </p:set>
-                                  </p:childTnLst>
-                                </p:cTn>
-                              </p:par>
-                            </p:childTnLst>
-                          </p:cTn>
-                        </p:par>
-                        <p:par>
-                          <p:cTn id="21" fill="hold">
-                            <p:stCondLst>
-                              <p:cond delay="0"/>
-                            </p:stCondLst>
-                            <p:childTnLst>
-                              <p:par>
-                                <p:cTn id="22" presetID="1" presetClass="entr" presetSubtype="0" fill="hold" grpId="0" nodeType="afterEffect">
-                                  <p:stCondLst>
-                                    <p:cond delay="0"/>
-                                  </p:stCondLst>
-                                  <p:childTnLst>
-                                    <p:set>
-                                      <p:cBhvr>
-                                        <p:cTn id="23" dur="1" fill="hold">
-                                          <p:stCondLst>
-                                            <p:cond delay="0"/>
-                                          </p:stCondLst>
-                                        </p:cTn>
-                                        <p:tgtEl>
-                                          <p:spTgt spid="2">
-                                            <p:txEl>
-                                              <p:pRg st="4" end="4"/>
-                                            </p:txEl>
-                                          </p:spTgt>
-                                        </p:tgtEl>
-                                        <p:attrNameLst>
-                                          <p:attrName>style.visibility</p:attrName>
-                                        </p:attrNameLst>
-                                      </p:cBhvr>
-                                      <p:to>
-                                        <p:strVal val="visible"/>
-                                      </p:to>
-                                    </p:set>
-                                  </p:childTnLst>
-                                </p:cTn>
-                              </p:par>
-                            </p:childTnLst>
-                          </p:cTn>
-                        </p:par>
-                        <p:par>
-                          <p:cTn id="24" fill="hold">
-                            <p:stCondLst>
-                              <p:cond delay="0"/>
-                            </p:stCondLst>
-                            <p:childTnLst>
-                              <p:par>
-                                <p:cTn id="25" presetID="1" presetClass="entr" presetSubtype="0" fill="hold" grpId="0" nodeType="afterEffect">
-                                  <p:stCondLst>
-                                    <p:cond delay="0"/>
-                                  </p:stCondLst>
-                                  <p:childTnLst>
-                                    <p:set>
-                                      <p:cBhvr>
-                                        <p:cTn id="26" dur="1" fill="hold">
-                                          <p:stCondLst>
-                                            <p:cond delay="0"/>
-                                          </p:stCondLst>
-                                        </p:cTn>
-                                        <p:tgtEl>
-                                          <p:spTgt spid="2">
-                                            <p:txEl>
-                                              <p:pRg st="5" end="5"/>
-                                            </p:txEl>
-                                          </p:spTgt>
-                                        </p:tgtEl>
-                                        <p:attrNameLst>
-                                          <p:attrName>style.visibility</p:attrName>
-                                        </p:attrNameLst>
-                                      </p:cBhvr>
-                                      <p:to>
-                                        <p:strVal val="visible"/>
-                                      </p:to>
-                                    </p:set>
-                                  </p:childTnLst>
-                                </p:cTn>
-                              </p:par>
-                            </p:childTnLst>
-                          </p:cTn>
-                        </p:par>
-                      </p:childTnLst>
-                    </p:cTn>
-                  </p:par>
-                  <p:par>
-                    <p:cTn id="27" fill="hold">
-                      <p:stCondLst>
-                        <p:cond delay="indefinite"/>
-                      </p:stCondLst>
-                      <p:childTnLst>
-                        <p:par>
-                          <p:cTn id="28" fill="hold">
-                            <p:stCondLst>
-                              <p:cond delay="0"/>
-                            </p:stCondLst>
-                            <p:childTnLst>
-                              <p:par>
-                                <p:cTn id="29" presetID="26" presetClass="entr" presetSubtype="0" fill="hold" nodeType="clickEffect">
-                                  <p:stCondLst>
-                                    <p:cond delay="0"/>
-                                  </p:stCondLst>
-                                  <p:childTnLst>
-                                    <p:set>
-                                      <p:cBhvr>
-                                        <p:cTn id="30" dur="1" fill="hold">
-                                          <p:stCondLst>
-                                            <p:cond delay="0"/>
-                                          </p:stCondLst>
-                                        </p:cTn>
-                                        <p:tgtEl>
-                                          <p:spTgt spid="18"/>
-                                        </p:tgtEl>
-                                        <p:attrNameLst>
-                                          <p:attrName>style.visibility</p:attrName>
-                                        </p:attrNameLst>
-                                      </p:cBhvr>
-                                      <p:to>
-                                        <p:strVal val="visible"/>
-                                      </p:to>
-                                    </p:set>
-                                    <p:animEffect transition="in" filter="wipe(down)">
-                                      <p:cBhvr>
-                                        <p:cTn id="31" dur="580">
-                                          <p:stCondLst>
-                                            <p:cond delay="0"/>
-                                          </p:stCondLst>
-                                        </p:cTn>
-                                        <p:tgtEl>
-                                          <p:spTgt spid="18"/>
-                                        </p:tgtEl>
-                                      </p:cBhvr>
-                                    </p:animEffect>
-                                    <p:anim calcmode="lin" valueType="num">
-                                      <p:cBhvr>
-                                        <p:cTn id="32" dur="1822" tmFilter="0,0; 0.14,0.36; 0.43,0.73; 0.71,0.91; 1.0,1.0">
-                                          <p:stCondLst>
-                                            <p:cond delay="0"/>
-                                          </p:stCondLst>
-                                        </p:cTn>
-                                        <p:tgtEl>
-                                          <p:spTgt spid="18"/>
-                                        </p:tgtEl>
-                                        <p:attrNameLst>
-                                          <p:attrName>ppt_x</p:attrName>
-                                        </p:attrNameLst>
-                                      </p:cBhvr>
-                                      <p:tavLst>
-                                        <p:tav tm="0">
-                                          <p:val>
-                                            <p:strVal val="#ppt_x-0.25"/>
-                                          </p:val>
-                                        </p:tav>
-                                        <p:tav tm="100000">
-                                          <p:val>
-                                            <p:strVal val="#ppt_x"/>
-                                          </p:val>
-                                        </p:tav>
-                                      </p:tavLst>
-                                    </p:anim>
-                                    <p:anim calcmode="lin" valueType="num">
-                                      <p:cBhvr>
-                                        <p:cTn id="33" dur="664" tmFilter="0.0,0.0; 0.25,0.07; 0.50,0.2; 0.75,0.467; 1.0,1.0">
-                                          <p:stCondLst>
-                                            <p:cond delay="0"/>
-                                          </p:stCondLst>
-                                        </p:cTn>
-                                        <p:tgtEl>
-                                          <p:spTgt spid="18"/>
-                                        </p:tgtEl>
-                                        <p:attrNameLst>
-                                          <p:attrName>ppt_y</p:attrName>
-                                        </p:attrNameLst>
-                                      </p:cBhvr>
-                                      <p:tavLst>
-                                        <p:tav tm="0" fmla="#ppt_y-sin(pi*$)/3">
-                                          <p:val>
-                                            <p:fltVal val="0.5"/>
-                                          </p:val>
-                                        </p:tav>
-                                        <p:tav tm="100000">
-                                          <p:val>
-                                            <p:fltVal val="1"/>
-                                          </p:val>
-                                        </p:tav>
-                                      </p:tavLst>
-                                    </p:anim>
-                                    <p:anim calcmode="lin" valueType="num">
-                                      <p:cBhvr>
-                                        <p:cTn id="34" dur="664" tmFilter="0, 0; 0.125,0.2665; 0.25,0.4; 0.375,0.465; 0.5,0.5;  0.625,0.535; 0.75,0.6; 0.875,0.7335; 1,1">
-                                          <p:stCondLst>
-                                            <p:cond delay="664"/>
-                                          </p:stCondLst>
-                                        </p:cTn>
-                                        <p:tgtEl>
-                                          <p:spTgt spid="18"/>
-                                        </p:tgtEl>
-                                        <p:attrNameLst>
-                                          <p:attrName>ppt_y</p:attrName>
-                                        </p:attrNameLst>
-                                      </p:cBhvr>
-                                      <p:tavLst>
-                                        <p:tav tm="0" fmla="#ppt_y-sin(pi*$)/9">
-                                          <p:val>
-                                            <p:fltVal val="0"/>
-                                          </p:val>
-                                        </p:tav>
-                                        <p:tav tm="100000">
-                                          <p:val>
-                                            <p:fltVal val="1"/>
-                                          </p:val>
-                                        </p:tav>
-                                      </p:tavLst>
-                                    </p:anim>
-                                    <p:anim calcmode="lin" valueType="num">
-                                      <p:cBhvr>
-                                        <p:cTn id="35" dur="332" tmFilter="0, 0; 0.125,0.2665; 0.25,0.4; 0.375,0.465; 0.5,0.5;  0.625,0.535; 0.75,0.6; 0.875,0.7335; 1,1">
-                                          <p:stCondLst>
-                                            <p:cond delay="1324"/>
-                                          </p:stCondLst>
-                                        </p:cTn>
-                                        <p:tgtEl>
-                                          <p:spTgt spid="18"/>
-                                        </p:tgtEl>
-                                        <p:attrNameLst>
-                                          <p:attrName>ppt_y</p:attrName>
-                                        </p:attrNameLst>
-                                      </p:cBhvr>
-                                      <p:tavLst>
-                                        <p:tav tm="0" fmla="#ppt_y-sin(pi*$)/27">
-                                          <p:val>
-                                            <p:fltVal val="0"/>
-                                          </p:val>
-                                        </p:tav>
-                                        <p:tav tm="100000">
-                                          <p:val>
-                                            <p:fltVal val="1"/>
-                                          </p:val>
-                                        </p:tav>
-                                      </p:tavLst>
-                                    </p:anim>
-                                    <p:anim calcmode="lin" valueType="num">
-                                      <p:cBhvr>
-                                        <p:cTn id="36" dur="164" tmFilter="0, 0; 0.125,0.2665; 0.25,0.4; 0.375,0.465; 0.5,0.5;  0.625,0.535; 0.75,0.6; 0.875,0.7335; 1,1">
-                                          <p:stCondLst>
-                                            <p:cond delay="1656"/>
-                                          </p:stCondLst>
-                                        </p:cTn>
-                                        <p:tgtEl>
-                                          <p:spTgt spid="18"/>
-                                        </p:tgtEl>
-                                        <p:attrNameLst>
-                                          <p:attrName>ppt_y</p:attrName>
-                                        </p:attrNameLst>
-                                      </p:cBhvr>
-                                      <p:tavLst>
-                                        <p:tav tm="0" fmla="#ppt_y-sin(pi*$)/81">
-                                          <p:val>
-                                            <p:fltVal val="0"/>
-                                          </p:val>
-                                        </p:tav>
-                                        <p:tav tm="100000">
-                                          <p:val>
-                                            <p:fltVal val="1"/>
-                                          </p:val>
-                                        </p:tav>
-                                      </p:tavLst>
-                                    </p:anim>
-                                    <p:animScale>
-                                      <p:cBhvr>
-                                        <p:cTn id="37" dur="26">
-                                          <p:stCondLst>
-                                            <p:cond delay="650"/>
-                                          </p:stCondLst>
-                                        </p:cTn>
-                                        <p:tgtEl>
-                                          <p:spTgt spid="18"/>
-                                        </p:tgtEl>
-                                      </p:cBhvr>
-                                      <p:to x="100000" y="60000"/>
-                                    </p:animScale>
-                                    <p:animScale>
-                                      <p:cBhvr>
-                                        <p:cTn id="38" dur="166" decel="50000">
-                                          <p:stCondLst>
-                                            <p:cond delay="676"/>
-                                          </p:stCondLst>
-                                        </p:cTn>
-                                        <p:tgtEl>
-                                          <p:spTgt spid="18"/>
-                                        </p:tgtEl>
-                                      </p:cBhvr>
-                                      <p:to x="100000" y="100000"/>
-                                    </p:animScale>
-                                    <p:animScale>
-                                      <p:cBhvr>
-                                        <p:cTn id="39" dur="26">
-                                          <p:stCondLst>
-                                            <p:cond delay="1312"/>
-                                          </p:stCondLst>
-                                        </p:cTn>
-                                        <p:tgtEl>
-                                          <p:spTgt spid="18"/>
-                                        </p:tgtEl>
-                                      </p:cBhvr>
-                                      <p:to x="100000" y="80000"/>
-                                    </p:animScale>
-                                    <p:animScale>
-                                      <p:cBhvr>
-                                        <p:cTn id="40" dur="166" decel="50000">
-                                          <p:stCondLst>
-                                            <p:cond delay="1338"/>
-                                          </p:stCondLst>
-                                        </p:cTn>
-                                        <p:tgtEl>
-                                          <p:spTgt spid="18"/>
-                                        </p:tgtEl>
-                                      </p:cBhvr>
-                                      <p:to x="100000" y="100000"/>
-                                    </p:animScale>
-                                    <p:animScale>
-                                      <p:cBhvr>
-                                        <p:cTn id="41" dur="26">
-                                          <p:stCondLst>
-                                            <p:cond delay="1642"/>
-                                          </p:stCondLst>
-                                        </p:cTn>
-                                        <p:tgtEl>
-                                          <p:spTgt spid="18"/>
-                                        </p:tgtEl>
-                                      </p:cBhvr>
-                                      <p:to x="100000" y="90000"/>
-                                    </p:animScale>
-                                    <p:animScale>
-                                      <p:cBhvr>
-                                        <p:cTn id="42" dur="166" decel="50000">
-                                          <p:stCondLst>
-                                            <p:cond delay="1668"/>
-                                          </p:stCondLst>
-                                        </p:cTn>
-                                        <p:tgtEl>
-                                          <p:spTgt spid="18"/>
-                                        </p:tgtEl>
-                                      </p:cBhvr>
-                                      <p:to x="100000" y="100000"/>
-                                    </p:animScale>
-                                    <p:animScale>
-                                      <p:cBhvr>
-                                        <p:cTn id="43" dur="26">
-                                          <p:stCondLst>
-                                            <p:cond delay="1808"/>
-                                          </p:stCondLst>
-                                        </p:cTn>
-                                        <p:tgtEl>
-                                          <p:spTgt spid="18"/>
-                                        </p:tgtEl>
-                                      </p:cBhvr>
-                                      <p:to x="100000" y="95000"/>
-                                    </p:animScale>
-                                    <p:animScale>
-                                      <p:cBhvr>
-                                        <p:cTn id="44" dur="166" decel="50000">
-                                          <p:stCondLst>
-                                            <p:cond delay="1834"/>
-                                          </p:stCondLst>
-                                        </p:cTn>
-                                        <p:tgtEl>
-                                          <p:spTgt spid="18"/>
-                                        </p:tgtEl>
-                                      </p:cBhvr>
-                                      <p:to x="100000" y="100000"/>
-                                    </p:animScale>
-                                  </p:childTnLst>
-                                </p:cTn>
-                              </p:par>
-                            </p:childTnLst>
-                          </p:cTn>
-                        </p:par>
-                        <p:par>
-                          <p:cTn id="45" fill="hold">
-                            <p:stCondLst>
-                              <p:cond delay="2000"/>
-                            </p:stCondLst>
-                            <p:childTnLst>
-                              <p:par>
-                                <p:cTn id="46" presetID="10" presetClass="entr" presetSubtype="0" fill="hold" grpId="0" nodeType="afterEffect">
-                                  <p:stCondLst>
-                                    <p:cond delay="0"/>
-                                  </p:stCondLst>
-                                  <p:childTnLst>
-                                    <p:set>
-                                      <p:cBhvr>
-                                        <p:cTn id="47" dur="1" fill="hold">
-                                          <p:stCondLst>
-                                            <p:cond delay="0"/>
-                                          </p:stCondLst>
-                                        </p:cTn>
-                                        <p:tgtEl>
-                                          <p:spTgt spid="5"/>
-                                        </p:tgtEl>
-                                        <p:attrNameLst>
-                                          <p:attrName>style.visibility</p:attrName>
-                                        </p:attrNameLst>
-                                      </p:cBhvr>
-                                      <p:to>
-                                        <p:strVal val="visible"/>
-                                      </p:to>
-                                    </p:set>
-                                    <p:animEffect transition="in" filter="fade">
-                                      <p:cBhvr>
-                                        <p:cTn id="48" dur="500"/>
-                                        <p:tgtEl>
-                                          <p:spTgt spid="5"/>
-                                        </p:tgtEl>
-                                      </p:cBhvr>
-                                    </p:animEffect>
-                                  </p:childTnLst>
-                                </p:cTn>
-                              </p:par>
-                            </p:childTnLst>
-                          </p:cTn>
-                        </p:par>
-                      </p:childTnLst>
-                    </p:cTn>
-                  </p:par>
-                </p:childTnLst>
-              </p:cTn>
-              <p:prevCondLst>
-                <p:cond evt="onPrev" delay="0">
-                  <p:tgtEl>
-                    <p:sldTgt/>
-                  </p:tgtEl>
-                </p:cond>
-              </p:prevCondLst>
-              <p:nextCondLst>
-                <p:cond evt="onNext" delay="0">
-                  <p:tgtEl>
-                    <p:sldTgt/>
-                  </p:tgtEl>
-                </p:cond>
-              </p:nextCondLst>
-            </p:seq>
-          </p:childTnLst>
-        </p:cTn>
+        <p:cTn id="1" dur="indefinite" restart="never" nodeType="tmRoot"/>
       </p:par>
     </p:tnLst>
-    <p:bldLst>
-      <p:bldP spid="2" grpId="0" uiExpand="1" build="p"/>
-      <p:bldP spid="5" grpId="0"/>
-    </p:bldLst>
   </p:timing>
 </p:sld>
 </file>

--- a/Apresentacao.Knockout.JS/Knockout.JS.2014.04.pptx
+++ b/Apresentacao.Knockout.JS/Knockout.JS.2014.04.pptx
@@ -21128,7 +21128,12 @@
             <p:ph idx="1"/>
           </p:nvPr>
         </p:nvSpPr>
-        <p:spPr/>
+        <p:spPr>
+          <a:xfrm>
+            <a:off x="609600" y="1524000"/>
+            <a:ext cx="10972800" cy="2985120"/>
+          </a:xfrm>
+        </p:spPr>
         <p:txBody>
           <a:bodyPr/>
           <a:lstStyle/>
@@ -21211,6 +21216,67 @@
               <a:t>2.5 Mais conceitos chaves do KOjs</a:t>
             </a:r>
             <a:endParaRPr lang="en-US" dirty="0"/>
+          </a:p>
+        </p:txBody>
+      </p:sp>
+      <p:sp>
+        <p:nvSpPr>
+          <p:cNvPr id="4" name="TextBox 3"/>
+          <p:cNvSpPr txBox="1"/>
+          <p:nvPr/>
+        </p:nvSpPr>
+        <p:spPr>
+          <a:xfrm>
+            <a:off x="983432" y="4694893"/>
+            <a:ext cx="10598968" cy="1569660"/>
+          </a:xfrm>
+          <a:prstGeom prst="rect">
+            <a:avLst/>
+          </a:prstGeom>
+          <a:noFill/>
+        </p:spPr>
+        <p:txBody>
+          <a:bodyPr wrap="square" rtlCol="0">
+            <a:spAutoFit/>
+          </a:bodyPr>
+          <a:lstStyle/>
+          <a:p>
+            <a:r>
+              <a:rPr lang="en-US" sz="2400" dirty="0"/>
+              <a:t>Esses são os conceitos que devemos aprender para trabalhar com o KO, são os sistemas de </a:t>
+            </a:r>
+            <a:r>
+              <a:rPr lang="en-US" sz="2400" dirty="0" smtClean="0"/>
+              <a:t>“Bindings</a:t>
+            </a:r>
+            <a:r>
+              <a:rPr lang="en-US" sz="2400" dirty="0"/>
+              <a:t>" e como usa-los nos </a:t>
+            </a:r>
+            <a:r>
+              <a:rPr lang="en-US" sz="2400" dirty="0" smtClean="0"/>
+              <a:t>“Templates</a:t>
+            </a:r>
+            <a:r>
+              <a:rPr lang="en-US" sz="2400" dirty="0"/>
+              <a:t>" e o </a:t>
+            </a:r>
+            <a:r>
+              <a:rPr lang="en-US" sz="2400" dirty="0" smtClean="0"/>
+              <a:t>“Dependency Tracking” </a:t>
+            </a:r>
+            <a:r>
+              <a:rPr lang="en-US" sz="2400" dirty="0"/>
+              <a:t>que é utilizado para atualizar a inteface com o usuário </a:t>
+            </a:r>
+            <a:r>
+              <a:rPr lang="en-US" sz="2400" dirty="0" smtClean="0"/>
+              <a:t>através </a:t>
+            </a:r>
+            <a:r>
+              <a:rPr lang="en-US" sz="2400" dirty="0"/>
+              <a:t>dos bindings.</a:t>
+            </a:r>
           </a:p>
         </p:txBody>
       </p:sp>
@@ -21398,6 +21464,42 @@
                             </p:childTnLst>
                           </p:cTn>
                         </p:par>
+                        <p:par>
+                          <p:cTn id="16" fill="hold">
+                            <p:stCondLst>
+                              <p:cond delay="0"/>
+                            </p:stCondLst>
+                            <p:childTnLst>
+                              <p:par>
+                                <p:cTn id="17" presetID="1" presetClass="entr" presetSubtype="0" fill="hold" grpId="0" nodeType="afterEffect">
+                                  <p:stCondLst>
+                                    <p:cond delay="0"/>
+                                  </p:stCondLst>
+                                  <p:childTnLst>
+                                    <p:set>
+                                      <p:cBhvr>
+                                        <p:cTn id="18" dur="1" fill="hold">
+                                          <p:stCondLst>
+                                            <p:cond delay="0"/>
+                                          </p:stCondLst>
+                                        </p:cTn>
+                                        <p:tgtEl>
+                                          <p:spTgt spid="4"/>
+                                        </p:tgtEl>
+                                        <p:attrNameLst>
+                                          <p:attrName>style.visibility</p:attrName>
+                                        </p:attrNameLst>
+                                      </p:cBhvr>
+                                      <p:to>
+                                        <p:strVal val="visible"/>
+                                      </p:to>
+                                    </p:set>
+                                  </p:childTnLst>
+                                </p:cTn>
+                              </p:par>
+                            </p:childTnLst>
+                          </p:cTn>
+                        </p:par>
                       </p:childTnLst>
                     </p:cTn>
                   </p:par>
@@ -21424,6 +21526,7 @@
     </p:tnLst>
     <p:bldLst>
       <p:bldP spid="2" grpId="0" uiExpand="1" build="p"/>
+      <p:bldP spid="4" grpId="0"/>
     </p:bldLst>
   </p:timing>
 </p:sld>
@@ -21469,6 +21572,780 @@
           </a:p>
         </p:txBody>
       </p:sp>
+      <p:grpSp>
+        <p:nvGrpSpPr>
+          <p:cNvPr id="10" name="Group 9"/>
+          <p:cNvGrpSpPr/>
+          <p:nvPr/>
+        </p:nvGrpSpPr>
+        <p:grpSpPr>
+          <a:xfrm>
+            <a:off x="839417" y="1557338"/>
+            <a:ext cx="4320480" cy="1592887"/>
+            <a:chOff x="479378" y="1557338"/>
+            <a:chExt cx="4320480" cy="1592887"/>
+          </a:xfrm>
+        </p:grpSpPr>
+        <p:grpSp>
+          <p:nvGrpSpPr>
+            <p:cNvPr id="4" name="Group 3"/>
+            <p:cNvGrpSpPr/>
+            <p:nvPr/>
+          </p:nvGrpSpPr>
+          <p:grpSpPr>
+            <a:xfrm>
+              <a:off x="479378" y="1557338"/>
+              <a:ext cx="4320480" cy="1592887"/>
+              <a:chOff x="4367809" y="1620089"/>
+              <a:chExt cx="4320480" cy="1592887"/>
+            </a:xfrm>
+          </p:grpSpPr>
+          <p:sp>
+            <p:nvSpPr>
+              <p:cNvPr id="5" name="Rounded Rectangle 4"/>
+              <p:cNvSpPr/>
+              <p:nvPr/>
+            </p:nvSpPr>
+            <p:spPr>
+              <a:xfrm>
+                <a:off x="4367809" y="2132856"/>
+                <a:ext cx="4320480" cy="1080120"/>
+              </a:xfrm>
+              <a:prstGeom prst="roundRect">
+                <a:avLst/>
+              </a:prstGeom>
+              <a:solidFill>
+                <a:schemeClr val="bg2">
+                  <a:lumMod val="75000"/>
+                </a:schemeClr>
+              </a:solidFill>
+              <a:ln>
+                <a:noFill/>
+              </a:ln>
+            </p:spPr>
+            <p:style>
+              <a:lnRef idx="2">
+                <a:schemeClr val="accent1">
+                  <a:shade val="50000"/>
+                </a:schemeClr>
+              </a:lnRef>
+              <a:fillRef idx="1">
+                <a:schemeClr val="accent1"/>
+              </a:fillRef>
+              <a:effectRef idx="0">
+                <a:schemeClr val="accent1"/>
+              </a:effectRef>
+              <a:fontRef idx="minor">
+                <a:schemeClr val="lt1"/>
+              </a:fontRef>
+            </p:style>
+            <p:txBody>
+              <a:bodyPr rtlCol="0" anchor="ctr"/>
+              <a:lstStyle/>
+              <a:p>
+                <a:pPr algn="ctr"/>
+                <a:endParaRPr lang="en-US"/>
+              </a:p>
+            </p:txBody>
+          </p:sp>
+          <p:sp>
+            <p:nvSpPr>
+              <p:cNvPr id="6" name="Rounded Rectangle 5"/>
+              <p:cNvSpPr/>
+              <p:nvPr/>
+            </p:nvSpPr>
+            <p:spPr>
+              <a:xfrm>
+                <a:off x="4511823" y="2420888"/>
+                <a:ext cx="2304255" cy="576064"/>
+              </a:xfrm>
+              <a:prstGeom prst="roundRect">
+                <a:avLst/>
+              </a:prstGeom>
+              <a:ln>
+                <a:noFill/>
+              </a:ln>
+            </p:spPr>
+            <p:style>
+              <a:lnRef idx="1">
+                <a:schemeClr val="accent3"/>
+              </a:lnRef>
+              <a:fillRef idx="2">
+                <a:schemeClr val="accent3"/>
+              </a:fillRef>
+              <a:effectRef idx="1">
+                <a:schemeClr val="accent3"/>
+              </a:effectRef>
+              <a:fontRef idx="minor">
+                <a:schemeClr val="dk1"/>
+              </a:fontRef>
+            </p:style>
+            <p:txBody>
+              <a:bodyPr rtlCol="0" anchor="ctr"/>
+              <a:lstStyle/>
+              <a:p>
+                <a:pPr algn="ctr"/>
+                <a:r>
+                  <a:rPr lang="en-US" sz="2800" dirty="0" smtClean="0">
+                    <a:latin typeface="Corbel" panose="020B0503020204020204" pitchFamily="34" charset="0"/>
+                  </a:rPr>
+                  <a:t>ViewModel</a:t>
+                </a:r>
+                <a:endParaRPr lang="en-US" sz="2800" dirty="0">
+                  <a:latin typeface="Corbel" panose="020B0503020204020204" pitchFamily="34" charset="0"/>
+                </a:endParaRPr>
+              </a:p>
+            </p:txBody>
+          </p:sp>
+          <p:sp>
+            <p:nvSpPr>
+              <p:cNvPr id="7" name="TextBox 6"/>
+              <p:cNvSpPr txBox="1"/>
+              <p:nvPr/>
+            </p:nvSpPr>
+            <p:spPr>
+              <a:xfrm>
+                <a:off x="4627074" y="1620089"/>
+                <a:ext cx="1435008" cy="584775"/>
+              </a:xfrm>
+              <a:prstGeom prst="rect">
+                <a:avLst/>
+              </a:prstGeom>
+              <a:noFill/>
+            </p:spPr>
+            <p:txBody>
+              <a:bodyPr wrap="none" rtlCol="0">
+                <a:spAutoFit/>
+              </a:bodyPr>
+              <a:lstStyle/>
+              <a:p>
+                <a:r>
+                  <a:rPr lang="en-US" sz="3200" dirty="0" smtClean="0">
+                    <a:solidFill>
+                      <a:schemeClr val="bg2">
+                        <a:lumMod val="40000"/>
+                        <a:lumOff val="60000"/>
+                      </a:schemeClr>
+                    </a:solidFill>
+                    <a:latin typeface="Corbel" panose="020B0503020204020204" pitchFamily="34" charset="0"/>
+                  </a:rPr>
+                  <a:t>Cliente</a:t>
+                </a:r>
+                <a:endParaRPr lang="en-US" sz="3200" dirty="0">
+                  <a:solidFill>
+                    <a:schemeClr val="bg2">
+                      <a:lumMod val="40000"/>
+                      <a:lumOff val="60000"/>
+                    </a:schemeClr>
+                  </a:solidFill>
+                  <a:latin typeface="Corbel" panose="020B0503020204020204" pitchFamily="34" charset="0"/>
+                </a:endParaRPr>
+              </a:p>
+            </p:txBody>
+          </p:sp>
+        </p:grpSp>
+        <p:sp>
+          <p:nvSpPr>
+            <p:cNvPr id="9" name="Rounded Rectangle 8"/>
+            <p:cNvSpPr/>
+            <p:nvPr/>
+          </p:nvSpPr>
+          <p:spPr>
+            <a:xfrm>
+              <a:off x="3106650" y="2358137"/>
+              <a:ext cx="1550258" cy="576064"/>
+            </a:xfrm>
+            <a:prstGeom prst="roundRect">
+              <a:avLst/>
+            </a:prstGeom>
+            <a:ln>
+              <a:noFill/>
+            </a:ln>
+          </p:spPr>
+          <p:style>
+            <a:lnRef idx="1">
+              <a:schemeClr val="accent3"/>
+            </a:lnRef>
+            <a:fillRef idx="2">
+              <a:schemeClr val="accent3"/>
+            </a:fillRef>
+            <a:effectRef idx="1">
+              <a:schemeClr val="accent3"/>
+            </a:effectRef>
+            <a:fontRef idx="minor">
+              <a:schemeClr val="dk1"/>
+            </a:fontRef>
+          </p:style>
+          <p:txBody>
+            <a:bodyPr rtlCol="0" anchor="ctr"/>
+            <a:lstStyle/>
+            <a:p>
+              <a:pPr algn="ctr"/>
+              <a:r>
+                <a:rPr lang="en-US" sz="2800" dirty="0" smtClean="0">
+                  <a:latin typeface="Corbel" panose="020B0503020204020204" pitchFamily="34" charset="0"/>
+                </a:rPr>
+                <a:t>View</a:t>
+              </a:r>
+              <a:endParaRPr lang="en-US" sz="2800" dirty="0">
+                <a:latin typeface="Corbel" panose="020B0503020204020204" pitchFamily="34" charset="0"/>
+              </a:endParaRPr>
+            </a:p>
+          </p:txBody>
+        </p:sp>
+      </p:grpSp>
+      <p:sp>
+        <p:nvSpPr>
+          <p:cNvPr id="11" name="Rectangle 10"/>
+          <p:cNvSpPr/>
+          <p:nvPr/>
+        </p:nvSpPr>
+        <p:spPr>
+          <a:xfrm>
+            <a:off x="1559496" y="5198523"/>
+            <a:ext cx="7488832" cy="792088"/>
+          </a:xfrm>
+          <a:prstGeom prst="rect">
+            <a:avLst/>
+          </a:prstGeom>
+          <a:solidFill>
+            <a:schemeClr val="tx2">
+              <a:lumMod val="10000"/>
+            </a:schemeClr>
+          </a:solidFill>
+          <a:ln>
+            <a:noFill/>
+          </a:ln>
+        </p:spPr>
+        <p:style>
+          <a:lnRef idx="2">
+            <a:schemeClr val="accent1">
+              <a:shade val="50000"/>
+            </a:schemeClr>
+          </a:lnRef>
+          <a:fillRef idx="1">
+            <a:schemeClr val="accent1"/>
+          </a:fillRef>
+          <a:effectRef idx="0">
+            <a:schemeClr val="accent1"/>
+          </a:effectRef>
+          <a:fontRef idx="minor">
+            <a:schemeClr val="lt1"/>
+          </a:fontRef>
+        </p:style>
+        <p:txBody>
+          <a:bodyPr rtlCol="0" anchor="ctr"/>
+          <a:lstStyle/>
+          <a:p>
+            <a:pPr algn="ctr"/>
+            <a:r>
+              <a:rPr lang="en-US" sz="2000" dirty="0">
+                <a:solidFill>
+                  <a:schemeClr val="tx1"/>
+                </a:solidFill>
+                <a:latin typeface="Consolas" panose="020B0609020204030204" pitchFamily="49" charset="0"/>
+                <a:cs typeface="Consolas" panose="020B0609020204030204" pitchFamily="49" charset="0"/>
+              </a:rPr>
+              <a:t>ko.applyBindings(</a:t>
+            </a:r>
+            <a:r>
+              <a:rPr lang="en-US" sz="2000" dirty="0">
+                <a:solidFill>
+                  <a:srgbClr val="C00000"/>
+                </a:solidFill>
+                <a:latin typeface="Consolas" panose="020B0609020204030204" pitchFamily="49" charset="0"/>
+                <a:cs typeface="Consolas" panose="020B0609020204030204" pitchFamily="49" charset="0"/>
+              </a:rPr>
+              <a:t>new</a:t>
+            </a:r>
+            <a:r>
+              <a:rPr lang="en-US" sz="2000" dirty="0">
+                <a:solidFill>
+                  <a:schemeClr val="tx1"/>
+                </a:solidFill>
+                <a:latin typeface="Consolas" panose="020B0609020204030204" pitchFamily="49" charset="0"/>
+                <a:cs typeface="Consolas" panose="020B0609020204030204" pitchFamily="49" charset="0"/>
+              </a:rPr>
+              <a:t> </a:t>
+            </a:r>
+            <a:r>
+              <a:rPr lang="en-US" sz="2000" dirty="0">
+                <a:solidFill>
+                  <a:srgbClr val="92D050"/>
+                </a:solidFill>
+                <a:latin typeface="Consolas" panose="020B0609020204030204" pitchFamily="49" charset="0"/>
+                <a:cs typeface="Consolas" panose="020B0609020204030204" pitchFamily="49" charset="0"/>
+              </a:rPr>
+              <a:t>ListarTarefasViewModel</a:t>
+            </a:r>
+            <a:r>
+              <a:rPr lang="en-US" sz="2000" dirty="0">
+                <a:solidFill>
+                  <a:schemeClr val="tx1"/>
+                </a:solidFill>
+                <a:latin typeface="Consolas" panose="020B0609020204030204" pitchFamily="49" charset="0"/>
+                <a:cs typeface="Consolas" panose="020B0609020204030204" pitchFamily="49" charset="0"/>
+              </a:rPr>
+              <a:t>());</a:t>
+            </a:r>
+            <a:endParaRPr lang="en-US" sz="2000" dirty="0">
+              <a:solidFill>
+                <a:schemeClr val="tx1"/>
+              </a:solidFill>
+              <a:latin typeface="Consolas" panose="020B0609020204030204" pitchFamily="49" charset="0"/>
+              <a:cs typeface="Consolas" panose="020B0609020204030204" pitchFamily="49" charset="0"/>
+            </a:endParaRPr>
+          </a:p>
+        </p:txBody>
+      </p:sp>
+      <p:sp>
+        <p:nvSpPr>
+          <p:cNvPr id="12" name="Rectangle 11"/>
+          <p:cNvSpPr/>
+          <p:nvPr/>
+        </p:nvSpPr>
+        <p:spPr>
+          <a:xfrm>
+            <a:off x="860298" y="4406435"/>
+            <a:ext cx="7488832" cy="792088"/>
+          </a:xfrm>
+          <a:prstGeom prst="rect">
+            <a:avLst/>
+          </a:prstGeom>
+          <a:solidFill>
+            <a:schemeClr val="tx2">
+              <a:lumMod val="10000"/>
+            </a:schemeClr>
+          </a:solidFill>
+          <a:ln>
+            <a:noFill/>
+          </a:ln>
+        </p:spPr>
+        <p:style>
+          <a:lnRef idx="2">
+            <a:schemeClr val="accent1">
+              <a:shade val="50000"/>
+            </a:schemeClr>
+          </a:lnRef>
+          <a:fillRef idx="1">
+            <a:schemeClr val="accent1"/>
+          </a:fillRef>
+          <a:effectRef idx="0">
+            <a:schemeClr val="accent1"/>
+          </a:effectRef>
+          <a:fontRef idx="minor">
+            <a:schemeClr val="lt1"/>
+          </a:fontRef>
+        </p:style>
+        <p:txBody>
+          <a:bodyPr rtlCol="0" anchor="ctr"/>
+          <a:lstStyle/>
+          <a:p>
+            <a:pPr algn="ctr"/>
+            <a:r>
+              <a:rPr lang="en-US" sz="2000" i="1" dirty="0">
+                <a:solidFill>
+                  <a:srgbClr val="00B0F0"/>
+                </a:solidFill>
+                <a:latin typeface="Consolas" panose="020B0609020204030204" pitchFamily="49" charset="0"/>
+                <a:cs typeface="Consolas" panose="020B0609020204030204" pitchFamily="49" charset="0"/>
+              </a:rPr>
+              <a:t>function</a:t>
+            </a:r>
+            <a:r>
+              <a:rPr lang="en-US" sz="2000" dirty="0">
+                <a:solidFill>
+                  <a:schemeClr val="tx1"/>
+                </a:solidFill>
+                <a:latin typeface="Consolas" panose="020B0609020204030204" pitchFamily="49" charset="0"/>
+                <a:cs typeface="Consolas" panose="020B0609020204030204" pitchFamily="49" charset="0"/>
+              </a:rPr>
+              <a:t> </a:t>
+            </a:r>
+            <a:r>
+              <a:rPr lang="en-US" sz="2000" dirty="0">
+                <a:solidFill>
+                  <a:srgbClr val="92D050"/>
+                </a:solidFill>
+                <a:latin typeface="Consolas" panose="020B0609020204030204" pitchFamily="49" charset="0"/>
+                <a:cs typeface="Consolas" panose="020B0609020204030204" pitchFamily="49" charset="0"/>
+              </a:rPr>
+              <a:t>ListarTarefasViewModel</a:t>
+            </a:r>
+            <a:r>
+              <a:rPr lang="en-US" sz="2000" dirty="0">
+                <a:solidFill>
+                  <a:schemeClr val="tx1"/>
+                </a:solidFill>
+                <a:latin typeface="Consolas" panose="020B0609020204030204" pitchFamily="49" charset="0"/>
+                <a:cs typeface="Consolas" panose="020B0609020204030204" pitchFamily="49" charset="0"/>
+              </a:rPr>
+              <a:t>() </a:t>
+            </a:r>
+            <a:r>
+              <a:rPr lang="en-US" sz="2000" dirty="0" smtClean="0">
+                <a:solidFill>
+                  <a:schemeClr val="tx1"/>
+                </a:solidFill>
+                <a:latin typeface="Consolas" panose="020B0609020204030204" pitchFamily="49" charset="0"/>
+                <a:cs typeface="Consolas" panose="020B0609020204030204" pitchFamily="49" charset="0"/>
+              </a:rPr>
+              <a:t>{ }</a:t>
+            </a:r>
+            <a:endParaRPr lang="en-US" sz="2000" dirty="0">
+              <a:solidFill>
+                <a:schemeClr val="tx1"/>
+              </a:solidFill>
+              <a:latin typeface="Consolas" panose="020B0609020204030204" pitchFamily="49" charset="0"/>
+              <a:cs typeface="Consolas" panose="020B0609020204030204" pitchFamily="49" charset="0"/>
+            </a:endParaRPr>
+          </a:p>
+        </p:txBody>
+      </p:sp>
+      <p:grpSp>
+        <p:nvGrpSpPr>
+          <p:cNvPr id="16" name="Group 15"/>
+          <p:cNvGrpSpPr/>
+          <p:nvPr/>
+        </p:nvGrpSpPr>
+        <p:grpSpPr>
+          <a:xfrm>
+            <a:off x="4072687" y="1624749"/>
+            <a:ext cx="7488832" cy="1727261"/>
+            <a:chOff x="4072687" y="1624749"/>
+            <a:chExt cx="7488832" cy="1727261"/>
+          </a:xfrm>
+        </p:grpSpPr>
+        <p:grpSp>
+          <p:nvGrpSpPr>
+            <p:cNvPr id="14" name="Group 13"/>
+            <p:cNvGrpSpPr/>
+            <p:nvPr/>
+          </p:nvGrpSpPr>
+          <p:grpSpPr>
+            <a:xfrm>
+              <a:off x="4072687" y="1624749"/>
+              <a:ext cx="7488832" cy="1727261"/>
+              <a:chOff x="4072687" y="1624749"/>
+              <a:chExt cx="7488832" cy="1727261"/>
+            </a:xfrm>
+          </p:grpSpPr>
+          <p:sp>
+            <p:nvSpPr>
+              <p:cNvPr id="8" name="Rectangle 7"/>
+              <p:cNvSpPr/>
+              <p:nvPr/>
+            </p:nvSpPr>
+            <p:spPr>
+              <a:xfrm rot="21243221">
+                <a:off x="4072687" y="2559922"/>
+                <a:ext cx="7488832" cy="792088"/>
+              </a:xfrm>
+              <a:prstGeom prst="rect">
+                <a:avLst/>
+              </a:prstGeom>
+              <a:solidFill>
+                <a:schemeClr val="tx2">
+                  <a:lumMod val="10000"/>
+                </a:schemeClr>
+              </a:solidFill>
+              <a:ln>
+                <a:noFill/>
+              </a:ln>
+            </p:spPr>
+            <p:style>
+              <a:lnRef idx="2">
+                <a:schemeClr val="accent1">
+                  <a:shade val="50000"/>
+                </a:schemeClr>
+              </a:lnRef>
+              <a:fillRef idx="1">
+                <a:schemeClr val="accent1"/>
+              </a:fillRef>
+              <a:effectRef idx="0">
+                <a:schemeClr val="accent1"/>
+              </a:effectRef>
+              <a:fontRef idx="minor">
+                <a:schemeClr val="lt1"/>
+              </a:fontRef>
+            </p:style>
+            <p:txBody>
+              <a:bodyPr rtlCol="0" anchor="ctr"/>
+              <a:lstStyle/>
+              <a:p>
+                <a:pPr algn="ctr"/>
+                <a:r>
+                  <a:rPr lang="en-US" sz="2000" dirty="0">
+                    <a:solidFill>
+                      <a:schemeClr val="tx1"/>
+                    </a:solidFill>
+                    <a:latin typeface="Consolas" panose="020B0609020204030204" pitchFamily="49" charset="0"/>
+                    <a:cs typeface="Consolas" panose="020B0609020204030204" pitchFamily="49" charset="0"/>
+                  </a:rPr>
+                  <a:t>&lt;</a:t>
+                </a:r>
+                <a:r>
+                  <a:rPr lang="en-US" sz="2000" dirty="0">
+                    <a:solidFill>
+                      <a:srgbClr val="C00000"/>
+                    </a:solidFill>
+                    <a:latin typeface="Consolas" panose="020B0609020204030204" pitchFamily="49" charset="0"/>
+                    <a:cs typeface="Consolas" panose="020B0609020204030204" pitchFamily="49" charset="0"/>
+                  </a:rPr>
+                  <a:t>script</a:t>
+                </a:r>
+                <a:r>
+                  <a:rPr lang="en-US" sz="2000" dirty="0">
+                    <a:solidFill>
+                      <a:schemeClr val="tx1"/>
+                    </a:solidFill>
+                    <a:latin typeface="Consolas" panose="020B0609020204030204" pitchFamily="49" charset="0"/>
+                    <a:cs typeface="Consolas" panose="020B0609020204030204" pitchFamily="49" charset="0"/>
+                  </a:rPr>
+                  <a:t> </a:t>
+                </a:r>
+                <a:r>
+                  <a:rPr lang="en-US" sz="2000" dirty="0">
+                    <a:solidFill>
+                      <a:srgbClr val="92D050"/>
+                    </a:solidFill>
+                    <a:latin typeface="Consolas" panose="020B0609020204030204" pitchFamily="49" charset="0"/>
+                    <a:cs typeface="Consolas" panose="020B0609020204030204" pitchFamily="49" charset="0"/>
+                  </a:rPr>
+                  <a:t>src</a:t>
+                </a:r>
+                <a:r>
+                  <a:rPr lang="en-US" sz="2000" dirty="0">
+                    <a:solidFill>
+                      <a:schemeClr val="tx1"/>
+                    </a:solidFill>
+                    <a:latin typeface="Consolas" panose="020B0609020204030204" pitchFamily="49" charset="0"/>
+                    <a:cs typeface="Consolas" panose="020B0609020204030204" pitchFamily="49" charset="0"/>
+                  </a:rPr>
+                  <a:t>=</a:t>
+                </a:r>
+                <a:r>
+                  <a:rPr lang="en-US" sz="2000" dirty="0">
+                    <a:solidFill>
+                      <a:schemeClr val="tx2"/>
+                    </a:solidFill>
+                    <a:latin typeface="Consolas" panose="020B0609020204030204" pitchFamily="49" charset="0"/>
+                    <a:cs typeface="Consolas" panose="020B0609020204030204" pitchFamily="49" charset="0"/>
+                  </a:rPr>
+                  <a:t>"js/libs/knockout-3.1.0.js"</a:t>
+                </a:r>
+                <a:r>
+                  <a:rPr lang="en-US" sz="2000" dirty="0">
+                    <a:solidFill>
+                      <a:schemeClr val="tx1"/>
+                    </a:solidFill>
+                    <a:latin typeface="Consolas" panose="020B0609020204030204" pitchFamily="49" charset="0"/>
+                    <a:cs typeface="Consolas" panose="020B0609020204030204" pitchFamily="49" charset="0"/>
+                  </a:rPr>
+                  <a:t>&gt;&lt;/</a:t>
+                </a:r>
+                <a:r>
+                  <a:rPr lang="en-US" sz="2000" dirty="0">
+                    <a:solidFill>
+                      <a:srgbClr val="C00000"/>
+                    </a:solidFill>
+                    <a:latin typeface="Consolas" panose="020B0609020204030204" pitchFamily="49" charset="0"/>
+                    <a:cs typeface="Consolas" panose="020B0609020204030204" pitchFamily="49" charset="0"/>
+                  </a:rPr>
+                  <a:t>script</a:t>
+                </a:r>
+                <a:r>
+                  <a:rPr lang="en-US" sz="2000" dirty="0">
+                    <a:solidFill>
+                      <a:schemeClr val="tx1"/>
+                    </a:solidFill>
+                    <a:latin typeface="Consolas" panose="020B0609020204030204" pitchFamily="49" charset="0"/>
+                    <a:cs typeface="Consolas" panose="020B0609020204030204" pitchFamily="49" charset="0"/>
+                  </a:rPr>
+                  <a:t>&gt;</a:t>
+                </a:r>
+                <a:endParaRPr lang="en-US" sz="2000" dirty="0">
+                  <a:solidFill>
+                    <a:schemeClr val="tx1"/>
+                  </a:solidFill>
+                  <a:latin typeface="Consolas" panose="020B0609020204030204" pitchFamily="49" charset="0"/>
+                  <a:cs typeface="Consolas" panose="020B0609020204030204" pitchFamily="49" charset="0"/>
+                </a:endParaRPr>
+              </a:p>
+            </p:txBody>
+          </p:sp>
+          <p:sp>
+            <p:nvSpPr>
+              <p:cNvPr id="13" name="TextBox 12"/>
+              <p:cNvSpPr txBox="1"/>
+              <p:nvPr/>
+            </p:nvSpPr>
+            <p:spPr>
+              <a:xfrm>
+                <a:off x="6188033" y="1624749"/>
+                <a:ext cx="4368504" cy="830997"/>
+              </a:xfrm>
+              <a:prstGeom prst="rect">
+                <a:avLst/>
+              </a:prstGeom>
+              <a:noFill/>
+            </p:spPr>
+            <p:txBody>
+              <a:bodyPr wrap="none" rtlCol="0">
+                <a:spAutoFit/>
+              </a:bodyPr>
+              <a:lstStyle/>
+              <a:p>
+                <a:r>
+                  <a:rPr lang="en-US" sz="2400" dirty="0" smtClean="0">
+                    <a:solidFill>
+                      <a:srgbClr val="FFFFCC"/>
+                    </a:solidFill>
+                    <a:latin typeface="Corbel" panose="020B0503020204020204" pitchFamily="34" charset="0"/>
+                  </a:rPr>
+                  <a:t>Arquivo único, sem dependência </a:t>
+                </a:r>
+              </a:p>
+              <a:p>
+                <a:r>
+                  <a:rPr lang="en-US" sz="2400" dirty="0" smtClean="0">
+                    <a:solidFill>
+                      <a:srgbClr val="FFFFCC"/>
+                    </a:solidFill>
+                    <a:latin typeface="Corbel" panose="020B0503020204020204" pitchFamily="34" charset="0"/>
+                  </a:rPr>
+                  <a:t>de outras bibliotecas JavaScript.</a:t>
+                </a:r>
+                <a:endParaRPr lang="en-US" sz="2400" dirty="0">
+                  <a:solidFill>
+                    <a:srgbClr val="FFFFCC"/>
+                  </a:solidFill>
+                  <a:latin typeface="Corbel" panose="020B0503020204020204" pitchFamily="34" charset="0"/>
+                </a:endParaRPr>
+              </a:p>
+            </p:txBody>
+          </p:sp>
+        </p:grpSp>
+        <p:sp>
+          <p:nvSpPr>
+            <p:cNvPr id="15" name="TextBox 14"/>
+            <p:cNvSpPr txBox="1"/>
+            <p:nvPr/>
+          </p:nvSpPr>
+          <p:spPr>
+            <a:xfrm rot="21276439">
+              <a:off x="10215183" y="2965558"/>
+              <a:ext cx="1188210" cy="369332"/>
+            </a:xfrm>
+            <a:prstGeom prst="rect">
+              <a:avLst/>
+            </a:prstGeom>
+            <a:noFill/>
+          </p:spPr>
+          <p:txBody>
+            <a:bodyPr wrap="none" rtlCol="0">
+              <a:spAutoFit/>
+            </a:bodyPr>
+            <a:lstStyle/>
+            <a:p>
+              <a:r>
+                <a:rPr lang="en-US" dirty="0" smtClean="0">
+                  <a:latin typeface="Corbel" panose="020B0503020204020204" pitchFamily="34" charset="0"/>
+                </a:rPr>
+                <a:t>Script TAG</a:t>
+              </a:r>
+              <a:endParaRPr lang="en-US" dirty="0">
+                <a:latin typeface="Corbel" panose="020B0503020204020204" pitchFamily="34" charset="0"/>
+              </a:endParaRPr>
+            </a:p>
+          </p:txBody>
+        </p:sp>
+      </p:grpSp>
+      <p:sp>
+        <p:nvSpPr>
+          <p:cNvPr id="17" name="TextBox 16"/>
+          <p:cNvSpPr txBox="1"/>
+          <p:nvPr/>
+        </p:nvSpPr>
+        <p:spPr>
+          <a:xfrm>
+            <a:off x="2855640" y="5954286"/>
+            <a:ext cx="5859296" cy="369332"/>
+          </a:xfrm>
+          <a:prstGeom prst="rect">
+            <a:avLst/>
+          </a:prstGeom>
+          <a:noFill/>
+        </p:spPr>
+        <p:txBody>
+          <a:bodyPr wrap="none" rtlCol="0">
+            <a:spAutoFit/>
+          </a:bodyPr>
+          <a:lstStyle/>
+          <a:p>
+            <a:r>
+              <a:rPr lang="en-US" dirty="0" smtClean="0">
+                <a:latin typeface="Corbel" panose="020B0503020204020204" pitchFamily="34" charset="0"/>
+              </a:rPr>
+              <a:t>Aplicando bindings do data model a interface com o usuário</a:t>
+            </a:r>
+            <a:endParaRPr lang="en-US" dirty="0">
+              <a:latin typeface="Corbel" panose="020B0503020204020204" pitchFamily="34" charset="0"/>
+            </a:endParaRPr>
+          </a:p>
+        </p:txBody>
+      </p:sp>
+      <p:sp>
+        <p:nvSpPr>
+          <p:cNvPr id="18" name="TextBox 17"/>
+          <p:cNvSpPr txBox="1"/>
+          <p:nvPr/>
+        </p:nvSpPr>
+        <p:spPr>
+          <a:xfrm>
+            <a:off x="863400" y="3606115"/>
+            <a:ext cx="4368504" cy="830997"/>
+          </a:xfrm>
+          <a:prstGeom prst="rect">
+            <a:avLst/>
+          </a:prstGeom>
+          <a:noFill/>
+        </p:spPr>
+        <p:txBody>
+          <a:bodyPr wrap="none" rtlCol="0">
+            <a:spAutoFit/>
+          </a:bodyPr>
+          <a:lstStyle/>
+          <a:p>
+            <a:r>
+              <a:rPr lang="en-US" sz="2400" dirty="0" smtClean="0">
+                <a:solidFill>
+                  <a:srgbClr val="FFFFCC"/>
+                </a:solidFill>
+                <a:latin typeface="Corbel" panose="020B0503020204020204" pitchFamily="34" charset="0"/>
+              </a:rPr>
+              <a:t>Arquivo único, sem dependência </a:t>
+            </a:r>
+          </a:p>
+          <a:p>
+            <a:r>
+              <a:rPr lang="en-US" sz="2400" dirty="0" smtClean="0">
+                <a:solidFill>
+                  <a:srgbClr val="FFFFCC"/>
+                </a:solidFill>
+                <a:latin typeface="Corbel" panose="020B0503020204020204" pitchFamily="34" charset="0"/>
+              </a:rPr>
+              <a:t>de outras bibliotecas JavaScript.</a:t>
+            </a:r>
+            <a:endParaRPr lang="en-US" sz="2400" dirty="0">
+              <a:solidFill>
+                <a:srgbClr val="FFFFCC"/>
+              </a:solidFill>
+              <a:latin typeface="Corbel" panose="020B0503020204020204" pitchFamily="34" charset="0"/>
+            </a:endParaRPr>
+          </a:p>
+        </p:txBody>
+      </p:sp>
     </p:spTree>
     <p:extLst>
       <p:ext uri="{BB962C8B-B14F-4D97-AF65-F5344CB8AC3E}">
@@ -21482,9 +22359,142 @@
   <p:timing>
     <p:tnLst>
       <p:par>
-        <p:cTn id="1" dur="indefinite" restart="never" nodeType="tmRoot"/>
+        <p:cTn id="1" dur="indefinite" restart="never" nodeType="tmRoot">
+          <p:childTnLst>
+            <p:seq concurrent="1" nextAc="seek">
+              <p:cTn id="2" dur="indefinite" nodeType="mainSeq">
+                <p:childTnLst>
+                  <p:par>
+                    <p:cTn id="3" fill="hold">
+                      <p:stCondLst>
+                        <p:cond delay="indefinite"/>
+                      </p:stCondLst>
+                      <p:childTnLst>
+                        <p:par>
+                          <p:cTn id="4" fill="hold">
+                            <p:stCondLst>
+                              <p:cond delay="0"/>
+                            </p:stCondLst>
+                            <p:childTnLst>
+                              <p:par>
+                                <p:cTn id="5" presetID="10" presetClass="entr" presetSubtype="0" fill="hold" grpId="0" nodeType="clickEffect">
+                                  <p:stCondLst>
+                                    <p:cond delay="0"/>
+                                  </p:stCondLst>
+                                  <p:childTnLst>
+                                    <p:set>
+                                      <p:cBhvr>
+                                        <p:cTn id="6" dur="1" fill="hold">
+                                          <p:stCondLst>
+                                            <p:cond delay="0"/>
+                                          </p:stCondLst>
+                                        </p:cTn>
+                                        <p:tgtEl>
+                                          <p:spTgt spid="11"/>
+                                        </p:tgtEl>
+                                        <p:attrNameLst>
+                                          <p:attrName>style.visibility</p:attrName>
+                                        </p:attrNameLst>
+                                      </p:cBhvr>
+                                      <p:to>
+                                        <p:strVal val="visible"/>
+                                      </p:to>
+                                    </p:set>
+                                    <p:animEffect transition="in" filter="fade">
+                                      <p:cBhvr>
+                                        <p:cTn id="7" dur="500"/>
+                                        <p:tgtEl>
+                                          <p:spTgt spid="11"/>
+                                        </p:tgtEl>
+                                      </p:cBhvr>
+                                    </p:animEffect>
+                                  </p:childTnLst>
+                                </p:cTn>
+                              </p:par>
+                            </p:childTnLst>
+                          </p:cTn>
+                        </p:par>
+                      </p:childTnLst>
+                    </p:cTn>
+                  </p:par>
+                  <p:par>
+                    <p:cTn id="8" fill="hold">
+                      <p:stCondLst>
+                        <p:cond delay="indefinite"/>
+                      </p:stCondLst>
+                      <p:childTnLst>
+                        <p:par>
+                          <p:cTn id="9" fill="hold">
+                            <p:stCondLst>
+                              <p:cond delay="0"/>
+                            </p:stCondLst>
+                            <p:childTnLst>
+                              <p:par>
+                                <p:cTn id="10" presetID="10" presetClass="entr" presetSubtype="0" fill="hold" grpId="0" nodeType="clickEffect">
+                                  <p:stCondLst>
+                                    <p:cond delay="0"/>
+                                  </p:stCondLst>
+                                  <p:childTnLst>
+                                    <p:set>
+                                      <p:cBhvr>
+                                        <p:cTn id="11" dur="1" fill="hold">
+                                          <p:stCondLst>
+                                            <p:cond delay="0"/>
+                                          </p:stCondLst>
+                                        </p:cTn>
+                                        <p:tgtEl>
+                                          <p:spTgt spid="12"/>
+                                        </p:tgtEl>
+                                        <p:attrNameLst>
+                                          <p:attrName>style.visibility</p:attrName>
+                                        </p:attrNameLst>
+                                      </p:cBhvr>
+                                      <p:to>
+                                        <p:strVal val="visible"/>
+                                      </p:to>
+                                    </p:set>
+                                    <p:animEffect transition="in" filter="fade">
+                                      <p:cBhvr>
+                                        <p:cTn id="12" dur="500"/>
+                                        <p:tgtEl>
+                                          <p:spTgt spid="12"/>
+                                        </p:tgtEl>
+                                      </p:cBhvr>
+                                    </p:animEffect>
+                                  </p:childTnLst>
+                                </p:cTn>
+                              </p:par>
+                            </p:childTnLst>
+                          </p:cTn>
+                        </p:par>
+                      </p:childTnLst>
+                    </p:cTn>
+                  </p:par>
+                </p:childTnLst>
+              </p:cTn>
+              <p:prevCondLst>
+                <p:cond evt="onPrev" delay="0">
+                  <p:tgtEl>
+                    <p:sldTgt/>
+                  </p:tgtEl>
+                </p:cond>
+              </p:prevCondLst>
+              <p:nextCondLst>
+                <p:cond evt="onNext" delay="0">
+                  <p:tgtEl>
+                    <p:sldTgt/>
+                  </p:tgtEl>
+                </p:cond>
+              </p:nextCondLst>
+            </p:seq>
+          </p:childTnLst>
+        </p:cTn>
       </p:par>
     </p:tnLst>
+    <p:bldLst>
+      <p:bldP spid="11" grpId="0" animBg="1"/>
+      <p:bldP spid="12" grpId="0" animBg="1"/>
+    </p:bldLst>
   </p:timing>
 </p:sld>
 </file>

--- a/Apresentacao.Knockout.JS/Knockout.JS.2014.04.pptx
+++ b/Apresentacao.Knockout.JS/Knockout.JS.2014.04.pptx
@@ -3263,7 +3263,7 @@
             <a:fld id="{E28287AA-0D99-42CE-A71B-10FA9908BBF8}" type="datetimeFigureOut">
               <a:rPr lang="en-US" smtClean="0"/>
               <a:pPr/>
-              <a:t>27-Apr-14</a:t>
+              <a:t>7/10/2016</a:t>
             </a:fld>
             <a:endParaRPr lang="en-US"/>
           </a:p>
@@ -3917,7 +3917,7 @@
             <a:fld id="{DCFA480D-CB17-4C49-BB2A-C7514E1C7CEA}" type="datetimeFigureOut">
               <a:rPr lang="en-US" smtClean="0"/>
               <a:pPr/>
-              <a:t>27-Apr-14</a:t>
+              <a:t>7/10/2016</a:t>
             </a:fld>
             <a:endParaRPr lang="en-US"/>
           </a:p>
@@ -4085,7 +4085,7 @@
             <a:fld id="{DCFA480D-CB17-4C49-BB2A-C7514E1C7CEA}" type="datetimeFigureOut">
               <a:rPr lang="en-US" smtClean="0"/>
               <a:pPr/>
-              <a:t>27-Apr-14</a:t>
+              <a:t>7/10/2016</a:t>
             </a:fld>
             <a:endParaRPr lang="en-US"/>
           </a:p>
@@ -4262,7 +4262,7 @@
             <a:fld id="{DCFA480D-CB17-4C49-BB2A-C7514E1C7CEA}" type="datetimeFigureOut">
               <a:rPr lang="en-US" smtClean="0"/>
               <a:pPr/>
-              <a:t>27-Apr-14</a:t>
+              <a:t>7/10/2016</a:t>
             </a:fld>
             <a:endParaRPr lang="en-US"/>
           </a:p>
@@ -4411,7 +4411,7 @@
             <a:fld id="{DCFA480D-CB17-4C49-BB2A-C7514E1C7CEA}" type="datetimeFigureOut">
               <a:rPr lang="en-US" smtClean="0"/>
               <a:pPr/>
-              <a:t>27-Apr-14</a:t>
+              <a:t>7/10/2016</a:t>
             </a:fld>
             <a:endParaRPr lang="en-US"/>
           </a:p>
@@ -4536,7 +4536,7 @@
             <a:fld id="{DCFA480D-CB17-4C49-BB2A-C7514E1C7CEA}" type="datetimeFigureOut">
               <a:rPr lang="en-US" smtClean="0"/>
               <a:pPr/>
-              <a:t>27-Apr-14</a:t>
+              <a:t>7/10/2016</a:t>
             </a:fld>
             <a:endParaRPr lang="en-US" dirty="0"/>
           </a:p>
@@ -4808,7 +4808,7 @@
             <a:fld id="{DCFA480D-CB17-4C49-BB2A-C7514E1C7CEA}" type="datetimeFigureOut">
               <a:rPr lang="en-US" smtClean="0"/>
               <a:pPr/>
-              <a:t>27-Apr-14</a:t>
+              <a:t>7/10/2016</a:t>
             </a:fld>
             <a:endParaRPr lang="en-US" dirty="0"/>
           </a:p>
@@ -5080,7 +5080,7 @@
             <a:fld id="{DCFA480D-CB17-4C49-BB2A-C7514E1C7CEA}" type="datetimeFigureOut">
               <a:rPr lang="en-US" smtClean="0"/>
               <a:pPr/>
-              <a:t>27-Apr-14</a:t>
+              <a:t>7/10/2016</a:t>
             </a:fld>
             <a:endParaRPr lang="en-US" dirty="0"/>
           </a:p>
@@ -5528,7 +5528,7 @@
             <a:fld id="{DCFA480D-CB17-4C49-BB2A-C7514E1C7CEA}" type="datetimeFigureOut">
               <a:rPr lang="en-US" smtClean="0"/>
               <a:pPr/>
-              <a:t>27-Apr-14</a:t>
+              <a:t>7/10/2016</a:t>
             </a:fld>
             <a:endParaRPr lang="en-US" dirty="0"/>
           </a:p>
@@ -5643,7 +5643,7 @@
             <a:fld id="{DCFA480D-CB17-4C49-BB2A-C7514E1C7CEA}" type="datetimeFigureOut">
               <a:rPr lang="en-US" smtClean="0"/>
               <a:pPr/>
-              <a:t>27-Apr-14</a:t>
+              <a:t>7/10/2016</a:t>
             </a:fld>
             <a:endParaRPr lang="en-US" dirty="0"/>
           </a:p>
@@ -5895,7 +5895,7 @@
             <a:fld id="{DCFA480D-CB17-4C49-BB2A-C7514E1C7CEA}" type="datetimeFigureOut">
               <a:rPr lang="en-US" smtClean="0"/>
               <a:pPr/>
-              <a:t>27-Apr-14</a:t>
+              <a:t>7/10/2016</a:t>
             </a:fld>
             <a:endParaRPr lang="en-US"/>
           </a:p>
@@ -6138,7 +6138,7 @@
             <a:fld id="{DCFA480D-CB17-4C49-BB2A-C7514E1C7CEA}" type="datetimeFigureOut">
               <a:rPr lang="en-US" smtClean="0"/>
               <a:pPr/>
-              <a:t>27-Apr-14</a:t>
+              <a:t>7/10/2016</a:t>
             </a:fld>
             <a:endParaRPr lang="en-US"/>
           </a:p>
@@ -6314,7 +6314,7 @@
             <a:fld id="{DCFA480D-CB17-4C49-BB2A-C7514E1C7CEA}" type="datetimeFigureOut">
               <a:rPr lang="en-US" smtClean="0"/>
               <a:pPr/>
-              <a:t>27-Apr-14</a:t>
+              <a:t>7/10/2016</a:t>
             </a:fld>
             <a:endParaRPr lang="en-US" sz="1200" dirty="0">
               <a:solidFill>
@@ -7339,13 +7339,6 @@
                 </a:rPr>
                 <a:t>{ </a:t>
               </a:r>
-              <a:endParaRPr lang="en-US" sz="2000" dirty="0" smtClean="0">
-                <a:solidFill>
-                  <a:schemeClr val="tx1"/>
-                </a:solidFill>
-                <a:latin typeface="Consolas" panose="020B0609020204030204" pitchFamily="49" charset="0"/>
-                <a:cs typeface="Consolas" panose="020B0609020204030204" pitchFamily="49" charset="0"/>
-              </a:endParaRPr>
             </a:p>
             <a:p>
               <a:r>
@@ -8884,7 +8877,6 @@
               <a:rPr lang="en-US" dirty="0" smtClean="0"/>
               <a:t>Servidor</a:t>
             </a:r>
-            <a:endParaRPr lang="en-US" dirty="0" smtClean="0"/>
           </a:p>
           <a:p>
             <a:r>
@@ -11701,17 +11693,12 @@
           <a:p>
             <a:r>
               <a:rPr lang="en-US" dirty="0" smtClean="0"/>
-              <a:t>7. Obtendo </a:t>
-            </a:r>
-            <a:r>
-              <a:rPr lang="en-US" dirty="0" smtClean="0"/>
-              <a:t>dados do </a:t>
+              <a:t>7. Obtendo dados do </a:t>
             </a:r>
             <a:r>
               <a:rPr lang="en-US" dirty="0"/>
               <a:t>Model/Servidor</a:t>
             </a:r>
-            <a:endParaRPr lang="en-US" dirty="0"/>
           </a:p>
         </p:txBody>
       </p:sp>
@@ -16252,15 +16239,7 @@
           <a:p>
             <a:r>
               <a:rPr lang="en-US" dirty="0" smtClean="0"/>
-              <a:t>8.1 Comparação </a:t>
-            </a:r>
-            <a:r>
-              <a:rPr lang="en-US" dirty="0" smtClean="0"/>
-              <a:t>do ASP com o </a:t>
-            </a:r>
-            <a:r>
-              <a:rPr lang="en-US" dirty="0" smtClean="0"/>
-              <a:t>Knockout.JS</a:t>
+              <a:t>8.1 Comparação do ASP com o Knockout.JS</a:t>
             </a:r>
             <a:endParaRPr lang="en-US" dirty="0"/>
           </a:p>
@@ -16283,11 +16262,7 @@
           <a:p>
             <a:r>
               <a:rPr lang="en-US" dirty="0" smtClean="0"/>
-              <a:t>View (</a:t>
-            </a:r>
-            <a:r>
-              <a:rPr lang="en-US" dirty="0" smtClean="0"/>
-              <a:t>HTML, Template)</a:t>
+              <a:t>View (HTML, Template)</a:t>
             </a:r>
             <a:endParaRPr lang="en-US" dirty="0"/>
           </a:p>
@@ -21046,9 +21021,26 @@
           </a:p>
           <a:p>
             <a:r>
-              <a:rPr lang="en-US" dirty="0"/>
-              <a:t>https://github.com/rodrigolessa/Sample.Kadastro.asp</a:t>
-            </a:r>
+              <a:rPr lang="en-US" dirty="0">
+                <a:solidFill>
+                  <a:srgbClr val="FFC000"/>
+                </a:solidFill>
+              </a:rPr>
+              <a:t>https://</a:t>
+            </a:r>
+            <a:r>
+              <a:rPr lang="en-US" dirty="0" smtClean="0">
+                <a:solidFill>
+                  <a:srgbClr val="FFC000"/>
+                </a:solidFill>
+              </a:rPr>
+              <a:t>github.com/rodrigolessa/demo.knockout.asp</a:t>
+            </a:r>
+            <a:endParaRPr lang="en-US" dirty="0">
+              <a:solidFill>
+                <a:srgbClr val="FFC000"/>
+              </a:solidFill>
+            </a:endParaRPr>
           </a:p>
         </p:txBody>
       </p:sp>
@@ -24083,11 +24075,7 @@
             </a:r>
             <a:r>
               <a:rPr lang="en-US" dirty="0" smtClean="0"/>
-              <a:t>Ela </a:t>
-            </a:r>
-            <a:r>
-              <a:rPr lang="en-US" dirty="0" smtClean="0"/>
-              <a:t>coordena </a:t>
+              <a:t>Ela coordena </a:t>
             </a:r>
             <a:r>
               <a:rPr lang="en-US" dirty="0"/>
@@ -25523,15 +25511,7 @@
           <a:p>
             <a:r>
               <a:rPr lang="en-US" dirty="0" smtClean="0"/>
-              <a:t>3.</a:t>
-            </a:r>
-            <a:r>
-              <a:rPr lang="en-US" dirty="0" smtClean="0"/>
-              <a:t> </a:t>
-            </a:r>
-            <a:r>
-              <a:rPr lang="en-US" dirty="0" smtClean="0"/>
-              <a:t>Instalação</a:t>
+              <a:t>3. Instalação</a:t>
             </a:r>
             <a:endParaRPr lang="en-US" dirty="0"/>
           </a:p>
@@ -25889,7 +25869,37 @@
                     <a:latin typeface="Consolas" panose="020B0609020204030204" pitchFamily="49" charset="0"/>
                     <a:cs typeface="Consolas" panose="020B0609020204030204" pitchFamily="49" charset="0"/>
                   </a:rPr>
-                  <a:t>"js/libs/knockout-3.1.0.js"</a:t>
+                  <a:t>"</a:t>
+                </a:r>
+                <a:r>
+                  <a:rPr lang="en-US" sz="2000" dirty="0" err="1" smtClean="0">
+                    <a:solidFill>
+                      <a:schemeClr val="tx2"/>
+                    </a:solidFill>
+                    <a:latin typeface="Consolas" panose="020B0609020204030204" pitchFamily="49" charset="0"/>
+                    <a:cs typeface="Consolas" panose="020B0609020204030204" pitchFamily="49" charset="0"/>
+                  </a:rPr>
+                  <a:t>js</a:t>
+                </a:r>
+                <a:r>
+                  <a:rPr lang="en-US" sz="2000" dirty="0" smtClean="0">
+                    <a:solidFill>
+                      <a:schemeClr val="tx2"/>
+                    </a:solidFill>
+                    <a:latin typeface="Consolas" panose="020B0609020204030204" pitchFamily="49" charset="0"/>
+                    <a:cs typeface="Consolas" panose="020B0609020204030204" pitchFamily="49" charset="0"/>
+                  </a:rPr>
+                  <a:t>/libs/knockout-3.4.0.js</a:t>
+                </a:r>
+                <a:r>
+                  <a:rPr lang="en-US" sz="2000" dirty="0">
+                    <a:solidFill>
+                      <a:schemeClr val="tx2"/>
+                    </a:solidFill>
+                    <a:latin typeface="Consolas" panose="020B0609020204030204" pitchFamily="49" charset="0"/>
+                    <a:cs typeface="Consolas" panose="020B0609020204030204" pitchFamily="49" charset="0"/>
+                  </a:rPr>
+                  <a:t>"</a:t>
                 </a:r>
                 <a:r>
                   <a:rPr lang="en-US" sz="2000" dirty="0">
@@ -26494,7 +26504,22 @@
                   </a:schemeClr>
                 </a:solidFill>
               </a:rPr>
-              <a:t> </a:t>
+              <a:t> – já possui vários construidos e fácil de adicionar outros</a:t>
+            </a:r>
+          </a:p>
+          <a:p>
+            <a:pPr>
+              <a:lnSpc>
+                <a:spcPct val="150000"/>
+              </a:lnSpc>
+            </a:pPr>
+            <a:r>
+              <a:rPr lang="en-US" dirty="0"/>
+              <a:t>Automatic UI </a:t>
+            </a:r>
+            <a:r>
+              <a:rPr lang="en-US" dirty="0" smtClean="0"/>
+              <a:t>Refresh</a:t>
             </a:r>
             <a:r>
               <a:rPr lang="en-US" dirty="0" smtClean="0">
@@ -26504,15 +26529,8 @@
                   </a:schemeClr>
                 </a:solidFill>
               </a:rPr>
-              <a:t>– já possui vários construidos e fácil de adicionar outros</a:t>
-            </a:r>
-            <a:endParaRPr lang="en-US" dirty="0" smtClean="0">
-              <a:solidFill>
-                <a:schemeClr val="tx1">
-                  <a:lumMod val="65000"/>
-                </a:schemeClr>
-              </a:solidFill>
-            </a:endParaRPr>
+              <a:t> – utilizando funções do observable</a:t>
+            </a:r>
           </a:p>
           <a:p>
             <a:pPr>
@@ -26522,11 +26540,11 @@
             </a:pPr>
             <a:r>
               <a:rPr lang="en-US" dirty="0"/>
-              <a:t>Automatic UI </a:t>
+              <a:t>Dependency </a:t>
             </a:r>
             <a:r>
               <a:rPr lang="en-US" dirty="0" smtClean="0"/>
-              <a:t>Refresh</a:t>
+              <a:t>Tracking</a:t>
             </a:r>
             <a:r>
               <a:rPr lang="en-US" dirty="0" smtClean="0">
@@ -26536,7 +26554,18 @@
                   </a:schemeClr>
                 </a:solidFill>
               </a:rPr>
-              <a:t> </a:t>
+              <a:t> – atualiza todas as dependências dos objetos observados</a:t>
+            </a:r>
+          </a:p>
+          <a:p>
+            <a:pPr>
+              <a:lnSpc>
+                <a:spcPct val="150000"/>
+              </a:lnSpc>
+            </a:pPr>
+            <a:r>
+              <a:rPr lang="en-US" dirty="0" smtClean="0"/>
+              <a:t>Templating</a:t>
             </a:r>
             <a:r>
               <a:rPr lang="en-US" dirty="0" smtClean="0">
@@ -26546,97 +26575,7 @@
                   </a:schemeClr>
                 </a:solidFill>
               </a:rPr>
-              <a:t>– </a:t>
-            </a:r>
-            <a:r>
-              <a:rPr lang="en-US" dirty="0" smtClean="0">
-                <a:solidFill>
-                  <a:schemeClr val="tx1">
-                    <a:lumMod val="65000"/>
-                  </a:schemeClr>
-                </a:solidFill>
-              </a:rPr>
-              <a:t>utilizando funções do observable</a:t>
-            </a:r>
-            <a:endParaRPr lang="en-US" dirty="0" smtClean="0">
-              <a:solidFill>
-                <a:schemeClr val="tx1">
-                  <a:lumMod val="65000"/>
-                </a:schemeClr>
-              </a:solidFill>
-            </a:endParaRPr>
-          </a:p>
-          <a:p>
-            <a:pPr>
-              <a:lnSpc>
-                <a:spcPct val="150000"/>
-              </a:lnSpc>
-            </a:pPr>
-            <a:r>
-              <a:rPr lang="en-US" dirty="0"/>
-              <a:t>Dependency </a:t>
-            </a:r>
-            <a:r>
-              <a:rPr lang="en-US" dirty="0" smtClean="0"/>
-              <a:t>Tracking</a:t>
-            </a:r>
-            <a:r>
-              <a:rPr lang="en-US" dirty="0" smtClean="0">
-                <a:solidFill>
-                  <a:schemeClr val="tx1">
-                    <a:lumMod val="65000"/>
-                  </a:schemeClr>
-                </a:solidFill>
-              </a:rPr>
-              <a:t> </a:t>
-            </a:r>
-            <a:r>
-              <a:rPr lang="en-US" dirty="0" smtClean="0">
-                <a:solidFill>
-                  <a:schemeClr val="tx1">
-                    <a:lumMod val="65000"/>
-                  </a:schemeClr>
-                </a:solidFill>
-              </a:rPr>
-              <a:t>– atualiza todas as dependências dos objetos observados</a:t>
-            </a:r>
-            <a:endParaRPr lang="en-US" dirty="0" smtClean="0">
-              <a:solidFill>
-                <a:schemeClr val="tx1">
-                  <a:lumMod val="65000"/>
-                </a:schemeClr>
-              </a:solidFill>
-            </a:endParaRPr>
-          </a:p>
-          <a:p>
-            <a:pPr>
-              <a:lnSpc>
-                <a:spcPct val="150000"/>
-              </a:lnSpc>
-            </a:pPr>
-            <a:r>
-              <a:rPr lang="en-US" dirty="0" smtClean="0"/>
-              <a:t>Templating</a:t>
-            </a:r>
-            <a:r>
-              <a:rPr lang="en-US" dirty="0" smtClean="0">
-                <a:solidFill>
-                  <a:schemeClr val="tx1">
-                    <a:lumMod val="65000"/>
-                  </a:schemeClr>
-                </a:solidFill>
-              </a:rPr>
-              <a:t> </a:t>
-            </a:r>
-            <a:r>
-              <a:rPr lang="en-US" dirty="0" smtClean="0">
-                <a:solidFill>
-                  <a:schemeClr val="tx1">
-                    <a:lumMod val="65000"/>
-                  </a:schemeClr>
-                </a:solidFill>
-              </a:rPr>
-              <a:t>– construção  do html para o DOM</a:t>
+              <a:t> – construção  do html para o DOM</a:t>
             </a:r>
             <a:endParaRPr lang="en-US" dirty="0">
               <a:solidFill>
@@ -26665,15 +26604,7 @@
           <a:p>
             <a:r>
               <a:rPr lang="en-US" dirty="0" smtClean="0"/>
-              <a:t>4.</a:t>
-            </a:r>
-            <a:r>
-              <a:rPr lang="en-US" dirty="0" smtClean="0"/>
-              <a:t> Conceitos/recursos </a:t>
-            </a:r>
-            <a:r>
-              <a:rPr lang="en-US" dirty="0" smtClean="0"/>
-              <a:t>chaves do KOjs</a:t>
+              <a:t>4. Conceitos/recursos chaves do KOjs</a:t>
             </a:r>
             <a:endParaRPr lang="en-US" dirty="0"/>
           </a:p>
